--- a/help/data-sheets/assets/EnterpriseSupportDatasheet.pptx
+++ b/help/data-sheets/assets/EnterpriseSupportDatasheet.pptx
@@ -450,7 +450,7 @@
           <a:p>
             <a:fld id="{CCB2A597-803A-C244-97E2-A01066125D19}" type="datetimeFigureOut">
               <a:rPr lang="en-US" smtClean="0"/>
-              <a:t>9/22/2021</a:t>
+              <a:t>10/1/2021</a:t>
             </a:fld>
             <a:endParaRPr lang="en-US"/>
           </a:p>
@@ -1231,7 +1231,7 @@
           <a:p>
             <a:fld id="{1D8BD707-D9CF-40AE-B4C6-C98DA3205C09}" type="datetimeFigureOut">
               <a:rPr lang="en-US"/>
-              <a:t>9/22/2021</a:t>
+              <a:t>10/1/2021</a:t>
             </a:fld>
             <a:endParaRPr lang="en-US"/>
           </a:p>
@@ -1471,7 +1471,7 @@
           <a:p>
             <a:fld id="{1D8BD707-D9CF-40AE-B4C6-C98DA3205C09}" type="datetimeFigureOut">
               <a:rPr lang="en-US"/>
-              <a:t>9/22/2021</a:t>
+              <a:t>10/1/2021</a:t>
             </a:fld>
             <a:endParaRPr lang="en-US"/>
           </a:p>
@@ -1724,7 +1724,7 @@
           <a:p>
             <a:fld id="{1D8BD707-D9CF-40AE-B4C6-C98DA3205C09}" type="datetimeFigureOut">
               <a:rPr lang="en-US"/>
-              <a:t>9/22/2021</a:t>
+              <a:t>10/1/2021</a:t>
             </a:fld>
             <a:endParaRPr lang="en-US"/>
           </a:p>
@@ -1911,7 +1911,7 @@
           <a:p>
             <a:fld id="{1D8BD707-D9CF-40AE-B4C6-C98DA3205C09}" type="datetimeFigureOut">
               <a:rPr lang="en-US"/>
-              <a:t>9/22/2021</a:t>
+              <a:t>10/1/2021</a:t>
             </a:fld>
             <a:endParaRPr lang="en-US"/>
           </a:p>
@@ -2069,7 +2069,7 @@
           <a:p>
             <a:fld id="{1D8BD707-D9CF-40AE-B4C6-C98DA3205C09}" type="datetimeFigureOut">
               <a:rPr lang="en-US"/>
-              <a:t>9/22/2021</a:t>
+              <a:t>10/1/2021</a:t>
             </a:fld>
             <a:endParaRPr lang="en-US"/>
           </a:p>
@@ -2327,7 +2327,7 @@
           <a:p>
             <a:fld id="{1D8BD707-D9CF-40AE-B4C6-C98DA3205C09}" type="datetimeFigureOut">
               <a:rPr lang="en-US"/>
-              <a:t>9/22/2021</a:t>
+              <a:t>10/1/2021</a:t>
             </a:fld>
             <a:endParaRPr lang="en-US"/>
           </a:p>
@@ -2580,32 +2580,11 @@
               </a:spcBef>
             </a:pPr>
             <a:r>
-              <a:rPr sz="2300" spc="-229">
+              <a:rPr lang="es-ES" sz="2300">
                 <a:latin typeface="Adobe Clean" panose="020B0503020404020204" pitchFamily="34" charset="0"/>
               </a:rPr>
-              <a:t>ADOBE</a:t>
-            </a:r>
-            <a:r>
-              <a:rPr lang="en-US" sz="2300" spc="-229">
-                <a:latin typeface="Adobe Clean" panose="020B0503020404020204" pitchFamily="34" charset="0"/>
-              </a:rPr>
-              <a:t>   </a:t>
-            </a:r>
-            <a:r>
-              <a:rPr sz="2300" spc="-229">
-                <a:latin typeface="Adobe Clean" panose="020B0503020404020204" pitchFamily="34" charset="0"/>
-              </a:rPr>
-              <a:t>SUPPORT</a:t>
-            </a:r>
-            <a:r>
-              <a:rPr lang="en-US" sz="2300" spc="-229">
-                <a:latin typeface="Adobe Clean" panose="020B0503020404020204" pitchFamily="34" charset="0"/>
-              </a:rPr>
-              <a:t>  OFFERINGS</a:t>
-            </a:r>
-            <a:endParaRPr sz="2300" spc="-229">
-              <a:latin typeface="Adobe Clean" panose="020B0503020404020204" pitchFamily="34" charset="0"/>
-            </a:endParaRPr>
+              <a:t>OFERTA DE ASISTENCIA DE ADOBE</a:t>
+            </a:r>
           </a:p>
         </p:txBody>
       </p:sp>
@@ -2639,7 +2618,7 @@
               </a:spcBef>
             </a:pPr>
             <a:r>
-              <a:rPr sz="1400" b="1" u="sng" spc="15">
+              <a:rPr lang="es-ES" sz="1400" b="1" u="sng" dirty="0">
                 <a:solidFill>
                   <a:srgbClr val="020302"/>
                 </a:solidFill>
@@ -2651,477 +2630,8 @@
                 <a:latin typeface="Adobe Clean"/>
                 <a:cs typeface="Adobe Clean"/>
               </a:rPr>
-              <a:t>S</a:t>
-            </a:r>
-            <a:r>
-              <a:rPr sz="1400" b="1" u="sng" spc="5">
-                <a:solidFill>
-                  <a:srgbClr val="020302"/>
-                </a:solidFill>
-                <a:uFill>
-                  <a:solidFill>
-                    <a:srgbClr val="020302"/>
-                  </a:solidFill>
-                </a:uFill>
-                <a:latin typeface="Adobe Clean"/>
-                <a:cs typeface="Adobe Clean"/>
-              </a:rPr>
-              <a:t>er</a:t>
-            </a:r>
-            <a:r>
-              <a:rPr sz="1400" b="1" u="sng" spc="10">
-                <a:solidFill>
-                  <a:srgbClr val="020302"/>
-                </a:solidFill>
-                <a:uFill>
-                  <a:solidFill>
-                    <a:srgbClr val="020302"/>
-                  </a:solidFill>
-                </a:uFill>
-                <a:latin typeface="Adobe Clean"/>
-                <a:cs typeface="Adobe Clean"/>
-              </a:rPr>
-              <a:t>vi</a:t>
-            </a:r>
-            <a:r>
-              <a:rPr sz="1400" b="1" u="sng" spc="5">
-                <a:solidFill>
-                  <a:srgbClr val="020302"/>
-                </a:solidFill>
-                <a:uFill>
-                  <a:solidFill>
-                    <a:srgbClr val="020302"/>
-                  </a:solidFill>
-                </a:uFill>
-                <a:latin typeface="Adobe Clean"/>
-                <a:cs typeface="Adobe Clean"/>
-              </a:rPr>
-              <a:t>c</a:t>
-            </a:r>
-            <a:r>
-              <a:rPr sz="1400" b="1" u="sng">
-                <a:solidFill>
-                  <a:srgbClr val="020302"/>
-                </a:solidFill>
-                <a:uFill>
-                  <a:solidFill>
-                    <a:srgbClr val="020302"/>
-                  </a:solidFill>
-                </a:uFill>
-                <a:latin typeface="Adobe Clean"/>
-                <a:cs typeface="Adobe Clean"/>
-              </a:rPr>
-              <a:t>e</a:t>
-            </a:r>
-            <a:r>
-              <a:rPr sz="1400" b="1" u="sng" spc="20">
-                <a:solidFill>
-                  <a:srgbClr val="020302"/>
-                </a:solidFill>
-                <a:uFill>
-                  <a:solidFill>
-                    <a:srgbClr val="020302"/>
-                  </a:solidFill>
-                </a:uFill>
-                <a:latin typeface="Adobe Clean"/>
-                <a:cs typeface="Adobe Clean"/>
-              </a:rPr>
-              <a:t> </a:t>
-            </a:r>
-            <a:r>
-              <a:rPr sz="1400" b="1" u="sng" spc="-15">
-                <a:solidFill>
-                  <a:srgbClr val="020302"/>
-                </a:solidFill>
-                <a:uFill>
-                  <a:solidFill>
-                    <a:srgbClr val="020302"/>
-                  </a:solidFill>
-                </a:uFill>
-                <a:latin typeface="Adobe Clean"/>
-                <a:cs typeface="Adobe Clean"/>
-              </a:rPr>
-              <a:t>Le</a:t>
-            </a:r>
-            <a:r>
-              <a:rPr sz="1400" b="1" u="sng" spc="-10">
-                <a:solidFill>
-                  <a:srgbClr val="020302"/>
-                </a:solidFill>
-                <a:uFill>
-                  <a:solidFill>
-                    <a:srgbClr val="020302"/>
-                  </a:solidFill>
-                </a:uFill>
-                <a:latin typeface="Adobe Clean"/>
-                <a:cs typeface="Adobe Clean"/>
-              </a:rPr>
-              <a:t>v</a:t>
-            </a:r>
-            <a:r>
-              <a:rPr sz="1400" b="1" u="sng" spc="-15">
-                <a:solidFill>
-                  <a:srgbClr val="020302"/>
-                </a:solidFill>
-                <a:uFill>
-                  <a:solidFill>
-                    <a:srgbClr val="020302"/>
-                  </a:solidFill>
-                </a:uFill>
-                <a:latin typeface="Adobe Clean"/>
-                <a:cs typeface="Adobe Clean"/>
-              </a:rPr>
-              <a:t>e</a:t>
-            </a:r>
-            <a:r>
-              <a:rPr sz="1400" b="1" u="sng">
-                <a:solidFill>
-                  <a:srgbClr val="020302"/>
-                </a:solidFill>
-                <a:uFill>
-                  <a:solidFill>
-                    <a:srgbClr val="020302"/>
-                  </a:solidFill>
-                </a:uFill>
-                <a:latin typeface="Adobe Clean"/>
-                <a:cs typeface="Adobe Clean"/>
-              </a:rPr>
-              <a:t>l</a:t>
-            </a:r>
-            <a:r>
-              <a:rPr sz="1400" b="1" u="sng" spc="-15">
-                <a:solidFill>
-                  <a:srgbClr val="020302"/>
-                </a:solidFill>
-                <a:uFill>
-                  <a:solidFill>
-                    <a:srgbClr val="020302"/>
-                  </a:solidFill>
-                </a:uFill>
-                <a:latin typeface="Adobe Clean"/>
-                <a:cs typeface="Adobe Clean"/>
-              </a:rPr>
-              <a:t> </a:t>
-            </a:r>
-            <a:r>
-              <a:rPr sz="1400" b="1" u="sng" spc="-55">
-                <a:solidFill>
-                  <a:srgbClr val="020302"/>
-                </a:solidFill>
-                <a:uFill>
-                  <a:solidFill>
-                    <a:srgbClr val="020302"/>
-                  </a:solidFill>
-                </a:uFill>
-                <a:latin typeface="Adobe Clean"/>
-                <a:cs typeface="Adobe Clean"/>
-              </a:rPr>
-              <a:t>T</a:t>
-            </a:r>
-            <a:r>
-              <a:rPr sz="1400" b="1" u="sng" spc="-40">
-                <a:solidFill>
-                  <a:srgbClr val="020302"/>
-                </a:solidFill>
-                <a:uFill>
-                  <a:solidFill>
-                    <a:srgbClr val="020302"/>
-                  </a:solidFill>
-                </a:uFill>
-                <a:latin typeface="Adobe Clean"/>
-                <a:cs typeface="Adobe Clean"/>
-              </a:rPr>
-              <a:t>a</a:t>
-            </a:r>
-            <a:r>
-              <a:rPr sz="1400" b="1" u="sng" spc="-45">
-                <a:solidFill>
-                  <a:srgbClr val="020302"/>
-                </a:solidFill>
-                <a:uFill>
-                  <a:solidFill>
-                    <a:srgbClr val="020302"/>
-                  </a:solidFill>
-                </a:uFill>
-                <a:latin typeface="Adobe Clean"/>
-                <a:cs typeface="Adobe Clean"/>
-              </a:rPr>
-              <a:t>r</a:t>
-            </a:r>
-            <a:r>
-              <a:rPr sz="1400" b="1" u="sng" spc="-40">
-                <a:solidFill>
-                  <a:srgbClr val="020302"/>
-                </a:solidFill>
-                <a:uFill>
-                  <a:solidFill>
-                    <a:srgbClr val="020302"/>
-                  </a:solidFill>
-                </a:uFill>
-                <a:latin typeface="Adobe Clean"/>
-                <a:cs typeface="Adobe Clean"/>
-              </a:rPr>
-              <a:t>g</a:t>
-            </a:r>
-            <a:r>
-              <a:rPr sz="1400" b="1" u="sng" spc="-50">
-                <a:solidFill>
-                  <a:srgbClr val="020302"/>
-                </a:solidFill>
-                <a:uFill>
-                  <a:solidFill>
-                    <a:srgbClr val="020302"/>
-                  </a:solidFill>
-                </a:uFill>
-                <a:latin typeface="Adobe Clean"/>
-                <a:cs typeface="Adobe Clean"/>
-              </a:rPr>
-              <a:t>et</a:t>
-            </a:r>
-            <a:r>
-              <a:rPr sz="1400" b="1" u="sng" spc="-45">
-                <a:solidFill>
-                  <a:srgbClr val="020302"/>
-                </a:solidFill>
-                <a:uFill>
-                  <a:solidFill>
-                    <a:srgbClr val="020302"/>
-                  </a:solidFill>
-                </a:uFill>
-                <a:latin typeface="Adobe Clean"/>
-                <a:cs typeface="Adobe Clean"/>
-              </a:rPr>
-              <a:t>s</a:t>
-            </a:r>
-            <a:r>
-              <a:rPr sz="1400" b="1" u="sng">
-                <a:solidFill>
-                  <a:srgbClr val="020302"/>
-                </a:solidFill>
-                <a:uFill>
-                  <a:solidFill>
-                    <a:srgbClr val="020302"/>
-                  </a:solidFill>
-                </a:uFill>
-                <a:latin typeface="Adobe Clean"/>
-                <a:cs typeface="Adobe Clean"/>
-              </a:rPr>
-              <a:t>:</a:t>
-            </a:r>
-            <a:r>
-              <a:rPr sz="1400" b="1" u="sng" spc="-85">
-                <a:solidFill>
-                  <a:srgbClr val="020302"/>
-                </a:solidFill>
-                <a:uFill>
-                  <a:solidFill>
-                    <a:srgbClr val="020302"/>
-                  </a:solidFill>
-                </a:uFill>
-                <a:latin typeface="Adobe Clean"/>
-                <a:cs typeface="Adobe Clean"/>
-              </a:rPr>
-              <a:t> </a:t>
-            </a:r>
-            <a:r>
-              <a:rPr sz="1400" b="1" u="sng" spc="-15">
-                <a:solidFill>
-                  <a:srgbClr val="020302"/>
-                </a:solidFill>
-                <a:uFill>
-                  <a:solidFill>
-                    <a:srgbClr val="020302"/>
-                  </a:solidFill>
-                </a:uFill>
-                <a:latin typeface="Adobe Clean"/>
-                <a:cs typeface="Adobe Clean"/>
-              </a:rPr>
-              <a:t>I</a:t>
-            </a:r>
-            <a:r>
-              <a:rPr sz="1400" b="1" u="sng" spc="-10">
-                <a:solidFill>
-                  <a:srgbClr val="020302"/>
-                </a:solidFill>
-                <a:uFill>
-                  <a:solidFill>
-                    <a:srgbClr val="020302"/>
-                  </a:solidFill>
-                </a:uFill>
-                <a:latin typeface="Adobe Clean"/>
-                <a:cs typeface="Adobe Clean"/>
-              </a:rPr>
-              <a:t>ni</a:t>
-            </a:r>
-            <a:r>
-              <a:rPr sz="1400" b="1" u="sng" spc="-15">
-                <a:solidFill>
-                  <a:srgbClr val="020302"/>
-                </a:solidFill>
-                <a:uFill>
-                  <a:solidFill>
-                    <a:srgbClr val="020302"/>
-                  </a:solidFill>
-                </a:uFill>
-                <a:latin typeface="Adobe Clean"/>
-                <a:cs typeface="Adobe Clean"/>
-              </a:rPr>
-              <a:t>t</a:t>
-            </a:r>
-            <a:r>
-              <a:rPr sz="1400" b="1" u="sng" spc="-10">
-                <a:solidFill>
-                  <a:srgbClr val="020302"/>
-                </a:solidFill>
-                <a:uFill>
-                  <a:solidFill>
-                    <a:srgbClr val="020302"/>
-                  </a:solidFill>
-                </a:uFill>
-                <a:latin typeface="Adobe Clean"/>
-                <a:cs typeface="Adobe Clean"/>
-              </a:rPr>
-              <a:t>i</a:t>
-            </a:r>
-            <a:r>
-              <a:rPr sz="1400" b="1" u="sng" spc="-5">
-                <a:solidFill>
-                  <a:srgbClr val="020302"/>
-                </a:solidFill>
-                <a:uFill>
-                  <a:solidFill>
-                    <a:srgbClr val="020302"/>
-                  </a:solidFill>
-                </a:uFill>
-                <a:latin typeface="Adobe Clean"/>
-                <a:cs typeface="Adobe Clean"/>
-              </a:rPr>
-              <a:t>a</a:t>
-            </a:r>
-            <a:r>
-              <a:rPr sz="1400" b="1" u="sng">
-                <a:solidFill>
-                  <a:srgbClr val="020302"/>
-                </a:solidFill>
-                <a:uFill>
-                  <a:solidFill>
-                    <a:srgbClr val="020302"/>
-                  </a:solidFill>
-                </a:uFill>
-                <a:latin typeface="Adobe Clean"/>
-                <a:cs typeface="Adobe Clean"/>
-              </a:rPr>
-              <a:t>l</a:t>
-            </a:r>
-            <a:r>
-              <a:rPr sz="1400" b="1" u="sng" spc="-145">
-                <a:solidFill>
-                  <a:srgbClr val="020302"/>
-                </a:solidFill>
-                <a:uFill>
-                  <a:solidFill>
-                    <a:srgbClr val="020302"/>
-                  </a:solidFill>
-                </a:uFill>
-                <a:latin typeface="Adobe Clean"/>
-                <a:cs typeface="Adobe Clean"/>
-              </a:rPr>
-              <a:t> </a:t>
-            </a:r>
-            <a:r>
-              <a:rPr sz="1400" b="1" u="sng" spc="-15">
-                <a:solidFill>
-                  <a:srgbClr val="020302"/>
-                </a:solidFill>
-                <a:uFill>
-                  <a:solidFill>
-                    <a:srgbClr val="020302"/>
-                  </a:solidFill>
-                </a:uFill>
-                <a:latin typeface="Adobe Clean"/>
-                <a:cs typeface="Adobe Clean"/>
-              </a:rPr>
-              <a:t>R</a:t>
-            </a:r>
-            <a:r>
-              <a:rPr sz="1400" b="1" u="sng" spc="-20">
-                <a:solidFill>
-                  <a:srgbClr val="020302"/>
-                </a:solidFill>
-                <a:uFill>
-                  <a:solidFill>
-                    <a:srgbClr val="020302"/>
-                  </a:solidFill>
-                </a:uFill>
-                <a:latin typeface="Adobe Clean"/>
-                <a:cs typeface="Adobe Clean"/>
-              </a:rPr>
-              <a:t>e</a:t>
-            </a:r>
-            <a:r>
-              <a:rPr sz="1400" b="1" u="sng" spc="-15">
-                <a:solidFill>
-                  <a:srgbClr val="020302"/>
-                </a:solidFill>
-                <a:uFill>
-                  <a:solidFill>
-                    <a:srgbClr val="020302"/>
-                  </a:solidFill>
-                </a:uFill>
-                <a:latin typeface="Adobe Clean"/>
-                <a:cs typeface="Adobe Clean"/>
-              </a:rPr>
-              <a:t>s</a:t>
-            </a:r>
-            <a:r>
-              <a:rPr sz="1400" b="1" u="sng" spc="-20">
-                <a:solidFill>
-                  <a:srgbClr val="020302"/>
-                </a:solidFill>
-                <a:uFill>
-                  <a:solidFill>
-                    <a:srgbClr val="020302"/>
-                  </a:solidFill>
-                </a:uFill>
-                <a:latin typeface="Adobe Clean"/>
-                <a:cs typeface="Adobe Clean"/>
-              </a:rPr>
-              <a:t>p</a:t>
-            </a:r>
-            <a:r>
-              <a:rPr sz="1400" b="1" u="sng" spc="-15">
-                <a:solidFill>
-                  <a:srgbClr val="020302"/>
-                </a:solidFill>
-                <a:uFill>
-                  <a:solidFill>
-                    <a:srgbClr val="020302"/>
-                  </a:solidFill>
-                </a:uFill>
-                <a:latin typeface="Adobe Clean"/>
-                <a:cs typeface="Adobe Clean"/>
-              </a:rPr>
-              <a:t>ons</a:t>
-            </a:r>
-            <a:r>
-              <a:rPr sz="1400" b="1" u="sng">
-                <a:solidFill>
-                  <a:srgbClr val="020302"/>
-                </a:solidFill>
-                <a:uFill>
-                  <a:solidFill>
-                    <a:srgbClr val="020302"/>
-                  </a:solidFill>
-                </a:uFill>
-                <a:latin typeface="Adobe Clean"/>
-                <a:cs typeface="Adobe Clean"/>
-              </a:rPr>
-              <a:t>e</a:t>
-            </a:r>
-            <a:endParaRPr sz="1400" u="sng">
-              <a:latin typeface="Adobe Clean"/>
-              <a:cs typeface="Adobe Clean"/>
-            </a:endParaRPr>
+              <a:t>Destinatarios de nivel de servicio: Respuesta inicial</a:t>
+            </a:r>
           </a:p>
         </p:txBody>
       </p:sp>
@@ -3134,14 +2644,14 @@
           <p:nvPr>
             <p:extLst>
               <p:ext uri="{D42A27DB-BD31-4B8C-83A1-F6EECF244321}">
-                <p14:modId xmlns:p14="http://schemas.microsoft.com/office/powerpoint/2010/main" val="1841332714"/>
+                <p14:modId xmlns:p14="http://schemas.microsoft.com/office/powerpoint/2010/main" val="936521998"/>
               </p:ext>
             </p:extLst>
           </p:nvPr>
         </p:nvGraphicFramePr>
         <p:xfrm>
           <a:off x="146919" y="7473158"/>
-          <a:ext cx="7477080" cy="2387453"/>
+          <a:ext cx="7477080" cy="2317408"/>
         </p:xfrm>
         <a:graphic>
           <a:graphicData uri="http://schemas.openxmlformats.org/drawingml/2006/table">
@@ -3187,19 +2697,15 @@
                         </a:spcBef>
                       </a:pPr>
                       <a:r>
-                        <a:rPr sz="900" spc="-20">
+                        <a:rPr lang="es-ES" sz="900">
                           <a:solidFill>
                             <a:srgbClr val="020302"/>
                           </a:solidFill>
                           <a:latin typeface="Adobe Clean"/>
                           <a:cs typeface="Adobe Clean"/>
                         </a:rPr>
-                        <a:t>Priority</a:t>
+                        <a:t>Prioridad</a:t>
                       </a:r>
-                      <a:endParaRPr sz="900">
-                        <a:latin typeface="Adobe Clean"/>
-                        <a:cs typeface="Adobe Clean"/>
-                      </a:endParaRPr>
                     </a:p>
                   </a:txBody>
                   <a:tcPr marL="0" marR="0" marT="6985" marB="0" anchor="ctr">
@@ -3246,19 +2752,15 @@
                         </a:spcBef>
                       </a:pPr>
                       <a:r>
-                        <a:rPr sz="900" spc="0">
+                        <a:rPr lang="es-ES" sz="900">
                           <a:solidFill>
                             <a:srgbClr val="020302"/>
                           </a:solidFill>
                           <a:latin typeface="Adobe Clean"/>
                           <a:cs typeface="Adobe Clean"/>
                         </a:rPr>
-                        <a:t>Online Support</a:t>
+                        <a:t>Soporte Online</a:t>
                       </a:r>
-                      <a:endParaRPr sz="900" spc="0">
-                        <a:latin typeface="Adobe Clean"/>
-                        <a:cs typeface="Adobe Clean"/>
-                      </a:endParaRPr>
                     </a:p>
                   </a:txBody>
                   <a:tcPr marL="0" marR="0" marT="6985" marB="0" anchor="ctr">
@@ -3305,19 +2807,15 @@
                         </a:spcBef>
                       </a:pPr>
                       <a:r>
-                        <a:rPr sz="900" spc="0">
+                        <a:rPr lang="es-ES" sz="900">
                           <a:solidFill>
                             <a:srgbClr val="FFFFFF"/>
                           </a:solidFill>
                           <a:latin typeface="Adobe Clean"/>
                           <a:cs typeface="Adobe Clean"/>
                         </a:rPr>
-                        <a:t>Enterprise Support</a:t>
+                        <a:t>Soporte Enterprise</a:t>
                       </a:r>
-                      <a:endParaRPr sz="900" spc="0">
-                        <a:latin typeface="Adobe Clean"/>
-                        <a:cs typeface="Adobe Clean"/>
-                      </a:endParaRPr>
                     </a:p>
                   </a:txBody>
                   <a:tcPr marL="0" marR="0" marT="10160" marB="0" anchor="ctr">
@@ -3377,109 +2875,15 @@
                         </a:spcBef>
                       </a:pPr>
                       <a:r>
-                        <a:rPr sz="900" b="1" spc="-15">
+                        <a:rPr lang="es-ES" sz="900" b="1" dirty="0">
                           <a:solidFill>
                             <a:srgbClr val="020302"/>
                           </a:solidFill>
                           <a:latin typeface="Adobe Clean"/>
                           <a:cs typeface="Adobe Clean"/>
                         </a:rPr>
-                        <a:t>P</a:t>
+                        <a:t>PRIORIDAD 1</a:t>
                       </a:r>
-                      <a:r>
-                        <a:rPr sz="900" b="1" spc="-20">
-                          <a:solidFill>
-                            <a:srgbClr val="020302"/>
-                          </a:solidFill>
-                          <a:latin typeface="Adobe Clean"/>
-                          <a:cs typeface="Adobe Clean"/>
-                        </a:rPr>
-                        <a:t>R</a:t>
-                      </a:r>
-                      <a:r>
-                        <a:rPr sz="900" b="1" spc="-25">
-                          <a:solidFill>
-                            <a:srgbClr val="020302"/>
-                          </a:solidFill>
-                          <a:latin typeface="Adobe Clean"/>
-                          <a:cs typeface="Adobe Clean"/>
-                        </a:rPr>
-                        <a:t>I</a:t>
-                      </a:r>
-                      <a:r>
-                        <a:rPr sz="900" b="1" spc="-15">
-                          <a:solidFill>
-                            <a:srgbClr val="020302"/>
-                          </a:solidFill>
-                          <a:latin typeface="Adobe Clean"/>
-                          <a:cs typeface="Adobe Clean"/>
-                        </a:rPr>
-                        <a:t>O</a:t>
-                      </a:r>
-                      <a:r>
-                        <a:rPr sz="900" b="1" spc="-20">
-                          <a:solidFill>
-                            <a:srgbClr val="020302"/>
-                          </a:solidFill>
-                          <a:latin typeface="Adobe Clean"/>
-                          <a:cs typeface="Adobe Clean"/>
-                        </a:rPr>
-                        <a:t>R</a:t>
-                      </a:r>
-                      <a:r>
-                        <a:rPr sz="900" b="1" spc="-25">
-                          <a:solidFill>
-                            <a:srgbClr val="020302"/>
-                          </a:solidFill>
-                          <a:latin typeface="Adobe Clean"/>
-                          <a:cs typeface="Adobe Clean"/>
-                        </a:rPr>
-                        <a:t>I</a:t>
-                      </a:r>
-                      <a:r>
-                        <a:rPr sz="900" b="1" spc="-15">
-                          <a:solidFill>
-                            <a:srgbClr val="020302"/>
-                          </a:solidFill>
-                          <a:latin typeface="Adobe Clean"/>
-                          <a:cs typeface="Adobe Clean"/>
-                        </a:rPr>
-                        <a:t>T</a:t>
-                      </a:r>
-                      <a:r>
-                        <a:rPr sz="900" b="1">
-                          <a:solidFill>
-                            <a:srgbClr val="020302"/>
-                          </a:solidFill>
-                          <a:latin typeface="Adobe Clean"/>
-                          <a:cs typeface="Adobe Clean"/>
-                        </a:rPr>
-                        <a:t>Y</a:t>
-                      </a:r>
-                      <a:r>
-                        <a:rPr sz="900" b="1" spc="-40">
-                          <a:solidFill>
-                            <a:srgbClr val="020302"/>
-                          </a:solidFill>
-                          <a:latin typeface="Adobe Clean"/>
-                          <a:cs typeface="Adobe Clean"/>
-                        </a:rPr>
-                        <a:t> </a:t>
-                      </a:r>
-                      <a:r>
-                        <a:rPr sz="900" b="1">
-                          <a:solidFill>
-                            <a:srgbClr val="020302"/>
-                          </a:solidFill>
-                          <a:latin typeface="Adobe Clean"/>
-                          <a:cs typeface="Adobe Clean"/>
-                        </a:rPr>
-                        <a:t>1</a:t>
-                      </a:r>
-                      <a:endParaRPr sz="900">
-                        <a:latin typeface="Adobe Clean"/>
-                        <a:cs typeface="Adobe Clean"/>
-                      </a:endParaRPr>
                     </a:p>
                     <a:p>
                       <a:pPr marL="50800" marR="387985" lvl="0" indent="0" defTabSz="914400" eaLnBrk="1" fontAlgn="auto" latinLnBrk="0" hangingPunct="1">
@@ -3500,31 +2904,48 @@
                         <a:defRPr/>
                       </a:pPr>
                       <a:r>
-                        <a:rPr lang="en-US" sz="900" b="0" i="0" spc="-130">
+                        <a:rPr lang="es-ES" sz="900" b="0" i="0" dirty="0">
                           <a:solidFill>
                             <a:srgbClr val="020302"/>
                           </a:solidFill>
                           <a:latin typeface="Adobe Clean Light" panose="020B0303020404020204" pitchFamily="34" charset="0"/>
+                          <a:ea typeface="+mn-ea"/>
                           <a:cs typeface="Adobe Clean"/>
                         </a:rPr>
                         <a:t> </a:t>
                       </a:r>
                       <a:r>
-                        <a:rPr lang="en-US" sz="900" b="0" i="0" u="none" strike="noStrike">
+                        <a:rPr lang="es-ES" sz="900" b="0" i="0" u="none" strike="noStrike" dirty="0">
                           <a:solidFill>
                             <a:schemeClr val="tx1"/>
                           </a:solidFill>
-                          <a:effectLst/>
                           <a:latin typeface="Adobe Clean Light" panose="020B0303020404020204" pitchFamily="34" charset="0"/>
                           <a:ea typeface="+mn-ea"/>
                           <a:cs typeface="+mn-cs"/>
                         </a:rPr>
-                        <a:t>Customer's production business functions are down or has significant data loss or degradation of services and immediate attention is required to restore functionality and usability</a:t>
+                        <a:t>Las funciones empresariales de producción del cliente no están activadas o pierden datos </a:t>
                       </a:r>
-                      <a:endParaRPr lang="en-US" sz="900" b="0" i="0">
-                        <a:latin typeface="Adobe Clean Light" panose="020B0303020404020204" pitchFamily="34" charset="0"/>
-                        <a:cs typeface="AdobeClean-Light"/>
-                      </a:endParaRPr>
+                      <a:br>
+                        <a:rPr lang="sk-SK" sz="900" b="0" i="0" u="none" strike="noStrike" dirty="0">
+                          <a:solidFill>
+                            <a:schemeClr val="tx1"/>
+                          </a:solidFill>
+                          <a:latin typeface="Adobe Clean Light" panose="020B0303020404020204" pitchFamily="34" charset="0"/>
+                          <a:ea typeface="+mn-ea"/>
+                          <a:cs typeface="+mn-cs"/>
+                        </a:rPr>
+                      </a:br>
+                      <a:r>
+                        <a:rPr lang="es-ES" sz="900" b="0" i="0" u="none" strike="noStrike" dirty="0">
+                          <a:solidFill>
+                            <a:schemeClr val="tx1"/>
+                          </a:solidFill>
+                          <a:latin typeface="Adobe Clean Light" panose="020B0303020404020204" pitchFamily="34" charset="0"/>
+                          <a:ea typeface="+mn-ea"/>
+                          <a:cs typeface="+mn-cs"/>
+                        </a:rPr>
+                        <a:t>o presentan una degradación del servicio significativa, por lo que se requiere atención inmediata para restaurar la funcionalidad y facilidad de uso.</a:t>
+                      </a:r>
                     </a:p>
                   </a:txBody>
                   <a:tcPr marL="0" marR="0" marT="0" marB="0" anchor="ctr">
@@ -3559,23 +2980,75 @@
                     <a:bodyPr/>
                     <a:lstStyle/>
                     <a:p>
-                      <a:pPr marL="542925" marR="492125" algn="l">
+                      <a:pPr marL="542925" marR="492125" algn="ctr">
                         <a:lnSpc>
                           <a:spcPct val="102200"/>
                         </a:lnSpc>
                       </a:pPr>
                       <a:r>
-                        <a:rPr sz="900" spc="-15">
+                        <a:rPr lang="es-ES" sz="900" dirty="0">
                           <a:solidFill>
                             <a:srgbClr val="020302"/>
                           </a:solidFill>
                           <a:latin typeface="AdobeClean-Light"/>
                           <a:cs typeface="AdobeClean-Light"/>
                         </a:rPr>
-                        <a:t>24x7</a:t>
+                        <a:t>24x7 /           1 hora</a:t>
+                      </a:r>
+                    </a:p>
+                  </a:txBody>
+                  <a:tcPr marL="0" marR="0" marT="0" marB="0" anchor="ctr">
+                    <a:lnL w="6350">
+                      <a:solidFill>
+                        <a:srgbClr val="B7B8B8"/>
+                      </a:solidFill>
+                      <a:prstDash val="solid"/>
+                    </a:lnL>
+                    <a:lnR w="6350">
+                      <a:solidFill>
+                        <a:srgbClr val="B7B8B8"/>
+                      </a:solidFill>
+                      <a:prstDash val="solid"/>
+                    </a:lnR>
+                    <a:lnT w="76200">
+                      <a:solidFill>
+                        <a:srgbClr val="B3B3B3"/>
+                      </a:solidFill>
+                      <a:prstDash val="solid"/>
+                    </a:lnT>
+                    <a:lnB w="6350">
+                      <a:solidFill>
+                        <a:srgbClr val="B7B8B8"/>
+                      </a:solidFill>
+                      <a:prstDash val="solid"/>
+                    </a:lnB>
+                  </a:tcPr>
+                </a:tc>
+                <a:tc>
+                  <a:txBody>
+                    <a:bodyPr/>
+                    <a:lstStyle/>
+                    <a:p>
+                      <a:pPr marL="285750" marR="476250" indent="57150" algn="ctr" defTabSz="1028700">
+                        <a:lnSpc>
+                          <a:spcPct val="100000"/>
+                        </a:lnSpc>
+                        <a:spcBef>
+                          <a:spcPts val="700"/>
+                        </a:spcBef>
+                      </a:pPr>
+                      <a:r>
+                        <a:rPr lang="es-ES" sz="900" dirty="0">
+                          <a:solidFill>
+                            <a:srgbClr val="020302"/>
+                          </a:solidFill>
+                          <a:latin typeface="AdobeClean-Light"/>
+                          <a:cs typeface="AdobeClean-Light"/>
+                        </a:rPr>
+                        <a:t>24x7 /</a:t>
                       </a:r>
                       <a:r>
-                        <a:rPr lang="en-US" sz="900" spc="-15">
+                        <a:rPr lang="sk-SK" sz="900" dirty="0">
                           <a:solidFill>
                             <a:srgbClr val="020302"/>
                           </a:solidFill>
@@ -3584,194 +3057,17 @@
                         </a:rPr>
                         <a:t> </a:t>
                       </a:r>
-                      <a:r>
-                        <a:rPr sz="900" spc="-15">
+                      <a:br>
+                        <a:rPr lang="sk-SK" sz="900" dirty="0">
                           <a:solidFill>
                             <a:srgbClr val="020302"/>
                           </a:solidFill>
                           <a:latin typeface="AdobeClean-Light"/>
                           <a:cs typeface="AdobeClean-Light"/>
                         </a:rPr>
-                        <a:t>/</a:t>
-                      </a:r>
+                      </a:br>
                       <a:r>
-                        <a:rPr lang="en-US" sz="900" spc="-15">
-                          <a:solidFill>
-                            <a:srgbClr val="020302"/>
-                          </a:solidFill>
-                          <a:latin typeface="AdobeClean-Light"/>
-                          <a:cs typeface="AdobeClean-Light"/>
-                        </a:rPr>
-                        <a:t>         </a:t>
-                      </a:r>
-                      <a:r>
-                        <a:rPr sz="900" spc="-15">
-                          <a:solidFill>
-                            <a:srgbClr val="020302"/>
-                          </a:solidFill>
-                          <a:latin typeface="AdobeClean-Light"/>
-                          <a:cs typeface="AdobeClean-Light"/>
-                        </a:rPr>
-                        <a:t> </a:t>
-                      </a:r>
-                      <a:r>
-                        <a:rPr sz="900" spc="-200">
-                          <a:solidFill>
-                            <a:srgbClr val="020302"/>
-                          </a:solidFill>
-                          <a:latin typeface="AdobeClean-Light"/>
-                          <a:cs typeface="AdobeClean-Light"/>
-                        </a:rPr>
-                        <a:t> </a:t>
-                      </a:r>
-                      <a:r>
-                        <a:rPr sz="900">
-                          <a:solidFill>
-                            <a:srgbClr val="020302"/>
-                          </a:solidFill>
-                          <a:latin typeface="AdobeClean-Light"/>
-                          <a:cs typeface="AdobeClean-Light"/>
-                        </a:rPr>
-                        <a:t>1</a:t>
-                      </a:r>
-                      <a:r>
-                        <a:rPr sz="900" spc="-90">
-                          <a:solidFill>
-                            <a:srgbClr val="020302"/>
-                          </a:solidFill>
-                          <a:latin typeface="AdobeClean-Light"/>
-                          <a:cs typeface="AdobeClean-Light"/>
-                        </a:rPr>
-                        <a:t> </a:t>
-                      </a:r>
-                      <a:r>
-                        <a:rPr sz="900" spc="-15">
-                          <a:solidFill>
-                            <a:srgbClr val="020302"/>
-                          </a:solidFill>
-                          <a:latin typeface="AdobeClean-Light"/>
-                          <a:cs typeface="AdobeClean-Light"/>
-                        </a:rPr>
-                        <a:t>h</a:t>
-                      </a:r>
-                      <a:r>
-                        <a:rPr sz="900" spc="-20">
-                          <a:solidFill>
-                            <a:srgbClr val="020302"/>
-                          </a:solidFill>
-                          <a:latin typeface="AdobeClean-Light"/>
-                          <a:cs typeface="AdobeClean-Light"/>
-                        </a:rPr>
-                        <a:t>ou</a:t>
-                      </a:r>
-                      <a:r>
-                        <a:rPr sz="900">
-                          <a:solidFill>
-                            <a:srgbClr val="020302"/>
-                          </a:solidFill>
-                          <a:latin typeface="AdobeClean-Light"/>
-                          <a:cs typeface="AdobeClean-Light"/>
-                        </a:rPr>
-                        <a:t>r</a:t>
-                      </a:r>
-                      <a:endParaRPr sz="900">
-                        <a:latin typeface="AdobeClean-Light"/>
-                        <a:cs typeface="AdobeClean-Light"/>
-                      </a:endParaRPr>
-                    </a:p>
-                  </a:txBody>
-                  <a:tcPr marL="0" marR="0" marT="0" marB="0" anchor="ctr">
-                    <a:lnL w="6350">
-                      <a:solidFill>
-                        <a:srgbClr val="B7B8B8"/>
-                      </a:solidFill>
-                      <a:prstDash val="solid"/>
-                    </a:lnL>
-                    <a:lnR w="6350">
-                      <a:solidFill>
-                        <a:srgbClr val="B7B8B8"/>
-                      </a:solidFill>
-                      <a:prstDash val="solid"/>
-                    </a:lnR>
-                    <a:lnT w="76200">
-                      <a:solidFill>
-                        <a:srgbClr val="B3B3B3"/>
-                      </a:solidFill>
-                      <a:prstDash val="solid"/>
-                    </a:lnT>
-                    <a:lnB w="6350">
-                      <a:solidFill>
-                        <a:srgbClr val="B7B8B8"/>
-                      </a:solidFill>
-                      <a:prstDash val="solid"/>
-                    </a:lnB>
-                  </a:tcPr>
-                </a:tc>
-                <a:tc>
-                  <a:txBody>
-                    <a:bodyPr/>
-                    <a:lstStyle/>
-                    <a:p>
-                      <a:pPr marL="352425" marR="476250" indent="111125">
-                        <a:lnSpc>
-                          <a:spcPct val="100000"/>
-                        </a:lnSpc>
-                        <a:spcBef>
-                          <a:spcPts val="700"/>
-                        </a:spcBef>
-                      </a:pPr>
-                      <a:r>
-                        <a:rPr sz="900" spc="-25">
-                          <a:solidFill>
-                            <a:srgbClr val="020302"/>
-                          </a:solidFill>
-                          <a:latin typeface="AdobeClean-Light"/>
-                          <a:cs typeface="AdobeClean-Light"/>
-                        </a:rPr>
-                        <a:t>24</a:t>
-                      </a:r>
-                      <a:r>
-                        <a:rPr sz="900" spc="-20">
-                          <a:solidFill>
-                            <a:srgbClr val="020302"/>
-                          </a:solidFill>
-                          <a:latin typeface="AdobeClean-Light"/>
-                          <a:cs typeface="AdobeClean-Light"/>
-                        </a:rPr>
-                        <a:t>x</a:t>
-                      </a:r>
-                      <a:r>
-                        <a:rPr sz="900">
-                          <a:solidFill>
-                            <a:srgbClr val="020302"/>
-                          </a:solidFill>
-                          <a:latin typeface="AdobeClean-Light"/>
-                          <a:cs typeface="AdobeClean-Light"/>
-                        </a:rPr>
-                        <a:t>7</a:t>
-                      </a:r>
-                      <a:r>
-                        <a:rPr sz="900" spc="-35">
-                          <a:solidFill>
-                            <a:srgbClr val="020302"/>
-                          </a:solidFill>
-                          <a:latin typeface="AdobeClean-Light"/>
-                          <a:cs typeface="AdobeClean-Light"/>
-                        </a:rPr>
-                        <a:t> </a:t>
-                      </a:r>
-                      <a:r>
-                        <a:rPr sz="900">
-                          <a:solidFill>
-                            <a:srgbClr val="020302"/>
-                          </a:solidFill>
-                          <a:latin typeface="AdobeClean-Light"/>
-                          <a:cs typeface="AdobeClean-Light"/>
-                        </a:rPr>
-                        <a:t>/  </a:t>
-                      </a:r>
-                      <a:r>
-                        <a:rPr sz="900" spc="-20">
+                        <a:rPr lang="sk-SK" sz="900" dirty="0">
                           <a:solidFill>
                             <a:srgbClr val="020302"/>
                           </a:solidFill>
@@ -3781,89 +3077,15 @@
                         <a:t>3</a:t>
                       </a:r>
                       <a:r>
-                        <a:rPr sz="900" spc="50">
+                        <a:rPr lang="es-ES" sz="900" dirty="0">
                           <a:solidFill>
                             <a:srgbClr val="020302"/>
                           </a:solidFill>
                           <a:latin typeface="AdobeClean-Light"/>
                           <a:cs typeface="AdobeClean-Light"/>
                         </a:rPr>
-                        <a:t>0</a:t>
+                        <a:t>0 minutos</a:t>
                       </a:r>
-                      <a:r>
-                        <a:rPr sz="900" spc="-20">
-                          <a:solidFill>
-                            <a:srgbClr val="020302"/>
-                          </a:solidFill>
-                          <a:latin typeface="AdobeClean-Light"/>
-                          <a:cs typeface="AdobeClean-Light"/>
-                        </a:rPr>
-                        <a:t>m</a:t>
-                      </a:r>
-                      <a:r>
-                        <a:rPr sz="900" spc="-35">
-                          <a:solidFill>
-                            <a:srgbClr val="020302"/>
-                          </a:solidFill>
-                          <a:latin typeface="AdobeClean-Light"/>
-                          <a:cs typeface="AdobeClean-Light"/>
-                        </a:rPr>
-                        <a:t>i</a:t>
-                      </a:r>
-                      <a:r>
-                        <a:rPr sz="900" spc="-30">
-                          <a:solidFill>
-                            <a:srgbClr val="020302"/>
-                          </a:solidFill>
-                          <a:latin typeface="AdobeClean-Light"/>
-                          <a:cs typeface="AdobeClean-Light"/>
-                        </a:rPr>
-                        <a:t>n</a:t>
-                      </a:r>
-                      <a:r>
-                        <a:rPr sz="900" spc="-20">
-                          <a:solidFill>
-                            <a:srgbClr val="020302"/>
-                          </a:solidFill>
-                          <a:latin typeface="AdobeClean-Light"/>
-                          <a:cs typeface="AdobeClean-Light"/>
-                        </a:rPr>
-                        <a:t>u</a:t>
-                      </a:r>
-                      <a:r>
-                        <a:rPr sz="900" spc="-15">
-                          <a:solidFill>
-                            <a:srgbClr val="020302"/>
-                          </a:solidFill>
-                          <a:latin typeface="AdobeClean-Light"/>
-                          <a:cs typeface="AdobeClean-Light"/>
-                        </a:rPr>
-                        <a:t>t</a:t>
-                      </a:r>
-                      <a:r>
-                        <a:rPr sz="900" spc="-25">
-                          <a:solidFill>
-                            <a:srgbClr val="020302"/>
-                          </a:solidFill>
-                          <a:latin typeface="AdobeClean-Light"/>
-                          <a:cs typeface="AdobeClean-Light"/>
-                        </a:rPr>
-                        <a:t>e</a:t>
-                      </a:r>
-                      <a:r>
-                        <a:rPr sz="900">
-                          <a:solidFill>
-                            <a:srgbClr val="020302"/>
-                          </a:solidFill>
-                          <a:latin typeface="AdobeClean-Light"/>
-                          <a:cs typeface="AdobeClean-Light"/>
-                        </a:rPr>
-                        <a:t>s</a:t>
-                      </a:r>
-                      <a:endParaRPr sz="900">
-                        <a:latin typeface="AdobeClean-Light"/>
-                        <a:cs typeface="AdobeClean-Light"/>
-                      </a:endParaRPr>
                     </a:p>
                   </a:txBody>
                   <a:tcPr marL="0" marR="0" marT="0" marB="0" anchor="ctr">
@@ -3925,109 +3147,15 @@
                         </a:spcBef>
                       </a:pPr>
                       <a:r>
-                        <a:rPr sz="900" b="1" spc="-15">
+                        <a:rPr lang="es-ES" sz="900" b="1" dirty="0">
                           <a:solidFill>
                             <a:srgbClr val="020302"/>
                           </a:solidFill>
                           <a:latin typeface="Adobe Clean"/>
                           <a:cs typeface="Adobe Clean"/>
                         </a:rPr>
-                        <a:t>P</a:t>
+                        <a:t>PRIORIDAD 2</a:t>
                       </a:r>
-                      <a:r>
-                        <a:rPr sz="900" b="1" spc="-20">
-                          <a:solidFill>
-                            <a:srgbClr val="020302"/>
-                          </a:solidFill>
-                          <a:latin typeface="Adobe Clean"/>
-                          <a:cs typeface="Adobe Clean"/>
-                        </a:rPr>
-                        <a:t>R</a:t>
-                      </a:r>
-                      <a:r>
-                        <a:rPr sz="900" b="1" spc="-25">
-                          <a:solidFill>
-                            <a:srgbClr val="020302"/>
-                          </a:solidFill>
-                          <a:latin typeface="Adobe Clean"/>
-                          <a:cs typeface="Adobe Clean"/>
-                        </a:rPr>
-                        <a:t>I</a:t>
-                      </a:r>
-                      <a:r>
-                        <a:rPr sz="900" b="1" spc="-15">
-                          <a:solidFill>
-                            <a:srgbClr val="020302"/>
-                          </a:solidFill>
-                          <a:latin typeface="Adobe Clean"/>
-                          <a:cs typeface="Adobe Clean"/>
-                        </a:rPr>
-                        <a:t>O</a:t>
-                      </a:r>
-                      <a:r>
-                        <a:rPr sz="900" b="1" spc="-20">
-                          <a:solidFill>
-                            <a:srgbClr val="020302"/>
-                          </a:solidFill>
-                          <a:latin typeface="Adobe Clean"/>
-                          <a:cs typeface="Adobe Clean"/>
-                        </a:rPr>
-                        <a:t>R</a:t>
-                      </a:r>
-                      <a:r>
-                        <a:rPr sz="900" b="1" spc="-25">
-                          <a:solidFill>
-                            <a:srgbClr val="020302"/>
-                          </a:solidFill>
-                          <a:latin typeface="Adobe Clean"/>
-                          <a:cs typeface="Adobe Clean"/>
-                        </a:rPr>
-                        <a:t>I</a:t>
-                      </a:r>
-                      <a:r>
-                        <a:rPr sz="900" b="1" spc="-15">
-                          <a:solidFill>
-                            <a:srgbClr val="020302"/>
-                          </a:solidFill>
-                          <a:latin typeface="Adobe Clean"/>
-                          <a:cs typeface="Adobe Clean"/>
-                        </a:rPr>
-                        <a:t>T</a:t>
-                      </a:r>
-                      <a:r>
-                        <a:rPr sz="900" b="1">
-                          <a:solidFill>
-                            <a:srgbClr val="020302"/>
-                          </a:solidFill>
-                          <a:latin typeface="Adobe Clean"/>
-                          <a:cs typeface="Adobe Clean"/>
-                        </a:rPr>
-                        <a:t>Y</a:t>
-                      </a:r>
-                      <a:r>
-                        <a:rPr sz="900" b="1" spc="-40">
-                          <a:solidFill>
-                            <a:srgbClr val="020302"/>
-                          </a:solidFill>
-                          <a:latin typeface="Adobe Clean"/>
-                          <a:cs typeface="Adobe Clean"/>
-                        </a:rPr>
-                        <a:t> </a:t>
-                      </a:r>
-                      <a:r>
-                        <a:rPr sz="900" b="1">
-                          <a:solidFill>
-                            <a:srgbClr val="020302"/>
-                          </a:solidFill>
-                          <a:latin typeface="Adobe Clean"/>
-                          <a:cs typeface="Adobe Clean"/>
-                        </a:rPr>
-                        <a:t>2</a:t>
-                      </a:r>
-                      <a:endParaRPr sz="900">
-                        <a:latin typeface="Adobe Clean"/>
-                        <a:cs typeface="Adobe Clean"/>
-                      </a:endParaRPr>
                     </a:p>
                     <a:p>
                       <a:pPr marL="50165" marR="203200">
@@ -4039,21 +3167,16 @@
                         </a:spcBef>
                       </a:pPr>
                       <a:r>
-                        <a:rPr lang="en-US" sz="900" b="0" i="0" u="none" strike="noStrike">
+                        <a:rPr lang="es-ES" sz="900" b="0" i="0" u="none" strike="noStrike" spc="-20" baseline="0" dirty="0">
                           <a:solidFill>
                             <a:schemeClr val="tx1"/>
                           </a:solidFill>
-                          <a:effectLst/>
                           <a:latin typeface="Adobe Clean Light" panose="020B0303020404020204" pitchFamily="34" charset="0"/>
                           <a:ea typeface="+mn-ea"/>
                           <a:cs typeface="+mn-cs"/>
                         </a:rPr>
-                        <a:t>Customer's business functions has major degradation of services, or potential of data loss or unavailability of services, or a major feature is impacted</a:t>
+                        <a:t>Las funciones empresariales del cliente presentan una importante degradación del servicio o hay una posible pérdida de datos o no disponibilidad de servicios, o una función clave se está viendo afectada.</a:t>
                       </a:r>
-                      <a:endParaRPr lang="en-US" sz="900" b="0" i="0">
-                        <a:latin typeface="Adobe Clean Light" panose="020B0303020404020204" pitchFamily="34" charset="0"/>
-                        <a:cs typeface="AdobeClean-Light"/>
-                      </a:endParaRPr>
                     </a:p>
                   </a:txBody>
                   <a:tcPr marL="0" marR="0" marT="0" marB="0" anchor="ctr">
@@ -4088,105 +3211,21 @@
                     <a:bodyPr/>
                     <a:lstStyle/>
                     <a:p>
-                      <a:pPr marL="473709" marR="343535" indent="-175895">
+                      <a:pPr marL="285750" marR="343535" indent="0" algn="ctr">
                         <a:lnSpc>
                           <a:spcPct val="102200"/>
                         </a:lnSpc>
                       </a:pPr>
                       <a:r>
-                        <a:rPr sz="900" spc="-30">
+                        <a:rPr lang="es-ES" sz="900" dirty="0">
                           <a:solidFill>
                             <a:srgbClr val="020302"/>
                           </a:solidFill>
                           <a:latin typeface="AdobeClean-Light"/>
                           <a:cs typeface="AdobeClean-Light"/>
                         </a:rPr>
-                        <a:t>Business hours</a:t>
+                        <a:t>Horario de trabajo / 4 horas</a:t>
                       </a:r>
-                      <a:r>
-                        <a:rPr lang="en-US" sz="900" spc="-30">
-                          <a:solidFill>
-                            <a:srgbClr val="020302"/>
-                          </a:solidFill>
-                          <a:latin typeface="AdobeClean-Light"/>
-                          <a:cs typeface="AdobeClean-Light"/>
-                        </a:rPr>
-                        <a:t> </a:t>
-                      </a:r>
-                      <a:r>
-                        <a:rPr sz="900">
-                          <a:solidFill>
-                            <a:srgbClr val="020302"/>
-                          </a:solidFill>
-                          <a:latin typeface="AdobeClean-Light"/>
-                          <a:cs typeface="AdobeClean-Light"/>
-                        </a:rPr>
-                        <a:t>/  </a:t>
-                      </a:r>
-                      <a:r>
-                        <a:rPr lang="en-US" sz="900">
-                          <a:solidFill>
-                            <a:srgbClr val="020302"/>
-                          </a:solidFill>
-                          <a:latin typeface="AdobeClean-Light"/>
-                          <a:cs typeface="AdobeClean-Light"/>
-                        </a:rPr>
-                        <a:t>     </a:t>
-                      </a:r>
-                      <a:r>
-                        <a:rPr sz="900">
-                          <a:solidFill>
-                            <a:srgbClr val="020302"/>
-                          </a:solidFill>
-                          <a:latin typeface="AdobeClean-Light"/>
-                          <a:cs typeface="AdobeClean-Light"/>
-                        </a:rPr>
-                        <a:t>4</a:t>
-                      </a:r>
-                      <a:r>
-                        <a:rPr sz="900" spc="-100">
-                          <a:solidFill>
-                            <a:srgbClr val="020302"/>
-                          </a:solidFill>
-                          <a:latin typeface="AdobeClean-Light"/>
-                          <a:cs typeface="AdobeClean-Light"/>
-                        </a:rPr>
-                        <a:t> </a:t>
-                      </a:r>
-                      <a:r>
-                        <a:rPr sz="900" spc="-15">
-                          <a:solidFill>
-                            <a:srgbClr val="020302"/>
-                          </a:solidFill>
-                          <a:latin typeface="AdobeClean-Light"/>
-                          <a:cs typeface="AdobeClean-Light"/>
-                        </a:rPr>
-                        <a:t>h</a:t>
-                      </a:r>
-                      <a:r>
-                        <a:rPr sz="900" spc="-20">
-                          <a:solidFill>
-                            <a:srgbClr val="020302"/>
-                          </a:solidFill>
-                          <a:latin typeface="AdobeClean-Light"/>
-                          <a:cs typeface="AdobeClean-Light"/>
-                        </a:rPr>
-                        <a:t>our</a:t>
-                      </a:r>
-                      <a:r>
-                        <a:rPr sz="900">
-                          <a:solidFill>
-                            <a:srgbClr val="020302"/>
-                          </a:solidFill>
-                          <a:latin typeface="AdobeClean-Light"/>
-                          <a:cs typeface="AdobeClean-Light"/>
-                        </a:rPr>
-                        <a:t>s</a:t>
-                      </a:r>
-                      <a:endParaRPr sz="900">
-                        <a:latin typeface="AdobeClean-Light"/>
-                        <a:cs typeface="AdobeClean-Light"/>
-                      </a:endParaRPr>
                     </a:p>
                   </a:txBody>
                   <a:tcPr marL="0" marR="0" marT="0" marB="0" anchor="ctr">
@@ -4221,13 +3260,13 @@
                     <a:bodyPr/>
                     <a:lstStyle/>
                     <a:p>
-                      <a:pPr marL="542925" marR="492125" algn="l">
+                      <a:pPr marL="457200" marR="492125" indent="0" algn="ctr">
                         <a:lnSpc>
                           <a:spcPct val="102200"/>
                         </a:lnSpc>
                       </a:pPr>
                       <a:r>
-                        <a:rPr lang="en-US" sz="900" spc="-15">
+                        <a:rPr lang="es-ES" sz="900" dirty="0">
                           <a:solidFill>
                             <a:srgbClr val="020302"/>
                           </a:solidFill>
@@ -4235,7 +3274,7 @@
                           <a:ea typeface="+mn-ea"/>
                           <a:cs typeface="AdobeClean-Light"/>
                         </a:rPr>
-                        <a:t>24x5 /           1 hour</a:t>
+                        <a:t>24x5 /           1 hora</a:t>
                       </a:r>
                     </a:p>
                   </a:txBody>
@@ -4295,109 +3334,15 @@
                         </a:spcBef>
                       </a:pPr>
                       <a:r>
-                        <a:rPr sz="900" b="1" spc="-15">
+                        <a:rPr lang="es-ES" sz="900" b="1" dirty="0">
                           <a:solidFill>
                             <a:srgbClr val="020302"/>
                           </a:solidFill>
                           <a:latin typeface="Adobe Clean"/>
                           <a:cs typeface="Adobe Clean"/>
                         </a:rPr>
-                        <a:t>P</a:t>
+                        <a:t>PRIORIDAD 3</a:t>
                       </a:r>
-                      <a:r>
-                        <a:rPr sz="900" b="1" spc="-20">
-                          <a:solidFill>
-                            <a:srgbClr val="020302"/>
-                          </a:solidFill>
-                          <a:latin typeface="Adobe Clean"/>
-                          <a:cs typeface="Adobe Clean"/>
-                        </a:rPr>
-                        <a:t>R</a:t>
-                      </a:r>
-                      <a:r>
-                        <a:rPr sz="900" b="1" spc="-25">
-                          <a:solidFill>
-                            <a:srgbClr val="020302"/>
-                          </a:solidFill>
-                          <a:latin typeface="Adobe Clean"/>
-                          <a:cs typeface="Adobe Clean"/>
-                        </a:rPr>
-                        <a:t>I</a:t>
-                      </a:r>
-                      <a:r>
-                        <a:rPr sz="900" b="1" spc="-15">
-                          <a:solidFill>
-                            <a:srgbClr val="020302"/>
-                          </a:solidFill>
-                          <a:latin typeface="Adobe Clean"/>
-                          <a:cs typeface="Adobe Clean"/>
-                        </a:rPr>
-                        <a:t>O</a:t>
-                      </a:r>
-                      <a:r>
-                        <a:rPr sz="900" b="1" spc="-20">
-                          <a:solidFill>
-                            <a:srgbClr val="020302"/>
-                          </a:solidFill>
-                          <a:latin typeface="Adobe Clean"/>
-                          <a:cs typeface="Adobe Clean"/>
-                        </a:rPr>
-                        <a:t>R</a:t>
-                      </a:r>
-                      <a:r>
-                        <a:rPr sz="900" b="1" spc="-25">
-                          <a:solidFill>
-                            <a:srgbClr val="020302"/>
-                          </a:solidFill>
-                          <a:latin typeface="Adobe Clean"/>
-                          <a:cs typeface="Adobe Clean"/>
-                        </a:rPr>
-                        <a:t>I</a:t>
-                      </a:r>
-                      <a:r>
-                        <a:rPr sz="900" b="1" spc="-15">
-                          <a:solidFill>
-                            <a:srgbClr val="020302"/>
-                          </a:solidFill>
-                          <a:latin typeface="Adobe Clean"/>
-                          <a:cs typeface="Adobe Clean"/>
-                        </a:rPr>
-                        <a:t>T</a:t>
-                      </a:r>
-                      <a:r>
-                        <a:rPr sz="900" b="1">
-                          <a:solidFill>
-                            <a:srgbClr val="020302"/>
-                          </a:solidFill>
-                          <a:latin typeface="Adobe Clean"/>
-                          <a:cs typeface="Adobe Clean"/>
-                        </a:rPr>
-                        <a:t>Y</a:t>
-                      </a:r>
-                      <a:r>
-                        <a:rPr sz="900" b="1" spc="-40">
-                          <a:solidFill>
-                            <a:srgbClr val="020302"/>
-                          </a:solidFill>
-                          <a:latin typeface="Adobe Clean"/>
-                          <a:cs typeface="Adobe Clean"/>
-                        </a:rPr>
-                        <a:t> </a:t>
-                      </a:r>
-                      <a:r>
-                        <a:rPr sz="900" b="1">
-                          <a:solidFill>
-                            <a:srgbClr val="020302"/>
-                          </a:solidFill>
-                          <a:latin typeface="Adobe Clean"/>
-                          <a:cs typeface="Adobe Clean"/>
-                        </a:rPr>
-                        <a:t>3</a:t>
-                      </a:r>
-                      <a:endParaRPr sz="900">
-                        <a:latin typeface="Adobe Clean"/>
-                        <a:cs typeface="Adobe Clean"/>
-                      </a:endParaRPr>
                     </a:p>
                     <a:p>
                       <a:pPr marL="49530" marR="212090" indent="-2540">
@@ -4409,21 +3354,16 @@
                         </a:spcBef>
                       </a:pPr>
                       <a:r>
-                        <a:rPr lang="en-US" sz="900" b="0" i="0" u="none" strike="noStrike">
+                        <a:rPr lang="es-ES" sz="900" b="0" i="0" u="none" strike="noStrike" spc="-40" baseline="0" dirty="0">
                           <a:solidFill>
                             <a:schemeClr val="tx1"/>
                           </a:solidFill>
-                          <a:effectLst/>
                           <a:latin typeface="Adobe Clean Light" panose="020B0303020404020204" pitchFamily="34" charset="0"/>
                           <a:ea typeface="+mn-ea"/>
                           <a:cs typeface="+mn-cs"/>
                         </a:rPr>
-                        <a:t>Customer's business functions has minor to no degradation of services with a solution/workaround allowing business functions to continue.  </a:t>
+                        <a:t>Las funciones empresariales del cliente presentan una menor degradación de los servicios, o ninguna degradación en absoluto, con una solución que permite que las funciones empresariales sigan funcionando.  </a:t>
                       </a:r>
-                      <a:endParaRPr lang="en-US" sz="900" b="0" i="0">
-                        <a:latin typeface="Adobe Clean Light" panose="020B0303020404020204" pitchFamily="34" charset="0"/>
-                        <a:cs typeface="AdobeClean-Light"/>
-                      </a:endParaRPr>
                     </a:p>
                   </a:txBody>
                   <a:tcPr marL="0" marR="0" marT="0" marB="0" anchor="ctr">
@@ -4458,75 +3398,21 @@
                     <a:bodyPr/>
                     <a:lstStyle/>
                     <a:p>
-                      <a:pPr marL="473709" marR="343535" indent="-175895">
+                      <a:pPr marL="285750" marR="343535" indent="0" algn="ctr">
                         <a:lnSpc>
                           <a:spcPct val="102200"/>
                         </a:lnSpc>
                       </a:pPr>
                       <a:r>
-                        <a:rPr lang="en-US" sz="900" spc="-30">
+                        <a:rPr lang="es-ES" sz="900" dirty="0">
                           <a:solidFill>
                             <a:srgbClr val="020302"/>
                           </a:solidFill>
                           <a:latin typeface="AdobeClean-Light"/>
                           <a:cs typeface="AdobeClean-Light"/>
                         </a:rPr>
-                        <a:t>Business hours </a:t>
+                        <a:t>Horario de trabajo / 6 horas</a:t>
                       </a:r>
-                      <a:r>
-                        <a:rPr lang="en-US" sz="900">
-                          <a:solidFill>
-                            <a:srgbClr val="020302"/>
-                          </a:solidFill>
-                          <a:latin typeface="AdobeClean-Light"/>
-                          <a:cs typeface="AdobeClean-Light"/>
-                        </a:rPr>
-                        <a:t>/       6</a:t>
-                      </a:r>
-                      <a:r>
-                        <a:rPr lang="en-US" sz="900" spc="-100">
-                          <a:solidFill>
-                            <a:srgbClr val="020302"/>
-                          </a:solidFill>
-                          <a:latin typeface="AdobeClean-Light"/>
-                          <a:cs typeface="AdobeClean-Light"/>
-                        </a:rPr>
-                        <a:t> </a:t>
-                      </a:r>
-                      <a:r>
-                        <a:rPr lang="en-US" sz="900" spc="-15">
-                          <a:solidFill>
-                            <a:srgbClr val="020302"/>
-                          </a:solidFill>
-                          <a:latin typeface="AdobeClean-Light"/>
-                          <a:cs typeface="AdobeClean-Light"/>
-                        </a:rPr>
-                        <a:t>h</a:t>
-                      </a:r>
-                      <a:r>
-                        <a:rPr lang="en-US" sz="900" spc="-20">
-                          <a:solidFill>
-                            <a:srgbClr val="020302"/>
-                          </a:solidFill>
-                          <a:latin typeface="AdobeClean-Light"/>
-                          <a:cs typeface="AdobeClean-Light"/>
-                        </a:rPr>
-                        <a:t>our</a:t>
-                      </a:r>
-                      <a:r>
-                        <a:rPr lang="en-US" sz="900">
-                          <a:solidFill>
-                            <a:srgbClr val="020302"/>
-                          </a:solidFill>
-                          <a:latin typeface="AdobeClean-Light"/>
-                          <a:cs typeface="AdobeClean-Light"/>
-                        </a:rPr>
-                        <a:t>s</a:t>
-                      </a:r>
-                      <a:endParaRPr lang="en-US" sz="900">
-                        <a:latin typeface="AdobeClean-Light"/>
-                        <a:cs typeface="AdobeClean-Light"/>
-                      </a:endParaRPr>
                     </a:p>
                   </a:txBody>
                   <a:tcPr marL="0" marR="0" marT="0" marB="0" anchor="ctr">
@@ -4561,178 +3447,27 @@
                     <a:bodyPr/>
                     <a:lstStyle/>
                     <a:p>
-                      <a:pPr marL="428625" marR="398780" indent="-198120">
+                      <a:pPr marL="114300" marR="398780" indent="114300" algn="ctr" defTabSz="1089025">
                         <a:lnSpc>
                           <a:spcPct val="102200"/>
                         </a:lnSpc>
                         <a:spcBef>
                           <a:spcPts val="675"/>
                         </a:spcBef>
+                        <a:tabLst>
+                          <a:tab pos="1143000" algn="l"/>
+                        </a:tabLst>
                       </a:pPr>
                       <a:r>
-                        <a:rPr sz="900" spc="-30">
+                        <a:rPr lang="es-ES" sz="900" dirty="0">
                           <a:solidFill>
                             <a:srgbClr val="020302"/>
                           </a:solidFill>
                           <a:latin typeface="AdobeClean-Light"/>
                           <a:cs typeface="AdobeClean-Light"/>
                         </a:rPr>
-                        <a:t>B</a:t>
+                        <a:t>Horario de trabajo /  2 horas</a:t>
                       </a:r>
-                      <a:r>
-                        <a:rPr sz="900" spc="-20">
-                          <a:solidFill>
-                            <a:srgbClr val="020302"/>
-                          </a:solidFill>
-                          <a:latin typeface="AdobeClean-Light"/>
-                          <a:cs typeface="AdobeClean-Light"/>
-                        </a:rPr>
-                        <a:t>us</a:t>
-                      </a:r>
-                      <a:r>
-                        <a:rPr sz="900" spc="-15">
-                          <a:solidFill>
-                            <a:srgbClr val="020302"/>
-                          </a:solidFill>
-                          <a:latin typeface="AdobeClean-Light"/>
-                          <a:cs typeface="AdobeClean-Light"/>
-                        </a:rPr>
-                        <a:t>i</a:t>
-                      </a:r>
-                      <a:r>
-                        <a:rPr sz="900" spc="-30">
-                          <a:solidFill>
-                            <a:srgbClr val="020302"/>
-                          </a:solidFill>
-                          <a:latin typeface="AdobeClean-Light"/>
-                          <a:cs typeface="AdobeClean-Light"/>
-                        </a:rPr>
-                        <a:t>n</a:t>
-                      </a:r>
-                      <a:r>
-                        <a:rPr sz="900" spc="-25">
-                          <a:solidFill>
-                            <a:srgbClr val="020302"/>
-                          </a:solidFill>
-                          <a:latin typeface="AdobeClean-Light"/>
-                          <a:cs typeface="AdobeClean-Light"/>
-                        </a:rPr>
-                        <a:t>e</a:t>
-                      </a:r>
-                      <a:r>
-                        <a:rPr sz="900" spc="-20">
-                          <a:solidFill>
-                            <a:srgbClr val="020302"/>
-                          </a:solidFill>
-                          <a:latin typeface="AdobeClean-Light"/>
-                          <a:cs typeface="AdobeClean-Light"/>
-                        </a:rPr>
-                        <a:t>s</a:t>
-                      </a:r>
-                      <a:r>
-                        <a:rPr sz="900">
-                          <a:solidFill>
-                            <a:srgbClr val="020302"/>
-                          </a:solidFill>
-                          <a:latin typeface="AdobeClean-Light"/>
-                          <a:cs typeface="AdobeClean-Light"/>
-                        </a:rPr>
-                        <a:t>s</a:t>
-                      </a:r>
-                      <a:r>
-                        <a:rPr lang="en-US" sz="900" spc="-120">
-                          <a:solidFill>
-                            <a:srgbClr val="020302"/>
-                          </a:solidFill>
-                          <a:latin typeface="AdobeClean-Light"/>
-                          <a:cs typeface="AdobeClean-Light"/>
-                        </a:rPr>
-                        <a:t> </a:t>
-                      </a:r>
-                      <a:r>
-                        <a:rPr sz="900">
-                          <a:solidFill>
-                            <a:srgbClr val="020302"/>
-                          </a:solidFill>
-                          <a:latin typeface="AdobeClean-Light"/>
-                          <a:cs typeface="AdobeClean-Light"/>
-                        </a:rPr>
-                        <a:t>h</a:t>
-                      </a:r>
-                      <a:r>
-                        <a:rPr sz="900" spc="-5">
-                          <a:solidFill>
-                            <a:srgbClr val="020302"/>
-                          </a:solidFill>
-                          <a:latin typeface="AdobeClean-Light"/>
-                          <a:cs typeface="AdobeClean-Light"/>
-                        </a:rPr>
-                        <a:t>ours</a:t>
-                      </a:r>
-                      <a:r>
-                        <a:rPr lang="en-US" sz="900" spc="-5">
-                          <a:solidFill>
-                            <a:srgbClr val="020302"/>
-                          </a:solidFill>
-                          <a:latin typeface="AdobeClean-Light"/>
-                          <a:cs typeface="AdobeClean-Light"/>
-                        </a:rPr>
-                        <a:t> </a:t>
-                      </a:r>
-                      <a:r>
-                        <a:rPr sz="900">
-                          <a:solidFill>
-                            <a:srgbClr val="020302"/>
-                          </a:solidFill>
-                          <a:latin typeface="AdobeClean-Light"/>
-                          <a:cs typeface="AdobeClean-Light"/>
-                        </a:rPr>
-                        <a:t>/  2</a:t>
-                      </a:r>
-                      <a:r>
-                        <a:rPr sz="900" spc="-100">
-                          <a:solidFill>
-                            <a:srgbClr val="020302"/>
-                          </a:solidFill>
-                          <a:latin typeface="AdobeClean-Light"/>
-                          <a:cs typeface="AdobeClean-Light"/>
-                        </a:rPr>
-                        <a:t> </a:t>
-                      </a:r>
-                      <a:r>
-                        <a:rPr sz="900" spc="-15">
-                          <a:solidFill>
-                            <a:srgbClr val="020302"/>
-                          </a:solidFill>
-                          <a:latin typeface="AdobeClean-Light"/>
-                          <a:cs typeface="AdobeClean-Light"/>
-                        </a:rPr>
-                        <a:t>h</a:t>
-                      </a:r>
-                      <a:r>
-                        <a:rPr sz="900" spc="-20">
-                          <a:solidFill>
-                            <a:srgbClr val="020302"/>
-                          </a:solidFill>
-                          <a:latin typeface="AdobeClean-Light"/>
-                          <a:cs typeface="AdobeClean-Light"/>
-                        </a:rPr>
-                        <a:t>our</a:t>
-                      </a:r>
-                      <a:r>
-                        <a:rPr sz="900">
-                          <a:solidFill>
-                            <a:srgbClr val="020302"/>
-                          </a:solidFill>
-                          <a:latin typeface="AdobeClean-Light"/>
-                          <a:cs typeface="AdobeClean-Light"/>
-                        </a:rPr>
-                        <a:t>s</a:t>
-                      </a:r>
-                      <a:endParaRPr sz="900">
-                        <a:latin typeface="AdobeClean-Light"/>
-                        <a:cs typeface="AdobeClean-Light"/>
-                      </a:endParaRPr>
                     </a:p>
                   </a:txBody>
                   <a:tcPr marL="0" marR="0" marT="0" marB="0" anchor="ctr">
@@ -4791,109 +3526,15 @@
                         </a:spcBef>
                       </a:pPr>
                       <a:r>
-                        <a:rPr sz="900" b="1" spc="-15">
+                        <a:rPr lang="es-ES" sz="900" b="1" dirty="0">
                           <a:solidFill>
                             <a:srgbClr val="020302"/>
                           </a:solidFill>
                           <a:latin typeface="Adobe Clean"/>
                           <a:cs typeface="Adobe Clean"/>
                         </a:rPr>
-                        <a:t>P</a:t>
+                        <a:t>PRIORIDAD 4</a:t>
                       </a:r>
-                      <a:r>
-                        <a:rPr sz="900" b="1" spc="-20">
-                          <a:solidFill>
-                            <a:srgbClr val="020302"/>
-                          </a:solidFill>
-                          <a:latin typeface="Adobe Clean"/>
-                          <a:cs typeface="Adobe Clean"/>
-                        </a:rPr>
-                        <a:t>R</a:t>
-                      </a:r>
-                      <a:r>
-                        <a:rPr sz="900" b="1" spc="-25">
-                          <a:solidFill>
-                            <a:srgbClr val="020302"/>
-                          </a:solidFill>
-                          <a:latin typeface="Adobe Clean"/>
-                          <a:cs typeface="Adobe Clean"/>
-                        </a:rPr>
-                        <a:t>I</a:t>
-                      </a:r>
-                      <a:r>
-                        <a:rPr sz="900" b="1" spc="-15">
-                          <a:solidFill>
-                            <a:srgbClr val="020302"/>
-                          </a:solidFill>
-                          <a:latin typeface="Adobe Clean"/>
-                          <a:cs typeface="Adobe Clean"/>
-                        </a:rPr>
-                        <a:t>O</a:t>
-                      </a:r>
-                      <a:r>
-                        <a:rPr sz="900" b="1" spc="-20">
-                          <a:solidFill>
-                            <a:srgbClr val="020302"/>
-                          </a:solidFill>
-                          <a:latin typeface="Adobe Clean"/>
-                          <a:cs typeface="Adobe Clean"/>
-                        </a:rPr>
-                        <a:t>R</a:t>
-                      </a:r>
-                      <a:r>
-                        <a:rPr sz="900" b="1" spc="-25">
-                          <a:solidFill>
-                            <a:srgbClr val="020302"/>
-                          </a:solidFill>
-                          <a:latin typeface="Adobe Clean"/>
-                          <a:cs typeface="Adobe Clean"/>
-                        </a:rPr>
-                        <a:t>I</a:t>
-                      </a:r>
-                      <a:r>
-                        <a:rPr sz="900" b="1" spc="-15">
-                          <a:solidFill>
-                            <a:srgbClr val="020302"/>
-                          </a:solidFill>
-                          <a:latin typeface="Adobe Clean"/>
-                          <a:cs typeface="Adobe Clean"/>
-                        </a:rPr>
-                        <a:t>T</a:t>
-                      </a:r>
-                      <a:r>
-                        <a:rPr sz="900" b="1">
-                          <a:solidFill>
-                            <a:srgbClr val="020302"/>
-                          </a:solidFill>
-                          <a:latin typeface="Adobe Clean"/>
-                          <a:cs typeface="Adobe Clean"/>
-                        </a:rPr>
-                        <a:t>Y</a:t>
-                      </a:r>
-                      <a:r>
-                        <a:rPr sz="900" b="1" spc="-40">
-                          <a:solidFill>
-                            <a:srgbClr val="020302"/>
-                          </a:solidFill>
-                          <a:latin typeface="Adobe Clean"/>
-                          <a:cs typeface="Adobe Clean"/>
-                        </a:rPr>
-                        <a:t> </a:t>
-                      </a:r>
-                      <a:r>
-                        <a:rPr sz="900" b="1">
-                          <a:solidFill>
-                            <a:srgbClr val="020302"/>
-                          </a:solidFill>
-                          <a:latin typeface="Adobe Clean"/>
-                          <a:cs typeface="Adobe Clean"/>
-                        </a:rPr>
-                        <a:t>4</a:t>
-                      </a:r>
-                      <a:endParaRPr sz="900">
-                        <a:latin typeface="Adobe Clean"/>
-                        <a:cs typeface="Adobe Clean"/>
-                      </a:endParaRPr>
                     </a:p>
                     <a:p>
                       <a:pPr marL="49530">
@@ -4905,31 +3546,27 @@
                         </a:spcBef>
                       </a:pPr>
                       <a:r>
-                        <a:rPr lang="en-US" sz="900" b="1" spc="-90">
+                        <a:rPr lang="es-ES" sz="900" b="1" dirty="0">
                           <a:solidFill>
                             <a:srgbClr val="020302"/>
                           </a:solidFill>
                           <a:latin typeface="Adobe Clean"/>
+                          <a:ea typeface="+mn-ea"/>
                           <a:cs typeface="Adobe Clean"/>
                         </a:rPr>
                         <a:t> </a:t>
                       </a:r>
                       <a:r>
-                        <a:rPr lang="en-US" sz="900" b="0" i="0" u="none" strike="noStrike">
+                        <a:rPr lang="es-ES" sz="900" b="0" i="0" u="none" strike="noStrike" dirty="0">
                           <a:solidFill>
                             <a:schemeClr val="tx1"/>
                           </a:solidFill>
-                          <a:effectLst/>
                           <a:latin typeface="Adobe Clean Light" panose="020B0303020404020204" pitchFamily="34" charset="0"/>
                           <a:ea typeface="+mn-ea"/>
                           <a:cs typeface="+mn-cs"/>
                         </a:rPr>
-                        <a:t>General question regarding current product functionality or an enhancement request</a:t>
+                        <a:t>Pregunta general sobre la funcionalidad actual del producto o una solicitud de mejora.</a:t>
                       </a:r>
-                      <a:endParaRPr lang="en-US" sz="900" b="0" i="0">
-                        <a:latin typeface="Adobe Clean Light" panose="020B0303020404020204" pitchFamily="34" charset="0"/>
-                        <a:cs typeface="AdobeClean-Light"/>
-                      </a:endParaRPr>
                     </a:p>
                   </a:txBody>
                   <a:tcPr marL="0" marR="0" marT="0" marB="0" anchor="ctr">
@@ -4964,65 +3601,21 @@
                     <a:bodyPr/>
                     <a:lstStyle/>
                     <a:p>
-                      <a:pPr marL="473709" marR="343535" indent="-175895">
+                      <a:pPr marL="473709" marR="343535" indent="-175895" algn="ctr">
                         <a:lnSpc>
                           <a:spcPct val="102200"/>
                         </a:lnSpc>
                       </a:pPr>
                       <a:r>
-                        <a:rPr lang="en-US" sz="900" spc="-30">
+                        <a:rPr lang="es-ES" sz="900">
                           <a:solidFill>
                             <a:srgbClr val="020302"/>
                           </a:solidFill>
                           <a:latin typeface="AdobeClean-Light"/>
                           <a:cs typeface="AdobeClean-Light"/>
                         </a:rPr>
-                        <a:t>Business days </a:t>
+                        <a:t>Días laborables /      3 días</a:t>
                       </a:r>
-                      <a:r>
-                        <a:rPr lang="en-US" sz="900">
-                          <a:solidFill>
-                            <a:srgbClr val="020302"/>
-                          </a:solidFill>
-                          <a:latin typeface="AdobeClean-Light"/>
-                          <a:cs typeface="AdobeClean-Light"/>
-                        </a:rPr>
-                        <a:t>/        3</a:t>
-                      </a:r>
-                      <a:r>
-                        <a:rPr lang="en-US" sz="900" spc="-100">
-                          <a:solidFill>
-                            <a:srgbClr val="020302"/>
-                          </a:solidFill>
-                          <a:latin typeface="AdobeClean-Light"/>
-                          <a:cs typeface="AdobeClean-Light"/>
-                        </a:rPr>
-                        <a:t> </a:t>
-                      </a:r>
-                      <a:r>
-                        <a:rPr lang="en-US" sz="900" spc="-15">
-                          <a:solidFill>
-                            <a:srgbClr val="020302"/>
-                          </a:solidFill>
-                          <a:latin typeface="AdobeClean-Light"/>
-                          <a:cs typeface="AdobeClean-Light"/>
-                        </a:rPr>
-                        <a:t>day</a:t>
-                      </a:r>
-                      <a:r>
-                        <a:rPr lang="en-US" sz="900">
-                          <a:solidFill>
-                            <a:srgbClr val="020302"/>
-                          </a:solidFill>
-                          <a:latin typeface="AdobeClean-Light"/>
-                          <a:cs typeface="AdobeClean-Light"/>
-                        </a:rPr>
-                        <a:t>s</a:t>
-                      </a:r>
-                      <a:endParaRPr lang="en-US" sz="900">
-                        <a:latin typeface="AdobeClean-Light"/>
-                        <a:cs typeface="AdobeClean-Light"/>
-                      </a:endParaRPr>
                     </a:p>
                   </a:txBody>
                   <a:tcPr marL="0" marR="0" marT="0" marB="0" anchor="ctr">
@@ -5057,55 +3650,40 @@
                     <a:bodyPr/>
                     <a:lstStyle/>
                     <a:p>
-                      <a:pPr marL="473709" marR="343535" indent="-175895">
+                      <a:pPr marL="228600" marR="343535" indent="-57150" algn="ctr">
                         <a:lnSpc>
                           <a:spcPct val="102200"/>
                         </a:lnSpc>
                       </a:pPr>
                       <a:r>
-                        <a:rPr lang="en-US" sz="900" spc="-30">
+                        <a:rPr lang="es-ES" sz="900" dirty="0">
                           <a:solidFill>
                             <a:srgbClr val="020302"/>
                           </a:solidFill>
                           <a:latin typeface="AdobeClean-Light"/>
                           <a:cs typeface="AdobeClean-Light"/>
                         </a:rPr>
-                        <a:t>Business days </a:t>
+                        <a:t>Días laborables /</a:t>
                       </a:r>
-                      <a:r>
-                        <a:rPr lang="en-US" sz="900">
+                      <a:br>
+                        <a:rPr lang="sk-SK" sz="900" dirty="0">
                           <a:solidFill>
                             <a:srgbClr val="020302"/>
                           </a:solidFill>
                           <a:latin typeface="AdobeClean-Light"/>
                           <a:cs typeface="AdobeClean-Light"/>
                         </a:rPr>
-                        <a:t>/       1</a:t>
-                      </a:r>
+                      </a:br>
                       <a:r>
-                        <a:rPr lang="en-US" sz="900" spc="-100">
+                        <a:rPr lang="es-ES" sz="900" dirty="0">
                           <a:solidFill>
                             <a:srgbClr val="020302"/>
                           </a:solidFill>
                           <a:latin typeface="AdobeClean-Light"/>
                           <a:cs typeface="AdobeClean-Light"/>
                         </a:rPr>
-                        <a:t> </a:t>
+                        <a:t>1 día</a:t>
                       </a:r>
-                      <a:r>
-                        <a:rPr lang="en-US" sz="900" spc="-15">
-                          <a:solidFill>
-                            <a:srgbClr val="020302"/>
-                          </a:solidFill>
-                          <a:latin typeface="AdobeClean-Light"/>
-                          <a:cs typeface="AdobeClean-Light"/>
-                        </a:rPr>
-                        <a:t>day</a:t>
-                      </a:r>
-                      <a:endParaRPr lang="en-US" sz="900">
-                        <a:latin typeface="AdobeClean-Light"/>
-                        <a:cs typeface="AdobeClean-Light"/>
-                      </a:endParaRPr>
                     </a:p>
                   </a:txBody>
                   <a:tcPr marL="0" marR="0" marT="0" marB="0" anchor="ctr">
@@ -5209,40 +3787,8 @@
               </a:spcBef>
             </a:pPr>
             <a:r>
-              <a:rPr spc="-10"/>
-              <a:t>©202</a:t>
-            </a:r>
-            <a:r>
-              <a:rPr lang="en-US" spc="-10"/>
-              <a:t>1</a:t>
-            </a:r>
-            <a:r>
-              <a:rPr spc="-5"/>
-              <a:t> Adobe. All</a:t>
-            </a:r>
-            <a:r>
-              <a:rPr spc="-10"/>
-              <a:t> Rights</a:t>
-            </a:r>
-            <a:r>
-              <a:rPr spc="-5"/>
-              <a:t> </a:t>
-            </a:r>
-            <a:r>
-              <a:rPr spc="-10"/>
-              <a:t>Reserved.</a:t>
-            </a:r>
-            <a:r>
-              <a:rPr spc="-5"/>
-              <a:t> Adobe</a:t>
-            </a:r>
-            <a:r>
-              <a:rPr spc="60"/>
-              <a:t> </a:t>
-            </a:r>
-            <a:r>
-              <a:rPr spc="-10"/>
-              <a:t>Confidential.</a:t>
+              <a:rPr lang="es-ES"/>
+              <a:t>©2021 Adobe. All Rights Reserved. Adobe Confidential.</a:t>
             </a:r>
           </a:p>
         </p:txBody>
@@ -5276,7 +3822,7 @@
           <a:lstStyle/>
           <a:p>
             <a:r>
-              <a:rPr lang="en-US" sz="700" i="1">
+              <a:rPr lang="es-ES" sz="700" i="1">
                 <a:solidFill>
                   <a:schemeClr val="bg1"/>
                 </a:solidFill>
@@ -5322,7 +3868,7 @@
               </a:spcBef>
             </a:pPr>
             <a:r>
-              <a:rPr lang="en-US" sz="1200">
+              <a:rPr lang="es-ES" sz="1200" dirty="0">
                 <a:solidFill>
                   <a:schemeClr val="bg1"/>
                 </a:solidFill>
@@ -5331,7 +3877,7 @@
               <a:t>Online | Business |</a:t>
             </a:r>
             <a:r>
-              <a:rPr lang="en-US" sz="1200" b="1">
+              <a:rPr lang="es-ES" sz="1200" b="1" dirty="0">
                 <a:solidFill>
                   <a:schemeClr val="bg1"/>
                 </a:solidFill>
@@ -5340,7 +3886,7 @@
               <a:t> </a:t>
             </a:r>
             <a:r>
-              <a:rPr lang="en-US" sz="1200" b="1">
+              <a:rPr lang="es-ES" sz="1200" b="1" dirty="0">
                 <a:solidFill>
                   <a:schemeClr val="bg1"/>
                 </a:solidFill>
@@ -5348,7 +3894,7 @@
               <a:t>Enterprise</a:t>
             </a:r>
             <a:r>
-              <a:rPr lang="en-US" sz="1200" b="1">
+              <a:rPr lang="es-ES" sz="1200" b="1" dirty="0">
                 <a:solidFill>
                   <a:schemeClr val="bg1"/>
                 </a:solidFill>
@@ -5357,7 +3903,7 @@
               <a:t> </a:t>
             </a:r>
             <a:r>
-              <a:rPr lang="en-US" sz="1200">
+              <a:rPr lang="es-ES" sz="1200" dirty="0">
                 <a:solidFill>
                   <a:schemeClr val="bg1"/>
                 </a:solidFill>
@@ -5366,7 +3912,7 @@
               <a:t>| Elite</a:t>
             </a:r>
             <a:br>
-              <a:rPr lang="en-US" sz="900">
+              <a:rPr lang="es-ES" sz="900" dirty="0">
                 <a:solidFill>
                   <a:schemeClr val="bg1"/>
                 </a:solidFill>
@@ -5374,21 +3920,68 @@
               </a:rPr>
             </a:br>
             <a:r>
-              <a:rPr lang="en-US" sz="900">
+              <a:rPr lang="es-ES" sz="900" dirty="0">
                 <a:solidFill>
                   <a:schemeClr val="bg1"/>
                 </a:solidFill>
                 <a:latin typeface="Adobe Clean SemiLight" panose="020B0403020404020204" pitchFamily="34" charset="0"/>
               </a:rPr>
-              <a:t>ENTERPRISE support includes access to personalized learning paths and monitored community forums via the Adobe Experience League. You can also take advantage of our detailed and in-depth technical product documentation and current release notes. ENTERPRISE customers will also be provided with a Named Support Engineer who acts as your designated technical contact in the Adobe Support Team. With deep experience in your designated Experience Cloud solution, your support team will work in partnership with you and your technical teams to ensure timely resolution of all support requests. Your support team can also help coordinate and arrange delivery of the additional ENTERPRISE benefits ensuring minimal disruption to your business at the most critical time. </a:t>
-            </a:r>
-            <a:endParaRPr lang="en-US" sz="900">
-              <a:solidFill>
-                <a:schemeClr val="bg1"/>
-              </a:solidFill>
-              <a:latin typeface="Adobe Clean Light" panose="020B0303020404020204" pitchFamily="34" charset="0"/>
-              <a:cs typeface="AdobeClean-Light"/>
-            </a:endParaRPr>
+              <a:t>El paquete ENTERPRISE incluye acceso a rutas de aprendizaje personalizadas y foros de la comunidad monitorizados a través de Adobe </a:t>
+            </a:r>
+            <a:r>
+              <a:rPr lang="es-ES" sz="900" dirty="0" err="1">
+                <a:solidFill>
+                  <a:schemeClr val="bg1"/>
+                </a:solidFill>
+                <a:latin typeface="Adobe Clean SemiLight" panose="020B0403020404020204" pitchFamily="34" charset="0"/>
+              </a:rPr>
+              <a:t>Experience</a:t>
+            </a:r>
+            <a:r>
+              <a:rPr lang="es-ES" sz="900" dirty="0">
+                <a:solidFill>
+                  <a:schemeClr val="bg1"/>
+                </a:solidFill>
+                <a:latin typeface="Adobe Clean SemiLight" panose="020B0403020404020204" pitchFamily="34" charset="0"/>
+              </a:rPr>
+              <a:t> League. También puede disfrutar de documentación técnica completa y detallada sobre productos y notas de la versión actual. Los clientes del paquete ENTERPRISE también contarán con un ingeniero de asistencia técnica especializado que será su punto de contacto técnico personal dentro del equipo de Soporte de Adobe. Gracias a su amplia experiencia en sus soluciones de </a:t>
+            </a:r>
+            <a:r>
+              <a:rPr lang="es-ES" sz="900" dirty="0" err="1">
+                <a:solidFill>
+                  <a:schemeClr val="bg1"/>
+                </a:solidFill>
+                <a:latin typeface="Adobe Clean SemiLight" panose="020B0403020404020204" pitchFamily="34" charset="0"/>
+              </a:rPr>
+              <a:t>Experience</a:t>
+            </a:r>
+            <a:r>
+              <a:rPr lang="es-ES" sz="900" dirty="0">
+                <a:solidFill>
+                  <a:schemeClr val="bg1"/>
+                </a:solidFill>
+                <a:latin typeface="Adobe Clean SemiLight" panose="020B0403020404020204" pitchFamily="34" charset="0"/>
+              </a:rPr>
+              <a:t> Cloud, el equipo de Soporte colaborará con usted y sus equipos técnicos para resolver a tiempo todas las solicitudes de asistencia. Su equipo de Soporte también puede ayudar a </a:t>
+            </a:r>
+            <a:r>
+              <a:rPr lang="es-ES" sz="900" dirty="0" err="1">
+                <a:solidFill>
+                  <a:schemeClr val="bg1"/>
+                </a:solidFill>
+                <a:latin typeface="Adobe Clean SemiLight" panose="020B0403020404020204" pitchFamily="34" charset="0"/>
+              </a:rPr>
+              <a:t>coordenar</a:t>
+            </a:r>
+            <a:r>
+              <a:rPr lang="es-ES" sz="900" dirty="0">
+                <a:solidFill>
+                  <a:schemeClr val="bg1"/>
+                </a:solidFill>
+                <a:latin typeface="Adobe Clean SemiLight" panose="020B0403020404020204" pitchFamily="34" charset="0"/>
+              </a:rPr>
+              <a:t> y ofrecer las ventajas adicionales del paquete ENTERPRISE sin afectar a su negocio en los momentos más importantes. </a:t>
+            </a:r>
           </a:p>
         </p:txBody>
       </p:sp>
@@ -5407,14 +4000,14 @@
           <p:nvPr>
             <p:extLst>
               <p:ext uri="{D42A27DB-BD31-4B8C-83A1-F6EECF244321}">
-                <p14:modId xmlns:p14="http://schemas.microsoft.com/office/powerpoint/2010/main" val="2813555721"/>
+                <p14:modId xmlns:p14="http://schemas.microsoft.com/office/powerpoint/2010/main" val="570656201"/>
               </p:ext>
             </p:extLst>
           </p:nvPr>
         </p:nvGraphicFramePr>
         <p:xfrm>
           <a:off x="125148" y="2159576"/>
-          <a:ext cx="7498851" cy="4675190"/>
+          <a:ext cx="7498851" cy="4776202"/>
         </p:xfrm>
         <a:graphic>
           <a:graphicData uri="http://schemas.openxmlformats.org/drawingml/2006/table">
@@ -5496,19 +4089,15 @@
                         <a:defRPr/>
                       </a:pPr>
                       <a:r>
-                        <a:rPr lang="en-US" sz="900" spc="0">
+                        <a:rPr lang="es-ES" sz="900">
                           <a:solidFill>
                             <a:srgbClr val="404040"/>
                           </a:solidFill>
                           <a:latin typeface="Adobe Clean"/>
                           <a:cs typeface="Adobe Clean"/>
                         </a:rPr>
-                        <a:t>Online  Support</a:t>
+                        <a:t>Soporte Online</a:t>
                       </a:r>
-                      <a:endParaRPr lang="en-US" sz="900" spc="0">
-                        <a:latin typeface="Adobe Clean"/>
-                        <a:cs typeface="Adobe Clean"/>
-                      </a:endParaRPr>
                     </a:p>
                   </a:txBody>
                   <a:tcPr marL="0" marR="0" marT="7620" marB="0" anchor="ctr">
@@ -5549,29 +4138,15 @@
                         </a:spcBef>
                       </a:pPr>
                       <a:r>
-                        <a:rPr lang="en-US" sz="900" spc="0">
+                        <a:rPr lang="es-ES" sz="900">
                           <a:solidFill>
                             <a:srgbClr val="FFFFFF"/>
                           </a:solidFill>
                           <a:latin typeface="Adobe Clean"/>
                           <a:cs typeface="Adobe Clean"/>
                         </a:rPr>
-                        <a:t>Enterprise </a:t>
+                        <a:t>Soporte Enterprise</a:t>
                       </a:r>
-                      <a:r>
-                        <a:rPr sz="900" spc="0">
-                          <a:solidFill>
-                            <a:srgbClr val="FFFFFF"/>
-                          </a:solidFill>
-                          <a:latin typeface="Adobe Clean"/>
-                          <a:cs typeface="Adobe Clean"/>
-                        </a:rPr>
-                        <a:t>Support</a:t>
-                      </a:r>
-                      <a:endParaRPr sz="900" spc="0">
-                        <a:latin typeface="Adobe Clean"/>
-                        <a:cs typeface="Adobe Clean"/>
-                      </a:endParaRPr>
                     </a:p>
                   </a:txBody>
                   <a:tcPr marL="0" marR="0" marT="7620" marB="0" anchor="ctr">
@@ -5639,7 +4214,7 @@
                     <a:bodyPr/>
                     <a:lstStyle/>
                     <a:p>
-                      <a:pPr marL="0" marR="0" lvl="0" indent="0" algn="ctr" defTabSz="914400" eaLnBrk="1" fontAlgn="auto" latinLnBrk="0" hangingPunct="1">
+                      <a:pPr marL="0" marR="0" lvl="0" indent="0" algn="l" defTabSz="914400" rtl="0" eaLnBrk="1" fontAlgn="auto" latinLnBrk="0" hangingPunct="1">
                         <a:lnSpc>
                           <a:spcPct val="100000"/>
                         </a:lnSpc>
@@ -5720,13 +4295,13 @@
                         <a:defRPr/>
                       </a:pPr>
                       <a:r>
-                        <a:rPr lang="en-US" sz="800" i="1">
+                        <a:rPr lang="es-ES" sz="800" i="1">
                           <a:solidFill>
                             <a:schemeClr val="bg1"/>
                           </a:solidFill>
                           <a:latin typeface="Adobe Clean Light" panose="020B0303020404020204" pitchFamily="34" charset="0"/>
                         </a:rPr>
-                        <a:t>Paid Support ($)</a:t>
+                        <a:t>Soporte de pago ($)</a:t>
                       </a:r>
                     </a:p>
                   </a:txBody>
@@ -5790,22 +4365,15 @@
                         </a:spcBef>
                       </a:pPr>
                       <a:r>
-                        <a:rPr lang="en-US" sz="1000" b="1" i="0" spc="0">
+                        <a:rPr lang="es-ES" sz="1000" b="1" i="0">
                           <a:solidFill>
                             <a:schemeClr val="bg1"/>
                           </a:solidFill>
                           <a:latin typeface="Adobe Clean" panose="020B0503020404020204" pitchFamily="34" charset="0"/>
                           <a:cs typeface="AdobeClean-Light"/>
                         </a:rPr>
-                        <a:t>Assigned Experts</a:t>
+                        <a:t>Expertos asignados</a:t>
                       </a:r>
-                      <a:endParaRPr sz="1000" b="1" i="0" spc="0">
-                        <a:solidFill>
-                          <a:schemeClr val="bg1"/>
-                        </a:solidFill>
-                        <a:latin typeface="Adobe Clean" panose="020B0503020404020204" pitchFamily="34" charset="0"/>
-                        <a:cs typeface="AdobeClean-Light"/>
-                      </a:endParaRPr>
                     </a:p>
                   </a:txBody>
                   <a:tcPr marL="0" marR="0" marT="58419" marB="0" anchor="ctr">
@@ -5852,19 +4420,15 @@
                         </a:spcBef>
                       </a:pPr>
                       <a:r>
-                        <a:rPr sz="900" spc="0">
+                        <a:rPr lang="es-ES" sz="900">
                           <a:solidFill>
                             <a:srgbClr val="020302"/>
                           </a:solidFill>
                           <a:latin typeface="AdobeClean-Light"/>
                           <a:cs typeface="AdobeClean-Light"/>
                         </a:rPr>
-                        <a:t>Account Support Lead</a:t>
+                        <a:t>Responsable de la asistencia técnica de la cuenta</a:t>
                       </a:r>
-                      <a:endParaRPr sz="900" spc="0">
-                        <a:latin typeface="AdobeClean-Light"/>
-                        <a:cs typeface="AdobeClean-Light"/>
-                      </a:endParaRPr>
                     </a:p>
                   </a:txBody>
                   <a:tcPr marL="0" marR="0" marT="58419" marB="0">
@@ -5899,7 +4463,7 @@
                     <a:bodyPr/>
                     <a:lstStyle/>
                     <a:p>
-                      <a:pPr algn="ctr">
+                      <a:pPr algn="l" rtl="0">
                         <a:lnSpc>
                           <a:spcPct val="100000"/>
                         </a:lnSpc>
@@ -5940,7 +4504,7 @@
                     <a:bodyPr/>
                     <a:lstStyle/>
                     <a:p>
-                      <a:pPr algn="ctr">
+                      <a:pPr algn="l" rtl="0">
                         <a:lnSpc>
                           <a:spcPct val="100000"/>
                         </a:lnSpc>
@@ -5983,7 +4547,7 @@
                     <a:bodyPr/>
                     <a:lstStyle/>
                     <a:p>
-                      <a:pPr marL="50800">
+                      <a:pPr marL="50800" algn="l" rtl="0">
                         <a:lnSpc>
                           <a:spcPct val="100000"/>
                         </a:lnSpc>
@@ -6029,19 +4593,15 @@
                         </a:spcBef>
                       </a:pPr>
                       <a:r>
-                        <a:rPr sz="900" spc="0">
+                        <a:rPr lang="es-ES" sz="900">
                           <a:solidFill>
                             <a:srgbClr val="020302"/>
                           </a:solidFill>
                           <a:latin typeface="AdobeClean-Light"/>
                           <a:cs typeface="AdobeClean-Light"/>
                         </a:rPr>
-                        <a:t>Named Support Engineer</a:t>
+                        <a:t>Ingeniero de asistencia técnica especializado</a:t>
                       </a:r>
-                      <a:endParaRPr sz="900" spc="0">
-                        <a:latin typeface="AdobeClean-Light"/>
-                        <a:cs typeface="AdobeClean-Light"/>
-                      </a:endParaRPr>
                     </a:p>
                   </a:txBody>
                   <a:tcPr marL="0" marR="0" marT="58419" marB="0">
@@ -6064,7 +4624,7 @@
                     <a:bodyPr/>
                     <a:lstStyle/>
                     <a:p>
-                      <a:pPr algn="ctr">
+                      <a:pPr algn="l" rtl="0">
                         <a:lnSpc>
                           <a:spcPct val="100000"/>
                         </a:lnSpc>
@@ -6111,7 +4671,7 @@
                         <a:defRPr/>
                       </a:pPr>
                       <a:r>
-                        <a:rPr lang="en-US" sz="900">
+                        <a:rPr lang="es-ES" sz="900">
                           <a:solidFill>
                             <a:srgbClr val="020302"/>
                           </a:solidFill>
@@ -6120,10 +4680,6 @@
                         </a:rPr>
                         <a:t></a:t>
                       </a:r>
-                      <a:endParaRPr lang="en-US" sz="900">
-                        <a:latin typeface="Wingdings"/>
-                        <a:cs typeface="Wingdings"/>
-                      </a:endParaRPr>
                     </a:p>
                   </a:txBody>
                   <a:tcPr marL="0" marR="0" marT="0" marB="0" anchor="ctr">
@@ -6146,7 +4702,7 @@
                     <a:bodyPr/>
                     <a:lstStyle/>
                     <a:p>
-                      <a:pPr marL="50800">
+                      <a:pPr marL="50800" algn="l" rtl="0">
                         <a:lnSpc>
                           <a:spcPct val="100000"/>
                         </a:lnSpc>
@@ -6204,19 +4760,15 @@
                         </a:spcBef>
                       </a:pPr>
                       <a:r>
-                        <a:rPr sz="900" spc="0">
+                        <a:rPr lang="es-ES" sz="900">
                           <a:solidFill>
                             <a:srgbClr val="020302"/>
                           </a:solidFill>
                           <a:latin typeface="AdobeClean-Light"/>
                           <a:cs typeface="AdobeClean-Light"/>
                         </a:rPr>
-                        <a:t>Technical Account Manager</a:t>
+                        <a:t>Gestor técnico de cuentas</a:t>
                       </a:r>
-                      <a:endParaRPr sz="900" spc="0">
-                        <a:latin typeface="AdobeClean-Light"/>
-                        <a:cs typeface="AdobeClean-Light"/>
-                      </a:endParaRPr>
                     </a:p>
                   </a:txBody>
                   <a:tcPr marL="0" marR="0" marT="63500" marB="0">
@@ -6245,7 +4797,7 @@
                     <a:bodyPr/>
                     <a:lstStyle/>
                     <a:p>
-                      <a:pPr algn="ctr">
+                      <a:pPr algn="l" rtl="0">
                         <a:lnSpc>
                           <a:spcPct val="100000"/>
                         </a:lnSpc>
@@ -6283,7 +4835,7 @@
                     <a:bodyPr/>
                     <a:lstStyle/>
                     <a:p>
-                      <a:pPr algn="ctr">
+                      <a:pPr algn="l" rtl="0">
                         <a:lnSpc>
                           <a:spcPct val="100000"/>
                         </a:lnSpc>
@@ -6334,22 +4886,15 @@
                         </a:spcBef>
                       </a:pPr>
                       <a:r>
-                        <a:rPr lang="en-US" sz="1000" b="1" i="0" spc="0">
+                        <a:rPr lang="es-ES" sz="1000" b="1" i="0">
                           <a:solidFill>
                             <a:schemeClr val="bg1"/>
                           </a:solidFill>
                           <a:latin typeface="Adobe Clean" panose="020B0503020404020204" pitchFamily="34" charset="0"/>
                           <a:cs typeface="AdobeClean-Light"/>
                         </a:rPr>
-                        <a:t>Support Services</a:t>
+                        <a:t>Servicios de soporte</a:t>
                       </a:r>
-                      <a:endParaRPr sz="1000" b="1" i="0" spc="0">
-                        <a:solidFill>
-                          <a:schemeClr val="bg1"/>
-                        </a:solidFill>
-                        <a:latin typeface="Adobe Clean" panose="020B0503020404020204" pitchFamily="34" charset="0"/>
-                        <a:cs typeface="AdobeClean-Light"/>
-                      </a:endParaRPr>
                     </a:p>
                   </a:txBody>
                   <a:tcPr marL="0" marR="0" marT="57150" marB="0" anchor="ctr">
@@ -6405,29 +4950,15 @@
                         </a:spcBef>
                       </a:pPr>
                       <a:r>
-                        <a:rPr lang="en-US" sz="900" spc="0">
+                        <a:rPr lang="es-ES" sz="900">
                           <a:solidFill>
                             <a:srgbClr val="020302"/>
                           </a:solidFill>
                           <a:latin typeface="AdobeClean-Light"/>
                           <a:cs typeface="AdobeClean-Light"/>
                         </a:rPr>
-                        <a:t>Online</a:t>
+                        <a:t>Soporte Online</a:t>
                       </a:r>
-                      <a:r>
-                        <a:rPr sz="900" spc="0">
-                          <a:solidFill>
-                            <a:srgbClr val="020302"/>
-                          </a:solidFill>
-                          <a:latin typeface="AdobeClean-Light"/>
-                          <a:cs typeface="AdobeClean-Light"/>
-                        </a:rPr>
-                        <a:t> Support</a:t>
-                      </a:r>
-                      <a:endParaRPr sz="900" spc="0">
-                        <a:latin typeface="AdobeClean-Light"/>
-                        <a:cs typeface="AdobeClean-Light"/>
-                      </a:endParaRPr>
                     </a:p>
                   </a:txBody>
                   <a:tcPr marL="0" marR="0" marT="57150" marB="0">
@@ -6465,39 +4996,15 @@
                         </a:spcBef>
                       </a:pPr>
                       <a:r>
-                        <a:rPr sz="900" spc="-25">
+                        <a:rPr lang="es-ES" sz="900">
                           <a:solidFill>
                             <a:srgbClr val="020302"/>
                           </a:solidFill>
                           <a:latin typeface="AdobeClean-Light"/>
                           <a:cs typeface="AdobeClean-Light"/>
                         </a:rPr>
-                        <a:t>Business</a:t>
+                        <a:t>Horario de trabajo</a:t>
                       </a:r>
-                      <a:r>
-                        <a:rPr sz="900" spc="-15">
-                          <a:solidFill>
-                            <a:srgbClr val="020302"/>
-                          </a:solidFill>
-                          <a:latin typeface="AdobeClean-Light"/>
-                          <a:cs typeface="AdobeClean-Light"/>
-                        </a:rPr>
-                        <a:t> </a:t>
-                      </a:r>
-                      <a:r>
-                        <a:rPr sz="900" spc="-30">
-                          <a:solidFill>
-                            <a:srgbClr val="020302"/>
-                          </a:solidFill>
-                          <a:latin typeface="AdobeClean-Light"/>
-                          <a:cs typeface="AdobeClean-Light"/>
-                        </a:rPr>
-                        <a:t>hours</a:t>
-                      </a:r>
-                      <a:endParaRPr sz="900">
-                        <a:latin typeface="AdobeClean-Light"/>
-                        <a:cs typeface="AdobeClean-Light"/>
-                      </a:endParaRPr>
                     </a:p>
                   </a:txBody>
                   <a:tcPr marL="0" marR="0" marT="67945" marB="0">
@@ -6536,19 +5043,15 @@
                         </a:spcBef>
                       </a:pPr>
                       <a:r>
-                        <a:rPr lang="en-US" sz="900" spc="-25">
+                        <a:rPr lang="es-ES" sz="900">
                           <a:solidFill>
                             <a:srgbClr val="020302"/>
                           </a:solidFill>
                           <a:latin typeface="AdobeClean-Light"/>
                           <a:cs typeface="AdobeClean-Light"/>
                         </a:rPr>
-                        <a:t>24x5</a:t>
+                        <a:t>24 x 5</a:t>
                       </a:r>
-                      <a:endParaRPr sz="900">
-                        <a:latin typeface="AdobeClean-Light"/>
-                        <a:cs typeface="AdobeClean-Light"/>
-                      </a:endParaRPr>
                     </a:p>
                   </a:txBody>
                   <a:tcPr marL="0" marR="0" marT="67945" marB="0">
@@ -6582,7 +5085,7 @@
                     <a:bodyPr/>
                     <a:lstStyle/>
                     <a:p>
-                      <a:pPr marL="50800">
+                      <a:pPr marL="50800" algn="l" rtl="0">
                         <a:lnSpc>
                           <a:spcPct val="100000"/>
                         </a:lnSpc>
@@ -6631,39 +5134,15 @@
                         </a:spcBef>
                       </a:pPr>
                       <a:r>
-                        <a:rPr sz="900" spc="0">
+                        <a:rPr lang="es-ES" sz="900">
                           <a:solidFill>
                             <a:srgbClr val="020302"/>
                           </a:solidFill>
                           <a:latin typeface="AdobeClean-Light"/>
                           <a:cs typeface="AdobeClean-Light"/>
                         </a:rPr>
-                        <a:t>24x7</a:t>
+                        <a:t>Soporte con problemas P1 24 x 7 x 365</a:t>
                       </a:r>
-                      <a:r>
-                        <a:rPr lang="en-US" sz="900" spc="0">
-                          <a:solidFill>
-                            <a:srgbClr val="020302"/>
-                          </a:solidFill>
-                          <a:latin typeface="AdobeClean-Light"/>
-                          <a:cs typeface="AdobeClean-Light"/>
-                        </a:rPr>
-                        <a:t>x365</a:t>
-                      </a:r>
-                      <a:r>
-                        <a:rPr sz="900" spc="0">
-                          <a:solidFill>
-                            <a:srgbClr val="020302"/>
-                          </a:solidFill>
-                          <a:latin typeface="AdobeClean-Light"/>
-                          <a:cs typeface="AdobeClean-Light"/>
-                        </a:rPr>
-                        <a:t> P1 Issue Support</a:t>
-                      </a:r>
-                      <a:endParaRPr sz="900" spc="0">
-                        <a:latin typeface="AdobeClean-Light"/>
-                        <a:cs typeface="AdobeClean-Light"/>
-                      </a:endParaRPr>
                     </a:p>
                   </a:txBody>
                   <a:tcPr marL="0" marR="0" marT="57785" marB="0">
@@ -6695,7 +5174,7 @@
                         </a:spcBef>
                       </a:pPr>
                       <a:r>
-                        <a:rPr sz="900">
+                        <a:rPr lang="es-ES" sz="900">
                           <a:solidFill>
                             <a:srgbClr val="020302"/>
                           </a:solidFill>
@@ -6704,10 +5183,6 @@
                         </a:rPr>
                         <a:t></a:t>
                       </a:r>
-                      <a:endParaRPr sz="900">
-                        <a:latin typeface="Wingdings"/>
-                        <a:cs typeface="Wingdings"/>
-                      </a:endParaRPr>
                     </a:p>
                   </a:txBody>
                   <a:tcPr marL="0" marR="0" marT="58419" marB="0">
@@ -6737,7 +5212,7 @@
                         </a:spcBef>
                       </a:pPr>
                       <a:r>
-                        <a:rPr sz="900">
+                        <a:rPr lang="es-ES" sz="900">
                           <a:solidFill>
                             <a:srgbClr val="020302"/>
                           </a:solidFill>
@@ -6746,10 +5221,6 @@
                         </a:rPr>
                         <a:t></a:t>
                       </a:r>
-                      <a:endParaRPr sz="900">
-                        <a:latin typeface="Wingdings"/>
-                        <a:cs typeface="Wingdings"/>
-                      </a:endParaRPr>
                     </a:p>
                   </a:txBody>
                   <a:tcPr marL="0" marR="0" marT="58419" marB="0">
@@ -6772,7 +5243,7 @@
                     <a:bodyPr/>
                     <a:lstStyle/>
                     <a:p>
-                      <a:pPr marL="50800">
+                      <a:pPr marL="50800" algn="l" rtl="0">
                         <a:lnSpc>
                           <a:spcPct val="100000"/>
                         </a:lnSpc>
@@ -6830,19 +5301,15 @@
                         </a:spcBef>
                       </a:pPr>
                       <a:r>
-                        <a:rPr lang="en-US" sz="900" spc="0">
+                        <a:rPr lang="es-ES" sz="900">
                           <a:solidFill>
                             <a:srgbClr val="020302"/>
                           </a:solidFill>
                           <a:latin typeface="AdobeClean-Light"/>
                           <a:cs typeface="AdobeClean-Light"/>
                         </a:rPr>
-                        <a:t>Named Support Contacts (per product)</a:t>
+                        <a:t>Contactos de soporte particulares (por producto)</a:t>
                       </a:r>
-                      <a:endParaRPr sz="900" spc="0">
-                        <a:latin typeface="AdobeClean-Light"/>
-                        <a:cs typeface="AdobeClean-Light"/>
-                      </a:endParaRPr>
                     </a:p>
                   </a:txBody>
                   <a:tcPr marL="0" marR="0" marT="57785" marB="0">
@@ -6880,7 +5347,7 @@
                         </a:spcBef>
                       </a:pPr>
                       <a:r>
-                        <a:rPr sz="900">
+                        <a:rPr lang="es-ES" sz="900">
                           <a:solidFill>
                             <a:srgbClr val="020302"/>
                           </a:solidFill>
@@ -6889,10 +5356,6 @@
                         </a:rPr>
                         <a:t>4</a:t>
                       </a:r>
-                      <a:endParaRPr sz="900">
-                        <a:latin typeface="AdobeClean-Light"/>
-                        <a:cs typeface="AdobeClean-Light"/>
-                      </a:endParaRPr>
                     </a:p>
                   </a:txBody>
                   <a:tcPr marL="0" marR="0" marT="57785" marB="0">
@@ -6922,7 +5385,7 @@
                         </a:spcBef>
                       </a:pPr>
                       <a:r>
-                        <a:rPr lang="en-US" sz="900">
+                        <a:rPr lang="es-ES" sz="900">
                           <a:solidFill>
                             <a:srgbClr val="020302"/>
                           </a:solidFill>
@@ -6931,10 +5394,6 @@
                         </a:rPr>
                         <a:t>10</a:t>
                       </a:r>
-                      <a:endParaRPr sz="900">
-                        <a:latin typeface="AdobeClean-Light"/>
-                        <a:cs typeface="AdobeClean-Light"/>
-                      </a:endParaRPr>
                     </a:p>
                   </a:txBody>
                   <a:tcPr marL="0" marR="0" marT="57785" marB="0">
@@ -6957,7 +5416,7 @@
                     <a:bodyPr/>
                     <a:lstStyle/>
                     <a:p>
-                      <a:pPr marL="50800">
+                      <a:pPr marL="50800" algn="l" rtl="0">
                         <a:lnSpc>
                           <a:spcPct val="100000"/>
                         </a:lnSpc>
@@ -7006,19 +5465,15 @@
                         </a:spcBef>
                       </a:pPr>
                       <a:r>
-                        <a:rPr lang="en-US" sz="900" spc="0">
+                        <a:rPr lang="es-ES" sz="900">
                           <a:solidFill>
                             <a:srgbClr val="020302"/>
                           </a:solidFill>
                           <a:latin typeface="AdobeClean-Light"/>
                           <a:cs typeface="AdobeClean-Light"/>
                         </a:rPr>
-                        <a:t>Live Telephone Support</a:t>
+                        <a:t>Asistencia telefónica en directo</a:t>
                       </a:r>
-                      <a:endParaRPr sz="900" spc="0">
-                        <a:latin typeface="AdobeClean-Light"/>
-                        <a:cs typeface="AdobeClean-Light"/>
-                      </a:endParaRPr>
                     </a:p>
                   </a:txBody>
                   <a:tcPr marL="0" marR="0" marT="57785" marB="0">
@@ -7041,7 +5496,7 @@
                     <a:bodyPr/>
                     <a:lstStyle/>
                     <a:p>
-                      <a:pPr algn="ctr">
+                      <a:pPr algn="l" rtl="0">
                         <a:lnSpc>
                           <a:spcPct val="100000"/>
                         </a:lnSpc>
@@ -7082,7 +5537,7 @@
                         </a:spcBef>
                       </a:pPr>
                       <a:r>
-                        <a:rPr sz="900">
+                        <a:rPr lang="es-ES" sz="900">
                           <a:solidFill>
                             <a:srgbClr val="020302"/>
                           </a:solidFill>
@@ -7091,10 +5546,6 @@
                         </a:rPr>
                         <a:t></a:t>
                       </a:r>
-                      <a:endParaRPr sz="900">
-                        <a:latin typeface="Wingdings"/>
-                        <a:cs typeface="Wingdings"/>
-                      </a:endParaRPr>
                     </a:p>
                   </a:txBody>
                   <a:tcPr marL="0" marR="0" marT="59054" marB="0">
@@ -7117,7 +5568,7 @@
                     <a:bodyPr/>
                     <a:lstStyle/>
                     <a:p>
-                      <a:pPr marL="50800">
+                      <a:pPr marL="50800" algn="l" rtl="0">
                         <a:lnSpc>
                           <a:spcPct val="100000"/>
                         </a:lnSpc>
@@ -7166,19 +5617,15 @@
                         </a:spcBef>
                       </a:pPr>
                       <a:r>
-                        <a:rPr sz="900" spc="0">
+                        <a:rPr lang="es-ES" sz="900">
                           <a:solidFill>
                             <a:srgbClr val="020302"/>
                           </a:solidFill>
                           <a:latin typeface="AdobeClean-Light"/>
                           <a:cs typeface="AdobeClean-Light"/>
                         </a:rPr>
-                        <a:t>Escalation Management</a:t>
+                        <a:t>Administración de la escalabilidad</a:t>
                       </a:r>
-                      <a:endParaRPr sz="900" spc="0">
-                        <a:latin typeface="AdobeClean-Light"/>
-                        <a:cs typeface="AdobeClean-Light"/>
-                      </a:endParaRPr>
                     </a:p>
                   </a:txBody>
                   <a:tcPr marL="0" marR="0" marT="58419" marB="0">
@@ -7201,7 +5648,7 @@
                     <a:bodyPr/>
                     <a:lstStyle/>
                     <a:p>
-                      <a:pPr algn="ctr">
+                      <a:pPr algn="l" rtl="0">
                         <a:lnSpc>
                           <a:spcPct val="100000"/>
                         </a:lnSpc>
@@ -7242,7 +5689,7 @@
                         </a:spcBef>
                       </a:pPr>
                       <a:r>
-                        <a:rPr sz="900">
+                        <a:rPr lang="es-ES" sz="900">
                           <a:solidFill>
                             <a:srgbClr val="020302"/>
                           </a:solidFill>
@@ -7251,10 +5698,6 @@
                         </a:rPr>
                         <a:t></a:t>
                       </a:r>
-                      <a:endParaRPr sz="900">
-                        <a:latin typeface="Wingdings"/>
-                        <a:cs typeface="Wingdings"/>
-                      </a:endParaRPr>
                     </a:p>
                   </a:txBody>
                   <a:tcPr marL="0" marR="0" marT="59690" marB="0">
@@ -7277,7 +5720,7 @@
                     <a:bodyPr/>
                     <a:lstStyle/>
                     <a:p>
-                      <a:pPr marL="50800">
+                      <a:pPr marL="50800" algn="l" rtl="0">
                         <a:lnSpc>
                           <a:spcPct val="100000"/>
                         </a:lnSpc>
@@ -7326,29 +5769,15 @@
                         </a:spcBef>
                       </a:pPr>
                       <a:r>
-                        <a:rPr sz="900" spc="0">
+                        <a:rPr lang="es-ES" sz="900">
                           <a:solidFill>
                             <a:srgbClr val="020302"/>
                           </a:solidFill>
                           <a:latin typeface="AdobeClean-Light"/>
                           <a:cs typeface="AdobeClean-Light"/>
                         </a:rPr>
-                        <a:t>Service Reviews </a:t>
+                        <a:t>Revisiones de servicio al año</a:t>
                       </a:r>
-                      <a:r>
-                        <a:rPr lang="en-US" sz="900" spc="0">
-                          <a:solidFill>
-                            <a:srgbClr val="020302"/>
-                          </a:solidFill>
-                          <a:latin typeface="AdobeClean-Light"/>
-                          <a:cs typeface="AdobeClean-Light"/>
-                        </a:rPr>
-                        <a:t>per Year</a:t>
-                      </a:r>
-                      <a:endParaRPr sz="900" spc="0">
-                        <a:latin typeface="AdobeClean-Light"/>
-                        <a:cs typeface="AdobeClean-Light"/>
-                      </a:endParaRPr>
                     </a:p>
                   </a:txBody>
                   <a:tcPr marL="0" marR="0" marT="57150" marB="0">
@@ -7371,7 +5800,7 @@
                     <a:bodyPr/>
                     <a:lstStyle/>
                     <a:p>
-                      <a:pPr>
+                      <a:pPr algn="l" rtl="0">
                         <a:lnSpc>
                           <a:spcPct val="100000"/>
                         </a:lnSpc>
@@ -7406,16 +5835,12 @@
                         </a:lnSpc>
                       </a:pPr>
                       <a:r>
-                        <a:rPr lang="en-US" sz="900">
+                        <a:rPr lang="es-ES" sz="900">
                           <a:latin typeface="Times New Roman"/>
                           <a:cs typeface="Times New Roman"/>
                         </a:rPr>
                         <a:t>2</a:t>
                       </a:r>
-                      <a:endParaRPr sz="900">
-                        <a:latin typeface="Times New Roman"/>
-                        <a:cs typeface="Times New Roman"/>
-                      </a:endParaRPr>
                     </a:p>
                   </a:txBody>
                   <a:tcPr marL="0" marR="0" marT="0" marB="0">
@@ -7457,16 +5882,12 @@
                         </a:spcBef>
                       </a:pPr>
                       <a:r>
-                        <a:rPr lang="en-US" sz="900" spc="0">
+                        <a:rPr lang="es-ES" sz="900">
                           <a:latin typeface="AdobeClean-Light"/>
                           <a:cs typeface="AdobeClean-Light"/>
                         </a:rPr>
-                        <a:t>Expert Sessions per Year</a:t>
+                        <a:t>Sesiones con expertos al año</a:t>
                       </a:r>
-                      <a:endParaRPr sz="900" spc="0">
-                        <a:latin typeface="AdobeClean-Light"/>
-                        <a:cs typeface="AdobeClean-Light"/>
-                      </a:endParaRPr>
                     </a:p>
                   </a:txBody>
                   <a:tcPr marL="0" marR="0" marT="57150" marB="0">
@@ -7495,7 +5916,7 @@
                     <a:bodyPr/>
                     <a:lstStyle/>
                     <a:p>
-                      <a:pPr>
+                      <a:pPr algn="l" rtl="0">
                         <a:lnSpc>
                           <a:spcPct val="100000"/>
                         </a:lnSpc>
@@ -7530,16 +5951,12 @@
                         </a:lnSpc>
                       </a:pPr>
                       <a:r>
-                        <a:rPr lang="en-US" sz="900">
+                        <a:rPr lang="es-ES" sz="900">
                           <a:latin typeface="Times New Roman"/>
                           <a:cs typeface="Times New Roman"/>
                         </a:rPr>
                         <a:t>2</a:t>
                       </a:r>
-                      <a:endParaRPr sz="900">
-                        <a:latin typeface="Times New Roman"/>
-                        <a:cs typeface="Times New Roman"/>
-                      </a:endParaRPr>
                     </a:p>
                   </a:txBody>
                   <a:tcPr marL="0" marR="0" marT="0" marB="0">
@@ -7581,16 +5998,12 @@
                         </a:spcBef>
                       </a:pPr>
                       <a:r>
-                        <a:rPr lang="en-US" sz="900" spc="0">
+                        <a:rPr lang="es-ES" sz="900">
                           <a:latin typeface="AdobeClean-Light"/>
                           <a:cs typeface="AdobeClean-Light"/>
                         </a:rPr>
-                        <a:t>Case Reviews</a:t>
+                        <a:t>Reseñas de casos</a:t>
                       </a:r>
-                      <a:endParaRPr sz="900" spc="0">
-                        <a:latin typeface="AdobeClean-Light"/>
-                        <a:cs typeface="AdobeClean-Light"/>
-                      </a:endParaRPr>
                     </a:p>
                   </a:txBody>
                   <a:tcPr marL="0" marR="0" marT="57150" marB="0">
@@ -7619,7 +6032,7 @@
                     <a:bodyPr/>
                     <a:lstStyle/>
                     <a:p>
-                      <a:pPr>
+                      <a:pPr algn="l" rtl="0">
                         <a:lnSpc>
                           <a:spcPct val="100000"/>
                         </a:lnSpc>
@@ -7666,7 +6079,7 @@
                         <a:defRPr/>
                       </a:pPr>
                       <a:r>
-                        <a:rPr lang="en-US" sz="900">
+                        <a:rPr lang="es-ES" sz="900">
                           <a:solidFill>
                             <a:srgbClr val="020302"/>
                           </a:solidFill>
@@ -7675,10 +6088,6 @@
                         </a:rPr>
                         <a:t></a:t>
                       </a:r>
-                      <a:endParaRPr lang="en-US" sz="900">
-                        <a:latin typeface="Wingdings"/>
-                        <a:cs typeface="Wingdings"/>
-                      </a:endParaRPr>
                     </a:p>
                   </a:txBody>
                   <a:tcPr marL="0" marR="0" marT="0" marB="0">
@@ -7701,7 +6110,7 @@
                     <a:bodyPr/>
                     <a:lstStyle/>
                     <a:p>
-                      <a:pPr marL="48895">
+                      <a:pPr marL="48895" algn="l" rtl="0">
                         <a:lnSpc>
                           <a:spcPct val="100000"/>
                         </a:lnSpc>
@@ -7759,29 +6168,15 @@
                         </a:spcBef>
                       </a:pPr>
                       <a:r>
-                        <a:rPr sz="900" spc="0">
+                        <a:rPr lang="es-ES" sz="900">
                           <a:solidFill>
                             <a:srgbClr val="020302"/>
                           </a:solidFill>
                           <a:latin typeface="AdobeClean-Light"/>
                           <a:cs typeface="AdobeClean-Light"/>
                         </a:rPr>
-                        <a:t>Event </a:t>
+                        <a:t>Gestión de eventos</a:t>
                       </a:r>
-                      <a:r>
-                        <a:rPr lang="en-US" sz="900" spc="0">
-                          <a:solidFill>
-                            <a:srgbClr val="020302"/>
-                          </a:solidFill>
-                          <a:latin typeface="AdobeClean-Light"/>
-                          <a:cs typeface="AdobeClean-Light"/>
-                        </a:rPr>
-                        <a:t>Management</a:t>
-                      </a:r>
-                      <a:endParaRPr sz="900" spc="0">
-                        <a:latin typeface="AdobeClean-Light"/>
-                        <a:cs typeface="AdobeClean-Light"/>
-                      </a:endParaRPr>
                     </a:p>
                   </a:txBody>
                   <a:tcPr marL="0" marR="0" marT="58419" marB="0">
@@ -7810,7 +6205,7 @@
                     <a:bodyPr/>
                     <a:lstStyle/>
                     <a:p>
-                      <a:pPr>
+                      <a:pPr algn="l" rtl="0">
                         <a:lnSpc>
                           <a:spcPct val="100000"/>
                         </a:lnSpc>
@@ -7839,7 +6234,7 @@
                     <a:bodyPr/>
                     <a:lstStyle/>
                     <a:p>
-                      <a:pPr>
+                      <a:pPr algn="l" rtl="0">
                         <a:lnSpc>
                           <a:spcPct val="100000"/>
                         </a:lnSpc>
@@ -7870,7 +6265,7 @@
                     <a:bodyPr/>
                     <a:lstStyle/>
                     <a:p>
-                      <a:pPr marL="48895">
+                      <a:pPr marL="48895" algn="l" rtl="0">
                         <a:lnSpc>
                           <a:spcPct val="100000"/>
                         </a:lnSpc>
@@ -7919,39 +6314,15 @@
                         </a:spcBef>
                       </a:pPr>
                       <a:r>
-                        <a:rPr sz="900" spc="0">
+                        <a:rPr lang="es-ES" sz="900">
                           <a:solidFill>
                             <a:srgbClr val="020302"/>
                           </a:solidFill>
                           <a:latin typeface="AdobeClean-Light"/>
                           <a:cs typeface="AdobeClean-Light"/>
                         </a:rPr>
-                        <a:t>Environment</a:t>
+                        <a:t>Revisión, mantenimiento y monitorización del entorno</a:t>
                       </a:r>
-                      <a:r>
-                        <a:rPr lang="en-US" sz="900" spc="0">
-                          <a:solidFill>
-                            <a:srgbClr val="020302"/>
-                          </a:solidFill>
-                          <a:latin typeface="AdobeClean-Light"/>
-                          <a:cs typeface="AdobeClean-Light"/>
-                        </a:rPr>
-                        <a:t> </a:t>
-                      </a:r>
-                      <a:r>
-                        <a:rPr sz="900" spc="0">
-                          <a:solidFill>
-                            <a:srgbClr val="020302"/>
-                          </a:solidFill>
-                          <a:latin typeface="AdobeClean-Light"/>
-                          <a:cs typeface="AdobeClean-Light"/>
-                        </a:rPr>
-                        <a:t>Review, Maintenance &amp; Monitoring</a:t>
-                      </a:r>
-                      <a:endParaRPr sz="900" spc="0">
-                        <a:latin typeface="AdobeClean-Light"/>
-                        <a:cs typeface="AdobeClean-Light"/>
-                      </a:endParaRPr>
                     </a:p>
                   </a:txBody>
                   <a:tcPr marL="0" marR="0" marT="59055" marB="0">
@@ -7974,7 +6345,7 @@
                     <a:bodyPr/>
                     <a:lstStyle/>
                     <a:p>
-                      <a:pPr>
+                      <a:pPr algn="l" rtl="0">
                         <a:lnSpc>
                           <a:spcPct val="100000"/>
                         </a:lnSpc>
@@ -8003,7 +6374,7 @@
                     <a:bodyPr/>
                     <a:lstStyle/>
                     <a:p>
-                      <a:pPr>
+                      <a:pPr algn="l" rtl="0">
                         <a:lnSpc>
                           <a:spcPct val="100000"/>
                         </a:lnSpc>
@@ -8034,7 +6405,7 @@
                     <a:bodyPr/>
                     <a:lstStyle/>
                     <a:p>
-                      <a:pPr marL="49530">
+                      <a:pPr marL="49530" algn="l" rtl="0">
                         <a:lnSpc>
                           <a:spcPct val="100000"/>
                         </a:lnSpc>
@@ -8083,19 +6454,15 @@
                         </a:spcBef>
                       </a:pPr>
                       <a:r>
-                        <a:rPr sz="900" spc="0">
+                        <a:rPr lang="es-ES" sz="900" dirty="0">
                           <a:solidFill>
                             <a:srgbClr val="020302"/>
                           </a:solidFill>
                           <a:latin typeface="AdobeClean-Light"/>
                           <a:cs typeface="AdobeClean-Light"/>
                         </a:rPr>
-                        <a:t>Release, Migration, Upgrade &amp; Product Roadmap Review</a:t>
+                        <a:t>Lanzamiento, migración, actualización y revisión de la hoja de ruta del producto</a:t>
                       </a:r>
-                      <a:endParaRPr sz="900" spc="0">
-                        <a:latin typeface="AdobeClean-Light"/>
-                        <a:cs typeface="AdobeClean-Light"/>
-                      </a:endParaRPr>
                     </a:p>
                   </a:txBody>
                   <a:tcPr marL="0" marR="0" marT="63500" marB="0">
@@ -8118,7 +6485,7 @@
                     <a:bodyPr/>
                     <a:lstStyle/>
                     <a:p>
-                      <a:pPr>
+                      <a:pPr algn="l" rtl="0">
                         <a:lnSpc>
                           <a:spcPct val="100000"/>
                         </a:lnSpc>
@@ -8147,7 +6514,7 @@
                     <a:bodyPr/>
                     <a:lstStyle/>
                     <a:p>
-                      <a:pPr>
+                      <a:pPr algn="l" rtl="0">
                         <a:lnSpc>
                           <a:spcPct val="100000"/>
                         </a:lnSpc>
@@ -8178,7 +6545,7 @@
                     <a:bodyPr/>
                     <a:lstStyle/>
                     <a:p>
-                      <a:pPr marL="49530">
+                      <a:pPr marL="49530" algn="l" rtl="0">
                         <a:lnSpc>
                           <a:spcPct val="100000"/>
                         </a:lnSpc>
@@ -8236,11 +6603,11 @@
                         </a:spcBef>
                       </a:pPr>
                       <a:r>
-                        <a:rPr sz="900" spc="0">
+                        <a:rPr lang="es-ES" sz="900">
                           <a:latin typeface="AdobeClean-Light"/>
                           <a:cs typeface="AdobeClean-Light"/>
                         </a:rPr>
-                        <a:t>Cloud Support Activities – Experience Manager as Cloud</a:t>
+                        <a:t>Actividades de asistencia en la nube: Experience Manager as Cloud</a:t>
                       </a:r>
                     </a:p>
                   </a:txBody>
@@ -8270,7 +6637,7 @@
                     <a:bodyPr/>
                     <a:lstStyle/>
                     <a:p>
-                      <a:pPr>
+                      <a:pPr algn="l" rtl="0">
                         <a:lnSpc>
                           <a:spcPct val="100000"/>
                         </a:lnSpc>
@@ -8326,7 +6693,7 @@
                         <a:defRPr/>
                       </a:pPr>
                       <a:r>
-                        <a:rPr lang="en-US" sz="900">
+                        <a:rPr lang="es-ES" sz="900">
                           <a:solidFill>
                             <a:srgbClr val="020302"/>
                           </a:solidFill>
@@ -8335,13 +6702,9 @@
                         </a:rPr>
                         <a:t></a:t>
                       </a:r>
-                      <a:endParaRPr lang="en-US" sz="900">
-                        <a:latin typeface="Wingdings"/>
-                        <a:cs typeface="Wingdings"/>
-                      </a:endParaRPr>
                     </a:p>
                     <a:p>
-                      <a:pPr marL="0" marR="0" lvl="0" indent="0" algn="ctr" defTabSz="914400" eaLnBrk="1" fontAlgn="auto" latinLnBrk="0" hangingPunct="1">
+                      <a:pPr marL="0" marR="0" lvl="0" indent="0" algn="l" defTabSz="914400" rtl="0" eaLnBrk="1" fontAlgn="auto" latinLnBrk="0" hangingPunct="1">
                         <a:lnSpc>
                           <a:spcPct val="100000"/>
                         </a:lnSpc>
@@ -8404,22 +6767,15 @@
                         </a:spcBef>
                       </a:pPr>
                       <a:r>
-                        <a:rPr lang="en-US" sz="1000" b="1" i="0" spc="0">
+                        <a:rPr lang="es-ES" sz="1000" b="1" i="0">
                           <a:solidFill>
                             <a:schemeClr val="bg1"/>
                           </a:solidFill>
                           <a:latin typeface="Adobe Clean" panose="020B0503020404020204" pitchFamily="34" charset="0"/>
                           <a:cs typeface="AdobeClean-Light"/>
                         </a:rPr>
-                        <a:t>Field Services</a:t>
+                        <a:t>Servicios de campo</a:t>
                       </a:r>
-                      <a:endParaRPr sz="1000" b="1" i="0" spc="0">
-                        <a:solidFill>
-                          <a:schemeClr val="bg1"/>
-                        </a:solidFill>
-                        <a:latin typeface="Adobe Clean" panose="020B0503020404020204" pitchFamily="34" charset="0"/>
-                        <a:cs typeface="AdobeClean-Light"/>
-                      </a:endParaRPr>
                     </a:p>
                   </a:txBody>
                   <a:tcPr marL="0" marR="0" marT="48260" marB="0" anchor="ctr">
@@ -8472,14 +6828,14 @@
                         </a:spcBef>
                       </a:pPr>
                       <a:r>
-                        <a:rPr sz="900" spc="0">
+                        <a:rPr lang="es-ES" sz="900">
                           <a:solidFill>
                             <a:srgbClr val="020302"/>
                           </a:solidFill>
                           <a:latin typeface="AdobeClean-Light"/>
                           <a:cs typeface="AdobeClean-Light"/>
                         </a:rPr>
-                        <a:t>Launch Advisory Services – First Year of new solution</a:t>
+                        <a:t>Servicios de Launch Advisory: primer año de la nueva solución</a:t>
                       </a:r>
                     </a:p>
                   </a:txBody>
@@ -8519,7 +6875,7 @@
                     <a:bodyPr/>
                     <a:lstStyle/>
                     <a:p>
-                      <a:pPr>
+                      <a:pPr algn="l" rtl="0">
                         <a:lnSpc>
                           <a:spcPct val="100000"/>
                         </a:lnSpc>
@@ -8575,7 +6931,7 @@
                         <a:defRPr/>
                       </a:pPr>
                       <a:r>
-                        <a:rPr lang="en-US" sz="900">
+                        <a:rPr lang="es-ES" sz="900">
                           <a:solidFill>
                             <a:srgbClr val="020302"/>
                           </a:solidFill>
@@ -8584,10 +6940,6 @@
                         </a:rPr>
                         <a:t></a:t>
                       </a:r>
-                      <a:endParaRPr lang="en-US" sz="900">
-                        <a:latin typeface="Wingdings"/>
-                        <a:cs typeface="Wingdings"/>
-                      </a:endParaRPr>
                     </a:p>
                   </a:txBody>
                   <a:tcPr marL="0" marR="0" marT="0" marB="0">
@@ -8708,7 +7060,7 @@
                         <a:defRPr/>
                       </a:pPr>
                       <a:r>
-                        <a:rPr lang="en-US" sz="900">
+                        <a:rPr lang="es-ES" sz="900">
                           <a:solidFill>
                             <a:srgbClr val="020302"/>
                           </a:solidFill>
@@ -8717,10 +7069,6 @@
                         </a:rPr>
                         <a:t></a:t>
                       </a:r>
-                      <a:endParaRPr lang="en-US" sz="900">
-                        <a:latin typeface="Wingdings"/>
-                        <a:cs typeface="Wingdings"/>
-                      </a:endParaRPr>
                     </a:p>
                   </a:txBody>
                   <a:tcPr marL="0" marR="0" marT="0" marB="0">
@@ -8777,11 +7125,11 @@
                         <a:defRPr/>
                       </a:pPr>
                       <a:r>
-                        <a:rPr lang="en-US" sz="900" spc="0">
+                        <a:rPr lang="es-ES" sz="900" dirty="0">
                           <a:latin typeface="AdobeClean-Light"/>
                           <a:cs typeface="AdobeClean-Light"/>
                         </a:rPr>
-                        <a:t>Field Service Activities </a:t>
+                        <a:t>Actividades del servicio de campo </a:t>
                       </a:r>
                     </a:p>
                   </a:txBody>
@@ -8915,8 +7263,8 @@
         </p:nvSpPr>
         <p:spPr>
           <a:xfrm>
-            <a:off x="2835999" y="9021041"/>
-            <a:ext cx="2194560" cy="487313"/>
+            <a:off x="2835998" y="9021041"/>
+            <a:ext cx="2261781" cy="795089"/>
           </a:xfrm>
           <a:prstGeom prst="rect">
             <a:avLst/>
@@ -8940,152 +7288,15 @@
               </a:tabLst>
             </a:pPr>
             <a:r>
-              <a:rPr sz="1000" spc="-20">
+              <a:rPr lang="es-ES" sz="1000" dirty="0">
                 <a:solidFill>
                   <a:srgbClr val="020302"/>
                 </a:solidFill>
                 <a:latin typeface="AdobeClean-Light"/>
                 <a:cs typeface="AdobeClean-Light"/>
               </a:rPr>
-              <a:t>Start </a:t>
-            </a:r>
-            <a:r>
-              <a:rPr sz="1000">
-                <a:solidFill>
-                  <a:srgbClr val="020302"/>
-                </a:solidFill>
-                <a:latin typeface="AdobeClean-Light"/>
-                <a:cs typeface="AdobeClean-Light"/>
-              </a:rPr>
-              <a:t>a </a:t>
-            </a:r>
-            <a:r>
-              <a:rPr sz="1000" spc="-15">
-                <a:solidFill>
-                  <a:srgbClr val="020302"/>
-                </a:solidFill>
-                <a:latin typeface="AdobeClean-Light"/>
-                <a:cs typeface="AdobeClean-Light"/>
-              </a:rPr>
-              <a:t>chat </a:t>
-            </a:r>
-            <a:r>
-              <a:rPr sz="1000" spc="-10">
-                <a:solidFill>
-                  <a:srgbClr val="020302"/>
-                </a:solidFill>
-                <a:latin typeface="AdobeClean-Light"/>
-                <a:cs typeface="AdobeClean-Light"/>
-              </a:rPr>
-              <a:t>session </a:t>
-            </a:r>
-            <a:r>
-              <a:rPr sz="1000" spc="-5">
-                <a:solidFill>
-                  <a:srgbClr val="020302"/>
-                </a:solidFill>
-                <a:latin typeface="AdobeClean-Light"/>
-                <a:cs typeface="AdobeClean-Light"/>
-              </a:rPr>
-              <a:t>to </a:t>
-            </a:r>
-            <a:r>
-              <a:rPr sz="1000" spc="-10">
-                <a:solidFill>
-                  <a:srgbClr val="020302"/>
-                </a:solidFill>
-                <a:latin typeface="AdobeClean-Light"/>
-                <a:cs typeface="AdobeClean-Light"/>
-              </a:rPr>
-              <a:t>get </a:t>
-            </a:r>
-            <a:r>
-              <a:rPr sz="1000" spc="-20">
-                <a:solidFill>
-                  <a:srgbClr val="020302"/>
-                </a:solidFill>
-                <a:latin typeface="AdobeClean-Light"/>
-                <a:cs typeface="AdobeClean-Light"/>
-              </a:rPr>
-              <a:t>answers</a:t>
-            </a:r>
-            <a:r>
-              <a:rPr lang="en-US" sz="1000" spc="-45">
-                <a:solidFill>
-                  <a:srgbClr val="020302"/>
-                </a:solidFill>
-                <a:latin typeface="AdobeClean-Light"/>
-                <a:cs typeface="AdobeClean-Light"/>
-              </a:rPr>
-              <a:t> </a:t>
-            </a:r>
-            <a:r>
-              <a:rPr lang="en-US" sz="1000">
-                <a:solidFill>
-                  <a:srgbClr val="020302"/>
-                </a:solidFill>
-                <a:latin typeface="AdobeClean-Light"/>
-                <a:cs typeface="AdobeClean-Light"/>
-              </a:rPr>
-              <a:t>&amp; </a:t>
-            </a:r>
-            <a:r>
-              <a:rPr sz="1000" spc="-15">
-                <a:solidFill>
-                  <a:srgbClr val="020302"/>
-                </a:solidFill>
-                <a:latin typeface="AdobeClean-Light"/>
-                <a:cs typeface="AdobeClean-Light"/>
-              </a:rPr>
-              <a:t>help </a:t>
-            </a:r>
-            <a:r>
-              <a:rPr sz="1000" spc="-10">
-                <a:solidFill>
-                  <a:srgbClr val="020302"/>
-                </a:solidFill>
-                <a:latin typeface="AdobeClean-Light"/>
-                <a:cs typeface="AdobeClean-Light"/>
-              </a:rPr>
-              <a:t>with</a:t>
-            </a:r>
-            <a:r>
-              <a:rPr sz="1000" spc="85">
-                <a:solidFill>
-                  <a:srgbClr val="020302"/>
-                </a:solidFill>
-                <a:latin typeface="AdobeClean-Light"/>
-                <a:cs typeface="AdobeClean-Light"/>
-              </a:rPr>
-              <a:t> </a:t>
-            </a:r>
-            <a:r>
-              <a:rPr sz="1000" spc="-10">
-                <a:solidFill>
-                  <a:srgbClr val="020302"/>
-                </a:solidFill>
-                <a:latin typeface="AdobeClean-Light"/>
-                <a:cs typeface="AdobeClean-Light"/>
-              </a:rPr>
-              <a:t>case </a:t>
-            </a:r>
-            <a:r>
-              <a:rPr sz="1000" spc="-20">
-                <a:solidFill>
-                  <a:srgbClr val="020302"/>
-                </a:solidFill>
-                <a:latin typeface="AdobeClean-Light"/>
-                <a:cs typeface="AdobeClean-Light"/>
-              </a:rPr>
-              <a:t>submission</a:t>
-            </a:r>
-            <a:endParaRPr lang="en-US" sz="1000" spc="-20">
-              <a:solidFill>
-                <a:srgbClr val="020302"/>
-              </a:solidFill>
-              <a:latin typeface="AdobeClean-Light"/>
-              <a:cs typeface="AdobeClean-Light"/>
-            </a:endParaRPr>
+              <a:t>Inicie una sesión de chat para obtener respuestas y ayuda con el envío de casos.</a:t>
+            </a:r>
           </a:p>
           <a:p>
             <a:pPr marL="33020" marR="159385">
@@ -9100,39 +7311,25 @@
               </a:tabLst>
             </a:pPr>
             <a:r>
-              <a:rPr sz="1000" i="1" spc="-10">
+              <a:rPr lang="es-ES" sz="1000" i="1" dirty="0">
                 <a:solidFill>
                   <a:srgbClr val="7A7A7A"/>
                 </a:solidFill>
                 <a:latin typeface="AdobeClean-LightIt"/>
                 <a:cs typeface="AdobeClean-LightIt"/>
               </a:rPr>
-              <a:t>*Not all </a:t>
-            </a:r>
-            <a:r>
-              <a:rPr sz="1000" i="1" spc="-20">
+              <a:t>* No todos los productos ofrecen la opción de disfrutar de asistencia mediante chat en directo</a:t>
+            </a:r>
+            <a:r>
+              <a:rPr lang="es-ES" sz="900" i="1" dirty="0">
                 <a:solidFill>
                   <a:srgbClr val="7A7A7A"/>
                 </a:solidFill>
                 <a:latin typeface="AdobeClean-LightIt"/>
                 <a:cs typeface="AdobeClean-LightIt"/>
               </a:rPr>
-              <a:t>products have live chat support</a:t>
-            </a:r>
-            <a:r>
-              <a:rPr sz="900" i="1" spc="-20">
-                <a:solidFill>
-                  <a:srgbClr val="7A7A7A"/>
-                </a:solidFill>
-                <a:latin typeface="AdobeClean-LightIt"/>
-                <a:cs typeface="AdobeClean-LightIt"/>
-              </a:rPr>
               <a:t>.  </a:t>
             </a:r>
-            <a:endParaRPr sz="900">
-              <a:latin typeface="AdobeClean-Light"/>
-              <a:cs typeface="AdobeClean-Light"/>
-            </a:endParaRPr>
           </a:p>
         </p:txBody>
       </p:sp>
@@ -9179,12 +7376,12 @@
               <a:defRPr/>
             </a:pPr>
             <a:r>
-              <a:rPr lang="en-US" sz="1200">
+              <a:rPr lang="es-ES" sz="1200">
                 <a:solidFill>
                   <a:srgbClr val="000000"/>
                 </a:solidFill>
               </a:rPr>
-              <a:t>Community Forums</a:t>
+              <a:t>Foros de la comunidad</a:t>
             </a:r>
           </a:p>
         </p:txBody>
@@ -9227,12 +7424,12 @@
               </a:spcAft>
             </a:pPr>
             <a:r>
-              <a:rPr lang="en-US" sz="1200" b="1">
+              <a:rPr lang="es-ES" sz="1200" b="1">
                 <a:latin typeface="+mj-lt"/>
                 <a:ea typeface="Open Sans" pitchFamily="34" charset="0"/>
                 <a:cs typeface="Open Sans" pitchFamily="34" charset="0"/>
               </a:rPr>
-              <a:t>Online Forums</a:t>
+              <a:t>Foros en línea</a:t>
             </a:r>
           </a:p>
         </p:txBody>
@@ -9251,8 +7448,8 @@
         </p:nvSpPr>
         <p:spPr>
           <a:xfrm>
-            <a:off x="355868" y="7102087"/>
-            <a:ext cx="2194560" cy="959237"/>
+            <a:off x="355867" y="7102087"/>
+            <a:ext cx="2311131" cy="1113125"/>
           </a:xfrm>
           <a:prstGeom prst="rect">
             <a:avLst/>
@@ -9265,13 +7462,30 @@
           <a:lstStyle/>
           <a:p>
             <a:r>
-              <a:rPr lang="en-US" sz="1000">
+              <a:rPr lang="es-ES" sz="1000" dirty="0">
                 <a:solidFill>
                   <a:srgbClr val="4B4B4B"/>
                 </a:solidFill>
                 <a:latin typeface="Adobe Clean Light" panose="020B0303020404020204" pitchFamily="34" charset="0"/>
               </a:rPr>
-              <a:t>Continuous online access to a growing database of technical solutions, product documentation, FAQs and more. Connect with practitioners and other customers on Adobe Community to share best practices and lessons learned</a:t>
+              <a:t>Acceso continuo en línea a una base </a:t>
+            </a:r>
+            <a:br>
+              <a:rPr lang="sk-SK" sz="1000" dirty="0">
+                <a:solidFill>
+                  <a:srgbClr val="4B4B4B"/>
+                </a:solidFill>
+                <a:latin typeface="Adobe Clean Light" panose="020B0303020404020204" pitchFamily="34" charset="0"/>
+              </a:rPr>
+            </a:br>
+            <a:r>
+              <a:rPr lang="es-ES" sz="1000" dirty="0">
+                <a:solidFill>
+                  <a:srgbClr val="4B4B4B"/>
+                </a:solidFill>
+                <a:latin typeface="Adobe Clean Light" panose="020B0303020404020204" pitchFamily="34" charset="0"/>
+              </a:rPr>
+              <a:t>de datos donde encontrará cada vez más soluciones técnicas, documentación de productos, preguntas frecuentes y mucho más. Hable con profesionales y otros clientes en la Comunidad de Adobe para compartir prácticas recomendadas y lecciones aprendidas.</a:t>
             </a:r>
           </a:p>
         </p:txBody>
@@ -9319,7 +7533,7 @@
               <a:defRPr/>
             </a:pPr>
             <a:r>
-              <a:rPr lang="en-US" sz="1200">
+              <a:rPr lang="es-ES" sz="1200">
                 <a:solidFill>
                   <a:srgbClr val="000000"/>
                 </a:solidFill>
@@ -9367,12 +7581,12 @@
               </a:spcAft>
             </a:pPr>
             <a:r>
-              <a:rPr lang="en-US" sz="1200" b="1">
+              <a:rPr lang="es-ES" sz="1200" b="1">
                 <a:latin typeface="+mj-lt"/>
                 <a:ea typeface="Open Sans" pitchFamily="34" charset="0"/>
                 <a:cs typeface="Open Sans" pitchFamily="34" charset="0"/>
               </a:rPr>
-              <a:t>Self-guided Journeys</a:t>
+              <a:t>Recorridos autoguiados</a:t>
             </a:r>
           </a:p>
         </p:txBody>
@@ -9392,7 +7606,7 @@
         <p:spPr>
           <a:xfrm>
             <a:off x="5265661" y="7060285"/>
-            <a:ext cx="2194560" cy="1113125"/>
+            <a:ext cx="2345600" cy="1267014"/>
           </a:xfrm>
           <a:prstGeom prst="rect">
             <a:avLst/>
@@ -9405,13 +7619,135 @@
           <a:lstStyle/>
           <a:p>
             <a:r>
-              <a:rPr lang="en-US" sz="1000">
+              <a:rPr lang="es-ES" sz="1000" dirty="0">
                 <a:solidFill>
                   <a:srgbClr val="4B4B4B"/>
                 </a:solidFill>
                 <a:latin typeface="Adobe Clean Light" panose="020B0303020404020204" pitchFamily="34" charset="0"/>
               </a:rPr>
-              <a:t>Experience Makers are made with Experience League. Customers can kickstart their Customer Experience Management abilities with personalized learning to develop skills, engage with a global community of peers, and earn career advancing recognition</a:t>
+              <a:t>Los </a:t>
+            </a:r>
+            <a:r>
+              <a:rPr lang="es-ES" sz="1000" dirty="0" err="1">
+                <a:solidFill>
+                  <a:srgbClr val="4B4B4B"/>
+                </a:solidFill>
+                <a:latin typeface="Adobe Clean Light" panose="020B0303020404020204" pitchFamily="34" charset="0"/>
+              </a:rPr>
+              <a:t>experience</a:t>
+            </a:r>
+            <a:r>
+              <a:rPr lang="es-ES" sz="1000" dirty="0">
+                <a:solidFill>
+                  <a:srgbClr val="4B4B4B"/>
+                </a:solidFill>
+                <a:latin typeface="Adobe Clean Light" panose="020B0303020404020204" pitchFamily="34" charset="0"/>
+              </a:rPr>
+              <a:t> </a:t>
+            </a:r>
+            <a:r>
+              <a:rPr lang="es-ES" sz="1000" dirty="0" err="1">
+                <a:solidFill>
+                  <a:srgbClr val="4B4B4B"/>
+                </a:solidFill>
+                <a:latin typeface="Adobe Clean Light" panose="020B0303020404020204" pitchFamily="34" charset="0"/>
+              </a:rPr>
+              <a:t>makers</a:t>
+            </a:r>
+            <a:r>
+              <a:rPr lang="es-ES" sz="1000" dirty="0">
+                <a:solidFill>
+                  <a:srgbClr val="4B4B4B"/>
+                </a:solidFill>
+                <a:latin typeface="Adobe Clean Light" panose="020B0303020404020204" pitchFamily="34" charset="0"/>
+              </a:rPr>
+              <a:t> se realizan con </a:t>
+            </a:r>
+            <a:r>
+              <a:rPr lang="es-ES" sz="1000" dirty="0" err="1">
+                <a:solidFill>
+                  <a:srgbClr val="4B4B4B"/>
+                </a:solidFill>
+                <a:latin typeface="Adobe Clean Light" panose="020B0303020404020204" pitchFamily="34" charset="0"/>
+              </a:rPr>
+              <a:t>Experience</a:t>
+            </a:r>
+            <a:r>
+              <a:rPr lang="es-ES" sz="1000" dirty="0">
+                <a:solidFill>
+                  <a:srgbClr val="4B4B4B"/>
+                </a:solidFill>
+                <a:latin typeface="Adobe Clean Light" panose="020B0303020404020204" pitchFamily="34" charset="0"/>
+              </a:rPr>
+              <a:t> League. Los clientes pueden </a:t>
+            </a:r>
+            <a:br>
+              <a:rPr lang="sk-SK" sz="1000" dirty="0">
+                <a:solidFill>
+                  <a:srgbClr val="4B4B4B"/>
+                </a:solidFill>
+                <a:latin typeface="Adobe Clean Light" panose="020B0303020404020204" pitchFamily="34" charset="0"/>
+              </a:rPr>
+            </a:br>
+            <a:r>
+              <a:rPr lang="es-ES" sz="1000" dirty="0">
+                <a:solidFill>
+                  <a:srgbClr val="4B4B4B"/>
+                </a:solidFill>
+                <a:latin typeface="Adobe Clean Light" panose="020B0303020404020204" pitchFamily="34" charset="0"/>
+              </a:rPr>
+              <a:t>aplicar sus conocimientos de administración </a:t>
+            </a:r>
+            <a:br>
+              <a:rPr lang="sk-SK" sz="1000" dirty="0">
+                <a:solidFill>
+                  <a:srgbClr val="4B4B4B"/>
+                </a:solidFill>
+                <a:latin typeface="Adobe Clean Light" panose="020B0303020404020204" pitchFamily="34" charset="0"/>
+              </a:rPr>
+            </a:br>
+            <a:r>
+              <a:rPr lang="es-ES" sz="1000" dirty="0">
+                <a:solidFill>
+                  <a:srgbClr val="4B4B4B"/>
+                </a:solidFill>
+                <a:latin typeface="Adobe Clean Light" panose="020B0303020404020204" pitchFamily="34" charset="0"/>
+              </a:rPr>
+              <a:t>de la experiencia del cliente con aprendizaje personalizado para desarrollar habilidades, interactuar con la comunidad internacional </a:t>
+            </a:r>
+            <a:br>
+              <a:rPr lang="sk-SK" sz="1000" dirty="0">
+                <a:solidFill>
+                  <a:srgbClr val="4B4B4B"/>
+                </a:solidFill>
+                <a:latin typeface="Adobe Clean Light" panose="020B0303020404020204" pitchFamily="34" charset="0"/>
+              </a:rPr>
+            </a:br>
+            <a:r>
+              <a:rPr lang="es-ES" sz="1000" dirty="0">
+                <a:solidFill>
+                  <a:srgbClr val="4B4B4B"/>
+                </a:solidFill>
+                <a:latin typeface="Adobe Clean Light" panose="020B0303020404020204" pitchFamily="34" charset="0"/>
+              </a:rPr>
+              <a:t>de compañeros y obtener reconocimiento </a:t>
+            </a:r>
+            <a:br>
+              <a:rPr lang="sk-SK" sz="1000" dirty="0">
+                <a:solidFill>
+                  <a:srgbClr val="4B4B4B"/>
+                </a:solidFill>
+                <a:latin typeface="Adobe Clean Light" panose="020B0303020404020204" pitchFamily="34" charset="0"/>
+              </a:rPr>
+            </a:br>
+            <a:r>
+              <a:rPr lang="es-ES" sz="1000" dirty="0">
+                <a:solidFill>
+                  <a:srgbClr val="4B4B4B"/>
+                </a:solidFill>
+                <a:latin typeface="Adobe Clean Light" panose="020B0303020404020204" pitchFamily="34" charset="0"/>
+              </a:rPr>
+              <a:t>en su trayectoria profesional.</a:t>
             </a:r>
           </a:p>
         </p:txBody>
@@ -9433,7 +7769,7 @@
         <p:spPr>
           <a:xfrm>
             <a:off x="3201544" y="8520784"/>
-            <a:ext cx="1543003" cy="184666"/>
+            <a:ext cx="1667636" cy="369332"/>
           </a:xfrm>
           <a:prstGeom prst="rect">
             <a:avLst/>
@@ -9459,12 +7795,12 @@
               <a:defRPr/>
             </a:pPr>
             <a:r>
-              <a:rPr lang="en-US" sz="1200">
+              <a:rPr lang="es-ES" sz="1200" dirty="0">
                 <a:solidFill>
                   <a:srgbClr val="000000"/>
                 </a:solidFill>
               </a:rPr>
-              <a:t>Live Chat  Support*</a:t>
+              <a:t>Asistencia mediante chat en directo*</a:t>
             </a:r>
           </a:p>
         </p:txBody>
@@ -9507,12 +7843,12 @@
               </a:spcAft>
             </a:pPr>
             <a:r>
-              <a:rPr lang="en-US" sz="1200" b="1">
+              <a:rPr lang="es-ES" sz="1200" b="1">
                 <a:latin typeface="+mj-lt"/>
                 <a:ea typeface="Open Sans" pitchFamily="34" charset="0"/>
                 <a:cs typeface="Open Sans" pitchFamily="34" charset="0"/>
               </a:rPr>
-              <a:t>Chat Support</a:t>
+              <a:t>Asistencia mediante chat</a:t>
             </a:r>
           </a:p>
         </p:txBody>
@@ -9560,12 +7896,12 @@
               <a:defRPr/>
             </a:pPr>
             <a:r>
-              <a:rPr lang="en-US" sz="1200">
+              <a:rPr lang="es-ES" sz="1200">
                 <a:solidFill>
                   <a:srgbClr val="000000"/>
                 </a:solidFill>
               </a:rPr>
-              <a:t>24X7 P1 </a:t>
+              <a:t>24/7 P1 </a:t>
             </a:r>
           </a:p>
         </p:txBody>
@@ -9608,12 +7944,12 @@
               </a:spcAft>
             </a:pPr>
             <a:r>
-              <a:rPr lang="en-US" sz="1200" b="1">
+              <a:rPr lang="es-ES" sz="1200" b="1">
                 <a:latin typeface="+mj-lt"/>
                 <a:ea typeface="Open Sans" pitchFamily="34" charset="0"/>
                 <a:cs typeface="Open Sans" pitchFamily="34" charset="0"/>
               </a:rPr>
-              <a:t>Phone  Support</a:t>
+              <a:t>Asistencia telefónica</a:t>
             </a:r>
           </a:p>
         </p:txBody>
@@ -9632,8 +7968,8 @@
         </p:nvSpPr>
         <p:spPr>
           <a:xfrm>
-            <a:off x="2835999" y="7097788"/>
-            <a:ext cx="2194560" cy="805349"/>
+            <a:off x="2835998" y="7097788"/>
+            <a:ext cx="2345601" cy="959237"/>
           </a:xfrm>
           <a:prstGeom prst="rect">
             <a:avLst/>
@@ -9646,35 +7982,48 @@
           <a:lstStyle/>
           <a:p>
             <a:r>
-              <a:rPr lang="en-US" sz="1000">
+              <a:rPr lang="es-ES" sz="1000" b="1" dirty="0">
                 <a:solidFill>
                   <a:srgbClr val="020302"/>
                 </a:solidFill>
                 <a:latin typeface="AdobeClean-Light"/>
               </a:rPr>
-              <a:t>Authorized users or </a:t>
-            </a:r>
-            <a:r>
-              <a:rPr lang="en-US" sz="1000" b="1">
+              <a:t>Los usuarios autorizados o los contactos </a:t>
+            </a:r>
+            <a:br>
+              <a:rPr lang="sk-SK" sz="1000" b="1" dirty="0">
                 <a:solidFill>
                   <a:srgbClr val="020302"/>
                 </a:solidFill>
                 <a:latin typeface="AdobeClean-Light"/>
               </a:rPr>
-              <a:t>Named Support Contacts </a:t>
-            </a:r>
-            <a:r>
-              <a:rPr lang="en-US" sz="1000">
+            </a:br>
+            <a:r>
+              <a:rPr lang="es-ES" sz="1000" b="1" dirty="0">
+                <a:solidFill>
+                  <a:srgbClr val="020302"/>
+                </a:solidFill>
+                <a:latin typeface="AdobeClean-Light"/>
+              </a:rPr>
+              <a:t>de soporte particulares</a:t>
+            </a:r>
+            <a:r>
+              <a:rPr lang="es-ES" sz="1000" dirty="0">
                 <a:latin typeface="Adobe Clean Light" panose="020B0303020404020204" pitchFamily="34" charset="0"/>
               </a:rPr>
-              <a:t>can submit issues through all available  channels (including phone for P1) and interact with our technical support team on behalf of your company. </a:t>
-            </a:r>
-            <a:endParaRPr lang="en-US" sz="1000">
-              <a:solidFill>
-                <a:srgbClr val="000000"/>
-              </a:solidFill>
-              <a:latin typeface="Adobe Clean Light" panose="020B0303020404020204" pitchFamily="34" charset="0"/>
-            </a:endParaRPr>
+              <a:t> pueden enviar problemas a través de todos los canales disponibles (incluido el teléfono en el caso </a:t>
+            </a:r>
+            <a:br>
+              <a:rPr lang="sk-SK" sz="1000" dirty="0">
+                <a:latin typeface="Adobe Clean Light" panose="020B0303020404020204" pitchFamily="34" charset="0"/>
+              </a:rPr>
+            </a:br>
+            <a:r>
+              <a:rPr lang="es-ES" sz="1000" dirty="0">
+                <a:latin typeface="Adobe Clean Light" panose="020B0303020404020204" pitchFamily="34" charset="0"/>
+              </a:rPr>
+              <a:t>de los problemas P1) y hablar con nuestro equipo de asistencia en nombre de su empresa. </a:t>
+            </a:r>
           </a:p>
         </p:txBody>
       </p:sp>
@@ -9762,19 +8111,15 @@
               </a:spcBef>
             </a:pPr>
             <a:r>
-              <a:rPr lang="en-US" sz="1400" b="1" spc="-10">
+              <a:rPr lang="es-ES" sz="1400" b="1">
                 <a:solidFill>
                   <a:srgbClr val="020302"/>
                 </a:solidFill>
                 <a:latin typeface="Adobe Clean"/>
                 <a:cs typeface="Adobe Clean"/>
               </a:rPr>
-              <a:t>Online Support Features</a:t>
-            </a:r>
-            <a:endParaRPr lang="en-US" sz="1400">
-              <a:latin typeface="Adobe Clean"/>
-              <a:cs typeface="Adobe Clean"/>
-            </a:endParaRPr>
+              <a:t>Funciones de soporte Online</a:t>
+            </a:r>
           </a:p>
         </p:txBody>
       </p:sp>
@@ -9795,7 +8140,7 @@
         <p:spPr>
           <a:xfrm>
             <a:off x="689237" y="8520784"/>
-            <a:ext cx="991521" cy="184666"/>
+            <a:ext cx="1246243" cy="184666"/>
           </a:xfrm>
           <a:prstGeom prst="rect">
             <a:avLst/>
@@ -9821,12 +8166,12 @@
               <a:defRPr/>
             </a:pPr>
             <a:r>
-              <a:rPr lang="en-US" sz="1200">
+              <a:rPr lang="es-ES" sz="1200" dirty="0">
                 <a:solidFill>
                   <a:srgbClr val="000000"/>
                 </a:solidFill>
               </a:rPr>
-              <a:t>Office Hours</a:t>
+              <a:t>Horario de oficina</a:t>
             </a:r>
           </a:p>
         </p:txBody>
@@ -9869,12 +8214,12 @@
               </a:spcAft>
             </a:pPr>
             <a:r>
-              <a:rPr lang="en-US" sz="1200" b="1">
+              <a:rPr lang="es-ES" sz="1200" b="1">
                 <a:latin typeface="+mj-lt"/>
                 <a:ea typeface="Open Sans" pitchFamily="34" charset="0"/>
                 <a:cs typeface="Open Sans" pitchFamily="34" charset="0"/>
               </a:rPr>
-              <a:t>Webinars</a:t>
+              <a:t>Seminarios web</a:t>
             </a:r>
           </a:p>
         </p:txBody>
@@ -9894,7 +8239,7 @@
         <p:spPr>
           <a:xfrm>
             <a:off x="355868" y="8986613"/>
-            <a:ext cx="2194560" cy="805349"/>
+            <a:ext cx="2480130" cy="866904"/>
           </a:xfrm>
           <a:prstGeom prst="rect">
             <a:avLst/>
@@ -9907,13 +8252,47 @@
           <a:lstStyle/>
           <a:p>
             <a:r>
-              <a:rPr lang="en-US" sz="1000">
+              <a:rPr lang="es-ES" sz="900" dirty="0">
                 <a:solidFill>
                   <a:srgbClr val="4B4B4B"/>
                 </a:solidFill>
                 <a:latin typeface="Adobe Clean Light" panose="020B0303020404020204" pitchFamily="34" charset="0"/>
               </a:rPr>
-              <a:t>Office Hours led by the Adobe Customer Support team includes sessions designed to inform as well as help participants troubleshoot problems and provide tips and tricks for success with Adobe solutions. </a:t>
+              <a:t>En el horario de oficina del equipo de asistencia al cliente de Adobe se incluyen sesiones diseñadas para informar y ayudar a los participantes a solucionar problemas, así como para proporcionar consejos </a:t>
+            </a:r>
+            <a:br>
+              <a:rPr lang="sk-SK" sz="900" dirty="0">
+                <a:solidFill>
+                  <a:srgbClr val="4B4B4B"/>
+                </a:solidFill>
+                <a:latin typeface="Adobe Clean Light" panose="020B0303020404020204" pitchFamily="34" charset="0"/>
+              </a:rPr>
+            </a:br>
+            <a:r>
+              <a:rPr lang="es-ES" sz="900" dirty="0">
+                <a:solidFill>
+                  <a:srgbClr val="4B4B4B"/>
+                </a:solidFill>
+                <a:latin typeface="Adobe Clean Light" panose="020B0303020404020204" pitchFamily="34" charset="0"/>
+              </a:rPr>
+              <a:t>y trucos para que los participantes logren el éxito </a:t>
+            </a:r>
+            <a:br>
+              <a:rPr lang="sk-SK" sz="900" dirty="0">
+                <a:solidFill>
+                  <a:srgbClr val="4B4B4B"/>
+                </a:solidFill>
+                <a:latin typeface="Adobe Clean Light" panose="020B0303020404020204" pitchFamily="34" charset="0"/>
+              </a:rPr>
+            </a:br>
+            <a:r>
+              <a:rPr lang="es-ES" sz="900" dirty="0">
+                <a:solidFill>
+                  <a:srgbClr val="4B4B4B"/>
+                </a:solidFill>
+                <a:latin typeface="Adobe Clean Light" panose="020B0303020404020204" pitchFamily="34" charset="0"/>
+              </a:rPr>
+              <a:t>con las soluciones de Adobe. </a:t>
             </a:r>
           </a:p>
         </p:txBody>
@@ -9934,8 +8313,8 @@
         </p:nvSpPr>
         <p:spPr>
           <a:xfrm>
-            <a:off x="5723508" y="8520784"/>
-            <a:ext cx="1303746" cy="184666"/>
+            <a:off x="5723507" y="8520784"/>
+            <a:ext cx="1736713" cy="184666"/>
           </a:xfrm>
           <a:prstGeom prst="rect">
             <a:avLst/>
@@ -9961,12 +8340,12 @@
               <a:defRPr/>
             </a:pPr>
             <a:r>
-              <a:rPr lang="en-US" sz="1200">
+              <a:rPr lang="es-ES" sz="1200" dirty="0">
                 <a:solidFill>
                   <a:srgbClr val="000000"/>
                 </a:solidFill>
               </a:rPr>
-              <a:t>Self-help Portals</a:t>
+              <a:t>Portales de autoayuda</a:t>
             </a:r>
           </a:p>
         </p:txBody>
@@ -10009,12 +8388,12 @@
               </a:spcAft>
             </a:pPr>
             <a:r>
-              <a:rPr lang="en-US" sz="1200" b="1">
+              <a:rPr lang="es-ES" sz="1200" b="1">
                 <a:latin typeface="+mj-lt"/>
                 <a:ea typeface="Open Sans" pitchFamily="34" charset="0"/>
                 <a:cs typeface="Open Sans" pitchFamily="34" charset="0"/>
               </a:rPr>
-              <a:t>24/7 Support Portal</a:t>
+              <a:t>Portal de asistencia 24/7</a:t>
             </a:r>
           </a:p>
         </p:txBody>
@@ -10034,7 +8413,7 @@
         <p:spPr>
           <a:xfrm>
             <a:off x="5265661" y="8947635"/>
-            <a:ext cx="2194560" cy="805349"/>
+            <a:ext cx="2245360" cy="959237"/>
           </a:xfrm>
           <a:prstGeom prst="rect">
             <a:avLst/>
@@ -10047,16 +8426,16 @@
           <a:lstStyle/>
           <a:p>
             <a:r>
-              <a:rPr lang="en-US" sz="1000">
+              <a:rPr lang="es-ES" sz="1000" dirty="0">
                 <a:solidFill>
                   <a:srgbClr val="4B4B4B"/>
                 </a:solidFill>
                 <a:latin typeface="Adobe Clean Light" panose="020B0303020404020204" pitchFamily="34" charset="0"/>
               </a:rPr>
-              <a:t>On-demand access to the online </a:t>
+              <a:t>Acceso al portal de asistencia de autoayuda en línea previa solicitud para enviar solicitudes de asistencia, revisar el estado </a:t>
             </a:r>
             <a:br>
-              <a:rPr lang="en-US" sz="1000">
+              <a:rPr lang="sk-SK" sz="1000" dirty="0">
                 <a:solidFill>
                   <a:srgbClr val="4B4B4B"/>
                 </a:solidFill>
@@ -10064,13 +8443,13 @@
               </a:rPr>
             </a:br>
             <a:r>
-              <a:rPr lang="en-US" sz="1000">
+              <a:rPr lang="es-ES" sz="1000" dirty="0">
                 <a:solidFill>
                   <a:srgbClr val="4B4B4B"/>
                 </a:solidFill>
                 <a:latin typeface="Adobe Clean Light" panose="020B0303020404020204" pitchFamily="34" charset="0"/>
               </a:rPr>
-              <a:t>Self-help Support Portal to submit support requests, review case status, and browse other resources, like our knowledgebase, news and alerts, featured tips, and more.</a:t>
+              <a:t>de los casos y examinar otros recursos, como la base de conocimiento, noticias y alertas, sugerencias destacadas, y mucho más.</a:t>
             </a:r>
           </a:p>
         </p:txBody>
@@ -10204,36 +8583,8 @@
               </a:spcBef>
             </a:pPr>
             <a:r>
-              <a:rPr lang="en-US" spc="-10"/>
-              <a:t>©2021</a:t>
-            </a:r>
-            <a:r>
-              <a:rPr lang="en-US" spc="-5"/>
-              <a:t> Adobe. All</a:t>
-            </a:r>
-            <a:r>
-              <a:rPr lang="en-US" spc="-10"/>
-              <a:t> Rights</a:t>
-            </a:r>
-            <a:r>
-              <a:rPr lang="en-US" spc="-5"/>
-              <a:t> </a:t>
-            </a:r>
-            <a:r>
-              <a:rPr lang="en-US" spc="-10"/>
-              <a:t>Reserved.</a:t>
-            </a:r>
-            <a:r>
-              <a:rPr lang="en-US" spc="-5"/>
-              <a:t> Adobe</a:t>
-            </a:r>
-            <a:r>
-              <a:rPr lang="en-US" spc="60"/>
-              <a:t> </a:t>
-            </a:r>
-            <a:r>
-              <a:rPr lang="en-US" spc="-10"/>
-              <a:t>Confidential.</a:t>
+              <a:rPr lang="es-ES"/>
+              <a:t>©2021 Adobe. All Rights Reserved. Adobe Confidential.</a:t>
             </a:r>
           </a:p>
         </p:txBody>
@@ -10252,8 +8603,8 @@
         </p:nvSpPr>
         <p:spPr>
           <a:xfrm>
-            <a:off x="214971" y="868681"/>
-            <a:ext cx="2103120" cy="45719"/>
+            <a:off x="214970" y="868681"/>
+            <a:ext cx="2452029" cy="59410"/>
           </a:xfrm>
           <a:custGeom>
             <a:avLst/>
@@ -10322,19 +8673,15 @@
               </a:spcBef>
             </a:pPr>
             <a:r>
-              <a:rPr lang="en-US" sz="1400" b="1" spc="-10">
+              <a:rPr lang="es-ES" sz="1400" b="1">
                 <a:solidFill>
                   <a:srgbClr val="020302"/>
                 </a:solidFill>
                 <a:latin typeface="Adobe Clean"/>
                 <a:cs typeface="Adobe Clean"/>
               </a:rPr>
-              <a:t>Enterprise Support Features</a:t>
-            </a:r>
-            <a:endParaRPr lang="en-US" sz="1400">
-              <a:latin typeface="Adobe Clean"/>
-              <a:cs typeface="Adobe Clean"/>
-            </a:endParaRPr>
+              <a:t>Funciones de soporte Enterprise</a:t>
+            </a:r>
           </a:p>
         </p:txBody>
       </p:sp>
@@ -10353,7 +8700,7 @@
         <p:spPr>
           <a:xfrm>
             <a:off x="689237" y="2603192"/>
-            <a:ext cx="1555491" cy="197490"/>
+            <a:ext cx="1684979" cy="382156"/>
           </a:xfrm>
           <a:prstGeom prst="rect">
             <a:avLst/>
@@ -10374,199 +8721,34 @@
               </a:spcBef>
             </a:pPr>
             <a:r>
-              <a:rPr sz="1200" b="1" spc="-25">
+              <a:rPr lang="es-ES" sz="1200" b="1" dirty="0">
                 <a:solidFill>
                   <a:srgbClr val="020302"/>
                 </a:solidFill>
                 <a:latin typeface="Adobe Clean"/>
                 <a:cs typeface="Adobe Clean"/>
               </a:rPr>
-              <a:t>E</a:t>
-            </a:r>
-            <a:r>
-              <a:rPr sz="1200" b="1" spc="-20">
+              <a:t>Administración </a:t>
+            </a:r>
+            <a:br>
+              <a:rPr lang="sk-SK" sz="1200" b="1" dirty="0">
                 <a:solidFill>
                   <a:srgbClr val="020302"/>
                 </a:solidFill>
                 <a:latin typeface="Adobe Clean"/>
                 <a:cs typeface="Adobe Clean"/>
               </a:rPr>
-              <a:t>s</a:t>
-            </a:r>
-            <a:r>
-              <a:rPr sz="1200" b="1" spc="-30">
+            </a:br>
+            <a:r>
+              <a:rPr lang="es-ES" sz="1200" b="1" dirty="0">
                 <a:solidFill>
                   <a:srgbClr val="020302"/>
                 </a:solidFill>
                 <a:latin typeface="Adobe Clean"/>
                 <a:cs typeface="Adobe Clean"/>
               </a:rPr>
-              <a:t>c</a:t>
-            </a:r>
-            <a:r>
-              <a:rPr sz="1200" b="1" spc="-20">
-                <a:solidFill>
-                  <a:srgbClr val="020302"/>
-                </a:solidFill>
-                <a:latin typeface="Adobe Clean"/>
-                <a:cs typeface="Adobe Clean"/>
-              </a:rPr>
-              <a:t>a</a:t>
-            </a:r>
-            <a:r>
-              <a:rPr sz="1200" b="1" spc="-25">
-                <a:solidFill>
-                  <a:srgbClr val="020302"/>
-                </a:solidFill>
-                <a:latin typeface="Adobe Clean"/>
-                <a:cs typeface="Adobe Clean"/>
-              </a:rPr>
-              <a:t>l</a:t>
-            </a:r>
-            <a:r>
-              <a:rPr sz="1200" b="1" spc="-20">
-                <a:solidFill>
-                  <a:srgbClr val="020302"/>
-                </a:solidFill>
-                <a:latin typeface="Adobe Clean"/>
-                <a:cs typeface="Adobe Clean"/>
-              </a:rPr>
-              <a:t>a</a:t>
-            </a:r>
-            <a:r>
-              <a:rPr sz="1200" b="1" spc="-25">
-                <a:solidFill>
-                  <a:srgbClr val="020302"/>
-                </a:solidFill>
-                <a:latin typeface="Adobe Clean"/>
-                <a:cs typeface="Adobe Clean"/>
-              </a:rPr>
-              <a:t>t</a:t>
-            </a:r>
-            <a:r>
-              <a:rPr sz="1200" b="1" spc="-20">
-                <a:solidFill>
-                  <a:srgbClr val="020302"/>
-                </a:solidFill>
-                <a:latin typeface="Adobe Clean"/>
-                <a:cs typeface="Adobe Clean"/>
-              </a:rPr>
-              <a:t>i</a:t>
-            </a:r>
-            <a:r>
-              <a:rPr sz="1200" b="1" spc="-15">
-                <a:solidFill>
-                  <a:srgbClr val="020302"/>
-                </a:solidFill>
-                <a:latin typeface="Adobe Clean"/>
-                <a:cs typeface="Adobe Clean"/>
-              </a:rPr>
-              <a:t>o</a:t>
-            </a:r>
-            <a:r>
-              <a:rPr sz="1200" b="1">
-                <a:solidFill>
-                  <a:srgbClr val="020302"/>
-                </a:solidFill>
-                <a:latin typeface="Adobe Clean"/>
-                <a:cs typeface="Adobe Clean"/>
-              </a:rPr>
-              <a:t>n</a:t>
-            </a:r>
-            <a:r>
-              <a:rPr sz="1200" b="1" spc="-55">
-                <a:solidFill>
-                  <a:srgbClr val="020302"/>
-                </a:solidFill>
-                <a:latin typeface="Adobe Clean"/>
-                <a:cs typeface="Adobe Clean"/>
-              </a:rPr>
-              <a:t> </a:t>
-            </a:r>
-            <a:r>
-              <a:rPr sz="1200" b="1" spc="-35">
-                <a:solidFill>
-                  <a:srgbClr val="020302"/>
-                </a:solidFill>
-                <a:latin typeface="Adobe Clean"/>
-                <a:cs typeface="Adobe Clean"/>
-              </a:rPr>
-              <a:t>M</a:t>
-            </a:r>
-            <a:r>
-              <a:rPr sz="1200" b="1" spc="-25">
-                <a:solidFill>
-                  <a:srgbClr val="020302"/>
-                </a:solidFill>
-                <a:latin typeface="Adobe Clean"/>
-                <a:cs typeface="Adobe Clean"/>
-              </a:rPr>
-              <a:t>a</a:t>
-            </a:r>
-            <a:r>
-              <a:rPr sz="1200" b="1" spc="-30">
-                <a:solidFill>
-                  <a:srgbClr val="020302"/>
-                </a:solidFill>
-                <a:latin typeface="Adobe Clean"/>
-                <a:cs typeface="Adobe Clean"/>
-              </a:rPr>
-              <a:t>n</a:t>
-            </a:r>
-            <a:r>
-              <a:rPr sz="1200" b="1" spc="-25">
-                <a:solidFill>
-                  <a:srgbClr val="020302"/>
-                </a:solidFill>
-                <a:latin typeface="Adobe Clean"/>
-                <a:cs typeface="Adobe Clean"/>
-              </a:rPr>
-              <a:t>a</a:t>
-            </a:r>
-            <a:r>
-              <a:rPr sz="1200" b="1" spc="-30">
-                <a:solidFill>
-                  <a:srgbClr val="020302"/>
-                </a:solidFill>
-                <a:latin typeface="Adobe Clean"/>
-                <a:cs typeface="Adobe Clean"/>
-              </a:rPr>
-              <a:t>ge</a:t>
-            </a:r>
-            <a:r>
-              <a:rPr sz="1200" b="1" spc="-25">
-                <a:solidFill>
-                  <a:srgbClr val="020302"/>
-                </a:solidFill>
-                <a:latin typeface="Adobe Clean"/>
-                <a:cs typeface="Adobe Clean"/>
-              </a:rPr>
-              <a:t>m</a:t>
-            </a:r>
-            <a:r>
-              <a:rPr sz="1200" b="1" spc="-30">
-                <a:solidFill>
-                  <a:srgbClr val="020302"/>
-                </a:solidFill>
-                <a:latin typeface="Adobe Clean"/>
-                <a:cs typeface="Adobe Clean"/>
-              </a:rPr>
-              <a:t>en</a:t>
-            </a:r>
-            <a:r>
-              <a:rPr sz="1200" b="1">
-                <a:solidFill>
-                  <a:srgbClr val="020302"/>
-                </a:solidFill>
-                <a:latin typeface="Adobe Clean"/>
-                <a:cs typeface="Adobe Clean"/>
-              </a:rPr>
-              <a:t>t</a:t>
-            </a:r>
-            <a:endParaRPr sz="1200">
-              <a:latin typeface="Adobe Clean"/>
-              <a:cs typeface="Adobe Clean"/>
-            </a:endParaRPr>
+              <a:t>de la escalabilidad</a:t>
+            </a:r>
           </a:p>
         </p:txBody>
       </p:sp>
@@ -10606,18 +8788,14 @@
               </a:spcBef>
             </a:pPr>
             <a:r>
-              <a:rPr lang="en-US" sz="1000">
+              <a:rPr lang="es-ES" sz="1000" dirty="0">
                 <a:solidFill>
                   <a:srgbClr val="4B4B4B"/>
                 </a:solidFill>
                 <a:latin typeface="Adobe Clean Light" panose="020B0303020404020204" pitchFamily="34" charset="0"/>
               </a:rPr>
-              <a:t>A designated point of contact within Adobe who can provide escalation assistance, regular updates and ensure priority is given to your most critical open support requests.</a:t>
-            </a:r>
-            <a:endParaRPr sz="1000">
-              <a:latin typeface="Adobe Clean Light" panose="020B0303020404020204" pitchFamily="34" charset="0"/>
-              <a:cs typeface="AdobeClean-Light"/>
-            </a:endParaRPr>
+              <a:t>Un punto de contacto designado de Adobe que puede proporcionar asistencia en cuanto a escalabilidad y actualizaciones frecuentes, así como garantizar que se dé prioridad a sus solicitudes de soporte abierto más críticas.</a:t>
+            </a:r>
           </a:p>
         </p:txBody>
       </p:sp>
@@ -10635,8 +8813,8 @@
         </p:nvSpPr>
         <p:spPr>
           <a:xfrm>
-            <a:off x="3201544" y="2592995"/>
-            <a:ext cx="1036205" cy="197490"/>
+            <a:off x="3201544" y="2661575"/>
+            <a:ext cx="1477136" cy="197490"/>
           </a:xfrm>
           <a:prstGeom prst="rect">
             <a:avLst/>
@@ -10657,149 +8835,15 @@
               </a:spcBef>
             </a:pPr>
             <a:r>
-              <a:rPr sz="1200" b="1" spc="-20">
+              <a:rPr lang="es-ES" sz="1200" b="1" dirty="0">
                 <a:solidFill>
                   <a:srgbClr val="020302"/>
                 </a:solidFill>
                 <a:latin typeface="Adobe Clean"/>
                 <a:cs typeface="Adobe Clean"/>
               </a:rPr>
-              <a:t>S</a:t>
-            </a:r>
-            <a:r>
-              <a:rPr sz="1200" b="1" spc="-25">
-                <a:solidFill>
-                  <a:srgbClr val="020302"/>
-                </a:solidFill>
-                <a:latin typeface="Adobe Clean"/>
-                <a:cs typeface="Adobe Clean"/>
-              </a:rPr>
-              <a:t>e</a:t>
-            </a:r>
-            <a:r>
-              <a:rPr sz="1200" b="1" spc="-20">
-                <a:solidFill>
-                  <a:srgbClr val="020302"/>
-                </a:solidFill>
-                <a:latin typeface="Adobe Clean"/>
-                <a:cs typeface="Adobe Clean"/>
-              </a:rPr>
-              <a:t>r</a:t>
-            </a:r>
-            <a:r>
-              <a:rPr sz="1200" b="1" spc="-25">
-                <a:solidFill>
-                  <a:srgbClr val="020302"/>
-                </a:solidFill>
-                <a:latin typeface="Adobe Clean"/>
-                <a:cs typeface="Adobe Clean"/>
-              </a:rPr>
-              <a:t>v</a:t>
-            </a:r>
-            <a:r>
-              <a:rPr sz="1200" b="1" spc="-20">
-                <a:solidFill>
-                  <a:srgbClr val="020302"/>
-                </a:solidFill>
-                <a:latin typeface="Adobe Clean"/>
-                <a:cs typeface="Adobe Clean"/>
-              </a:rPr>
-              <a:t>i</a:t>
-            </a:r>
-            <a:r>
-              <a:rPr sz="1200" b="1" spc="-30">
-                <a:solidFill>
-                  <a:srgbClr val="020302"/>
-                </a:solidFill>
-                <a:latin typeface="Adobe Clean"/>
-                <a:cs typeface="Adobe Clean"/>
-              </a:rPr>
-              <a:t>c</a:t>
-            </a:r>
-            <a:r>
-              <a:rPr sz="1200" b="1">
-                <a:solidFill>
-                  <a:srgbClr val="020302"/>
-                </a:solidFill>
-                <a:latin typeface="Adobe Clean"/>
-                <a:cs typeface="Adobe Clean"/>
-              </a:rPr>
-              <a:t>e</a:t>
-            </a:r>
-            <a:r>
-              <a:rPr sz="1200" b="1" spc="-80">
-                <a:solidFill>
-                  <a:srgbClr val="020302"/>
-                </a:solidFill>
-                <a:latin typeface="Adobe Clean"/>
-                <a:cs typeface="Adobe Clean"/>
-              </a:rPr>
-              <a:t> </a:t>
-            </a:r>
-            <a:r>
-              <a:rPr sz="1200" b="1" spc="-20">
-                <a:solidFill>
-                  <a:srgbClr val="020302"/>
-                </a:solidFill>
-                <a:latin typeface="Adobe Clean"/>
-                <a:cs typeface="Adobe Clean"/>
-              </a:rPr>
-              <a:t>R</a:t>
-            </a:r>
-            <a:r>
-              <a:rPr sz="1200" b="1" spc="-25">
-                <a:solidFill>
-                  <a:srgbClr val="020302"/>
-                </a:solidFill>
-                <a:latin typeface="Adobe Clean"/>
-                <a:cs typeface="Adobe Clean"/>
-              </a:rPr>
-              <a:t>e</a:t>
-            </a:r>
-            <a:r>
-              <a:rPr sz="1200" b="1" spc="-30">
-                <a:solidFill>
-                  <a:srgbClr val="020302"/>
-                </a:solidFill>
-                <a:latin typeface="Adobe Clean"/>
-                <a:cs typeface="Adobe Clean"/>
-              </a:rPr>
-              <a:t>v</a:t>
-            </a:r>
-            <a:r>
-              <a:rPr sz="1200" b="1" spc="-20">
-                <a:solidFill>
-                  <a:srgbClr val="020302"/>
-                </a:solidFill>
-                <a:latin typeface="Adobe Clean"/>
-                <a:cs typeface="Adobe Clean"/>
-              </a:rPr>
-              <a:t>i</a:t>
-            </a:r>
-            <a:r>
-              <a:rPr sz="1200" b="1" spc="-25">
-                <a:solidFill>
-                  <a:srgbClr val="020302"/>
-                </a:solidFill>
-                <a:latin typeface="Adobe Clean"/>
-                <a:cs typeface="Adobe Clean"/>
-              </a:rPr>
-              <a:t>ew</a:t>
-            </a:r>
-            <a:r>
-              <a:rPr sz="1200" b="1">
-                <a:solidFill>
-                  <a:srgbClr val="020302"/>
-                </a:solidFill>
-                <a:latin typeface="Adobe Clean"/>
-                <a:cs typeface="Adobe Clean"/>
-              </a:rPr>
-              <a:t>s</a:t>
-            </a:r>
-            <a:endParaRPr sz="1200">
-              <a:latin typeface="Adobe Clean"/>
-              <a:cs typeface="Adobe Clean"/>
-            </a:endParaRPr>
+              <a:t>Revisiones del servicio</a:t>
+            </a:r>
           </a:p>
         </p:txBody>
       </p:sp>
@@ -10817,7 +8861,7 @@
         </p:nvSpPr>
         <p:spPr>
           <a:xfrm>
-            <a:off x="2835999" y="2921585"/>
+            <a:off x="2835999" y="2990165"/>
             <a:ext cx="2194560" cy="474489"/>
           </a:xfrm>
           <a:prstGeom prst="rect">
@@ -10839,18 +8883,31 @@
               </a:spcBef>
             </a:pPr>
             <a:r>
-              <a:rPr lang="en-US" sz="1000">
+              <a:rPr lang="es-ES" sz="1000" dirty="0">
                 <a:solidFill>
                   <a:srgbClr val="4B4B4B"/>
                 </a:solidFill>
                 <a:latin typeface="Adobe Clean Light" panose="020B0303020404020204" pitchFamily="34" charset="0"/>
               </a:rPr>
-              <a:t>A bi-annual comprehensive review of  Enterprise program services, benefits and support metrics.</a:t>
-            </a:r>
-            <a:endParaRPr sz="1000">
-              <a:latin typeface="Adobe Clean Light" panose="020B0303020404020204" pitchFamily="34" charset="0"/>
-              <a:cs typeface="AdobeClean-Light"/>
-            </a:endParaRPr>
+              <a:t>Una revisión bianual completa </a:t>
+            </a:r>
+            <a:br>
+              <a:rPr lang="sk-SK" sz="1000" dirty="0">
+                <a:solidFill>
+                  <a:srgbClr val="4B4B4B"/>
+                </a:solidFill>
+                <a:latin typeface="Adobe Clean Light" panose="020B0303020404020204" pitchFamily="34" charset="0"/>
+              </a:rPr>
+            </a:br>
+            <a:r>
+              <a:rPr lang="es-ES" sz="1000" dirty="0">
+                <a:solidFill>
+                  <a:srgbClr val="4B4B4B"/>
+                </a:solidFill>
+                <a:latin typeface="Adobe Clean Light" panose="020B0303020404020204" pitchFamily="34" charset="0"/>
+              </a:rPr>
+              <a:t>de los servicios, los beneficios y las métricas de soporte del programa Enterprise.</a:t>
+            </a:r>
           </a:p>
         </p:txBody>
       </p:sp>
@@ -10890,18 +8947,14 @@
               </a:spcBef>
             </a:pPr>
             <a:r>
-              <a:rPr lang="en-US" sz="1000">
+              <a:rPr lang="es-ES" sz="1000">
                 <a:solidFill>
                   <a:srgbClr val="4B4B4B"/>
                 </a:solidFill>
                 <a:latin typeface="Adobe Clean Light" panose="020B0303020404020204" pitchFamily="34" charset="0"/>
               </a:rPr>
-              <a:t>A 60-minute session focusing on a specific product feature and how it can be utilized to solve common business problems.</a:t>
-            </a:r>
-            <a:endParaRPr sz="1000">
-              <a:latin typeface="Adobe Clean Light" panose="020B0303020404020204" pitchFamily="34" charset="0"/>
-              <a:cs typeface="AdobeClean-Light"/>
-            </a:endParaRPr>
+              <a:t>Una sesión de 60 minutos centrada en una función específica del producto y en cómo se puede utilizar para resolver problemas empresariales comunes.</a:t>
+            </a:r>
           </a:p>
         </p:txBody>
       </p:sp>
@@ -10919,8 +8972,8 @@
         </p:nvSpPr>
         <p:spPr>
           <a:xfrm>
-            <a:off x="5265661" y="5001737"/>
-            <a:ext cx="2194560" cy="536622"/>
+            <a:off x="5265661" y="5085557"/>
+            <a:ext cx="2194560" cy="713850"/>
           </a:xfrm>
           <a:prstGeom prst="rect">
             <a:avLst/>
@@ -10941,20 +8994,66 @@
               </a:spcBef>
             </a:pPr>
             <a:r>
-              <a:rPr lang="en-US" sz="1000">
+              <a:rPr lang="es-ES" sz="1000" dirty="0">
                 <a:solidFill>
                   <a:srgbClr val="4B4B4B"/>
                 </a:solidFill>
                 <a:latin typeface="Adobe Clean Light" panose="020B0303020404020204" pitchFamily="34" charset="0"/>
               </a:rPr>
-              <a:t>Drive adoption of customization best practices and core components in AEM as a Cloud Service</a:t>
-            </a:r>
-            <a:endParaRPr sz="1000">
-              <a:solidFill>
-                <a:srgbClr val="4B4B4B"/>
-              </a:solidFill>
-              <a:latin typeface="Adobe Clean Light" panose="020B0303020404020204" pitchFamily="34" charset="0"/>
-            </a:endParaRPr>
+              <a:t>Impulse la adopción de prácticas recomendadas de personalización </a:t>
+            </a:r>
+            <a:br>
+              <a:rPr lang="sk-SK" sz="1000" dirty="0">
+                <a:solidFill>
+                  <a:srgbClr val="4B4B4B"/>
+                </a:solidFill>
+                <a:latin typeface="Adobe Clean Light" panose="020B0303020404020204" pitchFamily="34" charset="0"/>
+              </a:rPr>
+            </a:br>
+            <a:r>
+              <a:rPr lang="es-ES" sz="1000" dirty="0">
+                <a:solidFill>
+                  <a:srgbClr val="4B4B4B"/>
+                </a:solidFill>
+                <a:latin typeface="Adobe Clean Light" panose="020B0303020404020204" pitchFamily="34" charset="0"/>
+              </a:rPr>
+              <a:t>y componentes principales en AEM </a:t>
+            </a:r>
+            <a:br>
+              <a:rPr lang="sk-SK" sz="1000" dirty="0">
+                <a:solidFill>
+                  <a:srgbClr val="4B4B4B"/>
+                </a:solidFill>
+                <a:latin typeface="Adobe Clean Light" panose="020B0303020404020204" pitchFamily="34" charset="0"/>
+              </a:rPr>
+            </a:br>
+            <a:r>
+              <a:rPr lang="es-ES" sz="1000" dirty="0">
+                <a:solidFill>
+                  <a:srgbClr val="4B4B4B"/>
+                </a:solidFill>
+                <a:latin typeface="Adobe Clean Light" panose="020B0303020404020204" pitchFamily="34" charset="0"/>
+              </a:rPr>
+              <a:t>as a Cloud </a:t>
+            </a:r>
+            <a:r>
+              <a:rPr lang="es-ES" sz="1000" dirty="0" err="1">
+                <a:solidFill>
+                  <a:srgbClr val="4B4B4B"/>
+                </a:solidFill>
+                <a:latin typeface="Adobe Clean Light" panose="020B0303020404020204" pitchFamily="34" charset="0"/>
+              </a:rPr>
+              <a:t>Service</a:t>
+            </a:r>
+            <a:r>
+              <a:rPr lang="es-ES" sz="1000" dirty="0">
+                <a:solidFill>
+                  <a:srgbClr val="4B4B4B"/>
+                </a:solidFill>
+                <a:latin typeface="Adobe Clean Light" panose="020B0303020404020204" pitchFamily="34" charset="0"/>
+              </a:rPr>
+              <a:t>.</a:t>
+            </a:r>
           </a:p>
         </p:txBody>
       </p:sp>
@@ -10994,20 +9093,14 @@
               </a:spcBef>
             </a:pPr>
             <a:r>
-              <a:rPr lang="en-US" sz="1000">
+              <a:rPr lang="es-ES" sz="1000" dirty="0">
                 <a:solidFill>
                   <a:srgbClr val="4B4B4B"/>
                 </a:solidFill>
                 <a:latin typeface="Adobe Clean Light" panose="020B0303020404020204" pitchFamily="34" charset="0"/>
               </a:rPr>
-              <a:t>Identify, review and provide recommendations on customized solution adoption areas that have opportunities for optimization</a:t>
-            </a:r>
-            <a:endParaRPr sz="1000">
-              <a:solidFill>
-                <a:srgbClr val="4B4B4B"/>
-              </a:solidFill>
-              <a:latin typeface="Adobe Clean Light" panose="020B0303020404020204" pitchFamily="34" charset="0"/>
-            </a:endParaRPr>
+              <a:t>Identifique, revise y proporcione recomendaciones sobre áreas de adopción de soluciones personalizadas con oportunidades de optimización.</a:t>
+            </a:r>
           </a:p>
         </p:txBody>
       </p:sp>
@@ -11026,7 +9119,7 @@
         <p:spPr>
           <a:xfrm>
             <a:off x="355868" y="4947989"/>
-            <a:ext cx="2194560" cy="717376"/>
+            <a:ext cx="2194560" cy="899670"/>
           </a:xfrm>
           <a:prstGeom prst="rect">
             <a:avLst/>
@@ -11047,20 +9140,101 @@
               </a:spcBef>
             </a:pPr>
             <a:r>
-              <a:rPr lang="en-US" sz="1000">
+              <a:rPr lang="es-ES" sz="1000" dirty="0">
                 <a:solidFill>
                   <a:srgbClr val="4B4B4B"/>
                 </a:solidFill>
                 <a:latin typeface="Adobe Clean Light" panose="020B0303020404020204" pitchFamily="34" charset="0"/>
               </a:rPr>
-              <a:t>Technical &amp; operational governance to assist AEM as a Cloud Service Customers in adhering to industry standards and best practices for AEM as a Cloud Service</a:t>
-            </a:r>
-            <a:endParaRPr sz="1000">
-              <a:solidFill>
-                <a:srgbClr val="4B4B4B"/>
-              </a:solidFill>
-              <a:latin typeface="Adobe Clean Light" panose="020B0303020404020204" pitchFamily="34" charset="0"/>
-            </a:endParaRPr>
+              <a:t>Gobernanza técnica y operativa para ayudar a los clientes de AEM as a Cloud </a:t>
+            </a:r>
+            <a:r>
+              <a:rPr lang="es-ES" sz="1000" dirty="0" err="1">
+                <a:solidFill>
+                  <a:srgbClr val="4B4B4B"/>
+                </a:solidFill>
+                <a:latin typeface="Adobe Clean Light" panose="020B0303020404020204" pitchFamily="34" charset="0"/>
+              </a:rPr>
+              <a:t>Service</a:t>
+            </a:r>
+            <a:r>
+              <a:rPr lang="es-ES" sz="1000" dirty="0">
+                <a:solidFill>
+                  <a:srgbClr val="4B4B4B"/>
+                </a:solidFill>
+                <a:latin typeface="Adobe Clean Light" panose="020B0303020404020204" pitchFamily="34" charset="0"/>
+              </a:rPr>
+              <a:t> </a:t>
+            </a:r>
+            <a:br>
+              <a:rPr lang="sk-SK" sz="1000" dirty="0">
+                <a:solidFill>
+                  <a:srgbClr val="4B4B4B"/>
+                </a:solidFill>
+                <a:latin typeface="Adobe Clean Light" panose="020B0303020404020204" pitchFamily="34" charset="0"/>
+              </a:rPr>
+            </a:br>
+            <a:r>
+              <a:rPr lang="es-ES" sz="1000" dirty="0">
+                <a:solidFill>
+                  <a:srgbClr val="4B4B4B"/>
+                </a:solidFill>
+                <a:latin typeface="Adobe Clean Light" panose="020B0303020404020204" pitchFamily="34" charset="0"/>
+              </a:rPr>
+              <a:t>a cumplir con los estándares del sector </a:t>
+            </a:r>
+            <a:br>
+              <a:rPr lang="sk-SK" sz="1000" dirty="0">
+                <a:solidFill>
+                  <a:srgbClr val="4B4B4B"/>
+                </a:solidFill>
+                <a:latin typeface="Adobe Clean Light" panose="020B0303020404020204" pitchFamily="34" charset="0"/>
+              </a:rPr>
+            </a:br>
+            <a:r>
+              <a:rPr lang="es-ES" sz="1000" dirty="0">
+                <a:solidFill>
+                  <a:srgbClr val="4B4B4B"/>
+                </a:solidFill>
+                <a:latin typeface="Adobe Clean Light" panose="020B0303020404020204" pitchFamily="34" charset="0"/>
+              </a:rPr>
+              <a:t>y las prácticas recomendadas para AEM </a:t>
+            </a:r>
+            <a:br>
+              <a:rPr lang="sk-SK" sz="1000" dirty="0">
+                <a:solidFill>
+                  <a:srgbClr val="4B4B4B"/>
+                </a:solidFill>
+                <a:latin typeface="Adobe Clean Light" panose="020B0303020404020204" pitchFamily="34" charset="0"/>
+              </a:rPr>
+            </a:br>
+            <a:r>
+              <a:rPr lang="es-ES" sz="1000" dirty="0">
+                <a:solidFill>
+                  <a:srgbClr val="4B4B4B"/>
+                </a:solidFill>
+                <a:latin typeface="Adobe Clean Light" panose="020B0303020404020204" pitchFamily="34" charset="0"/>
+              </a:rPr>
+              <a:t>as a Cloud </a:t>
+            </a:r>
+            <a:r>
+              <a:rPr lang="es-ES" sz="1000" dirty="0" err="1">
+                <a:solidFill>
+                  <a:srgbClr val="4B4B4B"/>
+                </a:solidFill>
+                <a:latin typeface="Adobe Clean Light" panose="020B0303020404020204" pitchFamily="34" charset="0"/>
+              </a:rPr>
+              <a:t>Service</a:t>
+            </a:r>
+            <a:r>
+              <a:rPr lang="es-ES" sz="1000" dirty="0">
+                <a:solidFill>
+                  <a:srgbClr val="4B4B4B"/>
+                </a:solidFill>
+                <a:latin typeface="Adobe Clean Light" panose="020B0303020404020204" pitchFamily="34" charset="0"/>
+              </a:rPr>
+              <a:t>.</a:t>
+            </a:r>
           </a:p>
         </p:txBody>
       </p:sp>
@@ -11078,8 +9252,8 @@
         </p:nvSpPr>
         <p:spPr>
           <a:xfrm>
-            <a:off x="2835999" y="1401973"/>
-            <a:ext cx="2194560" cy="959237"/>
+            <a:off x="2835999" y="1470553"/>
+            <a:ext cx="2194560" cy="1113125"/>
           </a:xfrm>
           <a:prstGeom prst="rect">
             <a:avLst/>
@@ -11097,20 +9271,82 @@
               </a:spcBef>
             </a:pPr>
             <a:r>
-              <a:rPr lang="en-US" sz="1000">
+              <a:rPr lang="es-ES" sz="1000" dirty="0">
                 <a:solidFill>
                   <a:srgbClr val="4B4B4B"/>
                 </a:solidFill>
                 <a:latin typeface="Adobe Clean Light" panose="020B0303020404020204" pitchFamily="34" charset="0"/>
               </a:rPr>
-              <a:t>A designated support engineer who becomes familiar with your solution environment and business goals. The NSE is an experienced support engineer that helps coordinate your Enterprise Support experience..</a:t>
-            </a:r>
-            <a:endParaRPr lang="en-US" sz="1000">
-              <a:solidFill>
-                <a:srgbClr val="000000"/>
-              </a:solidFill>
-              <a:latin typeface="Adobe Clean Light" panose="020B0303020404020204" pitchFamily="34" charset="0"/>
-            </a:endParaRPr>
+              <a:t>Un ingeniero de asistencia técnica especializado que esté familiarizado </a:t>
+            </a:r>
+            <a:br>
+              <a:rPr lang="sk-SK" sz="1000" dirty="0">
+                <a:solidFill>
+                  <a:srgbClr val="4B4B4B"/>
+                </a:solidFill>
+                <a:latin typeface="Adobe Clean Light" panose="020B0303020404020204" pitchFamily="34" charset="0"/>
+              </a:rPr>
+            </a:br>
+            <a:r>
+              <a:rPr lang="es-ES" sz="1000" dirty="0">
+                <a:solidFill>
+                  <a:srgbClr val="4B4B4B"/>
+                </a:solidFill>
+                <a:latin typeface="Adobe Clean Light" panose="020B0303020404020204" pitchFamily="34" charset="0"/>
+              </a:rPr>
+              <a:t>con el entorno de su solución y sus objetivos empresariales. Es un ingeniero </a:t>
+            </a:r>
+            <a:br>
+              <a:rPr lang="sk-SK" sz="1000" dirty="0">
+                <a:solidFill>
+                  <a:srgbClr val="4B4B4B"/>
+                </a:solidFill>
+                <a:latin typeface="Adobe Clean Light" panose="020B0303020404020204" pitchFamily="34" charset="0"/>
+              </a:rPr>
+            </a:br>
+            <a:r>
+              <a:rPr lang="es-ES" sz="1000" dirty="0">
+                <a:solidFill>
+                  <a:srgbClr val="4B4B4B"/>
+                </a:solidFill>
+                <a:latin typeface="Adobe Clean Light" panose="020B0303020404020204" pitchFamily="34" charset="0"/>
+              </a:rPr>
+              <a:t>de asistencia técnica experimentado que </a:t>
+            </a:r>
+            <a:br>
+              <a:rPr lang="sk-SK" sz="1000" dirty="0">
+                <a:solidFill>
+                  <a:srgbClr val="4B4B4B"/>
+                </a:solidFill>
+                <a:latin typeface="Adobe Clean Light" panose="020B0303020404020204" pitchFamily="34" charset="0"/>
+              </a:rPr>
+            </a:br>
+            <a:r>
+              <a:rPr lang="es-ES" sz="1000" dirty="0">
+                <a:solidFill>
+                  <a:srgbClr val="4B4B4B"/>
+                </a:solidFill>
+                <a:latin typeface="Adobe Clean Light" panose="020B0303020404020204" pitchFamily="34" charset="0"/>
+              </a:rPr>
+              <a:t>le ayudará a coordinar su experiencia </a:t>
+            </a:r>
+            <a:br>
+              <a:rPr lang="sk-SK" sz="1000" dirty="0">
+                <a:solidFill>
+                  <a:srgbClr val="4B4B4B"/>
+                </a:solidFill>
+                <a:latin typeface="Adobe Clean Light" panose="020B0303020404020204" pitchFamily="34" charset="0"/>
+              </a:rPr>
+            </a:br>
+            <a:r>
+              <a:rPr lang="es-ES" sz="1000" dirty="0">
+                <a:solidFill>
+                  <a:srgbClr val="4B4B4B"/>
+                </a:solidFill>
+                <a:latin typeface="Adobe Clean Light" panose="020B0303020404020204" pitchFamily="34" charset="0"/>
+              </a:rPr>
+              <a:t>de soporte Enterprise.</a:t>
+            </a:r>
           </a:p>
         </p:txBody>
       </p:sp>
@@ -11152,13 +9388,13 @@
               </a:spcAft>
             </a:pPr>
             <a:r>
-              <a:rPr lang="en-US" sz="1200" b="1" spc="-10">
+              <a:rPr lang="es-ES" sz="1200" b="1" dirty="0">
                 <a:solidFill>
                   <a:srgbClr val="020302"/>
                 </a:solidFill>
                 <a:latin typeface="+mj-lt"/>
               </a:rPr>
-              <a:t>Named Support Engineer</a:t>
+              <a:t>Ingeniero de asistencia técnica especializado</a:t>
             </a:r>
           </a:p>
         </p:txBody>
@@ -11217,7 +9453,7 @@
         <p:spPr>
           <a:xfrm>
             <a:off x="5723508" y="1099976"/>
-            <a:ext cx="1036205" cy="197490"/>
+            <a:ext cx="1408655" cy="197490"/>
           </a:xfrm>
           <a:prstGeom prst="rect">
             <a:avLst/>
@@ -11238,19 +9474,15 @@
               </a:spcBef>
             </a:pPr>
             <a:r>
-              <a:rPr lang="en-US" sz="1200" b="1" spc="-20">
+              <a:rPr lang="es-ES" sz="1200" b="1" dirty="0">
                 <a:solidFill>
                   <a:srgbClr val="020302"/>
                 </a:solidFill>
                 <a:latin typeface="Adobe Clean"/>
                 <a:cs typeface="Adobe Clean"/>
               </a:rPr>
-              <a:t>Expert Sessions</a:t>
-            </a:r>
-            <a:endParaRPr sz="1200">
-              <a:latin typeface="Adobe Clean"/>
-              <a:cs typeface="Adobe Clean"/>
-            </a:endParaRPr>
+              <a:t>Sesiones de expertos</a:t>
+            </a:r>
           </a:p>
         </p:txBody>
       </p:sp>
@@ -11268,8 +9500,8 @@
         </p:nvSpPr>
         <p:spPr>
           <a:xfrm>
-            <a:off x="5181600" y="4466703"/>
-            <a:ext cx="1972258" cy="461665"/>
+            <a:off x="5181599" y="4466703"/>
+            <a:ext cx="1998943" cy="646331"/>
           </a:xfrm>
           <a:prstGeom prst="rect">
             <a:avLst/>
@@ -11290,486 +9522,29 @@
               </a:spcBef>
             </a:pPr>
             <a:r>
-              <a:rPr lang="en-US" sz="1200" b="1" spc="-15">
+              <a:rPr lang="es-ES" sz="1200" b="1" dirty="0">
                 <a:solidFill>
                   <a:srgbClr val="020302"/>
                 </a:solidFill>
                 <a:latin typeface="Adobe Clean"/>
                 <a:cs typeface="Adobe Clean"/>
               </a:rPr>
-              <a:t>C</a:t>
-            </a:r>
-            <a:r>
-              <a:rPr lang="en-US" sz="1200" b="1" spc="-20">
+              <a:t>Prácticas recomendadas de personalización para AEM as a Cloud </a:t>
+            </a:r>
+            <a:r>
+              <a:rPr lang="es-ES" sz="1200" b="1" dirty="0" err="1">
                 <a:solidFill>
                   <a:srgbClr val="020302"/>
                 </a:solidFill>
                 <a:latin typeface="Adobe Clean"/>
                 <a:cs typeface="Adobe Clean"/>
               </a:rPr>
-              <a:t>u</a:t>
-            </a:r>
-            <a:r>
-              <a:rPr lang="en-US" sz="1200" b="1" spc="-25">
-                <a:solidFill>
-                  <a:srgbClr val="020302"/>
-                </a:solidFill>
-                <a:latin typeface="Adobe Clean"/>
-                <a:cs typeface="Adobe Clean"/>
-              </a:rPr>
-              <a:t>st</a:t>
-            </a:r>
-            <a:r>
-              <a:rPr lang="en-US" sz="1200" b="1" spc="-15">
-                <a:solidFill>
-                  <a:srgbClr val="020302"/>
-                </a:solidFill>
-                <a:latin typeface="Adobe Clean"/>
-                <a:cs typeface="Adobe Clean"/>
-              </a:rPr>
-              <a:t>o</a:t>
-            </a:r>
-            <a:r>
-              <a:rPr lang="en-US" sz="1200" b="1" spc="-20">
-                <a:solidFill>
-                  <a:srgbClr val="020302"/>
-                </a:solidFill>
-                <a:latin typeface="Adobe Clean"/>
-                <a:cs typeface="Adobe Clean"/>
-              </a:rPr>
-              <a:t>miza</a:t>
-            </a:r>
-            <a:r>
-              <a:rPr lang="en-US" sz="1200" b="1" spc="-25">
-                <a:solidFill>
-                  <a:srgbClr val="020302"/>
-                </a:solidFill>
-                <a:latin typeface="Adobe Clean"/>
-                <a:cs typeface="Adobe Clean"/>
-              </a:rPr>
-              <a:t>t</a:t>
-            </a:r>
-            <a:r>
-              <a:rPr lang="en-US" sz="1200" b="1" spc="-20">
-                <a:solidFill>
-                  <a:srgbClr val="020302"/>
-                </a:solidFill>
-                <a:latin typeface="Adobe Clean"/>
-                <a:cs typeface="Adobe Clean"/>
-              </a:rPr>
-              <a:t>i</a:t>
-            </a:r>
-            <a:r>
-              <a:rPr lang="en-US" sz="1200" b="1" spc="-15">
-                <a:solidFill>
-                  <a:srgbClr val="020302"/>
-                </a:solidFill>
-                <a:latin typeface="Adobe Clean"/>
-                <a:cs typeface="Adobe Clean"/>
-              </a:rPr>
-              <a:t>o</a:t>
-            </a:r>
-            <a:r>
-              <a:rPr lang="en-US" sz="1200" b="1">
-                <a:solidFill>
-                  <a:srgbClr val="020302"/>
-                </a:solidFill>
-                <a:latin typeface="Adobe Clean"/>
-                <a:cs typeface="Adobe Clean"/>
-              </a:rPr>
-              <a:t>n</a:t>
-            </a:r>
-            <a:r>
-              <a:rPr lang="en-US" sz="1200" b="1" spc="-50">
-                <a:solidFill>
-                  <a:srgbClr val="020302"/>
-                </a:solidFill>
-                <a:latin typeface="Adobe Clean"/>
-                <a:cs typeface="Adobe Clean"/>
-              </a:rPr>
-              <a:t> </a:t>
-            </a:r>
-            <a:r>
-              <a:rPr lang="en-US" sz="1200" b="1" spc="-20">
-                <a:solidFill>
-                  <a:srgbClr val="020302"/>
-                </a:solidFill>
-                <a:latin typeface="Adobe Clean"/>
-                <a:cs typeface="Adobe Clean"/>
-              </a:rPr>
-              <a:t>B</a:t>
-            </a:r>
-            <a:r>
-              <a:rPr lang="en-US" sz="1200" b="1" spc="-25">
-                <a:solidFill>
-                  <a:srgbClr val="020302"/>
-                </a:solidFill>
-                <a:latin typeface="Adobe Clean"/>
-                <a:cs typeface="Adobe Clean"/>
-              </a:rPr>
-              <a:t>es</a:t>
-            </a:r>
-            <a:r>
-              <a:rPr lang="en-US" sz="1200" b="1">
-                <a:solidFill>
-                  <a:srgbClr val="020302"/>
-                </a:solidFill>
-                <a:latin typeface="Adobe Clean"/>
-                <a:cs typeface="Adobe Clean"/>
-              </a:rPr>
-              <a:t>t</a:t>
-            </a:r>
-            <a:r>
-              <a:rPr lang="en-US" sz="1200" b="1" spc="-50">
-                <a:solidFill>
-                  <a:srgbClr val="020302"/>
-                </a:solidFill>
-                <a:latin typeface="Adobe Clean"/>
-                <a:cs typeface="Adobe Clean"/>
-              </a:rPr>
-              <a:t> </a:t>
-            </a:r>
-            <a:r>
-              <a:rPr lang="en-US" sz="1200" b="1" spc="-25">
-                <a:solidFill>
-                  <a:srgbClr val="020302"/>
-                </a:solidFill>
-                <a:latin typeface="Adobe Clean"/>
-                <a:cs typeface="Adobe Clean"/>
-              </a:rPr>
-              <a:t>P</a:t>
-            </a:r>
-            <a:r>
-              <a:rPr lang="en-US" sz="1200" b="1" spc="-20">
-                <a:solidFill>
-                  <a:srgbClr val="020302"/>
-                </a:solidFill>
-                <a:latin typeface="Adobe Clean"/>
-                <a:cs typeface="Adobe Clean"/>
-              </a:rPr>
-              <a:t>ra</a:t>
-            </a:r>
-            <a:r>
-              <a:rPr lang="en-US" sz="1200" b="1" spc="-30">
-                <a:solidFill>
-                  <a:srgbClr val="020302"/>
-                </a:solidFill>
-                <a:latin typeface="Adobe Clean"/>
-                <a:cs typeface="Adobe Clean"/>
-              </a:rPr>
-              <a:t>c</a:t>
-            </a:r>
-            <a:r>
-              <a:rPr lang="en-US" sz="1200" b="1" spc="-25">
-                <a:solidFill>
-                  <a:srgbClr val="020302"/>
-                </a:solidFill>
-                <a:latin typeface="Adobe Clean"/>
-                <a:cs typeface="Adobe Clean"/>
-              </a:rPr>
-              <a:t>t</a:t>
-            </a:r>
-            <a:r>
-              <a:rPr lang="en-US" sz="1200" b="1" spc="-20">
-                <a:solidFill>
-                  <a:srgbClr val="020302"/>
-                </a:solidFill>
-                <a:latin typeface="Adobe Clean"/>
-                <a:cs typeface="Adobe Clean"/>
-              </a:rPr>
-              <a:t>i</a:t>
-            </a:r>
-            <a:r>
-              <a:rPr lang="en-US" sz="1200" b="1" spc="-30">
-                <a:solidFill>
-                  <a:srgbClr val="020302"/>
-                </a:solidFill>
-                <a:latin typeface="Adobe Clean"/>
-                <a:cs typeface="Adobe Clean"/>
-              </a:rPr>
-              <a:t>c</a:t>
-            </a:r>
-            <a:r>
-              <a:rPr lang="en-US" sz="1200" b="1" spc="-25">
-                <a:solidFill>
-                  <a:srgbClr val="020302"/>
-                </a:solidFill>
-                <a:latin typeface="Adobe Clean"/>
-                <a:cs typeface="Adobe Clean"/>
-              </a:rPr>
-              <a:t>e</a:t>
-            </a:r>
-            <a:r>
-              <a:rPr lang="en-US" sz="1200" b="1">
-                <a:solidFill>
-                  <a:srgbClr val="020302"/>
-                </a:solidFill>
-                <a:latin typeface="Adobe Clean"/>
-                <a:cs typeface="Adobe Clean"/>
-              </a:rPr>
-              <a:t>s</a:t>
-            </a:r>
-            <a:r>
-              <a:rPr lang="en-US" sz="1200" b="1" spc="-45">
-                <a:solidFill>
-                  <a:srgbClr val="020302"/>
-                </a:solidFill>
-                <a:latin typeface="Adobe Clean"/>
-                <a:cs typeface="Adobe Clean"/>
-              </a:rPr>
-              <a:t> </a:t>
-            </a:r>
-            <a:r>
-              <a:rPr lang="en-US" sz="1200" b="1" spc="-25">
-                <a:solidFill>
-                  <a:srgbClr val="020302"/>
-                </a:solidFill>
-                <a:latin typeface="Adobe Clean"/>
-                <a:cs typeface="Adobe Clean"/>
-              </a:rPr>
-              <a:t>f</a:t>
-            </a:r>
-            <a:r>
-              <a:rPr lang="en-US" sz="1200" b="1" spc="-15">
-                <a:solidFill>
-                  <a:srgbClr val="020302"/>
-                </a:solidFill>
-                <a:latin typeface="Adobe Clean"/>
-                <a:cs typeface="Adobe Clean"/>
-              </a:rPr>
-              <a:t>o</a:t>
-            </a:r>
-            <a:r>
-              <a:rPr lang="en-US" sz="1200" b="1">
-                <a:solidFill>
-                  <a:srgbClr val="020302"/>
-                </a:solidFill>
-                <a:latin typeface="Adobe Clean"/>
-                <a:cs typeface="Adobe Clean"/>
-              </a:rPr>
-              <a:t>r</a:t>
-            </a:r>
-            <a:r>
-              <a:rPr lang="en-US" sz="1200" b="1" spc="-45">
-                <a:solidFill>
-                  <a:srgbClr val="020302"/>
-                </a:solidFill>
-                <a:latin typeface="Adobe Clean"/>
-                <a:cs typeface="Adobe Clean"/>
-              </a:rPr>
-              <a:t> </a:t>
-            </a:r>
-            <a:r>
-              <a:rPr lang="en-US" sz="1200" b="1" spc="-30">
-                <a:solidFill>
-                  <a:srgbClr val="020302"/>
-                </a:solidFill>
-                <a:latin typeface="Adobe Clean"/>
-                <a:cs typeface="Adobe Clean"/>
-              </a:rPr>
-              <a:t>AE</a:t>
-            </a:r>
-            <a:r>
-              <a:rPr lang="en-US" sz="1200" b="1">
-                <a:solidFill>
-                  <a:srgbClr val="020302"/>
-                </a:solidFill>
-                <a:latin typeface="Adobe Clean"/>
-                <a:cs typeface="Adobe Clean"/>
-              </a:rPr>
-              <a:t>M</a:t>
-            </a:r>
-            <a:r>
-              <a:rPr lang="en-US" sz="1200" b="1" spc="-55">
-                <a:solidFill>
-                  <a:srgbClr val="020302"/>
-                </a:solidFill>
-                <a:latin typeface="Adobe Clean"/>
-                <a:cs typeface="Adobe Clean"/>
-              </a:rPr>
-              <a:t> </a:t>
-            </a:r>
-            <a:r>
-              <a:rPr lang="en-US" sz="1200" b="1" spc="-20">
-                <a:solidFill>
-                  <a:srgbClr val="020302"/>
-                </a:solidFill>
-                <a:latin typeface="Adobe Clean"/>
-                <a:cs typeface="Adobe Clean"/>
-              </a:rPr>
-              <a:t>a</a:t>
-            </a:r>
-            <a:r>
-              <a:rPr lang="en-US" sz="1200" b="1">
-                <a:solidFill>
-                  <a:srgbClr val="020302"/>
-                </a:solidFill>
-                <a:latin typeface="Adobe Clean"/>
-                <a:cs typeface="Adobe Clean"/>
-              </a:rPr>
-              <a:t>s</a:t>
-            </a:r>
-            <a:r>
-              <a:rPr lang="en-US" sz="1200" b="1" spc="-45">
-                <a:solidFill>
-                  <a:srgbClr val="020302"/>
-                </a:solidFill>
-                <a:latin typeface="Adobe Clean"/>
-                <a:cs typeface="Adobe Clean"/>
-              </a:rPr>
-              <a:t> </a:t>
-            </a:r>
-            <a:r>
-              <a:rPr lang="en-US" sz="1200" b="1">
-                <a:solidFill>
-                  <a:srgbClr val="020302"/>
-                </a:solidFill>
-                <a:latin typeface="Adobe Clean"/>
-                <a:cs typeface="Adobe Clean"/>
-              </a:rPr>
-              <a:t>a</a:t>
-            </a:r>
-            <a:r>
-              <a:rPr lang="en-US" sz="1200" b="1" spc="-45">
-                <a:solidFill>
-                  <a:srgbClr val="020302"/>
-                </a:solidFill>
-                <a:latin typeface="Adobe Clean"/>
-                <a:cs typeface="Adobe Clean"/>
-              </a:rPr>
-              <a:t> </a:t>
-            </a:r>
-            <a:r>
-              <a:rPr lang="en-US" sz="1200" b="1" spc="-15">
-                <a:solidFill>
-                  <a:srgbClr val="020302"/>
-                </a:solidFill>
-                <a:latin typeface="Adobe Clean"/>
-                <a:cs typeface="Adobe Clean"/>
-              </a:rPr>
-              <a:t>C</a:t>
-            </a:r>
-            <a:r>
-              <a:rPr lang="en-US" sz="1200" b="1" spc="-25">
-                <a:solidFill>
-                  <a:srgbClr val="020302"/>
-                </a:solidFill>
-                <a:latin typeface="Adobe Clean"/>
-                <a:cs typeface="Adobe Clean"/>
-              </a:rPr>
-              <a:t>l</a:t>
-            </a:r>
-            <a:r>
-              <a:rPr lang="en-US" sz="1200" b="1" spc="-15">
-                <a:solidFill>
-                  <a:srgbClr val="020302"/>
-                </a:solidFill>
-                <a:latin typeface="Adobe Clean"/>
-                <a:cs typeface="Adobe Clean"/>
-              </a:rPr>
-              <a:t>o</a:t>
-            </a:r>
-            <a:r>
-              <a:rPr lang="en-US" sz="1200" b="1" spc="-20">
-                <a:solidFill>
-                  <a:srgbClr val="020302"/>
-                </a:solidFill>
-                <a:latin typeface="Adobe Clean"/>
-                <a:cs typeface="Adobe Clean"/>
-              </a:rPr>
-              <a:t>u</a:t>
-            </a:r>
-            <a:r>
-              <a:rPr lang="en-US" sz="1200" b="1">
-                <a:solidFill>
-                  <a:srgbClr val="020302"/>
-                </a:solidFill>
-                <a:latin typeface="Adobe Clean"/>
-                <a:cs typeface="Adobe Clean"/>
-              </a:rPr>
-              <a:t>d</a:t>
-            </a:r>
-            <a:r>
-              <a:rPr lang="en-US" sz="1200" b="1" spc="-50">
-                <a:solidFill>
-                  <a:srgbClr val="020302"/>
-                </a:solidFill>
-                <a:latin typeface="Adobe Clean"/>
-                <a:cs typeface="Adobe Clean"/>
-              </a:rPr>
-              <a:t> </a:t>
-            </a:r>
-            <a:r>
-              <a:rPr lang="en-US" sz="1200" b="1" spc="-20">
-                <a:solidFill>
-                  <a:srgbClr val="020302"/>
-                </a:solidFill>
-                <a:latin typeface="Adobe Clean"/>
-                <a:cs typeface="Adobe Clean"/>
-              </a:rPr>
-              <a:t>S</a:t>
-            </a:r>
-            <a:r>
-              <a:rPr lang="en-US" sz="1200" b="1" spc="-25">
-                <a:solidFill>
-                  <a:srgbClr val="020302"/>
-                </a:solidFill>
-                <a:latin typeface="Adobe Clean"/>
-                <a:cs typeface="Adobe Clean"/>
-              </a:rPr>
-              <a:t>e</a:t>
-            </a:r>
-            <a:r>
-              <a:rPr lang="en-US" sz="1200" b="1" spc="-20">
-                <a:solidFill>
-                  <a:srgbClr val="020302"/>
-                </a:solidFill>
-                <a:latin typeface="Adobe Clean"/>
-                <a:cs typeface="Adobe Clean"/>
-              </a:rPr>
-              <a:t>r</a:t>
-            </a:r>
-            <a:r>
-              <a:rPr lang="en-US" sz="1200" b="1" spc="-30">
-                <a:solidFill>
-                  <a:srgbClr val="020302"/>
-                </a:solidFill>
-                <a:latin typeface="Adobe Clean"/>
-                <a:cs typeface="Adobe Clean"/>
-              </a:rPr>
-              <a:t>v</a:t>
-            </a:r>
-            <a:r>
-              <a:rPr lang="en-US" sz="1200" b="1" spc="-20">
-                <a:solidFill>
-                  <a:srgbClr val="020302"/>
-                </a:solidFill>
-                <a:latin typeface="Adobe Clean"/>
-                <a:cs typeface="Adobe Clean"/>
-              </a:rPr>
-              <a:t>i</a:t>
-            </a:r>
-            <a:r>
-              <a:rPr lang="en-US" sz="1200" b="1" spc="-30">
-                <a:solidFill>
-                  <a:srgbClr val="020302"/>
-                </a:solidFill>
-                <a:latin typeface="Adobe Clean"/>
-                <a:cs typeface="Adobe Clean"/>
-              </a:rPr>
-              <a:t>c</a:t>
-            </a:r>
-            <a:r>
-              <a:rPr lang="en-US" sz="1200" b="1">
-                <a:solidFill>
-                  <a:srgbClr val="020302"/>
-                </a:solidFill>
-                <a:latin typeface="Adobe Clean"/>
-                <a:cs typeface="Adobe Clean"/>
-              </a:rPr>
-              <a:t>e</a:t>
-            </a:r>
-            <a:endParaRPr lang="en-US" sz="1200">
+              <a:t>Service</a:t>
+            </a:r>
+            <a:endParaRPr lang="es-ES" sz="1200" b="1" dirty="0">
+              <a:solidFill>
+                <a:srgbClr val="020302"/>
+              </a:solidFill>
               <a:latin typeface="Adobe Clean"/>
               <a:cs typeface="Adobe Clean"/>
             </a:endParaRPr>
@@ -11791,7 +9566,7 @@
         <p:spPr>
           <a:xfrm>
             <a:off x="2752588" y="4438393"/>
-            <a:ext cx="1708650" cy="461665"/>
+            <a:ext cx="2194560" cy="461665"/>
           </a:xfrm>
           <a:prstGeom prst="rect">
             <a:avLst/>
@@ -11812,16 +9587,29 @@
               </a:spcBef>
             </a:pPr>
             <a:r>
-              <a:rPr lang="en-US" sz="1200" b="1" spc="-25">
+              <a:rPr lang="es-ES" sz="1200" b="1" dirty="0">
                 <a:solidFill>
                   <a:srgbClr val="020302"/>
                 </a:solidFill>
                 <a:latin typeface="Adobe Clean"/>
                 <a:cs typeface="Adobe Clean"/>
               </a:rPr>
-              <a:t>Value-added Services for AEM as a Cloud Service</a:t>
-            </a:r>
-            <a:endParaRPr lang="en-US" sz="1200">
+              <a:t>Servicios de valor añadido para AEM as a Cloud </a:t>
+            </a:r>
+            <a:r>
+              <a:rPr lang="es-ES" sz="1200" b="1" dirty="0" err="1">
+                <a:solidFill>
+                  <a:srgbClr val="020302"/>
+                </a:solidFill>
+                <a:latin typeface="Adobe Clean"/>
+                <a:cs typeface="Adobe Clean"/>
+              </a:rPr>
+              <a:t>Service</a:t>
+            </a:r>
+            <a:endParaRPr lang="es-ES" sz="1200" b="1" dirty="0">
+              <a:solidFill>
+                <a:srgbClr val="020302"/>
+              </a:solidFill>
               <a:latin typeface="Adobe Clean"/>
               <a:cs typeface="Adobe Clean"/>
             </a:endParaRPr>
@@ -11864,356 +9652,48 @@
               </a:spcBef>
             </a:pPr>
             <a:r>
-              <a:rPr lang="en-US" sz="1200" b="1" spc="-20">
+              <a:rPr lang="es-ES" sz="1200" b="1" dirty="0">
                 <a:solidFill>
                   <a:srgbClr val="020302"/>
                 </a:solidFill>
                 <a:latin typeface="Adobe Clean"/>
                 <a:cs typeface="Adobe Clean"/>
               </a:rPr>
-              <a:t>G</a:t>
-            </a:r>
-            <a:r>
-              <a:rPr lang="en-US" sz="1200" b="1" spc="-15">
+              <a:t>Gobernanza de AEM </a:t>
+            </a:r>
+            <a:br>
+              <a:rPr lang="sk-SK" sz="1200" b="1" dirty="0">
                 <a:solidFill>
                   <a:srgbClr val="020302"/>
                 </a:solidFill>
                 <a:latin typeface="Adobe Clean"/>
                 <a:cs typeface="Adobe Clean"/>
               </a:rPr>
-              <a:t>o</a:t>
-            </a:r>
-            <a:r>
-              <a:rPr lang="en-US" sz="1200" b="1" spc="-25">
+            </a:br>
+            <a:r>
+              <a:rPr lang="es-ES" sz="1200" b="1" dirty="0">
                 <a:solidFill>
                   <a:srgbClr val="020302"/>
                 </a:solidFill>
                 <a:latin typeface="Adobe Clean"/>
                 <a:cs typeface="Adobe Clean"/>
               </a:rPr>
-              <a:t>ve</a:t>
-            </a:r>
-            <a:r>
-              <a:rPr lang="en-US" sz="1200" b="1" spc="-20">
+              <a:t>as a Cloud </a:t>
+            </a:r>
+            <a:r>
+              <a:rPr lang="es-ES" sz="1200" b="1" dirty="0" err="1">
                 <a:solidFill>
                   <a:srgbClr val="020302"/>
                 </a:solidFill>
                 <a:latin typeface="Adobe Clean"/>
                 <a:cs typeface="Adobe Clean"/>
               </a:rPr>
-              <a:t>r</a:t>
-            </a:r>
-            <a:r>
-              <a:rPr lang="en-US" sz="1200" b="1" spc="-25">
-                <a:solidFill>
-                  <a:srgbClr val="020302"/>
-                </a:solidFill>
-                <a:latin typeface="Adobe Clean"/>
-                <a:cs typeface="Adobe Clean"/>
-              </a:rPr>
-              <a:t>n</a:t>
-            </a:r>
-            <a:r>
-              <a:rPr lang="en-US" sz="1200" b="1" spc="-20">
-                <a:solidFill>
-                  <a:srgbClr val="020302"/>
-                </a:solidFill>
-                <a:latin typeface="Adobe Clean"/>
-                <a:cs typeface="Adobe Clean"/>
-              </a:rPr>
-              <a:t>a</a:t>
-            </a:r>
-            <a:r>
-              <a:rPr lang="en-US" sz="1200" b="1" spc="-25">
-                <a:solidFill>
-                  <a:srgbClr val="020302"/>
-                </a:solidFill>
-                <a:latin typeface="Adobe Clean"/>
-                <a:cs typeface="Adobe Clean"/>
-              </a:rPr>
-              <a:t>n</a:t>
-            </a:r>
-            <a:r>
-              <a:rPr lang="en-US" sz="1200" b="1" spc="-30">
-                <a:solidFill>
-                  <a:srgbClr val="020302"/>
-                </a:solidFill>
-                <a:latin typeface="Adobe Clean"/>
-                <a:cs typeface="Adobe Clean"/>
-              </a:rPr>
-              <a:t>c</a:t>
-            </a:r>
-            <a:r>
-              <a:rPr lang="en-US" sz="1200" b="1">
-                <a:solidFill>
-                  <a:srgbClr val="020302"/>
-                </a:solidFill>
-                <a:latin typeface="Adobe Clean"/>
-                <a:cs typeface="Adobe Clean"/>
-              </a:rPr>
-              <a:t>e</a:t>
-            </a:r>
-            <a:r>
-              <a:rPr lang="en-US" sz="1200" b="1" spc="-50">
-                <a:solidFill>
-                  <a:srgbClr val="020302"/>
-                </a:solidFill>
-                <a:latin typeface="Adobe Clean"/>
-                <a:cs typeface="Adobe Clean"/>
-              </a:rPr>
-              <a:t> </a:t>
-            </a:r>
-            <a:r>
-              <a:rPr lang="en-US" sz="1200" b="1" spc="-25">
-                <a:solidFill>
-                  <a:srgbClr val="020302"/>
-                </a:solidFill>
-                <a:latin typeface="Adobe Clean"/>
-                <a:cs typeface="Adobe Clean"/>
-              </a:rPr>
-              <a:t>f</a:t>
-            </a:r>
-            <a:r>
-              <a:rPr lang="en-US" sz="1200" b="1" spc="-15">
-                <a:solidFill>
-                  <a:srgbClr val="020302"/>
-                </a:solidFill>
-                <a:latin typeface="Adobe Clean"/>
-                <a:cs typeface="Adobe Clean"/>
-              </a:rPr>
-              <a:t>o</a:t>
-            </a:r>
-            <a:r>
-              <a:rPr lang="en-US" sz="1200" b="1">
-                <a:solidFill>
-                  <a:srgbClr val="020302"/>
-                </a:solidFill>
-                <a:latin typeface="Adobe Clean"/>
-                <a:cs typeface="Adobe Clean"/>
-              </a:rPr>
-              <a:t>r</a:t>
-            </a:r>
-            <a:r>
-              <a:rPr lang="en-US" sz="1200" b="1" spc="-45">
-                <a:solidFill>
-                  <a:srgbClr val="020302"/>
-                </a:solidFill>
-                <a:latin typeface="Adobe Clean"/>
-                <a:cs typeface="Adobe Clean"/>
-              </a:rPr>
-              <a:t> </a:t>
-            </a:r>
-            <a:r>
-              <a:rPr lang="en-US" sz="1200" b="1" spc="-30">
-                <a:solidFill>
-                  <a:srgbClr val="020302"/>
-                </a:solidFill>
-                <a:latin typeface="Adobe Clean"/>
-                <a:cs typeface="Adobe Clean"/>
-              </a:rPr>
-              <a:t>A</a:t>
-            </a:r>
-            <a:r>
-              <a:rPr lang="en-US" sz="1200" b="1" spc="-25">
-                <a:solidFill>
-                  <a:srgbClr val="020302"/>
-                </a:solidFill>
-                <a:latin typeface="Adobe Clean"/>
-                <a:cs typeface="Adobe Clean"/>
-              </a:rPr>
-              <a:t>E</a:t>
-            </a:r>
-            <a:r>
-              <a:rPr lang="en-US" sz="1200" b="1">
-                <a:solidFill>
-                  <a:srgbClr val="020302"/>
-                </a:solidFill>
-                <a:latin typeface="Adobe Clean"/>
-                <a:cs typeface="Adobe Clean"/>
-              </a:rPr>
-              <a:t>M</a:t>
-            </a:r>
-            <a:r>
-              <a:rPr lang="en-US" sz="1200" b="1" spc="-50">
-                <a:solidFill>
-                  <a:srgbClr val="020302"/>
-                </a:solidFill>
-                <a:latin typeface="Adobe Clean"/>
-                <a:cs typeface="Adobe Clean"/>
-              </a:rPr>
-              <a:t> </a:t>
-            </a:r>
-            <a:r>
-              <a:rPr lang="en-US" sz="1200" b="1" spc="-20">
-                <a:solidFill>
-                  <a:srgbClr val="020302"/>
-                </a:solidFill>
-                <a:latin typeface="Adobe Clean"/>
-                <a:cs typeface="Adobe Clean"/>
-              </a:rPr>
-              <a:t>a</a:t>
-            </a:r>
-            <a:r>
-              <a:rPr lang="en-US" sz="1200" b="1">
-                <a:solidFill>
-                  <a:srgbClr val="020302"/>
-                </a:solidFill>
-                <a:latin typeface="Adobe Clean"/>
-                <a:cs typeface="Adobe Clean"/>
-              </a:rPr>
-              <a:t>s</a:t>
-            </a:r>
-            <a:r>
-              <a:rPr lang="en-US" sz="1200" b="1" spc="-45">
-                <a:solidFill>
-                  <a:srgbClr val="020302"/>
-                </a:solidFill>
-                <a:latin typeface="Adobe Clean"/>
-                <a:cs typeface="Adobe Clean"/>
-              </a:rPr>
-              <a:t> </a:t>
-            </a:r>
-            <a:r>
-              <a:rPr lang="en-US" sz="1200" b="1">
-                <a:solidFill>
-                  <a:srgbClr val="020302"/>
-                </a:solidFill>
-                <a:latin typeface="Adobe Clean"/>
-                <a:cs typeface="Adobe Clean"/>
-              </a:rPr>
-              <a:t>a</a:t>
-            </a:r>
-            <a:r>
-              <a:rPr lang="en-US" sz="1200" b="1" spc="-40">
-                <a:solidFill>
-                  <a:srgbClr val="020302"/>
-                </a:solidFill>
-                <a:latin typeface="Adobe Clean"/>
-                <a:cs typeface="Adobe Clean"/>
-              </a:rPr>
-              <a:t> </a:t>
-            </a:r>
-            <a:r>
-              <a:rPr lang="en-US" sz="1200" b="1" spc="-15">
-                <a:solidFill>
-                  <a:srgbClr val="020302"/>
-                </a:solidFill>
-                <a:latin typeface="Adobe Clean"/>
-                <a:cs typeface="Adobe Clean"/>
-              </a:rPr>
-              <a:t>C</a:t>
-            </a:r>
-            <a:r>
-              <a:rPr lang="en-US" sz="1200" b="1" spc="-25">
-                <a:solidFill>
-                  <a:srgbClr val="020302"/>
-                </a:solidFill>
-                <a:latin typeface="Adobe Clean"/>
-                <a:cs typeface="Adobe Clean"/>
-              </a:rPr>
-              <a:t>l</a:t>
-            </a:r>
-            <a:r>
-              <a:rPr lang="en-US" sz="1200" b="1" spc="-15">
-                <a:solidFill>
-                  <a:srgbClr val="020302"/>
-                </a:solidFill>
-                <a:latin typeface="Adobe Clean"/>
-                <a:cs typeface="Adobe Clean"/>
-              </a:rPr>
-              <a:t>ou</a:t>
-            </a:r>
-            <a:r>
-              <a:rPr lang="en-US" sz="1200" b="1">
-                <a:solidFill>
-                  <a:srgbClr val="020302"/>
-                </a:solidFill>
-                <a:latin typeface="Adobe Clean"/>
-                <a:cs typeface="Adobe Clean"/>
-              </a:rPr>
-              <a:t>d</a:t>
-            </a:r>
-            <a:r>
-              <a:rPr lang="en-US" sz="1200" b="1" spc="-50">
-                <a:solidFill>
-                  <a:srgbClr val="020302"/>
-                </a:solidFill>
-                <a:latin typeface="Adobe Clean"/>
-                <a:cs typeface="Adobe Clean"/>
-              </a:rPr>
-              <a:t> </a:t>
-            </a:r>
-            <a:r>
-              <a:rPr lang="en-US" sz="1200" b="1" spc="-20">
-                <a:solidFill>
-                  <a:srgbClr val="020302"/>
-                </a:solidFill>
-                <a:latin typeface="Adobe Clean"/>
-                <a:cs typeface="Adobe Clean"/>
-              </a:rPr>
-              <a:t>S</a:t>
-            </a:r>
-            <a:r>
-              <a:rPr lang="en-US" sz="1200" b="1" spc="-25">
-                <a:solidFill>
-                  <a:srgbClr val="020302"/>
-                </a:solidFill>
-                <a:latin typeface="Adobe Clean"/>
-                <a:cs typeface="Adobe Clean"/>
-              </a:rPr>
-              <a:t>e</a:t>
-            </a:r>
-            <a:r>
-              <a:rPr lang="en-US" sz="1200" b="1" spc="-20">
-                <a:solidFill>
-                  <a:srgbClr val="020302"/>
-                </a:solidFill>
-                <a:latin typeface="Adobe Clean"/>
-                <a:cs typeface="Adobe Clean"/>
-              </a:rPr>
-              <a:t>r</a:t>
-            </a:r>
-            <a:r>
-              <a:rPr lang="en-US" sz="1200" b="1" spc="-25">
-                <a:solidFill>
-                  <a:srgbClr val="020302"/>
-                </a:solidFill>
-                <a:latin typeface="Adobe Clean"/>
-                <a:cs typeface="Adobe Clean"/>
-              </a:rPr>
-              <a:t>v</a:t>
-            </a:r>
-            <a:r>
-              <a:rPr lang="en-US" sz="1200" b="1" spc="-20">
-                <a:solidFill>
-                  <a:srgbClr val="020302"/>
-                </a:solidFill>
-                <a:latin typeface="Adobe Clean"/>
-                <a:cs typeface="Adobe Clean"/>
-              </a:rPr>
-              <a:t>i</a:t>
-            </a:r>
-            <a:r>
-              <a:rPr lang="en-US" sz="1200" b="1" spc="-30">
-                <a:solidFill>
-                  <a:srgbClr val="020302"/>
-                </a:solidFill>
-                <a:latin typeface="Adobe Clean"/>
-                <a:cs typeface="Adobe Clean"/>
-              </a:rPr>
-              <a:t>c</a:t>
-            </a:r>
-            <a:r>
-              <a:rPr lang="en-US" sz="1200" b="1">
-                <a:solidFill>
-                  <a:srgbClr val="020302"/>
-                </a:solidFill>
-                <a:latin typeface="Adobe Clean"/>
-                <a:cs typeface="Adobe Clean"/>
-              </a:rPr>
-              <a:t>e</a:t>
-            </a:r>
-            <a:endParaRPr lang="en-US" sz="1200">
+              <a:t>Service</a:t>
+            </a:r>
+            <a:endParaRPr lang="es-ES" sz="1200" b="1" dirty="0">
+              <a:solidFill>
+                <a:srgbClr val="020302"/>
+              </a:solidFill>
               <a:latin typeface="Adobe Clean"/>
               <a:cs typeface="Adobe Clean"/>
             </a:endParaRPr>
@@ -12290,7 +9770,7 @@
         </p:blipFill>
         <p:spPr>
           <a:xfrm>
-            <a:off x="2776853" y="2514600"/>
+            <a:off x="2776853" y="2583180"/>
             <a:ext cx="385800" cy="385800"/>
           </a:xfrm>
           <a:prstGeom prst="rect">
@@ -12313,7 +9793,7 @@
         <p:spPr>
           <a:xfrm>
             <a:off x="689237" y="1102554"/>
-            <a:ext cx="1036205" cy="197490"/>
+            <a:ext cx="1246243" cy="197490"/>
           </a:xfrm>
           <a:prstGeom prst="rect">
             <a:avLst/>
@@ -12334,99 +9814,15 @@
               </a:spcBef>
             </a:pPr>
             <a:r>
-              <a:rPr lang="en-US" sz="1200" b="1" spc="-20">
+              <a:rPr lang="es-ES" sz="1200" b="1" dirty="0">
                 <a:solidFill>
                   <a:srgbClr val="020302"/>
                 </a:solidFill>
                 <a:latin typeface="Adobe Clean"/>
                 <a:cs typeface="Adobe Clean"/>
               </a:rPr>
-              <a:t>Cas</a:t>
-            </a:r>
-            <a:r>
-              <a:rPr sz="1200" b="1">
-                <a:solidFill>
-                  <a:srgbClr val="020302"/>
-                </a:solidFill>
-                <a:latin typeface="Adobe Clean"/>
-                <a:cs typeface="Adobe Clean"/>
-              </a:rPr>
-              <a:t>e</a:t>
-            </a:r>
-            <a:r>
-              <a:rPr sz="1200" b="1" spc="-80">
-                <a:solidFill>
-                  <a:srgbClr val="020302"/>
-                </a:solidFill>
-                <a:latin typeface="Adobe Clean"/>
-                <a:cs typeface="Adobe Clean"/>
-              </a:rPr>
-              <a:t> </a:t>
-            </a:r>
-            <a:r>
-              <a:rPr sz="1200" b="1" spc="-20">
-                <a:solidFill>
-                  <a:srgbClr val="020302"/>
-                </a:solidFill>
-                <a:latin typeface="Adobe Clean"/>
-                <a:cs typeface="Adobe Clean"/>
-              </a:rPr>
-              <a:t>R</a:t>
-            </a:r>
-            <a:r>
-              <a:rPr sz="1200" b="1" spc="-25">
-                <a:solidFill>
-                  <a:srgbClr val="020302"/>
-                </a:solidFill>
-                <a:latin typeface="Adobe Clean"/>
-                <a:cs typeface="Adobe Clean"/>
-              </a:rPr>
-              <a:t>e</a:t>
-            </a:r>
-            <a:r>
-              <a:rPr sz="1200" b="1" spc="-30">
-                <a:solidFill>
-                  <a:srgbClr val="020302"/>
-                </a:solidFill>
-                <a:latin typeface="Adobe Clean"/>
-                <a:cs typeface="Adobe Clean"/>
-              </a:rPr>
-              <a:t>v</a:t>
-            </a:r>
-            <a:r>
-              <a:rPr sz="1200" b="1" spc="-20">
-                <a:solidFill>
-                  <a:srgbClr val="020302"/>
-                </a:solidFill>
-                <a:latin typeface="Adobe Clean"/>
-                <a:cs typeface="Adobe Clean"/>
-              </a:rPr>
-              <a:t>i</a:t>
-            </a:r>
-            <a:r>
-              <a:rPr sz="1200" b="1" spc="-25">
-                <a:solidFill>
-                  <a:srgbClr val="020302"/>
-                </a:solidFill>
-                <a:latin typeface="Adobe Clean"/>
-                <a:cs typeface="Adobe Clean"/>
-              </a:rPr>
-              <a:t>ew</a:t>
-            </a:r>
-            <a:r>
-              <a:rPr sz="1200" b="1">
-                <a:solidFill>
-                  <a:srgbClr val="020302"/>
-                </a:solidFill>
-                <a:latin typeface="Adobe Clean"/>
-                <a:cs typeface="Adobe Clean"/>
-              </a:rPr>
-              <a:t>s</a:t>
-            </a:r>
-            <a:endParaRPr sz="1200">
-              <a:latin typeface="Adobe Clean"/>
-              <a:cs typeface="Adobe Clean"/>
-            </a:endParaRPr>
+              <a:t>Reseñas de casos</a:t>
+            </a:r>
           </a:p>
         </p:txBody>
       </p:sp>
@@ -12484,7 +9880,7 @@
         <p:spPr>
           <a:xfrm>
             <a:off x="355868" y="1426046"/>
-            <a:ext cx="2194560" cy="936154"/>
+            <a:ext cx="2311132" cy="1090042"/>
           </a:xfrm>
           <a:prstGeom prst="rect">
             <a:avLst/>
@@ -12505,18 +9901,31 @@
               </a:spcBef>
             </a:pPr>
             <a:r>
-              <a:rPr lang="en-US" sz="1000">
+              <a:rPr lang="es-ES" sz="1000" dirty="0">
                 <a:solidFill>
                   <a:srgbClr val="4B4B4B"/>
                 </a:solidFill>
                 <a:latin typeface="Adobe Clean Light" panose="020B0303020404020204" pitchFamily="34" charset="0"/>
               </a:rPr>
-              <a:t>Regular scheduled review of open support requests, ensuring customer alignment on case description, business impact, status, priority and agreement on next steps required to ensure an expedient resolution.</a:t>
-            </a:r>
-            <a:endParaRPr sz="1000">
-              <a:latin typeface="Adobe Clean Light" panose="020B0303020404020204" pitchFamily="34" charset="0"/>
-              <a:cs typeface="AdobeClean-Light"/>
-            </a:endParaRPr>
+              <a:t>Revisión programada periódica de </a:t>
+            </a:r>
+            <a:br>
+              <a:rPr lang="sk-SK" sz="1000" dirty="0">
+                <a:solidFill>
+                  <a:srgbClr val="4B4B4B"/>
+                </a:solidFill>
+                <a:latin typeface="Adobe Clean Light" panose="020B0303020404020204" pitchFamily="34" charset="0"/>
+              </a:rPr>
+            </a:br>
+            <a:r>
+              <a:rPr lang="es-ES" sz="1000" dirty="0">
+                <a:solidFill>
+                  <a:srgbClr val="4B4B4B"/>
+                </a:solidFill>
+                <a:latin typeface="Adobe Clean Light" panose="020B0303020404020204" pitchFamily="34" charset="0"/>
+              </a:rPr>
+              <a:t>las solicitudes de soporte abiertas, lo que garantiza la alineación del cliente en la descripción de casos, el impacto empresarial, el estado, la prioridad y el acuerdo en cuanto a los siguientes pasos necesarios para garantizar una solución adecuada.</a:t>
+            </a:r>
           </a:p>
         </p:txBody>
       </p:sp>
@@ -12556,19 +9965,15 @@
               </a:spcBef>
             </a:pPr>
             <a:r>
-              <a:rPr lang="en-US" sz="1400" b="1" spc="-10">
+              <a:rPr lang="es-ES" sz="1400" b="1">
                 <a:solidFill>
                   <a:srgbClr val="020302"/>
                 </a:solidFill>
                 <a:latin typeface="Adobe Clean"/>
                 <a:cs typeface="Adobe Clean"/>
               </a:rPr>
-              <a:t>Cloud Support Activities - AEM</a:t>
-            </a:r>
-            <a:endParaRPr lang="en-US" sz="1400">
-              <a:latin typeface="Adobe Clean"/>
-              <a:cs typeface="Adobe Clean"/>
-            </a:endParaRPr>
+              <a:t>Actividades de soporte en la nube - AEM</a:t>
+            </a:r>
           </a:p>
         </p:txBody>
       </p:sp>
@@ -12586,8 +9991,8 @@
         </p:nvSpPr>
         <p:spPr>
           <a:xfrm>
-            <a:off x="214971" y="4310484"/>
-            <a:ext cx="2286000" cy="45719"/>
+            <a:off x="214970" y="4310484"/>
+            <a:ext cx="3046389" cy="53924"/>
           </a:xfrm>
           <a:custGeom>
             <a:avLst/>
@@ -12651,7 +10056,7 @@
         </p:blipFill>
         <p:spPr>
           <a:xfrm>
-            <a:off x="2569142" y="3892352"/>
+            <a:off x="3338762" y="3892352"/>
             <a:ext cx="461665" cy="461665"/>
           </a:xfrm>
           <a:prstGeom prst="rect">
@@ -13447,109 +10852,15 @@
               </a:lnSpc>
             </a:pPr>
             <a:r>
-              <a:rPr sz="800" spc="-10">
+              <a:rPr lang="es-ES" sz="800">
                 <a:solidFill>
                   <a:srgbClr val="6D6D6D"/>
                 </a:solidFill>
                 <a:latin typeface="Adobe Clean"/>
                 <a:cs typeface="Adobe Clean"/>
               </a:rPr>
-              <a:t>©202</a:t>
-            </a:r>
-            <a:r>
-              <a:rPr lang="en-US" sz="800" spc="-10">
-                <a:solidFill>
-                  <a:srgbClr val="6D6D6D"/>
-                </a:solidFill>
-                <a:latin typeface="Adobe Clean"/>
-                <a:cs typeface="Adobe Clean"/>
-              </a:rPr>
-              <a:t>1</a:t>
-            </a:r>
-            <a:r>
-              <a:rPr sz="800" spc="-5">
-                <a:solidFill>
-                  <a:srgbClr val="6D6D6D"/>
-                </a:solidFill>
-                <a:latin typeface="Adobe Clean"/>
-                <a:cs typeface="Adobe Clean"/>
-              </a:rPr>
-              <a:t> Adobe. All</a:t>
-            </a:r>
-            <a:r>
-              <a:rPr sz="800" spc="-15">
-                <a:solidFill>
-                  <a:srgbClr val="6D6D6D"/>
-                </a:solidFill>
-                <a:latin typeface="Adobe Clean"/>
-                <a:cs typeface="Adobe Clean"/>
-              </a:rPr>
-              <a:t> </a:t>
-            </a:r>
-            <a:r>
-              <a:rPr sz="800" spc="-10">
-                <a:solidFill>
-                  <a:srgbClr val="6D6D6D"/>
-                </a:solidFill>
-                <a:latin typeface="Adobe Clean"/>
-                <a:cs typeface="Adobe Clean"/>
-              </a:rPr>
-              <a:t>Rights</a:t>
-            </a:r>
-            <a:r>
-              <a:rPr sz="800" spc="-5">
-                <a:solidFill>
-                  <a:srgbClr val="6D6D6D"/>
-                </a:solidFill>
-                <a:latin typeface="Adobe Clean"/>
-                <a:cs typeface="Adobe Clean"/>
-              </a:rPr>
-              <a:t> </a:t>
-            </a:r>
-            <a:r>
-              <a:rPr sz="800" spc="-10">
-                <a:solidFill>
-                  <a:srgbClr val="6D6D6D"/>
-                </a:solidFill>
-                <a:latin typeface="Adobe Clean"/>
-                <a:cs typeface="Adobe Clean"/>
-              </a:rPr>
-              <a:t>Reserved.</a:t>
-            </a:r>
-            <a:r>
-              <a:rPr sz="800" spc="-5">
-                <a:solidFill>
-                  <a:srgbClr val="6D6D6D"/>
-                </a:solidFill>
-                <a:latin typeface="Adobe Clean"/>
-                <a:cs typeface="Adobe Clean"/>
-              </a:rPr>
-              <a:t> Adobe</a:t>
-            </a:r>
-            <a:r>
-              <a:rPr sz="800" spc="75">
-                <a:solidFill>
-                  <a:srgbClr val="6D6D6D"/>
-                </a:solidFill>
-                <a:latin typeface="Adobe Clean"/>
-                <a:cs typeface="Adobe Clean"/>
-              </a:rPr>
-              <a:t> </a:t>
-            </a:r>
-            <a:r>
-              <a:rPr sz="800" spc="-10">
-                <a:solidFill>
-                  <a:srgbClr val="6D6D6D"/>
-                </a:solidFill>
-                <a:latin typeface="Adobe Clean"/>
-                <a:cs typeface="Adobe Clean"/>
-              </a:rPr>
-              <a:t>Confidential.</a:t>
-            </a:r>
-            <a:endParaRPr sz="800">
-              <a:latin typeface="Adobe Clean"/>
-              <a:cs typeface="Adobe Clean"/>
-            </a:endParaRPr>
+              <a:t>©2021 Adobe. All Rights Reserved. Adobe Confidential.</a:t>
+            </a:r>
           </a:p>
         </p:txBody>
       </p:sp>
@@ -13561,8 +10872,8 @@
         </p:nvSpPr>
         <p:spPr>
           <a:xfrm>
-            <a:off x="4724780" y="914778"/>
-            <a:ext cx="1954230" cy="57597"/>
+            <a:off x="4465700" y="914777"/>
+            <a:ext cx="2493390" cy="91359"/>
           </a:xfrm>
           <a:custGeom>
             <a:avLst/>
@@ -13603,7 +10914,7 @@
         </p:nvSpPr>
         <p:spPr>
           <a:xfrm>
-            <a:off x="4843270" y="589788"/>
+            <a:off x="4416550" y="589788"/>
             <a:ext cx="2588260" cy="228268"/>
           </a:xfrm>
           <a:prstGeom prst="rect">
@@ -13625,179 +10936,15 @@
               </a:spcBef>
             </a:pPr>
             <a:r>
-              <a:rPr sz="1400" b="1" spc="-25">
+              <a:rPr lang="es-ES" sz="1400" b="1" dirty="0">
                 <a:solidFill>
                   <a:srgbClr val="020302"/>
                 </a:solidFill>
                 <a:latin typeface="Adobe Clean"/>
                 <a:cs typeface="Adobe Clean"/>
               </a:rPr>
-              <a:t>Fi</a:t>
-            </a:r>
-            <a:r>
-              <a:rPr sz="1400" b="1" spc="-30">
-                <a:solidFill>
-                  <a:srgbClr val="020302"/>
-                </a:solidFill>
-                <a:latin typeface="Adobe Clean"/>
-                <a:cs typeface="Adobe Clean"/>
-              </a:rPr>
-              <a:t>e</a:t>
-            </a:r>
-            <a:r>
-              <a:rPr sz="1400" b="1" spc="-25">
-                <a:solidFill>
-                  <a:srgbClr val="020302"/>
-                </a:solidFill>
-                <a:latin typeface="Adobe Clean"/>
-                <a:cs typeface="Adobe Clean"/>
-              </a:rPr>
-              <a:t>l</a:t>
-            </a:r>
-            <a:r>
-              <a:rPr sz="1400" b="1">
-                <a:solidFill>
-                  <a:srgbClr val="020302"/>
-                </a:solidFill>
-                <a:latin typeface="Adobe Clean"/>
-                <a:cs typeface="Adobe Clean"/>
-              </a:rPr>
-              <a:t>d</a:t>
-            </a:r>
-            <a:r>
-              <a:rPr sz="1400" b="1" spc="-45">
-                <a:solidFill>
-                  <a:srgbClr val="020302"/>
-                </a:solidFill>
-                <a:latin typeface="Adobe Clean"/>
-                <a:cs typeface="Adobe Clean"/>
-              </a:rPr>
-              <a:t> </a:t>
-            </a:r>
-            <a:r>
-              <a:rPr sz="1400" b="1" spc="20">
-                <a:solidFill>
-                  <a:srgbClr val="020302"/>
-                </a:solidFill>
-                <a:latin typeface="Adobe Clean"/>
-                <a:cs typeface="Adobe Clean"/>
-              </a:rPr>
-              <a:t>S</a:t>
-            </a:r>
-            <a:r>
-              <a:rPr sz="1400" b="1" spc="10">
-                <a:solidFill>
-                  <a:srgbClr val="020302"/>
-                </a:solidFill>
-                <a:latin typeface="Adobe Clean"/>
-                <a:cs typeface="Adobe Clean"/>
-              </a:rPr>
-              <a:t>e</a:t>
-            </a:r>
-            <a:r>
-              <a:rPr sz="1400" b="1" spc="15">
-                <a:solidFill>
-                  <a:srgbClr val="020302"/>
-                </a:solidFill>
-                <a:latin typeface="Adobe Clean"/>
-                <a:cs typeface="Adobe Clean"/>
-              </a:rPr>
-              <a:t>rvi</a:t>
-            </a:r>
-            <a:r>
-              <a:rPr sz="1400" b="1" spc="10">
-                <a:solidFill>
-                  <a:srgbClr val="020302"/>
-                </a:solidFill>
-                <a:latin typeface="Adobe Clean"/>
-                <a:cs typeface="Adobe Clean"/>
-              </a:rPr>
-              <a:t>c</a:t>
-            </a:r>
-            <a:r>
-              <a:rPr sz="1400" b="1">
-                <a:solidFill>
-                  <a:srgbClr val="020302"/>
-                </a:solidFill>
-                <a:latin typeface="Adobe Clean"/>
-                <a:cs typeface="Adobe Clean"/>
-              </a:rPr>
-              <a:t>e</a:t>
-            </a:r>
-            <a:r>
-              <a:rPr sz="1400" b="1" spc="-190">
-                <a:solidFill>
-                  <a:srgbClr val="020302"/>
-                </a:solidFill>
-                <a:latin typeface="Adobe Clean"/>
-                <a:cs typeface="Adobe Clean"/>
-              </a:rPr>
-              <a:t> </a:t>
-            </a:r>
-            <a:r>
-              <a:rPr sz="1400" b="1" spc="5">
-                <a:solidFill>
-                  <a:srgbClr val="020302"/>
-                </a:solidFill>
-                <a:latin typeface="Adobe Clean"/>
-                <a:cs typeface="Adobe Clean"/>
-              </a:rPr>
-              <a:t>A</a:t>
-            </a:r>
-            <a:r>
-              <a:rPr sz="1400" b="1">
-                <a:solidFill>
-                  <a:srgbClr val="020302"/>
-                </a:solidFill>
-                <a:latin typeface="Adobe Clean"/>
-                <a:cs typeface="Adobe Clean"/>
-              </a:rPr>
-              <a:t>ct</a:t>
-            </a:r>
-            <a:r>
-              <a:rPr sz="1400" b="1" spc="5">
-                <a:solidFill>
-                  <a:srgbClr val="020302"/>
-                </a:solidFill>
-                <a:latin typeface="Adobe Clean"/>
-                <a:cs typeface="Adobe Clean"/>
-              </a:rPr>
-              <a:t>ivi</a:t>
-            </a:r>
-            <a:r>
-              <a:rPr sz="1400" b="1">
-                <a:solidFill>
-                  <a:srgbClr val="020302"/>
-                </a:solidFill>
-                <a:latin typeface="Adobe Clean"/>
-                <a:cs typeface="Adobe Clean"/>
-              </a:rPr>
-              <a:t>t</a:t>
-            </a:r>
-            <a:r>
-              <a:rPr sz="1400" b="1" spc="5">
-                <a:solidFill>
-                  <a:srgbClr val="020302"/>
-                </a:solidFill>
-                <a:latin typeface="Adobe Clean"/>
-                <a:cs typeface="Adobe Clean"/>
-              </a:rPr>
-              <a:t>i</a:t>
-            </a:r>
-            <a:r>
-              <a:rPr sz="1400" b="1">
-                <a:solidFill>
-                  <a:srgbClr val="020302"/>
-                </a:solidFill>
-                <a:latin typeface="Adobe Clean"/>
-                <a:cs typeface="Adobe Clean"/>
-              </a:rPr>
-              <a:t>es</a:t>
-            </a:r>
-            <a:endParaRPr sz="1400">
-              <a:latin typeface="Adobe Clean"/>
-              <a:cs typeface="Adobe Clean"/>
-            </a:endParaRPr>
+              <a:t>Actividades del servicio de campo</a:t>
+            </a:r>
           </a:p>
         </p:txBody>
       </p:sp>
@@ -13831,99 +10978,15 @@
               </a:spcBef>
             </a:pPr>
             <a:r>
-              <a:rPr sz="1400" b="1" spc="-20">
+              <a:rPr lang="es-ES" sz="1400" b="1">
                 <a:solidFill>
                   <a:srgbClr val="020302"/>
                 </a:solidFill>
                 <a:latin typeface="Adobe Clean"/>
                 <a:cs typeface="Adobe Clean"/>
               </a:rPr>
-              <a:t>L</a:t>
-            </a:r>
-            <a:r>
-              <a:rPr sz="1400" b="1" spc="-10">
-                <a:solidFill>
-                  <a:srgbClr val="020302"/>
-                </a:solidFill>
-                <a:latin typeface="Adobe Clean"/>
-                <a:cs typeface="Adobe Clean"/>
-              </a:rPr>
-              <a:t>a</a:t>
-            </a:r>
-            <a:r>
-              <a:rPr sz="1400" b="1" spc="-15">
-                <a:solidFill>
-                  <a:srgbClr val="020302"/>
-                </a:solidFill>
-                <a:latin typeface="Adobe Clean"/>
-                <a:cs typeface="Adobe Clean"/>
-              </a:rPr>
-              <a:t>un</a:t>
-            </a:r>
-            <a:r>
-              <a:rPr sz="1400" b="1" spc="-20">
-                <a:solidFill>
-                  <a:srgbClr val="020302"/>
-                </a:solidFill>
-                <a:latin typeface="Adobe Clean"/>
-                <a:cs typeface="Adobe Clean"/>
-              </a:rPr>
-              <a:t>c</a:t>
-            </a:r>
-            <a:r>
-              <a:rPr sz="1400" b="1">
-                <a:solidFill>
-                  <a:srgbClr val="020302"/>
-                </a:solidFill>
-                <a:latin typeface="Adobe Clean"/>
-                <a:cs typeface="Adobe Clean"/>
-              </a:rPr>
-              <a:t>h</a:t>
-            </a:r>
-            <a:r>
-              <a:rPr sz="1400" b="1" spc="-30">
-                <a:solidFill>
-                  <a:srgbClr val="020302"/>
-                </a:solidFill>
-                <a:latin typeface="Adobe Clean"/>
-                <a:cs typeface="Adobe Clean"/>
-              </a:rPr>
-              <a:t> </a:t>
-            </a:r>
-            <a:r>
-              <a:rPr sz="1400" b="1" spc="-10">
-                <a:solidFill>
-                  <a:srgbClr val="020302"/>
-                </a:solidFill>
-                <a:latin typeface="Adobe Clean"/>
-                <a:cs typeface="Adobe Clean"/>
-              </a:rPr>
-              <a:t>Advisor</a:t>
-            </a:r>
-            <a:r>
-              <a:rPr sz="1400" b="1">
-                <a:solidFill>
-                  <a:srgbClr val="020302"/>
-                </a:solidFill>
-                <a:latin typeface="Adobe Clean"/>
-                <a:cs typeface="Adobe Clean"/>
-              </a:rPr>
-              <a:t>y</a:t>
-            </a:r>
-            <a:r>
-              <a:rPr sz="1400" b="1" spc="-60">
-                <a:solidFill>
-                  <a:srgbClr val="020302"/>
-                </a:solidFill>
-                <a:latin typeface="Adobe Clean"/>
-                <a:cs typeface="Adobe Clean"/>
-              </a:rPr>
-              <a:t> </a:t>
-            </a:r>
-            <a:endParaRPr sz="1400">
-              <a:latin typeface="Adobe Clean"/>
-              <a:cs typeface="Adobe Clean"/>
-            </a:endParaRPr>
+              <a:t>Launch Advisory </a:t>
+            </a:r>
           </a:p>
         </p:txBody>
       </p:sp>
@@ -13954,47 +11017,27 @@
               </a:spcBef>
             </a:pPr>
             <a:r>
-              <a:rPr lang="en-US" sz="1000">
+              <a:rPr lang="es-ES" sz="1000">
                 <a:solidFill>
                   <a:srgbClr val="1F1F1F"/>
                 </a:solidFill>
                 <a:latin typeface="AdobeClean-Light"/>
                 <a:cs typeface="AdobeClean-Light"/>
               </a:rPr>
-              <a:t>For customers </a:t>
-            </a:r>
-            <a:r>
-              <a:rPr sz="1000">
-                <a:solidFill>
-                  <a:srgbClr val="1F1F1F"/>
-                </a:solidFill>
-                <a:latin typeface="AdobeClean-Light"/>
-                <a:cs typeface="AdobeClean-Light"/>
-              </a:rPr>
-              <a:t>implementing a </a:t>
-            </a:r>
-            <a:r>
-              <a:rPr sz="1000" b="1">
+              <a:t>Para los clientes que implementan una </a:t>
+            </a:r>
+            <a:r>
+              <a:rPr lang="es-ES" sz="1000" b="1">
                 <a:solidFill>
                   <a:srgbClr val="1F1F1F"/>
                 </a:solidFill>
                 <a:latin typeface="Adobe Clean"/>
                 <a:cs typeface="Adobe Clean"/>
               </a:rPr>
-              <a:t>new Adobe Experience Cloud solution</a:t>
-            </a:r>
-            <a:r>
-              <a:rPr lang="en-US" sz="1000" b="1">
-                <a:solidFill>
-                  <a:srgbClr val="1F1F1F"/>
-                </a:solidFill>
-                <a:latin typeface="Adobe Clean"/>
-                <a:cs typeface="Adobe Clean"/>
-              </a:rPr>
-              <a:t>, </a:t>
-            </a:r>
-            <a:r>
-              <a:rPr lang="en-US" sz="1000">
+              <a:t>nueva solución de Adobe Experience Cloud, </a:t>
+            </a:r>
+            <a:r>
+              <a:rPr lang="es-ES" sz="1000">
                 <a:latin typeface="Adobe Clean Light" charset="0"/>
                 <a:ea typeface="Adobe Clean Light" charset="0"/>
                 <a:cs typeface="Adobe Clean Light" charset="0"/>
@@ -14002,58 +11045,60 @@
               <a:t>Launch Advisory </a:t>
             </a:r>
             <a:r>
-              <a:rPr lang="en-US" sz="1000">
+              <a:rPr lang="es-ES" sz="1000">
                 <a:solidFill>
                   <a:srgbClr val="000000"/>
                 </a:solidFill>
                 <a:latin typeface="Adobe Clean SemiLight" panose="020B0403020404020204" pitchFamily="34" charset="0"/>
               </a:rPr>
-              <a:t>is a </a:t>
-            </a:r>
-            <a:r>
-              <a:rPr lang="en-US" sz="1000" b="1">
+              <a:t>es un </a:t>
+            </a:r>
+            <a:r>
+              <a:rPr lang="es-ES" sz="1000" b="1">
                 <a:solidFill>
                   <a:srgbClr val="000000"/>
                 </a:solidFill>
                 <a:latin typeface="Adobe Clean SemiLight" panose="020B0403020404020204" pitchFamily="34" charset="0"/>
               </a:rPr>
-              <a:t>core set of advisory services </a:t>
-            </a:r>
-            <a:r>
-              <a:rPr lang="en-US" sz="1000">
+              <a:t>conjunto clave de servicios de asesoría </a:t>
+            </a:r>
+            <a:r>
+              <a:rPr lang="es-ES" sz="1000">
                 <a:latin typeface="Adobe Clean Light" charset="0"/>
                 <a:ea typeface="Adobe Clean Light" charset="0"/>
                 <a:cs typeface="Adobe Clean Light" charset="0"/>
               </a:rPr>
-              <a:t>and recommendations that </a:t>
-            </a:r>
-            <a:r>
-              <a:rPr lang="en-US" sz="1000">
+              <a:t>y recomendaciones para </a:t>
+            </a:r>
+            <a:r>
+              <a:rPr lang="es-ES" sz="1000" b="1">
                 <a:latin typeface="Adobe Clean Light" charset="0"/>
-              </a:rPr>
-              <a:t>are proven to </a:t>
-            </a:r>
-            <a:r>
-              <a:rPr lang="en-US" sz="1000" b="1">
+                <a:ea typeface="Adobe Clean Light" charset="0"/>
+                <a:cs typeface="Adobe Clean Light" charset="0"/>
+              </a:rPr>
+              <a:t>conseguir implementaciones adecuadas</a:t>
+            </a:r>
+            <a:r>
+              <a:rPr lang="es-ES" sz="1000">
                 <a:latin typeface="Adobe Clean Light" charset="0"/>
-              </a:rPr>
-              <a:t>support successful deployments </a:t>
-            </a:r>
-            <a:r>
-              <a:rPr lang="en-US" sz="1000">
+                <a:ea typeface="Adobe Clean Light" charset="0"/>
+                <a:cs typeface="Adobe Clean Light" charset="0"/>
+              </a:rPr>
+              <a:t>y </a:t>
+            </a:r>
+            <a:r>
+              <a:rPr lang="es-ES" sz="1000" b="1">
                 <a:latin typeface="Adobe Clean Light" charset="0"/>
-              </a:rPr>
-              <a:t>and </a:t>
-            </a:r>
-            <a:r>
-              <a:rPr lang="en-US" sz="1000" b="1">
+                <a:ea typeface="Adobe Clean Light" charset="0"/>
+                <a:cs typeface="Adobe Clean Light" charset="0"/>
+              </a:rPr>
+              <a:t>agilizan la obtención de rentabilidad</a:t>
+            </a:r>
+            <a:r>
+              <a:rPr lang="es-ES" sz="1000">
                 <a:latin typeface="Adobe Clean Light" charset="0"/>
-              </a:rPr>
-              <a:t>accelerate time-to-value</a:t>
-            </a:r>
-            <a:r>
-              <a:rPr lang="en-US" sz="1000">
-                <a:latin typeface="Adobe Clean Light" charset="0"/>
+                <a:ea typeface="Adobe Clean Light" charset="0"/>
+                <a:cs typeface="Adobe Clean Light" charset="0"/>
               </a:rPr>
               <a:t>.</a:t>
             </a:r>
@@ -14096,7 +11141,7 @@
         <p:spPr>
           <a:xfrm>
             <a:off x="3965471" y="1228675"/>
-            <a:ext cx="3603474" cy="859210"/>
+            <a:ext cx="3603474" cy="1013098"/>
           </a:xfrm>
           <a:prstGeom prst="rect">
             <a:avLst/>
@@ -14114,75 +11159,129 @@
               </a:spcBef>
             </a:pPr>
             <a:r>
-              <a:rPr lang="en-US" sz="1000">
+              <a:rPr lang="es-ES" sz="1000" dirty="0">
                 <a:solidFill>
                   <a:srgbClr val="4B4B4B"/>
                 </a:solidFill>
                 <a:latin typeface="Adobe Clean Light" panose="020B0303020404020204" pitchFamily="34" charset="0"/>
               </a:rPr>
-              <a:t>Field Services are used for </a:t>
-            </a:r>
-            <a:r>
-              <a:rPr lang="en-US" sz="1000" b="1">
+              <a:t>Los servicios de campo se utilizan para</a:t>
+            </a:r>
+            <a:r>
+              <a:rPr lang="es-ES" sz="1000" b="1" dirty="0">
                 <a:solidFill>
                   <a:srgbClr val="4B4B4B"/>
                 </a:solidFill>
                 <a:latin typeface="Adobe Clean" panose="020B0503020404020204" pitchFamily="34" charset="0"/>
               </a:rPr>
-              <a:t>quick resolution</a:t>
-            </a:r>
-            <a:r>
-              <a:rPr lang="en-US" sz="1000">
+              <a:t> fines de resolución rápida</a:t>
+            </a:r>
+            <a:r>
+              <a:rPr lang="es-ES" sz="1000" dirty="0">
                 <a:solidFill>
                   <a:srgbClr val="4B4B4B"/>
                 </a:solidFill>
                 <a:latin typeface="Adobe Clean Light" panose="020B0303020404020204" pitchFamily="34" charset="0"/>
               </a:rPr>
-              <a:t>, focused customer success and accelerated</a:t>
-            </a:r>
-            <a:r>
-              <a:rPr lang="en-US" sz="1000" b="1">
+              <a:t>, éxito centrado en el cliente y</a:t>
+            </a:r>
+            <a:r>
+              <a:rPr lang="es-ES" sz="1000" dirty="0">
                 <a:solidFill>
                   <a:srgbClr val="4B4B4B"/>
                 </a:solidFill>
+              </a:rPr>
+              <a:t> </a:t>
+            </a:r>
+            <a:r>
+              <a:rPr lang="es-ES" sz="1000" b="1" dirty="0">
+                <a:solidFill>
+                  <a:srgbClr val="4B4B4B"/>
+                </a:solidFill>
                 <a:latin typeface="Adobe Clean" panose="020B0503020404020204" pitchFamily="34" charset="0"/>
               </a:rPr>
-              <a:t> time-to-value</a:t>
-            </a:r>
-            <a:r>
-              <a:rPr lang="en-US" sz="1000">
+              <a:t>una obtención de rentabilidad más rápida</a:t>
+            </a:r>
+            <a:r>
+              <a:rPr lang="es-ES" sz="1000" dirty="0">
                 <a:solidFill>
                   <a:srgbClr val="4B4B4B"/>
                 </a:solidFill>
                 <a:latin typeface="Adobe Clean Light" panose="020B0303020404020204" pitchFamily="34" charset="0"/>
               </a:rPr>
-              <a:t>. If Launch advisory is active there will be </a:t>
-            </a:r>
-            <a:r>
-              <a:rPr lang="en-US" sz="1000" b="1">
+              <a:t>. Si </a:t>
+            </a:r>
+            <a:r>
+              <a:rPr lang="es-ES" sz="1000" dirty="0" err="1">
                 <a:solidFill>
                   <a:srgbClr val="4B4B4B"/>
                 </a:solidFill>
+                <a:latin typeface="Adobe Clean Light" panose="020B0303020404020204" pitchFamily="34" charset="0"/>
+              </a:rPr>
+              <a:t>Launch</a:t>
+            </a:r>
+            <a:r>
+              <a:rPr lang="es-ES" sz="1000" dirty="0">
+                <a:solidFill>
+                  <a:srgbClr val="4B4B4B"/>
+                </a:solidFill>
+                <a:latin typeface="Adobe Clean Light" panose="020B0303020404020204" pitchFamily="34" charset="0"/>
+              </a:rPr>
+              <a:t> </a:t>
+            </a:r>
+            <a:r>
+              <a:rPr lang="es-ES" sz="1000" dirty="0" err="1">
+                <a:solidFill>
+                  <a:srgbClr val="4B4B4B"/>
+                </a:solidFill>
+                <a:latin typeface="Adobe Clean Light" panose="020B0303020404020204" pitchFamily="34" charset="0"/>
+              </a:rPr>
+              <a:t>Advisory</a:t>
+            </a:r>
+            <a:r>
+              <a:rPr lang="es-ES" sz="1000" dirty="0">
+                <a:solidFill>
+                  <a:srgbClr val="4B4B4B"/>
+                </a:solidFill>
+                <a:latin typeface="Adobe Clean Light" panose="020B0303020404020204" pitchFamily="34" charset="0"/>
+              </a:rPr>
+              <a:t> está activado,</a:t>
+            </a:r>
+            <a:r>
+              <a:rPr lang="es-ES" sz="1000" b="1" dirty="0">
+                <a:solidFill>
+                  <a:srgbClr val="4B4B4B"/>
+                </a:solidFill>
                 <a:latin typeface="Adobe Clean" panose="020B0503020404020204" pitchFamily="34" charset="0"/>
               </a:rPr>
-              <a:t>no Field Services in year 1 </a:t>
-            </a:r>
-            <a:r>
-              <a:rPr lang="en-US" sz="1000">
+              <a:t> no habrá ningún servicio </a:t>
+            </a:r>
+            <a:br>
+              <a:rPr lang="sk-SK" sz="1000" b="1" dirty="0">
                 <a:solidFill>
                   <a:srgbClr val="4B4B4B"/>
                 </a:solidFill>
+                <a:latin typeface="Adobe Clean" panose="020B0503020404020204" pitchFamily="34" charset="0"/>
+              </a:rPr>
+            </a:br>
+            <a:r>
+              <a:rPr lang="es-ES" sz="1000" b="1" dirty="0">
+                <a:solidFill>
+                  <a:srgbClr val="4B4B4B"/>
+                </a:solidFill>
+                <a:latin typeface="Adobe Clean" panose="020B0503020404020204" pitchFamily="34" charset="0"/>
+              </a:rPr>
+              <a:t>de campo en el año 1</a:t>
+            </a:r>
+            <a:r>
+              <a:rPr lang="es-ES" sz="1000" dirty="0">
+                <a:solidFill>
+                  <a:srgbClr val="4B4B4B"/>
+                </a:solidFill>
                 <a:latin typeface="Adobe Clean Light" panose="020B0303020404020204" pitchFamily="34" charset="0"/>
               </a:rPr>
-              <a:t>for any solution product covered by an Adobe Support contract. </a:t>
-            </a:r>
-            <a:endParaRPr lang="en-US" sz="1000">
-              <a:solidFill>
-                <a:srgbClr val="1F1F1F"/>
-              </a:solidFill>
-              <a:latin typeface="Adobe Clean Light" panose="020B0303020404020204" pitchFamily="34" charset="0"/>
-              <a:cs typeface="Adobe Clean"/>
-            </a:endParaRPr>
+              <a:t> para ningún producto de solución cubierto por un contrato de soporte de Adobe. </a:t>
+            </a:r>
           </a:p>
           <a:p>
             <a:pPr marL="24130" marR="5080">
@@ -14190,7 +11289,7 @@
                 <a:spcPts val="600"/>
               </a:spcBef>
             </a:pPr>
-            <a:endParaRPr lang="en-US" sz="1000" b="1">
+            <a:endParaRPr lang="en-US" sz="1000" b="1" dirty="0">
               <a:solidFill>
                 <a:srgbClr val="1F1F1F"/>
               </a:solidFill>
@@ -14358,8 +11457,8 @@
         </p:nvSpPr>
         <p:spPr>
           <a:xfrm>
-            <a:off x="172087" y="3867961"/>
-            <a:ext cx="3525469" cy="2336537"/>
+            <a:off x="172087" y="3517441"/>
+            <a:ext cx="3525469" cy="2798202"/>
           </a:xfrm>
           <a:prstGeom prst="rect">
             <a:avLst/>
@@ -14377,37 +11476,75 @@
               </a:spcBef>
             </a:pPr>
             <a:r>
-              <a:rPr lang="en-US" sz="1000">
+              <a:rPr lang="es-ES" sz="1000" dirty="0">
                 <a:latin typeface="Adobe Clean Light" charset="0"/>
               </a:rPr>
-              <a:t>Adobe solution experts help validate requirements, architecture, development process, and launch readiness reviews </a:t>
-            </a:r>
-            <a:r>
-              <a:rPr lang="en-US" sz="1000">
+              <a:t>Los expertos en soluciones de Adobe ayudan a validar los requisitos, la arquitectura, el proceso de desarrollo y las revisiones de la preparación de los lanzamientos</a:t>
+            </a:r>
+            <a:r>
+              <a:rPr lang="es-ES" sz="1000" dirty="0"/>
+              <a:t> </a:t>
+            </a:r>
+            <a:r>
+              <a:rPr lang="es-ES" sz="1000" dirty="0">
                 <a:solidFill>
                   <a:srgbClr val="000000"/>
                 </a:solidFill>
                 <a:latin typeface="Adobe Clean SemiLight" panose="020B0403020404020204" pitchFamily="34" charset="0"/>
               </a:rPr>
-              <a:t>with </a:t>
-            </a:r>
-            <a:r>
-              <a:rPr lang="en-US" sz="1000" b="1">
+              <a:t>con </a:t>
+            </a:r>
+            <a:r>
+              <a:rPr lang="es-ES" sz="1000" b="1" dirty="0">
                 <a:solidFill>
                   <a:srgbClr val="000000"/>
                 </a:solidFill>
                 <a:latin typeface="Adobe Clean SemiLight" panose="020B0403020404020204" pitchFamily="34" charset="0"/>
               </a:rPr>
-              <a:t>best practice-based guidance </a:t>
-            </a:r>
-            <a:r>
-              <a:rPr lang="en-US" sz="1000">
+              <a:t>directrices basadas </a:t>
+            </a:r>
+            <a:br>
+              <a:rPr lang="sk-SK" sz="1000" b="1" dirty="0">
                 <a:solidFill>
                   <a:srgbClr val="000000"/>
                 </a:solidFill>
                 <a:latin typeface="Adobe Clean SemiLight" panose="020B0403020404020204" pitchFamily="34" charset="0"/>
               </a:rPr>
-              <a:t>to customers and implementation partners.</a:t>
+            </a:br>
+            <a:r>
+              <a:rPr lang="es-ES" sz="1000" b="1" dirty="0">
+                <a:solidFill>
+                  <a:srgbClr val="000000"/>
+                </a:solidFill>
+                <a:latin typeface="Adobe Clean SemiLight" panose="020B0403020404020204" pitchFamily="34" charset="0"/>
+              </a:rPr>
+              <a:t>en las prácticas recomendadas</a:t>
+            </a:r>
+            <a:r>
+              <a:rPr lang="es-ES" sz="1000" dirty="0">
+                <a:solidFill>
+                  <a:srgbClr val="000000"/>
+                </a:solidFill>
+                <a:latin typeface="Adobe Clean SemiLight" panose="020B0403020404020204" pitchFamily="34" charset="0"/>
+              </a:rPr>
+              <a:t> para los clientes y los socios </a:t>
+            </a:r>
+            <a:br>
+              <a:rPr lang="sk-SK" sz="1000" dirty="0">
+                <a:solidFill>
+                  <a:srgbClr val="000000"/>
+                </a:solidFill>
+                <a:latin typeface="Adobe Clean SemiLight" panose="020B0403020404020204" pitchFamily="34" charset="0"/>
+              </a:rPr>
+            </a:br>
+            <a:r>
+              <a:rPr lang="es-ES" sz="1000" dirty="0">
+                <a:solidFill>
+                  <a:srgbClr val="000000"/>
+                </a:solidFill>
+                <a:latin typeface="Adobe Clean SemiLight" panose="020B0403020404020204" pitchFamily="34" charset="0"/>
+              </a:rPr>
+              <a:t>de implementación.</a:t>
             </a:r>
           </a:p>
           <a:p>
@@ -14416,7 +11553,7 @@
                 <a:spcPts val="100"/>
               </a:spcBef>
             </a:pPr>
-            <a:endParaRPr lang="en-US" sz="1000">
+            <a:endParaRPr lang="en-US" sz="1000" dirty="0">
               <a:solidFill>
                 <a:srgbClr val="1F1F1F"/>
               </a:solidFill>
@@ -14431,22 +11568,62 @@
               </a:spcBef>
             </a:pPr>
             <a:r>
-              <a:rPr lang="en-US" sz="1000">
+              <a:rPr lang="es-ES" sz="1000" dirty="0" err="1">
                 <a:latin typeface="Adobe Clean Light" charset="0"/>
               </a:rPr>
-              <a:t>Launch Advisory will align with your project schedule through common milestones (</a:t>
-            </a:r>
-            <a:r>
-              <a:rPr lang="en-US" sz="1000" b="1">
+              <a:t>Launch</a:t>
+            </a:r>
+            <a:r>
+              <a:rPr lang="es-ES" sz="1000" dirty="0">
                 <a:latin typeface="Adobe Clean Light" charset="0"/>
               </a:rPr>
-              <a:t>Kickoff, Define, Design, Go-live and Post Launch</a:t>
-            </a:r>
-            <a:r>
-              <a:rPr lang="en-US" sz="1000">
+              <a:t> </a:t>
+            </a:r>
+            <a:r>
+              <a:rPr lang="es-ES" sz="1000" dirty="0" err="1">
                 <a:latin typeface="Adobe Clean Light" charset="0"/>
               </a:rPr>
-              <a:t>) to guide, validate, assess and make recommendations.</a:t>
+              <a:t>Advisory</a:t>
+            </a:r>
+            <a:r>
+              <a:rPr lang="es-ES" sz="1000" dirty="0">
+                <a:latin typeface="Adobe Clean Light" charset="0"/>
+              </a:rPr>
+              <a:t> se alineará con la programación de su proyecto </a:t>
+            </a:r>
+            <a:br>
+              <a:rPr lang="sk-SK" sz="1000" dirty="0">
+                <a:latin typeface="Adobe Clean Light" charset="0"/>
+              </a:rPr>
+            </a:br>
+            <a:r>
+              <a:rPr lang="es-ES" sz="1000" dirty="0">
+                <a:latin typeface="Adobe Clean Light" charset="0"/>
+              </a:rPr>
+              <a:t>a través de hitos comunes (</a:t>
+            </a:r>
+            <a:r>
+              <a:rPr lang="es-ES" sz="1000" b="1" dirty="0">
+                <a:latin typeface="Adobe Clean Light" charset="0"/>
+              </a:rPr>
+              <a:t>Empezar, Definir, Diseñar, Puesta </a:t>
+            </a:r>
+            <a:br>
+              <a:rPr lang="sk-SK" sz="1000" b="1" dirty="0">
+                <a:latin typeface="Adobe Clean Light" charset="0"/>
+              </a:rPr>
+            </a:br>
+            <a:r>
+              <a:rPr lang="es-ES" sz="1000" b="1" dirty="0">
+                <a:latin typeface="Adobe Clean Light" charset="0"/>
+              </a:rPr>
+              <a:t>en marcha y Después del lanzamiento</a:t>
+            </a:r>
+            <a:r>
+              <a:rPr lang="es-ES" sz="1000" dirty="0">
+                <a:latin typeface="Adobe Clean Light" charset="0"/>
+              </a:rPr>
+              <a:t>) para guiar, validar, evaluar y hacer recomendaciones.</a:t>
             </a:r>
           </a:p>
           <a:p>
@@ -14455,7 +11632,7 @@
                 <a:spcPts val="100"/>
               </a:spcBef>
             </a:pPr>
-            <a:endParaRPr lang="en-US" sz="1000">
+            <a:endParaRPr lang="en-US" sz="1000" dirty="0">
               <a:latin typeface="Adobe Clean Light" charset="0"/>
             </a:endParaRPr>
           </a:p>
@@ -14466,10 +11643,10 @@
               </a:spcBef>
             </a:pPr>
             <a:r>
-              <a:rPr lang="en-US" sz="1000">
+              <a:rPr lang="es-ES" sz="1000" dirty="0">
                 <a:latin typeface="Adobe Clean Light" charset="0"/>
               </a:rPr>
-              <a:t>Key Deliverables include:</a:t>
+              <a:t>Entre los entregables clave se incluyen:</a:t>
             </a:r>
           </a:p>
           <a:p>
@@ -14481,8 +11658,15 @@
               <a:buChar char="•"/>
             </a:pPr>
             <a:r>
-              <a:rPr lang="en-US" sz="1000"/>
-              <a:t>Kickoff (including project collaboration plan) deck</a:t>
+              <a:rPr lang="es-ES" sz="1000" dirty="0"/>
+              <a:t>Plan de lanzamiento (incluido el plan de colaboración </a:t>
+            </a:r>
+            <a:br>
+              <a:rPr lang="sk-SK" sz="1000" dirty="0"/>
+            </a:br>
+            <a:r>
+              <a:rPr lang="es-ES" sz="1000" dirty="0"/>
+              <a:t>del proyecto)</a:t>
             </a:r>
           </a:p>
           <a:p>
@@ -14494,8 +11678,8 @@
               <a:buChar char="•"/>
             </a:pPr>
             <a:r>
-              <a:rPr lang="en-US" sz="1000"/>
-              <a:t>Assessment &amp; recommendations document(s)</a:t>
+              <a:rPr lang="es-ES" sz="1000" dirty="0"/>
+              <a:t>Documentos de evaluación y recomendaciones</a:t>
             </a:r>
           </a:p>
           <a:p>
@@ -14507,8 +11691,8 @@
               <a:buChar char="•"/>
             </a:pPr>
             <a:r>
-              <a:rPr lang="en-US" sz="1000"/>
-              <a:t>Engagement summary</a:t>
+              <a:rPr lang="es-ES" sz="1000" dirty="0"/>
+              <a:t>Resumen de la participación</a:t>
             </a:r>
           </a:p>
         </p:txBody>
@@ -14612,8 +11796,8 @@
           <a:p>
             <a:pPr algn="ctr"/>
             <a:r>
-              <a:rPr lang="en-US" sz="1600"/>
-              <a:t>Run &amp; Operate</a:t>
+              <a:rPr lang="es-ES" sz="1600"/>
+              <a:t>Ejecutar y operar</a:t>
             </a:r>
           </a:p>
         </p:txBody>
@@ -14718,8 +11902,8 @@
           <a:p>
             <a:pPr algn="ctr"/>
             <a:r>
-              <a:rPr lang="en-US" sz="1600"/>
-              <a:t>Implementation</a:t>
+              <a:rPr lang="es-ES" sz="1600"/>
+              <a:t>Implementación</a:t>
             </a:r>
           </a:p>
         </p:txBody>
@@ -14738,7 +11922,7 @@
         </p:nvSpPr>
         <p:spPr>
           <a:xfrm>
-            <a:off x="2918286" y="2317134"/>
+            <a:off x="2918286" y="2157114"/>
             <a:ext cx="933111" cy="261610"/>
           </a:xfrm>
           <a:prstGeom prst="rect">
@@ -14754,8 +11938,8 @@
           <a:p>
             <a:pPr algn="ctr"/>
             <a:r>
-              <a:rPr lang="en-US" sz="1100"/>
-              <a:t>Post Launch</a:t>
+              <a:rPr lang="es-ES" sz="1100" dirty="0"/>
+              <a:t>Después del lanzamiento</a:t>
             </a:r>
           </a:p>
         </p:txBody>
@@ -14775,15 +11959,20 @@
           <p:nvPr/>
         </p:nvPicPr>
         <p:blipFill>
-          <a:blip r:embed="rId4"/>
-          <a:stretch>
-            <a:fillRect/>
-          </a:stretch>
+          <a:blip r:embed="rId4">
+            <a:extLst>
+              <a:ext uri="{28A0092B-C50C-407E-A947-70E740481C1C}">
+                <a14:useLocalDpi xmlns:a14="http://schemas.microsoft.com/office/drawing/2010/main" val="0"/>
+              </a:ext>
+            </a:extLst>
+          </a:blip>
+          <a:srcRect/>
+          <a:stretch/>
         </p:blipFill>
         <p:spPr>
           <a:xfrm>
-            <a:off x="333965" y="6379881"/>
-            <a:ext cx="3097872" cy="2855621"/>
+            <a:off x="334498" y="6379881"/>
+            <a:ext cx="3096805" cy="2855621"/>
           </a:xfrm>
           <a:prstGeom prst="rect">
             <a:avLst/>
@@ -14858,8 +12047,8 @@
         </p:nvSpPr>
         <p:spPr>
           <a:xfrm>
-            <a:off x="3855907" y="4694431"/>
-            <a:ext cx="3525469" cy="2310889"/>
+            <a:off x="3855907" y="4343911"/>
+            <a:ext cx="3713038" cy="2464777"/>
           </a:xfrm>
           <a:prstGeom prst="rect">
             <a:avLst/>
@@ -14877,22 +12066,39 @@
               </a:spcBef>
             </a:pPr>
             <a:r>
-              <a:rPr lang="en-US" sz="1000" b="1">
+              <a:rPr lang="es-ES" sz="1000" b="1" dirty="0">
                 <a:solidFill>
                   <a:srgbClr val="000000"/>
                 </a:solidFill>
                 <a:latin typeface="+mj-lt"/>
               </a:rPr>
-              <a:t>Technical Track Activities </a:t>
-            </a:r>
-            <a:r>
-              <a:rPr lang="en-US" sz="1000">
+              <a:t>Las actividades de seguimiento técnicas</a:t>
+            </a:r>
+            <a:r>
+              <a:rPr lang="es-ES" sz="1000" dirty="0">
                 <a:solidFill>
                   <a:srgbClr val="000000"/>
                 </a:solidFill>
                 <a:latin typeface="Adobe Clean Light" panose="020B0303020404020204" pitchFamily="34" charset="0"/>
               </a:rPr>
-              <a:t>ensure customers are technically sound and maximizing their tool adoption. Specifically, these types of activities include support and recommendations related to platform configurations, integrations and troubleshooting</a:t>
+              <a:t> garantizan que los clientes cuenten con formación técnica y maximicen la adopción de sus herramientas. Específicamente, estos tipos de actividades incluyen soporte y recomendaciones relacionadas con configuraciones </a:t>
+            </a:r>
+            <a:br>
+              <a:rPr lang="sk-SK" sz="1000" dirty="0">
+                <a:solidFill>
+                  <a:srgbClr val="000000"/>
+                </a:solidFill>
+                <a:latin typeface="Adobe Clean Light" panose="020B0303020404020204" pitchFamily="34" charset="0"/>
+              </a:rPr>
+            </a:br>
+            <a:r>
+              <a:rPr lang="es-ES" sz="1000" dirty="0">
+                <a:solidFill>
+                  <a:srgbClr val="000000"/>
+                </a:solidFill>
+                <a:latin typeface="Adobe Clean Light" panose="020B0303020404020204" pitchFamily="34" charset="0"/>
+              </a:rPr>
+              <a:t>de plataforma, integraciones y resolución de problemas.</a:t>
             </a:r>
           </a:p>
           <a:p>
@@ -14901,7 +12107,7 @@
                 <a:spcPts val="100"/>
               </a:spcBef>
             </a:pPr>
-            <a:endParaRPr lang="en-US" sz="1000">
+            <a:endParaRPr lang="en-US" sz="1000" dirty="0">
               <a:latin typeface="Adobe Clean Light" charset="0"/>
             </a:endParaRPr>
           </a:p>
@@ -14912,10 +12118,10 @@
               </a:spcBef>
             </a:pPr>
             <a:r>
-              <a:rPr lang="en-US" sz="1000">
+              <a:rPr lang="es-ES" sz="1000" dirty="0">
                 <a:latin typeface="Adobe Clean Light" charset="0"/>
               </a:rPr>
-              <a:t>Types of technical activities available::</a:t>
+              <a:t>Tipos de actividades técnicas disponibles:</a:t>
             </a:r>
           </a:p>
           <a:p>
@@ -14930,8 +12136,8 @@
               <a:buChar char="ü"/>
             </a:pPr>
             <a:r>
-              <a:rPr lang="en-US" sz="1000"/>
-              <a:t>Health audit</a:t>
+              <a:rPr lang="es-ES" sz="1000" dirty="0"/>
+              <a:t>Auditoría de estado</a:t>
             </a:r>
           </a:p>
           <a:p>
@@ -14946,8 +12152,8 @@
               <a:buChar char="ü"/>
             </a:pPr>
             <a:r>
-              <a:rPr lang="en-US" sz="1000"/>
-              <a:t>Platform audit</a:t>
+              <a:rPr lang="es-ES" sz="1000" dirty="0"/>
+              <a:t>Auditoría de plataforma</a:t>
             </a:r>
           </a:p>
           <a:p>
@@ -14962,8 +12168,8 @@
               <a:buChar char="ü"/>
             </a:pPr>
             <a:r>
-              <a:rPr lang="en-US" sz="1000"/>
-              <a:t>Feature set enablement</a:t>
+              <a:rPr lang="es-ES" sz="1000" dirty="0"/>
+              <a:t>Habilitación del conjunto de funciones</a:t>
             </a:r>
           </a:p>
           <a:p>
@@ -14978,8 +12184,8 @@
               <a:buChar char="ü"/>
             </a:pPr>
             <a:r>
-              <a:rPr lang="en-US" sz="1000"/>
-              <a:t>Basic integrations and configurations</a:t>
+              <a:rPr lang="es-ES" sz="1000" dirty="0"/>
+              <a:t>Integraciones y configuraciones básicas</a:t>
             </a:r>
           </a:p>
           <a:p>
@@ -14994,8 +12200,8 @@
               <a:buChar char="ü"/>
             </a:pPr>
             <a:r>
-              <a:rPr lang="en-US" sz="1000"/>
-              <a:t>Customer solution troubleshooting</a:t>
+              <a:rPr lang="es-ES" sz="1000" dirty="0"/>
+              <a:t>Solución de problemas del cliente</a:t>
             </a:r>
           </a:p>
           <a:p>
@@ -15010,8 +12216,8 @@
               <a:buChar char="ü"/>
             </a:pPr>
             <a:r>
-              <a:rPr lang="en-US" sz="1000"/>
-              <a:t>Cloud service support</a:t>
+              <a:rPr lang="es-ES" sz="1000" dirty="0"/>
+              <a:t>Soporte del servicio en la nube</a:t>
             </a:r>
           </a:p>
         </p:txBody>
@@ -15031,7 +12237,7 @@
         <p:spPr>
           <a:xfrm>
             <a:off x="3851397" y="7249456"/>
-            <a:ext cx="3525469" cy="2054409"/>
+            <a:ext cx="3680209" cy="2054409"/>
           </a:xfrm>
           <a:prstGeom prst="rect">
             <a:avLst/>
@@ -15049,22 +12255,22 @@
               </a:spcBef>
             </a:pPr>
             <a:r>
-              <a:rPr lang="en-US" sz="1000" b="1">
+              <a:rPr lang="es-ES" sz="1000" b="1" dirty="0">
                 <a:solidFill>
                   <a:srgbClr val="000000"/>
                 </a:solidFill>
                 <a:latin typeface="+mj-lt"/>
               </a:rPr>
-              <a:t>Strategic Track Activities </a:t>
-            </a:r>
-            <a:r>
-              <a:rPr lang="en-US" sz="1000">
+              <a:t>Las actividades de seguimiento estratégicas</a:t>
+            </a:r>
+            <a:r>
+              <a:rPr lang="es-ES" sz="1000" dirty="0">
                 <a:solidFill>
                   <a:srgbClr val="000000"/>
                 </a:solidFill>
                 <a:latin typeface="Adobe Clean Light" panose="020B0303020404020204" pitchFamily="34" charset="0"/>
               </a:rPr>
-              <a:t>locate opportunities to ensure value is being realized from a customer’s Adobe solutions. They include support recommendations related to strategy, measurement and maturity to drive value realization across one or more Adobe solutions.</a:t>
+              <a:t> localizan oportunidades para garantizar que las soluciones de Adobe de un cliente estén obteniendo valor. Incluyen recomendaciones de soporte relacionadas con la estrategia, la medición y la madurez para impulsar la realización de valor en una o más soluciones de Adobe.</a:t>
             </a:r>
           </a:p>
           <a:p>
@@ -15073,7 +12279,7 @@
                 <a:spcPts val="100"/>
               </a:spcBef>
             </a:pPr>
-            <a:endParaRPr lang="en-US" sz="1000">
+            <a:endParaRPr lang="en-US" sz="1000" dirty="0">
               <a:latin typeface="Adobe Clean Light" charset="0"/>
             </a:endParaRPr>
           </a:p>
@@ -15084,10 +12290,10 @@
               </a:spcBef>
             </a:pPr>
             <a:r>
-              <a:rPr lang="en-US" sz="1000">
+              <a:rPr lang="es-ES" sz="1000" dirty="0">
                 <a:latin typeface="Adobe Clean Light" charset="0"/>
               </a:rPr>
-              <a:t>Types of strategic activities available::</a:t>
+              <a:t>Tipos de actividades estratégicas disponibles:</a:t>
             </a:r>
           </a:p>
           <a:p>
@@ -15102,8 +12308,8 @@
               <a:buChar char="ü"/>
             </a:pPr>
             <a:r>
-              <a:rPr lang="en-US" sz="1000"/>
-              <a:t>Maturity Roadmap</a:t>
+              <a:rPr lang="es-ES" sz="1000" dirty="0"/>
+              <a:t>Plan de madurez</a:t>
             </a:r>
           </a:p>
           <a:p>
@@ -15118,8 +12324,8 @@
               <a:buChar char="ü"/>
             </a:pPr>
             <a:r>
-              <a:rPr lang="en-US" sz="1000"/>
-              <a:t>Use case development/measurement</a:t>
+              <a:rPr lang="es-ES" sz="1000" dirty="0"/>
+              <a:t>Medición y desarrollo de casos de uso</a:t>
             </a:r>
           </a:p>
           <a:p>
@@ -15134,8 +12340,8 @@
               <a:buChar char="ü"/>
             </a:pPr>
             <a:r>
-              <a:rPr lang="en-US" sz="1000"/>
-              <a:t>Reporting &amp; analysis</a:t>
+              <a:rPr lang="es-ES" sz="1000" dirty="0"/>
+              <a:t>Informes y análisis</a:t>
             </a:r>
           </a:p>
           <a:p>
@@ -15150,8 +12356,8 @@
               <a:buChar char="ü"/>
             </a:pPr>
             <a:r>
-              <a:rPr lang="en-US" sz="1000"/>
-              <a:t>Best practices enablement</a:t>
+              <a:rPr lang="es-ES" sz="1000" dirty="0"/>
+              <a:t>Habilitación de prácticas recomendadas</a:t>
             </a:r>
           </a:p>
         </p:txBody>
@@ -15170,7 +12376,7 @@
         </p:nvSpPr>
         <p:spPr>
           <a:xfrm>
-            <a:off x="3851397" y="3891661"/>
+            <a:off x="3851397" y="3541141"/>
             <a:ext cx="3525468" cy="430887"/>
           </a:xfrm>
           <a:prstGeom prst="rect">
@@ -15190,73 +12396,77 @@
               </a:spcBef>
             </a:pPr>
             <a:r>
-              <a:rPr lang="en-US" sz="1000">
+              <a:rPr lang="es-ES" sz="1000">
                 <a:solidFill>
                   <a:srgbClr val="1F1F1F"/>
                 </a:solidFill>
                 <a:latin typeface="Adobe Clean" panose="020B0503020404020204" pitchFamily="34" charset="0"/>
                 <a:cs typeface="AdobeClean-Light"/>
               </a:rPr>
-              <a:t>As an Enterprise customer, you are eligible for</a:t>
-            </a:r>
-            <a:r>
-              <a:rPr lang="en-US" sz="1200" b="1" u="sng">
-                <a:solidFill>
-                  <a:srgbClr val="1F1F1F"/>
-                </a:solidFill>
-                <a:cs typeface="AdobeClean-Light"/>
-              </a:rPr>
-              <a:t> 2 </a:t>
-            </a:r>
-            <a:r>
-              <a:rPr lang="en-US" sz="1000" b="1" u="sng">
-                <a:solidFill>
-                  <a:srgbClr val="1F1F1F"/>
-                </a:solidFill>
-                <a:cs typeface="AdobeClean-Light"/>
-              </a:rPr>
-              <a:t>activities per year </a:t>
-            </a:r>
-            <a:r>
-              <a:rPr lang="en-US" sz="1000">
+              <a:t>Como cliente Enterprise, puede optar a</a:t>
+            </a:r>
+            <a:r>
+              <a:rPr lang="es-ES" sz="1200" b="1" u="sng">
                 <a:solidFill>
                   <a:srgbClr val="1F1F1F"/>
                 </a:solidFill>
                 <a:latin typeface="Adobe Clean" panose="020B0503020404020204" pitchFamily="34" charset="0"/>
                 <a:cs typeface="AdobeClean-Light"/>
               </a:rPr>
-              <a:t>from the following two tracks:</a:t>
-            </a:r>
-            <a:r>
-              <a:rPr lang="en-US" sz="1000" b="1">
-                <a:solidFill>
-                  <a:srgbClr val="1F1F1F"/>
-                </a:solidFill>
-                <a:cs typeface="AdobeClean-Light"/>
-              </a:rPr>
-              <a:t> Technical </a:t>
-            </a:r>
-            <a:r>
-              <a:rPr lang="en-US" sz="1000">
+              <a:t> 2 </a:t>
+            </a:r>
+            <a:r>
+              <a:rPr lang="es-ES" sz="1000" b="1" u="sng">
                 <a:solidFill>
                   <a:srgbClr val="1F1F1F"/>
                 </a:solidFill>
                 <a:latin typeface="Adobe Clean" panose="020B0503020404020204" pitchFamily="34" charset="0"/>
                 <a:cs typeface="AdobeClean-Light"/>
               </a:rPr>
-              <a:t>and/or </a:t>
-            </a:r>
-            <a:r>
-              <a:rPr lang="en-US" sz="1000" b="1">
+              <a:t>actividades al año</a:t>
+            </a:r>
+            <a:r>
+              <a:rPr lang="es-ES" sz="1000">
                 <a:solidFill>
                   <a:srgbClr val="1F1F1F"/>
                 </a:solidFill>
+                <a:latin typeface="Adobe Clean" panose="020B0503020404020204" pitchFamily="34" charset="0"/>
                 <a:cs typeface="AdobeClean-Light"/>
               </a:rPr>
-              <a:t>Strategic</a:t>
-            </a:r>
-            <a:r>
-              <a:rPr lang="en-US" sz="1000">
+              <a:t>en los dos ámbitos siguientes:</a:t>
+            </a:r>
+            <a:r>
+              <a:rPr lang="es-ES" sz="1000" b="1">
+                <a:solidFill>
+                  <a:srgbClr val="1F1F1F"/>
+                </a:solidFill>
+                <a:latin typeface="Adobe Clean" panose="020B0503020404020204" pitchFamily="34" charset="0"/>
+                <a:cs typeface="AdobeClean-Light"/>
+              </a:rPr>
+              <a:t> Técnico</a:t>
+            </a:r>
+            <a:r>
+              <a:rPr lang="es-ES" sz="1000">
+                <a:solidFill>
+                  <a:srgbClr val="1F1F1F"/>
+                </a:solidFill>
+                <a:latin typeface="Adobe Clean" panose="020B0503020404020204" pitchFamily="34" charset="0"/>
+                <a:cs typeface="AdobeClean-Light"/>
+              </a:rPr>
+              <a:t> o </a:t>
+            </a:r>
+            <a:r>
+              <a:rPr lang="es-ES" sz="1000" b="1">
+                <a:solidFill>
+                  <a:srgbClr val="1F1F1F"/>
+                </a:solidFill>
+                <a:latin typeface="Adobe Clean" panose="020B0503020404020204" pitchFamily="34" charset="0"/>
+                <a:cs typeface="AdobeClean-Light"/>
+              </a:rPr>
+              <a:t>Estratégico</a:t>
+            </a:r>
+            <a:r>
+              <a:rPr lang="es-ES" sz="1000">
                 <a:solidFill>
                   <a:srgbClr val="1F1F1F"/>
                 </a:solidFill>
@@ -15265,12 +12475,6 @@
               </a:rPr>
               <a:t>.</a:t>
             </a:r>
-            <a:endParaRPr lang="en-US" sz="1000" b="1">
-              <a:solidFill>
-                <a:prstClr val="black"/>
-              </a:solidFill>
-              <a:cs typeface="AdobeClean-Light"/>
-            </a:endParaRPr>
           </a:p>
         </p:txBody>
       </p:sp>
@@ -15288,7 +12492,7 @@
         </p:nvSpPr>
         <p:spPr>
           <a:xfrm>
-            <a:off x="2236134" y="2317134"/>
+            <a:off x="2236134" y="2157114"/>
             <a:ext cx="826006" cy="261610"/>
           </a:xfrm>
           <a:prstGeom prst="rect">
@@ -15304,8 +12508,8 @@
           <a:p>
             <a:pPr algn="ctr"/>
             <a:r>
-              <a:rPr lang="en-US" sz="1100"/>
-              <a:t>Go-Live</a:t>
+              <a:rPr lang="es-ES" sz="1100" dirty="0"/>
+              <a:t>Puesta en marcha</a:t>
             </a:r>
           </a:p>
         </p:txBody>
@@ -15340,8 +12544,8 @@
           <a:p>
             <a:pPr algn="ctr"/>
             <a:r>
-              <a:rPr lang="en-US" sz="1100"/>
-              <a:t>Define</a:t>
+              <a:rPr lang="es-ES" sz="1100"/>
+              <a:t>Definir</a:t>
             </a:r>
           </a:p>
         </p:txBody>
@@ -15376,8 +12580,8 @@
           <a:p>
             <a:pPr algn="ctr"/>
             <a:r>
-              <a:rPr lang="en-US" sz="1100"/>
-              <a:t>Kickoff</a:t>
+              <a:rPr lang="es-ES" sz="1100"/>
+              <a:t>Empezar</a:t>
             </a:r>
           </a:p>
         </p:txBody>
@@ -15412,8 +12616,8 @@
           <a:p>
             <a:pPr algn="ctr"/>
             <a:r>
-              <a:rPr lang="en-US" sz="1100"/>
-              <a:t>Design</a:t>
+              <a:rPr lang="es-ES" sz="1100"/>
+              <a:t>Diseñar</a:t>
             </a:r>
           </a:p>
         </p:txBody>
@@ -15470,14 +12674,14 @@
           <a:p>
             <a:pPr algn="ctr"/>
             <a:r>
-              <a:rPr lang="en-US">
+              <a:rPr lang="es-ES">
                 <a:solidFill>
                   <a:schemeClr val="accent1">
                     <a:lumMod val="50000"/>
                   </a:schemeClr>
                 </a:solidFill>
               </a:rPr>
-              <a:t>2 Activities per Year</a:t>
+              <a:t>2 actividades al año</a:t>
             </a:r>
           </a:p>
         </p:txBody>
@@ -15539,49 +12743,15 @@
               </a:lnSpc>
             </a:pPr>
             <a:r>
-              <a:rPr sz="500" spc="-5">
+              <a:rPr lang="es-ES" sz="500">
                 <a:solidFill>
                   <a:srgbClr val="6C6C6C"/>
                 </a:solidFill>
                 <a:latin typeface="Adobe Clean"/>
                 <a:cs typeface="Adobe Clean"/>
               </a:rPr>
-              <a:t>©2020 Adobe. All Rights Reserved. </a:t>
-            </a:r>
-            <a:r>
-              <a:rPr sz="500">
-                <a:solidFill>
-                  <a:srgbClr val="6C6C6C"/>
-                </a:solidFill>
-                <a:latin typeface="Adobe Clean"/>
-                <a:cs typeface="Adobe Clean"/>
-              </a:rPr>
-              <a:t>Adobe</a:t>
-            </a:r>
-            <a:r>
-              <a:rPr sz="500" spc="5">
-                <a:solidFill>
-                  <a:srgbClr val="6C6C6C"/>
-                </a:solidFill>
-                <a:latin typeface="Adobe Clean"/>
-                <a:cs typeface="Adobe Clean"/>
-              </a:rPr>
-              <a:t> </a:t>
-            </a:r>
-            <a:r>
-              <a:rPr sz="500" spc="-5">
-                <a:solidFill>
-                  <a:srgbClr val="6C6C6C"/>
-                </a:solidFill>
-                <a:latin typeface="Adobe Clean"/>
-                <a:cs typeface="Adobe Clean"/>
-              </a:rPr>
-              <a:t>Confidential.</a:t>
-            </a:r>
-            <a:endParaRPr sz="500">
-              <a:latin typeface="Adobe Clean"/>
-              <a:cs typeface="Adobe Clean"/>
-            </a:endParaRPr>
+              <a:t>©2020 Adobe. All Rights Reserved. Adobe Confidential.</a:t>
+            </a:r>
           </a:p>
           <a:p>
             <a:pPr>
@@ -15607,39 +12777,15 @@
               </a:spcBef>
             </a:pPr>
             <a:r>
-              <a:rPr sz="800" spc="-5">
+              <a:rPr lang="es-ES" sz="800">
                 <a:solidFill>
                   <a:srgbClr val="6D6D6D"/>
                 </a:solidFill>
                 <a:latin typeface="Adobe Clean"/>
                 <a:cs typeface="Adobe Clean"/>
               </a:rPr>
-              <a:t>©2020 Adobe. All Rights Reserved. Adobe</a:t>
-            </a:r>
-            <a:r>
-              <a:rPr sz="800" spc="75">
-                <a:solidFill>
-                  <a:srgbClr val="6D6D6D"/>
-                </a:solidFill>
-                <a:latin typeface="Adobe Clean"/>
-                <a:cs typeface="Adobe Clean"/>
-              </a:rPr>
-              <a:t> </a:t>
-            </a:r>
-            <a:r>
-              <a:rPr sz="800" spc="-5">
-                <a:solidFill>
-                  <a:srgbClr val="6D6D6D"/>
-                </a:solidFill>
-                <a:latin typeface="Adobe Clean"/>
-                <a:cs typeface="Adobe Clean"/>
-              </a:rPr>
-              <a:t>Confidential.</a:t>
-            </a:r>
-            <a:endParaRPr sz="800">
-              <a:latin typeface="Adobe Clean"/>
-              <a:cs typeface="Adobe Clean"/>
-            </a:endParaRPr>
+              <a:t>©2020 Adobe. All Rights Reserved. Adobe Confidential.</a:t>
+            </a:r>
           </a:p>
         </p:txBody>
       </p:sp>
@@ -15723,19 +12869,15 @@
               </a:spcBef>
             </a:pPr>
             <a:r>
-              <a:rPr lang="en-US" sz="1400" b="1" spc="-15">
+              <a:rPr lang="es-ES" sz="1400" b="1">
                 <a:solidFill>
                   <a:srgbClr val="020302"/>
                 </a:solidFill>
                 <a:latin typeface="Adobe Clean"/>
                 <a:cs typeface="Adobe Clean"/>
               </a:rPr>
-              <a:t>Resources</a:t>
-            </a:r>
-            <a:endParaRPr sz="1400">
-              <a:latin typeface="Adobe Clean"/>
-              <a:cs typeface="Adobe Clean"/>
-            </a:endParaRPr>
+              <a:t>Recursos</a:t>
+            </a:r>
           </a:p>
         </p:txBody>
       </p:sp>
@@ -15769,7 +12911,7 @@
               </a:spcBef>
             </a:pPr>
             <a:r>
-              <a:rPr sz="800" spc="-15">
+              <a:rPr lang="es-ES" sz="800">
                 <a:solidFill>
                   <a:srgbClr val="777879"/>
                 </a:solidFill>
@@ -15778,10 +12920,6 @@
               </a:rPr>
               <a:t>Adobe</a:t>
             </a:r>
-            <a:endParaRPr sz="800">
-              <a:latin typeface="Adobe Clean"/>
-              <a:cs typeface="Adobe Clean"/>
-            </a:endParaRPr>
           </a:p>
           <a:p>
             <a:pPr marL="12700">
@@ -15790,39 +12928,15 @@
               </a:lnSpc>
             </a:pPr>
             <a:r>
-              <a:rPr sz="800" spc="-15">
+              <a:rPr lang="es-ES" sz="800">
                 <a:solidFill>
                   <a:srgbClr val="777879"/>
                 </a:solidFill>
                 <a:latin typeface="Adobe Clean"/>
                 <a:cs typeface="Adobe Clean"/>
               </a:rPr>
-              <a:t>345 Park</a:t>
-            </a:r>
-            <a:r>
-              <a:rPr sz="800" spc="-100">
-                <a:solidFill>
-                  <a:srgbClr val="777879"/>
-                </a:solidFill>
-                <a:latin typeface="Adobe Clean"/>
-                <a:cs typeface="Adobe Clean"/>
-              </a:rPr>
-              <a:t> </a:t>
-            </a:r>
-            <a:r>
-              <a:rPr sz="800" spc="-15">
-                <a:solidFill>
-                  <a:srgbClr val="777879"/>
-                </a:solidFill>
-                <a:latin typeface="Adobe Clean"/>
-                <a:cs typeface="Adobe Clean"/>
-              </a:rPr>
-              <a:t>Avenue</a:t>
-            </a:r>
-            <a:endParaRPr sz="800">
-              <a:latin typeface="Adobe Clean"/>
-              <a:cs typeface="Adobe Clean"/>
-            </a:endParaRPr>
+              <a:t>345 Park Avenue</a:t>
+            </a:r>
           </a:p>
           <a:p>
             <a:pPr marL="12700">
@@ -15831,49 +12945,15 @@
               </a:lnSpc>
             </a:pPr>
             <a:r>
-              <a:rPr sz="800" spc="-10">
+              <a:rPr lang="es-ES" sz="800">
                 <a:solidFill>
                   <a:srgbClr val="777879"/>
                 </a:solidFill>
                 <a:latin typeface="Adobe Clean"/>
                 <a:cs typeface="Adobe Clean"/>
               </a:rPr>
-              <a:t>San </a:t>
-            </a:r>
-            <a:r>
-              <a:rPr sz="800" spc="-15">
-                <a:solidFill>
-                  <a:srgbClr val="777879"/>
-                </a:solidFill>
-                <a:latin typeface="Adobe Clean"/>
-                <a:cs typeface="Adobe Clean"/>
-              </a:rPr>
-              <a:t>Jose,</a:t>
-            </a:r>
-            <a:r>
-              <a:rPr sz="800" spc="-140">
-                <a:solidFill>
-                  <a:srgbClr val="777879"/>
-                </a:solidFill>
-                <a:latin typeface="Adobe Clean"/>
-                <a:cs typeface="Adobe Clean"/>
-              </a:rPr>
-              <a:t> </a:t>
-            </a:r>
-            <a:r>
-              <a:rPr sz="800" spc="-20">
-                <a:solidFill>
-                  <a:srgbClr val="777879"/>
-                </a:solidFill>
-                <a:latin typeface="Adobe Clean"/>
-                <a:cs typeface="Adobe Clean"/>
-              </a:rPr>
-              <a:t>CA95110-2704</a:t>
-            </a:r>
-            <a:endParaRPr sz="800">
-              <a:latin typeface="Adobe Clean"/>
-              <a:cs typeface="Adobe Clean"/>
-            </a:endParaRPr>
+              <a:t>San José, CA95110-2704</a:t>
+            </a:r>
           </a:p>
           <a:p>
             <a:pPr marL="12700">
@@ -15885,19 +12965,15 @@
               </a:spcBef>
             </a:pPr>
             <a:r>
-              <a:rPr sz="800" spc="-10">
+              <a:rPr lang="es-ES" sz="800">
                 <a:solidFill>
                   <a:srgbClr val="777879"/>
                 </a:solidFill>
                 <a:latin typeface="Adobe Clean"/>
                 <a:cs typeface="Adobe Clean"/>
               </a:rPr>
-              <a:t>USA</a:t>
-            </a:r>
-            <a:endParaRPr sz="800">
-              <a:latin typeface="Adobe Clean"/>
-              <a:cs typeface="Adobe Clean"/>
-            </a:endParaRPr>
+              <a:t>EE. UU.</a:t>
+            </a:r>
           </a:p>
           <a:p>
             <a:pPr marL="12700">
@@ -15909,7 +12985,7 @@
               </a:spcBef>
             </a:pPr>
             <a:r>
-              <a:rPr sz="800" u="sng" spc="-25">
+              <a:rPr lang="es-ES" sz="800" u="sng">
                 <a:solidFill>
                   <a:srgbClr val="5F5F5F"/>
                 </a:solidFill>
@@ -15924,10 +13000,6 @@
               </a:rPr>
               <a:t>www.adobe.com</a:t>
             </a:r>
-            <a:endParaRPr sz="800">
-              <a:latin typeface="Adobe Clean"/>
-              <a:cs typeface="Adobe Clean"/>
-            </a:endParaRPr>
           </a:p>
         </p:txBody>
       </p:sp>
@@ -16102,409 +13174,74 @@
               </a:spcBef>
             </a:pPr>
             <a:r>
-              <a:rPr sz="1100" i="1" spc="-10">
+              <a:rPr lang="es-ES" sz="1100" i="1" dirty="0">
                 <a:solidFill>
                   <a:srgbClr val="777879"/>
                 </a:solidFill>
                 <a:latin typeface="AdobeClean-LightIt"/>
                 <a:cs typeface="AdobeClean-LightIt"/>
               </a:rPr>
-              <a:t>To</a:t>
-            </a:r>
-            <a:r>
-              <a:rPr sz="1100" i="1" spc="-50">
+              <a:t>Para saber más sobre las ofertas de asistencia de Adobe y el nivel adecuado para usted, póngase </a:t>
+            </a:r>
+            <a:br>
+              <a:rPr lang="sk-SK" sz="1100" i="1" dirty="0">
                 <a:solidFill>
                   <a:srgbClr val="777879"/>
                 </a:solidFill>
                 <a:latin typeface="AdobeClean-LightIt"/>
                 <a:cs typeface="AdobeClean-LightIt"/>
               </a:rPr>
-              <a:t> </a:t>
-            </a:r>
-            <a:r>
-              <a:rPr sz="1100" i="1" spc="-15">
+            </a:br>
+            <a:r>
+              <a:rPr lang="es-ES" sz="1100" i="1" dirty="0">
                 <a:solidFill>
                   <a:srgbClr val="777879"/>
                 </a:solidFill>
                 <a:latin typeface="AdobeClean-LightIt"/>
                 <a:cs typeface="AdobeClean-LightIt"/>
               </a:rPr>
-              <a:t>learn</a:t>
-            </a:r>
-            <a:r>
-              <a:rPr sz="1100" i="1" spc="-40">
+              <a:t>en contacto con su administrador de cuentas (NAM) o con su </a:t>
+            </a:r>
+            <a:r>
+              <a:rPr lang="es-ES" sz="1100" i="1" dirty="0" err="1">
                 <a:solidFill>
                   <a:srgbClr val="777879"/>
                 </a:solidFill>
                 <a:latin typeface="AdobeClean-LightIt"/>
                 <a:cs typeface="AdobeClean-LightIt"/>
               </a:rPr>
-              <a:t> </a:t>
-            </a:r>
-            <a:r>
-              <a:rPr sz="1100" i="1" spc="-15">
+              <a:t>Customer</a:t>
+            </a:r>
+            <a:r>
+              <a:rPr lang="es-ES" sz="1100" i="1" dirty="0">
                 <a:solidFill>
                   <a:srgbClr val="777879"/>
                 </a:solidFill>
                 <a:latin typeface="AdobeClean-LightIt"/>
                 <a:cs typeface="AdobeClean-LightIt"/>
               </a:rPr>
-              <a:t>more</a:t>
-            </a:r>
-            <a:r>
-              <a:rPr sz="1100" i="1" spc="-45">
+              <a:t> </a:t>
+            </a:r>
+            <a:r>
+              <a:rPr lang="es-ES" sz="1100" i="1" dirty="0" err="1">
                 <a:solidFill>
                   <a:srgbClr val="777879"/>
                 </a:solidFill>
                 <a:latin typeface="AdobeClean-LightIt"/>
                 <a:cs typeface="AdobeClean-LightIt"/>
               </a:rPr>
-              <a:t> </a:t>
-            </a:r>
-            <a:r>
-              <a:rPr sz="1100" i="1" spc="-15">
+              <a:t>Success</a:t>
+            </a:r>
+            <a:r>
+              <a:rPr lang="es-ES" sz="1100" i="1" dirty="0">
                 <a:solidFill>
                   <a:srgbClr val="777879"/>
                 </a:solidFill>
                 <a:latin typeface="AdobeClean-LightIt"/>
                 <a:cs typeface="AdobeClean-LightIt"/>
               </a:rPr>
-              <a:t>about</a:t>
-            </a:r>
-            <a:r>
-              <a:rPr sz="1100" i="1" spc="-45">
-                <a:solidFill>
-                  <a:srgbClr val="777879"/>
-                </a:solidFill>
-                <a:latin typeface="AdobeClean-LightIt"/>
-                <a:cs typeface="AdobeClean-LightIt"/>
-              </a:rPr>
-              <a:t> </a:t>
-            </a:r>
-            <a:r>
-              <a:rPr sz="1100" i="1" spc="-15">
-                <a:solidFill>
-                  <a:srgbClr val="777879"/>
-                </a:solidFill>
-                <a:latin typeface="AdobeClean-LightIt"/>
-                <a:cs typeface="AdobeClean-LightIt"/>
-              </a:rPr>
-              <a:t>Adobe</a:t>
-            </a:r>
-            <a:r>
-              <a:rPr sz="1100" i="1" spc="-50">
-                <a:solidFill>
-                  <a:srgbClr val="777879"/>
-                </a:solidFill>
-                <a:latin typeface="AdobeClean-LightIt"/>
-                <a:cs typeface="AdobeClean-LightIt"/>
-              </a:rPr>
-              <a:t> </a:t>
-            </a:r>
-            <a:r>
-              <a:rPr sz="1100" i="1" spc="-15">
-                <a:solidFill>
-                  <a:srgbClr val="777879"/>
-                </a:solidFill>
-                <a:latin typeface="AdobeClean-LightIt"/>
-                <a:cs typeface="AdobeClean-LightIt"/>
-              </a:rPr>
-              <a:t>Support</a:t>
-            </a:r>
-            <a:r>
-              <a:rPr lang="en-US" sz="1100" i="1" spc="-15">
-                <a:solidFill>
-                  <a:srgbClr val="777879"/>
-                </a:solidFill>
-                <a:latin typeface="AdobeClean-LightIt"/>
-                <a:cs typeface="AdobeClean-LightIt"/>
-              </a:rPr>
-              <a:t> Offerings</a:t>
-            </a:r>
-            <a:r>
-              <a:rPr sz="1100" i="1" spc="-75">
-                <a:solidFill>
-                  <a:srgbClr val="777879"/>
-                </a:solidFill>
-                <a:latin typeface="AdobeClean-LightIt"/>
-                <a:cs typeface="AdobeClean-LightIt"/>
-              </a:rPr>
-              <a:t> </a:t>
-            </a:r>
-            <a:r>
-              <a:rPr sz="1100" i="1" spc="-15">
-                <a:solidFill>
-                  <a:srgbClr val="777879"/>
-                </a:solidFill>
-                <a:latin typeface="AdobeClean-LightIt"/>
-                <a:cs typeface="AdobeClean-LightIt"/>
-              </a:rPr>
-              <a:t>and</a:t>
-            </a:r>
-            <a:r>
-              <a:rPr sz="1100" i="1" spc="-50">
-                <a:solidFill>
-                  <a:srgbClr val="777879"/>
-                </a:solidFill>
-                <a:latin typeface="AdobeClean-LightIt"/>
-                <a:cs typeface="AdobeClean-LightIt"/>
-              </a:rPr>
-              <a:t> </a:t>
-            </a:r>
-            <a:r>
-              <a:rPr sz="1100" i="1" spc="-15">
-                <a:solidFill>
-                  <a:srgbClr val="777879"/>
-                </a:solidFill>
-                <a:latin typeface="AdobeClean-LightIt"/>
-                <a:cs typeface="AdobeClean-LightIt"/>
-              </a:rPr>
-              <a:t>the</a:t>
-            </a:r>
-            <a:r>
-              <a:rPr sz="1100" i="1" spc="-55">
-                <a:solidFill>
-                  <a:srgbClr val="777879"/>
-                </a:solidFill>
-                <a:latin typeface="AdobeClean-LightIt"/>
-                <a:cs typeface="AdobeClean-LightIt"/>
-              </a:rPr>
-              <a:t> </a:t>
-            </a:r>
-            <a:r>
-              <a:rPr sz="1100" i="1" spc="-15">
-                <a:solidFill>
-                  <a:srgbClr val="777879"/>
-                </a:solidFill>
-                <a:latin typeface="AdobeClean-LightIt"/>
-                <a:cs typeface="AdobeClean-LightIt"/>
-              </a:rPr>
-              <a:t>right</a:t>
-            </a:r>
-            <a:r>
-              <a:rPr sz="1100" i="1" spc="-95">
-                <a:solidFill>
-                  <a:srgbClr val="777879"/>
-                </a:solidFill>
-                <a:latin typeface="AdobeClean-LightIt"/>
-                <a:cs typeface="AdobeClean-LightIt"/>
-              </a:rPr>
-              <a:t> </a:t>
-            </a:r>
-            <a:r>
-              <a:rPr sz="1100" i="1" spc="-15">
-                <a:solidFill>
-                  <a:srgbClr val="777879"/>
-                </a:solidFill>
-                <a:latin typeface="AdobeClean-LightIt"/>
-                <a:cs typeface="AdobeClean-LightIt"/>
-              </a:rPr>
-              <a:t>level</a:t>
-            </a:r>
-            <a:r>
-              <a:rPr sz="1100" i="1" spc="-55">
-                <a:solidFill>
-                  <a:srgbClr val="777879"/>
-                </a:solidFill>
-                <a:latin typeface="AdobeClean-LightIt"/>
-                <a:cs typeface="AdobeClean-LightIt"/>
-              </a:rPr>
-              <a:t> </a:t>
-            </a:r>
-            <a:r>
-              <a:rPr sz="1100" i="1" spc="-15">
-                <a:solidFill>
-                  <a:srgbClr val="777879"/>
-                </a:solidFill>
-                <a:latin typeface="AdobeClean-LightIt"/>
-                <a:cs typeface="AdobeClean-LightIt"/>
-              </a:rPr>
-              <a:t>for</a:t>
-            </a:r>
-            <a:r>
-              <a:rPr sz="1100" i="1" spc="-85">
-                <a:solidFill>
-                  <a:srgbClr val="777879"/>
-                </a:solidFill>
-                <a:latin typeface="AdobeClean-LightIt"/>
-                <a:cs typeface="AdobeClean-LightIt"/>
-              </a:rPr>
-              <a:t> </a:t>
-            </a:r>
-            <a:r>
-              <a:rPr sz="1100" i="1" spc="-15">
-                <a:solidFill>
-                  <a:srgbClr val="777879"/>
-                </a:solidFill>
-                <a:latin typeface="AdobeClean-LightIt"/>
-                <a:cs typeface="AdobeClean-LightIt"/>
-              </a:rPr>
-              <a:t>you,</a:t>
-            </a:r>
-            <a:r>
-              <a:rPr sz="1100" i="1" spc="-65">
-                <a:solidFill>
-                  <a:srgbClr val="777879"/>
-                </a:solidFill>
-                <a:latin typeface="AdobeClean-LightIt"/>
-                <a:cs typeface="AdobeClean-LightIt"/>
-              </a:rPr>
-              <a:t> </a:t>
-            </a:r>
-            <a:r>
-              <a:rPr sz="1100" i="1" spc="-15">
-                <a:solidFill>
-                  <a:srgbClr val="777879"/>
-                </a:solidFill>
-                <a:latin typeface="AdobeClean-LightIt"/>
-                <a:cs typeface="AdobeClean-LightIt"/>
-              </a:rPr>
-              <a:t>contact</a:t>
-            </a:r>
-            <a:r>
-              <a:rPr sz="1100" i="1" spc="-85">
-                <a:solidFill>
-                  <a:srgbClr val="777879"/>
-                </a:solidFill>
-                <a:latin typeface="AdobeClean-LightIt"/>
-                <a:cs typeface="AdobeClean-LightIt"/>
-              </a:rPr>
-              <a:t> </a:t>
-            </a:r>
-            <a:r>
-              <a:rPr sz="1100" i="1" spc="-15">
-                <a:solidFill>
-                  <a:srgbClr val="777879"/>
-                </a:solidFill>
-                <a:latin typeface="AdobeClean-LightIt"/>
-                <a:cs typeface="AdobeClean-LightIt"/>
-              </a:rPr>
-              <a:t>your</a:t>
-            </a:r>
-            <a:r>
-              <a:rPr sz="1100" i="1" spc="-70">
-                <a:solidFill>
-                  <a:srgbClr val="777879"/>
-                </a:solidFill>
-                <a:latin typeface="AdobeClean-LightIt"/>
-                <a:cs typeface="AdobeClean-LightIt"/>
-              </a:rPr>
-              <a:t> </a:t>
-            </a:r>
-            <a:r>
-              <a:rPr sz="1100" i="1" spc="-15">
-                <a:solidFill>
-                  <a:srgbClr val="777879"/>
-                </a:solidFill>
-                <a:latin typeface="AdobeClean-LightIt"/>
-                <a:cs typeface="AdobeClean-LightIt"/>
-              </a:rPr>
-              <a:t>Named</a:t>
-            </a:r>
-            <a:r>
-              <a:rPr sz="1100" i="1" spc="-55">
-                <a:solidFill>
-                  <a:srgbClr val="777879"/>
-                </a:solidFill>
-                <a:latin typeface="AdobeClean-LightIt"/>
-                <a:cs typeface="AdobeClean-LightIt"/>
-              </a:rPr>
-              <a:t> </a:t>
-            </a:r>
-            <a:r>
-              <a:rPr sz="1100" i="1" spc="-25">
-                <a:solidFill>
-                  <a:srgbClr val="777879"/>
-                </a:solidFill>
-                <a:latin typeface="AdobeClean-LightIt"/>
-                <a:cs typeface="AdobeClean-LightIt"/>
-              </a:rPr>
-              <a:t>Account</a:t>
-            </a:r>
-            <a:r>
-              <a:rPr sz="1100" i="1" spc="-120">
-                <a:solidFill>
-                  <a:srgbClr val="777879"/>
-                </a:solidFill>
-                <a:latin typeface="AdobeClean-LightIt"/>
-                <a:cs typeface="AdobeClean-LightIt"/>
-              </a:rPr>
-              <a:t> </a:t>
-            </a:r>
-            <a:r>
-              <a:rPr sz="1100" i="1" spc="-20">
-                <a:solidFill>
-                  <a:srgbClr val="777879"/>
-                </a:solidFill>
-                <a:latin typeface="AdobeClean-LightIt"/>
-                <a:cs typeface="AdobeClean-LightIt"/>
-              </a:rPr>
-              <a:t>Manager  </a:t>
-            </a:r>
-            <a:r>
-              <a:rPr sz="1100" i="1" spc="-15">
-                <a:solidFill>
-                  <a:srgbClr val="777879"/>
-                </a:solidFill>
-                <a:latin typeface="AdobeClean-LightIt"/>
-                <a:cs typeface="AdobeClean-LightIt"/>
-              </a:rPr>
-              <a:t>(NAM) </a:t>
-            </a:r>
-            <a:r>
-              <a:rPr sz="1100" i="1" spc="-10">
-                <a:solidFill>
-                  <a:srgbClr val="777879"/>
-                </a:solidFill>
-                <a:latin typeface="AdobeClean-LightIt"/>
-                <a:cs typeface="AdobeClean-LightIt"/>
-              </a:rPr>
-              <a:t>or </a:t>
-            </a:r>
-            <a:r>
-              <a:rPr sz="1100" i="1" spc="-15">
-                <a:solidFill>
-                  <a:srgbClr val="777879"/>
-                </a:solidFill>
-                <a:latin typeface="AdobeClean-LightIt"/>
-                <a:cs typeface="AdobeClean-LightIt"/>
-              </a:rPr>
-              <a:t>Customer </a:t>
-            </a:r>
-            <a:r>
-              <a:rPr sz="1100" i="1" spc="-20">
-                <a:solidFill>
-                  <a:srgbClr val="777879"/>
-                </a:solidFill>
-                <a:latin typeface="AdobeClean-LightIt"/>
-                <a:cs typeface="AdobeClean-LightIt"/>
-              </a:rPr>
-              <a:t>Success</a:t>
-            </a:r>
-            <a:r>
-              <a:rPr sz="1100" i="1" spc="-180">
-                <a:solidFill>
-                  <a:srgbClr val="777879"/>
-                </a:solidFill>
-                <a:latin typeface="AdobeClean-LightIt"/>
-                <a:cs typeface="AdobeClean-LightIt"/>
-              </a:rPr>
-              <a:t> </a:t>
-            </a:r>
-            <a:r>
-              <a:rPr sz="1100" i="1" spc="-15">
-                <a:solidFill>
-                  <a:srgbClr val="777879"/>
-                </a:solidFill>
-                <a:latin typeface="AdobeClean-LightIt"/>
-                <a:cs typeface="AdobeClean-LightIt"/>
-              </a:rPr>
-              <a:t>Manager(CSM)</a:t>
-            </a:r>
-            <a:endParaRPr sz="1100">
-              <a:latin typeface="AdobeClean-LightIt"/>
-              <a:cs typeface="AdobeClean-LightIt"/>
-            </a:endParaRPr>
+              <a:t> Manager (CSM)</a:t>
+            </a:r>
           </a:p>
           <a:p>
             <a:pPr marL="34290">
@@ -16516,59 +13253,95 @@
               </a:spcBef>
             </a:pPr>
             <a:r>
-              <a:rPr sz="800" spc="-5">
+              <a:rPr lang="es-ES" sz="800" dirty="0">
                 <a:solidFill>
                   <a:srgbClr val="6D6D6D"/>
                 </a:solidFill>
                 <a:latin typeface="Adobe Clean"/>
                 <a:cs typeface="Adobe Clean"/>
               </a:rPr>
-              <a:t>©202</a:t>
-            </a:r>
-            <a:r>
-              <a:rPr lang="en-US" sz="800" spc="-5">
+              <a:t>©2021 Adobe. </a:t>
+            </a:r>
+            <a:r>
+              <a:rPr lang="es-ES" sz="800" dirty="0" err="1">
                 <a:solidFill>
                   <a:srgbClr val="6D6D6D"/>
                 </a:solidFill>
                 <a:latin typeface="Adobe Clean"/>
                 <a:cs typeface="Adobe Clean"/>
               </a:rPr>
-              <a:t>1</a:t>
-            </a:r>
-            <a:r>
-              <a:rPr sz="800" spc="-5">
+              <a:t>All</a:t>
+            </a:r>
+            <a:r>
+              <a:rPr lang="es-ES" sz="800" dirty="0">
                 <a:solidFill>
                   <a:srgbClr val="6D6D6D"/>
                 </a:solidFill>
                 <a:latin typeface="Adobe Clean"/>
                 <a:cs typeface="Adobe Clean"/>
               </a:rPr>
-              <a:t> Adobe. All Rights Reserved. Adobe</a:t>
-            </a:r>
-            <a:r>
-              <a:rPr sz="800" spc="75">
+              <a:t> </a:t>
+            </a:r>
+            <a:r>
+              <a:rPr lang="es-ES" sz="800" dirty="0" err="1">
                 <a:solidFill>
                   <a:srgbClr val="6D6D6D"/>
                 </a:solidFill>
                 <a:latin typeface="Adobe Clean"/>
                 <a:cs typeface="Adobe Clean"/>
               </a:rPr>
-              <a:t> </a:t>
-            </a:r>
-            <a:r>
-              <a:rPr sz="800" spc="-5">
+              <a:t>Rights</a:t>
+            </a:r>
+            <a:r>
+              <a:rPr lang="es-ES" sz="800" dirty="0">
                 <a:solidFill>
                   <a:srgbClr val="6D6D6D"/>
                 </a:solidFill>
                 <a:latin typeface="Adobe Clean"/>
                 <a:cs typeface="Adobe Clean"/>
               </a:rPr>
-              <a:t>Confidential.</a:t>
-            </a:r>
-            <a:endParaRPr sz="800">
-              <a:latin typeface="Adobe Clean"/>
-              <a:cs typeface="Adobe Clean"/>
-            </a:endParaRPr>
+              <a:t> </a:t>
+            </a:r>
+            <a:r>
+              <a:rPr lang="es-ES" sz="800" dirty="0" err="1">
+                <a:solidFill>
+                  <a:srgbClr val="6D6D6D"/>
+                </a:solidFill>
+                <a:latin typeface="Adobe Clean"/>
+                <a:cs typeface="Adobe Clean"/>
+              </a:rPr>
+              <a:t>Reserved</a:t>
+            </a:r>
+            <a:r>
+              <a:rPr lang="es-ES" sz="800" dirty="0">
+                <a:solidFill>
+                  <a:srgbClr val="6D6D6D"/>
+                </a:solidFill>
+                <a:latin typeface="Adobe Clean"/>
+                <a:cs typeface="Adobe Clean"/>
+              </a:rPr>
+              <a:t>. Adobe </a:t>
+            </a:r>
+            <a:r>
+              <a:rPr lang="es-ES" sz="800" dirty="0" err="1">
+                <a:solidFill>
+                  <a:srgbClr val="6D6D6D"/>
+                </a:solidFill>
+                <a:latin typeface="Adobe Clean"/>
+                <a:cs typeface="Adobe Clean"/>
+              </a:rPr>
+              <a:t>Confidential</a:t>
+            </a:r>
+            <a:r>
+              <a:rPr lang="es-ES" sz="800" dirty="0">
+                <a:solidFill>
+                  <a:srgbClr val="6D6D6D"/>
+                </a:solidFill>
+                <a:latin typeface="Adobe Clean"/>
+                <a:cs typeface="Adobe Clean"/>
+              </a:rPr>
+              <a:t>.</a:t>
+            </a:r>
           </a:p>
         </p:txBody>
       </p:sp>
@@ -16586,8 +13359,8 @@
         </p:nvSpPr>
         <p:spPr>
           <a:xfrm>
-            <a:off x="190707" y="4913781"/>
-            <a:ext cx="6476646" cy="755976"/>
+            <a:off x="190706" y="4913781"/>
+            <a:ext cx="7193073" cy="755976"/>
           </a:xfrm>
           <a:prstGeom prst="rect">
             <a:avLst/>
@@ -16605,19 +13378,15 @@
               </a:spcBef>
             </a:pPr>
             <a:r>
-              <a:rPr lang="en-US" sz="1400" b="1" spc="-15">
+              <a:rPr lang="es-ES" sz="1400" b="1" dirty="0">
                 <a:solidFill>
                   <a:srgbClr val="020302"/>
                 </a:solidFill>
                 <a:latin typeface="Adobe Clean"/>
                 <a:cs typeface="Adobe Clean"/>
               </a:rPr>
-              <a:t>Regional scope of Adobe Support, Local Hours Of Operation And Language Support</a:t>
-            </a:r>
-            <a:endParaRPr lang="en-US" sz="1400" spc="-15">
-              <a:ea typeface="+mn-lt"/>
-              <a:cs typeface="+mn-lt"/>
-            </a:endParaRPr>
+              <a:t>Alcance regional del Soporte de Adobe, horas locales de trabajo y compatibilidad de idioma</a:t>
+            </a:r>
           </a:p>
           <a:p>
             <a:pPr>
@@ -16626,17 +13395,31 @@
               </a:spcBef>
             </a:pPr>
             <a:r>
-              <a:rPr lang="en-US" sz="1000" spc="-15">
+              <a:rPr lang="es-ES" sz="1000" dirty="0">
                 <a:solidFill>
                   <a:srgbClr val="1F1F1F"/>
                 </a:solidFill>
                 <a:latin typeface="AdobeClean-Light"/>
               </a:rPr>
-              <a:t>The regional scope of Adobe Support is established by aligning the customer's billing address (via the Sales Order or other Adobe Support purchasing document) to one of the following regions:</a:t>
-            </a:r>
-            <a:endParaRPr lang="en-US" sz="1000">
-              <a:latin typeface="AdobeClean-Light"/>
-            </a:endParaRPr>
+              <a:t>El alcance regional del Soporte de Adobe se establece asignando la dirección de facturación del cliente (mediante la orden de venta </a:t>
+            </a:r>
+            <a:br>
+              <a:rPr lang="sk-SK" sz="1000" dirty="0">
+                <a:solidFill>
+                  <a:srgbClr val="1F1F1F"/>
+                </a:solidFill>
+                <a:latin typeface="AdobeClean-Light"/>
+              </a:rPr>
+            </a:br>
+            <a:r>
+              <a:rPr lang="es-ES" sz="1000" dirty="0">
+                <a:solidFill>
+                  <a:srgbClr val="1F1F1F"/>
+                </a:solidFill>
+                <a:latin typeface="AdobeClean-Light"/>
+              </a:rPr>
+              <a:t>o el documento de compra de Soporte de Adobe) con una de estas regiones:</a:t>
+            </a:r>
           </a:p>
         </p:txBody>
       </p:sp>
@@ -16655,7 +13438,7 @@
           <p:nvPr>
             <p:extLst>
               <p:ext uri="{D42A27DB-BD31-4B8C-83A1-F6EECF244321}">
-                <p14:modId xmlns:p14="http://schemas.microsoft.com/office/powerpoint/2010/main" val="1291534283"/>
+                <p14:modId xmlns:p14="http://schemas.microsoft.com/office/powerpoint/2010/main" val="3147843710"/>
               </p:ext>
             </p:extLst>
           </p:nvPr>
@@ -16708,13 +13491,13 @@
                     <a:p>
                       <a:pPr algn="ctr"/>
                       <a:r>
-                        <a:rPr lang="en-US" sz="1100">
+                        <a:rPr lang="es-ES" sz="1100">
                           <a:solidFill>
                             <a:schemeClr val="tx1"/>
                           </a:solidFill>
                           <a:latin typeface="Adobe Clean"/>
                         </a:rPr>
-                        <a:t>Americas</a:t>
+                        <a:t>América</a:t>
                       </a:r>
                     </a:p>
                   </a:txBody>
@@ -16773,13 +13556,30 @@
                     <a:p>
                       <a:pPr algn="ctr"/>
                       <a:r>
-                        <a:rPr lang="en-US" sz="1100">
+                        <a:rPr lang="es-ES" sz="1100" dirty="0">
                           <a:solidFill>
                             <a:schemeClr val="tx1"/>
                           </a:solidFill>
                           <a:latin typeface="Adobe Clean"/>
                         </a:rPr>
-                        <a:t>Europe, Middle East &amp; Africa</a:t>
+                        <a:t>Europa, Oriente Medio </a:t>
+                      </a:r>
+                      <a:br>
+                        <a:rPr lang="sk-SK" sz="1100" dirty="0">
+                          <a:solidFill>
+                            <a:schemeClr val="tx1"/>
+                          </a:solidFill>
+                          <a:latin typeface="Adobe Clean"/>
+                        </a:rPr>
+                      </a:br>
+                      <a:r>
+                        <a:rPr lang="es-ES" sz="1100" dirty="0">
+                          <a:solidFill>
+                            <a:schemeClr val="tx1"/>
+                          </a:solidFill>
+                          <a:latin typeface="Adobe Clean"/>
+                        </a:rPr>
+                        <a:t>y África</a:t>
                       </a:r>
                     </a:p>
                   </a:txBody>
@@ -16838,13 +13638,13 @@
                     <a:p>
                       <a:pPr algn="ctr"/>
                       <a:r>
-                        <a:rPr lang="en-US" sz="1100">
+                        <a:rPr lang="es-ES" sz="1100">
                           <a:solidFill>
                             <a:schemeClr val="tx1"/>
                           </a:solidFill>
                           <a:latin typeface="Adobe Clean"/>
                         </a:rPr>
-                        <a:t>Asia Pacific</a:t>
+                        <a:t>Asia-Pacífico</a:t>
                       </a:r>
                     </a:p>
                   </a:txBody>
@@ -16903,16 +13703,16 @@
                     <a:p>
                       <a:pPr algn="ctr"/>
                       <a:r>
-                        <a:rPr lang="en-US" sz="1100">
+                        <a:rPr lang="es-ES" sz="1100">
                           <a:solidFill>
                             <a:schemeClr val="tx1"/>
                           </a:solidFill>
                           <a:latin typeface="Adobe Clean"/>
                         </a:rPr>
-                        <a:t>Japan </a:t>
+                        <a:t>Japón </a:t>
                       </a:r>
                       <a:r>
-                        <a:rPr lang="en-US" sz="1100" baseline="30000">
+                        <a:rPr lang="es-ES" sz="1100" baseline="30000">
                           <a:solidFill>
                             <a:schemeClr val="tx1"/>
                           </a:solidFill>
@@ -16920,12 +13720,6 @@
                         </a:rPr>
                         <a:t>1 </a:t>
                       </a:r>
-                      <a:endParaRPr lang="en-US" sz="1100">
-                        <a:solidFill>
-                          <a:schemeClr val="tx1"/>
-                        </a:solidFill>
-                        <a:latin typeface="Adobe Clean" panose="020B0503020404020204" pitchFamily="34" charset="0"/>
-                      </a:endParaRPr>
                     </a:p>
                   </a:txBody>
                   <a:tcPr anchor="ctr">
@@ -16990,13 +13784,13 @@
                     <a:p>
                       <a:pPr algn="ctr"/>
                       <a:r>
-                        <a:rPr lang="en-US" sz="1100">
+                        <a:rPr lang="es-ES" sz="1100">
                           <a:solidFill>
                             <a:schemeClr val="tx1"/>
                           </a:solidFill>
                           <a:latin typeface="Adobe Clean"/>
                         </a:rPr>
-                        <a:t>6 am – 5:30 pm</a:t>
+                        <a:t>06:00 h - 17:30 h</a:t>
                       </a:r>
                     </a:p>
                   </a:txBody>
@@ -17055,13 +13849,13 @@
                     <a:p>
                       <a:pPr algn="ctr"/>
                       <a:r>
-                        <a:rPr lang="en-US" sz="1100">
+                        <a:rPr lang="es-ES" sz="1100">
                           <a:solidFill>
                             <a:schemeClr val="tx1"/>
                           </a:solidFill>
                           <a:latin typeface="Adobe Clean"/>
                         </a:rPr>
-                        <a:t>9 am – 5 pm</a:t>
+                        <a:t>09:00 h - 17:00 h</a:t>
                       </a:r>
                     </a:p>
                   </a:txBody>
@@ -17120,13 +13914,13 @@
                     <a:p>
                       <a:pPr algn="ctr"/>
                       <a:r>
-                        <a:rPr lang="en-US" sz="1100">
+                        <a:rPr lang="es-ES" sz="1100">
                           <a:solidFill>
                             <a:schemeClr val="tx1"/>
                           </a:solidFill>
                           <a:latin typeface="Adobe Clean"/>
                         </a:rPr>
-                        <a:t>9 am – 5 pm</a:t>
+                        <a:t>09:00 h - 17:00 h</a:t>
                       </a:r>
                     </a:p>
                   </a:txBody>
@@ -17185,13 +13979,13 @@
                     <a:p>
                       <a:pPr algn="ctr"/>
                       <a:r>
-                        <a:rPr lang="en-US" sz="1100">
+                        <a:rPr lang="es-ES" sz="1100">
                           <a:solidFill>
                             <a:schemeClr val="tx1"/>
                           </a:solidFill>
                           <a:latin typeface="Adobe Clean"/>
                         </a:rPr>
-                        <a:t>9 am – 5:30 pm</a:t>
+                        <a:t>09:00 h - 17:30 h</a:t>
                       </a:r>
                     </a:p>
                   </a:txBody>
@@ -17268,12 +14062,12 @@
                         <a:buNone/>
                       </a:pPr>
                       <a:r>
-                        <a:rPr lang="en-US" sz="1100" b="0" i="0" u="none" strike="noStrike" noProof="0"/>
-                        <a:t>Language support is only available in English and Japanese.</a:t>
+                        <a:rPr lang="es-ES" sz="1100" b="0" i="0" u="none" strike="noStrike" noProof="0" dirty="0"/>
+                        <a:t>Compatibilidad de idioma solo disponible en inglés y japonés</a:t>
                       </a:r>
                     </a:p>
                     <a:p>
-                      <a:pPr lvl="0" algn="ctr">
+                      <a:pPr lvl="0" algn="l" rtl="0">
                         <a:lnSpc>
                           <a:spcPct val="100000"/>
                         </a:lnSpc>
@@ -17285,7 +14079,7 @@
                         </a:spcAft>
                         <a:buNone/>
                       </a:pPr>
-                      <a:endParaRPr lang="en-US" sz="1100" b="0" i="0" u="none" strike="noStrike" noProof="0"/>
+                      <a:endParaRPr lang="en-US" sz="1100" b="0" i="0" u="none" strike="noStrike" noProof="0" dirty="0"/>
                     </a:p>
                     <a:p>
                       <a:pPr lvl="0" algn="ctr">
@@ -17301,18 +14095,17 @@
                         <a:buNone/>
                       </a:pPr>
                       <a:r>
-                        <a:rPr lang="en-US" sz="1100" b="0" i="0" u="none" strike="noStrike" noProof="0"/>
+                        <a:rPr lang="es-ES" sz="1100" b="0" i="0" u="none" strike="noStrike" noProof="0" dirty="0"/>
                         <a:t> </a:t>
                       </a:r>
                       <a:r>
-                        <a:rPr lang="en-US" sz="1100" b="0" i="0" u="none" strike="noStrike" baseline="30000" noProof="0"/>
+                        <a:rPr lang="es-ES" sz="1100" b="0" i="0" u="none" strike="noStrike" baseline="30000" noProof="0" dirty="0"/>
                         <a:t>1 </a:t>
                       </a:r>
                       <a:r>
-                        <a:rPr lang="en-US" sz="1100" b="0" i="0" u="none" strike="noStrike" noProof="0"/>
-                        <a:t>P2, P3, P4 cases are limited to business hours only in Japan.</a:t>
+                        <a:rPr lang="es-ES" sz="1100" b="0" i="0" u="none" strike="noStrike" noProof="0" dirty="0"/>
+                        <a:t>Los casos de P2, P3, P4 se limitan únicamente al horario laboral en Japón.</a:t>
                       </a:r>
-                      <a:endParaRPr lang="en-US" sz="1100" b="1" i="0" u="none" strike="noStrike" noProof="0"/>
                     </a:p>
                   </a:txBody>
                   <a:tcPr anchor="ctr">
@@ -17654,7 +14447,7 @@
         </p:nvSpPr>
         <p:spPr>
           <a:xfrm>
-            <a:off x="2840871" y="8528519"/>
+            <a:off x="2833251" y="8528519"/>
             <a:ext cx="810895" cy="385445"/>
           </a:xfrm>
           <a:prstGeom prst="rect">
@@ -17667,7 +14460,7 @@
           </a:bodyPr>
           <a:lstStyle/>
           <a:p>
-            <a:pPr marL="139065" marR="5080" indent="-139065">
+            <a:pPr marR="5080" algn="ctr">
               <a:lnSpc>
                 <a:spcPts val="1390"/>
               </a:lnSpc>
@@ -17676,129 +14469,15 @@
               </a:spcBef>
             </a:pPr>
             <a:r>
-              <a:rPr sz="1200" b="1" spc="-15">
+              <a:rPr lang="es-ES" sz="1200" b="1" dirty="0">
                 <a:solidFill>
                   <a:srgbClr val="FFFFFF"/>
                 </a:solidFill>
                 <a:latin typeface="Adobe Clean"/>
                 <a:cs typeface="Adobe Clean"/>
               </a:rPr>
-              <a:t>U</a:t>
-            </a:r>
-            <a:r>
-              <a:rPr sz="1200" b="1" spc="-20">
-                <a:solidFill>
-                  <a:srgbClr val="FFFFFF"/>
-                </a:solidFill>
-                <a:latin typeface="Adobe Clean"/>
-                <a:cs typeface="Adobe Clean"/>
-              </a:rPr>
-              <a:t>n</a:t>
-            </a:r>
-            <a:r>
-              <a:rPr sz="1200" b="1" spc="-25">
-                <a:solidFill>
-                  <a:srgbClr val="FFFFFF"/>
-                </a:solidFill>
-                <a:latin typeface="Adobe Clean"/>
-                <a:cs typeface="Adobe Clean"/>
-              </a:rPr>
-              <a:t>p</a:t>
-            </a:r>
-            <a:r>
-              <a:rPr sz="1200" b="1" spc="-15">
-                <a:solidFill>
-                  <a:srgbClr val="FFFFFF"/>
-                </a:solidFill>
-                <a:latin typeface="Adobe Clean"/>
-                <a:cs typeface="Adobe Clean"/>
-              </a:rPr>
-              <a:t>a</a:t>
-            </a:r>
-            <a:r>
-              <a:rPr sz="1200" b="1" spc="-25">
-                <a:solidFill>
-                  <a:srgbClr val="FFFFFF"/>
-                </a:solidFill>
-                <a:latin typeface="Adobe Clean"/>
-                <a:cs typeface="Adobe Clean"/>
-              </a:rPr>
-              <a:t>r</a:t>
-            </a:r>
-            <a:r>
-              <a:rPr sz="1200" b="1" spc="-15">
-                <a:solidFill>
-                  <a:srgbClr val="FFFFFF"/>
-                </a:solidFill>
-                <a:latin typeface="Adobe Clean"/>
-                <a:cs typeface="Adobe Clean"/>
-              </a:rPr>
-              <a:t>a</a:t>
-            </a:r>
-            <a:r>
-              <a:rPr sz="1200" b="1" spc="-30">
-                <a:solidFill>
-                  <a:srgbClr val="FFFFFF"/>
-                </a:solidFill>
-                <a:latin typeface="Adobe Clean"/>
-                <a:cs typeface="Adobe Clean"/>
-              </a:rPr>
-              <a:t>ll</a:t>
-            </a:r>
-            <a:r>
-              <a:rPr sz="1200" b="1" spc="-25">
-                <a:solidFill>
-                  <a:srgbClr val="FFFFFF"/>
-                </a:solidFill>
-                <a:latin typeface="Adobe Clean"/>
-                <a:cs typeface="Adobe Clean"/>
-              </a:rPr>
-              <a:t>e</a:t>
-            </a:r>
-            <a:r>
-              <a:rPr sz="1200" b="1" spc="-30">
-                <a:solidFill>
-                  <a:srgbClr val="FFFFFF"/>
-                </a:solidFill>
-                <a:latin typeface="Adobe Clean"/>
-                <a:cs typeface="Adobe Clean"/>
-              </a:rPr>
-              <a:t>l</a:t>
-            </a:r>
-            <a:r>
-              <a:rPr sz="1200" b="1" spc="-25">
-                <a:solidFill>
-                  <a:srgbClr val="FFFFFF"/>
-                </a:solidFill>
-                <a:latin typeface="Adobe Clean"/>
-                <a:cs typeface="Adobe Clean"/>
-              </a:rPr>
-              <a:t>e</a:t>
-            </a:r>
-            <a:r>
-              <a:rPr sz="1200" b="1">
-                <a:solidFill>
-                  <a:srgbClr val="FFFFFF"/>
-                </a:solidFill>
-                <a:latin typeface="Adobe Clean"/>
-                <a:cs typeface="Adobe Clean"/>
-              </a:rPr>
-              <a:t>d  </a:t>
-            </a:r>
-            <a:r>
-              <a:rPr sz="1200" b="1" spc="-25">
-                <a:solidFill>
-                  <a:srgbClr val="FFFFFF"/>
-                </a:solidFill>
-                <a:latin typeface="Adobe Clean"/>
-                <a:cs typeface="Adobe Clean"/>
-              </a:rPr>
-              <a:t>Expertise</a:t>
-            </a:r>
-            <a:endParaRPr sz="1200">
-              <a:latin typeface="Adobe Clean"/>
-              <a:cs typeface="Adobe Clean"/>
-            </a:endParaRPr>
+              <a:t>Experiencia sin igual</a:t>
+            </a:r>
           </a:p>
         </p:txBody>
       </p:sp>
@@ -17816,7 +14495,7 @@
         </p:nvSpPr>
         <p:spPr>
           <a:xfrm>
-            <a:off x="4732495" y="8541244"/>
+            <a:off x="4671535" y="8541244"/>
             <a:ext cx="810895" cy="382797"/>
           </a:xfrm>
           <a:prstGeom prst="rect">
@@ -17829,7 +14508,7 @@
           </a:bodyPr>
           <a:lstStyle/>
           <a:p>
-            <a:pPr marL="139065" marR="5080" indent="-139065">
+            <a:pPr marR="5080" algn="ctr">
               <a:lnSpc>
                 <a:spcPts val="1390"/>
               </a:lnSpc>
@@ -17838,19 +14517,15 @@
               </a:spcBef>
             </a:pPr>
             <a:r>
-              <a:rPr lang="en-US" sz="1200" b="1" spc="-15">
+              <a:rPr lang="es-ES" sz="1200" b="1" dirty="0">
                 <a:solidFill>
                   <a:srgbClr val="FFFFFF"/>
                 </a:solidFill>
                 <a:latin typeface="Adobe Clean"/>
                 <a:cs typeface="Adobe Clean"/>
               </a:rPr>
-              <a:t>Accelerated Support</a:t>
-            </a:r>
-            <a:endParaRPr sz="1200">
-              <a:latin typeface="Adobe Clean"/>
-              <a:cs typeface="Adobe Clean"/>
-            </a:endParaRPr>
+              <a:t>Asistencia ágil</a:t>
+            </a:r>
           </a:p>
         </p:txBody>
       </p:sp>
@@ -17868,8 +14543,8 @@
         </p:nvSpPr>
         <p:spPr>
           <a:xfrm>
-            <a:off x="6624119" y="8543943"/>
-            <a:ext cx="510540" cy="385445"/>
+            <a:off x="6494578" y="8543943"/>
+            <a:ext cx="759661" cy="382797"/>
           </a:xfrm>
           <a:prstGeom prst="rect">
             <a:avLst/>
@@ -17881,7 +14556,7 @@
           </a:bodyPr>
           <a:lstStyle/>
           <a:p>
-            <a:pPr marL="50800" marR="5080" indent="-51435">
+            <a:pPr marL="50800" marR="5080" indent="-51435" algn="ctr">
               <a:lnSpc>
                 <a:spcPts val="1390"/>
               </a:lnSpc>
@@ -17890,109 +14565,15 @@
               </a:spcBef>
             </a:pPr>
             <a:r>
-              <a:rPr sz="1200" b="1" spc="-50">
+              <a:rPr lang="es-ES" sz="1200" b="1" dirty="0">
                 <a:solidFill>
                   <a:srgbClr val="FFFFFF"/>
                 </a:solidFill>
                 <a:latin typeface="Adobe Clean"/>
                 <a:cs typeface="Adobe Clean"/>
               </a:rPr>
-              <a:t>S</a:t>
-            </a:r>
-            <a:r>
-              <a:rPr sz="1200" b="1" spc="-20">
-                <a:solidFill>
-                  <a:srgbClr val="FFFFFF"/>
-                </a:solidFill>
-                <a:latin typeface="Adobe Clean"/>
-                <a:cs typeface="Adobe Clean"/>
-              </a:rPr>
-              <a:t>t</a:t>
-            </a:r>
-            <a:r>
-              <a:rPr sz="1200" b="1" spc="-75">
-                <a:solidFill>
-                  <a:srgbClr val="FFFFFF"/>
-                </a:solidFill>
-                <a:latin typeface="Adobe Clean"/>
-                <a:cs typeface="Adobe Clean"/>
-              </a:rPr>
-              <a:t>r</a:t>
-            </a:r>
-            <a:r>
-              <a:rPr sz="1200" b="1" spc="-90">
-                <a:solidFill>
-                  <a:srgbClr val="FFFFFF"/>
-                </a:solidFill>
-                <a:latin typeface="Adobe Clean"/>
-                <a:cs typeface="Adobe Clean"/>
-              </a:rPr>
-              <a:t>a</a:t>
-            </a:r>
-            <a:r>
-              <a:rPr sz="1200" b="1" spc="-55">
-                <a:solidFill>
-                  <a:srgbClr val="FFFFFF"/>
-                </a:solidFill>
-                <a:latin typeface="Adobe Clean"/>
-                <a:cs typeface="Adobe Clean"/>
-              </a:rPr>
-              <a:t>t</a:t>
-            </a:r>
-            <a:r>
-              <a:rPr sz="1200" b="1" spc="-100">
-                <a:solidFill>
-                  <a:srgbClr val="FFFFFF"/>
-                </a:solidFill>
-                <a:latin typeface="Adobe Clean"/>
-                <a:cs typeface="Adobe Clean"/>
-              </a:rPr>
-              <a:t>e</a:t>
-            </a:r>
-            <a:r>
-              <a:rPr sz="1200" b="1" spc="-80">
-                <a:solidFill>
-                  <a:srgbClr val="FFFFFF"/>
-                </a:solidFill>
-                <a:latin typeface="Adobe Clean"/>
-                <a:cs typeface="Adobe Clean"/>
-              </a:rPr>
-              <a:t>g</a:t>
-            </a:r>
-            <a:r>
-              <a:rPr sz="1200" b="1" spc="-35">
-                <a:solidFill>
-                  <a:srgbClr val="FFFFFF"/>
-                </a:solidFill>
-                <a:latin typeface="Adobe Clean"/>
-                <a:cs typeface="Adobe Clean"/>
-              </a:rPr>
-              <a:t>i</a:t>
-            </a:r>
-            <a:r>
-              <a:rPr sz="1200" b="1">
-                <a:solidFill>
-                  <a:srgbClr val="FFFFFF"/>
-                </a:solidFill>
-                <a:latin typeface="Adobe Clean"/>
-                <a:cs typeface="Adobe Clean"/>
-              </a:rPr>
-              <a:t>c  </a:t>
-            </a:r>
-            <a:r>
-              <a:rPr sz="1200" b="1" spc="-45">
-                <a:solidFill>
-                  <a:srgbClr val="FFFFFF"/>
-                </a:solidFill>
-                <a:latin typeface="Adobe Clean"/>
-                <a:cs typeface="Adobe Clean"/>
-              </a:rPr>
-              <a:t>Advice</a:t>
-            </a:r>
-            <a:endParaRPr sz="1200">
-              <a:latin typeface="Adobe Clean"/>
-              <a:cs typeface="Adobe Clean"/>
-            </a:endParaRPr>
+              <a:t>Asesoría estratégica</a:t>
+            </a:r>
           </a:p>
         </p:txBody>
       </p:sp>
@@ -18011,14 +14592,14 @@
           <p:nvPr>
             <p:extLst>
               <p:ext uri="{D42A27DB-BD31-4B8C-83A1-F6EECF244321}">
-                <p14:modId xmlns:p14="http://schemas.microsoft.com/office/powerpoint/2010/main" val="1502969284"/>
+                <p14:modId xmlns:p14="http://schemas.microsoft.com/office/powerpoint/2010/main" val="2537286833"/>
               </p:ext>
             </p:extLst>
           </p:nvPr>
         </p:nvGraphicFramePr>
         <p:xfrm>
           <a:off x="194237" y="1272353"/>
-          <a:ext cx="7368291" cy="3235960"/>
+          <a:ext cx="7368291" cy="3388360"/>
         </p:xfrm>
         <a:graphic>
           <a:graphicData uri="http://schemas.openxmlformats.org/drawingml/2006/table">
@@ -18049,7 +14630,7 @@
                     <a:lstStyle/>
                     <a:p>
                       <a:r>
-                        <a:rPr lang="en-US" sz="1100" b="0">
+                        <a:rPr lang="es-ES" sz="1100" b="0">
                           <a:solidFill>
                             <a:schemeClr val="tx1"/>
                           </a:solidFill>
@@ -18060,14 +14641,6 @@
                         </a:rPr>
                         <a:t>Experience League</a:t>
                       </a:r>
-                      <a:endParaRPr lang="en-US" sz="1100" b="0">
-                        <a:solidFill>
-                          <a:schemeClr val="tx1"/>
-                        </a:solidFill>
-                        <a:latin typeface="Adobe Clean" panose="020B0503020404020204" pitchFamily="34" charset="0"/>
-                        <a:ea typeface="+mn-ea"/>
-                        <a:cs typeface="+mn-cs"/>
-                      </a:endParaRPr>
                     </a:p>
                   </a:txBody>
                   <a:tcPr marL="47625" marR="47625" marT="0" marB="0" anchor="ctr">
@@ -18141,7 +14714,7 @@
                         <a:defRPr/>
                       </a:pPr>
                       <a:r>
-                        <a:rPr lang="en-US" sz="1000" b="0" kern="1200">
+                        <a:rPr lang="es-ES" sz="1000" b="0" dirty="0" err="1">
                           <a:solidFill>
                             <a:srgbClr val="000000"/>
                           </a:solidFill>
@@ -18149,7 +14722,102 @@
                           <a:ea typeface="+mn-ea"/>
                           <a:cs typeface="+mn-cs"/>
                         </a:rPr>
-                        <a:t>Experience League is how Adobe helps businesses achieve the value they expect from their Adobe investment. It’s the unified place where customers can learn, connect, and grow along a personalized path to success that includes self-help tutorials, product documentation, instructor-led training, community and technical support. </a:t>
+                        <a:t>Experience</a:t>
+                      </a:r>
+                      <a:r>
+                        <a:rPr lang="es-ES" sz="1000" b="0" dirty="0">
+                          <a:solidFill>
+                            <a:srgbClr val="000000"/>
+                          </a:solidFill>
+                          <a:latin typeface="Adobe Clean Light" panose="020B0303020404020204" pitchFamily="34" charset="0"/>
+                          <a:ea typeface="+mn-ea"/>
+                          <a:cs typeface="+mn-cs"/>
+                        </a:rPr>
+                        <a:t> League permite a Adobe ayudar a las empresas a alcanzar el valor que esperan de su inversión en Adobe. Es el lugar unificado </a:t>
+                      </a:r>
+                      <a:br>
+                        <a:rPr lang="sk-SK" sz="1000" b="0" dirty="0">
+                          <a:solidFill>
+                            <a:srgbClr val="000000"/>
+                          </a:solidFill>
+                          <a:latin typeface="Adobe Clean Light" panose="020B0303020404020204" pitchFamily="34" charset="0"/>
+                          <a:ea typeface="+mn-ea"/>
+                          <a:cs typeface="+mn-cs"/>
+                        </a:rPr>
+                      </a:br>
+                      <a:r>
+                        <a:rPr lang="es-ES" sz="1000" b="0" dirty="0">
+                          <a:solidFill>
+                            <a:srgbClr val="000000"/>
+                          </a:solidFill>
+                          <a:latin typeface="Adobe Clean Light" panose="020B0303020404020204" pitchFamily="34" charset="0"/>
+                          <a:ea typeface="+mn-ea"/>
+                          <a:cs typeface="+mn-cs"/>
+                        </a:rPr>
+                        <a:t>en el que los clientes pueden aprender, dialogar y crecer siguiendo </a:t>
+                      </a:r>
+                      <a:br>
+                        <a:rPr lang="sk-SK" sz="1000" b="0" dirty="0">
+                          <a:solidFill>
+                            <a:srgbClr val="000000"/>
+                          </a:solidFill>
+                          <a:latin typeface="Adobe Clean Light" panose="020B0303020404020204" pitchFamily="34" charset="0"/>
+                          <a:ea typeface="+mn-ea"/>
+                          <a:cs typeface="+mn-cs"/>
+                        </a:rPr>
+                      </a:br>
+                      <a:r>
+                        <a:rPr lang="es-ES" sz="1000" b="0" dirty="0">
+                          <a:solidFill>
+                            <a:srgbClr val="000000"/>
+                          </a:solidFill>
+                          <a:latin typeface="Adobe Clean Light" panose="020B0303020404020204" pitchFamily="34" charset="0"/>
+                          <a:ea typeface="+mn-ea"/>
+                          <a:cs typeface="+mn-cs"/>
+                        </a:rPr>
+                        <a:t>un camino personalizado hacia el éxito que incluye tutoriales </a:t>
+                      </a:r>
+                      <a:br>
+                        <a:rPr lang="sk-SK" sz="1000" b="0" dirty="0">
+                          <a:solidFill>
+                            <a:srgbClr val="000000"/>
+                          </a:solidFill>
+                          <a:latin typeface="Adobe Clean Light" panose="020B0303020404020204" pitchFamily="34" charset="0"/>
+                          <a:ea typeface="+mn-ea"/>
+                          <a:cs typeface="+mn-cs"/>
+                        </a:rPr>
+                      </a:br>
+                      <a:r>
+                        <a:rPr lang="es-ES" sz="1000" b="0" dirty="0">
+                          <a:solidFill>
+                            <a:srgbClr val="000000"/>
+                          </a:solidFill>
+                          <a:latin typeface="Adobe Clean Light" panose="020B0303020404020204" pitchFamily="34" charset="0"/>
+                          <a:ea typeface="+mn-ea"/>
+                          <a:cs typeface="+mn-cs"/>
+                        </a:rPr>
+                        <a:t>de autoayuda, documentación de productos, formación dirigida </a:t>
+                      </a:r>
+                      <a:br>
+                        <a:rPr lang="sk-SK" sz="1000" b="0" dirty="0">
+                          <a:solidFill>
+                            <a:srgbClr val="000000"/>
+                          </a:solidFill>
+                          <a:latin typeface="Adobe Clean Light" panose="020B0303020404020204" pitchFamily="34" charset="0"/>
+                          <a:ea typeface="+mn-ea"/>
+                          <a:cs typeface="+mn-cs"/>
+                        </a:rPr>
+                      </a:br>
+                      <a:r>
+                        <a:rPr lang="es-ES" sz="1000" b="0" dirty="0">
+                          <a:solidFill>
+                            <a:srgbClr val="000000"/>
+                          </a:solidFill>
+                          <a:latin typeface="Adobe Clean Light" panose="020B0303020404020204" pitchFamily="34" charset="0"/>
+                          <a:ea typeface="+mn-ea"/>
+                          <a:cs typeface="+mn-cs"/>
+                        </a:rPr>
+                        <a:t>por instructores, y asistencia técnica y comunitaria. </a:t>
                       </a:r>
                     </a:p>
                   </a:txBody>
@@ -18231,39 +14899,28 @@
                         <a:defRPr/>
                       </a:pPr>
                       <a:r>
-                        <a:rPr lang="en-US" sz="1100">
+                        <a:rPr lang="es-ES" sz="1100">
                           <a:solidFill>
                             <a:schemeClr val="dk1"/>
                           </a:solidFill>
-                          <a:effectLst/>
                           <a:latin typeface="Adobe Clean" panose="020B0503020404020204" pitchFamily="34" charset="0"/>
                           <a:ea typeface="+mn-ea"/>
                           <a:cs typeface="+mn-cs"/>
                           <a:hlinkClick r:id="rId8"/>
                         </a:rPr>
-                        <a:t>Training</a:t>
+                        <a:t>Formación</a:t>
                       </a:r>
                       <a:r>
-                        <a:rPr lang="en-US" sz="1100">
+                        <a:rPr lang="es-ES" sz="1100">
                           <a:solidFill>
                             <a:schemeClr val="dk1"/>
                           </a:solidFill>
-                          <a:effectLst/>
                           <a:latin typeface="Adobe Clean" panose="020B0503020404020204" pitchFamily="34" charset="0"/>
                           <a:ea typeface="+mn-ea"/>
                           <a:cs typeface="+mn-cs"/>
                         </a:rPr>
                         <a:t> </a:t>
                       </a:r>
-                      <a:endParaRPr lang="en-US" sz="1100">
-                        <a:solidFill>
-                          <a:schemeClr val="tx1"/>
-                        </a:solidFill>
-                        <a:effectLst/>
-                        <a:latin typeface="Adobe Clean" panose="020B0503020404020204" pitchFamily="34" charset="0"/>
-                        <a:ea typeface="+mn-ea"/>
-                        <a:cs typeface="+mn-cs"/>
-                      </a:endParaRPr>
                     </a:p>
                   </a:txBody>
                   <a:tcPr anchor="ctr">
@@ -18337,7 +14994,7 @@
                         <a:defRPr/>
                       </a:pPr>
                       <a:r>
-                        <a:rPr lang="en-US" sz="1000" kern="1200">
+                        <a:rPr lang="es-ES" sz="1000">
                           <a:solidFill>
                             <a:srgbClr val="000000"/>
                           </a:solidFill>
@@ -18345,7 +15002,7 @@
                           <a:ea typeface="+mn-ea"/>
                           <a:cs typeface="+mn-cs"/>
                         </a:rPr>
-                        <a:t>Adobe Digital Learning Services courses are accessible from Experience League. Learning courses integrate both on-demand and instructor-led lessons.  Here you can accrue skills that have recognized market value and position them to drive success in your organizations.</a:t>
+                        <a:t>Puede acceder a los cursos de Adobe Digital Learning Services desde Experience League. Los cursos de formación incluyen desde lecciones bajo demanda hasta lecciones impartidas por instructores.  Aquí puede aprender habilidades con valor de mercado reconocido para impulsar el éxito en su organización.</a:t>
                       </a:r>
                     </a:p>
                   </a:txBody>
@@ -18427,27 +15084,17 @@
                         <a:defRPr/>
                       </a:pPr>
                       <a:r>
-                        <a:rPr lang="en-US" sz="1100">
+                        <a:rPr lang="es-ES" sz="1100">
                           <a:solidFill>
                             <a:schemeClr val="tx1"/>
                           </a:solidFill>
-                          <a:effectLst/>
                           <a:latin typeface="Adobe Clean" panose="020B0503020404020204" pitchFamily="34" charset="0"/>
                           <a:ea typeface="+mn-ea"/>
                           <a:cs typeface="+mn-cs"/>
                           <a:hlinkClick r:id="rId9"/>
                         </a:rPr>
-                        <a:t>Production Issues &amp; System Outages</a:t>
+                        <a:t>Problemas de producción e interrupciones del sistema</a:t>
                       </a:r>
-                      <a:endParaRPr lang="en-US" sz="1100">
-                        <a:solidFill>
-                          <a:schemeClr val="tx1"/>
-                        </a:solidFill>
-                        <a:effectLst/>
-                        <a:latin typeface="Adobe Clean" panose="020B0503020404020204" pitchFamily="34" charset="0"/>
-                        <a:ea typeface="+mn-ea"/>
-                        <a:cs typeface="+mn-cs"/>
-                      </a:endParaRPr>
                     </a:p>
                   </a:txBody>
                   <a:tcPr anchor="ctr">
@@ -18521,7 +15168,7 @@
                         <a:defRPr/>
                       </a:pPr>
                       <a:r>
-                        <a:rPr lang="en-US" sz="1000" kern="1200">
+                        <a:rPr lang="es-ES" sz="1000">
                           <a:solidFill>
                             <a:srgbClr val="000000"/>
                           </a:solidFill>
@@ -18529,7 +15176,7 @@
                           <a:ea typeface="+mn-ea"/>
                           <a:cs typeface="+mn-cs"/>
                         </a:rPr>
-                        <a:t>Status.adobe.com conveys the health information of all Adobe products and services that are deployed in multi-tenant environments. Customers can choose their subscription preferences to get email notifications whenever Adobe creates, updates or resolves a product event. This can include scheduled maintenance or service issues of varying levels of severity. </a:t>
+                        <a:t>Status.adobe.com transmite la información de estado de todos los productos y servicios de Adobe implementados en entornos de varios inquilinos. Los clientes pueden elegir sus preferencias de suscripción para recibir notificaciones por correo electrónico cada vez que Adobe cree, actualice o resuelva un evento de producto. Esto puede incluir problemas de mantenimiento o servicio programados de diversos niveles de gravedad. </a:t>
                       </a:r>
                     </a:p>
                   </a:txBody>
@@ -18611,27 +15258,17 @@
                         <a:defRPr/>
                       </a:pPr>
                       <a:r>
-                        <a:rPr lang="en-US" sz="1100">
+                        <a:rPr lang="es-ES" sz="1100">
                           <a:solidFill>
                             <a:schemeClr val="tx1"/>
                           </a:solidFill>
-                          <a:effectLst/>
                           <a:latin typeface="Adobe Clean" panose="020B0503020404020204" pitchFamily="34" charset="0"/>
                           <a:ea typeface="+mn-ea"/>
                           <a:cs typeface="+mn-cs"/>
                           <a:hlinkClick r:id="rId10"/>
                         </a:rPr>
-                        <a:t>Terms and Conditions</a:t>
+                        <a:t>Términos y condiciones</a:t>
                       </a:r>
-                      <a:endParaRPr lang="en-US" sz="1100">
-                        <a:solidFill>
-                          <a:schemeClr val="tx1"/>
-                        </a:solidFill>
-                        <a:effectLst/>
-                        <a:latin typeface="Adobe Clean" panose="020B0503020404020204" pitchFamily="34" charset="0"/>
-                        <a:ea typeface="+mn-ea"/>
-                        <a:cs typeface="+mn-cs"/>
-                      </a:endParaRPr>
                     </a:p>
                   </a:txBody>
                   <a:tcPr anchor="ctr">
@@ -18688,7 +15325,7 @@
                     <a:lstStyle/>
                     <a:p>
                       <a:r>
-                        <a:rPr lang="en-US" sz="1000" kern="1200">
+                        <a:rPr lang="es-ES" sz="1000" dirty="0">
                           <a:solidFill>
                             <a:srgbClr val="000000"/>
                           </a:solidFill>
@@ -18696,7 +15333,7 @@
                           <a:ea typeface="+mn-ea"/>
                           <a:cs typeface="+mn-cs"/>
                         </a:rPr>
-                        <a:t>Terms and conditions detailing Support Services offerings</a:t>
+                        <a:t>Términos y condiciones de las ofertas de los servicios de soporte</a:t>
                       </a:r>
                     </a:p>
                   </a:txBody>
@@ -19467,12 +16104,9 @@
 </file>
 
 <file path=customXml/item1.xml><?xml version="1.0" encoding="utf-8"?>
-<?mso-contentType ?>
-<FormTemplates xmlns="http://schemas.microsoft.com/sharepoint/v3/contenttype/forms">
-  <Display>DocumentLibraryForm</Display>
-  <Edit>DocumentLibraryForm</Edit>
-  <New>DocumentLibraryForm</New>
-</FormTemplates>
+<p:properties xmlns:p="http://schemas.microsoft.com/office/2006/metadata/properties" xmlns:xsi="http://www.w3.org/2001/XMLSchema-instance" xmlns:pc="http://schemas.microsoft.com/office/infopath/2007/PartnerControls">
+  <documentManagement/>
+</p:properties>
 </file>
 
 <file path=customXml/item2.xml><?xml version="1.0" encoding="utf-8"?>
@@ -19681,15 +16315,19 @@
 </file>
 
 <file path=customXml/item3.xml><?xml version="1.0" encoding="utf-8"?>
-<p:properties xmlns:p="http://schemas.microsoft.com/office/2006/metadata/properties" xmlns:xsi="http://www.w3.org/2001/XMLSchema-instance" xmlns:pc="http://schemas.microsoft.com/office/infopath/2007/PartnerControls">
-  <documentManagement/>
-</p:properties>
+<?mso-contentType ?>
+<FormTemplates xmlns="http://schemas.microsoft.com/sharepoint/v3/contenttype/forms">
+  <Display>DocumentLibraryForm</Display>
+  <Edit>DocumentLibraryForm</Edit>
+  <New>DocumentLibraryForm</New>
+</FormTemplates>
 </file>
 
 <file path=customXml/itemProps1.xml><?xml version="1.0" encoding="utf-8"?>
-<ds:datastoreItem xmlns:ds="http://schemas.openxmlformats.org/officeDocument/2006/customXml" ds:itemID="{941989CE-20BB-4A6A-A33F-71A1AE469C3E}">
+<ds:datastoreItem xmlns:ds="http://schemas.openxmlformats.org/officeDocument/2006/customXml" ds:itemID="{ED4099BE-EDEC-4FF1-8378-446617236015}">
   <ds:schemaRefs>
-    <ds:schemaRef ds:uri="http://schemas.microsoft.com/sharepoint/v3/contenttype/forms"/>
+    <ds:schemaRef ds:uri="http://schemas.microsoft.com/office/2006/metadata/properties"/>
+    <ds:schemaRef ds:uri="http://schemas.microsoft.com/office/infopath/2007/PartnerControls"/>
   </ds:schemaRefs>
 </ds:datastoreItem>
 </file>
@@ -19714,10 +16352,9 @@
 </file>
 
 <file path=customXml/itemProps3.xml><?xml version="1.0" encoding="utf-8"?>
-<ds:datastoreItem xmlns:ds="http://schemas.openxmlformats.org/officeDocument/2006/customXml" ds:itemID="{ED4099BE-EDEC-4FF1-8378-446617236015}">
+<ds:datastoreItem xmlns:ds="http://schemas.openxmlformats.org/officeDocument/2006/customXml" ds:itemID="{941989CE-20BB-4A6A-A33F-71A1AE469C3E}">
   <ds:schemaRefs>
-    <ds:schemaRef ds:uri="http://schemas.microsoft.com/office/2006/metadata/properties"/>
-    <ds:schemaRef ds:uri="http://schemas.microsoft.com/office/infopath/2007/PartnerControls"/>
+    <ds:schemaRef ds:uri="http://schemas.microsoft.com/sharepoint/v3/contenttype/forms"/>
   </ds:schemaRefs>
 </ds:datastoreItem>
 </file>
--- a/help/data-sheets/assets/EnterpriseSupportDatasheet.pptx
+++ b/help/data-sheets/assets/EnterpriseSupportDatasheet.pptx
@@ -144,13 +144,9 @@
 <file path=ppt/revisionInfo.xml><?xml version="1.0" encoding="utf-8"?>
 <p1510:revInfo xmlns:a="http://schemas.openxmlformats.org/drawingml/2006/main" xmlns:r="http://schemas.openxmlformats.org/officeDocument/2006/relationships" xmlns:p1510="http://schemas.microsoft.com/office/powerpoint/2015/10/main">
   <p1510:revLst>
-    <p1510:client id="{0AB2EF93-BE08-D205-D43E-3B568BB37DAA}" v="26" dt="2021-09-22T23:01:49.517"/>
-    <p1510:client id="{0AC6A3A1-0788-C69A-5EFD-279F3FA2CF0F}" v="51" dt="2021-09-22T18:56:17.553"/>
-    <p1510:client id="{112231ED-4F38-A856-2EFF-9D0F88AC9BDF}" v="3" dt="2021-09-22T19:11:31.474"/>
-    <p1510:client id="{3CA2F123-FAC9-2CDD-7937-C83283BA7837}" v="1" dt="2021-09-16T20:58:19.458"/>
-    <p1510:client id="{3F02B349-0406-AE51-D438-E7A0BE890230}" v="20" dt="2021-08-25T18:45:08.206"/>
-    <p1510:client id="{A40C3D7D-993B-38B2-2DDA-C562505A1054}" v="4" dt="2021-09-22T23:00:46.860"/>
-    <p1510:client id="{BAC4F85F-6423-7248-85C4-44132DA97563}" v="77" dt="2021-08-07T08:51:03.454"/>
+    <p1510:client id="{19826C17-B3F5-53A1-AAFF-C7771804C7A7}" v="128" dt="2021-10-13T18:50:39.613"/>
+    <p1510:client id="{1A3D389F-0E00-444F-BDF7-5C174E20EEC2}" v="2" dt="2021-10-13T19:33:05.183"/>
+    <p1510:client id="{D02E726A-82A5-CF13-9EBE-9B674D878D37}" v="22" dt="2021-10-12T19:51:27.470"/>
   </p1510:revLst>
 </p1510:revInfo>
 </file>
@@ -208,6 +204,139 @@
             <pc:docMk/>
             <pc:sldMk cId="1050037809" sldId="261"/>
             <ac:graphicFrameMk id="25" creationId="{3A91F5B0-3974-A14D-A146-FB590F2AAD18}"/>
+          </ac:graphicFrameMkLst>
+        </pc:graphicFrameChg>
+      </pc:sldChg>
+    </pc:docChg>
+  </pc:docChgLst>
+  <pc:docChgLst>
+    <pc:chgData name="Akilah Johnson" userId="S::akjohnso@adobe.com::2fa3aa60-0c9c-4d06-bae2-795983241227" providerId="AD" clId="Web-{19826C17-B3F5-53A1-AAFF-C7771804C7A7}"/>
+    <pc:docChg chg="modSld">
+      <pc:chgData name="Akilah Johnson" userId="S::akjohnso@adobe.com::2fa3aa60-0c9c-4d06-bae2-795983241227" providerId="AD" clId="Web-{19826C17-B3F5-53A1-AAFF-C7771804C7A7}" dt="2021-10-13T18:50:21.160" v="67"/>
+      <pc:docMkLst>
+        <pc:docMk/>
+      </pc:docMkLst>
+      <pc:sldChg chg="modSp">
+        <pc:chgData name="Akilah Johnson" userId="S::akjohnso@adobe.com::2fa3aa60-0c9c-4d06-bae2-795983241227" providerId="AD" clId="Web-{19826C17-B3F5-53A1-AAFF-C7771804C7A7}" dt="2021-10-13T18:38:26.810" v="9" actId="20577"/>
+        <pc:sldMkLst>
+          <pc:docMk/>
+          <pc:sldMk cId="5960377" sldId="259"/>
+        </pc:sldMkLst>
+        <pc:spChg chg="mod">
+          <ac:chgData name="Akilah Johnson" userId="S::akjohnso@adobe.com::2fa3aa60-0c9c-4d06-bae2-795983241227" providerId="AD" clId="Web-{19826C17-B3F5-53A1-AAFF-C7771804C7A7}" dt="2021-10-13T18:38:26.810" v="9" actId="20577"/>
+          <ac:spMkLst>
+            <pc:docMk/>
+            <pc:sldMk cId="5960377" sldId="259"/>
+            <ac:spMk id="75" creationId="{4602CC83-B0C7-8445-9007-87E67CDDD9D0}"/>
+          </ac:spMkLst>
+        </pc:spChg>
+        <pc:spChg chg="mod">
+          <ac:chgData name="Akilah Johnson" userId="S::akjohnso@adobe.com::2fa3aa60-0c9c-4d06-bae2-795983241227" providerId="AD" clId="Web-{19826C17-B3F5-53A1-AAFF-C7771804C7A7}" dt="2021-10-13T18:38:17.716" v="5" actId="20577"/>
+          <ac:spMkLst>
+            <pc:docMk/>
+            <pc:sldMk cId="5960377" sldId="259"/>
+            <ac:spMk id="83" creationId="{7A016ADC-2A30-8A4B-BE07-A9AB6C1898A7}"/>
+          </ac:spMkLst>
+        </pc:spChg>
+        <pc:spChg chg="mod">
+          <ac:chgData name="Akilah Johnson" userId="S::akjohnso@adobe.com::2fa3aa60-0c9c-4d06-bae2-795983241227" providerId="AD" clId="Web-{19826C17-B3F5-53A1-AAFF-C7771804C7A7}" dt="2021-10-13T18:38:19.654" v="6" actId="20577"/>
+          <ac:spMkLst>
+            <pc:docMk/>
+            <pc:sldMk cId="5960377" sldId="259"/>
+            <ac:spMk id="87" creationId="{57C0C871-6516-F145-97DA-27A143E6185C}"/>
+          </ac:spMkLst>
+        </pc:spChg>
+        <pc:spChg chg="mod">
+          <ac:chgData name="Akilah Johnson" userId="S::akjohnso@adobe.com::2fa3aa60-0c9c-4d06-bae2-795983241227" providerId="AD" clId="Web-{19826C17-B3F5-53A1-AAFF-C7771804C7A7}" dt="2021-10-13T18:38:14.044" v="4" actId="20577"/>
+          <ac:spMkLst>
+            <pc:docMk/>
+            <pc:sldMk cId="5960377" sldId="259"/>
+            <ac:spMk id="124" creationId="{14AAF776-9013-4C40-92F9-FFFE22C4038F}"/>
+          </ac:spMkLst>
+        </pc:spChg>
+        <pc:spChg chg="mod">
+          <ac:chgData name="Akilah Johnson" userId="S::akjohnso@adobe.com::2fa3aa60-0c9c-4d06-bae2-795983241227" providerId="AD" clId="Web-{19826C17-B3F5-53A1-AAFF-C7771804C7A7}" dt="2021-10-13T18:38:10.013" v="2" actId="20577"/>
+          <ac:spMkLst>
+            <pc:docMk/>
+            <pc:sldMk cId="5960377" sldId="259"/>
+            <ac:spMk id="125" creationId="{AF4EBBF5-5438-A043-B9AA-3822381D52EE}"/>
+          </ac:spMkLst>
+        </pc:spChg>
+        <pc:spChg chg="mod">
+          <ac:chgData name="Akilah Johnson" userId="S::akjohnso@adobe.com::2fa3aa60-0c9c-4d06-bae2-795983241227" providerId="AD" clId="Web-{19826C17-B3F5-53A1-AAFF-C7771804C7A7}" dt="2021-10-13T18:38:12.263" v="3" actId="20577"/>
+          <ac:spMkLst>
+            <pc:docMk/>
+            <pc:sldMk cId="5960377" sldId="259"/>
+            <ac:spMk id="126" creationId="{7F65676D-32E4-7B4B-BB85-4D504B5882BD}"/>
+          </ac:spMkLst>
+        </pc:spChg>
+      </pc:sldChg>
+      <pc:sldChg chg="modSp">
+        <pc:chgData name="Akilah Johnson" userId="S::akjohnso@adobe.com::2fa3aa60-0c9c-4d06-bae2-795983241227" providerId="AD" clId="Web-{19826C17-B3F5-53A1-AAFF-C7771804C7A7}" dt="2021-10-13T18:40:23.717" v="19" actId="20577"/>
+        <pc:sldMkLst>
+          <pc:docMk/>
+          <pc:sldMk cId="1050037809" sldId="261"/>
+        </pc:sldMkLst>
+        <pc:spChg chg="mod">
+          <ac:chgData name="Akilah Johnson" userId="S::akjohnso@adobe.com::2fa3aa60-0c9c-4d06-bae2-795983241227" providerId="AD" clId="Web-{19826C17-B3F5-53A1-AAFF-C7771804C7A7}" dt="2021-10-13T18:40:23.717" v="19" actId="20577"/>
+          <ac:spMkLst>
+            <pc:docMk/>
+            <pc:sldMk cId="1050037809" sldId="261"/>
+            <ac:spMk id="56" creationId="{00000000-0000-0000-0000-000000000000}"/>
+          </ac:spMkLst>
+        </pc:spChg>
+        <pc:graphicFrameChg chg="mod modGraphic">
+          <ac:chgData name="Akilah Johnson" userId="S::akjohnso@adobe.com::2fa3aa60-0c9c-4d06-bae2-795983241227" providerId="AD" clId="Web-{19826C17-B3F5-53A1-AAFF-C7771804C7A7}" dt="2021-10-13T18:39:38.154" v="17"/>
+          <ac:graphicFrameMkLst>
+            <pc:docMk/>
+            <pc:sldMk cId="1050037809" sldId="261"/>
+            <ac:graphicFrameMk id="111" creationId="{D8653CEC-4213-DE40-9BAF-D1E3318FF89C}"/>
+          </ac:graphicFrameMkLst>
+        </pc:graphicFrameChg>
+      </pc:sldChg>
+      <pc:sldChg chg="modSp">
+        <pc:chgData name="Akilah Johnson" userId="S::akjohnso@adobe.com::2fa3aa60-0c9c-4d06-bae2-795983241227" providerId="AD" clId="Web-{19826C17-B3F5-53A1-AAFF-C7771804C7A7}" dt="2021-10-13T18:39:10.373" v="15" actId="20577"/>
+        <pc:sldMkLst>
+          <pc:docMk/>
+          <pc:sldMk cId="717026355" sldId="266"/>
+        </pc:sldMkLst>
+        <pc:spChg chg="mod">
+          <ac:chgData name="Akilah Johnson" userId="S::akjohnso@adobe.com::2fa3aa60-0c9c-4d06-bae2-795983241227" providerId="AD" clId="Web-{19826C17-B3F5-53A1-AAFF-C7771804C7A7}" dt="2021-10-13T18:39:10.373" v="15" actId="20577"/>
+          <ac:spMkLst>
+            <pc:docMk/>
+            <pc:sldMk cId="717026355" sldId="266"/>
+            <ac:spMk id="9" creationId="{00000000-0000-0000-0000-000000000000}"/>
+          </ac:spMkLst>
+        </pc:spChg>
+        <pc:spChg chg="mod">
+          <ac:chgData name="Akilah Johnson" userId="S::akjohnso@adobe.com::2fa3aa60-0c9c-4d06-bae2-795983241227" providerId="AD" clId="Web-{19826C17-B3F5-53A1-AAFF-C7771804C7A7}" dt="2021-10-13T18:38:44.029" v="11" actId="20577"/>
+          <ac:spMkLst>
+            <pc:docMk/>
+            <pc:sldMk cId="717026355" sldId="266"/>
+            <ac:spMk id="82" creationId="{F6061E8D-9723-464D-AA49-7A3A3A02BE92}"/>
+          </ac:spMkLst>
+        </pc:spChg>
+        <pc:spChg chg="mod">
+          <ac:chgData name="Akilah Johnson" userId="S::akjohnso@adobe.com::2fa3aa60-0c9c-4d06-bae2-795983241227" providerId="AD" clId="Web-{19826C17-B3F5-53A1-AAFF-C7771804C7A7}" dt="2021-10-13T18:39:00.638" v="13" actId="20577"/>
+          <ac:spMkLst>
+            <pc:docMk/>
+            <pc:sldMk cId="717026355" sldId="266"/>
+            <ac:spMk id="83" creationId="{BB34E685-A734-974B-A33A-BE51D1A8BC0D}"/>
+          </ac:spMkLst>
+        </pc:spChg>
+      </pc:sldChg>
+      <pc:sldChg chg="modSp">
+        <pc:chgData name="Akilah Johnson" userId="S::akjohnso@adobe.com::2fa3aa60-0c9c-4d06-bae2-795983241227" providerId="AD" clId="Web-{19826C17-B3F5-53A1-AAFF-C7771804C7A7}" dt="2021-10-13T18:50:21.160" v="67"/>
+        <pc:sldMkLst>
+          <pc:docMk/>
+          <pc:sldMk cId="2161849182" sldId="267"/>
+        </pc:sldMkLst>
+        <pc:graphicFrameChg chg="mod modGraphic">
+          <ac:chgData name="Akilah Johnson" userId="S::akjohnso@adobe.com::2fa3aa60-0c9c-4d06-bae2-795983241227" providerId="AD" clId="Web-{19826C17-B3F5-53A1-AAFF-C7771804C7A7}" dt="2021-10-13T18:50:21.160" v="67"/>
+          <ac:graphicFrameMkLst>
+            <pc:docMk/>
+            <pc:sldMk cId="2161849182" sldId="267"/>
+            <ac:graphicFrameMk id="9" creationId="{00000000-0000-0000-0000-000000000000}"/>
           </ac:graphicFrameMkLst>
         </pc:graphicFrameChg>
       </pc:sldChg>
@@ -317,44 +446,89 @@
       </pc:sldChg>
     </pc:docChg>
   </pc:docChgLst>
+  <pc:docChgLst>
+    <pc:chgData name="Akilah Johnson" userId="S::akjohnso@adobe.com::2fa3aa60-0c9c-4d06-bae2-795983241227" providerId="AD" clId="Web-{D02E726A-82A5-CF13-9EBE-9B674D878D37}"/>
+    <pc:docChg chg="modSld">
+      <pc:chgData name="Akilah Johnson" userId="S::akjohnso@adobe.com::2fa3aa60-0c9c-4d06-bae2-795983241227" providerId="AD" clId="Web-{D02E726A-82A5-CF13-9EBE-9B674D878D37}" dt="2021-10-12T19:51:27.470" v="10"/>
+      <pc:docMkLst>
+        <pc:docMk/>
+      </pc:docMkLst>
+      <pc:sldChg chg="modSp delCm">
+        <pc:chgData name="Akilah Johnson" userId="S::akjohnso@adobe.com::2fa3aa60-0c9c-4d06-bae2-795983241227" providerId="AD" clId="Web-{D02E726A-82A5-CF13-9EBE-9B674D878D37}" dt="2021-10-12T19:51:27.470" v="10"/>
+        <pc:sldMkLst>
+          <pc:docMk/>
+          <pc:sldMk cId="2161849182" sldId="267"/>
+        </pc:sldMkLst>
+        <pc:spChg chg="mod">
+          <ac:chgData name="Akilah Johnson" userId="S::akjohnso@adobe.com::2fa3aa60-0c9c-4d06-bae2-795983241227" providerId="AD" clId="Web-{D02E726A-82A5-CF13-9EBE-9B674D878D37}" dt="2021-10-12T19:51:04.127" v="8" actId="20577"/>
+          <ac:spMkLst>
+            <pc:docMk/>
+            <pc:sldMk cId="2161849182" sldId="267"/>
+            <ac:spMk id="2" creationId="{00000000-0000-0000-0000-000000000000}"/>
+          </ac:spMkLst>
+        </pc:spChg>
+      </pc:sldChg>
+    </pc:docChg>
+  </pc:docChgLst>
+  <pc:docChgLst>
+    <pc:chgData name="Lauren Schutte" userId="6e08b2d3-447a-4d66-86be-444d50df187f" providerId="ADAL" clId="{1A3D389F-0E00-444F-BDF7-5C174E20EEC2}"/>
+    <pc:docChg chg="undo custSel modSld">
+      <pc:chgData name="Lauren Schutte" userId="6e08b2d3-447a-4d66-86be-444d50df187f" providerId="ADAL" clId="{1A3D389F-0E00-444F-BDF7-5C174E20EEC2}" dt="2021-10-13T19:40:59.066" v="67" actId="20577"/>
+      <pc:docMkLst>
+        <pc:docMk/>
+      </pc:docMkLst>
+      <pc:sldChg chg="delSp modSp mod">
+        <pc:chgData name="Lauren Schutte" userId="6e08b2d3-447a-4d66-86be-444d50df187f" providerId="ADAL" clId="{1A3D389F-0E00-444F-BDF7-5C174E20EEC2}" dt="2021-10-13T19:40:25.578" v="61" actId="478"/>
+        <pc:sldMkLst>
+          <pc:docMk/>
+          <pc:sldMk cId="5960377" sldId="259"/>
+        </pc:sldMkLst>
+        <pc:spChg chg="mod">
+          <ac:chgData name="Lauren Schutte" userId="6e08b2d3-447a-4d66-86be-444d50df187f" providerId="ADAL" clId="{1A3D389F-0E00-444F-BDF7-5C174E20EEC2}" dt="2021-10-13T19:33:45.182" v="59" actId="20577"/>
+          <ac:spMkLst>
+            <pc:docMk/>
+            <pc:sldMk cId="5960377" sldId="259"/>
+            <ac:spMk id="127" creationId="{BB896A03-8E7E-344F-BDE1-37C49461FF04}"/>
+          </ac:spMkLst>
+        </pc:spChg>
+        <pc:grpChg chg="del mod">
+          <ac:chgData name="Lauren Schutte" userId="6e08b2d3-447a-4d66-86be-444d50df187f" providerId="ADAL" clId="{1A3D389F-0E00-444F-BDF7-5C174E20EEC2}" dt="2021-10-13T19:40:25.578" v="61" actId="478"/>
+          <ac:grpSpMkLst>
+            <pc:docMk/>
+            <pc:sldMk cId="5960377" sldId="259"/>
+            <ac:grpSpMk id="62" creationId="{C539739D-1D3E-204D-9819-C44D9AE36DE8}"/>
+          </ac:grpSpMkLst>
+        </pc:grpChg>
+      </pc:sldChg>
+      <pc:sldChg chg="modSp mod">
+        <pc:chgData name="Lauren Schutte" userId="6e08b2d3-447a-4d66-86be-444d50df187f" providerId="ADAL" clId="{1A3D389F-0E00-444F-BDF7-5C174E20EEC2}" dt="2021-10-13T19:40:59.066" v="67" actId="20577"/>
+        <pc:sldMkLst>
+          <pc:docMk/>
+          <pc:sldMk cId="2161849182" sldId="267"/>
+        </pc:sldMkLst>
+        <pc:spChg chg="mod">
+          <ac:chgData name="Lauren Schutte" userId="6e08b2d3-447a-4d66-86be-444d50df187f" providerId="ADAL" clId="{1A3D389F-0E00-444F-BDF7-5C174E20EEC2}" dt="2021-10-13T19:40:59.066" v="67" actId="20577"/>
+          <ac:spMkLst>
+            <pc:docMk/>
+            <pc:sldMk cId="2161849182" sldId="267"/>
+            <ac:spMk id="2" creationId="{00000000-0000-0000-0000-000000000000}"/>
+          </ac:spMkLst>
+        </pc:spChg>
+        <pc:graphicFrameChg chg="mod modGraphic">
+          <ac:chgData name="Lauren Schutte" userId="6e08b2d3-447a-4d66-86be-444d50df187f" providerId="ADAL" clId="{1A3D389F-0E00-444F-BDF7-5C174E20EEC2}" dt="2021-10-13T19:33:05.183" v="58"/>
+          <ac:graphicFrameMkLst>
+            <pc:docMk/>
+            <pc:sldMk cId="2161849182" sldId="267"/>
+            <ac:graphicFrameMk id="9" creationId="{00000000-0000-0000-0000-000000000000}"/>
+          </ac:graphicFrameMkLst>
+        </pc:graphicFrameChg>
+      </pc:sldChg>
+    </pc:docChg>
+  </pc:docChgLst>
 </pc:chgInfo>
 </file>
 
 <file path=ppt/comments/comment1.xml><?xml version="1.0" encoding="utf-8"?>
-<p:cmLst xmlns:a="http://schemas.openxmlformats.org/drawingml/2006/main" xmlns:r="http://schemas.openxmlformats.org/officeDocument/2006/relationships" xmlns:p="http://schemas.openxmlformats.org/presentationml/2006/main">
-  <p:cm authorId="1" dt="2021-08-04T14:42:10.630" idx="4">
-    <p:pos x="-3291" y="2170"/>
-    <p:text/>
-    <p:extLst>
-      <p:ext uri="{C676402C-5697-4E1C-873F-D02D1690AC5C}">
-        <p15:threadingInfo xmlns:p15="http://schemas.microsoft.com/office/powerpoint/2012/main" timeZoneBias="420"/>
-      </p:ext>
-    </p:extLst>
-  </p:cm>
-  <p:cm authorId="1" dt="2021-08-04T14:42:19.668" idx="5">
-    <p:pos x="4567" y="1502"/>
-    <p:text>Can we add a darker blue line under 'Enterprise Support?'</p:text>
-    <p:extLst>
-      <p:ext uri="{C676402C-5697-4E1C-873F-D02D1690AC5C}">
-        <p15:threadingInfo xmlns:p15="http://schemas.microsoft.com/office/powerpoint/2012/main" timeZoneBias="420"/>
-      </p:ext>
-    </p:extLst>
-  </p:cm>
-  <p:cm authorId="1" dt="2021-08-04T15:01:35.985" idx="8">
-    <p:pos x="4567" y="1598"/>
-    <p:text>Hi Ankita, I did my best to keep the formatting you already worked so hard on. I added a few comments on things I'll need your help with . Thank again so much!</p:text>
-    <p:extLst>
-      <p:ext uri="{C676402C-5697-4E1C-873F-D02D1690AC5C}">
-        <p15:threadingInfo xmlns:p15="http://schemas.microsoft.com/office/powerpoint/2012/main" timeZoneBias="420">
-          <p15:parentCm authorId="1" idx="5"/>
-        </p15:threadingInfo>
-      </p:ext>
-    </p:extLst>
-  </p:cm>
-</p:cmLst>
-</file>
-
-<file path=ppt/comments/comment2.xml><?xml version="1.0" encoding="utf-8"?>
 <p:cmLst xmlns:a="http://schemas.openxmlformats.org/drawingml/2006/main" xmlns:r="http://schemas.openxmlformats.org/officeDocument/2006/relationships" xmlns:p="http://schemas.openxmlformats.org/presentationml/2006/main">
   <p:cm authorId="1" dt="2021-08-04T14:53:07.049" idx="6">
     <p:pos x="10" y="10"/>
@@ -450,7 +624,7 @@
           <a:p>
             <a:fld id="{CCB2A597-803A-C244-97E2-A01066125D19}" type="datetimeFigureOut">
               <a:rPr lang="en-US" smtClean="0"/>
-              <a:t>10/1/2021</a:t>
+              <a:t>11/11/2021</a:t>
             </a:fld>
             <a:endParaRPr lang="en-US"/>
           </a:p>
@@ -1231,7 +1405,7 @@
           <a:p>
             <a:fld id="{1D8BD707-D9CF-40AE-B4C6-C98DA3205C09}" type="datetimeFigureOut">
               <a:rPr lang="en-US"/>
-              <a:t>10/1/2021</a:t>
+              <a:t>11/11/2021</a:t>
             </a:fld>
             <a:endParaRPr lang="en-US"/>
           </a:p>
@@ -1471,7 +1645,7 @@
           <a:p>
             <a:fld id="{1D8BD707-D9CF-40AE-B4C6-C98DA3205C09}" type="datetimeFigureOut">
               <a:rPr lang="en-US"/>
-              <a:t>10/1/2021</a:t>
+              <a:t>11/11/2021</a:t>
             </a:fld>
             <a:endParaRPr lang="en-US"/>
           </a:p>
@@ -1724,7 +1898,7 @@
           <a:p>
             <a:fld id="{1D8BD707-D9CF-40AE-B4C6-C98DA3205C09}" type="datetimeFigureOut">
               <a:rPr lang="en-US"/>
-              <a:t>10/1/2021</a:t>
+              <a:t>11/11/2021</a:t>
             </a:fld>
             <a:endParaRPr lang="en-US"/>
           </a:p>
@@ -1911,7 +2085,7 @@
           <a:p>
             <a:fld id="{1D8BD707-D9CF-40AE-B4C6-C98DA3205C09}" type="datetimeFigureOut">
               <a:rPr lang="en-US"/>
-              <a:t>10/1/2021</a:t>
+              <a:t>11/11/2021</a:t>
             </a:fld>
             <a:endParaRPr lang="en-US"/>
           </a:p>
@@ -2069,7 +2243,7 @@
           <a:p>
             <a:fld id="{1D8BD707-D9CF-40AE-B4C6-C98DA3205C09}" type="datetimeFigureOut">
               <a:rPr lang="en-US"/>
-              <a:t>10/1/2021</a:t>
+              <a:t>11/11/2021</a:t>
             </a:fld>
             <a:endParaRPr lang="en-US"/>
           </a:p>
@@ -2327,7 +2501,7 @@
           <a:p>
             <a:fld id="{1D8BD707-D9CF-40AE-B4C6-C98DA3205C09}" type="datetimeFigureOut">
               <a:rPr lang="en-US"/>
-              <a:t>10/1/2021</a:t>
+              <a:t>11/11/2021</a:t>
             </a:fld>
             <a:endParaRPr lang="en-US"/>
           </a:p>
@@ -2566,24 +2740,21 @@
           </a:prstGeom>
         </p:spPr>
         <p:txBody>
-          <a:bodyPr vert="horz" wrap="square" lIns="0" tIns="12700" rIns="0" bIns="0" rtlCol="0">
+          <a:bodyPr vert="horz" wrap="square" lIns="0" tIns="12700" rIns="0" bIns="0" rtlCol="0" anchor="t">
             <a:spAutoFit/>
           </a:bodyPr>
           <a:lstStyle/>
           <a:p>
             <a:pPr marL="12700">
-              <a:lnSpc>
-                <a:spcPct val="100000"/>
-              </a:lnSpc>
               <a:spcBef>
                 <a:spcPts val="100"/>
               </a:spcBef>
             </a:pPr>
             <a:r>
               <a:rPr lang="es-ES" sz="2300">
-                <a:latin typeface="Adobe Clean" panose="020B0503020404020204" pitchFamily="34" charset="0"/>
-              </a:rPr>
-              <a:t>OFERTA DE ASISTENCIA DE ADOBE</a:t>
+                <a:latin typeface="Adobe Clean"/>
+              </a:rPr>
+              <a:t>PLANES DE SOPORTE DE ADOBE</a:t>
             </a:r>
           </a:p>
         </p:txBody>
@@ -2597,7 +2768,7 @@
         <p:spPr>
           <a:xfrm>
             <a:off x="125148" y="7013546"/>
-            <a:ext cx="2785110" cy="228268"/>
+            <a:ext cx="6168972" cy="228268"/>
           </a:xfrm>
           <a:prstGeom prst="rect">
             <a:avLst/>
@@ -2644,14 +2815,14 @@
           <p:nvPr>
             <p:extLst>
               <p:ext uri="{D42A27DB-BD31-4B8C-83A1-F6EECF244321}">
-                <p14:modId xmlns:p14="http://schemas.microsoft.com/office/powerpoint/2010/main" val="936521998"/>
+                <p14:modId xmlns:p14="http://schemas.microsoft.com/office/powerpoint/2010/main" val="2638562657"/>
               </p:ext>
             </p:extLst>
           </p:nvPr>
         </p:nvGraphicFramePr>
         <p:xfrm>
-          <a:off x="146919" y="7473158"/>
-          <a:ext cx="7477080" cy="2317408"/>
+          <a:off x="146919" y="7321487"/>
+          <a:ext cx="7477080" cy="2523379"/>
         </p:xfrm>
         <a:graphic>
           <a:graphicData uri="http://schemas.openxmlformats.org/drawingml/2006/table">
@@ -2763,7 +2934,7 @@
                       </a:r>
                     </a:p>
                   </a:txBody>
-                  <a:tcPr marL="0" marR="0" marT="6985" marB="0" anchor="ctr">
+                  <a:tcPr marL="0" marR="0" marT="0" marB="0" anchor="ctr">
                     <a:lnL w="6350">
                       <a:solidFill>
                         <a:srgbClr val="B7B8B8"/>
@@ -2782,11 +2953,14 @@
                       </a:solidFill>
                       <a:prstDash val="solid"/>
                     </a:lnT>
-                    <a:lnB w="76200">
+                    <a:lnB w="76200" cap="flat" cmpd="sng" algn="ctr">
                       <a:solidFill>
                         <a:srgbClr val="B3B3B3"/>
                       </a:solidFill>
                       <a:prstDash val="solid"/>
+                      <a:round/>
+                      <a:headEnd type="none" w="med" len="med"/>
+                      <a:tailEnd type="none" w="med" len="med"/>
                     </a:lnB>
                     <a:solidFill>
                       <a:srgbClr val="D9D9D9"/>
@@ -2818,7 +2992,7 @@
                       </a:r>
                     </a:p>
                   </a:txBody>
-                  <a:tcPr marL="0" marR="0" marT="10160" marB="0" anchor="ctr">
+                  <a:tcPr marL="0" marR="0" marT="0" marB="0" anchor="ctr">
                     <a:lnL w="6350">
                       <a:solidFill>
                         <a:srgbClr val="B7B8B8"/>
@@ -2860,7 +3034,7 @@
                   </a:ext>
                 </a:extLst>
               </a:tr>
-              <a:tr h="484756">
+              <a:tr h="598016">
                 <a:tc>
                   <a:txBody>
                     <a:bodyPr/>
@@ -2886,7 +3060,7 @@
                       </a:r>
                     </a:p>
                     <a:p>
-                      <a:pPr marL="50800" marR="387985" lvl="0" indent="0" defTabSz="914400" eaLnBrk="1" fontAlgn="auto" latinLnBrk="0" hangingPunct="1">
+                      <a:pPr marL="50800" marR="387985" lvl="0" indent="0" eaLnBrk="1" fontAlgn="auto" latinLnBrk="0" hangingPunct="1">
                         <a:lnSpc>
                           <a:spcPts val="1000"/>
                         </a:lnSpc>
@@ -2900,37 +3074,35 @@
                         <a:buSzTx/>
                         <a:buFontTx/>
                         <a:buNone/>
-                        <a:tabLst/>
-                        <a:defRPr/>
                       </a:pPr>
                       <a:r>
                         <a:rPr lang="es-ES" sz="900" b="0" i="0" dirty="0">
                           <a:solidFill>
                             <a:srgbClr val="020302"/>
                           </a:solidFill>
-                          <a:latin typeface="Adobe Clean Light" panose="020B0303020404020204" pitchFamily="34" charset="0"/>
+                          <a:latin typeface="Adobe Clean Light"/>
                           <a:ea typeface="+mn-ea"/>
-                          <a:cs typeface="Adobe Clean"/>
+                          <a:cs typeface="+mn-cs"/>
                         </a:rPr>
-                        <a:t> </a:t>
+                        <a:t> </a:t>
                       </a:r>
                       <a:r>
                         <a:rPr lang="es-ES" sz="900" b="0" i="0" u="none" strike="noStrike" dirty="0">
                           <a:solidFill>
                             <a:schemeClr val="tx1"/>
                           </a:solidFill>
-                          <a:latin typeface="Adobe Clean Light" panose="020B0303020404020204" pitchFamily="34" charset="0"/>
+                          <a:latin typeface="Adobe Clean Light"/>
                           <a:ea typeface="+mn-ea"/>
                           <a:cs typeface="+mn-cs"/>
                         </a:rPr>
                         <a:t>Las funciones empresariales de producción del cliente no están activadas o pierden datos </a:t>
                       </a:r>
                       <a:br>
-                        <a:rPr lang="sk-SK" sz="900" b="0" i="0" u="none" strike="noStrike" dirty="0">
+                        <a:rPr lang="es-ES" sz="900" b="0" i="0" u="none" strike="noStrike" dirty="0">
                           <a:solidFill>
                             <a:schemeClr val="tx1"/>
                           </a:solidFill>
-                          <a:latin typeface="Adobe Clean Light" panose="020B0303020404020204" pitchFamily="34" charset="0"/>
+                          <a:latin typeface="Adobe Clean Light"/>
                           <a:ea typeface="+mn-ea"/>
                           <a:cs typeface="+mn-cs"/>
                         </a:rPr>
@@ -2940,7 +3112,7 @@
                           <a:solidFill>
                             <a:schemeClr val="tx1"/>
                           </a:solidFill>
-                          <a:latin typeface="Adobe Clean Light" panose="020B0303020404020204" pitchFamily="34" charset="0"/>
+                          <a:latin typeface="Adobe Clean Light"/>
                           <a:ea typeface="+mn-ea"/>
                           <a:cs typeface="+mn-cs"/>
                         </a:rPr>
@@ -2955,11 +3127,14 @@
                       </a:solidFill>
                       <a:prstDash val="solid"/>
                     </a:lnL>
-                    <a:lnR w="6350">
+                    <a:lnR w="6350" cap="flat" cmpd="sng" algn="ctr">
                       <a:solidFill>
                         <a:srgbClr val="B7B8B8"/>
                       </a:solidFill>
                       <a:prstDash val="solid"/>
+                      <a:round/>
+                      <a:headEnd type="none" w="med" len="med"/>
+                      <a:tailEnd type="none" w="med" len="med"/>
                     </a:lnR>
                     <a:lnT w="6350">
                       <a:solidFill>
@@ -2980,35 +3155,33 @@
                     <a:bodyPr/>
                     <a:lstStyle/>
                     <a:p>
-                      <a:pPr marL="542925" marR="492125" algn="ctr">
-                        <a:lnSpc>
-                          <a:spcPct val="102200"/>
-                        </a:lnSpc>
-                      </a:pPr>
+                      <a:pPr algn="ctr" fontAlgn="ctr"/>
                       <a:r>
-                        <a:rPr lang="es-ES" sz="900" dirty="0">
+                        <a:rPr lang="es-ES" sz="900" b="0" i="0" u="none" strike="noStrike">
                           <a:solidFill>
                             <a:srgbClr val="020302"/>
                           </a:solidFill>
-                          <a:latin typeface="AdobeClean-Light"/>
-                          <a:cs typeface="AdobeClean-Light"/>
+                          <a:latin typeface="AdobeClean-Light" panose="020B0503020404020204" pitchFamily="34" charset="0"/>
                         </a:rPr>
-                        <a:t>24x7 /           1 hora</a:t>
+                        <a:t>24x7 /  1 hora</a:t>
                       </a:r>
                     </a:p>
                   </a:txBody>
-                  <a:tcPr marL="0" marR="0" marT="0" marB="0" anchor="ctr">
+                  <a:tcPr marL="9525" marR="9525" marT="9525" marB="0" anchor="ctr">
                     <a:lnL w="6350">
                       <a:solidFill>
                         <a:srgbClr val="B7B8B8"/>
                       </a:solidFill>
                       <a:prstDash val="solid"/>
                     </a:lnL>
-                    <a:lnR w="6350">
+                    <a:lnR w="6350" cap="flat" cmpd="sng" algn="ctr">
                       <a:solidFill>
                         <a:srgbClr val="B7B8B8"/>
                       </a:solidFill>
                       <a:prstDash val="solid"/>
+                      <a:round/>
+                      <a:headEnd type="none" w="med" len="med"/>
+                      <a:tailEnd type="none" w="med" len="med"/>
                     </a:lnR>
                     <a:lnT w="76200">
                       <a:solidFill>
@@ -3029,71 +3202,27 @@
                     <a:bodyPr/>
                     <a:lstStyle/>
                     <a:p>
-                      <a:pPr marL="285750" marR="476250" indent="57150" algn="ctr" defTabSz="1028700">
-                        <a:lnSpc>
-                          <a:spcPct val="100000"/>
-                        </a:lnSpc>
-                        <a:spcBef>
-                          <a:spcPts val="700"/>
-                        </a:spcBef>
-                      </a:pPr>
+                      <a:pPr algn="ctr" fontAlgn="ctr"/>
                       <a:r>
-                        <a:rPr lang="es-ES" sz="900" dirty="0">
+                        <a:rPr lang="es-ES" sz="900" b="0" i="0" u="none" strike="noStrike">
                           <a:solidFill>
                             <a:srgbClr val="020302"/>
                           </a:solidFill>
-                          <a:latin typeface="AdobeClean-Light"/>
-                          <a:cs typeface="AdobeClean-Light"/>
+                          <a:latin typeface="AdobeClean-Light" panose="020B0503020404020204" pitchFamily="34" charset="0"/>
                         </a:rPr>
-                        <a:t>24x7 /</a:t>
-                      </a:r>
-                      <a:r>
-                        <a:rPr lang="sk-SK" sz="900" dirty="0">
-                          <a:solidFill>
-                            <a:srgbClr val="020302"/>
-                          </a:solidFill>
-                          <a:latin typeface="AdobeClean-Light"/>
-                          <a:cs typeface="AdobeClean-Light"/>
-                        </a:rPr>
-                        <a:t> </a:t>
-                      </a:r>
-                      <a:br>
-                        <a:rPr lang="sk-SK" sz="900" dirty="0">
-                          <a:solidFill>
-                            <a:srgbClr val="020302"/>
-                          </a:solidFill>
-                          <a:latin typeface="AdobeClean-Light"/>
-                          <a:cs typeface="AdobeClean-Light"/>
-                        </a:rPr>
-                      </a:br>
-                      <a:r>
-                        <a:rPr lang="sk-SK" sz="900" dirty="0">
-                          <a:solidFill>
-                            <a:srgbClr val="020302"/>
-                          </a:solidFill>
-                          <a:latin typeface="AdobeClean-Light"/>
-                          <a:cs typeface="AdobeClean-Light"/>
-                        </a:rPr>
-                        <a:t>3</a:t>
-                      </a:r>
-                      <a:r>
-                        <a:rPr lang="es-ES" sz="900" dirty="0">
-                          <a:solidFill>
-                            <a:srgbClr val="020302"/>
-                          </a:solidFill>
-                          <a:latin typeface="AdobeClean-Light"/>
-                          <a:cs typeface="AdobeClean-Light"/>
-                        </a:rPr>
-                        <a:t>0 minutos</a:t>
+                        <a:t>24x7 / 30 minutos</a:t>
                       </a:r>
                     </a:p>
                   </a:txBody>
-                  <a:tcPr marL="0" marR="0" marT="0" marB="0" anchor="ctr">
-                    <a:lnL w="6350">
+                  <a:tcPr marL="9525" marR="9525" marT="9525" marB="0" anchor="ctr">
+                    <a:lnL w="6350" cap="flat" cmpd="sng" algn="ctr">
                       <a:solidFill>
                         <a:srgbClr val="B7B8B8"/>
                       </a:solidFill>
                       <a:prstDash val="solid"/>
+                      <a:round/>
+                      <a:headEnd type="none" w="med" len="med"/>
+                      <a:tailEnd type="none" w="med" len="med"/>
                     </a:lnL>
                     <a:lnR w="6350" cap="flat" cmpd="sng" algn="ctr">
                       <a:solidFill>
@@ -3132,7 +3261,7 @@
                   </a:ext>
                 </a:extLst>
               </a:tr>
-              <a:tr h="484755">
+              <a:tr h="621030">
                 <a:tc>
                   <a:txBody>
                     <a:bodyPr/>
@@ -3167,15 +3296,57 @@
                         </a:spcBef>
                       </a:pPr>
                       <a:r>
-                        <a:rPr lang="es-ES" sz="900" b="0" i="0" u="none" strike="noStrike" spc="-20" baseline="0" dirty="0">
+                        <a:rPr lang="es-ES" sz="900" b="0" i="0" u="none" strike="noStrike" dirty="0">
                           <a:solidFill>
                             <a:schemeClr val="tx1"/>
                           </a:solidFill>
-                          <a:latin typeface="Adobe Clean Light" panose="020B0303020404020204" pitchFamily="34" charset="0"/>
+                          <a:latin typeface="Adobe Clean Light"/>
                           <a:ea typeface="+mn-ea"/>
                           <a:cs typeface="+mn-cs"/>
                         </a:rPr>
-                        <a:t>Las funciones empresariales del cliente presentan una importante degradación del servicio o hay una posible pérdida de datos o no disponibilidad de servicios, o una función clave se está viendo afectada.</a:t>
+                        <a:t>Las funciones empresariales del cliente presentan una importante degradación del servicio </a:t>
+                      </a:r>
+                      <a:br>
+                        <a:rPr lang="es-ES" sz="900" b="0" i="0" u="none" strike="noStrike" dirty="0">
+                          <a:solidFill>
+                            <a:schemeClr val="tx1"/>
+                          </a:solidFill>
+                          <a:latin typeface="Adobe Clean Light"/>
+                          <a:ea typeface="+mn-ea"/>
+                          <a:cs typeface="+mn-cs"/>
+                        </a:rPr>
+                      </a:br>
+                      <a:r>
+                        <a:rPr lang="es-ES" sz="900" b="0" i="0" u="none" strike="noStrike" dirty="0">
+                          <a:solidFill>
+                            <a:schemeClr val="tx1"/>
+                          </a:solidFill>
+                          <a:latin typeface="Adobe Clean Light"/>
+                          <a:ea typeface="+mn-ea"/>
+                          <a:cs typeface="+mn-cs"/>
+                        </a:rPr>
+                        <a:t>o hay una posible pérdida de datos o no disponibilidad de servicios, o una función clave </a:t>
+                      </a:r>
+                      <a:br>
+                        <a:rPr lang="es-ES" sz="900" b="0" i="0" u="none" strike="noStrike" dirty="0">
+                          <a:solidFill>
+                            <a:schemeClr val="tx1"/>
+                          </a:solidFill>
+                          <a:latin typeface="Adobe Clean Light"/>
+                          <a:ea typeface="+mn-ea"/>
+                          <a:cs typeface="+mn-cs"/>
+                        </a:rPr>
+                      </a:br>
+                      <a:r>
+                        <a:rPr lang="es-ES" sz="900" b="0" i="0" u="none" strike="noStrike" dirty="0">
+                          <a:solidFill>
+                            <a:schemeClr val="tx1"/>
+                          </a:solidFill>
+                          <a:latin typeface="Adobe Clean Light"/>
+                          <a:ea typeface="+mn-ea"/>
+                          <a:cs typeface="+mn-cs"/>
+                        </a:rPr>
+                        <a:t>se está viendo afectada.</a:t>
                       </a:r>
                     </a:p>
                   </a:txBody>
@@ -3186,11 +3357,14 @@
                       </a:solidFill>
                       <a:prstDash val="solid"/>
                     </a:lnL>
-                    <a:lnR w="6350">
+                    <a:lnR w="6350" cap="flat" cmpd="sng" algn="ctr">
                       <a:solidFill>
                         <a:srgbClr val="B7B8B8"/>
                       </a:solidFill>
                       <a:prstDash val="solid"/>
+                      <a:round/>
+                      <a:headEnd type="none" w="med" len="med"/>
+                      <a:tailEnd type="none" w="med" len="med"/>
                     </a:lnR>
                     <a:lnT w="6350">
                       <a:solidFill>
@@ -3211,35 +3385,33 @@
                     <a:bodyPr/>
                     <a:lstStyle/>
                     <a:p>
-                      <a:pPr marL="285750" marR="343535" indent="0" algn="ctr">
-                        <a:lnSpc>
-                          <a:spcPct val="102200"/>
-                        </a:lnSpc>
-                      </a:pPr>
+                      <a:pPr algn="ctr" fontAlgn="ctr"/>
                       <a:r>
-                        <a:rPr lang="es-ES" sz="900" dirty="0">
+                        <a:rPr lang="es-ES" sz="900" b="0" i="0" u="none" strike="noStrike">
                           <a:solidFill>
                             <a:srgbClr val="020302"/>
                           </a:solidFill>
-                          <a:latin typeface="AdobeClean-Light"/>
-                          <a:cs typeface="AdobeClean-Light"/>
+                          <a:latin typeface="AdobeClean-Light" panose="020B0503020404020204" pitchFamily="34" charset="0"/>
                         </a:rPr>
                         <a:t>Horario de trabajo / 4 horas</a:t>
                       </a:r>
                     </a:p>
                   </a:txBody>
-                  <a:tcPr marL="0" marR="0" marT="0" marB="0" anchor="ctr">
+                  <a:tcPr marL="9525" marR="9525" marT="9525" marB="0" anchor="ctr">
                     <a:lnL w="6350">
                       <a:solidFill>
                         <a:srgbClr val="B7B8B8"/>
                       </a:solidFill>
                       <a:prstDash val="solid"/>
                     </a:lnL>
-                    <a:lnR w="6350">
+                    <a:lnR w="6350" cap="flat" cmpd="sng" algn="ctr">
                       <a:solidFill>
                         <a:srgbClr val="B7B8B8"/>
                       </a:solidFill>
                       <a:prstDash val="solid"/>
+                      <a:round/>
+                      <a:headEnd type="none" w="med" len="med"/>
+                      <a:tailEnd type="none" w="med" len="med"/>
                     </a:lnR>
                     <a:lnT w="6350">
                       <a:solidFill>
@@ -3260,30 +3432,27 @@
                     <a:bodyPr/>
                     <a:lstStyle/>
                     <a:p>
-                      <a:pPr marL="457200" marR="492125" indent="0" algn="ctr">
-                        <a:lnSpc>
-                          <a:spcPct val="102200"/>
-                        </a:lnSpc>
-                      </a:pPr>
+                      <a:pPr algn="ctr" fontAlgn="ctr"/>
                       <a:r>
-                        <a:rPr lang="es-ES" sz="900" dirty="0">
+                        <a:rPr lang="es-ES" sz="900" b="0" i="0" u="none" strike="noStrike">
                           <a:solidFill>
                             <a:srgbClr val="020302"/>
                           </a:solidFill>
-                          <a:latin typeface="AdobeClean-Light"/>
-                          <a:ea typeface="+mn-ea"/>
-                          <a:cs typeface="AdobeClean-Light"/>
+                          <a:latin typeface="AdobeClean-Light" panose="020B0503020404020204" pitchFamily="34" charset="0"/>
                         </a:rPr>
-                        <a:t>24x5 /           1 hora</a:t>
+                        <a:t>24x5 / 1 hora</a:t>
                       </a:r>
                     </a:p>
                   </a:txBody>
-                  <a:tcPr marL="0" marR="0" marT="0" marB="0" anchor="ctr">
-                    <a:lnL w="6350">
+                  <a:tcPr marL="9525" marR="9525" marT="9525" marB="0" anchor="ctr">
+                    <a:lnL w="6350" cap="flat" cmpd="sng" algn="ctr">
                       <a:solidFill>
                         <a:srgbClr val="B7B8B8"/>
                       </a:solidFill>
                       <a:prstDash val="solid"/>
+                      <a:round/>
+                      <a:headEnd type="none" w="med" len="med"/>
+                      <a:tailEnd type="none" w="med" len="med"/>
                     </a:lnL>
                     <a:lnR w="6350" cap="flat" cmpd="sng" algn="ctr">
                       <a:solidFill>
@@ -3319,7 +3488,7 @@
                   </a:ext>
                 </a:extLst>
               </a:tr>
-              <a:tr h="566928">
+              <a:tr h="607568">
                 <a:tc>
                   <a:txBody>
                     <a:bodyPr/>
@@ -3354,15 +3523,57 @@
                         </a:spcBef>
                       </a:pPr>
                       <a:r>
-                        <a:rPr lang="es-ES" sz="900" b="0" i="0" u="none" strike="noStrike" spc="-40" baseline="0" dirty="0">
+                        <a:rPr lang="es-ES" sz="900" b="0" i="0" u="none" strike="noStrike" dirty="0">
                           <a:solidFill>
                             <a:schemeClr val="tx1"/>
                           </a:solidFill>
-                          <a:latin typeface="Adobe Clean Light" panose="020B0303020404020204" pitchFamily="34" charset="0"/>
+                          <a:latin typeface="Adobe Clean Light"/>
                           <a:ea typeface="+mn-ea"/>
                           <a:cs typeface="+mn-cs"/>
                         </a:rPr>
-                        <a:t>Las funciones empresariales del cliente presentan una menor degradación de los servicios, o ninguna degradación en absoluto, con una solución que permite que las funciones empresariales sigan funcionando.  </a:t>
+                        <a:t>Las funciones empresariales del cliente presentan una menor degradación de los servicios, </a:t>
+                      </a:r>
+                      <a:br>
+                        <a:rPr lang="es-ES" sz="900" b="0" i="0" u="none" strike="noStrike" dirty="0">
+                          <a:solidFill>
+                            <a:schemeClr val="tx1"/>
+                          </a:solidFill>
+                          <a:latin typeface="Adobe Clean Light"/>
+                          <a:ea typeface="+mn-ea"/>
+                          <a:cs typeface="+mn-cs"/>
+                        </a:rPr>
+                      </a:br>
+                      <a:r>
+                        <a:rPr lang="es-ES" sz="900" b="0" i="0" u="none" strike="noStrike" dirty="0">
+                          <a:solidFill>
+                            <a:schemeClr val="tx1"/>
+                          </a:solidFill>
+                          <a:latin typeface="Adobe Clean Light"/>
+                          <a:ea typeface="+mn-ea"/>
+                          <a:cs typeface="+mn-cs"/>
+                        </a:rPr>
+                        <a:t>o ninguna degradación en absoluto, con una solución que permite que las funciones</a:t>
+                      </a:r>
+                      <a:br>
+                        <a:rPr lang="es-ES" sz="900" b="0" i="0" u="none" strike="noStrike" dirty="0">
+                          <a:solidFill>
+                            <a:schemeClr val="tx1"/>
+                          </a:solidFill>
+                          <a:latin typeface="Adobe Clean Light"/>
+                          <a:ea typeface="+mn-ea"/>
+                          <a:cs typeface="+mn-cs"/>
+                        </a:rPr>
+                      </a:br>
+                      <a:r>
+                        <a:rPr lang="es-ES" sz="900" b="0" i="0" u="none" strike="noStrike" dirty="0">
+                          <a:solidFill>
+                            <a:schemeClr val="tx1"/>
+                          </a:solidFill>
+                          <a:latin typeface="Adobe Clean Light"/>
+                          <a:ea typeface="+mn-ea"/>
+                          <a:cs typeface="+mn-cs"/>
+                        </a:rPr>
+                        <a:t>empresariales sigan funcionando. </a:t>
                       </a:r>
                     </a:p>
                   </a:txBody>
@@ -3373,11 +3584,14 @@
                       </a:solidFill>
                       <a:prstDash val="solid"/>
                     </a:lnL>
-                    <a:lnR w="6350">
+                    <a:lnR w="6350" cap="flat" cmpd="sng" algn="ctr">
                       <a:solidFill>
                         <a:srgbClr val="B7B8B8"/>
                       </a:solidFill>
                       <a:prstDash val="solid"/>
+                      <a:round/>
+                      <a:headEnd type="none" w="med" len="med"/>
+                      <a:tailEnd type="none" w="med" len="med"/>
                     </a:lnR>
                     <a:lnT w="6350">
                       <a:solidFill>
@@ -3398,35 +3612,33 @@
                     <a:bodyPr/>
                     <a:lstStyle/>
                     <a:p>
-                      <a:pPr marL="285750" marR="343535" indent="0" algn="ctr">
-                        <a:lnSpc>
-                          <a:spcPct val="102200"/>
-                        </a:lnSpc>
-                      </a:pPr>
+                      <a:pPr algn="ctr" fontAlgn="ctr"/>
                       <a:r>
-                        <a:rPr lang="es-ES" sz="900" dirty="0">
+                        <a:rPr lang="es-ES" sz="900" b="0" i="0" u="none" strike="noStrike">
                           <a:solidFill>
                             <a:srgbClr val="020302"/>
                           </a:solidFill>
-                          <a:latin typeface="AdobeClean-Light"/>
-                          <a:cs typeface="AdobeClean-Light"/>
+                          <a:latin typeface="AdobeClean-Light" panose="020B0503020404020204" pitchFamily="34" charset="0"/>
                         </a:rPr>
-                        <a:t>Horario de trabajo / 6 horas</a:t>
+                        <a:t>Horario de trabajo / 6 horas</a:t>
                       </a:r>
                     </a:p>
                   </a:txBody>
-                  <a:tcPr marL="0" marR="0" marT="0" marB="0" anchor="ctr">
+                  <a:tcPr marL="9525" marR="9525" marT="9525" marB="0" anchor="ctr">
                     <a:lnL w="6350">
                       <a:solidFill>
                         <a:srgbClr val="B7B8B8"/>
                       </a:solidFill>
                       <a:prstDash val="solid"/>
                     </a:lnL>
-                    <a:lnR w="6350">
+                    <a:lnR w="6350" cap="flat" cmpd="sng" algn="ctr">
                       <a:solidFill>
                         <a:srgbClr val="B7B8B8"/>
                       </a:solidFill>
                       <a:prstDash val="solid"/>
+                      <a:round/>
+                      <a:headEnd type="none" w="med" len="med"/>
+                      <a:tailEnd type="none" w="med" len="med"/>
                     </a:lnR>
                     <a:lnT w="6350">
                       <a:solidFill>
@@ -3447,35 +3659,27 @@
                     <a:bodyPr/>
                     <a:lstStyle/>
                     <a:p>
-                      <a:pPr marL="114300" marR="398780" indent="114300" algn="ctr" defTabSz="1089025">
-                        <a:lnSpc>
-                          <a:spcPct val="102200"/>
-                        </a:lnSpc>
-                        <a:spcBef>
-                          <a:spcPts val="675"/>
-                        </a:spcBef>
-                        <a:tabLst>
-                          <a:tab pos="1143000" algn="l"/>
-                        </a:tabLst>
-                      </a:pPr>
+                      <a:pPr algn="ctr" fontAlgn="ctr"/>
                       <a:r>
-                        <a:rPr lang="es-ES" sz="900" dirty="0">
+                        <a:rPr lang="es-ES" sz="900" b="0" i="0" u="none" strike="noStrike">
                           <a:solidFill>
                             <a:srgbClr val="020302"/>
                           </a:solidFill>
-                          <a:latin typeface="AdobeClean-Light"/>
-                          <a:cs typeface="AdobeClean-Light"/>
+                          <a:latin typeface="AdobeClean-Light" panose="020B0503020404020204" pitchFamily="34" charset="0"/>
                         </a:rPr>
-                        <a:t>Horario de trabajo /  2 horas</a:t>
+                        <a:t>Horario de trabajo / 2 horas</a:t>
                       </a:r>
                     </a:p>
                   </a:txBody>
-                  <a:tcPr marL="0" marR="0" marT="0" marB="0" anchor="ctr">
-                    <a:lnL w="6350">
+                  <a:tcPr marL="9525" marR="9525" marT="9525" marB="0" anchor="ctr">
+                    <a:lnL w="6350" cap="flat" cmpd="sng" algn="ctr">
                       <a:solidFill>
                         <a:srgbClr val="B7B8B8"/>
                       </a:solidFill>
                       <a:prstDash val="solid"/>
+                      <a:round/>
+                      <a:headEnd type="none" w="med" len="med"/>
+                      <a:tailEnd type="none" w="med" len="med"/>
                     </a:lnL>
                     <a:lnR w="6350" cap="flat" cmpd="sng" algn="ctr">
                       <a:solidFill>
@@ -3526,7 +3730,7 @@
                         </a:spcBef>
                       </a:pPr>
                       <a:r>
-                        <a:rPr lang="es-ES" sz="900" b="1" dirty="0">
+                        <a:rPr lang="es-ES" sz="900" b="1">
                           <a:solidFill>
                             <a:srgbClr val="020302"/>
                           </a:solidFill>
@@ -3546,22 +3750,22 @@
                         </a:spcBef>
                       </a:pPr>
                       <a:r>
-                        <a:rPr lang="es-ES" sz="900" b="1" dirty="0">
+                        <a:rPr lang="es-ES" sz="900" b="1">
                           <a:solidFill>
                             <a:srgbClr val="020302"/>
                           </a:solidFill>
                           <a:latin typeface="Adobe Clean"/>
                           <a:ea typeface="+mn-ea"/>
-                          <a:cs typeface="Adobe Clean"/>
+                          <a:cs typeface="+mn-cs"/>
                         </a:rPr>
-                        <a:t> </a:t>
+                        <a:t> </a:t>
                       </a:r>
                       <a:r>
-                        <a:rPr lang="es-ES" sz="900" b="0" i="0" u="none" strike="noStrike" dirty="0">
+                        <a:rPr lang="es-ES" sz="900" b="0" i="0" u="none" strike="noStrike">
                           <a:solidFill>
                             <a:schemeClr val="tx1"/>
                           </a:solidFill>
-                          <a:latin typeface="Adobe Clean Light" panose="020B0303020404020204" pitchFamily="34" charset="0"/>
+                          <a:latin typeface="Adobe Clean Light"/>
                           <a:ea typeface="+mn-ea"/>
                           <a:cs typeface="+mn-cs"/>
                         </a:rPr>
@@ -3576,11 +3780,14 @@
                       </a:solidFill>
                       <a:prstDash val="solid"/>
                     </a:lnL>
-                    <a:lnR w="6350">
+                    <a:lnR w="6350" cap="flat" cmpd="sng" algn="ctr">
                       <a:solidFill>
                         <a:srgbClr val="B7B8B8"/>
                       </a:solidFill>
                       <a:prstDash val="solid"/>
+                      <a:round/>
+                      <a:headEnd type="none" w="med" len="med"/>
+                      <a:tailEnd type="none" w="med" len="med"/>
                     </a:lnR>
                     <a:lnT w="6350">
                       <a:solidFill>
@@ -3601,35 +3808,33 @@
                     <a:bodyPr/>
                     <a:lstStyle/>
                     <a:p>
-                      <a:pPr marL="473709" marR="343535" indent="-175895" algn="ctr">
-                        <a:lnSpc>
-                          <a:spcPct val="102200"/>
-                        </a:lnSpc>
-                      </a:pPr>
+                      <a:pPr algn="ctr" fontAlgn="ctr"/>
                       <a:r>
-                        <a:rPr lang="es-ES" sz="900">
+                        <a:rPr lang="es-ES" sz="900" b="0" i="0" u="none" strike="noStrike">
                           <a:solidFill>
                             <a:srgbClr val="020302"/>
                           </a:solidFill>
-                          <a:latin typeface="AdobeClean-Light"/>
-                          <a:cs typeface="AdobeClean-Light"/>
+                          <a:latin typeface="AdobeClean-Light" panose="020B0503020404020204" pitchFamily="34" charset="0"/>
                         </a:rPr>
-                        <a:t>Días laborables /      3 días</a:t>
+                        <a:t>Días laborables / 3 días</a:t>
                       </a:r>
                     </a:p>
                   </a:txBody>
-                  <a:tcPr marL="0" marR="0" marT="0" marB="0" anchor="ctr">
+                  <a:tcPr marL="9525" marR="9525" marT="9525" marB="0" anchor="ctr">
                     <a:lnL w="6350">
                       <a:solidFill>
                         <a:srgbClr val="B7B8B8"/>
                       </a:solidFill>
                       <a:prstDash val="solid"/>
                     </a:lnL>
-                    <a:lnR w="6350">
+                    <a:lnR w="6350" cap="flat" cmpd="sng" algn="ctr">
                       <a:solidFill>
                         <a:srgbClr val="B7B8B8"/>
                       </a:solidFill>
                       <a:prstDash val="solid"/>
+                      <a:round/>
+                      <a:headEnd type="none" w="med" len="med"/>
+                      <a:tailEnd type="none" w="med" len="med"/>
                     </a:lnR>
                     <a:lnT w="6350">
                       <a:solidFill>
@@ -3650,48 +3855,27 @@
                     <a:bodyPr/>
                     <a:lstStyle/>
                     <a:p>
-                      <a:pPr marL="228600" marR="343535" indent="-57150" algn="ctr">
-                        <a:lnSpc>
-                          <a:spcPct val="102200"/>
-                        </a:lnSpc>
-                      </a:pPr>
+                      <a:pPr algn="ctr" fontAlgn="ctr"/>
                       <a:r>
-                        <a:rPr lang="es-ES" sz="900" dirty="0">
+                        <a:rPr lang="es-ES" sz="900" b="0" i="0" u="none" strike="noStrike" dirty="0">
                           <a:solidFill>
                             <a:srgbClr val="020302"/>
                           </a:solidFill>
-                          <a:latin typeface="AdobeClean-Light"/>
-                          <a:cs typeface="AdobeClean-Light"/>
+                          <a:latin typeface="AdobeClean-Light" panose="020B0503020404020204" pitchFamily="34" charset="0"/>
                         </a:rPr>
-                        <a:t>Días laborables /</a:t>
-                      </a:r>
-                      <a:br>
-                        <a:rPr lang="sk-SK" sz="900" dirty="0">
-                          <a:solidFill>
-                            <a:srgbClr val="020302"/>
-                          </a:solidFill>
-                          <a:latin typeface="AdobeClean-Light"/>
-                          <a:cs typeface="AdobeClean-Light"/>
-                        </a:rPr>
-                      </a:br>
-                      <a:r>
-                        <a:rPr lang="es-ES" sz="900" dirty="0">
-                          <a:solidFill>
-                            <a:srgbClr val="020302"/>
-                          </a:solidFill>
-                          <a:latin typeface="AdobeClean-Light"/>
-                          <a:cs typeface="AdobeClean-Light"/>
-                        </a:rPr>
-                        <a:t>1 día</a:t>
+                        <a:t>Días laborables / 1 día</a:t>
                       </a:r>
                     </a:p>
                   </a:txBody>
-                  <a:tcPr marL="0" marR="0" marT="0" marB="0" anchor="ctr">
-                    <a:lnL w="6350">
+                  <a:tcPr marL="9525" marR="9525" marT="9525" marB="0" anchor="ctr">
+                    <a:lnL w="6350" cap="flat" cmpd="sng" algn="ctr">
                       <a:solidFill>
                         <a:srgbClr val="B7B8B8"/>
                       </a:solidFill>
                       <a:prstDash val="solid"/>
+                      <a:round/>
+                      <a:headEnd type="none" w="med" len="med"/>
+                      <a:tailEnd type="none" w="med" len="med"/>
                     </a:lnL>
                     <a:lnR w="6350" cap="flat" cmpd="sng" algn="ctr">
                       <a:solidFill>
@@ -3846,7 +4030,7 @@
         </p:nvSpPr>
         <p:spPr>
           <a:xfrm>
-            <a:off x="146919" y="756605"/>
+            <a:off x="146919" y="658423"/>
             <a:ext cx="6035427" cy="1243417"/>
           </a:xfrm>
           <a:prstGeom prst="rect">
@@ -3926,7 +4110,24 @@
                 </a:solidFill>
                 <a:latin typeface="Adobe Clean SemiLight" panose="020B0403020404020204" pitchFamily="34" charset="0"/>
               </a:rPr>
-              <a:t>El paquete ENTERPRISE incluye acceso a rutas de aprendizaje personalizadas y foros de la comunidad monitorizados a través de Adobe </a:t>
+              <a:t>El paquete ENTERPRISE incluye acceso a rutas de aprendizaje personalizadas y foros de la comunidad monitorizados a través </a:t>
+            </a:r>
+            <a:br>
+              <a:rPr lang="es-ES" sz="900" dirty="0">
+                <a:solidFill>
+                  <a:schemeClr val="bg1"/>
+                </a:solidFill>
+                <a:latin typeface="Adobe Clean SemiLight" panose="020B0403020404020204" pitchFamily="34" charset="0"/>
+              </a:rPr>
+            </a:br>
+            <a:r>
+              <a:rPr lang="es-ES" sz="900" dirty="0">
+                <a:solidFill>
+                  <a:schemeClr val="bg1"/>
+                </a:solidFill>
+                <a:latin typeface="Adobe Clean SemiLight" panose="020B0403020404020204" pitchFamily="34" charset="0"/>
+              </a:rPr>
+              <a:t>de Adobe </a:t>
             </a:r>
             <a:r>
               <a:rPr lang="es-ES" sz="900" dirty="0" err="1">
@@ -3944,7 +4145,41 @@
                 </a:solidFill>
                 <a:latin typeface="Adobe Clean SemiLight" panose="020B0403020404020204" pitchFamily="34" charset="0"/>
               </a:rPr>
-              <a:t> League. También puede disfrutar de documentación técnica completa y detallada sobre productos y notas de la versión actual. Los clientes del paquete ENTERPRISE también contarán con un ingeniero de asistencia técnica especializado que será su punto de contacto técnico personal dentro del equipo de Soporte de Adobe. Gracias a su amplia experiencia en sus soluciones de </a:t>
+              <a:t> League. También puede disfrutar de documentación técnica completa y detallada sobre productos y notas </a:t>
+            </a:r>
+            <a:br>
+              <a:rPr lang="es-ES" sz="900" dirty="0">
+                <a:solidFill>
+                  <a:schemeClr val="bg1"/>
+                </a:solidFill>
+                <a:latin typeface="Adobe Clean SemiLight" panose="020B0403020404020204" pitchFamily="34" charset="0"/>
+              </a:rPr>
+            </a:br>
+            <a:r>
+              <a:rPr lang="es-ES" sz="900" dirty="0">
+                <a:solidFill>
+                  <a:schemeClr val="bg1"/>
+                </a:solidFill>
+                <a:latin typeface="Adobe Clean SemiLight" panose="020B0403020404020204" pitchFamily="34" charset="0"/>
+              </a:rPr>
+              <a:t>de la versión actual. Los clientes del paquete ENTERPRISE también contarán con un ingeniero de asistencia técnica especializado </a:t>
+            </a:r>
+            <a:br>
+              <a:rPr lang="es-ES" sz="900" dirty="0">
+                <a:solidFill>
+                  <a:schemeClr val="bg1"/>
+                </a:solidFill>
+                <a:latin typeface="Adobe Clean SemiLight" panose="020B0403020404020204" pitchFamily="34" charset="0"/>
+              </a:rPr>
+            </a:br>
+            <a:r>
+              <a:rPr lang="es-ES" sz="900" dirty="0">
+                <a:solidFill>
+                  <a:schemeClr val="bg1"/>
+                </a:solidFill>
+                <a:latin typeface="Adobe Clean SemiLight" panose="020B0403020404020204" pitchFamily="34" charset="0"/>
+              </a:rPr>
+              <a:t>que será su punto de contacto técnico personal dentro del equipo de Soporte de Adobe. Gracias a su amplia experiencia en sus soluciones de </a:t>
             </a:r>
             <a:r>
               <a:rPr lang="es-ES" sz="900" dirty="0" err="1">
@@ -4000,7 +4235,7 @@
           <p:nvPr>
             <p:extLst>
               <p:ext uri="{D42A27DB-BD31-4B8C-83A1-F6EECF244321}">
-                <p14:modId xmlns:p14="http://schemas.microsoft.com/office/powerpoint/2010/main" val="570656201"/>
+                <p14:modId xmlns:p14="http://schemas.microsoft.com/office/powerpoint/2010/main" val="3924606614"/>
               </p:ext>
             </p:extLst>
           </p:nvPr>
@@ -6461,7 +6696,26 @@
                           <a:latin typeface="AdobeClean-Light"/>
                           <a:cs typeface="AdobeClean-Light"/>
                         </a:rPr>
-                        <a:t>Lanzamiento, migración, actualización y revisión de la hoja de ruta del producto</a:t>
+                        <a:t>Lanzamiento, migración, actualización y revisión </a:t>
+                      </a:r>
+                      <a:br>
+                        <a:rPr lang="es-ES" sz="900" dirty="0">
+                          <a:solidFill>
+                            <a:srgbClr val="020302"/>
+                          </a:solidFill>
+                          <a:latin typeface="AdobeClean-Light"/>
+                          <a:cs typeface="AdobeClean-Light"/>
+                        </a:rPr>
+                      </a:br>
+                      <a:r>
+                        <a:rPr lang="es-ES" sz="900" dirty="0">
+                          <a:solidFill>
+                            <a:srgbClr val="020302"/>
+                          </a:solidFill>
+                          <a:latin typeface="AdobeClean-Light"/>
+                          <a:cs typeface="AdobeClean-Light"/>
+                        </a:rPr>
+                        <a:t>de la hoja de ruta del producto</a:t>
                       </a:r>
                     </a:p>
                   </a:txBody>
@@ -7263,15 +7517,15 @@
         </p:nvSpPr>
         <p:spPr>
           <a:xfrm>
-            <a:off x="2835998" y="9021041"/>
-            <a:ext cx="2261781" cy="795089"/>
+            <a:off x="2835999" y="8876498"/>
+            <a:ext cx="2421800" cy="579646"/>
           </a:xfrm>
           <a:prstGeom prst="rect">
             <a:avLst/>
           </a:prstGeom>
         </p:spPr>
         <p:txBody>
-          <a:bodyPr vert="horz" wrap="square" lIns="0" tIns="12700" rIns="0" bIns="0" rtlCol="0">
+          <a:bodyPr vert="horz" wrap="square" lIns="0" tIns="12700" rIns="0" bIns="0" rtlCol="0" anchor="t">
             <a:spAutoFit/>
           </a:bodyPr>
           <a:lstStyle/>
@@ -7288,21 +7542,37 @@
               </a:tabLst>
             </a:pPr>
             <a:r>
-              <a:rPr lang="es-ES" sz="1000" dirty="0">
+              <a:rPr lang="es-ES" sz="900" dirty="0">
                 <a:solidFill>
                   <a:srgbClr val="020302"/>
                 </a:solidFill>
                 <a:latin typeface="AdobeClean-Light"/>
                 <a:cs typeface="AdobeClean-Light"/>
               </a:rPr>
-              <a:t>Inicie una sesión de chat para obtener respuestas y ayuda con el envío de casos.</a:t>
+              <a:t>Inicie una sesión de chat para obtener </a:t>
+            </a:r>
+            <a:br>
+              <a:rPr lang="es-ES" sz="900" dirty="0">
+                <a:solidFill>
+                  <a:srgbClr val="020302"/>
+                </a:solidFill>
+                <a:latin typeface="AdobeClean-Light"/>
+                <a:cs typeface="AdobeClean-Light"/>
+              </a:rPr>
+            </a:br>
+            <a:r>
+              <a:rPr lang="es-ES" sz="900" dirty="0">
+                <a:solidFill>
+                  <a:srgbClr val="020302"/>
+                </a:solidFill>
+                <a:latin typeface="AdobeClean-Light"/>
+                <a:cs typeface="AdobeClean-Light"/>
+              </a:rPr>
+              <a:t>respuestas y ayuda con el envío de casos.</a:t>
             </a:r>
           </a:p>
           <a:p>
             <a:pPr marL="33020" marR="159385">
-              <a:lnSpc>
-                <a:spcPct val="100000"/>
-              </a:lnSpc>
               <a:spcBef>
                 <a:spcPts val="100"/>
               </a:spcBef>
@@ -7311,16 +7581,16 @@
               </a:tabLst>
             </a:pPr>
             <a:r>
-              <a:rPr lang="es-ES" sz="1000" i="1" dirty="0">
+              <a:rPr lang="es-ES" sz="900" i="1" dirty="0">
                 <a:solidFill>
                   <a:srgbClr val="7A7A7A"/>
                 </a:solidFill>
                 <a:latin typeface="AdobeClean-LightIt"/>
                 <a:cs typeface="AdobeClean-LightIt"/>
               </a:rPr>
-              <a:t>* No todos los productos ofrecen la opción de disfrutar de asistencia mediante chat en directo</a:t>
-            </a:r>
-            <a:r>
+              <a:t>* No todos los productos ofrecen la opción </a:t>
+            </a:r>
+            <a:br>
               <a:rPr lang="es-ES" sz="900" i="1" dirty="0">
                 <a:solidFill>
                   <a:srgbClr val="7A7A7A"/>
@@ -7328,7 +7598,16 @@
                 <a:latin typeface="AdobeClean-LightIt"/>
                 <a:cs typeface="AdobeClean-LightIt"/>
               </a:rPr>
-              <a:t>.  </a:t>
+            </a:br>
+            <a:r>
+              <a:rPr lang="es-ES" sz="900" i="1" dirty="0">
+                <a:solidFill>
+                  <a:srgbClr val="7A7A7A"/>
+                </a:solidFill>
+                <a:latin typeface="AdobeClean-LightIt"/>
+                <a:cs typeface="AdobeClean-LightIt"/>
+              </a:rPr>
+              <a:t>de disfrutar de asistencia mediante chat en directo.  </a:t>
             </a:r>
           </a:p>
         </p:txBody>
@@ -7349,7 +7628,7 @@
         </p:nvSpPr>
         <p:spPr>
           <a:xfrm>
-            <a:off x="689237" y="6664838"/>
+            <a:off x="689237" y="6431497"/>
             <a:ext cx="1568246" cy="184666"/>
           </a:xfrm>
           <a:prstGeom prst="rect">
@@ -7402,7 +7681,7 @@
         </p:nvSpPr>
         <p:spPr>
           <a:xfrm>
-            <a:off x="689237" y="6868024"/>
+            <a:off x="689237" y="6634683"/>
             <a:ext cx="959314" cy="184666"/>
           </a:xfrm>
           <a:prstGeom prst="rect">
@@ -7448,44 +7727,27 @@
         </p:nvSpPr>
         <p:spPr>
           <a:xfrm>
-            <a:off x="355867" y="7102087"/>
-            <a:ext cx="2311131" cy="1113125"/>
+            <a:off x="355868" y="6868746"/>
+            <a:ext cx="2194560" cy="1005403"/>
           </a:xfrm>
           <a:prstGeom prst="rect">
             <a:avLst/>
           </a:prstGeom>
         </p:spPr>
         <p:txBody>
-          <a:bodyPr vert="horz" wrap="square" lIns="0" tIns="35560" rIns="0" bIns="0" rtlCol="0">
+          <a:bodyPr vert="horz" wrap="square" lIns="0" tIns="35560" rIns="0" bIns="0" rtlCol="0" anchor="t">
             <a:spAutoFit/>
           </a:bodyPr>
           <a:lstStyle/>
           <a:p>
             <a:r>
-              <a:rPr lang="es-ES" sz="1000" dirty="0">
+              <a:rPr lang="es-ES" sz="900" dirty="0">
                 <a:solidFill>
                   <a:srgbClr val="4B4B4B"/>
                 </a:solidFill>
-                <a:latin typeface="Adobe Clean Light" panose="020B0303020404020204" pitchFamily="34" charset="0"/>
-              </a:rPr>
-              <a:t>Acceso continuo en línea a una base </a:t>
-            </a:r>
-            <a:br>
-              <a:rPr lang="sk-SK" sz="1000" dirty="0">
-                <a:solidFill>
-                  <a:srgbClr val="4B4B4B"/>
-                </a:solidFill>
-                <a:latin typeface="Adobe Clean Light" panose="020B0303020404020204" pitchFamily="34" charset="0"/>
-              </a:rPr>
-            </a:br>
-            <a:r>
-              <a:rPr lang="es-ES" sz="1000" dirty="0">
-                <a:solidFill>
-                  <a:srgbClr val="4B4B4B"/>
-                </a:solidFill>
-                <a:latin typeface="Adobe Clean Light" panose="020B0303020404020204" pitchFamily="34" charset="0"/>
-              </a:rPr>
-              <a:t>de datos donde encontrará cada vez más soluciones técnicas, documentación de productos, preguntas frecuentes y mucho más. Hable con profesionales y otros clientes en la Comunidad de Adobe para compartir prácticas recomendadas y lecciones aprendidas.</a:t>
+                <a:latin typeface="Adobe Clean Light"/>
+              </a:rPr>
+              <a:t>Acceso continuo en línea a una base de datos donde encontrará cada vez más soluciones técnicas, documentación de productos, preguntas frecuentes y mucho más. Hable con profesionales y otros clientes en la Comunidad de Adobe para compartir prácticas recomendadas y lecciones aprendidas.</a:t>
             </a:r>
           </a:p>
         </p:txBody>
@@ -7506,7 +7768,7 @@
         </p:nvSpPr>
         <p:spPr>
           <a:xfrm>
-            <a:off x="5723508" y="6664838"/>
+            <a:off x="5723508" y="6431497"/>
             <a:ext cx="1463040" cy="184666"/>
           </a:xfrm>
           <a:prstGeom prst="rect">
@@ -7559,7 +7821,7 @@
         </p:nvSpPr>
         <p:spPr>
           <a:xfrm>
-            <a:off x="5723508" y="6868024"/>
+            <a:off x="5723508" y="6634683"/>
             <a:ext cx="1316707" cy="184666"/>
           </a:xfrm>
           <a:prstGeom prst="rect">
@@ -7605,149 +7867,140 @@
         </p:nvSpPr>
         <p:spPr>
           <a:xfrm>
-            <a:off x="5265661" y="7060285"/>
-            <a:ext cx="2345600" cy="1267014"/>
+            <a:off x="5265661" y="6826944"/>
+            <a:ext cx="2194560" cy="1143903"/>
           </a:xfrm>
           <a:prstGeom prst="rect">
             <a:avLst/>
           </a:prstGeom>
         </p:spPr>
         <p:txBody>
-          <a:bodyPr vert="horz" wrap="square" lIns="0" tIns="35560" rIns="0" bIns="0" rtlCol="0">
+          <a:bodyPr vert="horz" wrap="square" lIns="0" tIns="35560" rIns="0" bIns="0" rtlCol="0" anchor="t">
             <a:spAutoFit/>
           </a:bodyPr>
           <a:lstStyle/>
           <a:p>
             <a:r>
-              <a:rPr lang="es-ES" sz="1000" dirty="0">
+              <a:rPr lang="es-ES" sz="900" dirty="0">
                 <a:solidFill>
                   <a:srgbClr val="4B4B4B"/>
                 </a:solidFill>
-                <a:latin typeface="Adobe Clean Light" panose="020B0303020404020204" pitchFamily="34" charset="0"/>
+                <a:latin typeface="Adobe Clean Light"/>
               </a:rPr>
               <a:t>Los </a:t>
             </a:r>
             <a:r>
-              <a:rPr lang="es-ES" sz="1000" dirty="0" err="1">
+              <a:rPr lang="es-ES" sz="900" dirty="0" err="1">
                 <a:solidFill>
                   <a:srgbClr val="4B4B4B"/>
                 </a:solidFill>
-                <a:latin typeface="Adobe Clean Light" panose="020B0303020404020204" pitchFamily="34" charset="0"/>
+                <a:latin typeface="Adobe Clean Light"/>
               </a:rPr>
               <a:t>experience</a:t>
             </a:r>
             <a:r>
-              <a:rPr lang="es-ES" sz="1000" dirty="0">
+              <a:rPr lang="es-ES" sz="900" dirty="0">
                 <a:solidFill>
                   <a:srgbClr val="4B4B4B"/>
                 </a:solidFill>
-                <a:latin typeface="Adobe Clean Light" panose="020B0303020404020204" pitchFamily="34" charset="0"/>
+                <a:latin typeface="Adobe Clean Light"/>
               </a:rPr>
               <a:t> </a:t>
             </a:r>
             <a:r>
-              <a:rPr lang="es-ES" sz="1000" dirty="0" err="1">
+              <a:rPr lang="es-ES" sz="900" dirty="0" err="1">
                 <a:solidFill>
                   <a:srgbClr val="4B4B4B"/>
                 </a:solidFill>
-                <a:latin typeface="Adobe Clean Light" panose="020B0303020404020204" pitchFamily="34" charset="0"/>
+                <a:latin typeface="Adobe Clean Light"/>
               </a:rPr>
               <a:t>makers</a:t>
             </a:r>
             <a:r>
-              <a:rPr lang="es-ES" sz="1000" dirty="0">
+              <a:rPr lang="es-ES" sz="900" dirty="0">
                 <a:solidFill>
                   <a:srgbClr val="4B4B4B"/>
                 </a:solidFill>
-                <a:latin typeface="Adobe Clean Light" panose="020B0303020404020204" pitchFamily="34" charset="0"/>
+                <a:latin typeface="Adobe Clean Light"/>
               </a:rPr>
               <a:t> se realizan con </a:t>
             </a:r>
-            <a:r>
-              <a:rPr lang="es-ES" sz="1000" dirty="0" err="1">
+            <a:br>
+              <a:rPr lang="sk-SK" sz="900" dirty="0">
                 <a:solidFill>
                   <a:srgbClr val="4B4B4B"/>
                 </a:solidFill>
-                <a:latin typeface="Adobe Clean Light" panose="020B0303020404020204" pitchFamily="34" charset="0"/>
+                <a:latin typeface="Adobe Clean Light"/>
+              </a:rPr>
+            </a:br>
+            <a:r>
+              <a:rPr lang="es-ES" sz="900" dirty="0" err="1">
+                <a:solidFill>
+                  <a:srgbClr val="4B4B4B"/>
+                </a:solidFill>
+                <a:latin typeface="Adobe Clean Light"/>
               </a:rPr>
               <a:t>Experience</a:t>
             </a:r>
             <a:r>
-              <a:rPr lang="es-ES" sz="1000" dirty="0">
+              <a:rPr lang="es-ES" sz="900" dirty="0">
                 <a:solidFill>
                   <a:srgbClr val="4B4B4B"/>
                 </a:solidFill>
-                <a:latin typeface="Adobe Clean Light" panose="020B0303020404020204" pitchFamily="34" charset="0"/>
-              </a:rPr>
-              <a:t> League. Los clientes pueden </a:t>
+                <a:latin typeface="Adobe Clean Light"/>
+              </a:rPr>
+              <a:t> League. Los clientes pueden aplicar sus conocimientos de administración de </a:t>
             </a:r>
             <a:br>
-              <a:rPr lang="sk-SK" sz="1000" dirty="0">
+              <a:rPr lang="sk-SK" sz="900" dirty="0">
                 <a:solidFill>
                   <a:srgbClr val="4B4B4B"/>
                 </a:solidFill>
-                <a:latin typeface="Adobe Clean Light" panose="020B0303020404020204" pitchFamily="34" charset="0"/>
+                <a:latin typeface="Adobe Clean Light"/>
               </a:rPr>
             </a:br>
             <a:r>
-              <a:rPr lang="es-ES" sz="1000" dirty="0">
+              <a:rPr lang="es-ES" sz="900" dirty="0">
                 <a:solidFill>
                   <a:srgbClr val="4B4B4B"/>
                 </a:solidFill>
-                <a:latin typeface="Adobe Clean Light" panose="020B0303020404020204" pitchFamily="34" charset="0"/>
-              </a:rPr>
-              <a:t>aplicar sus conocimientos de administración </a:t>
+                <a:latin typeface="Adobe Clean Light"/>
+              </a:rPr>
+              <a:t>la experiencia del cliente con aprendizaje personalizado para desarrollar habilidades, interactuar con la comunidad internacional </a:t>
             </a:r>
             <a:br>
-              <a:rPr lang="sk-SK" sz="1000" dirty="0">
+              <a:rPr lang="sk-SK" sz="900" dirty="0">
                 <a:solidFill>
                   <a:srgbClr val="4B4B4B"/>
                 </a:solidFill>
-                <a:latin typeface="Adobe Clean Light" panose="020B0303020404020204" pitchFamily="34" charset="0"/>
+                <a:latin typeface="Adobe Clean Light"/>
               </a:rPr>
             </a:br>
             <a:r>
-              <a:rPr lang="es-ES" sz="1000" dirty="0">
+              <a:rPr lang="es-ES" sz="900" dirty="0">
                 <a:solidFill>
                   <a:srgbClr val="4B4B4B"/>
                 </a:solidFill>
-                <a:latin typeface="Adobe Clean Light" panose="020B0303020404020204" pitchFamily="34" charset="0"/>
-              </a:rPr>
-              <a:t>de la experiencia del cliente con aprendizaje personalizado para desarrollar habilidades, interactuar con la comunidad internacional </a:t>
+                <a:latin typeface="Adobe Clean Light"/>
+              </a:rPr>
+              <a:t>de compañeros y obtener reconocimiento en </a:t>
             </a:r>
             <a:br>
-              <a:rPr lang="sk-SK" sz="1000" dirty="0">
+              <a:rPr lang="sk-SK" sz="900" dirty="0">
                 <a:solidFill>
                   <a:srgbClr val="4B4B4B"/>
                 </a:solidFill>
-                <a:latin typeface="Adobe Clean Light" panose="020B0303020404020204" pitchFamily="34" charset="0"/>
+                <a:latin typeface="Adobe Clean Light"/>
               </a:rPr>
             </a:br>
             <a:r>
-              <a:rPr lang="es-ES" sz="1000" dirty="0">
+              <a:rPr lang="es-ES" sz="900" dirty="0">
                 <a:solidFill>
                   <a:srgbClr val="4B4B4B"/>
                 </a:solidFill>
-                <a:latin typeface="Adobe Clean Light" panose="020B0303020404020204" pitchFamily="34" charset="0"/>
-              </a:rPr>
-              <a:t>de compañeros y obtener reconocimiento </a:t>
-            </a:r>
-            <a:br>
-              <a:rPr lang="sk-SK" sz="1000" dirty="0">
-                <a:solidFill>
-                  <a:srgbClr val="4B4B4B"/>
-                </a:solidFill>
-                <a:latin typeface="Adobe Clean Light" panose="020B0303020404020204" pitchFamily="34" charset="0"/>
-              </a:rPr>
-            </a:br>
-            <a:r>
-              <a:rPr lang="es-ES" sz="1000" dirty="0">
-                <a:solidFill>
-                  <a:srgbClr val="4B4B4B"/>
-                </a:solidFill>
-                <a:latin typeface="Adobe Clean Light" panose="020B0303020404020204" pitchFamily="34" charset="0"/>
-              </a:rPr>
-              <a:t>en su trayectoria profesional.</a:t>
+                <a:latin typeface="Adobe Clean Light"/>
+              </a:rPr>
+              <a:t>su trayectoria profesional.</a:t>
             </a:r>
           </a:p>
         </p:txBody>
@@ -7768,8 +8021,8 @@
         </p:nvSpPr>
         <p:spPr>
           <a:xfrm>
-            <a:off x="3201544" y="8520784"/>
-            <a:ext cx="1667636" cy="369332"/>
+            <a:off x="3201545" y="8251025"/>
+            <a:ext cx="1414906" cy="369332"/>
           </a:xfrm>
           <a:prstGeom prst="rect">
             <a:avLst/>
@@ -7821,7 +8074,7 @@
         </p:nvSpPr>
         <p:spPr>
           <a:xfrm>
-            <a:off x="3201544" y="8702003"/>
+            <a:off x="3201544" y="8601418"/>
             <a:ext cx="840166" cy="184666"/>
           </a:xfrm>
           <a:prstGeom prst="rect">
@@ -7843,7 +8096,7 @@
               </a:spcAft>
             </a:pPr>
             <a:r>
-              <a:rPr lang="es-ES" sz="1200" b="1">
+              <a:rPr lang="es-ES" sz="1200" b="1" dirty="0">
                 <a:latin typeface="+mj-lt"/>
                 <a:ea typeface="Open Sans" pitchFamily="34" charset="0"/>
                 <a:cs typeface="Open Sans" pitchFamily="34" charset="0"/>
@@ -7869,7 +8122,7 @@
         </p:nvSpPr>
         <p:spPr>
           <a:xfrm>
-            <a:off x="3201544" y="6664838"/>
+            <a:off x="3201544" y="6431497"/>
             <a:ext cx="2520000" cy="184666"/>
           </a:xfrm>
           <a:prstGeom prst="rect">
@@ -7922,7 +8175,7 @@
         </p:nvSpPr>
         <p:spPr>
           <a:xfrm>
-            <a:off x="3201544" y="6868024"/>
+            <a:off x="3201544" y="6634683"/>
             <a:ext cx="992259" cy="184666"/>
           </a:xfrm>
           <a:prstGeom prst="rect">
@@ -7968,8 +8221,8 @@
         </p:nvSpPr>
         <p:spPr>
           <a:xfrm>
-            <a:off x="2835998" y="7097788"/>
-            <a:ext cx="2345601" cy="959237"/>
+            <a:off x="2835998" y="6864447"/>
+            <a:ext cx="2132877" cy="866904"/>
           </a:xfrm>
           <a:prstGeom prst="rect">
             <a:avLst/>
@@ -7982,7 +8235,7 @@
           <a:lstStyle/>
           <a:p>
             <a:r>
-              <a:rPr lang="es-ES" sz="1000" b="1" dirty="0">
+              <a:rPr lang="es-ES" sz="900" b="1" dirty="0">
                 <a:solidFill>
                   <a:srgbClr val="020302"/>
                 </a:solidFill>
@@ -7991,7 +8244,7 @@
               <a:t>Los usuarios autorizados o los contactos </a:t>
             </a:r>
             <a:br>
-              <a:rPr lang="sk-SK" sz="1000" b="1" dirty="0">
+              <a:rPr lang="es-ES" sz="900" b="1" dirty="0">
                 <a:solidFill>
                   <a:srgbClr val="020302"/>
                 </a:solidFill>
@@ -7999,7 +8252,7 @@
               </a:rPr>
             </a:br>
             <a:r>
-              <a:rPr lang="es-ES" sz="1000" b="1" dirty="0">
+              <a:rPr lang="es-ES" sz="900" b="1" dirty="0">
                 <a:solidFill>
                   <a:srgbClr val="020302"/>
                 </a:solidFill>
@@ -8008,18 +8261,18 @@
               <a:t>de soporte particulares</a:t>
             </a:r>
             <a:r>
-              <a:rPr lang="es-ES" sz="1000" dirty="0">
+              <a:rPr lang="es-ES" sz="900" dirty="0">
                 <a:latin typeface="Adobe Clean Light" panose="020B0303020404020204" pitchFamily="34" charset="0"/>
               </a:rPr>
               <a:t> pueden enviar problemas a través de todos los canales disponibles (incluido el teléfono en el caso </a:t>
             </a:r>
             <a:br>
-              <a:rPr lang="sk-SK" sz="1000" dirty="0">
+              <a:rPr lang="es-ES" sz="900" dirty="0">
                 <a:latin typeface="Adobe Clean Light" panose="020B0303020404020204" pitchFamily="34" charset="0"/>
               </a:rPr>
             </a:br>
             <a:r>
-              <a:rPr lang="es-ES" sz="1000" dirty="0">
+              <a:rPr lang="es-ES" sz="900" dirty="0">
                 <a:latin typeface="Adobe Clean Light" panose="020B0303020404020204" pitchFamily="34" charset="0"/>
               </a:rPr>
               <a:t>de los problemas P1) y hablar con nuestro equipo de asistencia en nombre de su empresa. </a:t>
@@ -8041,8 +8294,8 @@
         </p:nvSpPr>
         <p:spPr>
           <a:xfrm>
-            <a:off x="214971" y="6447157"/>
-            <a:ext cx="1848207" cy="45719"/>
+            <a:off x="214971" y="6213816"/>
+            <a:ext cx="2194560" cy="45719"/>
           </a:xfrm>
           <a:custGeom>
             <a:avLst/>
@@ -8089,7 +8342,7 @@
         </p:nvSpPr>
         <p:spPr>
           <a:xfrm>
-            <a:off x="214971" y="6124178"/>
+            <a:off x="214971" y="5890837"/>
             <a:ext cx="1901483" cy="307777"/>
           </a:xfrm>
           <a:prstGeom prst="rect">
@@ -8139,8 +8392,8 @@
         </p:nvSpPr>
         <p:spPr>
           <a:xfrm>
-            <a:off x="689237" y="8520784"/>
-            <a:ext cx="1246243" cy="184666"/>
+            <a:off x="689237" y="8376241"/>
+            <a:ext cx="1599938" cy="184666"/>
           </a:xfrm>
           <a:prstGeom prst="rect">
             <a:avLst/>
@@ -8192,7 +8445,7 @@
         </p:nvSpPr>
         <p:spPr>
           <a:xfrm>
-            <a:off x="689237" y="8702003"/>
+            <a:off x="689237" y="8557460"/>
             <a:ext cx="604974" cy="184666"/>
           </a:xfrm>
           <a:prstGeom prst="rect">
@@ -8214,7 +8467,7 @@
               </a:spcAft>
             </a:pPr>
             <a:r>
-              <a:rPr lang="es-ES" sz="1200" b="1">
+              <a:rPr lang="es-ES" sz="1200" b="1" dirty="0">
                 <a:latin typeface="+mj-lt"/>
                 <a:ea typeface="Open Sans" pitchFamily="34" charset="0"/>
                 <a:cs typeface="Open Sans" pitchFamily="34" charset="0"/>
@@ -8238,8 +8491,8 @@
         </p:nvSpPr>
         <p:spPr>
           <a:xfrm>
-            <a:off x="355868" y="8986613"/>
-            <a:ext cx="2480130" cy="866904"/>
+            <a:off x="355867" y="8842070"/>
+            <a:ext cx="2320658" cy="866904"/>
           </a:xfrm>
           <a:prstGeom prst="rect">
             <a:avLst/>
@@ -8258,10 +8511,10 @@
                 </a:solidFill>
                 <a:latin typeface="Adobe Clean Light" panose="020B0303020404020204" pitchFamily="34" charset="0"/>
               </a:rPr>
-              <a:t>En el horario de oficina del equipo de asistencia al cliente de Adobe se incluyen sesiones diseñadas para informar y ayudar a los participantes a solucionar problemas, así como para proporcionar consejos </a:t>
+              <a:t>En el horario de oficina del equipo de asistencia </a:t>
             </a:r>
             <a:br>
-              <a:rPr lang="sk-SK" sz="900" dirty="0">
+              <a:rPr lang="es-ES" sz="900" dirty="0">
                 <a:solidFill>
                   <a:srgbClr val="4B4B4B"/>
                 </a:solidFill>
@@ -8275,10 +8528,10 @@
                 </a:solidFill>
                 <a:latin typeface="Adobe Clean Light" panose="020B0303020404020204" pitchFamily="34" charset="0"/>
               </a:rPr>
-              <a:t>y trucos para que los participantes logren el éxito </a:t>
+              <a:t>al cliente de Adobe se incluyen sesiones </a:t>
             </a:r>
             <a:br>
-              <a:rPr lang="sk-SK" sz="900" dirty="0">
+              <a:rPr lang="es-ES" sz="900" dirty="0">
                 <a:solidFill>
                   <a:srgbClr val="4B4B4B"/>
                 </a:solidFill>
@@ -8292,7 +8545,7 @@
                 </a:solidFill>
                 <a:latin typeface="Adobe Clean Light" panose="020B0303020404020204" pitchFamily="34" charset="0"/>
               </a:rPr>
-              <a:t>con las soluciones de Adobe. </a:t>
+              <a:t>diseñadas para informar y ayudar a los participantes a solucionar problemas, así como para proporcionar consejos y trucos para que los participantes logren el éxito con las soluciones de Adobe. </a:t>
             </a:r>
           </a:p>
         </p:txBody>
@@ -8313,8 +8566,8 @@
         </p:nvSpPr>
         <p:spPr>
           <a:xfrm>
-            <a:off x="5723507" y="8520784"/>
-            <a:ext cx="1736713" cy="184666"/>
+            <a:off x="5723508" y="8376241"/>
+            <a:ext cx="1966342" cy="184666"/>
           </a:xfrm>
           <a:prstGeom prst="rect">
             <a:avLst/>
@@ -8366,7 +8619,7 @@
         </p:nvSpPr>
         <p:spPr>
           <a:xfrm>
-            <a:off x="5723508" y="8702003"/>
+            <a:off x="5723508" y="8557460"/>
             <a:ext cx="1267206" cy="184666"/>
           </a:xfrm>
           <a:prstGeom prst="rect">
@@ -8412,8 +8665,8 @@
         </p:nvSpPr>
         <p:spPr>
           <a:xfrm>
-            <a:off x="5265661" y="8947635"/>
-            <a:ext cx="2245360" cy="959237"/>
+            <a:off x="5265661" y="8803092"/>
+            <a:ext cx="2194560" cy="866904"/>
           </a:xfrm>
           <a:prstGeom prst="rect">
             <a:avLst/>
@@ -8426,16 +8679,16 @@
           <a:lstStyle/>
           <a:p>
             <a:r>
-              <a:rPr lang="es-ES" sz="1000" dirty="0">
+              <a:rPr lang="es-ES" sz="900" dirty="0">
                 <a:solidFill>
                   <a:srgbClr val="4B4B4B"/>
                 </a:solidFill>
                 <a:latin typeface="Adobe Clean Light" panose="020B0303020404020204" pitchFamily="34" charset="0"/>
               </a:rPr>
-              <a:t>Acceso al portal de asistencia de autoayuda en línea previa solicitud para enviar solicitudes de asistencia, revisar el estado </a:t>
+              <a:t>Acceso al portal de asistencia de autoayuda </a:t>
             </a:r>
             <a:br>
-              <a:rPr lang="sk-SK" sz="1000" dirty="0">
+              <a:rPr lang="es-ES" sz="900" dirty="0">
                 <a:solidFill>
                   <a:srgbClr val="4B4B4B"/>
                 </a:solidFill>
@@ -8443,13 +8696,64 @@
               </a:rPr>
             </a:br>
             <a:r>
-              <a:rPr lang="es-ES" sz="1000" dirty="0">
+              <a:rPr lang="es-ES" sz="900" dirty="0">
                 <a:solidFill>
                   <a:srgbClr val="4B4B4B"/>
                 </a:solidFill>
                 <a:latin typeface="Adobe Clean Light" panose="020B0303020404020204" pitchFamily="34" charset="0"/>
               </a:rPr>
-              <a:t>de los casos y examinar otros recursos, como la base de conocimiento, noticias y alertas, sugerencias destacadas, y mucho más.</a:t>
+              <a:t>en línea previa solicitud para enviar solicitudes </a:t>
+            </a:r>
+            <a:br>
+              <a:rPr lang="es-ES" sz="900" dirty="0">
+                <a:solidFill>
+                  <a:srgbClr val="4B4B4B"/>
+                </a:solidFill>
+                <a:latin typeface="Adobe Clean Light" panose="020B0303020404020204" pitchFamily="34" charset="0"/>
+              </a:rPr>
+            </a:br>
+            <a:r>
+              <a:rPr lang="es-ES" sz="900" dirty="0">
+                <a:solidFill>
+                  <a:srgbClr val="4B4B4B"/>
+                </a:solidFill>
+                <a:latin typeface="Adobe Clean Light" panose="020B0303020404020204" pitchFamily="34" charset="0"/>
+              </a:rPr>
+              <a:t>de asistencia, revisar el estado de los casos </a:t>
+            </a:r>
+            <a:br>
+              <a:rPr lang="es-ES" sz="900" dirty="0">
+                <a:solidFill>
+                  <a:srgbClr val="4B4B4B"/>
+                </a:solidFill>
+                <a:latin typeface="Adobe Clean Light" panose="020B0303020404020204" pitchFamily="34" charset="0"/>
+              </a:rPr>
+            </a:br>
+            <a:r>
+              <a:rPr lang="es-ES" sz="900" dirty="0">
+                <a:solidFill>
+                  <a:srgbClr val="4B4B4B"/>
+                </a:solidFill>
+                <a:latin typeface="Adobe Clean Light" panose="020B0303020404020204" pitchFamily="34" charset="0"/>
+              </a:rPr>
+              <a:t>y examinar otros recursos, como la base </a:t>
+            </a:r>
+            <a:br>
+              <a:rPr lang="es-ES" sz="900" dirty="0">
+                <a:solidFill>
+                  <a:srgbClr val="4B4B4B"/>
+                </a:solidFill>
+                <a:latin typeface="Adobe Clean Light" panose="020B0303020404020204" pitchFamily="34" charset="0"/>
+              </a:rPr>
+            </a:br>
+            <a:r>
+              <a:rPr lang="es-ES" sz="900" dirty="0">
+                <a:solidFill>
+                  <a:srgbClr val="4B4B4B"/>
+                </a:solidFill>
+                <a:latin typeface="Adobe Clean Light" panose="020B0303020404020204" pitchFamily="34" charset="0"/>
+              </a:rPr>
+              <a:t>de conocimiento, noticias y alertas, sugerencias destacadas, y mucho más.</a:t>
             </a:r>
           </a:p>
         </p:txBody>
@@ -8604,7 +8908,7 @@
         <p:spPr>
           <a:xfrm>
             <a:off x="214970" y="868681"/>
-            <a:ext cx="2452029" cy="59410"/>
+            <a:ext cx="2410119" cy="45719"/>
           </a:xfrm>
           <a:custGeom>
             <a:avLst/>
@@ -8673,7 +8977,7 @@
               </a:spcBef>
             </a:pPr>
             <a:r>
-              <a:rPr lang="es-ES" sz="1400" b="1">
+              <a:rPr lang="es-ES" sz="1400" b="1" dirty="0">
                 <a:solidFill>
                   <a:srgbClr val="020302"/>
                 </a:solidFill>
@@ -8699,8 +9003,8 @@
         </p:nvSpPr>
         <p:spPr>
           <a:xfrm>
-            <a:off x="689237" y="2603192"/>
-            <a:ext cx="1684979" cy="382156"/>
+            <a:off x="689237" y="2536120"/>
+            <a:ext cx="1555491" cy="382156"/>
           </a:xfrm>
           <a:prstGeom prst="rect">
             <a:avLst/>
@@ -8728,10 +9032,10 @@
                 <a:latin typeface="Adobe Clean"/>
                 <a:cs typeface="Adobe Clean"/>
               </a:rPr>
-              <a:t>Administración </a:t>
+              <a:t>Administración de </a:t>
             </a:r>
             <a:br>
-              <a:rPr lang="sk-SK" sz="1200" b="1" dirty="0">
+              <a:rPr lang="es-ES" sz="1200" b="1" dirty="0">
                 <a:solidFill>
                   <a:srgbClr val="020302"/>
                 </a:solidFill>
@@ -8747,7 +9051,7 @@
                 <a:latin typeface="Adobe Clean"/>
                 <a:cs typeface="Adobe Clean"/>
               </a:rPr>
-              <a:t>de la escalabilidad</a:t>
+              <a:t>la escalabilidad</a:t>
             </a:r>
           </a:p>
         </p:txBody>
@@ -8767,7 +9071,7 @@
         <p:spPr>
           <a:xfrm>
             <a:off x="355868" y="2923693"/>
-            <a:ext cx="2194560" cy="782265"/>
+            <a:ext cx="2194560" cy="705321"/>
           </a:xfrm>
           <a:prstGeom prst="rect">
             <a:avLst/>
@@ -8788,13 +9092,64 @@
               </a:spcBef>
             </a:pPr>
             <a:r>
-              <a:rPr lang="es-ES" sz="1000" dirty="0">
+              <a:rPr lang="es-ES" sz="900" dirty="0">
                 <a:solidFill>
                   <a:srgbClr val="4B4B4B"/>
                 </a:solidFill>
                 <a:latin typeface="Adobe Clean Light" panose="020B0303020404020204" pitchFamily="34" charset="0"/>
               </a:rPr>
-              <a:t>Un punto de contacto designado de Adobe que puede proporcionar asistencia en cuanto a escalabilidad y actualizaciones frecuentes, así como garantizar que se dé prioridad a sus solicitudes de soporte abierto más críticas.</a:t>
+              <a:t>Un punto de contacto designado de Adobe </a:t>
+            </a:r>
+            <a:br>
+              <a:rPr lang="es-ES" sz="900" dirty="0">
+                <a:solidFill>
+                  <a:srgbClr val="4B4B4B"/>
+                </a:solidFill>
+                <a:latin typeface="Adobe Clean Light" panose="020B0303020404020204" pitchFamily="34" charset="0"/>
+              </a:rPr>
+            </a:br>
+            <a:r>
+              <a:rPr lang="es-ES" sz="900" dirty="0">
+                <a:solidFill>
+                  <a:srgbClr val="4B4B4B"/>
+                </a:solidFill>
+                <a:latin typeface="Adobe Clean Light" panose="020B0303020404020204" pitchFamily="34" charset="0"/>
+              </a:rPr>
+              <a:t>que puede proporcionar asistencia en cuanto </a:t>
+            </a:r>
+            <a:br>
+              <a:rPr lang="es-ES" sz="900" dirty="0">
+                <a:solidFill>
+                  <a:srgbClr val="4B4B4B"/>
+                </a:solidFill>
+                <a:latin typeface="Adobe Clean Light" panose="020B0303020404020204" pitchFamily="34" charset="0"/>
+              </a:rPr>
+            </a:br>
+            <a:r>
+              <a:rPr lang="es-ES" sz="900" dirty="0">
+                <a:solidFill>
+                  <a:srgbClr val="4B4B4B"/>
+                </a:solidFill>
+                <a:latin typeface="Adobe Clean Light" panose="020B0303020404020204" pitchFamily="34" charset="0"/>
+              </a:rPr>
+              <a:t>a escalabilidad y actualizaciones frecuentes, </a:t>
+            </a:r>
+            <a:br>
+              <a:rPr lang="es-ES" sz="900" dirty="0">
+                <a:solidFill>
+                  <a:srgbClr val="4B4B4B"/>
+                </a:solidFill>
+                <a:latin typeface="Adobe Clean Light" panose="020B0303020404020204" pitchFamily="34" charset="0"/>
+              </a:rPr>
+            </a:br>
+            <a:r>
+              <a:rPr lang="es-ES" sz="900" dirty="0">
+                <a:solidFill>
+                  <a:srgbClr val="4B4B4B"/>
+                </a:solidFill>
+                <a:latin typeface="Adobe Clean Light" panose="020B0303020404020204" pitchFamily="34" charset="0"/>
+              </a:rPr>
+              <a:t>así como garantizar que se dé prioridad a sus solicitudes de soporte abierto más críticas.</a:t>
             </a:r>
           </a:p>
         </p:txBody>
@@ -8813,8 +9168,8 @@
         </p:nvSpPr>
         <p:spPr>
           <a:xfrm>
-            <a:off x="3201544" y="2661575"/>
-            <a:ext cx="1477136" cy="197490"/>
+            <a:off x="3201544" y="2592995"/>
+            <a:ext cx="1767331" cy="197490"/>
           </a:xfrm>
           <a:prstGeom prst="rect">
             <a:avLst/>
@@ -8861,8 +9216,8 @@
         </p:nvSpPr>
         <p:spPr>
           <a:xfrm>
-            <a:off x="2835999" y="2990165"/>
-            <a:ext cx="2194560" cy="474489"/>
+            <a:off x="2835999" y="2921585"/>
+            <a:ext cx="2194560" cy="428322"/>
           </a:xfrm>
           <a:prstGeom prst="rect">
             <a:avLst/>
@@ -8883,30 +9238,13 @@
               </a:spcBef>
             </a:pPr>
             <a:r>
-              <a:rPr lang="es-ES" sz="1000" dirty="0">
+              <a:rPr lang="es-ES" sz="900">
                 <a:solidFill>
                   <a:srgbClr val="4B4B4B"/>
                 </a:solidFill>
                 <a:latin typeface="Adobe Clean Light" panose="020B0303020404020204" pitchFamily="34" charset="0"/>
               </a:rPr>
-              <a:t>Una revisión bianual completa </a:t>
-            </a:r>
-            <a:br>
-              <a:rPr lang="sk-SK" sz="1000" dirty="0">
-                <a:solidFill>
-                  <a:srgbClr val="4B4B4B"/>
-                </a:solidFill>
-                <a:latin typeface="Adobe Clean Light" panose="020B0303020404020204" pitchFamily="34" charset="0"/>
-              </a:rPr>
-            </a:br>
-            <a:r>
-              <a:rPr lang="es-ES" sz="1000" dirty="0">
-                <a:solidFill>
-                  <a:srgbClr val="4B4B4B"/>
-                </a:solidFill>
-                <a:latin typeface="Adobe Clean Light" panose="020B0303020404020204" pitchFamily="34" charset="0"/>
-              </a:rPr>
-              <a:t>de los servicios, los beneficios y las métricas de soporte del programa Enterprise.</a:t>
+              <a:t>Una revisión bianual completa de los servicios, los beneficios y las métricas de soporte del programa Enterprise.</a:t>
             </a:r>
           </a:p>
         </p:txBody>
@@ -8926,7 +9264,7 @@
         <p:spPr>
           <a:xfrm>
             <a:off x="5265661" y="1426694"/>
-            <a:ext cx="2194560" cy="628377"/>
+            <a:ext cx="2194560" cy="566822"/>
           </a:xfrm>
           <a:prstGeom prst="rect">
             <a:avLst/>
@@ -8947,13 +9285,30 @@
               </a:spcBef>
             </a:pPr>
             <a:r>
-              <a:rPr lang="es-ES" sz="1000">
+              <a:rPr lang="es-ES" sz="900" dirty="0">
                 <a:solidFill>
                   <a:srgbClr val="4B4B4B"/>
                 </a:solidFill>
                 <a:latin typeface="Adobe Clean Light" panose="020B0303020404020204" pitchFamily="34" charset="0"/>
               </a:rPr>
-              <a:t>Una sesión de 60 minutos centrada en una función específica del producto y en cómo se puede utilizar para resolver problemas empresariales comunes.</a:t>
+              <a:t>Una sesión de 60 minutos centrada en una función específica del producto y en cómo </a:t>
+            </a:r>
+            <a:br>
+              <a:rPr lang="es-ES" sz="900" dirty="0">
+                <a:solidFill>
+                  <a:srgbClr val="4B4B4B"/>
+                </a:solidFill>
+                <a:latin typeface="Adobe Clean Light" panose="020B0303020404020204" pitchFamily="34" charset="0"/>
+              </a:rPr>
+            </a:br>
+            <a:r>
+              <a:rPr lang="es-ES" sz="900" dirty="0">
+                <a:solidFill>
+                  <a:srgbClr val="4B4B4B"/>
+                </a:solidFill>
+                <a:latin typeface="Adobe Clean Light" panose="020B0303020404020204" pitchFamily="34" charset="0"/>
+              </a:rPr>
+              <a:t>se puede utilizar para resolver problemas empresariales comunes.</a:t>
             </a:r>
           </a:p>
         </p:txBody>
@@ -8972,15 +9327,15 @@
         </p:nvSpPr>
         <p:spPr>
           <a:xfrm>
-            <a:off x="5265661" y="5085557"/>
-            <a:ext cx="2194560" cy="713850"/>
+            <a:off x="5265661" y="5098398"/>
+            <a:ext cx="2194560" cy="483209"/>
           </a:xfrm>
           <a:prstGeom prst="rect">
             <a:avLst/>
           </a:prstGeom>
         </p:spPr>
         <p:txBody>
-          <a:bodyPr vert="horz" wrap="square" lIns="0" tIns="12700" rIns="0" bIns="0" rtlCol="0">
+          <a:bodyPr vert="horz" wrap="square" lIns="0" tIns="12700" rIns="0" bIns="0" rtlCol="0" anchor="t">
             <a:spAutoFit/>
           </a:bodyPr>
           <a:lstStyle/>
@@ -8994,65 +9349,13 @@
               </a:spcBef>
             </a:pPr>
             <a:r>
-              <a:rPr lang="es-ES" sz="1000" dirty="0">
+              <a:rPr lang="es-ES" sz="900">
                 <a:solidFill>
                   <a:srgbClr val="4B4B4B"/>
                 </a:solidFill>
-                <a:latin typeface="Adobe Clean Light" panose="020B0303020404020204" pitchFamily="34" charset="0"/>
-              </a:rPr>
-              <a:t>Impulse la adopción de prácticas recomendadas de personalización </a:t>
-            </a:r>
-            <a:br>
-              <a:rPr lang="sk-SK" sz="1000" dirty="0">
-                <a:solidFill>
-                  <a:srgbClr val="4B4B4B"/>
-                </a:solidFill>
-                <a:latin typeface="Adobe Clean Light" panose="020B0303020404020204" pitchFamily="34" charset="0"/>
-              </a:rPr>
-            </a:br>
-            <a:r>
-              <a:rPr lang="es-ES" sz="1000" dirty="0">
-                <a:solidFill>
-                  <a:srgbClr val="4B4B4B"/>
-                </a:solidFill>
-                <a:latin typeface="Adobe Clean Light" panose="020B0303020404020204" pitchFamily="34" charset="0"/>
-              </a:rPr>
-              <a:t>y componentes principales en AEM </a:t>
-            </a:r>
-            <a:br>
-              <a:rPr lang="sk-SK" sz="1000" dirty="0">
-                <a:solidFill>
-                  <a:srgbClr val="4B4B4B"/>
-                </a:solidFill>
-                <a:latin typeface="Adobe Clean Light" panose="020B0303020404020204" pitchFamily="34" charset="0"/>
-              </a:rPr>
-            </a:br>
-            <a:r>
-              <a:rPr lang="es-ES" sz="1000" dirty="0">
-                <a:solidFill>
-                  <a:srgbClr val="4B4B4B"/>
-                </a:solidFill>
-                <a:latin typeface="Adobe Clean Light" panose="020B0303020404020204" pitchFamily="34" charset="0"/>
-              </a:rPr>
-              <a:t>as a Cloud </a:t>
-            </a:r>
-            <a:r>
-              <a:rPr lang="es-ES" sz="1000" dirty="0" err="1">
-                <a:solidFill>
-                  <a:srgbClr val="4B4B4B"/>
-                </a:solidFill>
-                <a:latin typeface="Adobe Clean Light" panose="020B0303020404020204" pitchFamily="34" charset="0"/>
-              </a:rPr>
-              <a:t>Service</a:t>
-            </a:r>
-            <a:r>
-              <a:rPr lang="es-ES" sz="1000" dirty="0">
-                <a:solidFill>
-                  <a:srgbClr val="4B4B4B"/>
-                </a:solidFill>
-                <a:latin typeface="Adobe Clean Light" panose="020B0303020404020204" pitchFamily="34" charset="0"/>
-              </a:rPr>
-              <a:t>.</a:t>
+                <a:latin typeface="Adobe Clean Light"/>
+              </a:rPr>
+              <a:t>Impulse la adopción de prácticas recomendadas de personalización y componentes principales en AEM as a Cloud Service.</a:t>
             </a:r>
           </a:p>
         </p:txBody>
@@ -9071,20 +9374,20 @@
         </p:nvSpPr>
         <p:spPr>
           <a:xfrm>
-            <a:off x="2835999" y="4994097"/>
-            <a:ext cx="2194560" cy="720903"/>
+            <a:off x="2835999" y="5090758"/>
+            <a:ext cx="2194560" cy="648960"/>
           </a:xfrm>
           <a:prstGeom prst="rect">
             <a:avLst/>
           </a:prstGeom>
         </p:spPr>
         <p:txBody>
-          <a:bodyPr vert="horz" wrap="square" lIns="0" tIns="12700" rIns="0" bIns="0" rtlCol="0">
+          <a:bodyPr vert="horz" wrap="square" lIns="0" tIns="12700" rIns="0" bIns="0" rtlCol="0" anchor="t">
             <a:spAutoFit/>
           </a:bodyPr>
           <a:lstStyle/>
           <a:p>
-            <a:pPr marL="14604" marR="5080" indent="-1905">
+            <a:pPr marL="13970" marR="5080" indent="-1905">
               <a:lnSpc>
                 <a:spcPct val="117000"/>
               </a:lnSpc>
@@ -9093,11 +9396,11 @@
               </a:spcBef>
             </a:pPr>
             <a:r>
-              <a:rPr lang="es-ES" sz="1000" dirty="0">
+              <a:rPr lang="es-ES" sz="900">
                 <a:solidFill>
                   <a:srgbClr val="4B4B4B"/>
                 </a:solidFill>
-                <a:latin typeface="Adobe Clean Light" panose="020B0303020404020204" pitchFamily="34" charset="0"/>
+                <a:latin typeface="Adobe Clean Light"/>
               </a:rPr>
               <a:t>Identifique, revise y proporcione recomendaciones sobre áreas de adopción de soluciones personalizadas con oportunidades de optimización.</a:t>
             </a:r>
@@ -9118,15 +9421,15 @@
         </p:nvSpPr>
         <p:spPr>
           <a:xfrm>
-            <a:off x="355868" y="4947989"/>
-            <a:ext cx="2194560" cy="899670"/>
+            <a:off x="355868" y="5044650"/>
+            <a:ext cx="2194560" cy="648960"/>
           </a:xfrm>
           <a:prstGeom prst="rect">
             <a:avLst/>
           </a:prstGeom>
         </p:spPr>
         <p:txBody>
-          <a:bodyPr vert="horz" wrap="square" lIns="0" tIns="12700" rIns="0" bIns="0" rtlCol="0">
+          <a:bodyPr vert="horz" wrap="square" lIns="0" tIns="12700" rIns="0" bIns="0" rtlCol="0" anchor="t">
             <a:spAutoFit/>
           </a:bodyPr>
           <a:lstStyle/>
@@ -9140,98 +9443,47 @@
               </a:spcBef>
             </a:pPr>
             <a:r>
-              <a:rPr lang="es-ES" sz="1000" dirty="0">
+              <a:rPr lang="es-ES" sz="900" dirty="0">
                 <a:solidFill>
                   <a:srgbClr val="4B4B4B"/>
                 </a:solidFill>
-                <a:latin typeface="Adobe Clean Light" panose="020B0303020404020204" pitchFamily="34" charset="0"/>
+                <a:latin typeface="Adobe Clean Light"/>
               </a:rPr>
               <a:t>Gobernanza técnica y operativa para ayudar a los clientes de AEM as a Cloud </a:t>
             </a:r>
             <a:r>
-              <a:rPr lang="es-ES" sz="1000" dirty="0" err="1">
+              <a:rPr lang="es-ES" sz="900" dirty="0" err="1">
                 <a:solidFill>
                   <a:srgbClr val="4B4B4B"/>
                 </a:solidFill>
-                <a:latin typeface="Adobe Clean Light" panose="020B0303020404020204" pitchFamily="34" charset="0"/>
+                <a:latin typeface="Adobe Clean Light"/>
               </a:rPr>
               <a:t>Service</a:t>
             </a:r>
             <a:r>
-              <a:rPr lang="es-ES" sz="1000" dirty="0">
+              <a:rPr lang="es-ES" sz="900" dirty="0">
                 <a:solidFill>
                   <a:srgbClr val="4B4B4B"/>
                 </a:solidFill>
-                <a:latin typeface="Adobe Clean Light" panose="020B0303020404020204" pitchFamily="34" charset="0"/>
-              </a:rPr>
-              <a:t> </a:t>
-            </a:r>
-            <a:br>
-              <a:rPr lang="sk-SK" sz="1000" dirty="0">
+                <a:latin typeface="Adobe Clean Light"/>
+              </a:rPr>
+              <a:t> a cumplir con los estándares del sector y las prácticas recomendadas para AEM as a Cloud </a:t>
+            </a:r>
+            <a:r>
+              <a:rPr lang="es-ES" sz="900" dirty="0" err="1">
                 <a:solidFill>
                   <a:srgbClr val="4B4B4B"/>
                 </a:solidFill>
-                <a:latin typeface="Adobe Clean Light" panose="020B0303020404020204" pitchFamily="34" charset="0"/>
-              </a:rPr>
-            </a:br>
-            <a:r>
-              <a:rPr lang="es-ES" sz="1000" dirty="0">
+                <a:latin typeface="Adobe Clean Light"/>
+              </a:rPr>
+              <a:t>Service</a:t>
+            </a:r>
+            <a:r>
+              <a:rPr lang="es-ES" sz="900" dirty="0">
                 <a:solidFill>
                   <a:srgbClr val="4B4B4B"/>
                 </a:solidFill>
-                <a:latin typeface="Adobe Clean Light" panose="020B0303020404020204" pitchFamily="34" charset="0"/>
-              </a:rPr>
-              <a:t>a cumplir con los estándares del sector </a:t>
-            </a:r>
-            <a:br>
-              <a:rPr lang="sk-SK" sz="1000" dirty="0">
-                <a:solidFill>
-                  <a:srgbClr val="4B4B4B"/>
-                </a:solidFill>
-                <a:latin typeface="Adobe Clean Light" panose="020B0303020404020204" pitchFamily="34" charset="0"/>
-              </a:rPr>
-            </a:br>
-            <a:r>
-              <a:rPr lang="es-ES" sz="1000" dirty="0">
-                <a:solidFill>
-                  <a:srgbClr val="4B4B4B"/>
-                </a:solidFill>
-                <a:latin typeface="Adobe Clean Light" panose="020B0303020404020204" pitchFamily="34" charset="0"/>
-              </a:rPr>
-              <a:t>y las prácticas recomendadas para AEM </a:t>
-            </a:r>
-            <a:br>
-              <a:rPr lang="sk-SK" sz="1000" dirty="0">
-                <a:solidFill>
-                  <a:srgbClr val="4B4B4B"/>
-                </a:solidFill>
-                <a:latin typeface="Adobe Clean Light" panose="020B0303020404020204" pitchFamily="34" charset="0"/>
-              </a:rPr>
-            </a:br>
-            <a:r>
-              <a:rPr lang="es-ES" sz="1000" dirty="0">
-                <a:solidFill>
-                  <a:srgbClr val="4B4B4B"/>
-                </a:solidFill>
-                <a:latin typeface="Adobe Clean Light" panose="020B0303020404020204" pitchFamily="34" charset="0"/>
-              </a:rPr>
-              <a:t>as a Cloud </a:t>
-            </a:r>
-            <a:r>
-              <a:rPr lang="es-ES" sz="1000" dirty="0" err="1">
-                <a:solidFill>
-                  <a:srgbClr val="4B4B4B"/>
-                </a:solidFill>
-                <a:latin typeface="Adobe Clean Light" panose="020B0303020404020204" pitchFamily="34" charset="0"/>
-              </a:rPr>
-              <a:t>Service</a:t>
-            </a:r>
-            <a:r>
-              <a:rPr lang="es-ES" sz="1000" dirty="0">
-                <a:solidFill>
-                  <a:srgbClr val="4B4B4B"/>
-                </a:solidFill>
-                <a:latin typeface="Adobe Clean Light" panose="020B0303020404020204" pitchFamily="34" charset="0"/>
+                <a:latin typeface="Adobe Clean Light"/>
               </a:rPr>
               <a:t>.</a:t>
             </a:r>
@@ -9252,8 +9504,8 @@
         </p:nvSpPr>
         <p:spPr>
           <a:xfrm>
-            <a:off x="2835999" y="1470553"/>
-            <a:ext cx="2194560" cy="1113125"/>
+            <a:off x="2835999" y="1401973"/>
+            <a:ext cx="2194560" cy="866904"/>
           </a:xfrm>
           <a:prstGeom prst="rect">
             <a:avLst/>
@@ -9271,81 +9523,13 @@
               </a:spcBef>
             </a:pPr>
             <a:r>
-              <a:rPr lang="es-ES" sz="1000" dirty="0">
+              <a:rPr lang="es-ES" sz="900">
                 <a:solidFill>
                   <a:srgbClr val="4B4B4B"/>
                 </a:solidFill>
                 <a:latin typeface="Adobe Clean Light" panose="020B0303020404020204" pitchFamily="34" charset="0"/>
               </a:rPr>
-              <a:t>Un ingeniero de asistencia técnica especializado que esté familiarizado </a:t>
-            </a:r>
-            <a:br>
-              <a:rPr lang="sk-SK" sz="1000" dirty="0">
-                <a:solidFill>
-                  <a:srgbClr val="4B4B4B"/>
-                </a:solidFill>
-                <a:latin typeface="Adobe Clean Light" panose="020B0303020404020204" pitchFamily="34" charset="0"/>
-              </a:rPr>
-            </a:br>
-            <a:r>
-              <a:rPr lang="es-ES" sz="1000" dirty="0">
-                <a:solidFill>
-                  <a:srgbClr val="4B4B4B"/>
-                </a:solidFill>
-                <a:latin typeface="Adobe Clean Light" panose="020B0303020404020204" pitchFamily="34" charset="0"/>
-              </a:rPr>
-              <a:t>con el entorno de su solución y sus objetivos empresariales. Es un ingeniero </a:t>
-            </a:r>
-            <a:br>
-              <a:rPr lang="sk-SK" sz="1000" dirty="0">
-                <a:solidFill>
-                  <a:srgbClr val="4B4B4B"/>
-                </a:solidFill>
-                <a:latin typeface="Adobe Clean Light" panose="020B0303020404020204" pitchFamily="34" charset="0"/>
-              </a:rPr>
-            </a:br>
-            <a:r>
-              <a:rPr lang="es-ES" sz="1000" dirty="0">
-                <a:solidFill>
-                  <a:srgbClr val="4B4B4B"/>
-                </a:solidFill>
-                <a:latin typeface="Adobe Clean Light" panose="020B0303020404020204" pitchFamily="34" charset="0"/>
-              </a:rPr>
-              <a:t>de asistencia técnica experimentado que </a:t>
-            </a:r>
-            <a:br>
-              <a:rPr lang="sk-SK" sz="1000" dirty="0">
-                <a:solidFill>
-                  <a:srgbClr val="4B4B4B"/>
-                </a:solidFill>
-                <a:latin typeface="Adobe Clean Light" panose="020B0303020404020204" pitchFamily="34" charset="0"/>
-              </a:rPr>
-            </a:br>
-            <a:r>
-              <a:rPr lang="es-ES" sz="1000" dirty="0">
-                <a:solidFill>
-                  <a:srgbClr val="4B4B4B"/>
-                </a:solidFill>
-                <a:latin typeface="Adobe Clean Light" panose="020B0303020404020204" pitchFamily="34" charset="0"/>
-              </a:rPr>
-              <a:t>le ayudará a coordinar su experiencia </a:t>
-            </a:r>
-            <a:br>
-              <a:rPr lang="sk-SK" sz="1000" dirty="0">
-                <a:solidFill>
-                  <a:srgbClr val="4B4B4B"/>
-                </a:solidFill>
-                <a:latin typeface="Adobe Clean Light" panose="020B0303020404020204" pitchFamily="34" charset="0"/>
-              </a:rPr>
-            </a:br>
-            <a:r>
-              <a:rPr lang="es-ES" sz="1000" dirty="0">
-                <a:solidFill>
-                  <a:srgbClr val="4B4B4B"/>
-                </a:solidFill>
-                <a:latin typeface="Adobe Clean Light" panose="020B0303020404020204" pitchFamily="34" charset="0"/>
-              </a:rPr>
-              <a:t>de soporte Enterprise.</a:t>
+              <a:t>Un ingeniero de asistencia técnica especializado que esté familiarizado con el entorno de su solución y sus objetivos empresariales. Es un ingeniero de asistencia técnica experimentado que le ayudará a coordinar su experiencia de soporte Enterprise.</a:t>
             </a:r>
           </a:p>
         </p:txBody>
@@ -9366,7 +9550,7 @@
         </p:nvSpPr>
         <p:spPr>
           <a:xfrm>
-            <a:off x="3201544" y="1127425"/>
+            <a:off x="3201544" y="993684"/>
             <a:ext cx="1726164" cy="184666"/>
           </a:xfrm>
           <a:prstGeom prst="rect">
@@ -9431,7 +9615,7 @@
         <p:spPr>
           <a:xfrm>
             <a:off x="2776853" y="1015953"/>
-            <a:ext cx="365760" cy="299325"/>
+            <a:ext cx="309247" cy="299325"/>
           </a:xfrm>
           <a:prstGeom prst="rect">
             <a:avLst/>
@@ -9453,7 +9637,7 @@
         <p:spPr>
           <a:xfrm>
             <a:off x="5723508" y="1099976"/>
-            <a:ext cx="1408655" cy="197490"/>
+            <a:ext cx="1671067" cy="197490"/>
           </a:xfrm>
           <a:prstGeom prst="rect">
             <a:avLst/>
@@ -9500,8 +9684,8 @@
         </p:nvSpPr>
         <p:spPr>
           <a:xfrm>
-            <a:off x="5181599" y="4466703"/>
-            <a:ext cx="1998943" cy="646331"/>
+            <a:off x="5181600" y="4466703"/>
+            <a:ext cx="1965325" cy="646331"/>
           </a:xfrm>
           <a:prstGeom prst="rect">
             <a:avLst/>
@@ -9566,7 +9750,7 @@
         <p:spPr>
           <a:xfrm>
             <a:off x="2752588" y="4438393"/>
-            <a:ext cx="2194560" cy="461665"/>
+            <a:ext cx="2105162" cy="461665"/>
           </a:xfrm>
           <a:prstGeom prst="rect">
             <a:avLst/>
@@ -9631,7 +9815,7 @@
         <p:spPr>
           <a:xfrm>
             <a:off x="381000" y="4438394"/>
-            <a:ext cx="1998943" cy="461665"/>
+            <a:ext cx="1482725" cy="461665"/>
           </a:xfrm>
           <a:prstGeom prst="rect">
             <a:avLst/>
@@ -9659,26 +9843,7 @@
                 <a:latin typeface="Adobe Clean"/>
                 <a:cs typeface="Adobe Clean"/>
               </a:rPr>
-              <a:t>Gobernanza de AEM </a:t>
-            </a:r>
-            <a:br>
-              <a:rPr lang="sk-SK" sz="1200" b="1" dirty="0">
-                <a:solidFill>
-                  <a:srgbClr val="020302"/>
-                </a:solidFill>
-                <a:latin typeface="Adobe Clean"/>
-                <a:cs typeface="Adobe Clean"/>
-              </a:rPr>
-            </a:br>
-            <a:r>
-              <a:rPr lang="es-ES" sz="1200" b="1" dirty="0">
-                <a:solidFill>
-                  <a:srgbClr val="020302"/>
-                </a:solidFill>
-                <a:latin typeface="Adobe Clean"/>
-                <a:cs typeface="Adobe Clean"/>
-              </a:rPr>
-              <a:t>as a Cloud </a:t>
+              <a:t>Gobernanza de AEM as a Cloud </a:t>
             </a:r>
             <a:r>
               <a:rPr lang="es-ES" sz="1200" b="1" dirty="0" err="1">
@@ -9732,7 +9897,7 @@
         <p:spPr>
           <a:xfrm>
             <a:off x="5257799" y="1015952"/>
-            <a:ext cx="411480" cy="411480"/>
+            <a:ext cx="411480" cy="334282"/>
           </a:xfrm>
           <a:prstGeom prst="rect">
             <a:avLst/>
@@ -9770,7 +9935,7 @@
         </p:blipFill>
         <p:spPr>
           <a:xfrm>
-            <a:off x="2776853" y="2583180"/>
+            <a:off x="2776853" y="2514600"/>
             <a:ext cx="385800" cy="385800"/>
           </a:xfrm>
           <a:prstGeom prst="rect">
@@ -9793,7 +9958,7 @@
         <p:spPr>
           <a:xfrm>
             <a:off x="689237" y="1102554"/>
-            <a:ext cx="1246243" cy="197490"/>
+            <a:ext cx="1568246" cy="197490"/>
           </a:xfrm>
           <a:prstGeom prst="rect">
             <a:avLst/>
@@ -9841,7 +10006,7 @@
           <p:nvPr/>
         </p:nvPicPr>
         <p:blipFill>
-          <a:blip r:embed="rId10">
+          <a:blip r:embed="rId10" cstate="print">
             <a:extLst>
               <a:ext uri="{28A0092B-C50C-407E-A947-70E740481C1C}">
                 <a14:useLocalDpi xmlns:a14="http://schemas.microsoft.com/office/drawing/2010/main" val="0"/>
@@ -9857,8 +10022,8 @@
         </p:blipFill>
         <p:spPr>
           <a:xfrm>
-            <a:off x="228600" y="1015953"/>
-            <a:ext cx="411480" cy="320040"/>
+            <a:off x="330832" y="1015953"/>
+            <a:ext cx="309247" cy="320040"/>
           </a:xfrm>
           <a:prstGeom prst="rect">
             <a:avLst/>
@@ -9880,7 +10045,7 @@
         <p:spPr>
           <a:xfrm>
             <a:off x="355868" y="1426046"/>
-            <a:ext cx="2311132" cy="1090042"/>
+            <a:ext cx="2194560" cy="843821"/>
           </a:xfrm>
           <a:prstGeom prst="rect">
             <a:avLst/>
@@ -9901,30 +10066,13 @@
               </a:spcBef>
             </a:pPr>
             <a:r>
-              <a:rPr lang="es-ES" sz="1000" dirty="0">
+              <a:rPr lang="es-ES" sz="900" dirty="0">
                 <a:solidFill>
                   <a:srgbClr val="4B4B4B"/>
                 </a:solidFill>
                 <a:latin typeface="Adobe Clean Light" panose="020B0303020404020204" pitchFamily="34" charset="0"/>
               </a:rPr>
-              <a:t>Revisión programada periódica de </a:t>
-            </a:r>
-            <a:br>
-              <a:rPr lang="sk-SK" sz="1000" dirty="0">
-                <a:solidFill>
-                  <a:srgbClr val="4B4B4B"/>
-                </a:solidFill>
-                <a:latin typeface="Adobe Clean Light" panose="020B0303020404020204" pitchFamily="34" charset="0"/>
-              </a:rPr>
-            </a:br>
-            <a:r>
-              <a:rPr lang="es-ES" sz="1000" dirty="0">
-                <a:solidFill>
-                  <a:srgbClr val="4B4B4B"/>
-                </a:solidFill>
-                <a:latin typeface="Adobe Clean Light" panose="020B0303020404020204" pitchFamily="34" charset="0"/>
-              </a:rPr>
-              <a:t>las solicitudes de soporte abiertas, lo que garantiza la alineación del cliente en la descripción de casos, el impacto empresarial, el estado, la prioridad y el acuerdo en cuanto a los siguientes pasos necesarios para garantizar una solución adecuada.</a:t>
+              <a:t>Revisión programada periódica de las solicitudes de soporte abiertas, lo que garantiza la alineación del cliente en la descripción de casos, el impacto empresarial, el estado, la prioridad y el acuerdo en cuanto a los siguientes pasos necesarios para garantizar una solución adecuada.</a:t>
             </a:r>
           </a:p>
         </p:txBody>
@@ -9991,8 +10139,8 @@
         </p:nvSpPr>
         <p:spPr>
           <a:xfrm>
-            <a:off x="214970" y="4310484"/>
-            <a:ext cx="3046389" cy="53924"/>
+            <a:off x="214971" y="4310484"/>
+            <a:ext cx="3014004" cy="45719"/>
           </a:xfrm>
           <a:custGeom>
             <a:avLst/>
@@ -10056,7 +10204,7 @@
         </p:blipFill>
         <p:spPr>
           <a:xfrm>
-            <a:off x="3338762" y="3892352"/>
+            <a:off x="3471614" y="3892352"/>
             <a:ext cx="461665" cy="461665"/>
           </a:xfrm>
           <a:prstGeom prst="rect">
@@ -10095,7 +10243,7 @@
         </p:blipFill>
         <p:spPr>
           <a:xfrm>
-            <a:off x="2776853" y="6679878"/>
+            <a:off x="2776853" y="6446537"/>
             <a:ext cx="411480" cy="411480"/>
           </a:xfrm>
           <a:prstGeom prst="rect">
@@ -10134,7 +10282,7 @@
         </p:blipFill>
         <p:spPr>
           <a:xfrm>
-            <a:off x="228600" y="8520784"/>
+            <a:off x="228600" y="8376241"/>
             <a:ext cx="411480" cy="411480"/>
           </a:xfrm>
           <a:prstGeom prst="rect">
@@ -10173,7 +10321,7 @@
         </p:blipFill>
         <p:spPr>
           <a:xfrm>
-            <a:off x="228600" y="6641210"/>
+            <a:off x="228600" y="6407869"/>
             <a:ext cx="411480" cy="411480"/>
           </a:xfrm>
           <a:prstGeom prst="rect">
@@ -10212,7 +10360,7 @@
         </p:blipFill>
         <p:spPr>
           <a:xfrm>
-            <a:off x="5257800" y="6629400"/>
+            <a:off x="5257800" y="6396059"/>
             <a:ext cx="411480" cy="411480"/>
           </a:xfrm>
           <a:prstGeom prst="rect">
@@ -10251,7 +10399,7 @@
         </p:blipFill>
         <p:spPr>
           <a:xfrm>
-            <a:off x="5257800" y="8520784"/>
+            <a:off x="5257800" y="8376241"/>
             <a:ext cx="411480" cy="411480"/>
           </a:xfrm>
           <a:prstGeom prst="rect">
@@ -10290,7 +10438,7 @@
         </p:blipFill>
         <p:spPr>
           <a:xfrm>
-            <a:off x="2776853" y="8520784"/>
+            <a:off x="2776853" y="8376241"/>
             <a:ext cx="411480" cy="411480"/>
           </a:xfrm>
           <a:prstGeom prst="rect">
@@ -10406,7 +10554,7 @@
         </p:nvSpPr>
         <p:spPr>
           <a:xfrm rot="5400000" flipH="1">
-            <a:off x="3863341" y="5514588"/>
+            <a:off x="3863341" y="5275468"/>
             <a:ext cx="45719" cy="5577840"/>
           </a:xfrm>
           <a:custGeom>
@@ -10447,133 +10595,6 @@
           </a:p>
         </p:txBody>
       </p:sp>
-      <p:grpSp>
-        <p:nvGrpSpPr>
-          <p:cNvPr id="62" name="object 3">
-            <a:extLst>
-              <a:ext uri="{FF2B5EF4-FFF2-40B4-BE49-F238E27FC236}">
-                <a16:creationId xmlns:a16="http://schemas.microsoft.com/office/drawing/2014/main" id="{C539739D-1D3E-204D-9819-C44D9AE36DE8}"/>
-              </a:ext>
-            </a:extLst>
-          </p:cNvPr>
-          <p:cNvGrpSpPr/>
-          <p:nvPr/>
-        </p:nvGrpSpPr>
-        <p:grpSpPr>
-          <a:xfrm rot="5400000">
-            <a:off x="1154159" y="-868525"/>
-            <a:ext cx="5661921" cy="7931849"/>
-            <a:chOff x="-247019" y="421767"/>
-            <a:chExt cx="3875281" cy="7641336"/>
-          </a:xfrm>
-        </p:grpSpPr>
-        <p:sp>
-          <p:nvSpPr>
-            <p:cNvPr id="63" name="object 4">
-              <a:extLst>
-                <a:ext uri="{FF2B5EF4-FFF2-40B4-BE49-F238E27FC236}">
-                  <a16:creationId xmlns:a16="http://schemas.microsoft.com/office/drawing/2014/main" id="{F41DD51E-EC9C-7B44-BE42-FA9C42B94675}"/>
-                </a:ext>
-              </a:extLst>
-            </p:cNvPr>
-            <p:cNvSpPr/>
-            <p:nvPr/>
-          </p:nvSpPr>
-          <p:spPr>
-            <a:xfrm>
-              <a:off x="3628262" y="576453"/>
-              <a:ext cx="0" cy="7486650"/>
-            </a:xfrm>
-            <a:custGeom>
-              <a:avLst/>
-              <a:gdLst/>
-              <a:ahLst/>
-              <a:cxnLst/>
-              <a:rect l="l" t="t" r="r" b="b"/>
-              <a:pathLst>
-                <a:path h="7486650">
-                  <a:moveTo>
-                    <a:pt x="0" y="0"/>
-                  </a:moveTo>
-                  <a:lnTo>
-                    <a:pt x="0" y="7486408"/>
-                  </a:lnTo>
-                </a:path>
-              </a:pathLst>
-            </a:custGeom>
-            <a:ln w="61722">
-              <a:solidFill>
-                <a:srgbClr val="EAEAEB"/>
-              </a:solidFill>
-            </a:ln>
-          </p:spPr>
-          <p:txBody>
-            <a:bodyPr wrap="square" lIns="0" tIns="0" rIns="0" bIns="0" rtlCol="0"/>
-            <a:lstStyle/>
-            <a:p>
-              <a:endParaRPr/>
-            </a:p>
-          </p:txBody>
-        </p:sp>
-        <p:sp>
-          <p:nvSpPr>
-            <p:cNvPr id="64" name="object 5">
-              <a:extLst>
-                <a:ext uri="{FF2B5EF4-FFF2-40B4-BE49-F238E27FC236}">
-                  <a16:creationId xmlns:a16="http://schemas.microsoft.com/office/drawing/2014/main" id="{6E97A2E1-56BC-2B46-9873-F675D66FF621}"/>
-                </a:ext>
-              </a:extLst>
-            </p:cNvPr>
-            <p:cNvSpPr/>
-            <p:nvPr/>
-          </p:nvSpPr>
-          <p:spPr>
-            <a:xfrm>
-              <a:off x="-247019" y="421767"/>
-              <a:ext cx="3844040" cy="7600950"/>
-            </a:xfrm>
-            <a:custGeom>
-              <a:avLst/>
-              <a:gdLst/>
-              <a:ahLst/>
-              <a:cxnLst/>
-              <a:rect l="l" t="t" r="r" b="b"/>
-              <a:pathLst>
-                <a:path w="3409950" h="7600950">
-                  <a:moveTo>
-                    <a:pt x="0" y="7600569"/>
-                  </a:moveTo>
-                  <a:lnTo>
-                    <a:pt x="3409492" y="7600569"/>
-                  </a:lnTo>
-                  <a:lnTo>
-                    <a:pt x="3409492" y="0"/>
-                  </a:lnTo>
-                  <a:lnTo>
-                    <a:pt x="0" y="0"/>
-                  </a:lnTo>
-                  <a:lnTo>
-                    <a:pt x="0" y="7600569"/>
-                  </a:lnTo>
-                  <a:close/>
-                </a:path>
-              </a:pathLst>
-            </a:custGeom>
-            <a:ln w="12954">
-              <a:solidFill>
-                <a:srgbClr val="EBEBEB"/>
-              </a:solidFill>
-            </a:ln>
-          </p:spPr>
-          <p:txBody>
-            <a:bodyPr wrap="square" lIns="0" tIns="0" rIns="0" bIns="0" rtlCol="0"/>
-            <a:lstStyle/>
-            <a:p>
-              <a:endParaRPr/>
-            </a:p>
-          </p:txBody>
-        </p:sp>
-      </p:grpSp>
     </p:spTree>
     <p:extLst>
       <p:ext uri="{BB962C8B-B14F-4D97-AF65-F5344CB8AC3E}">
@@ -10618,7 +10639,7 @@
         </p:nvSpPr>
         <p:spPr>
           <a:xfrm rot="10800000" flipH="1">
-            <a:off x="2673171" y="2678191"/>
+            <a:off x="2673171" y="2785463"/>
             <a:ext cx="45720" cy="518160"/>
           </a:xfrm>
           <a:custGeom>
@@ -10667,7 +10688,7 @@
         </p:nvSpPr>
         <p:spPr>
           <a:xfrm rot="10800000" flipH="1">
-            <a:off x="1959771" y="2678191"/>
+            <a:off x="1959771" y="2785463"/>
             <a:ext cx="45719" cy="357768"/>
           </a:xfrm>
           <a:custGeom>
@@ -10716,7 +10737,7 @@
         </p:nvSpPr>
         <p:spPr>
           <a:xfrm rot="10800000" flipH="1">
-            <a:off x="611792" y="2682563"/>
+            <a:off x="611792" y="2789835"/>
             <a:ext cx="45719" cy="365760"/>
           </a:xfrm>
           <a:custGeom>
@@ -10765,7 +10786,7 @@
         </p:nvSpPr>
         <p:spPr>
           <a:xfrm rot="10800000" flipH="1">
-            <a:off x="1301653" y="2678191"/>
+            <a:off x="1301653" y="2785463"/>
             <a:ext cx="45719" cy="365760"/>
           </a:xfrm>
           <a:custGeom>
@@ -10872,8 +10893,8 @@
         </p:nvSpPr>
         <p:spPr>
           <a:xfrm>
-            <a:off x="4465700" y="914777"/>
-            <a:ext cx="2493390" cy="91359"/>
+            <a:off x="4290125" y="911370"/>
+            <a:ext cx="2478476" cy="46551"/>
           </a:xfrm>
           <a:custGeom>
             <a:avLst/>
@@ -10914,8 +10935,47 @@
         </p:nvSpPr>
         <p:spPr>
           <a:xfrm>
-            <a:off x="4416550" y="589788"/>
-            <a:ext cx="2588260" cy="228268"/>
+            <a:off x="4290125" y="592854"/>
+            <a:ext cx="2648012" cy="228268"/>
+          </a:xfrm>
+          <a:prstGeom prst="rect">
+            <a:avLst/>
+          </a:prstGeom>
+        </p:spPr>
+        <p:txBody>
+          <a:bodyPr vert="horz" wrap="square" lIns="0" tIns="12700" rIns="0" bIns="0" rtlCol="0" anchor="t">
+            <a:spAutoFit/>
+          </a:bodyPr>
+          <a:lstStyle/>
+          <a:p>
+            <a:pPr marL="12700">
+              <a:spcBef>
+                <a:spcPts val="100"/>
+              </a:spcBef>
+            </a:pPr>
+            <a:r>
+              <a:rPr lang="es-ES" sz="1400" b="1" dirty="0">
+                <a:solidFill>
+                  <a:srgbClr val="020302"/>
+                </a:solidFill>
+                <a:latin typeface="Adobe Clean"/>
+                <a:cs typeface="Adobe Clean"/>
+              </a:rPr>
+              <a:t>Actividades del servicio de campo</a:t>
+            </a:r>
+          </a:p>
+        </p:txBody>
+      </p:sp>
+      <p:sp>
+        <p:nvSpPr>
+          <p:cNvPr id="22" name="object 22"/>
+          <p:cNvSpPr txBox="1"/>
+          <p:nvPr/>
+        </p:nvSpPr>
+        <p:spPr>
+          <a:xfrm>
+            <a:off x="1148729" y="614782"/>
+            <a:ext cx="1321735" cy="228268"/>
           </a:xfrm>
           <a:prstGeom prst="rect">
             <a:avLst/>
@@ -10936,28 +10996,58 @@
               </a:spcBef>
             </a:pPr>
             <a:r>
-              <a:rPr lang="es-ES" sz="1400" b="1" dirty="0">
+              <a:rPr lang="es-ES" sz="1400" b="1" dirty="0" err="1">
                 <a:solidFill>
                   <a:srgbClr val="020302"/>
                 </a:solidFill>
                 <a:latin typeface="Adobe Clean"/>
                 <a:cs typeface="Adobe Clean"/>
               </a:rPr>
-              <a:t>Actividades del servicio de campo</a:t>
+              <a:t>Launch</a:t>
+            </a:r>
+            <a:r>
+              <a:rPr lang="es-ES" sz="1400" b="1" dirty="0">
+                <a:solidFill>
+                  <a:srgbClr val="020302"/>
+                </a:solidFill>
+                <a:latin typeface="Adobe Clean"/>
+                <a:cs typeface="Adobe Clean"/>
+              </a:rPr>
+              <a:t> </a:t>
+            </a:r>
+            <a:r>
+              <a:rPr lang="es-ES" sz="1400" b="1" dirty="0" err="1">
+                <a:solidFill>
+                  <a:srgbClr val="020302"/>
+                </a:solidFill>
+                <a:latin typeface="Adobe Clean"/>
+                <a:cs typeface="Adobe Clean"/>
+              </a:rPr>
+              <a:t>Advisory</a:t>
+            </a:r>
+            <a:r>
+              <a:rPr lang="es-ES" sz="1400" b="1" dirty="0">
+                <a:solidFill>
+                  <a:srgbClr val="020302"/>
+                </a:solidFill>
+                <a:latin typeface="Adobe Clean"/>
+                <a:cs typeface="Adobe Clean"/>
+              </a:rPr>
+              <a:t> </a:t>
             </a:r>
           </a:p>
         </p:txBody>
       </p:sp>
       <p:sp>
         <p:nvSpPr>
-          <p:cNvPr id="22" name="object 22"/>
+          <p:cNvPr id="23" name="object 23"/>
           <p:cNvSpPr txBox="1"/>
           <p:nvPr/>
         </p:nvSpPr>
         <p:spPr>
           <a:xfrm>
-            <a:off x="914399" y="589788"/>
-            <a:ext cx="1937004" cy="228268"/>
+            <a:off x="242187" y="1225804"/>
+            <a:ext cx="3134821" cy="782265"/>
           </a:xfrm>
           <a:prstGeom prst="rect">
             <a:avLst/>
@@ -10969,55 +11059,13 @@
           </a:bodyPr>
           <a:lstStyle/>
           <a:p>
-            <a:pPr marL="12700">
-              <a:lnSpc>
-                <a:spcPct val="100000"/>
-              </a:lnSpc>
-              <a:spcBef>
-                <a:spcPts val="100"/>
-              </a:spcBef>
-            </a:pPr>
-            <a:r>
-              <a:rPr lang="es-ES" sz="1400" b="1">
-                <a:solidFill>
-                  <a:srgbClr val="020302"/>
-                </a:solidFill>
-                <a:latin typeface="Adobe Clean"/>
-                <a:cs typeface="Adobe Clean"/>
-              </a:rPr>
-              <a:t>Launch Advisory </a:t>
-            </a:r>
-          </a:p>
-        </p:txBody>
-      </p:sp>
-      <p:sp>
-        <p:nvSpPr>
-          <p:cNvPr id="23" name="object 23"/>
-          <p:cNvSpPr txBox="1"/>
-          <p:nvPr/>
-        </p:nvSpPr>
-        <p:spPr>
-          <a:xfrm>
-            <a:off x="242188" y="1225804"/>
-            <a:ext cx="3131692" cy="628377"/>
-          </a:xfrm>
-          <a:prstGeom prst="rect">
-            <a:avLst/>
-          </a:prstGeom>
-        </p:spPr>
-        <p:txBody>
-          <a:bodyPr vert="horz" wrap="square" lIns="0" tIns="12700" rIns="0" bIns="0" rtlCol="0">
-            <a:spAutoFit/>
-          </a:bodyPr>
-          <a:lstStyle/>
-          <a:p>
             <a:pPr marL="12700" marR="5080">
               <a:spcBef>
                 <a:spcPts val="100"/>
               </a:spcBef>
             </a:pPr>
             <a:r>
-              <a:rPr lang="es-ES" sz="1000">
+              <a:rPr lang="es-ES" sz="1000" dirty="0">
                 <a:solidFill>
                   <a:srgbClr val="1F1F1F"/>
                 </a:solidFill>
@@ -11027,75 +11075,169 @@
               <a:t>Para los clientes que implementan una </a:t>
             </a:r>
             <a:r>
-              <a:rPr lang="es-ES" sz="1000" b="1">
+              <a:rPr lang="es-ES" sz="1000" b="1" dirty="0">
                 <a:solidFill>
                   <a:srgbClr val="1F1F1F"/>
                 </a:solidFill>
                 <a:latin typeface="Adobe Clean"/>
                 <a:cs typeface="Adobe Clean"/>
               </a:rPr>
-              <a:t>nueva solución de Adobe Experience Cloud, </a:t>
-            </a:r>
-            <a:r>
-              <a:rPr lang="es-ES" sz="1000">
+              <a:t>nueva solución </a:t>
+            </a:r>
+            <a:br>
+              <a:rPr lang="es-ES" sz="1000" b="1" dirty="0">
+                <a:solidFill>
+                  <a:srgbClr val="1F1F1F"/>
+                </a:solidFill>
+                <a:latin typeface="Adobe Clean"/>
+                <a:cs typeface="Adobe Clean"/>
+              </a:rPr>
+            </a:br>
+            <a:r>
+              <a:rPr lang="es-ES" sz="1000" b="1" dirty="0">
+                <a:solidFill>
+                  <a:srgbClr val="1F1F1F"/>
+                </a:solidFill>
+                <a:latin typeface="Adobe Clean"/>
+                <a:cs typeface="Adobe Clean"/>
+              </a:rPr>
+              <a:t>de Adobe </a:t>
+            </a:r>
+            <a:r>
+              <a:rPr lang="es-ES" sz="1000" b="1" dirty="0" err="1">
+                <a:solidFill>
+                  <a:srgbClr val="1F1F1F"/>
+                </a:solidFill>
+                <a:latin typeface="Adobe Clean"/>
+                <a:cs typeface="Adobe Clean"/>
+              </a:rPr>
+              <a:t>Experience</a:t>
+            </a:r>
+            <a:r>
+              <a:rPr lang="es-ES" sz="1000" b="1" dirty="0">
+                <a:solidFill>
+                  <a:srgbClr val="1F1F1F"/>
+                </a:solidFill>
+                <a:latin typeface="Adobe Clean"/>
+                <a:cs typeface="Adobe Clean"/>
+              </a:rPr>
+              <a:t> Cloud, </a:t>
+            </a:r>
+            <a:r>
+              <a:rPr lang="es-ES" sz="1000" dirty="0" err="1">
                 <a:latin typeface="Adobe Clean Light" charset="0"/>
                 <a:ea typeface="Adobe Clean Light" charset="0"/>
                 <a:cs typeface="Adobe Clean Light" charset="0"/>
               </a:rPr>
-              <a:t>Launch Advisory </a:t>
-            </a:r>
-            <a:r>
-              <a:rPr lang="es-ES" sz="1000">
-                <a:solidFill>
-                  <a:srgbClr val="000000"/>
-                </a:solidFill>
-                <a:latin typeface="Adobe Clean SemiLight" panose="020B0403020404020204" pitchFamily="34" charset="0"/>
-              </a:rPr>
-              <a:t>es un </a:t>
-            </a:r>
-            <a:r>
-              <a:rPr lang="es-ES" sz="1000" b="1">
-                <a:solidFill>
-                  <a:srgbClr val="000000"/>
-                </a:solidFill>
-                <a:latin typeface="Adobe Clean SemiLight" panose="020B0403020404020204" pitchFamily="34" charset="0"/>
-              </a:rPr>
-              <a:t>conjunto clave de servicios de asesoría </a:t>
-            </a:r>
-            <a:r>
-              <a:rPr lang="es-ES" sz="1000">
+              <a:t>Launch</a:t>
+            </a:r>
+            <a:r>
+              <a:rPr lang="es-ES" sz="1000" dirty="0">
                 <a:latin typeface="Adobe Clean Light" charset="0"/>
                 <a:ea typeface="Adobe Clean Light" charset="0"/>
                 <a:cs typeface="Adobe Clean Light" charset="0"/>
               </a:rPr>
-              <a:t>y recomendaciones para </a:t>
-            </a:r>
-            <a:r>
-              <a:rPr lang="es-ES" sz="1000" b="1">
+              <a:t> </a:t>
+            </a:r>
+            <a:r>
+              <a:rPr lang="es-ES" sz="1000" dirty="0" err="1">
                 <a:latin typeface="Adobe Clean Light" charset="0"/>
                 <a:ea typeface="Adobe Clean Light" charset="0"/>
                 <a:cs typeface="Adobe Clean Light" charset="0"/>
               </a:rPr>
-              <a:t>conseguir implementaciones adecuadas</a:t>
-            </a:r>
-            <a:r>
-              <a:rPr lang="es-ES" sz="1000">
+              <a:t>Advisory</a:t>
+            </a:r>
+            <a:r>
+              <a:rPr lang="es-ES" sz="1000" dirty="0">
                 <a:latin typeface="Adobe Clean Light" charset="0"/>
                 <a:ea typeface="Adobe Clean Light" charset="0"/>
                 <a:cs typeface="Adobe Clean Light" charset="0"/>
               </a:rPr>
-              <a:t>y </a:t>
-            </a:r>
-            <a:r>
-              <a:rPr lang="es-ES" sz="1000" b="1">
+              <a:t> </a:t>
+            </a:r>
+            <a:br>
+              <a:rPr lang="es-ES" sz="1000" dirty="0">
                 <a:latin typeface="Adobe Clean Light" charset="0"/>
                 <a:ea typeface="Adobe Clean Light" charset="0"/>
                 <a:cs typeface="Adobe Clean Light" charset="0"/>
               </a:rPr>
+            </a:br>
+            <a:r>
+              <a:rPr lang="es-ES" sz="1000" dirty="0">
+                <a:solidFill>
+                  <a:srgbClr val="000000"/>
+                </a:solidFill>
+                <a:latin typeface="Adobe Clean SemiLight" panose="020B0403020404020204" pitchFamily="34" charset="0"/>
+              </a:rPr>
+              <a:t>es un </a:t>
+            </a:r>
+            <a:r>
+              <a:rPr lang="es-ES" sz="1000" b="1" dirty="0">
+                <a:solidFill>
+                  <a:srgbClr val="000000"/>
+                </a:solidFill>
+                <a:latin typeface="Adobe Clean SemiLight" panose="020B0403020404020204" pitchFamily="34" charset="0"/>
+              </a:rPr>
+              <a:t>conjunto clave de servicios de asesoría </a:t>
+            </a:r>
+            <a:br>
+              <a:rPr lang="es-ES" sz="1000" b="1" dirty="0">
+                <a:solidFill>
+                  <a:srgbClr val="000000"/>
+                </a:solidFill>
+                <a:latin typeface="Adobe Clean SemiLight" panose="020B0403020404020204" pitchFamily="34" charset="0"/>
+              </a:rPr>
+            </a:br>
+            <a:r>
+              <a:rPr lang="es-ES" sz="1000" dirty="0">
+                <a:latin typeface="Adobe Clean Light" charset="0"/>
+                <a:ea typeface="Adobe Clean Light" charset="0"/>
+                <a:cs typeface="Adobe Clean Light" charset="0"/>
+              </a:rPr>
+              <a:t>y recomendaciones para </a:t>
+            </a:r>
+            <a:r>
+              <a:rPr lang="es-ES" sz="1000" b="1" dirty="0">
+                <a:latin typeface="Adobe Clean Light" charset="0"/>
+                <a:ea typeface="Adobe Clean Light" charset="0"/>
+                <a:cs typeface="Adobe Clean Light" charset="0"/>
+              </a:rPr>
+              <a:t>conseguir implementaciones </a:t>
+            </a:r>
+            <a:r>
+              <a:rPr lang="es-ES" sz="1000" b="1" dirty="0" err="1">
+                <a:latin typeface="Adobe Clean Light" charset="0"/>
+                <a:ea typeface="Adobe Clean Light" charset="0"/>
+                <a:cs typeface="Adobe Clean Light" charset="0"/>
+              </a:rPr>
+              <a:t>adecuadas</a:t>
+            </a:r>
+            <a:r>
+              <a:rPr lang="es-ES" sz="1000" dirty="0" err="1">
+                <a:latin typeface="Adobe Clean Light" charset="0"/>
+                <a:ea typeface="Adobe Clean Light" charset="0"/>
+                <a:cs typeface="Adobe Clean Light" charset="0"/>
+              </a:rPr>
+              <a:t>y</a:t>
+            </a:r>
+            <a:r>
+              <a:rPr lang="es-ES" sz="1000" dirty="0">
+                <a:latin typeface="Adobe Clean Light" charset="0"/>
+                <a:ea typeface="Adobe Clean Light" charset="0"/>
+                <a:cs typeface="Adobe Clean Light" charset="0"/>
+              </a:rPr>
+              <a:t> </a:t>
+            </a:r>
+            <a:r>
+              <a:rPr lang="es-ES" sz="1000" b="1" dirty="0">
+                <a:latin typeface="Adobe Clean Light" charset="0"/>
+                <a:ea typeface="Adobe Clean Light" charset="0"/>
+                <a:cs typeface="Adobe Clean Light" charset="0"/>
+              </a:rPr>
               <a:t>agilizan la obtención de rentabilidad</a:t>
             </a:r>
             <a:r>
-              <a:rPr lang="es-ES" sz="1000">
+              <a:rPr lang="es-ES" sz="1000" dirty="0">
                 <a:latin typeface="Adobe Clean Light" charset="0"/>
                 <a:ea typeface="Adobe Clean Light" charset="0"/>
                 <a:cs typeface="Adobe Clean Light" charset="0"/>
@@ -11257,7 +11399,7 @@
               <a:t> no habrá ningún servicio </a:t>
             </a:r>
             <a:br>
-              <a:rPr lang="sk-SK" sz="1000" b="1" dirty="0">
+              <a:rPr lang="es-ES" sz="1000" b="1" dirty="0">
                 <a:solidFill>
                   <a:srgbClr val="4B4B4B"/>
                 </a:solidFill>
@@ -11313,7 +11455,7 @@
         </p:nvSpPr>
         <p:spPr>
           <a:xfrm flipV="1">
-            <a:off x="924304" y="869060"/>
+            <a:off x="1153129" y="868337"/>
             <a:ext cx="1285496" cy="45719"/>
           </a:xfrm>
           <a:custGeom>
@@ -11397,54 +11539,6 @@
       </p:sp>
       <p:sp>
         <p:nvSpPr>
-          <p:cNvPr id="67" name="object 21">
-            <a:extLst>
-              <a:ext uri="{FF2B5EF4-FFF2-40B4-BE49-F238E27FC236}">
-                <a16:creationId xmlns:a16="http://schemas.microsoft.com/office/drawing/2014/main" id="{F9FB5025-2514-684C-812E-4F3EA1789BFC}"/>
-              </a:ext>
-            </a:extLst>
-          </p:cNvPr>
-          <p:cNvSpPr/>
-          <p:nvPr/>
-        </p:nvSpPr>
-        <p:spPr>
-          <a:xfrm>
-            <a:off x="4457700" y="762000"/>
-            <a:ext cx="114300" cy="0"/>
-          </a:xfrm>
-          <a:custGeom>
-            <a:avLst/>
-            <a:gdLst/>
-            <a:ahLst/>
-            <a:cxnLst/>
-            <a:rect l="l" t="t" r="r" b="b"/>
-            <a:pathLst>
-              <a:path w="114300">
-                <a:moveTo>
-                  <a:pt x="0" y="0"/>
-                </a:moveTo>
-                <a:lnTo>
-                  <a:pt x="113703" y="0"/>
-                </a:lnTo>
-              </a:path>
-            </a:pathLst>
-          </a:custGeom>
-          <a:ln w="9906">
-            <a:solidFill>
-              <a:srgbClr val="FFFFFF"/>
-            </a:solidFill>
-          </a:ln>
-        </p:spPr>
-        <p:txBody>
-          <a:bodyPr wrap="square" lIns="0" tIns="0" rIns="0" bIns="0" rtlCol="0"/>
-          <a:lstStyle/>
-          <a:p>
-            <a:endParaRPr/>
-          </a:p>
-        </p:txBody>
-      </p:sp>
-      <p:sp>
-        <p:nvSpPr>
           <p:cNvPr id="4" name="Rectangle 3">
             <a:extLst>
               <a:ext uri="{FF2B5EF4-FFF2-40B4-BE49-F238E27FC236}">
@@ -11457,7 +11551,7 @@
         </p:nvSpPr>
         <p:spPr>
           <a:xfrm>
-            <a:off x="172087" y="3517441"/>
+            <a:off x="172087" y="3753399"/>
             <a:ext cx="3525469" cy="2798202"/>
           </a:xfrm>
           <a:prstGeom prst="rect">
@@ -11504,7 +11598,7 @@
               <a:t>directrices basadas </a:t>
             </a:r>
             <a:br>
-              <a:rPr lang="sk-SK" sz="1000" b="1" dirty="0">
+              <a:rPr lang="es-ES" sz="1000" b="1" dirty="0">
                 <a:solidFill>
                   <a:srgbClr val="000000"/>
                 </a:solidFill>
@@ -11530,7 +11624,7 @@
               <a:t> para los clientes y los socios </a:t>
             </a:r>
             <a:br>
-              <a:rPr lang="sk-SK" sz="1000" dirty="0">
+              <a:rPr lang="es-ES" sz="1000" dirty="0">
                 <a:solidFill>
                   <a:srgbClr val="000000"/>
                 </a:solidFill>
@@ -11592,14 +11686,14 @@
               <a:t> se alineará con la programación de su proyecto </a:t>
             </a:r>
             <a:br>
-              <a:rPr lang="sk-SK" sz="1000" dirty="0">
-                <a:latin typeface="Adobe Clean Light" charset="0"/>
-              </a:rPr>
-            </a:br>
-            <a:r>
               <a:rPr lang="es-ES" sz="1000" dirty="0">
                 <a:latin typeface="Adobe Clean Light" charset="0"/>
               </a:rPr>
+            </a:br>
+            <a:r>
+              <a:rPr lang="es-ES" sz="1000" dirty="0">
+                <a:latin typeface="Adobe Clean Light" charset="0"/>
+              </a:rPr>
               <a:t>a través de hitos comunes (</a:t>
             </a:r>
             <a:r>
@@ -11609,7 +11703,7 @@
               <a:t>Empezar, Definir, Diseñar, Puesta </a:t>
             </a:r>
             <a:br>
-              <a:rPr lang="sk-SK" sz="1000" b="1" dirty="0">
+              <a:rPr lang="es-ES" sz="1000" b="1" dirty="0">
                 <a:latin typeface="Adobe Clean Light" charset="0"/>
               </a:rPr>
             </a:br>
@@ -11659,14 +11753,14 @@
             </a:pPr>
             <a:r>
               <a:rPr lang="es-ES" sz="1000" dirty="0"/>
-              <a:t>Plan de lanzamiento (incluido el plan de colaboración </a:t>
+              <a:t>Plan de lanzamiento (incluido el plan </a:t>
             </a:r>
             <a:br>
-              <a:rPr lang="sk-SK" sz="1000" dirty="0"/>
+              <a:rPr lang="es-ES" sz="1000" dirty="0"/>
             </a:br>
             <a:r>
               <a:rPr lang="es-ES" sz="1000" dirty="0"/>
-              <a:t>del proyecto)</a:t>
+              <a:t>de colaboración del proyecto)</a:t>
             </a:r>
           </a:p>
           <a:p>
@@ -11759,7 +11853,7 @@
         </p:nvSpPr>
         <p:spPr>
           <a:xfrm>
-            <a:off x="3599686" y="2920968"/>
+            <a:off x="3599686" y="3028240"/>
             <a:ext cx="3931920" cy="294130"/>
           </a:xfrm>
           <a:prstGeom prst="homePlate">
@@ -11816,7 +11910,7 @@
         </p:nvSpPr>
         <p:spPr>
           <a:xfrm rot="10800000" flipH="1">
-            <a:off x="3331288" y="2678190"/>
+            <a:off x="3331288" y="2785462"/>
             <a:ext cx="45721" cy="346577"/>
           </a:xfrm>
           <a:custGeom>
@@ -11865,7 +11959,7 @@
         </p:nvSpPr>
         <p:spPr>
           <a:xfrm>
-            <a:off x="310386" y="2920968"/>
+            <a:off x="310386" y="3028240"/>
             <a:ext cx="3474720" cy="294130"/>
           </a:xfrm>
           <a:prstGeom prst="homePlate">
@@ -11922,8 +12016,8 @@
         </p:nvSpPr>
         <p:spPr>
           <a:xfrm>
-            <a:off x="2918286" y="2157114"/>
-            <a:ext cx="933111" cy="261610"/>
+            <a:off x="2918286" y="2308941"/>
+            <a:ext cx="933111" cy="376450"/>
           </a:xfrm>
           <a:prstGeom prst="rect">
             <a:avLst/>
@@ -11936,9 +12030,13 @@
           </a:bodyPr>
           <a:lstStyle/>
           <a:p>
-            <a:pPr algn="ctr"/>
-            <a:r>
-              <a:rPr lang="es-ES" sz="1100" dirty="0"/>
+            <a:pPr algn="ctr">
+              <a:lnSpc>
+                <a:spcPts val="1100"/>
+              </a:lnSpc>
+            </a:pPr>
+            <a:r>
+              <a:rPr lang="es-ES" sz="1100"/>
               <a:t>Después del lanzamiento</a:t>
             </a:r>
           </a:p>
@@ -11959,7 +12057,7 @@
           <p:nvPr/>
         </p:nvPicPr>
         <p:blipFill>
-          <a:blip r:embed="rId4">
+          <a:blip r:embed="rId4" cstate="print">
             <a:extLst>
               <a:ext uri="{28A0092B-C50C-407E-A947-70E740481C1C}">
                 <a14:useLocalDpi xmlns:a14="http://schemas.microsoft.com/office/drawing/2010/main" val="0"/>
@@ -11971,8 +12069,8 @@
         </p:blipFill>
         <p:spPr>
           <a:xfrm>
-            <a:off x="334498" y="6379881"/>
-            <a:ext cx="3096805" cy="2855621"/>
+            <a:off x="336106" y="6619189"/>
+            <a:ext cx="3093589" cy="2855621"/>
           </a:xfrm>
           <a:prstGeom prst="rect">
             <a:avLst/>
@@ -12047,15 +12145,15 @@
         </p:nvSpPr>
         <p:spPr>
           <a:xfrm>
-            <a:off x="3855907" y="4343911"/>
-            <a:ext cx="3713038" cy="2464777"/>
+            <a:off x="3855907" y="4355746"/>
+            <a:ext cx="3525469" cy="2618666"/>
           </a:xfrm>
           <a:prstGeom prst="rect">
             <a:avLst/>
           </a:prstGeom>
         </p:spPr>
         <p:txBody>
-          <a:bodyPr wrap="square">
+          <a:bodyPr wrap="square" lIns="91440" tIns="45720" rIns="91440" bIns="45720" anchor="t">
             <a:spAutoFit/>
           </a:bodyPr>
           <a:lstStyle/>
@@ -12079,16 +12177,16 @@
                 <a:solidFill>
                   <a:srgbClr val="000000"/>
                 </a:solidFill>
-                <a:latin typeface="Adobe Clean Light" panose="020B0303020404020204" pitchFamily="34" charset="0"/>
-              </a:rPr>
-              <a:t> garantizan que los clientes cuenten con formación técnica y maximicen la adopción de sus herramientas. Específicamente, estos tipos de actividades incluyen soporte y recomendaciones relacionadas con configuraciones </a:t>
+                <a:latin typeface="Adobe Clean Light"/>
+              </a:rPr>
+              <a:t> garantizan que los clientes cuenten con formación técnica y maximicen la adopción de sus herramientas. Específicamente, estos tipos de actividades incluyen soporte y recomendaciones relacionadas con configuraciones de plataforma, integraciones y resolución </a:t>
             </a:r>
             <a:br>
-              <a:rPr lang="sk-SK" sz="1000" dirty="0">
+              <a:rPr lang="es-ES" sz="1000" dirty="0">
                 <a:solidFill>
                   <a:srgbClr val="000000"/>
                 </a:solidFill>
-                <a:latin typeface="Adobe Clean Light" panose="020B0303020404020204" pitchFamily="34" charset="0"/>
+                <a:latin typeface="Adobe Clean Light"/>
               </a:rPr>
             </a:br>
             <a:r>
@@ -12096,9 +12194,9 @@
                 <a:solidFill>
                   <a:srgbClr val="000000"/>
                 </a:solidFill>
-                <a:latin typeface="Adobe Clean Light" panose="020B0303020404020204" pitchFamily="34" charset="0"/>
-              </a:rPr>
-              <a:t>de plataforma, integraciones y resolución de problemas.</a:t>
+                <a:latin typeface="Adobe Clean Light"/>
+              </a:rPr>
+              <a:t>de problemas.</a:t>
             </a:r>
           </a:p>
           <a:p>
@@ -12119,7 +12217,7 @@
             </a:pPr>
             <a:r>
               <a:rPr lang="es-ES" sz="1000" dirty="0">
-                <a:latin typeface="Adobe Clean Light" charset="0"/>
+                <a:latin typeface="Adobe Clean Light"/>
               </a:rPr>
               <a:t>Tipos de actividades técnicas disponibles:</a:t>
             </a:r>
@@ -12236,15 +12334,15 @@
         </p:nvSpPr>
         <p:spPr>
           <a:xfrm>
-            <a:off x="3851397" y="7249456"/>
-            <a:ext cx="3680209" cy="2054409"/>
+            <a:off x="3851397" y="7019794"/>
+            <a:ext cx="3322833" cy="2208297"/>
           </a:xfrm>
           <a:prstGeom prst="rect">
             <a:avLst/>
           </a:prstGeom>
         </p:spPr>
         <p:txBody>
-          <a:bodyPr wrap="square">
+          <a:bodyPr wrap="square" lIns="91440" tIns="45720" rIns="91440" bIns="45720" anchor="t">
             <a:spAutoFit/>
           </a:bodyPr>
           <a:lstStyle/>
@@ -12268,9 +12366,43 @@
                 <a:solidFill>
                   <a:srgbClr val="000000"/>
                 </a:solidFill>
-                <a:latin typeface="Adobe Clean Light" panose="020B0303020404020204" pitchFamily="34" charset="0"/>
-              </a:rPr>
-              <a:t> localizan oportunidades para garantizar que las soluciones de Adobe de un cliente estén obteniendo valor. Incluyen recomendaciones de soporte relacionadas con la estrategia, la medición y la madurez para impulsar la realización de valor en una o más soluciones de Adobe.</a:t>
+                <a:latin typeface="Adobe Clean Light"/>
+              </a:rPr>
+              <a:t> localizan oportunidades para garantizar que las soluciones </a:t>
+            </a:r>
+            <a:br>
+              <a:rPr lang="es-ES" sz="1000" dirty="0">
+                <a:solidFill>
+                  <a:srgbClr val="000000"/>
+                </a:solidFill>
+                <a:latin typeface="Adobe Clean Light"/>
+              </a:rPr>
+            </a:br>
+            <a:r>
+              <a:rPr lang="es-ES" sz="1000" dirty="0">
+                <a:solidFill>
+                  <a:srgbClr val="000000"/>
+                </a:solidFill>
+                <a:latin typeface="Adobe Clean Light"/>
+              </a:rPr>
+              <a:t>de Adobe de un cliente estén obteniendo valor. Incluyen recomendaciones de soporte relacionadas con la estrategia, </a:t>
+            </a:r>
+            <a:br>
+              <a:rPr lang="es-ES" sz="1000" dirty="0">
+                <a:solidFill>
+                  <a:srgbClr val="000000"/>
+                </a:solidFill>
+                <a:latin typeface="Adobe Clean Light"/>
+              </a:rPr>
+            </a:br>
+            <a:r>
+              <a:rPr lang="es-ES" sz="1000" dirty="0">
+                <a:solidFill>
+                  <a:srgbClr val="000000"/>
+                </a:solidFill>
+                <a:latin typeface="Adobe Clean Light"/>
+              </a:rPr>
+              <a:t>la medición y la madurez para impulsar la realización de valor en una o más soluciones de Adobe.</a:t>
             </a:r>
           </a:p>
           <a:p>
@@ -12291,7 +12423,7 @@
             </a:pPr>
             <a:r>
               <a:rPr lang="es-ES" sz="1000" dirty="0">
-                <a:latin typeface="Adobe Clean Light" charset="0"/>
+                <a:latin typeface="Adobe Clean Light"/>
               </a:rPr>
               <a:t>Tipos de actividades estratégicas disponibles:</a:t>
             </a:r>
@@ -12376,7 +12508,7 @@
         </p:nvSpPr>
         <p:spPr>
           <a:xfrm>
-            <a:off x="3851397" y="3541141"/>
+            <a:off x="3851397" y="3777099"/>
             <a:ext cx="3525468" cy="430887"/>
           </a:xfrm>
           <a:prstGeom prst="rect">
@@ -12396,7 +12528,7 @@
               </a:spcBef>
             </a:pPr>
             <a:r>
-              <a:rPr lang="es-ES" sz="1000">
+              <a:rPr lang="es-ES" sz="1000" dirty="0">
                 <a:solidFill>
                   <a:srgbClr val="1F1F1F"/>
                 </a:solidFill>
@@ -12406,7 +12538,7 @@
               <a:t>Como cliente Enterprise, puede optar a</a:t>
             </a:r>
             <a:r>
-              <a:rPr lang="es-ES" sz="1200" b="1" u="sng">
+              <a:rPr lang="es-ES" sz="1200" b="1" u="sng" dirty="0">
                 <a:solidFill>
                   <a:srgbClr val="1F1F1F"/>
                 </a:solidFill>
@@ -12416,7 +12548,7 @@
               <a:t> 2 </a:t>
             </a:r>
             <a:r>
-              <a:rPr lang="es-ES" sz="1000" b="1" u="sng">
+              <a:rPr lang="es-ES" sz="1000" b="1" u="sng" dirty="0">
                 <a:solidFill>
                   <a:srgbClr val="1F1F1F"/>
                 </a:solidFill>
@@ -12425,48 +12557,57 @@
               </a:rPr>
               <a:t>actividades al año</a:t>
             </a:r>
-            <a:r>
-              <a:rPr lang="es-ES" sz="1000">
+            <a:br>
+              <a:rPr lang="es-ES" sz="1000" b="1" u="sng" dirty="0">
                 <a:solidFill>
                   <a:srgbClr val="1F1F1F"/>
                 </a:solidFill>
                 <a:latin typeface="Adobe Clean" panose="020B0503020404020204" pitchFamily="34" charset="0"/>
                 <a:cs typeface="AdobeClean-Light"/>
               </a:rPr>
-              <a:t>en los dos ámbitos siguientes:</a:t>
-            </a:r>
-            <a:r>
-              <a:rPr lang="es-ES" sz="1000" b="1">
+            </a:br>
+            <a:r>
+              <a:rPr lang="es-ES" sz="1000" dirty="0">
                 <a:solidFill>
                   <a:srgbClr val="1F1F1F"/>
                 </a:solidFill>
                 <a:latin typeface="Adobe Clean" panose="020B0503020404020204" pitchFamily="34" charset="0"/>
                 <a:cs typeface="AdobeClean-Light"/>
               </a:rPr>
-              <a:t> Técnico</a:t>
-            </a:r>
-            <a:r>
-              <a:rPr lang="es-ES" sz="1000">
+              <a:t>en los dos ámbitos siguientes:</a:t>
+            </a:r>
+            <a:r>
+              <a:rPr lang="es-ES" sz="1000" b="1" dirty="0">
                 <a:solidFill>
                   <a:srgbClr val="1F1F1F"/>
                 </a:solidFill>
                 <a:latin typeface="Adobe Clean" panose="020B0503020404020204" pitchFamily="34" charset="0"/>
                 <a:cs typeface="AdobeClean-Light"/>
               </a:rPr>
-              <a:t> o </a:t>
-            </a:r>
-            <a:r>
-              <a:rPr lang="es-ES" sz="1000" b="1">
+              <a:t> Técnico</a:t>
+            </a:r>
+            <a:r>
+              <a:rPr lang="es-ES" sz="1000" dirty="0">
                 <a:solidFill>
                   <a:srgbClr val="1F1F1F"/>
                 </a:solidFill>
                 <a:latin typeface="Adobe Clean" panose="020B0503020404020204" pitchFamily="34" charset="0"/>
                 <a:cs typeface="AdobeClean-Light"/>
               </a:rPr>
+              <a:t> o </a:t>
+            </a:r>
+            <a:r>
+              <a:rPr lang="es-ES" sz="1000" b="1" dirty="0">
+                <a:solidFill>
+                  <a:srgbClr val="1F1F1F"/>
+                </a:solidFill>
+                <a:latin typeface="Adobe Clean" panose="020B0503020404020204" pitchFamily="34" charset="0"/>
+                <a:cs typeface="AdobeClean-Light"/>
+              </a:rPr>
               <a:t>Estratégico</a:t>
             </a:r>
             <a:r>
-              <a:rPr lang="es-ES" sz="1000">
+              <a:rPr lang="es-ES" sz="1000" dirty="0">
                 <a:solidFill>
                   <a:srgbClr val="1F1F1F"/>
                 </a:solidFill>
@@ -12492,8 +12633,8 @@
         </p:nvSpPr>
         <p:spPr>
           <a:xfrm>
-            <a:off x="2236134" y="2157114"/>
-            <a:ext cx="826006" cy="261610"/>
+            <a:off x="2236134" y="2308941"/>
+            <a:ext cx="826006" cy="376450"/>
           </a:xfrm>
           <a:prstGeom prst="rect">
             <a:avLst/>
@@ -12506,7 +12647,11 @@
           </a:bodyPr>
           <a:lstStyle/>
           <a:p>
-            <a:pPr algn="ctr"/>
+            <a:pPr algn="ctr">
+              <a:lnSpc>
+                <a:spcPts val="1100"/>
+              </a:lnSpc>
+            </a:pPr>
             <a:r>
               <a:rPr lang="es-ES" sz="1100" dirty="0"/>
               <a:t>Puesta en marcha</a:t>
@@ -12528,7 +12673,7 @@
         </p:nvSpPr>
         <p:spPr>
           <a:xfrm>
-            <a:off x="878679" y="2320287"/>
+            <a:off x="878679" y="2427559"/>
             <a:ext cx="826006" cy="261610"/>
           </a:xfrm>
           <a:prstGeom prst="rect">
@@ -12564,7 +12709,7 @@
         </p:nvSpPr>
         <p:spPr>
           <a:xfrm>
-            <a:off x="205422" y="2330087"/>
+            <a:off x="205422" y="2437359"/>
             <a:ext cx="826006" cy="261610"/>
           </a:xfrm>
           <a:prstGeom prst="rect">
@@ -12600,7 +12745,7 @@
         </p:nvSpPr>
         <p:spPr>
           <a:xfrm>
-            <a:off x="1558548" y="2320287"/>
+            <a:off x="1558548" y="2427559"/>
             <a:ext cx="826006" cy="261610"/>
           </a:xfrm>
           <a:prstGeom prst="rect">
@@ -12636,7 +12781,7 @@
         </p:nvSpPr>
         <p:spPr>
           <a:xfrm>
-            <a:off x="3692281" y="2549086"/>
+            <a:off x="3692281" y="2656358"/>
             <a:ext cx="3684584" cy="368078"/>
           </a:xfrm>
           <a:prstGeom prst="rect">
@@ -12890,7 +13035,7 @@
         <p:spPr>
           <a:xfrm>
             <a:off x="6754821" y="9283729"/>
-            <a:ext cx="930275" cy="662305"/>
+            <a:ext cx="1017579" cy="662305"/>
           </a:xfrm>
           <a:prstGeom prst="rect">
             <a:avLst/>
@@ -12911,7 +13056,7 @@
               </a:spcBef>
             </a:pPr>
             <a:r>
-              <a:rPr lang="es-ES" sz="800">
+              <a:rPr lang="es-ES" sz="800" dirty="0">
                 <a:solidFill>
                   <a:srgbClr val="777879"/>
                 </a:solidFill>
@@ -12928,7 +13073,7 @@
               </a:lnSpc>
             </a:pPr>
             <a:r>
-              <a:rPr lang="es-ES" sz="800">
+              <a:rPr lang="es-ES" sz="800" dirty="0">
                 <a:solidFill>
                   <a:srgbClr val="777879"/>
                 </a:solidFill>
@@ -12945,7 +13090,7 @@
               </a:lnSpc>
             </a:pPr>
             <a:r>
-              <a:rPr lang="es-ES" sz="800">
+              <a:rPr lang="es-ES" sz="800" dirty="0">
                 <a:solidFill>
                   <a:srgbClr val="777879"/>
                 </a:solidFill>
@@ -12965,7 +13110,7 @@
               </a:spcBef>
             </a:pPr>
             <a:r>
-              <a:rPr lang="es-ES" sz="800">
+              <a:rPr lang="es-ES" sz="800" dirty="0">
                 <a:solidFill>
                   <a:srgbClr val="777879"/>
                 </a:solidFill>
@@ -12985,7 +13130,7 @@
               </a:spcBef>
             </a:pPr>
             <a:r>
-              <a:rPr lang="es-ES" sz="800" u="sng">
+              <a:rPr lang="es-ES" sz="800" u="sng" dirty="0">
                 <a:solidFill>
                   <a:srgbClr val="5F5F5F"/>
                 </a:solidFill>
@@ -13153,14 +13298,14 @@
         <p:spPr>
           <a:xfrm>
             <a:off x="75947" y="9437110"/>
-            <a:ext cx="5466715" cy="570865"/>
+            <a:ext cx="5109463" cy="570865"/>
           </a:xfrm>
           <a:prstGeom prst="rect">
             <a:avLst/>
           </a:prstGeom>
         </p:spPr>
         <p:txBody>
-          <a:bodyPr vert="horz" wrap="square" lIns="0" tIns="29845" rIns="0" bIns="0" rtlCol="0">
+          <a:bodyPr vert="horz" wrap="square" lIns="0" tIns="29845" rIns="0" bIns="0" rtlCol="0" anchor="t">
             <a:spAutoFit/>
           </a:bodyPr>
           <a:lstStyle/>
@@ -13181,26 +13326,7 @@
                 <a:latin typeface="AdobeClean-LightIt"/>
                 <a:cs typeface="AdobeClean-LightIt"/>
               </a:rPr>
-              <a:t>Para saber más sobre las ofertas de asistencia de Adobe y el nivel adecuado para usted, póngase </a:t>
-            </a:r>
-            <a:br>
-              <a:rPr lang="sk-SK" sz="1100" i="1" dirty="0">
-                <a:solidFill>
-                  <a:srgbClr val="777879"/>
-                </a:solidFill>
-                <a:latin typeface="AdobeClean-LightIt"/>
-                <a:cs typeface="AdobeClean-LightIt"/>
-              </a:rPr>
-            </a:br>
-            <a:r>
-              <a:rPr lang="es-ES" sz="1100" i="1" dirty="0">
-                <a:solidFill>
-                  <a:srgbClr val="777879"/>
-                </a:solidFill>
-                <a:latin typeface="AdobeClean-LightIt"/>
-                <a:cs typeface="AdobeClean-LightIt"/>
-              </a:rPr>
-              <a:t>en contacto con su administrador de cuentas (NAM) o con su </a:t>
+              <a:t>Para saber más sobre las ofertas de asistencia de Adobe y el nivel adecuado para usted, póngase en contacto con su administrador de cuentas (NAM) o con su </a:t>
             </a:r>
             <a:r>
               <a:rPr lang="es-ES" sz="1100" i="1" dirty="0" err="1">
@@ -13360,7 +13486,7 @@
         <p:spPr>
           <a:xfrm>
             <a:off x="190706" y="4913781"/>
-            <a:ext cx="7193073" cy="755976"/>
+            <a:ext cx="7242603" cy="755976"/>
           </a:xfrm>
           <a:prstGeom prst="rect">
             <a:avLst/>
@@ -13404,7 +13530,7 @@
               <a:t>El alcance regional del Soporte de Adobe se establece asignando la dirección de facturación del cliente (mediante la orden de venta </a:t>
             </a:r>
             <a:br>
-              <a:rPr lang="sk-SK" sz="1000" dirty="0">
+              <a:rPr lang="es-ES" sz="1000" dirty="0">
                 <a:solidFill>
                   <a:srgbClr val="1F1F1F"/>
                 </a:solidFill>
@@ -13438,7 +13564,7 @@
           <p:nvPr>
             <p:extLst>
               <p:ext uri="{D42A27DB-BD31-4B8C-83A1-F6EECF244321}">
-                <p14:modId xmlns:p14="http://schemas.microsoft.com/office/powerpoint/2010/main" val="3147843710"/>
+                <p14:modId xmlns:p14="http://schemas.microsoft.com/office/powerpoint/2010/main" val="3382342231"/>
               </p:ext>
             </p:extLst>
           </p:nvPr>
@@ -13565,7 +13691,7 @@
                         <a:t>Europa, Oriente Medio </a:t>
                       </a:r>
                       <a:br>
-                        <a:rPr lang="sk-SK" sz="1100" dirty="0">
+                        <a:rPr lang="es-ES" sz="1100" dirty="0">
                           <a:solidFill>
                             <a:schemeClr val="tx1"/>
                           </a:solidFill>
@@ -14447,7 +14573,7 @@
         </p:nvSpPr>
         <p:spPr>
           <a:xfrm>
-            <a:off x="2833251" y="8528519"/>
+            <a:off x="2840871" y="8528519"/>
             <a:ext cx="810895" cy="385445"/>
           </a:xfrm>
           <a:prstGeom prst="rect">
@@ -14460,7 +14586,7 @@
           </a:bodyPr>
           <a:lstStyle/>
           <a:p>
-            <a:pPr marR="5080" algn="ctr">
+            <a:pPr marL="139065" marR="5080" indent="-139065">
               <a:lnSpc>
                 <a:spcPts val="1390"/>
               </a:lnSpc>
@@ -14469,7 +14595,7 @@
               </a:spcBef>
             </a:pPr>
             <a:r>
-              <a:rPr lang="es-ES" sz="1200" b="1" dirty="0">
+              <a:rPr lang="es-ES" sz="1200" b="1">
                 <a:solidFill>
                   <a:srgbClr val="FFFFFF"/>
                 </a:solidFill>
@@ -14495,7 +14621,7 @@
         </p:nvSpPr>
         <p:spPr>
           <a:xfrm>
-            <a:off x="4671535" y="8541244"/>
+            <a:off x="4732495" y="8541244"/>
             <a:ext cx="810895" cy="382797"/>
           </a:xfrm>
           <a:prstGeom prst="rect">
@@ -14508,7 +14634,7 @@
           </a:bodyPr>
           <a:lstStyle/>
           <a:p>
-            <a:pPr marR="5080" algn="ctr">
+            <a:pPr marL="139065" marR="5080" indent="-139065">
               <a:lnSpc>
                 <a:spcPts val="1390"/>
               </a:lnSpc>
@@ -14543,8 +14669,8 @@
         </p:nvSpPr>
         <p:spPr>
           <a:xfrm>
-            <a:off x="6494578" y="8543943"/>
-            <a:ext cx="759661" cy="382797"/>
+            <a:off x="6450330" y="8543943"/>
+            <a:ext cx="858118" cy="385445"/>
           </a:xfrm>
           <a:prstGeom prst="rect">
             <a:avLst/>
@@ -14592,7 +14718,7 @@
           <p:nvPr>
             <p:extLst>
               <p:ext uri="{D42A27DB-BD31-4B8C-83A1-F6EECF244321}">
-                <p14:modId xmlns:p14="http://schemas.microsoft.com/office/powerpoint/2010/main" val="2537286833"/>
+                <p14:modId xmlns:p14="http://schemas.microsoft.com/office/powerpoint/2010/main" val="3448206595"/>
               </p:ext>
             </p:extLst>
           </p:nvPr>
@@ -14634,7 +14760,7 @@
                           <a:solidFill>
                             <a:schemeClr val="tx1"/>
                           </a:solidFill>
-                          <a:latin typeface="Adobe Clean" panose="020B0503020404020204" pitchFamily="34" charset="0"/>
+                          <a:latin typeface="Adobe Clean"/>
                           <a:ea typeface="+mn-ea"/>
                           <a:cs typeface="+mn-cs"/>
                           <a:hlinkClick r:id="rId7"/>
@@ -14696,7 +14822,7 @@
                     <a:bodyPr/>
                     <a:lstStyle/>
                     <a:p>
-                      <a:pPr marL="0" marR="0" lvl="0" indent="0" defTabSz="914400" eaLnBrk="1" fontAlgn="auto" latinLnBrk="0" hangingPunct="1">
+                      <a:pPr marL="0" marR="0" lvl="0" indent="0" eaLnBrk="1" fontAlgn="auto" latinLnBrk="0" hangingPunct="1">
                         <a:lnSpc>
                           <a:spcPct val="100000"/>
                         </a:lnSpc>
@@ -14710,15 +14836,13 @@
                         <a:buSzTx/>
                         <a:buFontTx/>
                         <a:buNone/>
-                        <a:tabLst/>
-                        <a:defRPr/>
                       </a:pPr>
                       <a:r>
                         <a:rPr lang="es-ES" sz="1000" b="0" dirty="0" err="1">
                           <a:solidFill>
                             <a:srgbClr val="000000"/>
                           </a:solidFill>
-                          <a:latin typeface="Adobe Clean Light" panose="020B0303020404020204" pitchFamily="34" charset="0"/>
+                          <a:latin typeface="Adobe Clean Light"/>
                           <a:ea typeface="+mn-ea"/>
                           <a:cs typeface="+mn-cs"/>
                         </a:rPr>
@@ -14729,18 +14853,18 @@
                           <a:solidFill>
                             <a:srgbClr val="000000"/>
                           </a:solidFill>
-                          <a:latin typeface="Adobe Clean Light" panose="020B0303020404020204" pitchFamily="34" charset="0"/>
+                          <a:latin typeface="Adobe Clean Light"/>
                           <a:ea typeface="+mn-ea"/>
                           <a:cs typeface="+mn-cs"/>
                         </a:rPr>
                         <a:t> League permite a Adobe ayudar a las empresas a alcanzar el valor que esperan de su inversión en Adobe. Es el lugar unificado </a:t>
                       </a:r>
                       <a:br>
-                        <a:rPr lang="sk-SK" sz="1000" b="0" dirty="0">
+                        <a:rPr lang="es-ES" sz="1000" b="0" dirty="0">
                           <a:solidFill>
                             <a:srgbClr val="000000"/>
                           </a:solidFill>
-                          <a:latin typeface="Adobe Clean Light" panose="020B0303020404020204" pitchFamily="34" charset="0"/>
+                          <a:latin typeface="Adobe Clean Light"/>
                           <a:ea typeface="+mn-ea"/>
                           <a:cs typeface="+mn-cs"/>
                         </a:rPr>
@@ -14750,18 +14874,18 @@
                           <a:solidFill>
                             <a:srgbClr val="000000"/>
                           </a:solidFill>
-                          <a:latin typeface="Adobe Clean Light" panose="020B0303020404020204" pitchFamily="34" charset="0"/>
+                          <a:latin typeface="Adobe Clean Light"/>
                           <a:ea typeface="+mn-ea"/>
                           <a:cs typeface="+mn-cs"/>
                         </a:rPr>
                         <a:t>en el que los clientes pueden aprender, dialogar y crecer siguiendo </a:t>
                       </a:r>
                       <a:br>
-                        <a:rPr lang="sk-SK" sz="1000" b="0" dirty="0">
+                        <a:rPr lang="es-ES" sz="1000" b="0" dirty="0">
                           <a:solidFill>
                             <a:srgbClr val="000000"/>
                           </a:solidFill>
-                          <a:latin typeface="Adobe Clean Light" panose="020B0303020404020204" pitchFamily="34" charset="0"/>
+                          <a:latin typeface="Adobe Clean Light"/>
                           <a:ea typeface="+mn-ea"/>
                           <a:cs typeface="+mn-cs"/>
                         </a:rPr>
@@ -14771,18 +14895,18 @@
                           <a:solidFill>
                             <a:srgbClr val="000000"/>
                           </a:solidFill>
-                          <a:latin typeface="Adobe Clean Light" panose="020B0303020404020204" pitchFamily="34" charset="0"/>
+                          <a:latin typeface="Adobe Clean Light"/>
                           <a:ea typeface="+mn-ea"/>
                           <a:cs typeface="+mn-cs"/>
                         </a:rPr>
                         <a:t>un camino personalizado hacia el éxito que incluye tutoriales </a:t>
                       </a:r>
                       <a:br>
-                        <a:rPr lang="sk-SK" sz="1000" b="0" dirty="0">
+                        <a:rPr lang="es-ES" sz="1000" b="0" dirty="0">
                           <a:solidFill>
                             <a:srgbClr val="000000"/>
                           </a:solidFill>
-                          <a:latin typeface="Adobe Clean Light" panose="020B0303020404020204" pitchFamily="34" charset="0"/>
+                          <a:latin typeface="Adobe Clean Light"/>
                           <a:ea typeface="+mn-ea"/>
                           <a:cs typeface="+mn-cs"/>
                         </a:rPr>
@@ -14792,18 +14916,18 @@
                           <a:solidFill>
                             <a:srgbClr val="000000"/>
                           </a:solidFill>
-                          <a:latin typeface="Adobe Clean Light" panose="020B0303020404020204" pitchFamily="34" charset="0"/>
+                          <a:latin typeface="Adobe Clean Light"/>
                           <a:ea typeface="+mn-ea"/>
                           <a:cs typeface="+mn-cs"/>
                         </a:rPr>
                         <a:t>de autoayuda, documentación de productos, formación dirigida </a:t>
                       </a:r>
                       <a:br>
-                        <a:rPr lang="sk-SK" sz="1000" b="0" dirty="0">
+                        <a:rPr lang="es-ES" sz="1000" b="0" dirty="0">
                           <a:solidFill>
                             <a:srgbClr val="000000"/>
                           </a:solidFill>
-                          <a:latin typeface="Adobe Clean Light" panose="020B0303020404020204" pitchFamily="34" charset="0"/>
+                          <a:latin typeface="Adobe Clean Light"/>
                           <a:ea typeface="+mn-ea"/>
                           <a:cs typeface="+mn-cs"/>
                         </a:rPr>
@@ -14813,11 +14937,11 @@
                           <a:solidFill>
                             <a:srgbClr val="000000"/>
                           </a:solidFill>
-                          <a:latin typeface="Adobe Clean Light" panose="020B0303020404020204" pitchFamily="34" charset="0"/>
+                          <a:latin typeface="Adobe Clean Light"/>
                           <a:ea typeface="+mn-ea"/>
                           <a:cs typeface="+mn-cs"/>
                         </a:rPr>
-                        <a:t>por instructores, y asistencia técnica y comunitaria. </a:t>
+                        <a:t>por instructores, y asistencia técnica y comunitaria. </a:t>
                       </a:r>
                     </a:p>
                   </a:txBody>
@@ -14903,7 +15027,7 @@
                           <a:solidFill>
                             <a:schemeClr val="dk1"/>
                           </a:solidFill>
-                          <a:latin typeface="Adobe Clean" panose="020B0503020404020204" pitchFamily="34" charset="0"/>
+                          <a:latin typeface="Adobe Clean"/>
                           <a:ea typeface="+mn-ea"/>
                           <a:cs typeface="+mn-cs"/>
                           <a:hlinkClick r:id="rId8"/>
@@ -14915,7 +15039,7 @@
                           <a:solidFill>
                             <a:schemeClr val="dk1"/>
                           </a:solidFill>
-                          <a:latin typeface="Adobe Clean" panose="020B0503020404020204" pitchFamily="34" charset="0"/>
+                          <a:latin typeface="Adobe Clean"/>
                           <a:ea typeface="+mn-ea"/>
                           <a:cs typeface="+mn-cs"/>
                         </a:rPr>
@@ -14998,7 +15122,7 @@
                           <a:solidFill>
                             <a:srgbClr val="000000"/>
                           </a:solidFill>
-                          <a:latin typeface="Adobe Clean Light" panose="020B0303020404020204" pitchFamily="34" charset="0"/>
+                          <a:latin typeface="Adobe Clean Light"/>
                           <a:ea typeface="+mn-ea"/>
                           <a:cs typeface="+mn-cs"/>
                         </a:rPr>
@@ -15088,7 +15212,7 @@
                           <a:solidFill>
                             <a:schemeClr val="tx1"/>
                           </a:solidFill>
-                          <a:latin typeface="Adobe Clean" panose="020B0503020404020204" pitchFamily="34" charset="0"/>
+                          <a:latin typeface="Adobe Clean"/>
                           <a:ea typeface="+mn-ea"/>
                           <a:cs typeface="+mn-cs"/>
                           <a:hlinkClick r:id="rId9"/>
@@ -15150,7 +15274,7 @@
                     <a:bodyPr/>
                     <a:lstStyle/>
                     <a:p>
-                      <a:pPr marL="0" marR="0" lvl="0" indent="0" defTabSz="914400" eaLnBrk="1" fontAlgn="auto" latinLnBrk="0" hangingPunct="1">
+                      <a:pPr marL="0" marR="0" lvl="0" indent="0" eaLnBrk="1" fontAlgn="auto" latinLnBrk="0" hangingPunct="1">
                         <a:lnSpc>
                           <a:spcPct val="100000"/>
                         </a:lnSpc>
@@ -15164,19 +15288,17 @@
                         <a:buSzTx/>
                         <a:buFontTx/>
                         <a:buNone/>
-                        <a:tabLst/>
-                        <a:defRPr/>
                       </a:pPr>
                       <a:r>
                         <a:rPr lang="es-ES" sz="1000">
                           <a:solidFill>
                             <a:srgbClr val="000000"/>
                           </a:solidFill>
-                          <a:latin typeface="Adobe Clean Light" panose="020B0303020404020204" pitchFamily="34" charset="0"/>
+                          <a:latin typeface="Adobe Clean Light"/>
                           <a:ea typeface="+mn-ea"/>
                           <a:cs typeface="+mn-cs"/>
                         </a:rPr>
-                        <a:t>Status.adobe.com transmite la información de estado de todos los productos y servicios de Adobe implementados en entornos de varios inquilinos. Los clientes pueden elegir sus preferencias de suscripción para recibir notificaciones por correo electrónico cada vez que Adobe cree, actualice o resuelva un evento de producto. Esto puede incluir problemas de mantenimiento o servicio programados de diversos niveles de gravedad. </a:t>
+                        <a:t>Status.adobe.com transmite la información de estado de todos los productos y servicios de Adobe implementados en entornos de varios inquilinos. Los clientes pueden elegir sus preferencias de suscripción para recibir notificaciones por correo electrónico cada vez que Adobe cree, actualice o resuelva un evento de producto. Esto puede incluir problemas de mantenimiento o servicio programados de diversos niveles de gravedad. </a:t>
                       </a:r>
                     </a:p>
                   </a:txBody>
@@ -15262,7 +15384,7 @@
                           <a:solidFill>
                             <a:schemeClr val="tx1"/>
                           </a:solidFill>
-                          <a:latin typeface="Adobe Clean" panose="020B0503020404020204" pitchFamily="34" charset="0"/>
+                          <a:latin typeface="Adobe Clean"/>
                           <a:ea typeface="+mn-ea"/>
                           <a:cs typeface="+mn-cs"/>
                           <a:hlinkClick r:id="rId10"/>
@@ -15329,11 +15451,11 @@
                           <a:solidFill>
                             <a:srgbClr val="000000"/>
                           </a:solidFill>
-                          <a:latin typeface="Adobe Clean Light" panose="020B0303020404020204" pitchFamily="34" charset="0"/>
+                          <a:latin typeface="Adobe Clean Light"/>
                           <a:ea typeface="+mn-ea"/>
                           <a:cs typeface="+mn-cs"/>
                         </a:rPr>
-                        <a:t>Términos y condiciones de las ofertas de los servicios de soporte</a:t>
+                        <a:t>Términos y condiciones de las ofertas de los servicios de soporte.</a:t>
                       </a:r>
                     </a:p>
                   </a:txBody>
@@ -16104,12 +16226,21 @@
 </file>
 
 <file path=customXml/item1.xml><?xml version="1.0" encoding="utf-8"?>
+<?mso-contentType ?>
+<FormTemplates xmlns="http://schemas.microsoft.com/sharepoint/v3/contenttype/forms">
+  <Display>DocumentLibraryForm</Display>
+  <Edit>DocumentLibraryForm</Edit>
+  <New>DocumentLibraryForm</New>
+</FormTemplates>
+</file>
+
+<file path=customXml/item2.xml><?xml version="1.0" encoding="utf-8"?>
 <p:properties xmlns:p="http://schemas.microsoft.com/office/2006/metadata/properties" xmlns:xsi="http://www.w3.org/2001/XMLSchema-instance" xmlns:pc="http://schemas.microsoft.com/office/infopath/2007/PartnerControls">
   <documentManagement/>
 </p:properties>
 </file>
 
-<file path=customXml/item2.xml><?xml version="1.0" encoding="utf-8"?>
+<file path=customXml/item3.xml><?xml version="1.0" encoding="utf-8"?>
 <ct:contentTypeSchema xmlns:ct="http://schemas.microsoft.com/office/2006/metadata/contentType" xmlns:ma="http://schemas.microsoft.com/office/2006/metadata/properties/metaAttributes" ct:_="" ma:_="" ma:contentTypeName="Document" ma:contentTypeID="0x010100E783BF6876BCC646A459363AF21A7736" ma:contentTypeVersion="10" ma:contentTypeDescription="Create a new document." ma:contentTypeScope="" ma:versionID="c4ffda7f4f415767600769e454c2ea87">
   <xsd:schema xmlns:xsd="http://www.w3.org/2001/XMLSchema" xmlns:xs="http://www.w3.org/2001/XMLSchema" xmlns:p="http://schemas.microsoft.com/office/2006/metadata/properties" xmlns:ns2="8a053bff-88be-49e4-9a87-e748e18b8b62" xmlns:ns3="6c8368ec-3776-49b5-a5bb-90648cf9530f" targetNamespace="http://schemas.microsoft.com/office/2006/metadata/properties" ma:root="true" ma:fieldsID="df3ec33bccc23e23bce7bc897fad43d1" ns2:_="" ns3:_="">
     <xsd:import namespace="8a053bff-88be-49e4-9a87-e748e18b8b62"/>
@@ -16314,25 +16445,32 @@
 </ct:contentTypeSchema>
 </file>
 
-<file path=customXml/item3.xml><?xml version="1.0" encoding="utf-8"?>
-<?mso-contentType ?>
-<FormTemplates xmlns="http://schemas.microsoft.com/sharepoint/v3/contenttype/forms">
-  <Display>DocumentLibraryForm</Display>
-  <Edit>DocumentLibraryForm</Edit>
-  <New>DocumentLibraryForm</New>
-</FormTemplates>
-</file>
-
 <file path=customXml/itemProps1.xml><?xml version="1.0" encoding="utf-8"?>
-<ds:datastoreItem xmlns:ds="http://schemas.openxmlformats.org/officeDocument/2006/customXml" ds:itemID="{ED4099BE-EDEC-4FF1-8378-446617236015}">
+<ds:datastoreItem xmlns:ds="http://schemas.openxmlformats.org/officeDocument/2006/customXml" ds:itemID="{941989CE-20BB-4A6A-A33F-71A1AE469C3E}">
   <ds:schemaRefs>
-    <ds:schemaRef ds:uri="http://schemas.microsoft.com/office/2006/metadata/properties"/>
-    <ds:schemaRef ds:uri="http://schemas.microsoft.com/office/infopath/2007/PartnerControls"/>
+    <ds:schemaRef ds:uri="http://schemas.microsoft.com/sharepoint/v3/contenttype/forms"/>
   </ds:schemaRefs>
 </ds:datastoreItem>
 </file>
 
 <file path=customXml/itemProps2.xml><?xml version="1.0" encoding="utf-8"?>
+<ds:datastoreItem xmlns:ds="http://schemas.openxmlformats.org/officeDocument/2006/customXml" ds:itemID="{ED4099BE-EDEC-4FF1-8378-446617236015}">
+  <ds:schemaRefs>
+    <ds:schemaRef ds:uri="6c8368ec-3776-49b5-a5bb-90648cf9530f"/>
+    <ds:schemaRef ds:uri="8a053bff-88be-49e4-9a87-e748e18b8b62"/>
+    <ds:schemaRef ds:uri="http://purl.org/dc/dcmitype/"/>
+    <ds:schemaRef ds:uri="http://purl.org/dc/elements/1.1/"/>
+    <ds:schemaRef ds:uri="http://purl.org/dc/terms/"/>
+    <ds:schemaRef ds:uri="http://schemas.microsoft.com/office/2006/documentManagement/types"/>
+    <ds:schemaRef ds:uri="http://schemas.microsoft.com/office/2006/metadata/properties"/>
+    <ds:schemaRef ds:uri="http://schemas.microsoft.com/office/infopath/2007/PartnerControls"/>
+    <ds:schemaRef ds:uri="http://schemas.openxmlformats.org/package/2006/metadata/core-properties"/>
+    <ds:schemaRef ds:uri="http://www.w3.org/XML/1998/namespace"/>
+  </ds:schemaRefs>
+</ds:datastoreItem>
+</file>
+
+<file path=customXml/itemProps3.xml><?xml version="1.0" encoding="utf-8"?>
 <ds:datastoreItem xmlns:ds="http://schemas.openxmlformats.org/officeDocument/2006/customXml" ds:itemID="{FB2EBF8D-136B-48EC-8FC0-F70C0583664B}">
   <ds:schemaRefs>
     <ds:schemaRef ds:uri="6c8368ec-3776-49b5-a5bb-90648cf9530f"/>
@@ -16349,12 +16487,4 @@
     <ds:schemaRef ds:uri="http://www.w3.org/2001/XMLSchema"/>
   </ds:schemaRefs>
 </ds:datastoreItem>
-</file>
-
-<file path=customXml/itemProps3.xml><?xml version="1.0" encoding="utf-8"?>
-<ds:datastoreItem xmlns:ds="http://schemas.openxmlformats.org/officeDocument/2006/customXml" ds:itemID="{941989CE-20BB-4A6A-A33F-71A1AE469C3E}">
-  <ds:schemaRefs>
-    <ds:schemaRef ds:uri="http://schemas.microsoft.com/sharepoint/v3/contenttype/forms"/>
-  </ds:schemaRefs>
-</ds:datastoreItem>
 </file>
--- a/help/data-sheets/assets/EnterpriseSupportDatasheet.pptx
+++ b/help/data-sheets/assets/EnterpriseSupportDatasheet.pptx
@@ -144,6 +144,221 @@
 <file path=ppt/changesInfos/changesInfo1.xml><?xml version="1.0" encoding="utf-8"?>
 <pc:chgInfo xmlns:a="http://schemas.openxmlformats.org/drawingml/2006/main" xmlns:r="http://schemas.openxmlformats.org/officeDocument/2006/relationships" xmlns:ac="http://schemas.microsoft.com/office/drawing/2013/main/command" xmlns:pc="http://schemas.microsoft.com/office/powerpoint/2013/main/command">
   <pc:docChgLst>
+    <pc:chgData name="Ankita Sood" userId="S::asood@adobe.com::c93a62e3-2a47-429d-82c6-c2a8fd110ae7" providerId="AD" clId="Web-{5EA87E00-148E-AB9F-558F-52E0C44EDC93}"/>
+    <pc:docChg chg="modSld">
+      <pc:chgData name="Ankita Sood" userId="S::asood@adobe.com::c93a62e3-2a47-429d-82c6-c2a8fd110ae7" providerId="AD" clId="Web-{5EA87E00-148E-AB9F-558F-52E0C44EDC93}" dt="2022-01-13T18:29:42.444" v="16" actId="20577"/>
+      <pc:docMkLst>
+        <pc:docMk/>
+      </pc:docMkLst>
+      <pc:sldChg chg="modSp">
+        <pc:chgData name="Ankita Sood" userId="S::asood@adobe.com::c93a62e3-2a47-429d-82c6-c2a8fd110ae7" providerId="AD" clId="Web-{5EA87E00-148E-AB9F-558F-52E0C44EDC93}" dt="2022-01-13T18:29:22.131" v="3" actId="20577"/>
+        <pc:sldMkLst>
+          <pc:docMk/>
+          <pc:sldMk cId="5960377" sldId="259"/>
+        </pc:sldMkLst>
+        <pc:spChg chg="mod">
+          <ac:chgData name="Ankita Sood" userId="S::asood@adobe.com::c93a62e3-2a47-429d-82c6-c2a8fd110ae7" providerId="AD" clId="Web-{5EA87E00-148E-AB9F-558F-52E0C44EDC93}" dt="2022-01-13T18:29:22.131" v="3" actId="20577"/>
+          <ac:spMkLst>
+            <pc:docMk/>
+            <pc:sldMk cId="5960377" sldId="259"/>
+            <ac:spMk id="94" creationId="{361FB899-EBCA-A144-BC72-6D65DDDA1D5D}"/>
+          </ac:spMkLst>
+        </pc:spChg>
+      </pc:sldChg>
+      <pc:sldChg chg="modSp">
+        <pc:chgData name="Ankita Sood" userId="S::asood@adobe.com::c93a62e3-2a47-429d-82c6-c2a8fd110ae7" providerId="AD" clId="Web-{5EA87E00-148E-AB9F-558F-52E0C44EDC93}" dt="2022-01-13T18:29:42.444" v="16" actId="20577"/>
+        <pc:sldMkLst>
+          <pc:docMk/>
+          <pc:sldMk cId="2161849182" sldId="267"/>
+        </pc:sldMkLst>
+        <pc:spChg chg="mod">
+          <ac:chgData name="Ankita Sood" userId="S::asood@adobe.com::c93a62e3-2a47-429d-82c6-c2a8fd110ae7" providerId="AD" clId="Web-{5EA87E00-148E-AB9F-558F-52E0C44EDC93}" dt="2022-01-13T18:29:42.444" v="16" actId="20577"/>
+          <ac:spMkLst>
+            <pc:docMk/>
+            <pc:sldMk cId="2161849182" sldId="267"/>
+            <ac:spMk id="12" creationId="{B5B9BF51-8921-A94B-954A-82B5B5874814}"/>
+          </ac:spMkLst>
+        </pc:spChg>
+        <pc:graphicFrameChg chg="mod modGraphic">
+          <ac:chgData name="Ankita Sood" userId="S::asood@adobe.com::c93a62e3-2a47-429d-82c6-c2a8fd110ae7" providerId="AD" clId="Web-{5EA87E00-148E-AB9F-558F-52E0C44EDC93}" dt="2022-01-13T18:29:37.693" v="15"/>
+          <ac:graphicFrameMkLst>
+            <pc:docMk/>
+            <pc:sldMk cId="2161849182" sldId="267"/>
+            <ac:graphicFrameMk id="9" creationId="{00000000-0000-0000-0000-000000000000}"/>
+          </ac:graphicFrameMkLst>
+        </pc:graphicFrameChg>
+        <pc:graphicFrameChg chg="mod modGraphic">
+          <ac:chgData name="Ankita Sood" userId="S::asood@adobe.com::c93a62e3-2a47-429d-82c6-c2a8fd110ae7" providerId="AD" clId="Web-{5EA87E00-148E-AB9F-558F-52E0C44EDC93}" dt="2022-01-13T18:29:31.787" v="5"/>
+          <ac:graphicFrameMkLst>
+            <pc:docMk/>
+            <pc:sldMk cId="2161849182" sldId="267"/>
+            <ac:graphicFrameMk id="13" creationId="{63DBC3ED-EEDC-974A-82A2-F5182CF12546}"/>
+          </ac:graphicFrameMkLst>
+        </pc:graphicFrameChg>
+      </pc:sldChg>
+    </pc:docChg>
+  </pc:docChgLst>
+  <pc:docChgLst>
+    <pc:chgData name="Akilah Johnson" userId="S::akjohnso@adobe.com::2fa3aa60-0c9c-4d06-bae2-795983241227" providerId="AD" clId="Web-{112231ED-4F38-A856-2EFF-9D0F88AC9BDF}"/>
+    <pc:docChg chg="modSld">
+      <pc:chgData name="Akilah Johnson" userId="S::akjohnso@adobe.com::2fa3aa60-0c9c-4d06-bae2-795983241227" providerId="AD" clId="Web-{112231ED-4F38-A856-2EFF-9D0F88AC9BDF}" dt="2021-09-22T19:11:31.474" v="2" actId="1076"/>
+      <pc:docMkLst>
+        <pc:docMk/>
+      </pc:docMkLst>
+      <pc:sldChg chg="modSp">
+        <pc:chgData name="Akilah Johnson" userId="S::akjohnso@adobe.com::2fa3aa60-0c9c-4d06-bae2-795983241227" providerId="AD" clId="Web-{112231ED-4F38-A856-2EFF-9D0F88AC9BDF}" dt="2021-09-22T19:11:31.474" v="2" actId="1076"/>
+        <pc:sldMkLst>
+          <pc:docMk/>
+          <pc:sldMk cId="1050037809" sldId="261"/>
+        </pc:sldMkLst>
+        <pc:spChg chg="mod">
+          <ac:chgData name="Akilah Johnson" userId="S::akjohnso@adobe.com::2fa3aa60-0c9c-4d06-bae2-795983241227" providerId="AD" clId="Web-{112231ED-4F38-A856-2EFF-9D0F88AC9BDF}" dt="2021-09-22T19:11:31.474" v="2" actId="1076"/>
+          <ac:spMkLst>
+            <pc:docMk/>
+            <pc:sldMk cId="1050037809" sldId="261"/>
+            <ac:spMk id="23" creationId="{00000000-0000-0000-0000-000000000000}"/>
+          </ac:spMkLst>
+        </pc:spChg>
+        <pc:spChg chg="mod">
+          <ac:chgData name="Akilah Johnson" userId="S::akjohnso@adobe.com::2fa3aa60-0c9c-4d06-bae2-795983241227" providerId="AD" clId="Web-{112231ED-4F38-A856-2EFF-9D0F88AC9BDF}" dt="2021-09-22T19:08:28.879" v="0" actId="1076"/>
+          <ac:spMkLst>
+            <pc:docMk/>
+            <pc:sldMk cId="1050037809" sldId="261"/>
+            <ac:spMk id="64" creationId="{41467BDC-3D83-D844-B922-CD07E94E5AAB}"/>
+          </ac:spMkLst>
+        </pc:spChg>
+      </pc:sldChg>
+    </pc:docChg>
+  </pc:docChgLst>
+  <pc:docChgLst>
+    <pc:chgData name="Akilah Johnson" userId="S::akjohnso@adobe.com::2fa3aa60-0c9c-4d06-bae2-795983241227" providerId="AD" clId="Web-{A40C3D7D-993B-38B2-2DDA-C562505A1054}"/>
+    <pc:docChg chg="modSld">
+      <pc:chgData name="Akilah Johnson" userId="S::akjohnso@adobe.com::2fa3aa60-0c9c-4d06-bae2-795983241227" providerId="AD" clId="Web-{A40C3D7D-993B-38B2-2DDA-C562505A1054}" dt="2021-09-22T23:00:46.860" v="3"/>
+      <pc:docMkLst>
+        <pc:docMk/>
+      </pc:docMkLst>
+      <pc:sldChg chg="modSp">
+        <pc:chgData name="Akilah Johnson" userId="S::akjohnso@adobe.com::2fa3aa60-0c9c-4d06-bae2-795983241227" providerId="AD" clId="Web-{A40C3D7D-993B-38B2-2DDA-C562505A1054}" dt="2021-09-22T23:00:46.860" v="3"/>
+        <pc:sldMkLst>
+          <pc:docMk/>
+          <pc:sldMk cId="1050037809" sldId="261"/>
+        </pc:sldMkLst>
+        <pc:graphicFrameChg chg="mod modGraphic">
+          <ac:chgData name="Akilah Johnson" userId="S::akjohnso@adobe.com::2fa3aa60-0c9c-4d06-bae2-795983241227" providerId="AD" clId="Web-{A40C3D7D-993B-38B2-2DDA-C562505A1054}" dt="2021-09-22T23:00:46.860" v="3"/>
+          <ac:graphicFrameMkLst>
+            <pc:docMk/>
+            <pc:sldMk cId="1050037809" sldId="261"/>
+            <ac:graphicFrameMk id="25" creationId="{3A91F5B0-3974-A14D-A146-FB590F2AAD18}"/>
+          </ac:graphicFrameMkLst>
+        </pc:graphicFrameChg>
+      </pc:sldChg>
+    </pc:docChg>
+  </pc:docChgLst>
+  <pc:docChgLst>
+    <pc:chgData name="Akilah Johnson" userId="S::akjohnso@adobe.com::2fa3aa60-0c9c-4d06-bae2-795983241227" providerId="AD" clId="Web-{0AC6A3A1-0788-C69A-5EFD-279F3FA2CF0F}"/>
+    <pc:docChg chg="modSld">
+      <pc:chgData name="Akilah Johnson" userId="S::akjohnso@adobe.com::2fa3aa60-0c9c-4d06-bae2-795983241227" providerId="AD" clId="Web-{0AC6A3A1-0788-C69A-5EFD-279F3FA2CF0F}" dt="2021-09-22T18:56:17.553" v="29"/>
+      <pc:docMkLst>
+        <pc:docMk/>
+      </pc:docMkLst>
+      <pc:sldChg chg="modSp delCm">
+        <pc:chgData name="Akilah Johnson" userId="S::akjohnso@adobe.com::2fa3aa60-0c9c-4d06-bae2-795983241227" providerId="AD" clId="Web-{0AC6A3A1-0788-C69A-5EFD-279F3FA2CF0F}" dt="2021-09-22T18:56:17.553" v="29"/>
+        <pc:sldMkLst>
+          <pc:docMk/>
+          <pc:sldMk cId="1050037809" sldId="261"/>
+        </pc:sldMkLst>
+        <pc:spChg chg="mod">
+          <ac:chgData name="Akilah Johnson" userId="S::akjohnso@adobe.com::2fa3aa60-0c9c-4d06-bae2-795983241227" providerId="AD" clId="Web-{0AC6A3A1-0788-C69A-5EFD-279F3FA2CF0F}" dt="2021-09-22T18:55:46.585" v="16" actId="20577"/>
+          <ac:spMkLst>
+            <pc:docMk/>
+            <pc:sldMk cId="1050037809" sldId="261"/>
+            <ac:spMk id="64" creationId="{41467BDC-3D83-D844-B922-CD07E94E5AAB}"/>
+          </ac:spMkLst>
+        </pc:spChg>
+        <pc:graphicFrameChg chg="mod modGraphic">
+          <ac:chgData name="Akilah Johnson" userId="S::akjohnso@adobe.com::2fa3aa60-0c9c-4d06-bae2-795983241227" providerId="AD" clId="Web-{0AC6A3A1-0788-C69A-5EFD-279F3FA2CF0F}" dt="2021-09-22T18:55:59.928" v="28"/>
+          <ac:graphicFrameMkLst>
+            <pc:docMk/>
+            <pc:sldMk cId="1050037809" sldId="261"/>
+            <ac:graphicFrameMk id="25" creationId="{3A91F5B0-3974-A14D-A146-FB590F2AAD18}"/>
+          </ac:graphicFrameMkLst>
+        </pc:graphicFrameChg>
+      </pc:sldChg>
+    </pc:docChg>
+  </pc:docChgLst>
+  <pc:docChgLst>
+    <pc:chgData name="Akilah Johnson" userId="S::akjohnso@adobe.com::2fa3aa60-0c9c-4d06-bae2-795983241227" providerId="AD" clId="Web-{DC554207-FA81-638A-220E-C39F63BF408A}"/>
+    <pc:docChg chg="modSld">
+      <pc:chgData name="Akilah Johnson" userId="S::akjohnso@adobe.com::2fa3aa60-0c9c-4d06-bae2-795983241227" providerId="AD" clId="Web-{DC554207-FA81-638A-220E-C39F63BF408A}" dt="2021-11-23T23:50:17.249" v="7"/>
+      <pc:docMkLst>
+        <pc:docMk/>
+      </pc:docMkLst>
+      <pc:sldChg chg="modSp">
+        <pc:chgData name="Akilah Johnson" userId="S::akjohnso@adobe.com::2fa3aa60-0c9c-4d06-bae2-795983241227" providerId="AD" clId="Web-{DC554207-FA81-638A-220E-C39F63BF408A}" dt="2021-11-23T23:50:17.249" v="7"/>
+        <pc:sldMkLst>
+          <pc:docMk/>
+          <pc:sldMk cId="2161849182" sldId="267"/>
+        </pc:sldMkLst>
+        <pc:graphicFrameChg chg="mod modGraphic">
+          <ac:chgData name="Akilah Johnson" userId="S::akjohnso@adobe.com::2fa3aa60-0c9c-4d06-bae2-795983241227" providerId="AD" clId="Web-{DC554207-FA81-638A-220E-C39F63BF408A}" dt="2021-11-23T23:50:17.249" v="7"/>
+          <ac:graphicFrameMkLst>
+            <pc:docMk/>
+            <pc:sldMk cId="2161849182" sldId="267"/>
+            <ac:graphicFrameMk id="9" creationId="{00000000-0000-0000-0000-000000000000}"/>
+          </ac:graphicFrameMkLst>
+        </pc:graphicFrameChg>
+      </pc:sldChg>
+    </pc:docChg>
+  </pc:docChgLst>
+  <pc:docChgLst>
+    <pc:chgData name="Akilah Johnson" userId="S::akjohnso@adobe.com::2fa3aa60-0c9c-4d06-bae2-795983241227" providerId="AD" clId="Web-{D02E726A-82A5-CF13-9EBE-9B674D878D37}"/>
+    <pc:docChg chg="modSld">
+      <pc:chgData name="Akilah Johnson" userId="S::akjohnso@adobe.com::2fa3aa60-0c9c-4d06-bae2-795983241227" providerId="AD" clId="Web-{D02E726A-82A5-CF13-9EBE-9B674D878D37}" dt="2021-10-12T19:51:27.470" v="10"/>
+      <pc:docMkLst>
+        <pc:docMk/>
+      </pc:docMkLst>
+      <pc:sldChg chg="modSp delCm">
+        <pc:chgData name="Akilah Johnson" userId="S::akjohnso@adobe.com::2fa3aa60-0c9c-4d06-bae2-795983241227" providerId="AD" clId="Web-{D02E726A-82A5-CF13-9EBE-9B674D878D37}" dt="2021-10-12T19:51:27.470" v="10"/>
+        <pc:sldMkLst>
+          <pc:docMk/>
+          <pc:sldMk cId="2161849182" sldId="267"/>
+        </pc:sldMkLst>
+        <pc:spChg chg="mod">
+          <ac:chgData name="Akilah Johnson" userId="S::akjohnso@adobe.com::2fa3aa60-0c9c-4d06-bae2-795983241227" providerId="AD" clId="Web-{D02E726A-82A5-CF13-9EBE-9B674D878D37}" dt="2021-10-12T19:51:04.127" v="8" actId="20577"/>
+          <ac:spMkLst>
+            <pc:docMk/>
+            <pc:sldMk cId="2161849182" sldId="267"/>
+            <ac:spMk id="2" creationId="{00000000-0000-0000-0000-000000000000}"/>
+          </ac:spMkLst>
+        </pc:spChg>
+      </pc:sldChg>
+    </pc:docChg>
+  </pc:docChgLst>
+  <pc:docChgLst>
+    <pc:chgData name="Lauren Schutte" userId="6e08b2d3-447a-4d66-86be-444d50df187f" providerId="ADAL" clId="{51054313-E3E9-A543-B651-B15A687DE6AB}"/>
+    <pc:docChg chg="custSel modSld">
+      <pc:chgData name="Lauren Schutte" userId="6e08b2d3-447a-4d66-86be-444d50df187f" providerId="ADAL" clId="{51054313-E3E9-A543-B651-B15A687DE6AB}" dt="2021-12-06T17:05:18.742" v="125" actId="20577"/>
+      <pc:docMkLst>
+        <pc:docMk/>
+      </pc:docMkLst>
+      <pc:sldChg chg="modSp mod">
+        <pc:chgData name="Lauren Schutte" userId="6e08b2d3-447a-4d66-86be-444d50df187f" providerId="ADAL" clId="{51054313-E3E9-A543-B651-B15A687DE6AB}" dt="2021-12-06T17:05:18.742" v="125" actId="20577"/>
+        <pc:sldMkLst>
+          <pc:docMk/>
+          <pc:sldMk cId="2161849182" sldId="267"/>
+        </pc:sldMkLst>
+        <pc:graphicFrameChg chg="mod modGraphic">
+          <ac:chgData name="Lauren Schutte" userId="6e08b2d3-447a-4d66-86be-444d50df187f" providerId="ADAL" clId="{51054313-E3E9-A543-B651-B15A687DE6AB}" dt="2021-12-06T17:05:18.742" v="125" actId="20577"/>
+          <ac:graphicFrameMkLst>
+            <pc:docMk/>
+            <pc:sldMk cId="2161849182" sldId="267"/>
+            <ac:graphicFrameMk id="9" creationId="{00000000-0000-0000-0000-000000000000}"/>
+          </ac:graphicFrameMkLst>
+        </pc:graphicFrameChg>
+      </pc:sldChg>
+    </pc:docChg>
+  </pc:docChgLst>
+  <pc:docChgLst>
     <pc:chgData name="Ankita Sood" userId="c93a62e3-2a47-429d-82c6-c2a8fd110ae7" providerId="ADAL" clId="{F52CA613-E759-D441-AA53-CD1E38E4D602}"/>
     <pc:docChg chg="modSld">
       <pc:chgData name="Ankita Sood" userId="c93a62e3-2a47-429d-82c6-c2a8fd110ae7" providerId="ADAL" clId="{F52CA613-E759-D441-AA53-CD1E38E4D602}" dt="2022-01-20T17:29:41.146" v="3" actId="20577"/>
@@ -170,6 +385,78 @@
             <pc:docMk/>
             <pc:sldMk cId="2161849182" sldId="267"/>
             <ac:graphicFrameMk id="13" creationId="{63DBC3ED-EEDC-974A-82A2-F5182CF12546}"/>
+          </ac:graphicFrameMkLst>
+        </pc:graphicFrameChg>
+      </pc:sldChg>
+    </pc:docChg>
+  </pc:docChgLst>
+  <pc:docChgLst>
+    <pc:chgData name="Akilah Johnson" userId="S::akjohnso@adobe.com::2fa3aa60-0c9c-4d06-bae2-795983241227" providerId="AD" clId="Web-{0AB2EF93-BE08-D205-D43E-3B568BB37DAA}"/>
+    <pc:docChg chg="modSld">
+      <pc:chgData name="Akilah Johnson" userId="S::akjohnso@adobe.com::2fa3aa60-0c9c-4d06-bae2-795983241227" providerId="AD" clId="Web-{0AB2EF93-BE08-D205-D43E-3B568BB37DAA}" dt="2021-09-22T23:01:45.877" v="13"/>
+      <pc:docMkLst>
+        <pc:docMk/>
+      </pc:docMkLst>
+      <pc:sldChg chg="modSp">
+        <pc:chgData name="Akilah Johnson" userId="S::akjohnso@adobe.com::2fa3aa60-0c9c-4d06-bae2-795983241227" providerId="AD" clId="Web-{0AB2EF93-BE08-D205-D43E-3B568BB37DAA}" dt="2021-09-22T23:01:45.877" v="13"/>
+        <pc:sldMkLst>
+          <pc:docMk/>
+          <pc:sldMk cId="1050037809" sldId="261"/>
+        </pc:sldMkLst>
+        <pc:graphicFrameChg chg="mod modGraphic">
+          <ac:chgData name="Akilah Johnson" userId="S::akjohnso@adobe.com::2fa3aa60-0c9c-4d06-bae2-795983241227" providerId="AD" clId="Web-{0AB2EF93-BE08-D205-D43E-3B568BB37DAA}" dt="2021-09-22T23:01:45.877" v="13"/>
+          <ac:graphicFrameMkLst>
+            <pc:docMk/>
+            <pc:sldMk cId="1050037809" sldId="261"/>
+            <ac:graphicFrameMk id="25" creationId="{3A91F5B0-3974-A14D-A146-FB590F2AAD18}"/>
+          </ac:graphicFrameMkLst>
+        </pc:graphicFrameChg>
+      </pc:sldChg>
+    </pc:docChg>
+  </pc:docChgLst>
+  <pc:docChgLst>
+    <pc:chgData name="Andy Witt" userId="S::awitt@adobe.com::e9157bdf-53b2-40e4-9459-936793d75696" providerId="AD" clId="Web-{3F02B349-0406-AE51-D438-E7A0BE890230}"/>
+    <pc:docChg chg="modSld">
+      <pc:chgData name="Andy Witt" userId="S::awitt@adobe.com::e9157bdf-53b2-40e4-9459-936793d75696" providerId="AD" clId="Web-{3F02B349-0406-AE51-D438-E7A0BE890230}" dt="2021-08-25T18:45:07.550" v="11"/>
+      <pc:docMkLst>
+        <pc:docMk/>
+      </pc:docMkLst>
+      <pc:sldChg chg="modSp">
+        <pc:chgData name="Andy Witt" userId="S::awitt@adobe.com::e9157bdf-53b2-40e4-9459-936793d75696" providerId="AD" clId="Web-{3F02B349-0406-AE51-D438-E7A0BE890230}" dt="2021-08-25T18:45:07.550" v="11"/>
+        <pc:sldMkLst>
+          <pc:docMk/>
+          <pc:sldMk cId="1050037809" sldId="261"/>
+        </pc:sldMkLst>
+        <pc:graphicFrameChg chg="mod modGraphic">
+          <ac:chgData name="Andy Witt" userId="S::awitt@adobe.com::e9157bdf-53b2-40e4-9459-936793d75696" providerId="AD" clId="Web-{3F02B349-0406-AE51-D438-E7A0BE890230}" dt="2021-08-25T18:45:07.550" v="11"/>
+          <ac:graphicFrameMkLst>
+            <pc:docMk/>
+            <pc:sldMk cId="1050037809" sldId="261"/>
+            <ac:graphicFrameMk id="25" creationId="{3A91F5B0-3974-A14D-A146-FB590F2AAD18}"/>
+          </ac:graphicFrameMkLst>
+        </pc:graphicFrameChg>
+      </pc:sldChg>
+    </pc:docChg>
+  </pc:docChgLst>
+  <pc:docChgLst>
+    <pc:chgData name="Akilah Johnson" userId="2fa3aa60-0c9c-4d06-bae2-795983241227" providerId="ADAL" clId="{7598C71F-6B67-2947-B18A-AD3AFAF83B9E}"/>
+    <pc:docChg chg="modSld">
+      <pc:chgData name="Akilah Johnson" userId="2fa3aa60-0c9c-4d06-bae2-795983241227" providerId="ADAL" clId="{7598C71F-6B67-2947-B18A-AD3AFAF83B9E}" dt="2021-11-24T00:03:04.956" v="14" actId="20577"/>
+      <pc:docMkLst>
+        <pc:docMk/>
+      </pc:docMkLst>
+      <pc:sldChg chg="modSp mod">
+        <pc:chgData name="Akilah Johnson" userId="2fa3aa60-0c9c-4d06-bae2-795983241227" providerId="ADAL" clId="{7598C71F-6B67-2947-B18A-AD3AFAF83B9E}" dt="2021-11-24T00:03:04.956" v="14" actId="20577"/>
+        <pc:sldMkLst>
+          <pc:docMk/>
+          <pc:sldMk cId="2161849182" sldId="267"/>
+        </pc:sldMkLst>
+        <pc:graphicFrameChg chg="modGraphic">
+          <ac:chgData name="Akilah Johnson" userId="2fa3aa60-0c9c-4d06-bae2-795983241227" providerId="ADAL" clId="{7598C71F-6B67-2947-B18A-AD3AFAF83B9E}" dt="2021-11-24T00:03:04.956" v="14" actId="20577"/>
+          <ac:graphicFrameMkLst>
+            <pc:docMk/>
+            <pc:sldMk cId="2161849182" sldId="267"/>
+            <ac:graphicFrameMk id="9" creationId="{00000000-0000-0000-0000-000000000000}"/>
           </ac:graphicFrameMkLst>
         </pc:graphicFrameChg>
       </pc:sldChg>
@@ -231,189 +518,6 @@
     </pc:docChg>
   </pc:docChgLst>
   <pc:docChgLst>
-    <pc:chgData name="Lauren Schutte" userId="6e08b2d3-447a-4d66-86be-444d50df187f" providerId="ADAL" clId="{51054313-E3E9-A543-B651-B15A687DE6AB}"/>
-    <pc:docChg chg="custSel modSld">
-      <pc:chgData name="Lauren Schutte" userId="6e08b2d3-447a-4d66-86be-444d50df187f" providerId="ADAL" clId="{51054313-E3E9-A543-B651-B15A687DE6AB}" dt="2021-12-06T17:05:18.742" v="125" actId="20577"/>
-      <pc:docMkLst>
-        <pc:docMk/>
-      </pc:docMkLst>
-      <pc:sldChg chg="modSp mod">
-        <pc:chgData name="Lauren Schutte" userId="6e08b2d3-447a-4d66-86be-444d50df187f" providerId="ADAL" clId="{51054313-E3E9-A543-B651-B15A687DE6AB}" dt="2021-12-06T17:05:18.742" v="125" actId="20577"/>
-        <pc:sldMkLst>
-          <pc:docMk/>
-          <pc:sldMk cId="2161849182" sldId="267"/>
-        </pc:sldMkLst>
-        <pc:graphicFrameChg chg="mod modGraphic">
-          <ac:chgData name="Lauren Schutte" userId="6e08b2d3-447a-4d66-86be-444d50df187f" providerId="ADAL" clId="{51054313-E3E9-A543-B651-B15A687DE6AB}" dt="2021-12-06T17:05:18.742" v="125" actId="20577"/>
-          <ac:graphicFrameMkLst>
-            <pc:docMk/>
-            <pc:sldMk cId="2161849182" sldId="267"/>
-            <ac:graphicFrameMk id="9" creationId="{00000000-0000-0000-0000-000000000000}"/>
-          </ac:graphicFrameMkLst>
-        </pc:graphicFrameChg>
-      </pc:sldChg>
-    </pc:docChg>
-  </pc:docChgLst>
-  <pc:docChgLst>
-    <pc:chgData name="Akilah Johnson" userId="S::akjohnso@adobe.com::2fa3aa60-0c9c-4d06-bae2-795983241227" providerId="AD" clId="Web-{D02E726A-82A5-CF13-9EBE-9B674D878D37}"/>
-    <pc:docChg chg="modSld">
-      <pc:chgData name="Akilah Johnson" userId="S::akjohnso@adobe.com::2fa3aa60-0c9c-4d06-bae2-795983241227" providerId="AD" clId="Web-{D02E726A-82A5-CF13-9EBE-9B674D878D37}" dt="2021-10-12T19:51:27.470" v="10"/>
-      <pc:docMkLst>
-        <pc:docMk/>
-      </pc:docMkLst>
-      <pc:sldChg chg="modSp delCm">
-        <pc:chgData name="Akilah Johnson" userId="S::akjohnso@adobe.com::2fa3aa60-0c9c-4d06-bae2-795983241227" providerId="AD" clId="Web-{D02E726A-82A5-CF13-9EBE-9B674D878D37}" dt="2021-10-12T19:51:27.470" v="10"/>
-        <pc:sldMkLst>
-          <pc:docMk/>
-          <pc:sldMk cId="2161849182" sldId="267"/>
-        </pc:sldMkLst>
-        <pc:spChg chg="mod">
-          <ac:chgData name="Akilah Johnson" userId="S::akjohnso@adobe.com::2fa3aa60-0c9c-4d06-bae2-795983241227" providerId="AD" clId="Web-{D02E726A-82A5-CF13-9EBE-9B674D878D37}" dt="2021-10-12T19:51:04.127" v="8" actId="20577"/>
-          <ac:spMkLst>
-            <pc:docMk/>
-            <pc:sldMk cId="2161849182" sldId="267"/>
-            <ac:spMk id="2" creationId="{00000000-0000-0000-0000-000000000000}"/>
-          </ac:spMkLst>
-        </pc:spChg>
-      </pc:sldChg>
-    </pc:docChg>
-  </pc:docChgLst>
-  <pc:docChgLst>
-    <pc:chgData name="Akilah Johnson" userId="S::akjohnso@adobe.com::2fa3aa60-0c9c-4d06-bae2-795983241227" providerId="AD" clId="Web-{112231ED-4F38-A856-2EFF-9D0F88AC9BDF}"/>
-    <pc:docChg chg="modSld">
-      <pc:chgData name="Akilah Johnson" userId="S::akjohnso@adobe.com::2fa3aa60-0c9c-4d06-bae2-795983241227" providerId="AD" clId="Web-{112231ED-4F38-A856-2EFF-9D0F88AC9BDF}" dt="2021-09-22T19:11:31.474" v="2" actId="1076"/>
-      <pc:docMkLst>
-        <pc:docMk/>
-      </pc:docMkLst>
-      <pc:sldChg chg="modSp">
-        <pc:chgData name="Akilah Johnson" userId="S::akjohnso@adobe.com::2fa3aa60-0c9c-4d06-bae2-795983241227" providerId="AD" clId="Web-{112231ED-4F38-A856-2EFF-9D0F88AC9BDF}" dt="2021-09-22T19:11:31.474" v="2" actId="1076"/>
-        <pc:sldMkLst>
-          <pc:docMk/>
-          <pc:sldMk cId="1050037809" sldId="261"/>
-        </pc:sldMkLst>
-        <pc:spChg chg="mod">
-          <ac:chgData name="Akilah Johnson" userId="S::akjohnso@adobe.com::2fa3aa60-0c9c-4d06-bae2-795983241227" providerId="AD" clId="Web-{112231ED-4F38-A856-2EFF-9D0F88AC9BDF}" dt="2021-09-22T19:11:31.474" v="2" actId="1076"/>
-          <ac:spMkLst>
-            <pc:docMk/>
-            <pc:sldMk cId="1050037809" sldId="261"/>
-            <ac:spMk id="23" creationId="{00000000-0000-0000-0000-000000000000}"/>
-          </ac:spMkLst>
-        </pc:spChg>
-        <pc:spChg chg="mod">
-          <ac:chgData name="Akilah Johnson" userId="S::akjohnso@adobe.com::2fa3aa60-0c9c-4d06-bae2-795983241227" providerId="AD" clId="Web-{112231ED-4F38-A856-2EFF-9D0F88AC9BDF}" dt="2021-09-22T19:08:28.879" v="0" actId="1076"/>
-          <ac:spMkLst>
-            <pc:docMk/>
-            <pc:sldMk cId="1050037809" sldId="261"/>
-            <ac:spMk id="64" creationId="{41467BDC-3D83-D844-B922-CD07E94E5AAB}"/>
-          </ac:spMkLst>
-        </pc:spChg>
-      </pc:sldChg>
-    </pc:docChg>
-  </pc:docChgLst>
-  <pc:docChgLst>
-    <pc:chgData name="Andy Witt" userId="S::awitt@adobe.com::e9157bdf-53b2-40e4-9459-936793d75696" providerId="AD" clId="Web-{3F02B349-0406-AE51-D438-E7A0BE890230}"/>
-    <pc:docChg chg="modSld">
-      <pc:chgData name="Andy Witt" userId="S::awitt@adobe.com::e9157bdf-53b2-40e4-9459-936793d75696" providerId="AD" clId="Web-{3F02B349-0406-AE51-D438-E7A0BE890230}" dt="2021-08-25T18:45:07.550" v="11"/>
-      <pc:docMkLst>
-        <pc:docMk/>
-      </pc:docMkLst>
-      <pc:sldChg chg="modSp">
-        <pc:chgData name="Andy Witt" userId="S::awitt@adobe.com::e9157bdf-53b2-40e4-9459-936793d75696" providerId="AD" clId="Web-{3F02B349-0406-AE51-D438-E7A0BE890230}" dt="2021-08-25T18:45:07.550" v="11"/>
-        <pc:sldMkLst>
-          <pc:docMk/>
-          <pc:sldMk cId="1050037809" sldId="261"/>
-        </pc:sldMkLst>
-        <pc:graphicFrameChg chg="mod modGraphic">
-          <ac:chgData name="Andy Witt" userId="S::awitt@adobe.com::e9157bdf-53b2-40e4-9459-936793d75696" providerId="AD" clId="Web-{3F02B349-0406-AE51-D438-E7A0BE890230}" dt="2021-08-25T18:45:07.550" v="11"/>
-          <ac:graphicFrameMkLst>
-            <pc:docMk/>
-            <pc:sldMk cId="1050037809" sldId="261"/>
-            <ac:graphicFrameMk id="25" creationId="{3A91F5B0-3974-A14D-A146-FB590F2AAD18}"/>
-          </ac:graphicFrameMkLst>
-        </pc:graphicFrameChg>
-      </pc:sldChg>
-    </pc:docChg>
-  </pc:docChgLst>
-  <pc:docChgLst>
-    <pc:chgData name="Ankita Sood" userId="S::asood@adobe.com::c93a62e3-2a47-429d-82c6-c2a8fd110ae7" providerId="AD" clId="Web-{5EA87E00-148E-AB9F-558F-52E0C44EDC93}"/>
-    <pc:docChg chg="modSld">
-      <pc:chgData name="Ankita Sood" userId="S::asood@adobe.com::c93a62e3-2a47-429d-82c6-c2a8fd110ae7" providerId="AD" clId="Web-{5EA87E00-148E-AB9F-558F-52E0C44EDC93}" dt="2022-01-13T18:29:42.444" v="16" actId="20577"/>
-      <pc:docMkLst>
-        <pc:docMk/>
-      </pc:docMkLst>
-      <pc:sldChg chg="modSp">
-        <pc:chgData name="Ankita Sood" userId="S::asood@adobe.com::c93a62e3-2a47-429d-82c6-c2a8fd110ae7" providerId="AD" clId="Web-{5EA87E00-148E-AB9F-558F-52E0C44EDC93}" dt="2022-01-13T18:29:22.131" v="3" actId="20577"/>
-        <pc:sldMkLst>
-          <pc:docMk/>
-          <pc:sldMk cId="5960377" sldId="259"/>
-        </pc:sldMkLst>
-        <pc:spChg chg="mod">
-          <ac:chgData name="Ankita Sood" userId="S::asood@adobe.com::c93a62e3-2a47-429d-82c6-c2a8fd110ae7" providerId="AD" clId="Web-{5EA87E00-148E-AB9F-558F-52E0C44EDC93}" dt="2022-01-13T18:29:22.131" v="3" actId="20577"/>
-          <ac:spMkLst>
-            <pc:docMk/>
-            <pc:sldMk cId="5960377" sldId="259"/>
-            <ac:spMk id="94" creationId="{361FB899-EBCA-A144-BC72-6D65DDDA1D5D}"/>
-          </ac:spMkLst>
-        </pc:spChg>
-      </pc:sldChg>
-      <pc:sldChg chg="modSp">
-        <pc:chgData name="Ankita Sood" userId="S::asood@adobe.com::c93a62e3-2a47-429d-82c6-c2a8fd110ae7" providerId="AD" clId="Web-{5EA87E00-148E-AB9F-558F-52E0C44EDC93}" dt="2022-01-13T18:29:42.444" v="16" actId="20577"/>
-        <pc:sldMkLst>
-          <pc:docMk/>
-          <pc:sldMk cId="2161849182" sldId="267"/>
-        </pc:sldMkLst>
-        <pc:spChg chg="mod">
-          <ac:chgData name="Ankita Sood" userId="S::asood@adobe.com::c93a62e3-2a47-429d-82c6-c2a8fd110ae7" providerId="AD" clId="Web-{5EA87E00-148E-AB9F-558F-52E0C44EDC93}" dt="2022-01-13T18:29:42.444" v="16" actId="20577"/>
-          <ac:spMkLst>
-            <pc:docMk/>
-            <pc:sldMk cId="2161849182" sldId="267"/>
-            <ac:spMk id="12" creationId="{B5B9BF51-8921-A94B-954A-82B5B5874814}"/>
-          </ac:spMkLst>
-        </pc:spChg>
-        <pc:graphicFrameChg chg="mod modGraphic">
-          <ac:chgData name="Ankita Sood" userId="S::asood@adobe.com::c93a62e3-2a47-429d-82c6-c2a8fd110ae7" providerId="AD" clId="Web-{5EA87E00-148E-AB9F-558F-52E0C44EDC93}" dt="2022-01-13T18:29:37.693" v="15"/>
-          <ac:graphicFrameMkLst>
-            <pc:docMk/>
-            <pc:sldMk cId="2161849182" sldId="267"/>
-            <ac:graphicFrameMk id="9" creationId="{00000000-0000-0000-0000-000000000000}"/>
-          </ac:graphicFrameMkLst>
-        </pc:graphicFrameChg>
-        <pc:graphicFrameChg chg="mod modGraphic">
-          <ac:chgData name="Ankita Sood" userId="S::asood@adobe.com::c93a62e3-2a47-429d-82c6-c2a8fd110ae7" providerId="AD" clId="Web-{5EA87E00-148E-AB9F-558F-52E0C44EDC93}" dt="2022-01-13T18:29:31.787" v="5"/>
-          <ac:graphicFrameMkLst>
-            <pc:docMk/>
-            <pc:sldMk cId="2161849182" sldId="267"/>
-            <ac:graphicFrameMk id="13" creationId="{63DBC3ED-EEDC-974A-82A2-F5182CF12546}"/>
-          </ac:graphicFrameMkLst>
-        </pc:graphicFrameChg>
-      </pc:sldChg>
-    </pc:docChg>
-  </pc:docChgLst>
-  <pc:docChgLst>
-    <pc:chgData name="Akilah Johnson" userId="2fa3aa60-0c9c-4d06-bae2-795983241227" providerId="ADAL" clId="{7598C71F-6B67-2947-B18A-AD3AFAF83B9E}"/>
-    <pc:docChg chg="modSld">
-      <pc:chgData name="Akilah Johnson" userId="2fa3aa60-0c9c-4d06-bae2-795983241227" providerId="ADAL" clId="{7598C71F-6B67-2947-B18A-AD3AFAF83B9E}" dt="2021-11-24T00:03:04.956" v="14" actId="20577"/>
-      <pc:docMkLst>
-        <pc:docMk/>
-      </pc:docMkLst>
-      <pc:sldChg chg="modSp mod">
-        <pc:chgData name="Akilah Johnson" userId="2fa3aa60-0c9c-4d06-bae2-795983241227" providerId="ADAL" clId="{7598C71F-6B67-2947-B18A-AD3AFAF83B9E}" dt="2021-11-24T00:03:04.956" v="14" actId="20577"/>
-        <pc:sldMkLst>
-          <pc:docMk/>
-          <pc:sldMk cId="2161849182" sldId="267"/>
-        </pc:sldMkLst>
-        <pc:graphicFrameChg chg="modGraphic">
-          <ac:chgData name="Akilah Johnson" userId="2fa3aa60-0c9c-4d06-bae2-795983241227" providerId="ADAL" clId="{7598C71F-6B67-2947-B18A-AD3AFAF83B9E}" dt="2021-11-24T00:03:04.956" v="14" actId="20577"/>
-          <ac:graphicFrameMkLst>
-            <pc:docMk/>
-            <pc:sldMk cId="2161849182" sldId="267"/>
-            <ac:graphicFrameMk id="9" creationId="{00000000-0000-0000-0000-000000000000}"/>
-          </ac:graphicFrameMkLst>
-        </pc:graphicFrameChg>
-      </pc:sldChg>
-    </pc:docChg>
-  </pc:docChgLst>
-  <pc:docChgLst>
     <pc:chgData name="Akilah Johnson" userId="S::akjohnso@adobe.com::2fa3aa60-0c9c-4d06-bae2-795983241227" providerId="AD" clId="Web-{3CA2F123-FAC9-2CDD-7937-C83283BA7837}"/>
     <pc:docChg chg="modSld">
       <pc:chgData name="Akilah Johnson" userId="S::akjohnso@adobe.com::2fa3aa60-0c9c-4d06-bae2-795983241227" providerId="AD" clId="Web-{3CA2F123-FAC9-2CDD-7937-C83283BA7837}" dt="2021-09-16T20:58:19.458" v="0" actId="1076"/>
@@ -434,54 +538,6 @@
             <ac:spMk id="83" creationId="{BB34E685-A734-974B-A33A-BE51D1A8BC0D}"/>
           </ac:spMkLst>
         </pc:spChg>
-      </pc:sldChg>
-    </pc:docChg>
-  </pc:docChgLst>
-  <pc:docChgLst>
-    <pc:chgData name="Akilah Johnson" userId="S::akjohnso@adobe.com::2fa3aa60-0c9c-4d06-bae2-795983241227" providerId="AD" clId="Web-{DC554207-FA81-638A-220E-C39F63BF408A}"/>
-    <pc:docChg chg="modSld">
-      <pc:chgData name="Akilah Johnson" userId="S::akjohnso@adobe.com::2fa3aa60-0c9c-4d06-bae2-795983241227" providerId="AD" clId="Web-{DC554207-FA81-638A-220E-C39F63BF408A}" dt="2021-11-23T23:50:17.249" v="7"/>
-      <pc:docMkLst>
-        <pc:docMk/>
-      </pc:docMkLst>
-      <pc:sldChg chg="modSp">
-        <pc:chgData name="Akilah Johnson" userId="S::akjohnso@adobe.com::2fa3aa60-0c9c-4d06-bae2-795983241227" providerId="AD" clId="Web-{DC554207-FA81-638A-220E-C39F63BF408A}" dt="2021-11-23T23:50:17.249" v="7"/>
-        <pc:sldMkLst>
-          <pc:docMk/>
-          <pc:sldMk cId="2161849182" sldId="267"/>
-        </pc:sldMkLst>
-        <pc:graphicFrameChg chg="mod modGraphic">
-          <ac:chgData name="Akilah Johnson" userId="S::akjohnso@adobe.com::2fa3aa60-0c9c-4d06-bae2-795983241227" providerId="AD" clId="Web-{DC554207-FA81-638A-220E-C39F63BF408A}" dt="2021-11-23T23:50:17.249" v="7"/>
-          <ac:graphicFrameMkLst>
-            <pc:docMk/>
-            <pc:sldMk cId="2161849182" sldId="267"/>
-            <ac:graphicFrameMk id="9" creationId="{00000000-0000-0000-0000-000000000000}"/>
-          </ac:graphicFrameMkLst>
-        </pc:graphicFrameChg>
-      </pc:sldChg>
-    </pc:docChg>
-  </pc:docChgLst>
-  <pc:docChgLst>
-    <pc:chgData name="Akilah Johnson" userId="S::akjohnso@adobe.com::2fa3aa60-0c9c-4d06-bae2-795983241227" providerId="AD" clId="Web-{0AB2EF93-BE08-D205-D43E-3B568BB37DAA}"/>
-    <pc:docChg chg="modSld">
-      <pc:chgData name="Akilah Johnson" userId="S::akjohnso@adobe.com::2fa3aa60-0c9c-4d06-bae2-795983241227" providerId="AD" clId="Web-{0AB2EF93-BE08-D205-D43E-3B568BB37DAA}" dt="2021-09-22T23:01:45.877" v="13"/>
-      <pc:docMkLst>
-        <pc:docMk/>
-      </pc:docMkLst>
-      <pc:sldChg chg="modSp">
-        <pc:chgData name="Akilah Johnson" userId="S::akjohnso@adobe.com::2fa3aa60-0c9c-4d06-bae2-795983241227" providerId="AD" clId="Web-{0AB2EF93-BE08-D205-D43E-3B568BB37DAA}" dt="2021-09-22T23:01:45.877" v="13"/>
-        <pc:sldMkLst>
-          <pc:docMk/>
-          <pc:sldMk cId="1050037809" sldId="261"/>
-        </pc:sldMkLst>
-        <pc:graphicFrameChg chg="mod modGraphic">
-          <ac:chgData name="Akilah Johnson" userId="S::akjohnso@adobe.com::2fa3aa60-0c9c-4d06-bae2-795983241227" providerId="AD" clId="Web-{0AB2EF93-BE08-D205-D43E-3B568BB37DAA}" dt="2021-09-22T23:01:45.877" v="13"/>
-          <ac:graphicFrameMkLst>
-            <pc:docMk/>
-            <pc:sldMk cId="1050037809" sldId="261"/>
-            <ac:graphicFrameMk id="25" creationId="{3A91F5B0-3974-A14D-A146-FB590F2AAD18}"/>
-          </ac:graphicFrameMkLst>
-        </pc:graphicFrameChg>
       </pc:sldChg>
     </pc:docChg>
   </pc:docChgLst>
@@ -618,62 +674,6 @@
       </pc:sldChg>
     </pc:docChg>
   </pc:docChgLst>
-  <pc:docChgLst>
-    <pc:chgData name="Akilah Johnson" userId="S::akjohnso@adobe.com::2fa3aa60-0c9c-4d06-bae2-795983241227" providerId="AD" clId="Web-{A40C3D7D-993B-38B2-2DDA-C562505A1054}"/>
-    <pc:docChg chg="modSld">
-      <pc:chgData name="Akilah Johnson" userId="S::akjohnso@adobe.com::2fa3aa60-0c9c-4d06-bae2-795983241227" providerId="AD" clId="Web-{A40C3D7D-993B-38B2-2DDA-C562505A1054}" dt="2021-09-22T23:00:46.860" v="3"/>
-      <pc:docMkLst>
-        <pc:docMk/>
-      </pc:docMkLst>
-      <pc:sldChg chg="modSp">
-        <pc:chgData name="Akilah Johnson" userId="S::akjohnso@adobe.com::2fa3aa60-0c9c-4d06-bae2-795983241227" providerId="AD" clId="Web-{A40C3D7D-993B-38B2-2DDA-C562505A1054}" dt="2021-09-22T23:00:46.860" v="3"/>
-        <pc:sldMkLst>
-          <pc:docMk/>
-          <pc:sldMk cId="1050037809" sldId="261"/>
-        </pc:sldMkLst>
-        <pc:graphicFrameChg chg="mod modGraphic">
-          <ac:chgData name="Akilah Johnson" userId="S::akjohnso@adobe.com::2fa3aa60-0c9c-4d06-bae2-795983241227" providerId="AD" clId="Web-{A40C3D7D-993B-38B2-2DDA-C562505A1054}" dt="2021-09-22T23:00:46.860" v="3"/>
-          <ac:graphicFrameMkLst>
-            <pc:docMk/>
-            <pc:sldMk cId="1050037809" sldId="261"/>
-            <ac:graphicFrameMk id="25" creationId="{3A91F5B0-3974-A14D-A146-FB590F2AAD18}"/>
-          </ac:graphicFrameMkLst>
-        </pc:graphicFrameChg>
-      </pc:sldChg>
-    </pc:docChg>
-  </pc:docChgLst>
-  <pc:docChgLst>
-    <pc:chgData name="Akilah Johnson" userId="S::akjohnso@adobe.com::2fa3aa60-0c9c-4d06-bae2-795983241227" providerId="AD" clId="Web-{0AC6A3A1-0788-C69A-5EFD-279F3FA2CF0F}"/>
-    <pc:docChg chg="modSld">
-      <pc:chgData name="Akilah Johnson" userId="S::akjohnso@adobe.com::2fa3aa60-0c9c-4d06-bae2-795983241227" providerId="AD" clId="Web-{0AC6A3A1-0788-C69A-5EFD-279F3FA2CF0F}" dt="2021-09-22T18:56:17.553" v="29"/>
-      <pc:docMkLst>
-        <pc:docMk/>
-      </pc:docMkLst>
-      <pc:sldChg chg="modSp delCm">
-        <pc:chgData name="Akilah Johnson" userId="S::akjohnso@adobe.com::2fa3aa60-0c9c-4d06-bae2-795983241227" providerId="AD" clId="Web-{0AC6A3A1-0788-C69A-5EFD-279F3FA2CF0F}" dt="2021-09-22T18:56:17.553" v="29"/>
-        <pc:sldMkLst>
-          <pc:docMk/>
-          <pc:sldMk cId="1050037809" sldId="261"/>
-        </pc:sldMkLst>
-        <pc:spChg chg="mod">
-          <ac:chgData name="Akilah Johnson" userId="S::akjohnso@adobe.com::2fa3aa60-0c9c-4d06-bae2-795983241227" providerId="AD" clId="Web-{0AC6A3A1-0788-C69A-5EFD-279F3FA2CF0F}" dt="2021-09-22T18:55:46.585" v="16" actId="20577"/>
-          <ac:spMkLst>
-            <pc:docMk/>
-            <pc:sldMk cId="1050037809" sldId="261"/>
-            <ac:spMk id="64" creationId="{41467BDC-3D83-D844-B922-CD07E94E5AAB}"/>
-          </ac:spMkLst>
-        </pc:spChg>
-        <pc:graphicFrameChg chg="mod modGraphic">
-          <ac:chgData name="Akilah Johnson" userId="S::akjohnso@adobe.com::2fa3aa60-0c9c-4d06-bae2-795983241227" providerId="AD" clId="Web-{0AC6A3A1-0788-C69A-5EFD-279F3FA2CF0F}" dt="2021-09-22T18:55:59.928" v="28"/>
-          <ac:graphicFrameMkLst>
-            <pc:docMk/>
-            <pc:sldMk cId="1050037809" sldId="261"/>
-            <ac:graphicFrameMk id="25" creationId="{3A91F5B0-3974-A14D-A146-FB590F2AAD18}"/>
-          </ac:graphicFrameMkLst>
-        </pc:graphicFrameChg>
-      </pc:sldChg>
-    </pc:docChg>
-  </pc:docChgLst>
 </pc:chgInfo>
 </file>
 
@@ -773,7 +773,7 @@
           <a:p>
             <a:fld id="{CCB2A597-803A-C244-97E2-A01066125D19}" type="datetimeFigureOut">
               <a:rPr lang="en-US" smtClean="0"/>
-              <a:t>1/20/22</a:t>
+              <a:t>2/15/2022</a:t>
             </a:fld>
             <a:endParaRPr lang="en-US"/>
           </a:p>
@@ -1554,7 +1554,7 @@
           <a:p>
             <a:fld id="{1D8BD707-D9CF-40AE-B4C6-C98DA3205C09}" type="datetimeFigureOut">
               <a:rPr lang="en-US"/>
-              <a:t>1/20/22</a:t>
+              <a:t>2/15/2022</a:t>
             </a:fld>
             <a:endParaRPr lang="en-US"/>
           </a:p>
@@ -1794,7 +1794,7 @@
           <a:p>
             <a:fld id="{1D8BD707-D9CF-40AE-B4C6-C98DA3205C09}" type="datetimeFigureOut">
               <a:rPr lang="en-US"/>
-              <a:t>1/20/22</a:t>
+              <a:t>2/15/2022</a:t>
             </a:fld>
             <a:endParaRPr lang="en-US"/>
           </a:p>
@@ -2047,7 +2047,7 @@
           <a:p>
             <a:fld id="{1D8BD707-D9CF-40AE-B4C6-C98DA3205C09}" type="datetimeFigureOut">
               <a:rPr lang="en-US"/>
-              <a:t>1/20/22</a:t>
+              <a:t>2/15/2022</a:t>
             </a:fld>
             <a:endParaRPr lang="en-US"/>
           </a:p>
@@ -2234,7 +2234,7 @@
           <a:p>
             <a:fld id="{1D8BD707-D9CF-40AE-B4C6-C98DA3205C09}" type="datetimeFigureOut">
               <a:rPr lang="en-US"/>
-              <a:t>1/20/22</a:t>
+              <a:t>2/15/2022</a:t>
             </a:fld>
             <a:endParaRPr lang="en-US"/>
           </a:p>
@@ -2392,7 +2392,7 @@
           <a:p>
             <a:fld id="{1D8BD707-D9CF-40AE-B4C6-C98DA3205C09}" type="datetimeFigureOut">
               <a:rPr lang="en-US"/>
-              <a:t>1/20/22</a:t>
+              <a:t>2/15/2022</a:t>
             </a:fld>
             <a:endParaRPr lang="en-US"/>
           </a:p>
@@ -2650,7 +2650,7 @@
           <a:p>
             <a:fld id="{1D8BD707-D9CF-40AE-B4C6-C98DA3205C09}" type="datetimeFigureOut">
               <a:rPr lang="en-US"/>
-              <a:t>1/20/22</a:t>
+              <a:t>2/15/2022</a:t>
             </a:fld>
             <a:endParaRPr lang="en-US"/>
           </a:p>
@@ -2900,32 +2900,11 @@
               </a:spcBef>
             </a:pPr>
             <a:r>
-              <a:rPr sz="2300" dirty="0">
+              <a:rPr lang="es-ES" sz="2300" dirty="0">
                 <a:latin typeface="Adobe Clean"/>
               </a:rPr>
-              <a:t>ADOBE</a:t>
-            </a:r>
-            <a:r>
-              <a:rPr lang="en-US" sz="2300" dirty="0">
-                <a:latin typeface="Adobe Clean"/>
-              </a:rPr>
-              <a:t> </a:t>
-            </a:r>
-            <a:r>
-              <a:rPr sz="2300" dirty="0">
-                <a:latin typeface="Adobe Clean"/>
-              </a:rPr>
-              <a:t>SUPPORT</a:t>
-            </a:r>
-            <a:r>
-              <a:rPr lang="en-US" sz="2300" dirty="0">
-                <a:latin typeface="Adobe Clean"/>
-              </a:rPr>
-              <a:t> PLANS</a:t>
-            </a:r>
-            <a:endParaRPr sz="2300" dirty="0">
-              <a:latin typeface="Adobe Clean" panose="020B0503020404020204" pitchFamily="34" charset="0"/>
-            </a:endParaRPr>
+              <a:t>PLANES DE SOPORTE DE ADOBE</a:t>
+            </a:r>
           </a:p>
         </p:txBody>
       </p:sp>
@@ -2938,7 +2917,7 @@
         <p:spPr>
           <a:xfrm>
             <a:off x="125148" y="7013546"/>
-            <a:ext cx="2785110" cy="228268"/>
+            <a:ext cx="4190820" cy="228268"/>
           </a:xfrm>
           <a:prstGeom prst="rect">
             <a:avLst/>
@@ -2959,7 +2938,7 @@
               </a:spcBef>
             </a:pPr>
             <a:r>
-              <a:rPr sz="1400" b="1" u="sng" spc="15">
+              <a:rPr lang="es-ES" sz="1400" b="1" u="sng" dirty="0">
                 <a:solidFill>
                   <a:srgbClr val="020302"/>
                 </a:solidFill>
@@ -2971,477 +2950,8 @@
                 <a:latin typeface="Adobe Clean"/>
                 <a:cs typeface="Adobe Clean"/>
               </a:rPr>
-              <a:t>S</a:t>
-            </a:r>
-            <a:r>
-              <a:rPr sz="1400" b="1" u="sng" spc="5">
-                <a:solidFill>
-                  <a:srgbClr val="020302"/>
-                </a:solidFill>
-                <a:uFill>
-                  <a:solidFill>
-                    <a:srgbClr val="020302"/>
-                  </a:solidFill>
-                </a:uFill>
-                <a:latin typeface="Adobe Clean"/>
-                <a:cs typeface="Adobe Clean"/>
-              </a:rPr>
-              <a:t>er</a:t>
-            </a:r>
-            <a:r>
-              <a:rPr sz="1400" b="1" u="sng" spc="10">
-                <a:solidFill>
-                  <a:srgbClr val="020302"/>
-                </a:solidFill>
-                <a:uFill>
-                  <a:solidFill>
-                    <a:srgbClr val="020302"/>
-                  </a:solidFill>
-                </a:uFill>
-                <a:latin typeface="Adobe Clean"/>
-                <a:cs typeface="Adobe Clean"/>
-              </a:rPr>
-              <a:t>vi</a:t>
-            </a:r>
-            <a:r>
-              <a:rPr sz="1400" b="1" u="sng" spc="5">
-                <a:solidFill>
-                  <a:srgbClr val="020302"/>
-                </a:solidFill>
-                <a:uFill>
-                  <a:solidFill>
-                    <a:srgbClr val="020302"/>
-                  </a:solidFill>
-                </a:uFill>
-                <a:latin typeface="Adobe Clean"/>
-                <a:cs typeface="Adobe Clean"/>
-              </a:rPr>
-              <a:t>c</a:t>
-            </a:r>
-            <a:r>
-              <a:rPr sz="1400" b="1" u="sng">
-                <a:solidFill>
-                  <a:srgbClr val="020302"/>
-                </a:solidFill>
-                <a:uFill>
-                  <a:solidFill>
-                    <a:srgbClr val="020302"/>
-                  </a:solidFill>
-                </a:uFill>
-                <a:latin typeface="Adobe Clean"/>
-                <a:cs typeface="Adobe Clean"/>
-              </a:rPr>
-              <a:t>e</a:t>
-            </a:r>
-            <a:r>
-              <a:rPr sz="1400" b="1" u="sng" spc="20">
-                <a:solidFill>
-                  <a:srgbClr val="020302"/>
-                </a:solidFill>
-                <a:uFill>
-                  <a:solidFill>
-                    <a:srgbClr val="020302"/>
-                  </a:solidFill>
-                </a:uFill>
-                <a:latin typeface="Adobe Clean"/>
-                <a:cs typeface="Adobe Clean"/>
-              </a:rPr>
-              <a:t> </a:t>
-            </a:r>
-            <a:r>
-              <a:rPr sz="1400" b="1" u="sng" spc="-15">
-                <a:solidFill>
-                  <a:srgbClr val="020302"/>
-                </a:solidFill>
-                <a:uFill>
-                  <a:solidFill>
-                    <a:srgbClr val="020302"/>
-                  </a:solidFill>
-                </a:uFill>
-                <a:latin typeface="Adobe Clean"/>
-                <a:cs typeface="Adobe Clean"/>
-              </a:rPr>
-              <a:t>Le</a:t>
-            </a:r>
-            <a:r>
-              <a:rPr sz="1400" b="1" u="sng" spc="-10">
-                <a:solidFill>
-                  <a:srgbClr val="020302"/>
-                </a:solidFill>
-                <a:uFill>
-                  <a:solidFill>
-                    <a:srgbClr val="020302"/>
-                  </a:solidFill>
-                </a:uFill>
-                <a:latin typeface="Adobe Clean"/>
-                <a:cs typeface="Adobe Clean"/>
-              </a:rPr>
-              <a:t>v</a:t>
-            </a:r>
-            <a:r>
-              <a:rPr sz="1400" b="1" u="sng" spc="-15">
-                <a:solidFill>
-                  <a:srgbClr val="020302"/>
-                </a:solidFill>
-                <a:uFill>
-                  <a:solidFill>
-                    <a:srgbClr val="020302"/>
-                  </a:solidFill>
-                </a:uFill>
-                <a:latin typeface="Adobe Clean"/>
-                <a:cs typeface="Adobe Clean"/>
-              </a:rPr>
-              <a:t>e</a:t>
-            </a:r>
-            <a:r>
-              <a:rPr sz="1400" b="1" u="sng">
-                <a:solidFill>
-                  <a:srgbClr val="020302"/>
-                </a:solidFill>
-                <a:uFill>
-                  <a:solidFill>
-                    <a:srgbClr val="020302"/>
-                  </a:solidFill>
-                </a:uFill>
-                <a:latin typeface="Adobe Clean"/>
-                <a:cs typeface="Adobe Clean"/>
-              </a:rPr>
-              <a:t>l</a:t>
-            </a:r>
-            <a:r>
-              <a:rPr sz="1400" b="1" u="sng" spc="-15">
-                <a:solidFill>
-                  <a:srgbClr val="020302"/>
-                </a:solidFill>
-                <a:uFill>
-                  <a:solidFill>
-                    <a:srgbClr val="020302"/>
-                  </a:solidFill>
-                </a:uFill>
-                <a:latin typeface="Adobe Clean"/>
-                <a:cs typeface="Adobe Clean"/>
-              </a:rPr>
-              <a:t> </a:t>
-            </a:r>
-            <a:r>
-              <a:rPr sz="1400" b="1" u="sng" spc="-55">
-                <a:solidFill>
-                  <a:srgbClr val="020302"/>
-                </a:solidFill>
-                <a:uFill>
-                  <a:solidFill>
-                    <a:srgbClr val="020302"/>
-                  </a:solidFill>
-                </a:uFill>
-                <a:latin typeface="Adobe Clean"/>
-                <a:cs typeface="Adobe Clean"/>
-              </a:rPr>
-              <a:t>T</a:t>
-            </a:r>
-            <a:r>
-              <a:rPr sz="1400" b="1" u="sng" spc="-40">
-                <a:solidFill>
-                  <a:srgbClr val="020302"/>
-                </a:solidFill>
-                <a:uFill>
-                  <a:solidFill>
-                    <a:srgbClr val="020302"/>
-                  </a:solidFill>
-                </a:uFill>
-                <a:latin typeface="Adobe Clean"/>
-                <a:cs typeface="Adobe Clean"/>
-              </a:rPr>
-              <a:t>a</a:t>
-            </a:r>
-            <a:r>
-              <a:rPr sz="1400" b="1" u="sng" spc="-45">
-                <a:solidFill>
-                  <a:srgbClr val="020302"/>
-                </a:solidFill>
-                <a:uFill>
-                  <a:solidFill>
-                    <a:srgbClr val="020302"/>
-                  </a:solidFill>
-                </a:uFill>
-                <a:latin typeface="Adobe Clean"/>
-                <a:cs typeface="Adobe Clean"/>
-              </a:rPr>
-              <a:t>r</a:t>
-            </a:r>
-            <a:r>
-              <a:rPr sz="1400" b="1" u="sng" spc="-40">
-                <a:solidFill>
-                  <a:srgbClr val="020302"/>
-                </a:solidFill>
-                <a:uFill>
-                  <a:solidFill>
-                    <a:srgbClr val="020302"/>
-                  </a:solidFill>
-                </a:uFill>
-                <a:latin typeface="Adobe Clean"/>
-                <a:cs typeface="Adobe Clean"/>
-              </a:rPr>
-              <a:t>g</a:t>
-            </a:r>
-            <a:r>
-              <a:rPr sz="1400" b="1" u="sng" spc="-50">
-                <a:solidFill>
-                  <a:srgbClr val="020302"/>
-                </a:solidFill>
-                <a:uFill>
-                  <a:solidFill>
-                    <a:srgbClr val="020302"/>
-                  </a:solidFill>
-                </a:uFill>
-                <a:latin typeface="Adobe Clean"/>
-                <a:cs typeface="Adobe Clean"/>
-              </a:rPr>
-              <a:t>et</a:t>
-            </a:r>
-            <a:r>
-              <a:rPr sz="1400" b="1" u="sng" spc="-45">
-                <a:solidFill>
-                  <a:srgbClr val="020302"/>
-                </a:solidFill>
-                <a:uFill>
-                  <a:solidFill>
-                    <a:srgbClr val="020302"/>
-                  </a:solidFill>
-                </a:uFill>
-                <a:latin typeface="Adobe Clean"/>
-                <a:cs typeface="Adobe Clean"/>
-              </a:rPr>
-              <a:t>s</a:t>
-            </a:r>
-            <a:r>
-              <a:rPr sz="1400" b="1" u="sng">
-                <a:solidFill>
-                  <a:srgbClr val="020302"/>
-                </a:solidFill>
-                <a:uFill>
-                  <a:solidFill>
-                    <a:srgbClr val="020302"/>
-                  </a:solidFill>
-                </a:uFill>
-                <a:latin typeface="Adobe Clean"/>
-                <a:cs typeface="Adobe Clean"/>
-              </a:rPr>
-              <a:t>:</a:t>
-            </a:r>
-            <a:r>
-              <a:rPr sz="1400" b="1" u="sng" spc="-85">
-                <a:solidFill>
-                  <a:srgbClr val="020302"/>
-                </a:solidFill>
-                <a:uFill>
-                  <a:solidFill>
-                    <a:srgbClr val="020302"/>
-                  </a:solidFill>
-                </a:uFill>
-                <a:latin typeface="Adobe Clean"/>
-                <a:cs typeface="Adobe Clean"/>
-              </a:rPr>
-              <a:t> </a:t>
-            </a:r>
-            <a:r>
-              <a:rPr sz="1400" b="1" u="sng" spc="-15">
-                <a:solidFill>
-                  <a:srgbClr val="020302"/>
-                </a:solidFill>
-                <a:uFill>
-                  <a:solidFill>
-                    <a:srgbClr val="020302"/>
-                  </a:solidFill>
-                </a:uFill>
-                <a:latin typeface="Adobe Clean"/>
-                <a:cs typeface="Adobe Clean"/>
-              </a:rPr>
-              <a:t>I</a:t>
-            </a:r>
-            <a:r>
-              <a:rPr sz="1400" b="1" u="sng" spc="-10">
-                <a:solidFill>
-                  <a:srgbClr val="020302"/>
-                </a:solidFill>
-                <a:uFill>
-                  <a:solidFill>
-                    <a:srgbClr val="020302"/>
-                  </a:solidFill>
-                </a:uFill>
-                <a:latin typeface="Adobe Clean"/>
-                <a:cs typeface="Adobe Clean"/>
-              </a:rPr>
-              <a:t>ni</a:t>
-            </a:r>
-            <a:r>
-              <a:rPr sz="1400" b="1" u="sng" spc="-15">
-                <a:solidFill>
-                  <a:srgbClr val="020302"/>
-                </a:solidFill>
-                <a:uFill>
-                  <a:solidFill>
-                    <a:srgbClr val="020302"/>
-                  </a:solidFill>
-                </a:uFill>
-                <a:latin typeface="Adobe Clean"/>
-                <a:cs typeface="Adobe Clean"/>
-              </a:rPr>
-              <a:t>t</a:t>
-            </a:r>
-            <a:r>
-              <a:rPr sz="1400" b="1" u="sng" spc="-10">
-                <a:solidFill>
-                  <a:srgbClr val="020302"/>
-                </a:solidFill>
-                <a:uFill>
-                  <a:solidFill>
-                    <a:srgbClr val="020302"/>
-                  </a:solidFill>
-                </a:uFill>
-                <a:latin typeface="Adobe Clean"/>
-                <a:cs typeface="Adobe Clean"/>
-              </a:rPr>
-              <a:t>i</a:t>
-            </a:r>
-            <a:r>
-              <a:rPr sz="1400" b="1" u="sng" spc="-5">
-                <a:solidFill>
-                  <a:srgbClr val="020302"/>
-                </a:solidFill>
-                <a:uFill>
-                  <a:solidFill>
-                    <a:srgbClr val="020302"/>
-                  </a:solidFill>
-                </a:uFill>
-                <a:latin typeface="Adobe Clean"/>
-                <a:cs typeface="Adobe Clean"/>
-              </a:rPr>
-              <a:t>a</a:t>
-            </a:r>
-            <a:r>
-              <a:rPr sz="1400" b="1" u="sng">
-                <a:solidFill>
-                  <a:srgbClr val="020302"/>
-                </a:solidFill>
-                <a:uFill>
-                  <a:solidFill>
-                    <a:srgbClr val="020302"/>
-                  </a:solidFill>
-                </a:uFill>
-                <a:latin typeface="Adobe Clean"/>
-                <a:cs typeface="Adobe Clean"/>
-              </a:rPr>
-              <a:t>l</a:t>
-            </a:r>
-            <a:r>
-              <a:rPr sz="1400" b="1" u="sng" spc="-145">
-                <a:solidFill>
-                  <a:srgbClr val="020302"/>
-                </a:solidFill>
-                <a:uFill>
-                  <a:solidFill>
-                    <a:srgbClr val="020302"/>
-                  </a:solidFill>
-                </a:uFill>
-                <a:latin typeface="Adobe Clean"/>
-                <a:cs typeface="Adobe Clean"/>
-              </a:rPr>
-              <a:t> </a:t>
-            </a:r>
-            <a:r>
-              <a:rPr sz="1400" b="1" u="sng" spc="-15">
-                <a:solidFill>
-                  <a:srgbClr val="020302"/>
-                </a:solidFill>
-                <a:uFill>
-                  <a:solidFill>
-                    <a:srgbClr val="020302"/>
-                  </a:solidFill>
-                </a:uFill>
-                <a:latin typeface="Adobe Clean"/>
-                <a:cs typeface="Adobe Clean"/>
-              </a:rPr>
-              <a:t>R</a:t>
-            </a:r>
-            <a:r>
-              <a:rPr sz="1400" b="1" u="sng" spc="-20">
-                <a:solidFill>
-                  <a:srgbClr val="020302"/>
-                </a:solidFill>
-                <a:uFill>
-                  <a:solidFill>
-                    <a:srgbClr val="020302"/>
-                  </a:solidFill>
-                </a:uFill>
-                <a:latin typeface="Adobe Clean"/>
-                <a:cs typeface="Adobe Clean"/>
-              </a:rPr>
-              <a:t>e</a:t>
-            </a:r>
-            <a:r>
-              <a:rPr sz="1400" b="1" u="sng" spc="-15">
-                <a:solidFill>
-                  <a:srgbClr val="020302"/>
-                </a:solidFill>
-                <a:uFill>
-                  <a:solidFill>
-                    <a:srgbClr val="020302"/>
-                  </a:solidFill>
-                </a:uFill>
-                <a:latin typeface="Adobe Clean"/>
-                <a:cs typeface="Adobe Clean"/>
-              </a:rPr>
-              <a:t>s</a:t>
-            </a:r>
-            <a:r>
-              <a:rPr sz="1400" b="1" u="sng" spc="-20">
-                <a:solidFill>
-                  <a:srgbClr val="020302"/>
-                </a:solidFill>
-                <a:uFill>
-                  <a:solidFill>
-                    <a:srgbClr val="020302"/>
-                  </a:solidFill>
-                </a:uFill>
-                <a:latin typeface="Adobe Clean"/>
-                <a:cs typeface="Adobe Clean"/>
-              </a:rPr>
-              <a:t>p</a:t>
-            </a:r>
-            <a:r>
-              <a:rPr sz="1400" b="1" u="sng" spc="-15">
-                <a:solidFill>
-                  <a:srgbClr val="020302"/>
-                </a:solidFill>
-                <a:uFill>
-                  <a:solidFill>
-                    <a:srgbClr val="020302"/>
-                  </a:solidFill>
-                </a:uFill>
-                <a:latin typeface="Adobe Clean"/>
-                <a:cs typeface="Adobe Clean"/>
-              </a:rPr>
-              <a:t>ons</a:t>
-            </a:r>
-            <a:r>
-              <a:rPr sz="1400" b="1" u="sng">
-                <a:solidFill>
-                  <a:srgbClr val="020302"/>
-                </a:solidFill>
-                <a:uFill>
-                  <a:solidFill>
-                    <a:srgbClr val="020302"/>
-                  </a:solidFill>
-                </a:uFill>
-                <a:latin typeface="Adobe Clean"/>
-                <a:cs typeface="Adobe Clean"/>
-              </a:rPr>
-              <a:t>e</a:t>
-            </a:r>
-            <a:endParaRPr sz="1400" u="sng">
-              <a:latin typeface="Adobe Clean"/>
-              <a:cs typeface="Adobe Clean"/>
-            </a:endParaRPr>
+              <a:t>Destinatarios de nivel de servicio: Respuesta inicial</a:t>
+            </a:r>
           </a:p>
         </p:txBody>
       </p:sp>
@@ -3454,14 +2964,14 @@
           <p:nvPr>
             <p:extLst>
               <p:ext uri="{D42A27DB-BD31-4B8C-83A1-F6EECF244321}">
-                <p14:modId xmlns:p14="http://schemas.microsoft.com/office/powerpoint/2010/main" val="3301165224"/>
+                <p14:modId xmlns:p14="http://schemas.microsoft.com/office/powerpoint/2010/main" val="1271502003"/>
               </p:ext>
             </p:extLst>
           </p:nvPr>
         </p:nvGraphicFramePr>
         <p:xfrm>
           <a:off x="146919" y="7473158"/>
-          <a:ext cx="7477080" cy="2172629"/>
+          <a:ext cx="7477080" cy="2258865"/>
         </p:xfrm>
         <a:graphic>
           <a:graphicData uri="http://schemas.openxmlformats.org/drawingml/2006/table">
@@ -3507,19 +3017,15 @@
                         </a:spcBef>
                       </a:pPr>
                       <a:r>
-                        <a:rPr sz="900" spc="-20" dirty="0">
+                        <a:rPr lang="es-ES" sz="900" dirty="0">
                           <a:solidFill>
                             <a:srgbClr val="020302"/>
                           </a:solidFill>
                           <a:latin typeface="Adobe Clean"/>
                           <a:cs typeface="Adobe Clean"/>
                         </a:rPr>
-                        <a:t>Priority</a:t>
+                        <a:t>Prioridad</a:t>
                       </a:r>
-                      <a:endParaRPr sz="900" dirty="0">
-                        <a:latin typeface="Adobe Clean"/>
-                        <a:cs typeface="Adobe Clean"/>
-                      </a:endParaRPr>
                     </a:p>
                   </a:txBody>
                   <a:tcPr marL="0" marR="0" marT="6985" marB="0" anchor="ctr">
@@ -3566,19 +3072,15 @@
                         </a:spcBef>
                       </a:pPr>
                       <a:r>
-                        <a:rPr lang="en-US" sz="900" spc="0" dirty="0">
+                        <a:rPr lang="es-ES" sz="900">
                           <a:solidFill>
                             <a:srgbClr val="020302"/>
                           </a:solidFill>
                           <a:latin typeface="Adobe Clean"/>
                           <a:cs typeface="Adobe Clean"/>
                         </a:rPr>
-                        <a:t>Standard Support</a:t>
+                        <a:t>Soporte Standard</a:t>
                       </a:r>
-                      <a:endParaRPr sz="900" spc="0" dirty="0">
-                        <a:latin typeface="Adobe Clean"/>
-                        <a:cs typeface="Adobe Clean"/>
-                      </a:endParaRPr>
                     </a:p>
                   </a:txBody>
                   <a:tcPr marL="0" marR="0" marT="0" marB="0" anchor="ctr">
@@ -3628,19 +3130,15 @@
                         </a:spcBef>
                       </a:pPr>
                       <a:r>
-                        <a:rPr sz="900" spc="0" dirty="0">
+                        <a:rPr lang="es-ES" sz="900">
                           <a:solidFill>
                             <a:srgbClr val="FFFFFF"/>
                           </a:solidFill>
                           <a:latin typeface="Adobe Clean"/>
                           <a:cs typeface="Adobe Clean"/>
                         </a:rPr>
-                        <a:t>Enterprise Support</a:t>
+                        <a:t>Soporte Enterprise</a:t>
                       </a:r>
-                      <a:endParaRPr sz="900" spc="0" dirty="0">
-                        <a:latin typeface="Adobe Clean"/>
-                        <a:cs typeface="Adobe Clean"/>
-                      </a:endParaRPr>
                     </a:p>
                   </a:txBody>
                   <a:tcPr marL="0" marR="0" marT="0" marB="0" anchor="ctr">
@@ -3700,109 +3198,15 @@
                         </a:spcBef>
                       </a:pPr>
                       <a:r>
-                        <a:rPr sz="900" b="1" spc="-15" dirty="0">
+                        <a:rPr lang="es-ES" sz="900" b="1" dirty="0">
                           <a:solidFill>
                             <a:srgbClr val="020302"/>
                           </a:solidFill>
                           <a:latin typeface="Adobe Clean"/>
                           <a:cs typeface="Adobe Clean"/>
                         </a:rPr>
-                        <a:t>P</a:t>
+                        <a:t>PRIORIDAD 1</a:t>
                       </a:r>
-                      <a:r>
-                        <a:rPr sz="900" b="1" spc="-20" dirty="0">
-                          <a:solidFill>
-                            <a:srgbClr val="020302"/>
-                          </a:solidFill>
-                          <a:latin typeface="Adobe Clean"/>
-                          <a:cs typeface="Adobe Clean"/>
-                        </a:rPr>
-                        <a:t>R</a:t>
-                      </a:r>
-                      <a:r>
-                        <a:rPr sz="900" b="1" spc="-25" dirty="0">
-                          <a:solidFill>
-                            <a:srgbClr val="020302"/>
-                          </a:solidFill>
-                          <a:latin typeface="Adobe Clean"/>
-                          <a:cs typeface="Adobe Clean"/>
-                        </a:rPr>
-                        <a:t>I</a:t>
-                      </a:r>
-                      <a:r>
-                        <a:rPr sz="900" b="1" spc="-15" dirty="0">
-                          <a:solidFill>
-                            <a:srgbClr val="020302"/>
-                          </a:solidFill>
-                          <a:latin typeface="Adobe Clean"/>
-                          <a:cs typeface="Adobe Clean"/>
-                        </a:rPr>
-                        <a:t>O</a:t>
-                      </a:r>
-                      <a:r>
-                        <a:rPr sz="900" b="1" spc="-20" dirty="0">
-                          <a:solidFill>
-                            <a:srgbClr val="020302"/>
-                          </a:solidFill>
-                          <a:latin typeface="Adobe Clean"/>
-                          <a:cs typeface="Adobe Clean"/>
-                        </a:rPr>
-                        <a:t>R</a:t>
-                      </a:r>
-                      <a:r>
-                        <a:rPr sz="900" b="1" spc="-25" dirty="0">
-                          <a:solidFill>
-                            <a:srgbClr val="020302"/>
-                          </a:solidFill>
-                          <a:latin typeface="Adobe Clean"/>
-                          <a:cs typeface="Adobe Clean"/>
-                        </a:rPr>
-                        <a:t>I</a:t>
-                      </a:r>
-                      <a:r>
-                        <a:rPr sz="900" b="1" spc="-15" dirty="0">
-                          <a:solidFill>
-                            <a:srgbClr val="020302"/>
-                          </a:solidFill>
-                          <a:latin typeface="Adobe Clean"/>
-                          <a:cs typeface="Adobe Clean"/>
-                        </a:rPr>
-                        <a:t>T</a:t>
-                      </a:r>
-                      <a:r>
-                        <a:rPr sz="900" b="1" dirty="0">
-                          <a:solidFill>
-                            <a:srgbClr val="020302"/>
-                          </a:solidFill>
-                          <a:latin typeface="Adobe Clean"/>
-                          <a:cs typeface="Adobe Clean"/>
-                        </a:rPr>
-                        <a:t>Y</a:t>
-                      </a:r>
-                      <a:r>
-                        <a:rPr sz="900" b="1" spc="-40" dirty="0">
-                          <a:solidFill>
-                            <a:srgbClr val="020302"/>
-                          </a:solidFill>
-                          <a:latin typeface="Adobe Clean"/>
-                          <a:cs typeface="Adobe Clean"/>
-                        </a:rPr>
-                        <a:t> </a:t>
-                      </a:r>
-                      <a:r>
-                        <a:rPr sz="900" b="1" dirty="0">
-                          <a:solidFill>
-                            <a:srgbClr val="020302"/>
-                          </a:solidFill>
-                          <a:latin typeface="Adobe Clean"/>
-                          <a:cs typeface="Adobe Clean"/>
-                        </a:rPr>
-                        <a:t>1</a:t>
-                      </a:r>
-                      <a:endParaRPr sz="900" dirty="0">
-                        <a:latin typeface="Adobe Clean"/>
-                        <a:cs typeface="Adobe Clean"/>
-                      </a:endParaRPr>
                     </a:p>
                     <a:p>
                       <a:pPr marL="50800" marR="387985" lvl="0" indent="0" eaLnBrk="1" fontAlgn="auto" latinLnBrk="0" hangingPunct="1">
@@ -3821,31 +3225,37 @@
                         <a:buNone/>
                       </a:pPr>
                       <a:r>
-                        <a:rPr lang="en-US" sz="900" b="0" i="0" spc="-130" dirty="0">
-                          <a:solidFill>
-                            <a:srgbClr val="020302"/>
-                          </a:solidFill>
-                          <a:latin typeface="Adobe Clean Light"/>
-                          <a:cs typeface="+mn-cs"/>
-                        </a:rPr>
-                        <a:t> </a:t>
-                      </a:r>
-                      <a:r>
-                        <a:rPr lang="en-US" sz="900" b="0" i="0" u="none" strike="noStrike" dirty="0">
+                        <a:rPr lang="es-ES" sz="900" b="0" i="0" u="none" strike="noStrike" dirty="0">
                           <a:solidFill>
                             <a:schemeClr val="tx1"/>
                           </a:solidFill>
-                          <a:effectLst/>
                           <a:latin typeface="Adobe Clean Light"/>
                           <a:ea typeface="+mn-ea"/>
                           <a:cs typeface="+mn-cs"/>
                         </a:rPr>
-                        <a:t>Customer's production business functions are down or have significant data loss or degradation of services and immediate attention is required to restore functionality and usability</a:t>
+                        <a:t>Las funciones empresariales de producción del cliente no están activadas o pierden datos </a:t>
                       </a:r>
-                      <a:endParaRPr lang="en-US" sz="900" b="0" i="0" dirty="0">
-                        <a:latin typeface="Adobe Clean Light"/>
-                        <a:cs typeface="AdobeClean-Light"/>
-                      </a:endParaRPr>
+                      <a:br>
+                        <a:rPr lang="es-ES" sz="900" b="0" i="0" u="none" strike="noStrike" dirty="0">
+                          <a:solidFill>
+                            <a:schemeClr val="tx1"/>
+                          </a:solidFill>
+                          <a:latin typeface="Adobe Clean Light"/>
+                          <a:ea typeface="+mn-ea"/>
+                          <a:cs typeface="+mn-cs"/>
+                        </a:rPr>
+                      </a:br>
+                      <a:r>
+                        <a:rPr lang="es-ES" sz="900" b="0" i="0" u="none" strike="noStrike" dirty="0">
+                          <a:solidFill>
+                            <a:schemeClr val="tx1"/>
+                          </a:solidFill>
+                          <a:latin typeface="Adobe Clean Light"/>
+                          <a:ea typeface="+mn-ea"/>
+                          <a:cs typeface="+mn-cs"/>
+                        </a:rPr>
+                        <a:t>o presentan una degradación del servicio significativa, por lo que se requiere atención inmediata para restaurar la funcionalidad y facilidad de uso.</a:t>
+                      </a:r>
                     </a:p>
                   </a:txBody>
                   <a:tcPr marL="0" marR="0" marT="0" marB="0" anchor="ctr">
@@ -3885,14 +3295,13 @@
                     <a:p>
                       <a:pPr algn="ctr" fontAlgn="ctr"/>
                       <a:r>
-                        <a:rPr lang="en-US" sz="900" b="0" i="0" u="none" strike="noStrike" dirty="0">
+                        <a:rPr lang="es-ES" sz="900" b="0" i="0" u="none" strike="noStrike">
                           <a:solidFill>
                             <a:srgbClr val="020302"/>
                           </a:solidFill>
-                          <a:effectLst/>
                           <a:latin typeface="AdobeClean-Light" panose="020B0503020404020204" pitchFamily="34" charset="0"/>
                         </a:rPr>
-                        <a:t>24x7 /  1 hour</a:t>
+                        <a:t>24x7 /  1 hora</a:t>
                       </a:r>
                     </a:p>
                   </a:txBody>
@@ -3933,14 +3342,13 @@
                     <a:p>
                       <a:pPr algn="ctr" fontAlgn="ctr"/>
                       <a:r>
-                        <a:rPr lang="en-US" sz="900" b="0" i="0" u="none" strike="noStrike" dirty="0">
+                        <a:rPr lang="es-ES" sz="900" b="0" i="0" u="none" strike="noStrike">
                           <a:solidFill>
                             <a:srgbClr val="020302"/>
                           </a:solidFill>
-                          <a:effectLst/>
                           <a:latin typeface="AdobeClean-Light"/>
                         </a:rPr>
-                        <a:t>24x7 / 30 minutes</a:t>
+                        <a:t>24x7 / 30 minutos</a:t>
                       </a:r>
                     </a:p>
                   </a:txBody>
@@ -4006,112 +3414,15 @@
                         </a:spcBef>
                       </a:pPr>
                       <a:r>
-                        <a:rPr sz="900" b="1" spc="-15" dirty="0">
+                        <a:rPr lang="es-ES" sz="900" b="1" dirty="0">
                           <a:solidFill>
                             <a:srgbClr val="020302"/>
                           </a:solidFill>
                           <a:latin typeface="Adobe Clean"/>
                           <a:cs typeface="Adobe Clean"/>
                         </a:rPr>
-                        <a:t>P</a:t>
+                        <a:t>PRIORIDAD 2</a:t>
                       </a:r>
-                      <a:r>
-                        <a:rPr sz="900" b="1" spc="-20" dirty="0">
-                          <a:solidFill>
-                            <a:srgbClr val="020302"/>
-                          </a:solidFill>
-                          <a:latin typeface="Adobe Clean"/>
-                          <a:cs typeface="Adobe Clean"/>
-                        </a:rPr>
-                        <a:t>R</a:t>
-                      </a:r>
-                      <a:r>
-                        <a:rPr sz="900" b="1" spc="-25" dirty="0">
-                          <a:solidFill>
-                            <a:srgbClr val="020302"/>
-                          </a:solidFill>
-                          <a:latin typeface="Adobe Clean"/>
-                          <a:cs typeface="Adobe Clean"/>
-                        </a:rPr>
-                        <a:t>I</a:t>
-                      </a:r>
-                      <a:r>
-                        <a:rPr sz="900" b="1" spc="-15" dirty="0">
-                          <a:solidFill>
-                            <a:srgbClr val="020302"/>
-                          </a:solidFill>
-                          <a:latin typeface="Adobe Clean"/>
-                          <a:cs typeface="Adobe Clean"/>
-                        </a:rPr>
-                        <a:t>O</a:t>
-                      </a:r>
-                      <a:r>
-                        <a:rPr sz="900" b="1" spc="-20" dirty="0">
-                          <a:solidFill>
-                            <a:srgbClr val="020302"/>
-                          </a:solidFill>
-                          <a:latin typeface="Adobe Clean"/>
-                          <a:cs typeface="Adobe Clean"/>
-                        </a:rPr>
-                        <a:t>R</a:t>
-                      </a:r>
-                      <a:r>
-                        <a:rPr sz="900" b="1" spc="-25" dirty="0">
-                          <a:solidFill>
-                            <a:srgbClr val="020302"/>
-                          </a:solidFill>
-                          <a:latin typeface="Adobe Clean"/>
-                          <a:cs typeface="Adobe Clean"/>
-                        </a:rPr>
-                        <a:t>I</a:t>
-                      </a:r>
-                      <a:r>
-                        <a:rPr sz="900" b="1" spc="-15" dirty="0">
-                          <a:solidFill>
-                            <a:srgbClr val="020302"/>
-                          </a:solidFill>
-                          <a:latin typeface="Adobe Clean"/>
-                          <a:cs typeface="Adobe Clean"/>
-                        </a:rPr>
-                        <a:t>T</a:t>
-                      </a:r>
-                      <a:r>
-                        <a:rPr sz="900" b="1" dirty="0">
-                          <a:solidFill>
-                            <a:srgbClr val="020302"/>
-                          </a:solidFill>
-                          <a:latin typeface="Adobe Clean"/>
-                          <a:cs typeface="Adobe Clean"/>
-                        </a:rPr>
-                        <a:t>Y</a:t>
-                      </a:r>
-                      <a:r>
-                        <a:rPr sz="900" b="1" spc="-40" dirty="0">
-                          <a:solidFill>
-                            <a:srgbClr val="020302"/>
-                          </a:solidFill>
-                          <a:latin typeface="Adobe Clean"/>
-                          <a:cs typeface="Adobe Clean"/>
-                        </a:rPr>
-                        <a:t> </a:t>
-                      </a:r>
-                      <a:r>
-                        <a:rPr sz="900" b="1" dirty="0">
-                          <a:solidFill>
-                            <a:srgbClr val="020302"/>
-                          </a:solidFill>
-                          <a:latin typeface="Adobe Clean"/>
-                          <a:cs typeface="Adobe Clean"/>
-                        </a:rPr>
-                        <a:t>2</a:t>
-                      </a:r>
-                      <a:endParaRPr lang="en-US" sz="900" b="1" dirty="0">
-                        <a:solidFill>
-                          <a:srgbClr val="020302"/>
-                        </a:solidFill>
-                        <a:latin typeface="Adobe Clean"/>
-                        <a:cs typeface="Adobe Clean"/>
-                      </a:endParaRPr>
                     </a:p>
                     <a:p>
                       <a:pPr marL="50800" marR="0" lvl="0" indent="0" defTabSz="914400" eaLnBrk="1" fontAlgn="auto" latinLnBrk="0" hangingPunct="1">
@@ -4132,31 +3443,27 @@
                         <a:defRPr/>
                       </a:pPr>
                       <a:r>
-                        <a:rPr lang="en-US" sz="900" b="0" i="0" spc="-130" dirty="0">
+                        <a:rPr lang="es-ES" sz="900" b="0" i="0" dirty="0">
                           <a:solidFill>
                             <a:srgbClr val="020302"/>
                           </a:solidFill>
                           <a:latin typeface="Adobe Clean Light"/>
+                          <a:ea typeface="+mn-ea"/>
                           <a:cs typeface="+mn-cs"/>
                         </a:rPr>
                         <a:t> </a:t>
                       </a:r>
                       <a:r>
-                        <a:rPr lang="en-US" sz="900" b="0" i="0" u="none" strike="noStrike" dirty="0">
+                        <a:rPr lang="es-ES" sz="900" b="0" i="0" u="none" strike="noStrike" dirty="0">
                           <a:solidFill>
                             <a:schemeClr val="tx1"/>
                           </a:solidFill>
-                          <a:effectLst/>
                           <a:latin typeface="Adobe Clean Light"/>
                           <a:ea typeface="+mn-ea"/>
                           <a:cs typeface="+mn-cs"/>
                         </a:rPr>
-                        <a:t>Customer’s business functions have major service degradations or potential data loss, or a major feature is impacted.</a:t>
+                        <a:t>Las funciones empresariales del cliente presentan degradaciones importantes del servicio o hay una posible pérdida de datos, o una función clave se está viendo afectada.</a:t>
                       </a:r>
-                      <a:endParaRPr lang="en-US" sz="900" b="0" i="0" dirty="0">
-                        <a:latin typeface="Adobe Clean Light"/>
-                        <a:cs typeface="AdobeClean-Light"/>
-                      </a:endParaRPr>
                     </a:p>
                   </a:txBody>
                   <a:tcPr marL="0" marR="0" marT="0" marB="0" anchor="ctr">
@@ -4196,14 +3503,13 @@
                     <a:p>
                       <a:pPr algn="ctr" fontAlgn="ctr"/>
                       <a:r>
-                        <a:rPr lang="en-US" sz="900" b="0" i="0" u="none" strike="noStrike" dirty="0">
+                        <a:rPr lang="es-ES" sz="900" b="0" i="0" u="none" strike="noStrike">
                           <a:solidFill>
                             <a:srgbClr val="020302"/>
                           </a:solidFill>
-                          <a:effectLst/>
                           <a:latin typeface="AdobeClean-Light" panose="020B0503020404020204" pitchFamily="34" charset="0"/>
                         </a:rPr>
-                        <a:t>Business hours / 4 hours</a:t>
+                        <a:t>Horario de trabajo / 4 horas</a:t>
                       </a:r>
                     </a:p>
                   </a:txBody>
@@ -4244,14 +3550,13 @@
                     <a:p>
                       <a:pPr algn="ctr" fontAlgn="ctr"/>
                       <a:r>
-                        <a:rPr lang="en-US" sz="900" b="0" i="0" u="none" strike="noStrike" dirty="0">
+                        <a:rPr lang="es-ES" sz="900" b="0" i="0" u="none" strike="noStrike">
                           <a:solidFill>
                             <a:srgbClr val="020302"/>
                           </a:solidFill>
-                          <a:effectLst/>
                           <a:latin typeface="AdobeClean-Light"/>
                         </a:rPr>
-                        <a:t>24x5 / 1 hour</a:t>
+                        <a:t>24x5 / 1 hora</a:t>
                       </a:r>
                     </a:p>
                   </a:txBody>
@@ -4314,109 +3619,15 @@
                         </a:spcBef>
                       </a:pPr>
                       <a:r>
-                        <a:rPr sz="900" b="1" spc="-15" dirty="0">
+                        <a:rPr lang="es-ES" sz="900" b="1" dirty="0">
                           <a:solidFill>
                             <a:srgbClr val="020302"/>
                           </a:solidFill>
                           <a:latin typeface="Adobe Clean"/>
                           <a:cs typeface="Adobe Clean"/>
                         </a:rPr>
-                        <a:t>P</a:t>
+                        <a:t>PRIORIDAD 3</a:t>
                       </a:r>
-                      <a:r>
-                        <a:rPr sz="900" b="1" spc="-20" dirty="0">
-                          <a:solidFill>
-                            <a:srgbClr val="020302"/>
-                          </a:solidFill>
-                          <a:latin typeface="Adobe Clean"/>
-                          <a:cs typeface="Adobe Clean"/>
-                        </a:rPr>
-                        <a:t>R</a:t>
-                      </a:r>
-                      <a:r>
-                        <a:rPr sz="900" b="1" spc="-25" dirty="0">
-                          <a:solidFill>
-                            <a:srgbClr val="020302"/>
-                          </a:solidFill>
-                          <a:latin typeface="Adobe Clean"/>
-                          <a:cs typeface="Adobe Clean"/>
-                        </a:rPr>
-                        <a:t>I</a:t>
-                      </a:r>
-                      <a:r>
-                        <a:rPr sz="900" b="1" spc="-15" dirty="0">
-                          <a:solidFill>
-                            <a:srgbClr val="020302"/>
-                          </a:solidFill>
-                          <a:latin typeface="Adobe Clean"/>
-                          <a:cs typeface="Adobe Clean"/>
-                        </a:rPr>
-                        <a:t>O</a:t>
-                      </a:r>
-                      <a:r>
-                        <a:rPr sz="900" b="1" spc="-20" dirty="0">
-                          <a:solidFill>
-                            <a:srgbClr val="020302"/>
-                          </a:solidFill>
-                          <a:latin typeface="Adobe Clean"/>
-                          <a:cs typeface="Adobe Clean"/>
-                        </a:rPr>
-                        <a:t>R</a:t>
-                      </a:r>
-                      <a:r>
-                        <a:rPr sz="900" b="1" spc="-25" dirty="0">
-                          <a:solidFill>
-                            <a:srgbClr val="020302"/>
-                          </a:solidFill>
-                          <a:latin typeface="Adobe Clean"/>
-                          <a:cs typeface="Adobe Clean"/>
-                        </a:rPr>
-                        <a:t>I</a:t>
-                      </a:r>
-                      <a:r>
-                        <a:rPr sz="900" b="1" spc="-15" dirty="0">
-                          <a:solidFill>
-                            <a:srgbClr val="020302"/>
-                          </a:solidFill>
-                          <a:latin typeface="Adobe Clean"/>
-                          <a:cs typeface="Adobe Clean"/>
-                        </a:rPr>
-                        <a:t>T</a:t>
-                      </a:r>
-                      <a:r>
-                        <a:rPr sz="900" b="1" dirty="0">
-                          <a:solidFill>
-                            <a:srgbClr val="020302"/>
-                          </a:solidFill>
-                          <a:latin typeface="Adobe Clean"/>
-                          <a:cs typeface="Adobe Clean"/>
-                        </a:rPr>
-                        <a:t>Y</a:t>
-                      </a:r>
-                      <a:r>
-                        <a:rPr sz="900" b="1" spc="-40" dirty="0">
-                          <a:solidFill>
-                            <a:srgbClr val="020302"/>
-                          </a:solidFill>
-                          <a:latin typeface="Adobe Clean"/>
-                          <a:cs typeface="Adobe Clean"/>
-                        </a:rPr>
-                        <a:t> </a:t>
-                      </a:r>
-                      <a:r>
-                        <a:rPr sz="900" b="1" dirty="0">
-                          <a:solidFill>
-                            <a:srgbClr val="020302"/>
-                          </a:solidFill>
-                          <a:latin typeface="Adobe Clean"/>
-                          <a:cs typeface="Adobe Clean"/>
-                        </a:rPr>
-                        <a:t>3</a:t>
-                      </a:r>
-                      <a:endParaRPr sz="900" dirty="0">
-                        <a:latin typeface="Adobe Clean"/>
-                        <a:cs typeface="Adobe Clean"/>
-                      </a:endParaRPr>
                     </a:p>
                     <a:p>
                       <a:pPr marL="49530" marR="212090" indent="-2540">
@@ -4428,21 +3639,37 @@
                         </a:spcBef>
                       </a:pPr>
                       <a:r>
-                        <a:rPr lang="en-US" sz="900" b="0" i="0" u="none" strike="noStrike" dirty="0">
+                        <a:rPr lang="es-ES" sz="900" b="0" i="0" u="none" strike="noStrike" dirty="0">
                           <a:solidFill>
                             <a:schemeClr val="tx1"/>
                           </a:solidFill>
-                          <a:effectLst/>
                           <a:latin typeface="Adobe Clean Light"/>
                           <a:ea typeface="+mn-ea"/>
                           <a:cs typeface="+mn-cs"/>
                         </a:rPr>
-                        <a:t>Customer's business functions have minor to no degradation of services with a solution/workaround allowing business functions to continue </a:t>
+                        <a:t>Las funciones empresariales del cliente presentan una menor degradación de los servicios, </a:t>
                       </a:r>
-                      <a:endParaRPr lang="en-US" sz="900" b="0" i="0" dirty="0">
-                        <a:latin typeface="Adobe Clean Light"/>
-                        <a:cs typeface="AdobeClean-Light"/>
-                      </a:endParaRPr>
+                      <a:br>
+                        <a:rPr lang="es-ES" sz="900" b="0" i="0" u="none" strike="noStrike" dirty="0">
+                          <a:solidFill>
+                            <a:schemeClr val="tx1"/>
+                          </a:solidFill>
+                          <a:latin typeface="Adobe Clean Light"/>
+                          <a:ea typeface="+mn-ea"/>
+                          <a:cs typeface="+mn-cs"/>
+                        </a:rPr>
+                      </a:br>
+                      <a:r>
+                        <a:rPr lang="es-ES" sz="900" b="0" i="0" u="none" strike="noStrike" dirty="0">
+                          <a:solidFill>
+                            <a:schemeClr val="tx1"/>
+                          </a:solidFill>
+                          <a:latin typeface="Adobe Clean Light"/>
+                          <a:ea typeface="+mn-ea"/>
+                          <a:cs typeface="+mn-cs"/>
+                        </a:rPr>
+                        <a:t>o ninguna degradación en absoluto, con una solución que permite que las funciones empresariales sigan funcionando. </a:t>
+                      </a:r>
                     </a:p>
                   </a:txBody>
                   <a:tcPr marL="0" marR="0" marT="0" marB="0" anchor="ctr">
@@ -4482,14 +3709,13 @@
                     <a:p>
                       <a:pPr algn="ctr" fontAlgn="ctr"/>
                       <a:r>
-                        <a:rPr lang="en-US" sz="900" b="0" i="0" u="none" strike="noStrike" dirty="0">
+                        <a:rPr lang="es-ES" sz="900" b="0" i="0" u="none" strike="noStrike" dirty="0">
                           <a:solidFill>
                             <a:srgbClr val="020302"/>
                           </a:solidFill>
-                          <a:effectLst/>
                           <a:latin typeface="AdobeClean-Light" panose="020B0503020404020204" pitchFamily="34" charset="0"/>
                         </a:rPr>
-                        <a:t>Business hours / 6 hours</a:t>
+                        <a:t>Horario de trabajo / 6 horas</a:t>
                       </a:r>
                     </a:p>
                   </a:txBody>
@@ -4530,14 +3756,13 @@
                     <a:p>
                       <a:pPr algn="ctr" fontAlgn="ctr"/>
                       <a:r>
-                        <a:rPr lang="en-US" sz="900" b="0" i="0" u="none" strike="noStrike" dirty="0">
+                        <a:rPr lang="es-ES" sz="900" b="0" i="0" u="none" strike="noStrike">
                           <a:solidFill>
                             <a:srgbClr val="020302"/>
                           </a:solidFill>
-                          <a:effectLst/>
                           <a:latin typeface="AdobeClean-Light"/>
                         </a:rPr>
-                        <a:t>Business hours / 2 hours</a:t>
+                        <a:t>Horario de trabajo / 2 horas</a:t>
                       </a:r>
                     </a:p>
                   </a:txBody>
@@ -4600,109 +3825,15 @@
                         </a:spcBef>
                       </a:pPr>
                       <a:r>
-                        <a:rPr sz="900" b="1" spc="-15" dirty="0">
+                        <a:rPr lang="es-ES" sz="900" b="1">
                           <a:solidFill>
                             <a:srgbClr val="020302"/>
                           </a:solidFill>
                           <a:latin typeface="Adobe Clean"/>
                           <a:cs typeface="Adobe Clean"/>
                         </a:rPr>
-                        <a:t>P</a:t>
+                        <a:t>PRIORIDAD 4</a:t>
                       </a:r>
-                      <a:r>
-                        <a:rPr sz="900" b="1" spc="-20" dirty="0">
-                          <a:solidFill>
-                            <a:srgbClr val="020302"/>
-                          </a:solidFill>
-                          <a:latin typeface="Adobe Clean"/>
-                          <a:cs typeface="Adobe Clean"/>
-                        </a:rPr>
-                        <a:t>R</a:t>
-                      </a:r>
-                      <a:r>
-                        <a:rPr sz="900" b="1" spc="-25" dirty="0">
-                          <a:solidFill>
-                            <a:srgbClr val="020302"/>
-                          </a:solidFill>
-                          <a:latin typeface="Adobe Clean"/>
-                          <a:cs typeface="Adobe Clean"/>
-                        </a:rPr>
-                        <a:t>I</a:t>
-                      </a:r>
-                      <a:r>
-                        <a:rPr sz="900" b="1" spc="-15" dirty="0">
-                          <a:solidFill>
-                            <a:srgbClr val="020302"/>
-                          </a:solidFill>
-                          <a:latin typeface="Adobe Clean"/>
-                          <a:cs typeface="Adobe Clean"/>
-                        </a:rPr>
-                        <a:t>O</a:t>
-                      </a:r>
-                      <a:r>
-                        <a:rPr sz="900" b="1" spc="-20" dirty="0">
-                          <a:solidFill>
-                            <a:srgbClr val="020302"/>
-                          </a:solidFill>
-                          <a:latin typeface="Adobe Clean"/>
-                          <a:cs typeface="Adobe Clean"/>
-                        </a:rPr>
-                        <a:t>R</a:t>
-                      </a:r>
-                      <a:r>
-                        <a:rPr sz="900" b="1" spc="-25" dirty="0">
-                          <a:solidFill>
-                            <a:srgbClr val="020302"/>
-                          </a:solidFill>
-                          <a:latin typeface="Adobe Clean"/>
-                          <a:cs typeface="Adobe Clean"/>
-                        </a:rPr>
-                        <a:t>I</a:t>
-                      </a:r>
-                      <a:r>
-                        <a:rPr sz="900" b="1" spc="-15" dirty="0">
-                          <a:solidFill>
-                            <a:srgbClr val="020302"/>
-                          </a:solidFill>
-                          <a:latin typeface="Adobe Clean"/>
-                          <a:cs typeface="Adobe Clean"/>
-                        </a:rPr>
-                        <a:t>T</a:t>
-                      </a:r>
-                      <a:r>
-                        <a:rPr sz="900" b="1" dirty="0">
-                          <a:solidFill>
-                            <a:srgbClr val="020302"/>
-                          </a:solidFill>
-                          <a:latin typeface="Adobe Clean"/>
-                          <a:cs typeface="Adobe Clean"/>
-                        </a:rPr>
-                        <a:t>Y</a:t>
-                      </a:r>
-                      <a:r>
-                        <a:rPr sz="900" b="1" spc="-40" dirty="0">
-                          <a:solidFill>
-                            <a:srgbClr val="020302"/>
-                          </a:solidFill>
-                          <a:latin typeface="Adobe Clean"/>
-                          <a:cs typeface="Adobe Clean"/>
-                        </a:rPr>
-                        <a:t> </a:t>
-                      </a:r>
-                      <a:r>
-                        <a:rPr sz="900" b="1" dirty="0">
-                          <a:solidFill>
-                            <a:srgbClr val="020302"/>
-                          </a:solidFill>
-                          <a:latin typeface="Adobe Clean"/>
-                          <a:cs typeface="Adobe Clean"/>
-                        </a:rPr>
-                        <a:t>4</a:t>
-                      </a:r>
-                      <a:endParaRPr sz="900" dirty="0">
-                        <a:latin typeface="Adobe Clean"/>
-                        <a:cs typeface="Adobe Clean"/>
-                      </a:endParaRPr>
                     </a:p>
                     <a:p>
                       <a:pPr marL="49530">
@@ -4714,31 +3845,27 @@
                         </a:spcBef>
                       </a:pPr>
                       <a:r>
-                        <a:rPr lang="en-US" sz="900" b="1" spc="-90" dirty="0">
+                        <a:rPr lang="es-ES" sz="900" b="1">
                           <a:solidFill>
                             <a:srgbClr val="020302"/>
                           </a:solidFill>
                           <a:latin typeface="Adobe Clean"/>
+                          <a:ea typeface="+mn-ea"/>
                           <a:cs typeface="+mn-cs"/>
                         </a:rPr>
                         <a:t> </a:t>
                       </a:r>
                       <a:r>
-                        <a:rPr lang="en-US" sz="900" b="0" i="0" u="none" strike="noStrike" dirty="0">
+                        <a:rPr lang="es-ES" sz="900" b="0" i="0" u="none" strike="noStrike">
                           <a:solidFill>
                             <a:schemeClr val="tx1"/>
                           </a:solidFill>
-                          <a:effectLst/>
                           <a:latin typeface="Adobe Clean Light"/>
                           <a:ea typeface="+mn-ea"/>
                           <a:cs typeface="+mn-cs"/>
                         </a:rPr>
-                        <a:t>General question regarding current product functionality or an enhancement request</a:t>
+                        <a:t>Pregunta general sobre la funcionalidad actual del producto o una solicitud de mejora.</a:t>
                       </a:r>
-                      <a:endParaRPr lang="en-US" sz="900" b="0" i="0" dirty="0">
-                        <a:latin typeface="Adobe Clean Light"/>
-                        <a:cs typeface="AdobeClean-Light"/>
-                      </a:endParaRPr>
                     </a:p>
                   </a:txBody>
                   <a:tcPr marL="0" marR="0" marT="0" marB="0" anchor="ctr">
@@ -4778,14 +3905,13 @@
                     <a:p>
                       <a:pPr algn="ctr" fontAlgn="ctr"/>
                       <a:r>
-                        <a:rPr lang="en-US" sz="900" b="0" i="0" u="none" strike="noStrike" dirty="0">
+                        <a:rPr lang="es-ES" sz="900" b="0" i="0" u="none" strike="noStrike">
                           <a:solidFill>
                             <a:srgbClr val="020302"/>
                           </a:solidFill>
-                          <a:effectLst/>
                           <a:latin typeface="AdobeClean-Light" panose="020B0503020404020204" pitchFamily="34" charset="0"/>
                         </a:rPr>
-                        <a:t>Business days / 3 days</a:t>
+                        <a:t>Días laborables / 3 días</a:t>
                       </a:r>
                     </a:p>
                   </a:txBody>
@@ -4826,14 +3952,13 @@
                     <a:p>
                       <a:pPr algn="ctr" fontAlgn="ctr"/>
                       <a:r>
-                        <a:rPr lang="en-US" sz="900" b="0" i="0" u="none" strike="noStrike" dirty="0">
+                        <a:rPr lang="es-ES" sz="900" b="0" i="0" u="none" strike="noStrike" dirty="0">
                           <a:solidFill>
                             <a:srgbClr val="020302"/>
                           </a:solidFill>
-                          <a:effectLst/>
                           <a:latin typeface="AdobeClean-Light" panose="020B0503020404020204" pitchFamily="34" charset="0"/>
                         </a:rPr>
-                        <a:t>Business days / 1 day</a:t>
+                        <a:t>Días laborables / 1 día</a:t>
                       </a:r>
                     </a:p>
                   </a:txBody>
@@ -4920,7 +4045,7 @@
         <p:spPr>
           <a:xfrm>
             <a:off x="97788" y="9888626"/>
-            <a:ext cx="2245360" cy="133370"/>
+            <a:ext cx="2377440" cy="133370"/>
           </a:xfrm>
           <a:prstGeom prst="rect">
             <a:avLst/>
@@ -4941,40 +4066,40 @@
               </a:spcBef>
             </a:pPr>
             <a:r>
-              <a:rPr spc="-10"/>
-              <a:t>©202</a:t>
-            </a:r>
-            <a:r>
-              <a:rPr lang="en-US" spc="-10"/>
-              <a:t>1</a:t>
-            </a:r>
-            <a:r>
-              <a:rPr spc="-5"/>
-              <a:t> Adobe. All</a:t>
-            </a:r>
-            <a:r>
-              <a:rPr spc="-10"/>
-              <a:t> Rights</a:t>
-            </a:r>
-            <a:r>
-              <a:rPr spc="-5"/>
+              <a:rPr lang="es-ES" dirty="0"/>
+              <a:t>©2021 Adobe. </a:t>
+            </a:r>
+            <a:r>
+              <a:rPr lang="es-ES" dirty="0" err="1"/>
+              <a:t>All</a:t>
+            </a:r>
+            <a:r>
+              <a:rPr lang="es-ES" dirty="0"/>
               <a:t> </a:t>
             </a:r>
             <a:r>
-              <a:rPr spc="-10"/>
-              <a:t>Reserved.</a:t>
-            </a:r>
-            <a:r>
-              <a:rPr spc="-5"/>
-              <a:t> Adobe</a:t>
-            </a:r>
-            <a:r>
-              <a:rPr spc="60"/>
+              <a:rPr lang="es-ES" dirty="0" err="1"/>
+              <a:t>Rights</a:t>
+            </a:r>
+            <a:r>
+              <a:rPr lang="es-ES" dirty="0"/>
               <a:t> </a:t>
             </a:r>
             <a:r>
-              <a:rPr spc="-10"/>
-              <a:t>Confidential.</a:t>
+              <a:rPr lang="es-ES" dirty="0" err="1"/>
+              <a:t>Reserved</a:t>
+            </a:r>
+            <a:r>
+              <a:rPr lang="es-ES" dirty="0"/>
+              <a:t>. Adobe </a:t>
+            </a:r>
+            <a:r>
+              <a:rPr lang="es-ES" dirty="0" err="1"/>
+              <a:t>Confidential</a:t>
+            </a:r>
+            <a:r>
+              <a:rPr lang="es-ES" dirty="0"/>
+              <a:t>.</a:t>
             </a:r>
           </a:p>
         </p:txBody>
@@ -5008,7 +4133,7 @@
           <a:lstStyle/>
           <a:p>
             <a:r>
-              <a:rPr lang="en-US" sz="700" i="1">
+              <a:rPr lang="es-ES" sz="700" i="1">
                 <a:solidFill>
                   <a:schemeClr val="bg1"/>
                 </a:solidFill>
@@ -5032,8 +4157,8 @@
         </p:nvSpPr>
         <p:spPr>
           <a:xfrm>
-            <a:off x="146919" y="756605"/>
-            <a:ext cx="6035427" cy="1243417"/>
+            <a:off x="146920" y="756605"/>
+            <a:ext cx="5879400" cy="1243417"/>
           </a:xfrm>
           <a:prstGeom prst="rect">
             <a:avLst/>
@@ -5054,7 +4179,7 @@
               </a:spcBef>
             </a:pPr>
             <a:r>
-              <a:rPr lang="en-US" sz="1200" dirty="0">
+              <a:rPr lang="es-ES" sz="1200" dirty="0">
                 <a:solidFill>
                   <a:schemeClr val="bg1"/>
                 </a:solidFill>
@@ -5063,7 +4188,7 @@
               <a:t>Standard |</a:t>
             </a:r>
             <a:r>
-              <a:rPr lang="en-US" sz="1200" b="1" dirty="0">
+              <a:rPr lang="es-ES" sz="1200" b="1" dirty="0">
                 <a:solidFill>
                   <a:schemeClr val="bg1"/>
                 </a:solidFill>
@@ -5072,7 +4197,7 @@
               <a:t> </a:t>
             </a:r>
             <a:r>
-              <a:rPr lang="en-US" sz="1200" b="1" dirty="0">
+              <a:rPr lang="es-ES" sz="1200" b="1" dirty="0">
                 <a:solidFill>
                   <a:schemeClr val="bg1"/>
                 </a:solidFill>
@@ -5080,7 +4205,7 @@
               <a:t>Enterprise</a:t>
             </a:r>
             <a:r>
-              <a:rPr lang="en-US" sz="1200" b="1" dirty="0">
+              <a:rPr lang="es-ES" sz="1200" b="1" dirty="0">
                 <a:solidFill>
                   <a:schemeClr val="bg1"/>
                 </a:solidFill>
@@ -5089,7 +4214,7 @@
               <a:t> </a:t>
             </a:r>
             <a:r>
-              <a:rPr lang="en-US" sz="1200" dirty="0">
+              <a:rPr lang="es-ES" sz="1200" dirty="0">
                 <a:solidFill>
                   <a:schemeClr val="bg1"/>
                 </a:solidFill>
@@ -5098,26 +4223,90 @@
               <a:t>| Elite</a:t>
             </a:r>
             <a:br>
-              <a:rPr lang="en-US" sz="900" dirty="0">
+              <a:rPr lang="es-ES" sz="900" dirty="0">
                 <a:latin typeface="Adobe Clean Light" panose="020B0303020404020204" pitchFamily="34" charset="0"/>
               </a:rPr>
             </a:br>
             <a:r>
-              <a:rPr lang="en-US" sz="900" dirty="0">
+              <a:rPr lang="es-ES" sz="900" dirty="0">
                 <a:solidFill>
                   <a:schemeClr val="bg1"/>
                 </a:solidFill>
                 <a:latin typeface="Adobe Clean SemiLight"/>
               </a:rPr>
-              <a:t>ENTERPRISE support includes access to personalized learning paths and monitored community forums via the Adobe Experience League. You can also take advantage of our detailed and in-depth technical product documentation and current release notes. ENTERPRISE customers will also be provided with a Named Support Engineer who acts as your designated technical contact in the Adobe Support Team. With deep experience in your designated Experience Cloud solution, your support team will work in partnership with you and your technical teams to ensure timely resolution of all support requests. Your support team can also help coordinate and arrange delivery of the additional ENTERPRISE benefits ensuring minimal disruption to your business at the most critical time. </a:t>
-            </a:r>
-            <a:endParaRPr lang="en-US" sz="900" dirty="0">
-              <a:solidFill>
-                <a:schemeClr val="bg1"/>
-              </a:solidFill>
-              <a:latin typeface="Adobe Clean SemiLight"/>
-              <a:cs typeface="AdobeClean-Light"/>
-            </a:endParaRPr>
+              <a:t>El soporte ENTERPRISE incluye acceso a rutas de aprendizaje personalizadas y foros de la comunidad monitorizados a través de Adobe </a:t>
+            </a:r>
+            <a:r>
+              <a:rPr lang="es-ES" sz="900" dirty="0" err="1">
+                <a:solidFill>
+                  <a:schemeClr val="bg1"/>
+                </a:solidFill>
+                <a:latin typeface="Adobe Clean SemiLight"/>
+              </a:rPr>
+              <a:t>Experience</a:t>
+            </a:r>
+            <a:r>
+              <a:rPr lang="es-ES" sz="900" dirty="0">
+                <a:solidFill>
+                  <a:schemeClr val="bg1"/>
+                </a:solidFill>
+                <a:latin typeface="Adobe Clean SemiLight"/>
+              </a:rPr>
+              <a:t> League. También puede disfrutar de documentación técnica completa y detallada sobre productos </a:t>
+            </a:r>
+            <a:br>
+              <a:rPr lang="es-ES" sz="900" dirty="0">
+                <a:solidFill>
+                  <a:schemeClr val="bg1"/>
+                </a:solidFill>
+                <a:latin typeface="Adobe Clean SemiLight"/>
+              </a:rPr>
+            </a:br>
+            <a:r>
+              <a:rPr lang="es-ES" sz="900" dirty="0">
+                <a:solidFill>
+                  <a:schemeClr val="bg1"/>
+                </a:solidFill>
+                <a:latin typeface="Adobe Clean SemiLight"/>
+              </a:rPr>
+              <a:t>y notas de la versión actual. Los clientes del paquete ENTERPRISE también contarán con un ingeniero de asistencia técnica especializado que será su punto de contacto técnico personal dentro del equipo de Soporte de Adobe. Gracias a su amplia experiencia en sus soluciones de </a:t>
+            </a:r>
+            <a:r>
+              <a:rPr lang="es-ES" sz="900" dirty="0" err="1">
+                <a:solidFill>
+                  <a:schemeClr val="bg1"/>
+                </a:solidFill>
+                <a:latin typeface="Adobe Clean SemiLight"/>
+              </a:rPr>
+              <a:t>Experience</a:t>
+            </a:r>
+            <a:r>
+              <a:rPr lang="es-ES" sz="900" dirty="0">
+                <a:solidFill>
+                  <a:schemeClr val="bg1"/>
+                </a:solidFill>
+                <a:latin typeface="Adobe Clean SemiLight"/>
+              </a:rPr>
+              <a:t> Cloud, el equipo de Soporte colaborará con usted y sus equipos técnicos para resolver a tiempo todas las solicitudes de asistencia. Su equipo de Soporte también puede ayudar a </a:t>
+            </a:r>
+            <a:r>
+              <a:rPr lang="es-ES" sz="900" dirty="0" err="1">
+                <a:solidFill>
+                  <a:schemeClr val="bg1"/>
+                </a:solidFill>
+                <a:latin typeface="Adobe Clean SemiLight"/>
+              </a:rPr>
+              <a:t>coordenar</a:t>
+            </a:r>
+            <a:r>
+              <a:rPr lang="es-ES" sz="900" dirty="0">
+                <a:solidFill>
+                  <a:schemeClr val="bg1"/>
+                </a:solidFill>
+                <a:latin typeface="Adobe Clean SemiLight"/>
+              </a:rPr>
+              <a:t> y ofrecer las ventajas adicionales del paquete ENTERPRISE sin afectar a su negocio en los momentos más importantes. </a:t>
+            </a:r>
           </a:p>
         </p:txBody>
       </p:sp>
@@ -5143,7 +4332,7 @@
         </p:nvGraphicFramePr>
         <p:xfrm>
           <a:off x="125148" y="2159576"/>
-          <a:ext cx="7498851" cy="4675190"/>
+          <a:ext cx="7498851" cy="4843512"/>
         </p:xfrm>
         <a:graphic>
           <a:graphicData uri="http://schemas.openxmlformats.org/drawingml/2006/table">
@@ -5225,19 +4414,15 @@
                         <a:defRPr/>
                       </a:pPr>
                       <a:r>
-                        <a:rPr lang="en-US" sz="900" spc="0" dirty="0">
+                        <a:rPr lang="es-ES" sz="900">
                           <a:solidFill>
                             <a:srgbClr val="404040"/>
                           </a:solidFill>
                           <a:latin typeface="Adobe Clean"/>
                           <a:cs typeface="Adobe Clean"/>
                         </a:rPr>
-                        <a:t>Standard Support</a:t>
+                        <a:t>Soporte Standard</a:t>
                       </a:r>
-                      <a:endParaRPr lang="en-US" sz="900" spc="0" dirty="0">
-                        <a:latin typeface="Adobe Clean"/>
-                        <a:cs typeface="Adobe Clean"/>
-                      </a:endParaRPr>
                     </a:p>
                   </a:txBody>
                   <a:tcPr marL="0" marR="0" marT="7620" marB="0" anchor="ctr">
@@ -5278,29 +4463,15 @@
                         </a:spcBef>
                       </a:pPr>
                       <a:r>
-                        <a:rPr lang="en-US" sz="900" spc="0" dirty="0">
+                        <a:rPr lang="es-ES" sz="900">
                           <a:solidFill>
                             <a:srgbClr val="FFFFFF"/>
                           </a:solidFill>
                           <a:latin typeface="Adobe Clean"/>
                           <a:cs typeface="Adobe Clean"/>
                         </a:rPr>
-                        <a:t>Enterprise </a:t>
+                        <a:t>Soporte Enterprise</a:t>
                       </a:r>
-                      <a:r>
-                        <a:rPr sz="900" spc="0" dirty="0">
-                          <a:solidFill>
-                            <a:srgbClr val="FFFFFF"/>
-                          </a:solidFill>
-                          <a:latin typeface="Adobe Clean"/>
-                          <a:cs typeface="Adobe Clean"/>
-                        </a:rPr>
-                        <a:t>Support</a:t>
-                      </a:r>
-                      <a:endParaRPr sz="900" spc="0" dirty="0">
-                        <a:latin typeface="Adobe Clean"/>
-                        <a:cs typeface="Adobe Clean"/>
-                      </a:endParaRPr>
                     </a:p>
                   </a:txBody>
                   <a:tcPr marL="0" marR="0" marT="7620" marB="0" anchor="ctr">
@@ -5368,7 +4539,7 @@
                     <a:bodyPr/>
                     <a:lstStyle/>
                     <a:p>
-                      <a:pPr marL="0" marR="0" lvl="0" indent="0" algn="ctr" defTabSz="914400" eaLnBrk="1" fontAlgn="auto" latinLnBrk="0" hangingPunct="1">
+                      <a:pPr marL="0" marR="0" lvl="0" indent="0" algn="l" defTabSz="914400" rtl="0" eaLnBrk="1" fontAlgn="auto" latinLnBrk="0" hangingPunct="1">
                         <a:lnSpc>
                           <a:spcPct val="100000"/>
                         </a:lnSpc>
@@ -5449,13 +4620,13 @@
                         <a:defRPr/>
                       </a:pPr>
                       <a:r>
-                        <a:rPr lang="en-US" sz="800" i="1" dirty="0">
+                        <a:rPr lang="es-ES" sz="800" i="1">
                           <a:solidFill>
                             <a:schemeClr val="bg1"/>
                           </a:solidFill>
                           <a:latin typeface="Adobe Clean Light"/>
                         </a:rPr>
-                        <a:t>Paid Support ($)</a:t>
+                        <a:t>Soporte de pago ($)</a:t>
                       </a:r>
                     </a:p>
                   </a:txBody>
@@ -5519,22 +4690,15 @@
                         </a:spcBef>
                       </a:pPr>
                       <a:r>
-                        <a:rPr lang="en-US" sz="1000" b="1" i="0" spc="0" dirty="0">
+                        <a:rPr lang="es-ES" sz="1000" b="1" i="0">
                           <a:solidFill>
                             <a:schemeClr val="bg1"/>
                           </a:solidFill>
                           <a:latin typeface="Adobe Clean"/>
                           <a:cs typeface="AdobeClean-Light"/>
                         </a:rPr>
-                        <a:t>Assigned Experts</a:t>
+                        <a:t>Expertos asignados</a:t>
                       </a:r>
-                      <a:endParaRPr sz="1000" b="1" i="0" spc="0" dirty="0">
-                        <a:solidFill>
-                          <a:schemeClr val="bg1"/>
-                        </a:solidFill>
-                        <a:latin typeface="Adobe Clean"/>
-                        <a:cs typeface="AdobeClean-Light"/>
-                      </a:endParaRPr>
                     </a:p>
                   </a:txBody>
                   <a:tcPr marL="0" marR="0" marT="58419" marB="0" anchor="ctr">
@@ -5581,19 +4745,15 @@
                         </a:spcBef>
                       </a:pPr>
                       <a:r>
-                        <a:rPr sz="900" spc="0" dirty="0">
+                        <a:rPr lang="es-ES" sz="900">
                           <a:solidFill>
                             <a:srgbClr val="020302"/>
                           </a:solidFill>
                           <a:latin typeface="AdobeClean-Light"/>
                           <a:cs typeface="AdobeClean-Light"/>
                         </a:rPr>
-                        <a:t>Account Support Lead</a:t>
+                        <a:t>Responsable de la asistencia técnica de la cuenta</a:t>
                       </a:r>
-                      <a:endParaRPr sz="900" spc="0" dirty="0">
-                        <a:latin typeface="AdobeClean-Light"/>
-                        <a:cs typeface="AdobeClean-Light"/>
-                      </a:endParaRPr>
                     </a:p>
                   </a:txBody>
                   <a:tcPr marL="0" marR="0" marT="58419" marB="0">
@@ -5628,7 +4788,7 @@
                     <a:bodyPr/>
                     <a:lstStyle/>
                     <a:p>
-                      <a:pPr algn="ctr">
+                      <a:pPr algn="l" rtl="0">
                         <a:lnSpc>
                           <a:spcPct val="100000"/>
                         </a:lnSpc>
@@ -5669,7 +4829,7 @@
                     <a:bodyPr/>
                     <a:lstStyle/>
                     <a:p>
-                      <a:pPr algn="ctr">
+                      <a:pPr algn="l" rtl="0">
                         <a:lnSpc>
                           <a:spcPct val="100000"/>
                         </a:lnSpc>
@@ -5712,7 +4872,7 @@
                     <a:bodyPr/>
                     <a:lstStyle/>
                     <a:p>
-                      <a:pPr marL="50800">
+                      <a:pPr marL="50800" algn="l" rtl="0">
                         <a:lnSpc>
                           <a:spcPct val="100000"/>
                         </a:lnSpc>
@@ -5758,19 +4918,15 @@
                         </a:spcBef>
                       </a:pPr>
                       <a:r>
-                        <a:rPr sz="900" spc="0" dirty="0">
+                        <a:rPr lang="es-ES" sz="900" dirty="0">
                           <a:solidFill>
                             <a:srgbClr val="020302"/>
                           </a:solidFill>
                           <a:latin typeface="AdobeClean-Light"/>
                           <a:cs typeface="AdobeClean-Light"/>
                         </a:rPr>
-                        <a:t>Named Support Engineer</a:t>
+                        <a:t>Ingeniero de asistencia técnica especializado</a:t>
                       </a:r>
-                      <a:endParaRPr sz="900" spc="0" dirty="0">
-                        <a:latin typeface="AdobeClean-Light"/>
-                        <a:cs typeface="AdobeClean-Light"/>
-                      </a:endParaRPr>
                     </a:p>
                   </a:txBody>
                   <a:tcPr marL="0" marR="0" marT="58419" marB="0">
@@ -5793,7 +4949,7 @@
                     <a:bodyPr/>
                     <a:lstStyle/>
                     <a:p>
-                      <a:pPr algn="ctr">
+                      <a:pPr algn="l" rtl="0">
                         <a:lnSpc>
                           <a:spcPct val="100000"/>
                         </a:lnSpc>
@@ -5840,7 +4996,7 @@
                         <a:defRPr/>
                       </a:pPr>
                       <a:r>
-                        <a:rPr lang="en-US" sz="900" dirty="0">
+                        <a:rPr lang="es-ES" sz="900">
                           <a:solidFill>
                             <a:srgbClr val="020302"/>
                           </a:solidFill>
@@ -5849,10 +5005,6 @@
                         </a:rPr>
                         <a:t></a:t>
                       </a:r>
-                      <a:endParaRPr lang="en-US" sz="900" dirty="0">
-                        <a:latin typeface="Wingdings"/>
-                        <a:cs typeface="Wingdings"/>
-                      </a:endParaRPr>
                     </a:p>
                   </a:txBody>
                   <a:tcPr marL="0" marR="0" marT="0" marB="0" anchor="ctr">
@@ -5875,7 +5027,7 @@
                     <a:bodyPr/>
                     <a:lstStyle/>
                     <a:p>
-                      <a:pPr marL="50800">
+                      <a:pPr marL="50800" algn="l" rtl="0">
                         <a:lnSpc>
                           <a:spcPct val="100000"/>
                         </a:lnSpc>
@@ -5933,19 +5085,15 @@
                         </a:spcBef>
                       </a:pPr>
                       <a:r>
-                        <a:rPr sz="900" spc="0" dirty="0">
+                        <a:rPr lang="es-ES" sz="900">
                           <a:solidFill>
                             <a:srgbClr val="020302"/>
                           </a:solidFill>
                           <a:latin typeface="AdobeClean-Light"/>
                           <a:cs typeface="AdobeClean-Light"/>
                         </a:rPr>
-                        <a:t>Technical Account Manager</a:t>
+                        <a:t>Gestor técnico de cuentas</a:t>
                       </a:r>
-                      <a:endParaRPr sz="900" spc="0" dirty="0">
-                        <a:latin typeface="AdobeClean-Light"/>
-                        <a:cs typeface="AdobeClean-Light"/>
-                      </a:endParaRPr>
                     </a:p>
                   </a:txBody>
                   <a:tcPr marL="0" marR="0" marT="63500" marB="0">
@@ -5974,7 +5122,7 @@
                     <a:bodyPr/>
                     <a:lstStyle/>
                     <a:p>
-                      <a:pPr algn="ctr">
+                      <a:pPr algn="l" rtl="0">
                         <a:lnSpc>
                           <a:spcPct val="100000"/>
                         </a:lnSpc>
@@ -6012,7 +5160,7 @@
                     <a:bodyPr/>
                     <a:lstStyle/>
                     <a:p>
-                      <a:pPr algn="ctr">
+                      <a:pPr algn="l" rtl="0">
                         <a:lnSpc>
                           <a:spcPct val="100000"/>
                         </a:lnSpc>
@@ -6063,22 +5211,15 @@
                         </a:spcBef>
                       </a:pPr>
                       <a:r>
-                        <a:rPr lang="en-US" sz="1000" b="1" i="0" spc="0" dirty="0">
+                        <a:rPr lang="es-ES" sz="1000" b="1" i="0">
                           <a:solidFill>
                             <a:schemeClr val="bg1"/>
                           </a:solidFill>
                           <a:latin typeface="Adobe Clean"/>
                           <a:cs typeface="AdobeClean-Light"/>
                         </a:rPr>
-                        <a:t>Support Services</a:t>
+                        <a:t>Servicios de soporte</a:t>
                       </a:r>
-                      <a:endParaRPr sz="1000" b="1" i="0" spc="0" dirty="0">
-                        <a:solidFill>
-                          <a:schemeClr val="bg1"/>
-                        </a:solidFill>
-                        <a:latin typeface="Adobe Clean"/>
-                        <a:cs typeface="AdobeClean-Light"/>
-                      </a:endParaRPr>
                     </a:p>
                   </a:txBody>
                   <a:tcPr marL="0" marR="0" marT="57150" marB="0" anchor="ctr">
@@ -6134,29 +5275,15 @@
                         </a:spcBef>
                       </a:pPr>
                       <a:r>
-                        <a:rPr lang="en-US" sz="900" spc="0" dirty="0">
+                        <a:rPr lang="es-ES" sz="900">
                           <a:solidFill>
                             <a:srgbClr val="020302"/>
                           </a:solidFill>
                           <a:latin typeface="AdobeClean-Light"/>
                           <a:cs typeface="AdobeClean-Light"/>
                         </a:rPr>
-                        <a:t>Online</a:t>
+                        <a:t>Soporte Online</a:t>
                       </a:r>
-                      <a:r>
-                        <a:rPr sz="900" spc="0" dirty="0">
-                          <a:solidFill>
-                            <a:srgbClr val="020302"/>
-                          </a:solidFill>
-                          <a:latin typeface="AdobeClean-Light"/>
-                          <a:cs typeface="AdobeClean-Light"/>
-                        </a:rPr>
-                        <a:t> Support</a:t>
-                      </a:r>
-                      <a:endParaRPr sz="900" spc="0" dirty="0">
-                        <a:latin typeface="AdobeClean-Light"/>
-                        <a:cs typeface="AdobeClean-Light"/>
-                      </a:endParaRPr>
                     </a:p>
                   </a:txBody>
                   <a:tcPr marL="0" marR="0" marT="57150" marB="0">
@@ -6194,39 +5321,15 @@
                         </a:spcBef>
                       </a:pPr>
                       <a:r>
-                        <a:rPr sz="900" spc="-25" dirty="0">
+                        <a:rPr lang="es-ES" sz="900">
                           <a:solidFill>
                             <a:srgbClr val="020302"/>
                           </a:solidFill>
                           <a:latin typeface="AdobeClean-Light"/>
                           <a:cs typeface="AdobeClean-Light"/>
                         </a:rPr>
-                        <a:t>Business</a:t>
+                        <a:t>Horario de trabajo</a:t>
                       </a:r>
-                      <a:r>
-                        <a:rPr sz="900" spc="-15" dirty="0">
-                          <a:solidFill>
-                            <a:srgbClr val="020302"/>
-                          </a:solidFill>
-                          <a:latin typeface="AdobeClean-Light"/>
-                          <a:cs typeface="AdobeClean-Light"/>
-                        </a:rPr>
-                        <a:t> </a:t>
-                      </a:r>
-                      <a:r>
-                        <a:rPr sz="900" spc="-30" dirty="0">
-                          <a:solidFill>
-                            <a:srgbClr val="020302"/>
-                          </a:solidFill>
-                          <a:latin typeface="AdobeClean-Light"/>
-                          <a:cs typeface="AdobeClean-Light"/>
-                        </a:rPr>
-                        <a:t>hours</a:t>
-                      </a:r>
-                      <a:endParaRPr sz="900" dirty="0">
-                        <a:latin typeface="AdobeClean-Light"/>
-                        <a:cs typeface="AdobeClean-Light"/>
-                      </a:endParaRPr>
                     </a:p>
                   </a:txBody>
                   <a:tcPr marL="0" marR="0" marT="67945" marB="0">
@@ -6265,19 +5368,15 @@
                         </a:spcBef>
                       </a:pPr>
                       <a:r>
-                        <a:rPr lang="en-US" sz="900" spc="-25" dirty="0">
+                        <a:rPr lang="es-ES" sz="900">
                           <a:solidFill>
                             <a:srgbClr val="020302"/>
                           </a:solidFill>
                           <a:latin typeface="AdobeClean-Light"/>
                           <a:cs typeface="AdobeClean-Light"/>
                         </a:rPr>
-                        <a:t>24x5</a:t>
+                        <a:t>24 x 5</a:t>
                       </a:r>
-                      <a:endParaRPr sz="900" dirty="0">
-                        <a:latin typeface="AdobeClean-Light"/>
-                        <a:cs typeface="AdobeClean-Light"/>
-                      </a:endParaRPr>
                     </a:p>
                   </a:txBody>
                   <a:tcPr marL="0" marR="0" marT="67945" marB="0">
@@ -6311,7 +5410,7 @@
                     <a:bodyPr/>
                     <a:lstStyle/>
                     <a:p>
-                      <a:pPr marL="50800">
+                      <a:pPr marL="50800" algn="l" rtl="0">
                         <a:lnSpc>
                           <a:spcPct val="100000"/>
                         </a:lnSpc>
@@ -6360,39 +5459,15 @@
                         </a:spcBef>
                       </a:pPr>
                       <a:r>
-                        <a:rPr sz="900" spc="0" dirty="0">
+                        <a:rPr lang="es-ES" sz="900">
                           <a:solidFill>
                             <a:srgbClr val="020302"/>
                           </a:solidFill>
                           <a:latin typeface="AdobeClean-Light"/>
                           <a:cs typeface="AdobeClean-Light"/>
                         </a:rPr>
-                        <a:t>24x7</a:t>
+                        <a:t>Soporte con problemas P1 24 x 7 x 365</a:t>
                       </a:r>
-                      <a:r>
-                        <a:rPr lang="en-US" sz="900" spc="0" dirty="0">
-                          <a:solidFill>
-                            <a:srgbClr val="020302"/>
-                          </a:solidFill>
-                          <a:latin typeface="AdobeClean-Light"/>
-                          <a:cs typeface="AdobeClean-Light"/>
-                        </a:rPr>
-                        <a:t>x365</a:t>
-                      </a:r>
-                      <a:r>
-                        <a:rPr sz="900" spc="0" dirty="0">
-                          <a:solidFill>
-                            <a:srgbClr val="020302"/>
-                          </a:solidFill>
-                          <a:latin typeface="AdobeClean-Light"/>
-                          <a:cs typeface="AdobeClean-Light"/>
-                        </a:rPr>
-                        <a:t> P1 Issue Support</a:t>
-                      </a:r>
-                      <a:endParaRPr sz="900" spc="0" dirty="0">
-                        <a:latin typeface="AdobeClean-Light"/>
-                        <a:cs typeface="AdobeClean-Light"/>
-                      </a:endParaRPr>
                     </a:p>
                   </a:txBody>
                   <a:tcPr marL="0" marR="0" marT="57785" marB="0">
@@ -6424,7 +5499,7 @@
                         </a:spcBef>
                       </a:pPr>
                       <a:r>
-                        <a:rPr sz="900" dirty="0">
+                        <a:rPr lang="es-ES" sz="900">
                           <a:solidFill>
                             <a:srgbClr val="020302"/>
                           </a:solidFill>
@@ -6433,10 +5508,6 @@
                         </a:rPr>
                         <a:t></a:t>
                       </a:r>
-                      <a:endParaRPr sz="900" dirty="0">
-                        <a:latin typeface="Wingdings"/>
-                        <a:cs typeface="Wingdings"/>
-                      </a:endParaRPr>
                     </a:p>
                   </a:txBody>
                   <a:tcPr marL="0" marR="0" marT="58419" marB="0">
@@ -6466,7 +5537,7 @@
                         </a:spcBef>
                       </a:pPr>
                       <a:r>
-                        <a:rPr sz="900" dirty="0">
+                        <a:rPr lang="es-ES" sz="900">
                           <a:solidFill>
                             <a:srgbClr val="020302"/>
                           </a:solidFill>
@@ -6475,10 +5546,6 @@
                         </a:rPr>
                         <a:t></a:t>
                       </a:r>
-                      <a:endParaRPr sz="900" dirty="0">
-                        <a:latin typeface="Wingdings"/>
-                        <a:cs typeface="Wingdings"/>
-                      </a:endParaRPr>
                     </a:p>
                   </a:txBody>
                   <a:tcPr marL="0" marR="0" marT="58419" marB="0">
@@ -6501,7 +5568,7 @@
                     <a:bodyPr/>
                     <a:lstStyle/>
                     <a:p>
-                      <a:pPr marL="50800">
+                      <a:pPr marL="50800" algn="l" rtl="0">
                         <a:lnSpc>
                           <a:spcPct val="100000"/>
                         </a:lnSpc>
@@ -6559,19 +5626,15 @@
                         </a:spcBef>
                       </a:pPr>
                       <a:r>
-                        <a:rPr lang="en-US" sz="900" spc="0" dirty="0">
+                        <a:rPr lang="es-ES" sz="900" dirty="0">
                           <a:solidFill>
                             <a:srgbClr val="020302"/>
                           </a:solidFill>
                           <a:latin typeface="AdobeClean-Light"/>
                           <a:cs typeface="AdobeClean-Light"/>
                         </a:rPr>
-                        <a:t>Named Support Contacts (per product)</a:t>
+                        <a:t>Contactos de soporte particulares (por producto)</a:t>
                       </a:r>
-                      <a:endParaRPr sz="900" spc="0" dirty="0">
-                        <a:latin typeface="AdobeClean-Light"/>
-                        <a:cs typeface="AdobeClean-Light"/>
-                      </a:endParaRPr>
                     </a:p>
                   </a:txBody>
                   <a:tcPr marL="0" marR="0" marT="57785" marB="0">
@@ -6609,7 +5672,7 @@
                         </a:spcBef>
                       </a:pPr>
                       <a:r>
-                        <a:rPr sz="900" dirty="0">
+                        <a:rPr lang="es-ES" sz="900">
                           <a:solidFill>
                             <a:srgbClr val="020302"/>
                           </a:solidFill>
@@ -6618,10 +5681,6 @@
                         </a:rPr>
                         <a:t>4</a:t>
                       </a:r>
-                      <a:endParaRPr sz="900" dirty="0">
-                        <a:latin typeface="AdobeClean-Light"/>
-                        <a:cs typeface="AdobeClean-Light"/>
-                      </a:endParaRPr>
                     </a:p>
                   </a:txBody>
                   <a:tcPr marL="0" marR="0" marT="57785" marB="0">
@@ -6651,7 +5710,7 @@
                         </a:spcBef>
                       </a:pPr>
                       <a:r>
-                        <a:rPr lang="en-US" sz="900" dirty="0">
+                        <a:rPr lang="es-ES" sz="900">
                           <a:solidFill>
                             <a:srgbClr val="020302"/>
                           </a:solidFill>
@@ -6660,10 +5719,6 @@
                         </a:rPr>
                         <a:t>10</a:t>
                       </a:r>
-                      <a:endParaRPr sz="900" dirty="0">
-                        <a:latin typeface="AdobeClean-Light"/>
-                        <a:cs typeface="AdobeClean-Light"/>
-                      </a:endParaRPr>
                     </a:p>
                   </a:txBody>
                   <a:tcPr marL="0" marR="0" marT="57785" marB="0">
@@ -6686,7 +5741,7 @@
                     <a:bodyPr/>
                     <a:lstStyle/>
                     <a:p>
-                      <a:pPr marL="50800">
+                      <a:pPr marL="50800" algn="l" rtl="0">
                         <a:lnSpc>
                           <a:spcPct val="100000"/>
                         </a:lnSpc>
@@ -6735,19 +5790,15 @@
                         </a:spcBef>
                       </a:pPr>
                       <a:r>
-                        <a:rPr lang="en-US" sz="900" spc="0" dirty="0">
+                        <a:rPr lang="es-ES" sz="900">
                           <a:solidFill>
                             <a:srgbClr val="020302"/>
                           </a:solidFill>
                           <a:latin typeface="AdobeClean-Light"/>
                           <a:cs typeface="AdobeClean-Light"/>
                         </a:rPr>
-                        <a:t>Live Telephone Support</a:t>
+                        <a:t>Asistencia telefónica en directo</a:t>
                       </a:r>
-                      <a:endParaRPr sz="900" spc="0" dirty="0">
-                        <a:latin typeface="AdobeClean-Light"/>
-                        <a:cs typeface="AdobeClean-Light"/>
-                      </a:endParaRPr>
                     </a:p>
                   </a:txBody>
                   <a:tcPr marL="0" marR="0" marT="57785" marB="0">
@@ -6770,7 +5821,7 @@
                     <a:bodyPr/>
                     <a:lstStyle/>
                     <a:p>
-                      <a:pPr algn="ctr">
+                      <a:pPr algn="l" rtl="0">
                         <a:lnSpc>
                           <a:spcPct val="100000"/>
                         </a:lnSpc>
@@ -6811,7 +5862,7 @@
                         </a:spcBef>
                       </a:pPr>
                       <a:r>
-                        <a:rPr sz="900" dirty="0">
+                        <a:rPr lang="es-ES" sz="900">
                           <a:solidFill>
                             <a:srgbClr val="020302"/>
                           </a:solidFill>
@@ -6820,10 +5871,6 @@
                         </a:rPr>
                         <a:t></a:t>
                       </a:r>
-                      <a:endParaRPr sz="900" dirty="0">
-                        <a:latin typeface="Wingdings"/>
-                        <a:cs typeface="Wingdings"/>
-                      </a:endParaRPr>
                     </a:p>
                   </a:txBody>
                   <a:tcPr marL="0" marR="0" marT="59054" marB="0">
@@ -6846,7 +5893,7 @@
                     <a:bodyPr/>
                     <a:lstStyle/>
                     <a:p>
-                      <a:pPr marL="50800">
+                      <a:pPr marL="50800" algn="l" rtl="0">
                         <a:lnSpc>
                           <a:spcPct val="100000"/>
                         </a:lnSpc>
@@ -6895,19 +5942,15 @@
                         </a:spcBef>
                       </a:pPr>
                       <a:r>
-                        <a:rPr sz="900" spc="0" dirty="0">
+                        <a:rPr lang="es-ES" sz="900">
                           <a:solidFill>
                             <a:srgbClr val="020302"/>
                           </a:solidFill>
                           <a:latin typeface="AdobeClean-Light"/>
                           <a:cs typeface="AdobeClean-Light"/>
                         </a:rPr>
-                        <a:t>Escalation Management</a:t>
+                        <a:t>Administración de la escalabilidad</a:t>
                       </a:r>
-                      <a:endParaRPr sz="900" spc="0" dirty="0">
-                        <a:latin typeface="AdobeClean-Light"/>
-                        <a:cs typeface="AdobeClean-Light"/>
-                      </a:endParaRPr>
                     </a:p>
                   </a:txBody>
                   <a:tcPr marL="0" marR="0" marT="58419" marB="0">
@@ -6930,7 +5973,7 @@
                     <a:bodyPr/>
                     <a:lstStyle/>
                     <a:p>
-                      <a:pPr algn="ctr">
+                      <a:pPr algn="l" rtl="0">
                         <a:lnSpc>
                           <a:spcPct val="100000"/>
                         </a:lnSpc>
@@ -6971,7 +6014,7 @@
                         </a:spcBef>
                       </a:pPr>
                       <a:r>
-                        <a:rPr sz="900" dirty="0">
+                        <a:rPr lang="es-ES" sz="900">
                           <a:solidFill>
                             <a:srgbClr val="020302"/>
                           </a:solidFill>
@@ -6980,10 +6023,6 @@
                         </a:rPr>
                         <a:t></a:t>
                       </a:r>
-                      <a:endParaRPr sz="900" dirty="0">
-                        <a:latin typeface="Wingdings"/>
-                        <a:cs typeface="Wingdings"/>
-                      </a:endParaRPr>
                     </a:p>
                   </a:txBody>
                   <a:tcPr marL="0" marR="0" marT="59690" marB="0">
@@ -7006,7 +6045,7 @@
                     <a:bodyPr/>
                     <a:lstStyle/>
                     <a:p>
-                      <a:pPr marL="50800">
+                      <a:pPr marL="50800" algn="l" rtl="0">
                         <a:lnSpc>
                           <a:spcPct val="100000"/>
                         </a:lnSpc>
@@ -7055,29 +6094,15 @@
                         </a:spcBef>
                       </a:pPr>
                       <a:r>
-                        <a:rPr sz="900" spc="0" dirty="0">
+                        <a:rPr lang="es-ES" sz="900">
                           <a:solidFill>
                             <a:srgbClr val="020302"/>
                           </a:solidFill>
                           <a:latin typeface="AdobeClean-Light"/>
                           <a:cs typeface="AdobeClean-Light"/>
                         </a:rPr>
-                        <a:t>Service Reviews </a:t>
+                        <a:t>Revisiones de servicio al año</a:t>
                       </a:r>
-                      <a:r>
-                        <a:rPr lang="en-US" sz="900" spc="0" dirty="0">
-                          <a:solidFill>
-                            <a:srgbClr val="020302"/>
-                          </a:solidFill>
-                          <a:latin typeface="AdobeClean-Light"/>
-                          <a:cs typeface="AdobeClean-Light"/>
-                        </a:rPr>
-                        <a:t>per Year</a:t>
-                      </a:r>
-                      <a:endParaRPr sz="900" spc="0" dirty="0">
-                        <a:latin typeface="AdobeClean-Light"/>
-                        <a:cs typeface="AdobeClean-Light"/>
-                      </a:endParaRPr>
                     </a:p>
                   </a:txBody>
                   <a:tcPr marL="0" marR="0" marT="57150" marB="0">
@@ -7100,7 +6125,7 @@
                     <a:bodyPr/>
                     <a:lstStyle/>
                     <a:p>
-                      <a:pPr>
+                      <a:pPr algn="l" rtl="0">
                         <a:lnSpc>
                           <a:spcPct val="100000"/>
                         </a:lnSpc>
@@ -7135,16 +6160,12 @@
                         </a:lnSpc>
                       </a:pPr>
                       <a:r>
-                        <a:rPr lang="en-US" sz="900" dirty="0">
+                        <a:rPr lang="es-ES" sz="900">
                           <a:latin typeface="Times New Roman"/>
                           <a:cs typeface="Times New Roman"/>
                         </a:rPr>
                         <a:t>2</a:t>
                       </a:r>
-                      <a:endParaRPr sz="900" dirty="0">
-                        <a:latin typeface="Times New Roman"/>
-                        <a:cs typeface="Times New Roman"/>
-                      </a:endParaRPr>
                     </a:p>
                   </a:txBody>
                   <a:tcPr marL="0" marR="0" marT="0" marB="0">
@@ -7186,16 +6207,12 @@
                         </a:spcBef>
                       </a:pPr>
                       <a:r>
-                        <a:rPr lang="en-US" sz="900" spc="0" dirty="0">
+                        <a:rPr lang="es-ES" sz="900">
                           <a:latin typeface="AdobeClean-Light"/>
                           <a:cs typeface="AdobeClean-Light"/>
                         </a:rPr>
-                        <a:t>Expert Sessions per Year</a:t>
+                        <a:t>Sesiones con expertos al año</a:t>
                       </a:r>
-                      <a:endParaRPr sz="900" spc="0" dirty="0">
-                        <a:latin typeface="AdobeClean-Light"/>
-                        <a:cs typeface="AdobeClean-Light"/>
-                      </a:endParaRPr>
                     </a:p>
                   </a:txBody>
                   <a:tcPr marL="0" marR="0" marT="57150" marB="0">
@@ -7224,7 +6241,7 @@
                     <a:bodyPr/>
                     <a:lstStyle/>
                     <a:p>
-                      <a:pPr>
+                      <a:pPr algn="l" rtl="0">
                         <a:lnSpc>
                           <a:spcPct val="100000"/>
                         </a:lnSpc>
@@ -7259,16 +6276,12 @@
                         </a:lnSpc>
                       </a:pPr>
                       <a:r>
-                        <a:rPr lang="en-US" sz="900" dirty="0">
+                        <a:rPr lang="es-ES" sz="900">
                           <a:latin typeface="Times New Roman"/>
                           <a:cs typeface="Times New Roman"/>
                         </a:rPr>
                         <a:t>2</a:t>
                       </a:r>
-                      <a:endParaRPr sz="900" dirty="0">
-                        <a:latin typeface="Times New Roman"/>
-                        <a:cs typeface="Times New Roman"/>
-                      </a:endParaRPr>
                     </a:p>
                   </a:txBody>
                   <a:tcPr marL="0" marR="0" marT="0" marB="0">
@@ -7310,16 +6323,12 @@
                         </a:spcBef>
                       </a:pPr>
                       <a:r>
-                        <a:rPr lang="en-US" sz="900" spc="0" dirty="0">
+                        <a:rPr lang="es-ES" sz="900">
                           <a:latin typeface="AdobeClean-Light"/>
                           <a:cs typeface="AdobeClean-Light"/>
                         </a:rPr>
-                        <a:t>Case Reviews</a:t>
+                        <a:t>Reseñas de casos</a:t>
                       </a:r>
-                      <a:endParaRPr sz="900" spc="0" dirty="0">
-                        <a:latin typeface="AdobeClean-Light"/>
-                        <a:cs typeface="AdobeClean-Light"/>
-                      </a:endParaRPr>
                     </a:p>
                   </a:txBody>
                   <a:tcPr marL="0" marR="0" marT="57150" marB="0">
@@ -7348,7 +6357,7 @@
                     <a:bodyPr/>
                     <a:lstStyle/>
                     <a:p>
-                      <a:pPr>
+                      <a:pPr algn="l" rtl="0">
                         <a:lnSpc>
                           <a:spcPct val="100000"/>
                         </a:lnSpc>
@@ -7395,7 +6404,7 @@
                         <a:defRPr/>
                       </a:pPr>
                       <a:r>
-                        <a:rPr lang="en-US" sz="900" dirty="0">
+                        <a:rPr lang="es-ES" sz="900">
                           <a:solidFill>
                             <a:srgbClr val="020302"/>
                           </a:solidFill>
@@ -7404,10 +6413,6 @@
                         </a:rPr>
                         <a:t></a:t>
                       </a:r>
-                      <a:endParaRPr lang="en-US" sz="900" dirty="0">
-                        <a:latin typeface="Wingdings"/>
-                        <a:cs typeface="Wingdings"/>
-                      </a:endParaRPr>
                     </a:p>
                   </a:txBody>
                   <a:tcPr marL="0" marR="0" marT="0" marB="0">
@@ -7430,7 +6435,7 @@
                     <a:bodyPr/>
                     <a:lstStyle/>
                     <a:p>
-                      <a:pPr marL="48895">
+                      <a:pPr marL="48895" algn="l" rtl="0">
                         <a:lnSpc>
                           <a:spcPct val="100000"/>
                         </a:lnSpc>
@@ -7488,29 +6493,15 @@
                         </a:spcBef>
                       </a:pPr>
                       <a:r>
-                        <a:rPr sz="900" spc="0" dirty="0">
+                        <a:rPr lang="es-ES" sz="900">
                           <a:solidFill>
                             <a:srgbClr val="020302"/>
                           </a:solidFill>
                           <a:latin typeface="AdobeClean-Light"/>
                           <a:cs typeface="AdobeClean-Light"/>
                         </a:rPr>
-                        <a:t>Event </a:t>
+                        <a:t>Gestión de eventos</a:t>
                       </a:r>
-                      <a:r>
-                        <a:rPr lang="en-US" sz="900" spc="0" dirty="0">
-                          <a:solidFill>
-                            <a:srgbClr val="020302"/>
-                          </a:solidFill>
-                          <a:latin typeface="AdobeClean-Light"/>
-                          <a:cs typeface="AdobeClean-Light"/>
-                        </a:rPr>
-                        <a:t>Management</a:t>
-                      </a:r>
-                      <a:endParaRPr sz="900" spc="0" dirty="0">
-                        <a:latin typeface="AdobeClean-Light"/>
-                        <a:cs typeface="AdobeClean-Light"/>
-                      </a:endParaRPr>
                     </a:p>
                   </a:txBody>
                   <a:tcPr marL="0" marR="0" marT="58419" marB="0">
@@ -7539,7 +6530,7 @@
                     <a:bodyPr/>
                     <a:lstStyle/>
                     <a:p>
-                      <a:pPr>
+                      <a:pPr algn="l" rtl="0">
                         <a:lnSpc>
                           <a:spcPct val="100000"/>
                         </a:lnSpc>
@@ -7568,7 +6559,7 @@
                     <a:bodyPr/>
                     <a:lstStyle/>
                     <a:p>
-                      <a:pPr>
+                      <a:pPr algn="l" rtl="0">
                         <a:lnSpc>
                           <a:spcPct val="100000"/>
                         </a:lnSpc>
@@ -7599,7 +6590,7 @@
                     <a:bodyPr/>
                     <a:lstStyle/>
                     <a:p>
-                      <a:pPr marL="48895">
+                      <a:pPr marL="48895" algn="l" rtl="0">
                         <a:lnSpc>
                           <a:spcPct val="100000"/>
                         </a:lnSpc>
@@ -7648,39 +6639,15 @@
                         </a:spcBef>
                       </a:pPr>
                       <a:r>
-                        <a:rPr sz="900" spc="0" dirty="0">
+                        <a:rPr lang="es-ES" sz="900" dirty="0">
                           <a:solidFill>
                             <a:srgbClr val="020302"/>
                           </a:solidFill>
                           <a:latin typeface="AdobeClean-Light"/>
                           <a:cs typeface="AdobeClean-Light"/>
                         </a:rPr>
-                        <a:t>Environment</a:t>
+                        <a:t>Revisión, mantenimiento y monitorización del entorno</a:t>
                       </a:r>
-                      <a:r>
-                        <a:rPr lang="en-US" sz="900" spc="0" dirty="0">
-                          <a:solidFill>
-                            <a:srgbClr val="020302"/>
-                          </a:solidFill>
-                          <a:latin typeface="AdobeClean-Light"/>
-                          <a:cs typeface="AdobeClean-Light"/>
-                        </a:rPr>
-                        <a:t> </a:t>
-                      </a:r>
-                      <a:r>
-                        <a:rPr sz="900" spc="0" dirty="0">
-                          <a:solidFill>
-                            <a:srgbClr val="020302"/>
-                          </a:solidFill>
-                          <a:latin typeface="AdobeClean-Light"/>
-                          <a:cs typeface="AdobeClean-Light"/>
-                        </a:rPr>
-                        <a:t>Review, Maintenance &amp; Monitoring</a:t>
-                      </a:r>
-                      <a:endParaRPr sz="900" spc="0" dirty="0">
-                        <a:latin typeface="AdobeClean-Light"/>
-                        <a:cs typeface="AdobeClean-Light"/>
-                      </a:endParaRPr>
                     </a:p>
                   </a:txBody>
                   <a:tcPr marL="0" marR="0" marT="59055" marB="0">
@@ -7703,7 +6670,7 @@
                     <a:bodyPr/>
                     <a:lstStyle/>
                     <a:p>
-                      <a:pPr>
+                      <a:pPr algn="l" rtl="0">
                         <a:lnSpc>
                           <a:spcPct val="100000"/>
                         </a:lnSpc>
@@ -7732,7 +6699,7 @@
                     <a:bodyPr/>
                     <a:lstStyle/>
                     <a:p>
-                      <a:pPr>
+                      <a:pPr algn="l" rtl="0">
                         <a:lnSpc>
                           <a:spcPct val="100000"/>
                         </a:lnSpc>
@@ -7763,7 +6730,7 @@
                     <a:bodyPr/>
                     <a:lstStyle/>
                     <a:p>
-                      <a:pPr marL="49530">
+                      <a:pPr marL="49530" algn="l" rtl="0">
                         <a:lnSpc>
                           <a:spcPct val="100000"/>
                         </a:lnSpc>
@@ -7812,19 +6779,15 @@
                         </a:spcBef>
                       </a:pPr>
                       <a:r>
-                        <a:rPr sz="900" spc="0" dirty="0">
+                        <a:rPr lang="es-ES" sz="900">
                           <a:solidFill>
                             <a:srgbClr val="020302"/>
                           </a:solidFill>
                           <a:latin typeface="AdobeClean-Light"/>
                           <a:cs typeface="AdobeClean-Light"/>
                         </a:rPr>
-                        <a:t>Release, Migration, Upgrade &amp; Product Roadmap Review</a:t>
+                        <a:t>Lanzamiento, migración, actualización y revisión de la hoja de ruta del producto</a:t>
                       </a:r>
-                      <a:endParaRPr sz="900" spc="0" dirty="0">
-                        <a:latin typeface="AdobeClean-Light"/>
-                        <a:cs typeface="AdobeClean-Light"/>
-                      </a:endParaRPr>
                     </a:p>
                   </a:txBody>
                   <a:tcPr marL="0" marR="0" marT="63500" marB="0">
@@ -7847,7 +6810,7 @@
                     <a:bodyPr/>
                     <a:lstStyle/>
                     <a:p>
-                      <a:pPr>
+                      <a:pPr algn="l" rtl="0">
                         <a:lnSpc>
                           <a:spcPct val="100000"/>
                         </a:lnSpc>
@@ -7876,7 +6839,7 @@
                     <a:bodyPr/>
                     <a:lstStyle/>
                     <a:p>
-                      <a:pPr>
+                      <a:pPr algn="l" rtl="0">
                         <a:lnSpc>
                           <a:spcPct val="100000"/>
                         </a:lnSpc>
@@ -7907,7 +6870,7 @@
                     <a:bodyPr/>
                     <a:lstStyle/>
                     <a:p>
-                      <a:pPr marL="49530">
+                      <a:pPr marL="49530" algn="l" rtl="0">
                         <a:lnSpc>
                           <a:spcPct val="100000"/>
                         </a:lnSpc>
@@ -7965,11 +6928,11 @@
                         </a:spcBef>
                       </a:pPr>
                       <a:r>
-                        <a:rPr sz="900" spc="0" dirty="0">
+                        <a:rPr lang="es-ES" sz="900">
                           <a:latin typeface="AdobeClean-Light"/>
                           <a:cs typeface="AdobeClean-Light"/>
                         </a:rPr>
-                        <a:t>Cloud Support Activities – Experience Manager as Cloud</a:t>
+                        <a:t>Actividades de asistencia en la nube: Experience Manager as Cloud</a:t>
                       </a:r>
                     </a:p>
                   </a:txBody>
@@ -7999,7 +6962,7 @@
                     <a:bodyPr/>
                     <a:lstStyle/>
                     <a:p>
-                      <a:pPr>
+                      <a:pPr algn="l" rtl="0">
                         <a:lnSpc>
                           <a:spcPct val="100000"/>
                         </a:lnSpc>
@@ -8055,7 +7018,7 @@
                         <a:defRPr/>
                       </a:pPr>
                       <a:r>
-                        <a:rPr lang="en-US" sz="900" dirty="0">
+                        <a:rPr lang="es-ES" sz="900">
                           <a:solidFill>
                             <a:srgbClr val="020302"/>
                           </a:solidFill>
@@ -8064,13 +7027,9 @@
                         </a:rPr>
                         <a:t></a:t>
                       </a:r>
-                      <a:endParaRPr lang="en-US" sz="900" dirty="0">
-                        <a:latin typeface="Wingdings"/>
-                        <a:cs typeface="Wingdings"/>
-                      </a:endParaRPr>
                     </a:p>
                     <a:p>
-                      <a:pPr marL="0" marR="0" lvl="0" indent="0" algn="ctr" defTabSz="914400" eaLnBrk="1" fontAlgn="auto" latinLnBrk="0" hangingPunct="1">
+                      <a:pPr marL="0" marR="0" lvl="0" indent="0" algn="l" defTabSz="914400" rtl="0" eaLnBrk="1" fontAlgn="auto" latinLnBrk="0" hangingPunct="1">
                         <a:lnSpc>
                           <a:spcPct val="100000"/>
                         </a:lnSpc>
@@ -8133,22 +7092,15 @@
                         </a:spcBef>
                       </a:pPr>
                       <a:r>
-                        <a:rPr lang="en-US" sz="1000" b="1" i="0" spc="0" dirty="0">
+                        <a:rPr lang="es-ES" sz="1000" b="1" i="0">
                           <a:solidFill>
                             <a:schemeClr val="bg1"/>
                           </a:solidFill>
                           <a:latin typeface="Adobe Clean"/>
                           <a:cs typeface="AdobeClean-Light"/>
                         </a:rPr>
-                        <a:t>Field Services</a:t>
+                        <a:t>Servicios de campo</a:t>
                       </a:r>
-                      <a:endParaRPr sz="1000" b="1" i="0" spc="0" dirty="0">
-                        <a:solidFill>
-                          <a:schemeClr val="bg1"/>
-                        </a:solidFill>
-                        <a:latin typeface="Adobe Clean"/>
-                        <a:cs typeface="AdobeClean-Light"/>
-                      </a:endParaRPr>
                     </a:p>
                   </a:txBody>
                   <a:tcPr marL="0" marR="0" marT="48260" marB="0" anchor="ctr">
@@ -8201,14 +7153,54 @@
                         </a:spcBef>
                       </a:pPr>
                       <a:r>
-                        <a:rPr sz="900" spc="0" dirty="0">
+                        <a:rPr lang="es-ES" sz="900" dirty="0">
                           <a:solidFill>
                             <a:srgbClr val="020302"/>
                           </a:solidFill>
                           <a:latin typeface="AdobeClean-Light"/>
                           <a:cs typeface="AdobeClean-Light"/>
                         </a:rPr>
-                        <a:t>Launch Advisory Services – First Year of new solution</a:t>
+                        <a:t>Servicios de </a:t>
+                      </a:r>
+                      <a:r>
+                        <a:rPr lang="es-ES" sz="900" dirty="0" err="1">
+                          <a:solidFill>
+                            <a:srgbClr val="020302"/>
+                          </a:solidFill>
+                          <a:latin typeface="AdobeClean-Light"/>
+                          <a:cs typeface="AdobeClean-Light"/>
+                        </a:rPr>
+                        <a:t>Launch</a:t>
+                      </a:r>
+                      <a:r>
+                        <a:rPr lang="es-ES" sz="900" dirty="0">
+                          <a:solidFill>
+                            <a:srgbClr val="020302"/>
+                          </a:solidFill>
+                          <a:latin typeface="AdobeClean-Light"/>
+                          <a:cs typeface="AdobeClean-Light"/>
+                        </a:rPr>
+                        <a:t> </a:t>
+                      </a:r>
+                      <a:r>
+                        <a:rPr lang="es-ES" sz="900" dirty="0" err="1">
+                          <a:solidFill>
+                            <a:srgbClr val="020302"/>
+                          </a:solidFill>
+                          <a:latin typeface="AdobeClean-Light"/>
+                          <a:cs typeface="AdobeClean-Light"/>
+                        </a:rPr>
+                        <a:t>Advisory</a:t>
+                      </a:r>
+                      <a:r>
+                        <a:rPr lang="es-ES" sz="900" dirty="0">
+                          <a:solidFill>
+                            <a:srgbClr val="020302"/>
+                          </a:solidFill>
+                          <a:latin typeface="AdobeClean-Light"/>
+                          <a:cs typeface="AdobeClean-Light"/>
+                        </a:rPr>
+                        <a:t>: primer año de la nueva solución</a:t>
                       </a:r>
                     </a:p>
                   </a:txBody>
@@ -8248,7 +7240,7 @@
                     <a:bodyPr/>
                     <a:lstStyle/>
                     <a:p>
-                      <a:pPr>
+                      <a:pPr algn="l" rtl="0">
                         <a:lnSpc>
                           <a:spcPct val="100000"/>
                         </a:lnSpc>
@@ -8304,7 +7296,7 @@
                         <a:defRPr/>
                       </a:pPr>
                       <a:r>
-                        <a:rPr lang="en-US" sz="900" dirty="0">
+                        <a:rPr lang="es-ES" sz="900">
                           <a:solidFill>
                             <a:srgbClr val="020302"/>
                           </a:solidFill>
@@ -8313,10 +7305,6 @@
                         </a:rPr>
                         <a:t></a:t>
                       </a:r>
-                      <a:endParaRPr lang="en-US" sz="900" dirty="0">
-                        <a:latin typeface="Wingdings"/>
-                        <a:cs typeface="Wingdings"/>
-                      </a:endParaRPr>
                     </a:p>
                   </a:txBody>
                   <a:tcPr marL="0" marR="0" marT="0" marB="0">
@@ -8437,7 +7425,7 @@
                         <a:defRPr/>
                       </a:pPr>
                       <a:r>
-                        <a:rPr lang="en-US" sz="900" dirty="0">
+                        <a:rPr lang="es-ES" sz="900">
                           <a:solidFill>
                             <a:srgbClr val="020302"/>
                           </a:solidFill>
@@ -8446,10 +7434,6 @@
                         </a:rPr>
                         <a:t></a:t>
                       </a:r>
-                      <a:endParaRPr lang="en-US" sz="900" dirty="0">
-                        <a:latin typeface="Wingdings"/>
-                        <a:cs typeface="Wingdings"/>
-                      </a:endParaRPr>
                     </a:p>
                   </a:txBody>
                   <a:tcPr marL="0" marR="0" marT="0" marB="0">
@@ -8504,11 +7488,11 @@
                         <a:buNone/>
                       </a:pPr>
                       <a:r>
-                        <a:rPr lang="en-US" sz="900" spc="0" dirty="0">
+                        <a:rPr lang="es-ES" sz="900" dirty="0">
                           <a:latin typeface="AdobeClean-Light"/>
                           <a:cs typeface="AdobeClean-Light"/>
                         </a:rPr>
-                        <a:t>Field Service Activities </a:t>
+                        <a:t>Actividades del servicio de campo </a:t>
                       </a:r>
                     </a:p>
                   </a:txBody>
@@ -8643,7 +7627,7 @@
         <p:spPr>
           <a:xfrm>
             <a:off x="2835999" y="9021041"/>
-            <a:ext cx="2194560" cy="641201"/>
+            <a:ext cx="2194560" cy="718145"/>
           </a:xfrm>
           <a:prstGeom prst="rect">
             <a:avLst/>
@@ -8667,154 +7651,14 @@
               </a:tabLst>
             </a:pPr>
             <a:r>
-              <a:rPr sz="1000" spc="-20" dirty="0">
+              <a:rPr lang="es-ES" sz="900" dirty="0">
                 <a:solidFill>
                   <a:srgbClr val="020302"/>
                 </a:solidFill>
                 <a:latin typeface="AdobeClean-Light"/>
                 <a:cs typeface="AdobeClean-Light"/>
               </a:rPr>
-              <a:t>Start </a:t>
-            </a:r>
-            <a:r>
-              <a:rPr sz="1000" dirty="0">
-                <a:solidFill>
-                  <a:srgbClr val="020302"/>
-                </a:solidFill>
-                <a:latin typeface="AdobeClean-Light"/>
-                <a:cs typeface="AdobeClean-Light"/>
-              </a:rPr>
-              <a:t>a </a:t>
-            </a:r>
-            <a:r>
-              <a:rPr sz="1000" spc="-15" dirty="0">
-                <a:solidFill>
-                  <a:srgbClr val="020302"/>
-                </a:solidFill>
-                <a:latin typeface="AdobeClean-Light"/>
-                <a:cs typeface="AdobeClean-Light"/>
-              </a:rPr>
-              <a:t>chat </a:t>
-            </a:r>
-            <a:r>
-              <a:rPr sz="1000" spc="-10" dirty="0">
-                <a:solidFill>
-                  <a:srgbClr val="020302"/>
-                </a:solidFill>
-                <a:latin typeface="AdobeClean-Light"/>
-                <a:cs typeface="AdobeClean-Light"/>
-              </a:rPr>
-              <a:t>session </a:t>
-            </a:r>
-            <a:r>
-              <a:rPr sz="1000" spc="-5" dirty="0">
-                <a:solidFill>
-                  <a:srgbClr val="020302"/>
-                </a:solidFill>
-                <a:latin typeface="AdobeClean-Light"/>
-                <a:cs typeface="AdobeClean-Light"/>
-              </a:rPr>
-              <a:t>to </a:t>
-            </a:r>
-            <a:r>
-              <a:rPr sz="1000" spc="-10" dirty="0">
-                <a:solidFill>
-                  <a:srgbClr val="020302"/>
-                </a:solidFill>
-                <a:latin typeface="AdobeClean-Light"/>
-                <a:cs typeface="AdobeClean-Light"/>
-              </a:rPr>
-              <a:t>get </a:t>
-            </a:r>
-            <a:r>
-              <a:rPr sz="1000" spc="-20" dirty="0">
-                <a:solidFill>
-                  <a:srgbClr val="020302"/>
-                </a:solidFill>
-                <a:latin typeface="AdobeClean-Light"/>
-                <a:cs typeface="AdobeClean-Light"/>
-              </a:rPr>
-              <a:t>answers</a:t>
-            </a:r>
-            <a:r>
-              <a:rPr lang="en-US" sz="1000" spc="-45" dirty="0">
-                <a:solidFill>
-                  <a:srgbClr val="020302"/>
-                </a:solidFill>
-                <a:latin typeface="AdobeClean-Light"/>
-                <a:cs typeface="AdobeClean-Light"/>
-              </a:rPr>
-              <a:t> </a:t>
-            </a:r>
-            <a:r>
-              <a:rPr lang="en-US" sz="1000" dirty="0">
-                <a:solidFill>
-                  <a:srgbClr val="020302"/>
-                </a:solidFill>
-                <a:latin typeface="AdobeClean-Light"/>
-                <a:cs typeface="AdobeClean-Light"/>
-              </a:rPr>
-              <a:t>&amp; </a:t>
-            </a:r>
-            <a:r>
-              <a:rPr sz="1000" spc="-15" dirty="0">
-                <a:solidFill>
-                  <a:srgbClr val="020302"/>
-                </a:solidFill>
-                <a:latin typeface="AdobeClean-Light"/>
-                <a:cs typeface="AdobeClean-Light"/>
-              </a:rPr>
-              <a:t>help </a:t>
-            </a:r>
-            <a:r>
-              <a:rPr sz="1000" spc="-10" dirty="0">
-                <a:solidFill>
-                  <a:srgbClr val="020302"/>
-                </a:solidFill>
-                <a:latin typeface="AdobeClean-Light"/>
-                <a:cs typeface="AdobeClean-Light"/>
-              </a:rPr>
-              <a:t>with</a:t>
-            </a:r>
-            <a:r>
-              <a:rPr sz="1000" spc="85" dirty="0">
-                <a:solidFill>
-                  <a:srgbClr val="020302"/>
-                </a:solidFill>
-                <a:latin typeface="AdobeClean-Light"/>
-                <a:cs typeface="AdobeClean-Light"/>
-              </a:rPr>
-              <a:t> </a:t>
-            </a:r>
-            <a:r>
-              <a:rPr sz="1000" spc="-10" dirty="0">
-                <a:solidFill>
-                  <a:srgbClr val="020302"/>
-                </a:solidFill>
-                <a:latin typeface="AdobeClean-Light"/>
-                <a:cs typeface="AdobeClean-Light"/>
-              </a:rPr>
-              <a:t>case </a:t>
-            </a:r>
-            <a:r>
-              <a:rPr sz="1000" spc="-20">
-                <a:solidFill>
-                  <a:srgbClr val="020302"/>
-                </a:solidFill>
-                <a:latin typeface="AdobeClean-Light"/>
-                <a:cs typeface="AdobeClean-Light"/>
-              </a:rPr>
-              <a:t>submission</a:t>
-            </a:r>
-            <a:r>
-              <a:rPr lang="en-US" sz="1000" spc="-20">
-                <a:solidFill>
-                  <a:srgbClr val="020302"/>
-                </a:solidFill>
-                <a:latin typeface="AdobeClean-Light"/>
-                <a:cs typeface="AdobeClean-Light"/>
-              </a:rPr>
-              <a:t>.</a:t>
+              <a:t>Inicie una sesión de chat para obtener respuestas y ayuda con el envío de casos.</a:t>
             </a:r>
           </a:p>
           <a:p>
@@ -8827,49 +7671,15 @@
               </a:tabLst>
             </a:pPr>
             <a:r>
-              <a:rPr sz="1000" i="1" spc="-10" dirty="0">
+              <a:rPr lang="es-ES" sz="900" i="1" dirty="0">
                 <a:solidFill>
                   <a:srgbClr val="7A7A7A"/>
                 </a:solidFill>
                 <a:latin typeface="AdobeClean-LightIt"/>
                 <a:cs typeface="AdobeClean-LightIt"/>
               </a:rPr>
-              <a:t>*Not all </a:t>
-            </a:r>
-            <a:r>
-              <a:rPr sz="1000" i="1" spc="-20" dirty="0">
-                <a:solidFill>
-                  <a:srgbClr val="7A7A7A"/>
-                </a:solidFill>
-                <a:latin typeface="AdobeClean-LightIt"/>
-                <a:cs typeface="AdobeClean-LightIt"/>
-              </a:rPr>
-              <a:t>products have live chat support</a:t>
-            </a:r>
-            <a:r>
-              <a:rPr sz="900" i="1" spc="-20" dirty="0">
-                <a:solidFill>
-                  <a:srgbClr val="7A7A7A"/>
-                </a:solidFill>
-                <a:latin typeface="AdobeClean-LightIt"/>
-                <a:cs typeface="AdobeClean-LightIt"/>
-              </a:rPr>
-              <a:t>.</a:t>
-            </a:r>
-            <a:r>
-              <a:rPr lang="en-US" sz="900" i="1" spc="-20" dirty="0">
-                <a:solidFill>
-                  <a:srgbClr val="7A7A7A"/>
-                </a:solidFill>
-                <a:latin typeface="AdobeClean-LightIt"/>
-                <a:cs typeface="AdobeClean-LightIt"/>
-              </a:rPr>
-              <a:t>  </a:t>
-            </a:r>
-            <a:endParaRPr sz="900">
-              <a:latin typeface="AdobeClean-Light"/>
-              <a:cs typeface="AdobeClean-Light"/>
-            </a:endParaRPr>
+              <a:t>* No todos los productos ofrecen la opción de disfrutar de asistencia mediante chat en directo.  </a:t>
+            </a:r>
           </a:p>
         </p:txBody>
       </p:sp>
@@ -8916,12 +7726,12 @@
               <a:defRPr/>
             </a:pPr>
             <a:r>
-              <a:rPr lang="en-US" sz="1200">
+              <a:rPr lang="es-ES" sz="1200">
                 <a:solidFill>
                   <a:srgbClr val="000000"/>
                 </a:solidFill>
               </a:rPr>
-              <a:t>Community Forums</a:t>
+              <a:t>Foros de la comunidad</a:t>
             </a:r>
           </a:p>
         </p:txBody>
@@ -8964,12 +7774,12 @@
               </a:spcAft>
             </a:pPr>
             <a:r>
-              <a:rPr lang="en-US" sz="1200" b="1">
+              <a:rPr lang="es-ES" sz="1200" b="1">
                 <a:latin typeface="+mj-lt"/>
                 <a:ea typeface="Open Sans" pitchFamily="34" charset="0"/>
                 <a:cs typeface="Open Sans" pitchFamily="34" charset="0"/>
               </a:rPr>
-              <a:t>Online Forums</a:t>
+              <a:t>Foros en línea</a:t>
             </a:r>
           </a:p>
         </p:txBody>
@@ -8989,7 +7799,7 @@
         <p:spPr>
           <a:xfrm>
             <a:off x="355868" y="7102087"/>
-            <a:ext cx="2194560" cy="959237"/>
+            <a:ext cx="2194560" cy="1005403"/>
           </a:xfrm>
           <a:prstGeom prst="rect">
             <a:avLst/>
@@ -9002,20 +7812,14 @@
           <a:lstStyle/>
           <a:p>
             <a:r>
-              <a:rPr lang="en-US" sz="1000" dirty="0">
+              <a:rPr lang="es-ES" sz="900">
                 <a:solidFill>
                   <a:srgbClr val="4B4B4B"/>
                 </a:solidFill>
                 <a:latin typeface="Adobe Clean Light"/>
               </a:rPr>
-              <a:t>Continuous online access to a growing database of technical solutions, product documentation, FAQs and more. Connect with practitioners and other customers on Adobe Community to share best practices and lessons learned.</a:t>
-            </a:r>
-            <a:endParaRPr lang="en-US" sz="1000" dirty="0">
-              <a:solidFill>
-                <a:srgbClr val="4B4B4B"/>
-              </a:solidFill>
-              <a:latin typeface="Adobe Clean Light" panose="020B0303020404020204" pitchFamily="34" charset="0"/>
-            </a:endParaRPr>
+              <a:t>Acceso continuo en línea a una base de datos donde encontrará cada vez más soluciones técnicas, documentación de productos, preguntas frecuentes y mucho más. Hable con profesionales y otros clientes en la Comunidad de Adobe para compartir prácticas recomendadas y lecciones aprendidas.</a:t>
+            </a:r>
           </a:p>
         </p:txBody>
       </p:sp>
@@ -9062,7 +7866,7 @@
               <a:defRPr/>
             </a:pPr>
             <a:r>
-              <a:rPr lang="en-US" sz="1200">
+              <a:rPr lang="es-ES" sz="1200">
                 <a:solidFill>
                   <a:srgbClr val="000000"/>
                 </a:solidFill>
@@ -9110,12 +7914,12 @@
               </a:spcAft>
             </a:pPr>
             <a:r>
-              <a:rPr lang="en-US" sz="1200" b="1">
+              <a:rPr lang="es-ES" sz="1200" b="1">
                 <a:latin typeface="+mj-lt"/>
                 <a:ea typeface="Open Sans" pitchFamily="34" charset="0"/>
                 <a:cs typeface="Open Sans" pitchFamily="34" charset="0"/>
               </a:rPr>
-              <a:t>Self-guided Journeys</a:t>
+              <a:t>Recorridos autoguiados</a:t>
             </a:r>
           </a:p>
         </p:txBody>
@@ -9135,7 +7939,7 @@
         <p:spPr>
           <a:xfrm>
             <a:off x="5265661" y="7060285"/>
-            <a:ext cx="2194560" cy="1113125"/>
+            <a:ext cx="2194560" cy="1143903"/>
           </a:xfrm>
           <a:prstGeom prst="rect">
             <a:avLst/>
@@ -9148,20 +7952,68 @@
           <a:lstStyle/>
           <a:p>
             <a:r>
-              <a:rPr lang="en-US" sz="1000" dirty="0">
+              <a:rPr lang="es-ES" sz="900" dirty="0">
                 <a:solidFill>
                   <a:srgbClr val="4B4B4B"/>
                 </a:solidFill>
                 <a:latin typeface="Adobe Clean Light"/>
               </a:rPr>
-              <a:t>Experience Makers are made with Experience League. Customers can kickstart their Customer Experience Management abilities with personalized learning to develop skills, engage with a global community of peers, and earn career advancing recognition.</a:t>
-            </a:r>
-            <a:endParaRPr lang="en-US" sz="1000" dirty="0">
-              <a:solidFill>
-                <a:srgbClr val="4B4B4B"/>
-              </a:solidFill>
-              <a:latin typeface="Adobe Clean Light" panose="020B0303020404020204" pitchFamily="34" charset="0"/>
-            </a:endParaRPr>
+              <a:t>Los </a:t>
+            </a:r>
+            <a:r>
+              <a:rPr lang="es-ES" sz="900" dirty="0" err="1">
+                <a:solidFill>
+                  <a:srgbClr val="4B4B4B"/>
+                </a:solidFill>
+                <a:latin typeface="Adobe Clean Light"/>
+              </a:rPr>
+              <a:t>experience</a:t>
+            </a:r>
+            <a:r>
+              <a:rPr lang="es-ES" sz="900" dirty="0">
+                <a:solidFill>
+                  <a:srgbClr val="4B4B4B"/>
+                </a:solidFill>
+                <a:latin typeface="Adobe Clean Light"/>
+              </a:rPr>
+              <a:t> </a:t>
+            </a:r>
+            <a:r>
+              <a:rPr lang="es-ES" sz="900" dirty="0" err="1">
+                <a:solidFill>
+                  <a:srgbClr val="4B4B4B"/>
+                </a:solidFill>
+                <a:latin typeface="Adobe Clean Light"/>
+              </a:rPr>
+              <a:t>makers</a:t>
+            </a:r>
+            <a:r>
+              <a:rPr lang="es-ES" sz="900" dirty="0">
+                <a:solidFill>
+                  <a:srgbClr val="4B4B4B"/>
+                </a:solidFill>
+                <a:latin typeface="Adobe Clean Light"/>
+              </a:rPr>
+              <a:t> se realizan con </a:t>
+            </a:r>
+            <a:r>
+              <a:rPr lang="es-ES" sz="900" dirty="0" err="1">
+                <a:solidFill>
+                  <a:srgbClr val="4B4B4B"/>
+                </a:solidFill>
+                <a:latin typeface="Adobe Clean Light"/>
+              </a:rPr>
+              <a:t>Experience</a:t>
+            </a:r>
+            <a:r>
+              <a:rPr lang="es-ES" sz="900" dirty="0">
+                <a:solidFill>
+                  <a:srgbClr val="4B4B4B"/>
+                </a:solidFill>
+                <a:latin typeface="Adobe Clean Light"/>
+              </a:rPr>
+              <a:t> League. Los clientes pueden aplicar sus conocimientos de administración de la experiencia del cliente con aprendizaje personalizado para desarrollar habilidades, interactuar con la comunidad internacional de compañeros y obtener reconocimiento en su trayectoria profesional.</a:t>
+            </a:r>
           </a:p>
         </p:txBody>
       </p:sp>
@@ -9181,8 +8033,8 @@
         </p:nvSpPr>
         <p:spPr>
           <a:xfrm>
-            <a:off x="3201544" y="8520784"/>
-            <a:ext cx="1543003" cy="184666"/>
+            <a:off x="3201544" y="8453728"/>
+            <a:ext cx="1543003" cy="369332"/>
           </a:xfrm>
           <a:prstGeom prst="rect">
             <a:avLst/>
@@ -9208,12 +8060,27 @@
               <a:defRPr/>
             </a:pPr>
             <a:r>
-              <a:rPr lang="en-US" sz="1200">
+              <a:rPr lang="es-ES" sz="1200" dirty="0">
                 <a:solidFill>
                   <a:srgbClr val="000000"/>
                 </a:solidFill>
               </a:rPr>
-              <a:t>Live Chat  Support*</a:t>
+              <a:t>Asistencia mediante </a:t>
+            </a:r>
+            <a:br>
+              <a:rPr lang="es-ES" sz="1200" dirty="0">
+                <a:solidFill>
+                  <a:srgbClr val="000000"/>
+                </a:solidFill>
+              </a:rPr>
+            </a:br>
+            <a:r>
+              <a:rPr lang="es-ES" sz="1200" dirty="0">
+                <a:solidFill>
+                  <a:srgbClr val="000000"/>
+                </a:solidFill>
+              </a:rPr>
+              <a:t>chat en directo*</a:t>
             </a:r>
           </a:p>
         </p:txBody>
@@ -9234,7 +8101,7 @@
         </p:nvSpPr>
         <p:spPr>
           <a:xfrm>
-            <a:off x="3201544" y="8702003"/>
+            <a:off x="3201544" y="8793443"/>
             <a:ext cx="840166" cy="184666"/>
           </a:xfrm>
           <a:prstGeom prst="rect">
@@ -9256,12 +8123,12 @@
               </a:spcAft>
             </a:pPr>
             <a:r>
-              <a:rPr lang="en-US" sz="1200" b="1">
+              <a:rPr lang="es-ES" sz="1200" b="1" dirty="0">
                 <a:latin typeface="+mj-lt"/>
                 <a:ea typeface="Open Sans" pitchFamily="34" charset="0"/>
                 <a:cs typeface="Open Sans" pitchFamily="34" charset="0"/>
               </a:rPr>
-              <a:t>Chat Support</a:t>
+              <a:t>Asistencia mediante chat</a:t>
             </a:r>
           </a:p>
         </p:txBody>
@@ -9309,12 +8176,12 @@
               <a:defRPr/>
             </a:pPr>
             <a:r>
-              <a:rPr lang="en-US" sz="1200">
+              <a:rPr lang="es-ES" sz="1200">
                 <a:solidFill>
                   <a:srgbClr val="000000"/>
                 </a:solidFill>
               </a:rPr>
-              <a:t>24X7 P1 </a:t>
+              <a:t>24/7 P1 </a:t>
             </a:r>
           </a:p>
         </p:txBody>
@@ -9357,12 +8224,12 @@
               </a:spcAft>
             </a:pPr>
             <a:r>
-              <a:rPr lang="en-US" sz="1200" b="1">
+              <a:rPr lang="es-ES" sz="1200" b="1">
                 <a:latin typeface="+mj-lt"/>
                 <a:ea typeface="Open Sans" pitchFamily="34" charset="0"/>
                 <a:cs typeface="Open Sans" pitchFamily="34" charset="0"/>
               </a:rPr>
-              <a:t>Phone  Support</a:t>
+              <a:t>Asistencia telefónica</a:t>
             </a:r>
           </a:p>
         </p:txBody>
@@ -9382,7 +8249,7 @@
         <p:spPr>
           <a:xfrm>
             <a:off x="2835999" y="7097788"/>
-            <a:ext cx="2194560" cy="805349"/>
+            <a:ext cx="2194560" cy="866904"/>
           </a:xfrm>
           <a:prstGeom prst="rect">
             <a:avLst/>
@@ -9395,35 +8262,20 @@
           <a:lstStyle/>
           <a:p>
             <a:r>
-              <a:rPr lang="en-US" sz="1000">
+              <a:rPr lang="es-ES" sz="900" b="1" dirty="0">
                 <a:solidFill>
                   <a:srgbClr val="020302"/>
                 </a:solidFill>
                 <a:latin typeface="AdobeClean-Light"/>
               </a:rPr>
-              <a:t>Authorized users or </a:t>
-            </a:r>
-            <a:r>
-              <a:rPr lang="en-US" sz="1000" b="1">
-                <a:solidFill>
-                  <a:srgbClr val="020302"/>
-                </a:solidFill>
-                <a:latin typeface="AdobeClean-Light"/>
-              </a:rPr>
-              <a:t>Named Support Contacts </a:t>
-            </a:r>
-            <a:r>
-              <a:rPr lang="en-US" sz="1000">
+              <a:t>Los usuarios autorizados o los contactos de soporte particulares</a:t>
+            </a:r>
+            <a:r>
+              <a:rPr lang="es-ES" sz="900" dirty="0">
                 <a:latin typeface="Adobe Clean Light" panose="020B0303020404020204" pitchFamily="34" charset="0"/>
               </a:rPr>
-              <a:t>can submit issues through all available  channels (including phone for P1) and interact with our technical support team on behalf of your company. </a:t>
-            </a:r>
-            <a:endParaRPr lang="en-US" sz="1000">
-              <a:solidFill>
-                <a:srgbClr val="000000"/>
-              </a:solidFill>
-              <a:latin typeface="Adobe Clean Light" panose="020B0303020404020204" pitchFamily="34" charset="0"/>
-            </a:endParaRPr>
+              <a:t> pueden enviar problemas a través de todos los canales disponibles (incluido el teléfono en el caso de los problemas P1) y hablar con nuestro equipo de asistencia en nombre de su empresa. </a:t>
+            </a:r>
           </a:p>
         </p:txBody>
       </p:sp>
@@ -9508,19 +8360,15 @@
               </a:spcBef>
             </a:pPr>
             <a:r>
-              <a:rPr lang="en-US" sz="1400" b="1" spc="-10" dirty="0">
+              <a:rPr lang="es-ES" sz="1400" b="1">
                 <a:solidFill>
                   <a:srgbClr val="020302"/>
                 </a:solidFill>
                 <a:latin typeface="Adobe Clean"/>
                 <a:cs typeface="Adobe Clean"/>
               </a:rPr>
-              <a:t>Standard Support Features</a:t>
-            </a:r>
-            <a:endParaRPr lang="en-US" sz="1400" dirty="0">
-              <a:latin typeface="Adobe Clean"/>
-              <a:cs typeface="Adobe Clean"/>
-            </a:endParaRPr>
+              <a:t>Funciones de soporte Standard</a:t>
+            </a:r>
           </a:p>
         </p:txBody>
       </p:sp>
@@ -9540,8 +8388,8 @@
         </p:nvSpPr>
         <p:spPr>
           <a:xfrm>
-            <a:off x="689237" y="8520784"/>
-            <a:ext cx="991521" cy="184666"/>
+            <a:off x="689236" y="8520784"/>
+            <a:ext cx="1280160" cy="184666"/>
           </a:xfrm>
           <a:prstGeom prst="rect">
             <a:avLst/>
@@ -9567,12 +8415,12 @@
               <a:defRPr/>
             </a:pPr>
             <a:r>
-              <a:rPr lang="en-US" sz="1200">
+              <a:rPr lang="es-ES" sz="1200" dirty="0">
                 <a:solidFill>
                   <a:srgbClr val="000000"/>
                 </a:solidFill>
               </a:rPr>
-              <a:t>Office Hours</a:t>
+              <a:t>Horario de oficina</a:t>
             </a:r>
           </a:p>
         </p:txBody>
@@ -9615,12 +8463,12 @@
               </a:spcAft>
             </a:pPr>
             <a:r>
-              <a:rPr lang="en-US" sz="1200" b="1">
+              <a:rPr lang="es-ES" sz="1200" b="1">
                 <a:latin typeface="+mj-lt"/>
                 <a:ea typeface="Open Sans" pitchFamily="34" charset="0"/>
                 <a:cs typeface="Open Sans" pitchFamily="34" charset="0"/>
               </a:rPr>
-              <a:t>Webinars</a:t>
+              <a:t>Seminarios web</a:t>
             </a:r>
           </a:p>
         </p:txBody>
@@ -9640,7 +8488,7 @@
         <p:spPr>
           <a:xfrm>
             <a:off x="355868" y="8986613"/>
-            <a:ext cx="2194560" cy="805349"/>
+            <a:ext cx="2301988" cy="866904"/>
           </a:xfrm>
           <a:prstGeom prst="rect">
             <a:avLst/>
@@ -9653,13 +8501,13 @@
           <a:lstStyle/>
           <a:p>
             <a:r>
-              <a:rPr lang="en-US" sz="1000">
+              <a:rPr lang="es-ES" sz="900" dirty="0">
                 <a:solidFill>
                   <a:srgbClr val="4B4B4B"/>
                 </a:solidFill>
                 <a:latin typeface="Adobe Clean Light" panose="020B0303020404020204" pitchFamily="34" charset="0"/>
               </a:rPr>
-              <a:t>Office Hours led by the Adobe Customer Support team includes sessions designed to inform as well as help participants troubleshoot problems and provide tips and tricks for success with Adobe solutions. </a:t>
+              <a:t>En el horario de oficina del equipo de asistencia al cliente de Adobe se incluyen sesiones diseñadas para informar y ayudar a los participantes a solucionar problemas, así como para proporcionar consejos y trucos para que los participantes logren el éxito con las soluciones de Adobe. </a:t>
             </a:r>
           </a:p>
         </p:txBody>
@@ -9681,7 +8529,7 @@
         <p:spPr>
           <a:xfrm>
             <a:off x="5723508" y="8520784"/>
-            <a:ext cx="1303746" cy="184666"/>
+            <a:ext cx="1463040" cy="184666"/>
           </a:xfrm>
           <a:prstGeom prst="rect">
             <a:avLst/>
@@ -9707,12 +8555,12 @@
               <a:defRPr/>
             </a:pPr>
             <a:r>
-              <a:rPr lang="en-US" sz="1200">
+              <a:rPr lang="es-ES" sz="1200" dirty="0">
                 <a:solidFill>
                   <a:srgbClr val="000000"/>
                 </a:solidFill>
               </a:rPr>
-              <a:t>Self-help Portals</a:t>
+              <a:t>Portales de autoayuda</a:t>
             </a:r>
           </a:p>
         </p:txBody>
@@ -9755,12 +8603,12 @@
               </a:spcAft>
             </a:pPr>
             <a:r>
-              <a:rPr lang="en-US" sz="1200" b="1">
+              <a:rPr lang="es-ES" sz="1200" b="1">
                 <a:latin typeface="+mj-lt"/>
                 <a:ea typeface="Open Sans" pitchFamily="34" charset="0"/>
                 <a:cs typeface="Open Sans" pitchFamily="34" charset="0"/>
               </a:rPr>
-              <a:t>24/7 Support Portal</a:t>
+              <a:t>Portal de asistencia 24/7</a:t>
             </a:r>
           </a:p>
         </p:txBody>
@@ -9780,7 +8628,7 @@
         <p:spPr>
           <a:xfrm>
             <a:off x="5265661" y="8947635"/>
-            <a:ext cx="2194560" cy="805349"/>
+            <a:ext cx="2194560" cy="866904"/>
           </a:xfrm>
           <a:prstGeom prst="rect">
             <a:avLst/>
@@ -9793,30 +8641,13 @@
           <a:lstStyle/>
           <a:p>
             <a:r>
-              <a:rPr lang="en-US" sz="1000">
+              <a:rPr lang="es-ES" sz="900" dirty="0">
                 <a:solidFill>
                   <a:srgbClr val="4B4B4B"/>
                 </a:solidFill>
                 <a:latin typeface="Adobe Clean Light" panose="020B0303020404020204" pitchFamily="34" charset="0"/>
               </a:rPr>
-              <a:t>On-demand access to the online </a:t>
-            </a:r>
-            <a:br>
-              <a:rPr lang="en-US" sz="1000">
-                <a:solidFill>
-                  <a:srgbClr val="4B4B4B"/>
-                </a:solidFill>
-                <a:latin typeface="Adobe Clean Light" panose="020B0303020404020204" pitchFamily="34" charset="0"/>
-              </a:rPr>
-            </a:br>
-            <a:r>
-              <a:rPr lang="en-US" sz="1000">
-                <a:solidFill>
-                  <a:srgbClr val="4B4B4B"/>
-                </a:solidFill>
-                <a:latin typeface="Adobe Clean Light" panose="020B0303020404020204" pitchFamily="34" charset="0"/>
-              </a:rPr>
-              <a:t>Self-help Support Portal to submit support requests, review case status, and browse other resources, like our knowledgebase, news and alerts, featured tips, and more.</a:t>
+              <a:t>Acceso al portal de asistencia de autoayuda en línea previa solicitud para enviar solicitudes de asistencia, revisar el estado de los casos y examinar otros recursos, como la base de conocimiento, noticias y alertas, sugerencias destacadas, y mucho más.</a:t>
             </a:r>
           </a:p>
         </p:txBody>
@@ -9838,7 +8669,7 @@
         <p:spPr>
           <a:xfrm>
             <a:off x="97788" y="9888626"/>
-            <a:ext cx="2245360" cy="133370"/>
+            <a:ext cx="2377440" cy="133370"/>
           </a:xfrm>
           <a:prstGeom prst="rect">
             <a:avLst/>
@@ -9950,36 +8781,40 @@
               </a:spcBef>
             </a:pPr>
             <a:r>
-              <a:rPr lang="en-US" spc="-10"/>
-              <a:t>©2021</a:t>
-            </a:r>
-            <a:r>
-              <a:rPr lang="en-US" spc="-5"/>
-              <a:t> Adobe. All</a:t>
-            </a:r>
-            <a:r>
-              <a:rPr lang="en-US" spc="-10"/>
-              <a:t> Rights</a:t>
-            </a:r>
-            <a:r>
-              <a:rPr lang="en-US" spc="-5"/>
+              <a:rPr lang="es-ES" dirty="0"/>
+              <a:t>©2021 Adobe. </a:t>
+            </a:r>
+            <a:r>
+              <a:rPr lang="es-ES" dirty="0" err="1"/>
+              <a:t>All</a:t>
+            </a:r>
+            <a:r>
+              <a:rPr lang="es-ES" dirty="0"/>
               <a:t> </a:t>
             </a:r>
             <a:r>
-              <a:rPr lang="en-US" spc="-10"/>
-              <a:t>Reserved.</a:t>
-            </a:r>
-            <a:r>
-              <a:rPr lang="en-US" spc="-5"/>
-              <a:t> Adobe</a:t>
-            </a:r>
-            <a:r>
-              <a:rPr lang="en-US" spc="60"/>
+              <a:rPr lang="es-ES" dirty="0" err="1"/>
+              <a:t>Rights</a:t>
+            </a:r>
+            <a:r>
+              <a:rPr lang="es-ES" dirty="0"/>
               <a:t> </a:t>
             </a:r>
             <a:r>
-              <a:rPr lang="en-US" spc="-10"/>
-              <a:t>Confidential.</a:t>
+              <a:rPr lang="es-ES" dirty="0" err="1"/>
+              <a:t>Reserved</a:t>
+            </a:r>
+            <a:r>
+              <a:rPr lang="es-ES" dirty="0"/>
+              <a:t>. Adobe </a:t>
+            </a:r>
+            <a:r>
+              <a:rPr lang="es-ES" dirty="0" err="1"/>
+              <a:t>Confidential</a:t>
+            </a:r>
+            <a:r>
+              <a:rPr lang="es-ES" dirty="0"/>
+              <a:t>.</a:t>
             </a:r>
           </a:p>
         </p:txBody>
@@ -10068,19 +8903,15 @@
               </a:spcBef>
             </a:pPr>
             <a:r>
-              <a:rPr lang="en-US" sz="1400" b="1" spc="-10">
+              <a:rPr lang="es-ES" sz="1400" b="1">
                 <a:solidFill>
                   <a:srgbClr val="020302"/>
                 </a:solidFill>
                 <a:latin typeface="Adobe Clean"/>
                 <a:cs typeface="Adobe Clean"/>
               </a:rPr>
-              <a:t>Enterprise Support Features</a:t>
-            </a:r>
-            <a:endParaRPr lang="en-US" sz="1400">
-              <a:latin typeface="Adobe Clean"/>
-              <a:cs typeface="Adobe Clean"/>
-            </a:endParaRPr>
+              <a:t>Funciones de soporte Enterprise</a:t>
+            </a:r>
           </a:p>
         </p:txBody>
       </p:sp>
@@ -10098,7 +8929,7 @@
         </p:nvSpPr>
         <p:spPr>
           <a:xfrm>
-            <a:off x="689237" y="2603192"/>
+            <a:off x="689237" y="2548328"/>
             <a:ext cx="1555491" cy="197490"/>
           </a:xfrm>
           <a:prstGeom prst="rect">
@@ -10120,199 +8951,15 @@
               </a:spcBef>
             </a:pPr>
             <a:r>
-              <a:rPr sz="1200" b="1" spc="-25">
+              <a:rPr lang="es-ES" sz="1200" b="1" dirty="0">
                 <a:solidFill>
                   <a:srgbClr val="020302"/>
                 </a:solidFill>
                 <a:latin typeface="Adobe Clean"/>
                 <a:cs typeface="Adobe Clean"/>
               </a:rPr>
-              <a:t>E</a:t>
-            </a:r>
-            <a:r>
-              <a:rPr sz="1200" b="1" spc="-20">
-                <a:solidFill>
-                  <a:srgbClr val="020302"/>
-                </a:solidFill>
-                <a:latin typeface="Adobe Clean"/>
-                <a:cs typeface="Adobe Clean"/>
-              </a:rPr>
-              <a:t>s</a:t>
-            </a:r>
-            <a:r>
-              <a:rPr sz="1200" b="1" spc="-30">
-                <a:solidFill>
-                  <a:srgbClr val="020302"/>
-                </a:solidFill>
-                <a:latin typeface="Adobe Clean"/>
-                <a:cs typeface="Adobe Clean"/>
-              </a:rPr>
-              <a:t>c</a:t>
-            </a:r>
-            <a:r>
-              <a:rPr sz="1200" b="1" spc="-20">
-                <a:solidFill>
-                  <a:srgbClr val="020302"/>
-                </a:solidFill>
-                <a:latin typeface="Adobe Clean"/>
-                <a:cs typeface="Adobe Clean"/>
-              </a:rPr>
-              <a:t>a</a:t>
-            </a:r>
-            <a:r>
-              <a:rPr sz="1200" b="1" spc="-25">
-                <a:solidFill>
-                  <a:srgbClr val="020302"/>
-                </a:solidFill>
-                <a:latin typeface="Adobe Clean"/>
-                <a:cs typeface="Adobe Clean"/>
-              </a:rPr>
-              <a:t>l</a:t>
-            </a:r>
-            <a:r>
-              <a:rPr sz="1200" b="1" spc="-20">
-                <a:solidFill>
-                  <a:srgbClr val="020302"/>
-                </a:solidFill>
-                <a:latin typeface="Adobe Clean"/>
-                <a:cs typeface="Adobe Clean"/>
-              </a:rPr>
-              <a:t>a</a:t>
-            </a:r>
-            <a:r>
-              <a:rPr sz="1200" b="1" spc="-25">
-                <a:solidFill>
-                  <a:srgbClr val="020302"/>
-                </a:solidFill>
-                <a:latin typeface="Adobe Clean"/>
-                <a:cs typeface="Adobe Clean"/>
-              </a:rPr>
-              <a:t>t</a:t>
-            </a:r>
-            <a:r>
-              <a:rPr sz="1200" b="1" spc="-20">
-                <a:solidFill>
-                  <a:srgbClr val="020302"/>
-                </a:solidFill>
-                <a:latin typeface="Adobe Clean"/>
-                <a:cs typeface="Adobe Clean"/>
-              </a:rPr>
-              <a:t>i</a:t>
-            </a:r>
-            <a:r>
-              <a:rPr sz="1200" b="1" spc="-15">
-                <a:solidFill>
-                  <a:srgbClr val="020302"/>
-                </a:solidFill>
-                <a:latin typeface="Adobe Clean"/>
-                <a:cs typeface="Adobe Clean"/>
-              </a:rPr>
-              <a:t>o</a:t>
-            </a:r>
-            <a:r>
-              <a:rPr sz="1200" b="1">
-                <a:solidFill>
-                  <a:srgbClr val="020302"/>
-                </a:solidFill>
-                <a:latin typeface="Adobe Clean"/>
-                <a:cs typeface="Adobe Clean"/>
-              </a:rPr>
-              <a:t>n</a:t>
-            </a:r>
-            <a:r>
-              <a:rPr sz="1200" b="1" spc="-55">
-                <a:solidFill>
-                  <a:srgbClr val="020302"/>
-                </a:solidFill>
-                <a:latin typeface="Adobe Clean"/>
-                <a:cs typeface="Adobe Clean"/>
-              </a:rPr>
-              <a:t> </a:t>
-            </a:r>
-            <a:r>
-              <a:rPr sz="1200" b="1" spc="-35">
-                <a:solidFill>
-                  <a:srgbClr val="020302"/>
-                </a:solidFill>
-                <a:latin typeface="Adobe Clean"/>
-                <a:cs typeface="Adobe Clean"/>
-              </a:rPr>
-              <a:t>M</a:t>
-            </a:r>
-            <a:r>
-              <a:rPr sz="1200" b="1" spc="-25">
-                <a:solidFill>
-                  <a:srgbClr val="020302"/>
-                </a:solidFill>
-                <a:latin typeface="Adobe Clean"/>
-                <a:cs typeface="Adobe Clean"/>
-              </a:rPr>
-              <a:t>a</a:t>
-            </a:r>
-            <a:r>
-              <a:rPr sz="1200" b="1" spc="-30">
-                <a:solidFill>
-                  <a:srgbClr val="020302"/>
-                </a:solidFill>
-                <a:latin typeface="Adobe Clean"/>
-                <a:cs typeface="Adobe Clean"/>
-              </a:rPr>
-              <a:t>n</a:t>
-            </a:r>
-            <a:r>
-              <a:rPr sz="1200" b="1" spc="-25">
-                <a:solidFill>
-                  <a:srgbClr val="020302"/>
-                </a:solidFill>
-                <a:latin typeface="Adobe Clean"/>
-                <a:cs typeface="Adobe Clean"/>
-              </a:rPr>
-              <a:t>a</a:t>
-            </a:r>
-            <a:r>
-              <a:rPr sz="1200" b="1" spc="-30">
-                <a:solidFill>
-                  <a:srgbClr val="020302"/>
-                </a:solidFill>
-                <a:latin typeface="Adobe Clean"/>
-                <a:cs typeface="Adobe Clean"/>
-              </a:rPr>
-              <a:t>ge</a:t>
-            </a:r>
-            <a:r>
-              <a:rPr sz="1200" b="1" spc="-25">
-                <a:solidFill>
-                  <a:srgbClr val="020302"/>
-                </a:solidFill>
-                <a:latin typeface="Adobe Clean"/>
-                <a:cs typeface="Adobe Clean"/>
-              </a:rPr>
-              <a:t>m</a:t>
-            </a:r>
-            <a:r>
-              <a:rPr sz="1200" b="1" spc="-30">
-                <a:solidFill>
-                  <a:srgbClr val="020302"/>
-                </a:solidFill>
-                <a:latin typeface="Adobe Clean"/>
-                <a:cs typeface="Adobe Clean"/>
-              </a:rPr>
-              <a:t>en</a:t>
-            </a:r>
-            <a:r>
-              <a:rPr sz="1200" b="1">
-                <a:solidFill>
-                  <a:srgbClr val="020302"/>
-                </a:solidFill>
-                <a:latin typeface="Adobe Clean"/>
-                <a:cs typeface="Adobe Clean"/>
-              </a:rPr>
-              <a:t>t</a:t>
-            </a:r>
-            <a:endParaRPr sz="1200">
-              <a:latin typeface="Adobe Clean"/>
-              <a:cs typeface="Adobe Clean"/>
-            </a:endParaRPr>
+              <a:t>Administración de la escalabilidad</a:t>
+            </a:r>
           </a:p>
         </p:txBody>
       </p:sp>
@@ -10331,7 +8978,7 @@
         <p:spPr>
           <a:xfrm>
             <a:off x="355868" y="2923693"/>
-            <a:ext cx="2194560" cy="782265"/>
+            <a:ext cx="2194560" cy="705321"/>
           </a:xfrm>
           <a:prstGeom prst="rect">
             <a:avLst/>
@@ -10352,18 +8999,14 @@
               </a:spcBef>
             </a:pPr>
             <a:r>
-              <a:rPr lang="en-US" sz="1000">
+              <a:rPr lang="es-ES" sz="900" dirty="0">
                 <a:solidFill>
                   <a:srgbClr val="4B4B4B"/>
                 </a:solidFill>
                 <a:latin typeface="Adobe Clean Light" panose="020B0303020404020204" pitchFamily="34" charset="0"/>
               </a:rPr>
-              <a:t>A designated point of contact within Adobe who can provide escalation assistance, regular updates and ensure priority is given to your most critical open support requests.</a:t>
-            </a:r>
-            <a:endParaRPr sz="1000">
-              <a:latin typeface="Adobe Clean Light" panose="020B0303020404020204" pitchFamily="34" charset="0"/>
-              <a:cs typeface="AdobeClean-Light"/>
-            </a:endParaRPr>
+              <a:t>Un punto de contacto designado de Adobe que puede proporcionar asistencia en cuanto a escalabilidad y actualizaciones frecuentes, así como garantizar que se dé prioridad a sus solicitudes de soporte abierto más críticas.</a:t>
+            </a:r>
           </a:p>
         </p:txBody>
       </p:sp>
@@ -10382,7 +9025,7 @@
         <p:spPr>
           <a:xfrm>
             <a:off x="3201544" y="2592995"/>
-            <a:ext cx="1036205" cy="197490"/>
+            <a:ext cx="1726164" cy="197490"/>
           </a:xfrm>
           <a:prstGeom prst="rect">
             <a:avLst/>
@@ -10403,149 +9046,15 @@
               </a:spcBef>
             </a:pPr>
             <a:r>
-              <a:rPr sz="1200" b="1" spc="-20">
+              <a:rPr lang="es-ES" sz="1200" b="1" dirty="0">
                 <a:solidFill>
                   <a:srgbClr val="020302"/>
                 </a:solidFill>
                 <a:latin typeface="Adobe Clean"/>
                 <a:cs typeface="Adobe Clean"/>
               </a:rPr>
-              <a:t>S</a:t>
-            </a:r>
-            <a:r>
-              <a:rPr sz="1200" b="1" spc="-25">
-                <a:solidFill>
-                  <a:srgbClr val="020302"/>
-                </a:solidFill>
-                <a:latin typeface="Adobe Clean"/>
-                <a:cs typeface="Adobe Clean"/>
-              </a:rPr>
-              <a:t>e</a:t>
-            </a:r>
-            <a:r>
-              <a:rPr sz="1200" b="1" spc="-20">
-                <a:solidFill>
-                  <a:srgbClr val="020302"/>
-                </a:solidFill>
-                <a:latin typeface="Adobe Clean"/>
-                <a:cs typeface="Adobe Clean"/>
-              </a:rPr>
-              <a:t>r</a:t>
-            </a:r>
-            <a:r>
-              <a:rPr sz="1200" b="1" spc="-25">
-                <a:solidFill>
-                  <a:srgbClr val="020302"/>
-                </a:solidFill>
-                <a:latin typeface="Adobe Clean"/>
-                <a:cs typeface="Adobe Clean"/>
-              </a:rPr>
-              <a:t>v</a:t>
-            </a:r>
-            <a:r>
-              <a:rPr sz="1200" b="1" spc="-20">
-                <a:solidFill>
-                  <a:srgbClr val="020302"/>
-                </a:solidFill>
-                <a:latin typeface="Adobe Clean"/>
-                <a:cs typeface="Adobe Clean"/>
-              </a:rPr>
-              <a:t>i</a:t>
-            </a:r>
-            <a:r>
-              <a:rPr sz="1200" b="1" spc="-30">
-                <a:solidFill>
-                  <a:srgbClr val="020302"/>
-                </a:solidFill>
-                <a:latin typeface="Adobe Clean"/>
-                <a:cs typeface="Adobe Clean"/>
-              </a:rPr>
-              <a:t>c</a:t>
-            </a:r>
-            <a:r>
-              <a:rPr sz="1200" b="1">
-                <a:solidFill>
-                  <a:srgbClr val="020302"/>
-                </a:solidFill>
-                <a:latin typeface="Adobe Clean"/>
-                <a:cs typeface="Adobe Clean"/>
-              </a:rPr>
-              <a:t>e</a:t>
-            </a:r>
-            <a:r>
-              <a:rPr sz="1200" b="1" spc="-80">
-                <a:solidFill>
-                  <a:srgbClr val="020302"/>
-                </a:solidFill>
-                <a:latin typeface="Adobe Clean"/>
-                <a:cs typeface="Adobe Clean"/>
-              </a:rPr>
-              <a:t> </a:t>
-            </a:r>
-            <a:r>
-              <a:rPr sz="1200" b="1" spc="-20">
-                <a:solidFill>
-                  <a:srgbClr val="020302"/>
-                </a:solidFill>
-                <a:latin typeface="Adobe Clean"/>
-                <a:cs typeface="Adobe Clean"/>
-              </a:rPr>
-              <a:t>R</a:t>
-            </a:r>
-            <a:r>
-              <a:rPr sz="1200" b="1" spc="-25">
-                <a:solidFill>
-                  <a:srgbClr val="020302"/>
-                </a:solidFill>
-                <a:latin typeface="Adobe Clean"/>
-                <a:cs typeface="Adobe Clean"/>
-              </a:rPr>
-              <a:t>e</a:t>
-            </a:r>
-            <a:r>
-              <a:rPr sz="1200" b="1" spc="-30">
-                <a:solidFill>
-                  <a:srgbClr val="020302"/>
-                </a:solidFill>
-                <a:latin typeface="Adobe Clean"/>
-                <a:cs typeface="Adobe Clean"/>
-              </a:rPr>
-              <a:t>v</a:t>
-            </a:r>
-            <a:r>
-              <a:rPr sz="1200" b="1" spc="-20">
-                <a:solidFill>
-                  <a:srgbClr val="020302"/>
-                </a:solidFill>
-                <a:latin typeface="Adobe Clean"/>
-                <a:cs typeface="Adobe Clean"/>
-              </a:rPr>
-              <a:t>i</a:t>
-            </a:r>
-            <a:r>
-              <a:rPr sz="1200" b="1" spc="-25">
-                <a:solidFill>
-                  <a:srgbClr val="020302"/>
-                </a:solidFill>
-                <a:latin typeface="Adobe Clean"/>
-                <a:cs typeface="Adobe Clean"/>
-              </a:rPr>
-              <a:t>ew</a:t>
-            </a:r>
-            <a:r>
-              <a:rPr sz="1200" b="1">
-                <a:solidFill>
-                  <a:srgbClr val="020302"/>
-                </a:solidFill>
-                <a:latin typeface="Adobe Clean"/>
-                <a:cs typeface="Adobe Clean"/>
-              </a:rPr>
-              <a:t>s</a:t>
-            </a:r>
-            <a:endParaRPr sz="1200">
-              <a:latin typeface="Adobe Clean"/>
-              <a:cs typeface="Adobe Clean"/>
-            </a:endParaRPr>
+              <a:t>Revisiones del servicio</a:t>
+            </a:r>
           </a:p>
         </p:txBody>
       </p:sp>
@@ -10564,7 +9073,7 @@
         <p:spPr>
           <a:xfrm>
             <a:off x="2835999" y="2921585"/>
-            <a:ext cx="2194560" cy="474489"/>
+            <a:ext cx="2194560" cy="428322"/>
           </a:xfrm>
           <a:prstGeom prst="rect">
             <a:avLst/>
@@ -10585,18 +9094,14 @@
               </a:spcBef>
             </a:pPr>
             <a:r>
-              <a:rPr lang="en-US" sz="1000">
+              <a:rPr lang="es-ES" sz="900" dirty="0">
                 <a:solidFill>
                   <a:srgbClr val="4B4B4B"/>
                 </a:solidFill>
                 <a:latin typeface="Adobe Clean Light" panose="020B0303020404020204" pitchFamily="34" charset="0"/>
               </a:rPr>
-              <a:t>A bi-annual comprehensive review of  Enterprise program services, benefits and support metrics.</a:t>
-            </a:r>
-            <a:endParaRPr sz="1000">
-              <a:latin typeface="Adobe Clean Light" panose="020B0303020404020204" pitchFamily="34" charset="0"/>
-              <a:cs typeface="AdobeClean-Light"/>
-            </a:endParaRPr>
+              <a:t>Una revisión bianual completa de los servicios, los beneficios y las métricas de soporte del programa Enterprise.</a:t>
+            </a:r>
           </a:p>
         </p:txBody>
       </p:sp>
@@ -10615,7 +9120,7 @@
         <p:spPr>
           <a:xfrm>
             <a:off x="5265661" y="1426694"/>
-            <a:ext cx="2194560" cy="628377"/>
+            <a:ext cx="2194560" cy="566822"/>
           </a:xfrm>
           <a:prstGeom prst="rect">
             <a:avLst/>
@@ -10636,18 +9141,14 @@
               </a:spcBef>
             </a:pPr>
             <a:r>
-              <a:rPr lang="en-US" sz="1000">
+              <a:rPr lang="es-ES" sz="900" dirty="0">
                 <a:solidFill>
                   <a:srgbClr val="4B4B4B"/>
                 </a:solidFill>
                 <a:latin typeface="Adobe Clean Light" panose="020B0303020404020204" pitchFamily="34" charset="0"/>
               </a:rPr>
-              <a:t>A 60-minute session focusing on a specific product feature and how it can be utilized to solve common business problems.</a:t>
-            </a:r>
-            <a:endParaRPr sz="1000">
-              <a:latin typeface="Adobe Clean Light" panose="020B0303020404020204" pitchFamily="34" charset="0"/>
-              <a:cs typeface="AdobeClean-Light"/>
-            </a:endParaRPr>
+              <a:t>Una sesión de 60 minutos centrada en una función específica del producto y en cómo se puede utilizar para resolver problemas empresariales comunes.</a:t>
+            </a:r>
           </a:p>
         </p:txBody>
       </p:sp>
@@ -10665,8 +9166,8 @@
         </p:nvSpPr>
         <p:spPr>
           <a:xfrm>
-            <a:off x="5265661" y="5001737"/>
-            <a:ext cx="2194560" cy="536622"/>
+            <a:off x="5265661" y="5145430"/>
+            <a:ext cx="2194560" cy="644920"/>
           </a:xfrm>
           <a:prstGeom prst="rect">
             <a:avLst/>
@@ -10687,20 +9188,32 @@
               </a:spcBef>
             </a:pPr>
             <a:r>
-              <a:rPr lang="en-US" sz="1000" dirty="0">
+              <a:rPr lang="es-ES" sz="900" dirty="0">
                 <a:solidFill>
                   <a:srgbClr val="4B4B4B"/>
                 </a:solidFill>
                 <a:latin typeface="Adobe Clean Light"/>
               </a:rPr>
-              <a:t>Drive adoption of customization best practices and core components in AEM as a Cloud Service.</a:t>
-            </a:r>
-            <a:endParaRPr sz="1000" dirty="0">
-              <a:solidFill>
-                <a:srgbClr val="4B4B4B"/>
-              </a:solidFill>
-              <a:latin typeface="Adobe Clean Light" panose="020B0303020404020204" pitchFamily="34" charset="0"/>
-            </a:endParaRPr>
+              <a:t>Impulse la adopción de prácticas recomendadas de personalización y componentes principales en AEM as a Cloud </a:t>
+            </a:r>
+            <a:r>
+              <a:rPr lang="es-ES" sz="900" dirty="0" err="1">
+                <a:solidFill>
+                  <a:srgbClr val="4B4B4B"/>
+                </a:solidFill>
+                <a:latin typeface="Adobe Clean Light"/>
+              </a:rPr>
+              <a:t>Service</a:t>
+            </a:r>
+            <a:r>
+              <a:rPr lang="es-ES" sz="900" dirty="0">
+                <a:solidFill>
+                  <a:srgbClr val="4B4B4B"/>
+                </a:solidFill>
+                <a:latin typeface="Adobe Clean Light"/>
+              </a:rPr>
+              <a:t>.</a:t>
+            </a:r>
           </a:p>
         </p:txBody>
       </p:sp>
@@ -10718,8 +9231,8 @@
         </p:nvSpPr>
         <p:spPr>
           <a:xfrm>
-            <a:off x="2835999" y="4994097"/>
-            <a:ext cx="2194560" cy="720903"/>
+            <a:off x="2835999" y="5137790"/>
+            <a:ext cx="2194560" cy="649986"/>
           </a:xfrm>
           <a:prstGeom prst="rect">
             <a:avLst/>
@@ -10740,20 +9253,14 @@
               </a:spcBef>
             </a:pPr>
             <a:r>
-              <a:rPr lang="en-US" sz="1000" dirty="0">
+              <a:rPr lang="es-ES" sz="900" dirty="0">
                 <a:solidFill>
                   <a:srgbClr val="4B4B4B"/>
                 </a:solidFill>
                 <a:latin typeface="Adobe Clean Light"/>
               </a:rPr>
-              <a:t>Identify, review and provide recommendations on customized solution adoption areas that have opportunities for optimization.</a:t>
-            </a:r>
-            <a:endParaRPr lang="en-US" sz="1000" dirty="0">
-              <a:solidFill>
-                <a:srgbClr val="4B4B4B"/>
-              </a:solidFill>
-              <a:latin typeface="Adobe Clean Light" panose="020B0303020404020204" pitchFamily="34" charset="0"/>
-            </a:endParaRPr>
+              <a:t>Identifique, revise y proporcione recomendaciones sobre áreas de adopción de soluciones personalizadas con oportunidades de optimización.</a:t>
+            </a:r>
           </a:p>
         </p:txBody>
       </p:sp>
@@ -10771,8 +9278,8 @@
         </p:nvSpPr>
         <p:spPr>
           <a:xfrm>
-            <a:off x="355868" y="4947989"/>
-            <a:ext cx="2194560" cy="717376"/>
+            <a:off x="355868" y="5091682"/>
+            <a:ext cx="2194560" cy="812017"/>
           </a:xfrm>
           <a:prstGeom prst="rect">
             <a:avLst/>
@@ -10793,20 +9300,50 @@
               </a:spcBef>
             </a:pPr>
             <a:r>
-              <a:rPr lang="en-US" sz="1000" dirty="0">
+              <a:rPr lang="es-ES" sz="900" dirty="0">
                 <a:solidFill>
                   <a:srgbClr val="4B4B4B"/>
                 </a:solidFill>
                 <a:latin typeface="Adobe Clean Light"/>
               </a:rPr>
-              <a:t>Technical &amp; operational governance to assist AEM as a Cloud Service Customers in adhering to industry standards and best practices for AEM as a Cloud Service.</a:t>
-            </a:r>
-            <a:endParaRPr sz="1000" dirty="0">
-              <a:solidFill>
-                <a:srgbClr val="4B4B4B"/>
-              </a:solidFill>
-              <a:latin typeface="Adobe Clean Light" panose="020B0303020404020204" pitchFamily="34" charset="0"/>
-            </a:endParaRPr>
+              <a:t>Gobernanza técnica y operativa para ayudar a los clientes de AEM as a Cloud </a:t>
+            </a:r>
+            <a:r>
+              <a:rPr lang="es-ES" sz="900" dirty="0" err="1">
+                <a:solidFill>
+                  <a:srgbClr val="4B4B4B"/>
+                </a:solidFill>
+                <a:latin typeface="Adobe Clean Light"/>
+              </a:rPr>
+              <a:t>Service</a:t>
+            </a:r>
+            <a:r>
+              <a:rPr lang="es-ES" sz="900" dirty="0">
+                <a:solidFill>
+                  <a:srgbClr val="4B4B4B"/>
+                </a:solidFill>
+                <a:latin typeface="Adobe Clean Light"/>
+              </a:rPr>
+              <a:t> a cumplir con los estándares del sector y las prácticas recomendadas para AEM as a Cloud </a:t>
+            </a:r>
+            <a:r>
+              <a:rPr lang="es-ES" sz="900" dirty="0" err="1">
+                <a:solidFill>
+                  <a:srgbClr val="4B4B4B"/>
+                </a:solidFill>
+                <a:latin typeface="Adobe Clean Light"/>
+              </a:rPr>
+              <a:t>Service</a:t>
+            </a:r>
+            <a:r>
+              <a:rPr lang="es-ES" sz="900" dirty="0">
+                <a:solidFill>
+                  <a:srgbClr val="4B4B4B"/>
+                </a:solidFill>
+                <a:latin typeface="Adobe Clean Light"/>
+              </a:rPr>
+              <a:t>.</a:t>
+            </a:r>
           </a:p>
         </p:txBody>
       </p:sp>
@@ -10825,7 +9362,7 @@
         <p:spPr>
           <a:xfrm>
             <a:off x="2835999" y="1401973"/>
-            <a:ext cx="2194560" cy="959237"/>
+            <a:ext cx="2194560" cy="866904"/>
           </a:xfrm>
           <a:prstGeom prst="rect">
             <a:avLst/>
@@ -10843,20 +9380,14 @@
               </a:spcBef>
             </a:pPr>
             <a:r>
-              <a:rPr lang="en-US" sz="1000" dirty="0">
+              <a:rPr lang="es-ES" sz="900" dirty="0">
                 <a:solidFill>
                   <a:srgbClr val="4B4B4B"/>
                 </a:solidFill>
                 <a:latin typeface="Adobe Clean Light" panose="020B0303020404020204" pitchFamily="34" charset="0"/>
               </a:rPr>
-              <a:t>A designated support engineer who becomes familiar with your solution environment and business goals. The NSE is an experienced support engineer that helps coordinate your Enterprise Support experience.</a:t>
-            </a:r>
-            <a:endParaRPr lang="en-US" sz="1000" dirty="0">
-              <a:solidFill>
-                <a:srgbClr val="000000"/>
-              </a:solidFill>
-              <a:latin typeface="Adobe Clean Light" panose="020B0303020404020204" pitchFamily="34" charset="0"/>
-            </a:endParaRPr>
+              <a:t>Un ingeniero de asistencia técnica especializado que esté familiarizado con el entorno de su solución y sus objetivos empresariales. Es un ingeniero de asistencia técnica experimentado que le ayudará a coordinar su experiencia de soporte Enterprise.</a:t>
+            </a:r>
           </a:p>
         </p:txBody>
       </p:sp>
@@ -10876,7 +9407,7 @@
         </p:nvSpPr>
         <p:spPr>
           <a:xfrm>
-            <a:off x="3201544" y="1127425"/>
+            <a:off x="3201544" y="1042081"/>
             <a:ext cx="1726164" cy="184666"/>
           </a:xfrm>
           <a:prstGeom prst="rect">
@@ -10898,13 +9429,13 @@
               </a:spcAft>
             </a:pPr>
             <a:r>
-              <a:rPr lang="en-US" sz="1200" b="1" spc="-10">
+              <a:rPr lang="es-ES" sz="1200" b="1" dirty="0">
                 <a:solidFill>
                   <a:srgbClr val="020302"/>
                 </a:solidFill>
                 <a:latin typeface="+mj-lt"/>
               </a:rPr>
-              <a:t>Named Support Engineer</a:t>
+              <a:t>Ingeniero de asistencia técnica especializado</a:t>
             </a:r>
           </a:p>
         </p:txBody>
@@ -10963,7 +9494,7 @@
         <p:spPr>
           <a:xfrm>
             <a:off x="5723508" y="1099976"/>
-            <a:ext cx="1036205" cy="197490"/>
+            <a:ext cx="1603884" cy="197490"/>
           </a:xfrm>
           <a:prstGeom prst="rect">
             <a:avLst/>
@@ -10984,19 +9515,15 @@
               </a:spcBef>
             </a:pPr>
             <a:r>
-              <a:rPr lang="en-US" sz="1200" b="1" spc="-20">
+              <a:rPr lang="es-ES" sz="1200" b="1" dirty="0">
                 <a:solidFill>
                   <a:srgbClr val="020302"/>
                 </a:solidFill>
                 <a:latin typeface="Adobe Clean"/>
                 <a:cs typeface="Adobe Clean"/>
               </a:rPr>
-              <a:t>Expert Sessions</a:t>
-            </a:r>
-            <a:endParaRPr sz="1200">
-              <a:latin typeface="Adobe Clean"/>
-              <a:cs typeface="Adobe Clean"/>
-            </a:endParaRPr>
+              <a:t>Sesiones de expertos</a:t>
+            </a:r>
           </a:p>
         </p:txBody>
       </p:sp>
@@ -11036,486 +9563,29 @@
               </a:spcBef>
             </a:pPr>
             <a:r>
-              <a:rPr lang="en-US" sz="1200" b="1" spc="-15">
+              <a:rPr lang="es-ES" sz="1200" b="1" dirty="0">
                 <a:solidFill>
                   <a:srgbClr val="020302"/>
                 </a:solidFill>
                 <a:latin typeface="Adobe Clean"/>
                 <a:cs typeface="Adobe Clean"/>
               </a:rPr>
-              <a:t>C</a:t>
-            </a:r>
-            <a:r>
-              <a:rPr lang="en-US" sz="1200" b="1" spc="-20">
+              <a:t>Prácticas recomendadas de personalización para AEM as a Cloud </a:t>
+            </a:r>
+            <a:r>
+              <a:rPr lang="es-ES" sz="1200" b="1" dirty="0" err="1">
                 <a:solidFill>
                   <a:srgbClr val="020302"/>
                 </a:solidFill>
                 <a:latin typeface="Adobe Clean"/>
                 <a:cs typeface="Adobe Clean"/>
               </a:rPr>
-              <a:t>u</a:t>
-            </a:r>
-            <a:r>
-              <a:rPr lang="en-US" sz="1200" b="1" spc="-25">
-                <a:solidFill>
-                  <a:srgbClr val="020302"/>
-                </a:solidFill>
-                <a:latin typeface="Adobe Clean"/>
-                <a:cs typeface="Adobe Clean"/>
-              </a:rPr>
-              <a:t>st</a:t>
-            </a:r>
-            <a:r>
-              <a:rPr lang="en-US" sz="1200" b="1" spc="-15">
-                <a:solidFill>
-                  <a:srgbClr val="020302"/>
-                </a:solidFill>
-                <a:latin typeface="Adobe Clean"/>
-                <a:cs typeface="Adobe Clean"/>
-              </a:rPr>
-              <a:t>o</a:t>
-            </a:r>
-            <a:r>
-              <a:rPr lang="en-US" sz="1200" b="1" spc="-20">
-                <a:solidFill>
-                  <a:srgbClr val="020302"/>
-                </a:solidFill>
-                <a:latin typeface="Adobe Clean"/>
-                <a:cs typeface="Adobe Clean"/>
-              </a:rPr>
-              <a:t>miza</a:t>
-            </a:r>
-            <a:r>
-              <a:rPr lang="en-US" sz="1200" b="1" spc="-25">
-                <a:solidFill>
-                  <a:srgbClr val="020302"/>
-                </a:solidFill>
-                <a:latin typeface="Adobe Clean"/>
-                <a:cs typeface="Adobe Clean"/>
-              </a:rPr>
-              <a:t>t</a:t>
-            </a:r>
-            <a:r>
-              <a:rPr lang="en-US" sz="1200" b="1" spc="-20">
-                <a:solidFill>
-                  <a:srgbClr val="020302"/>
-                </a:solidFill>
-                <a:latin typeface="Adobe Clean"/>
-                <a:cs typeface="Adobe Clean"/>
-              </a:rPr>
-              <a:t>i</a:t>
-            </a:r>
-            <a:r>
-              <a:rPr lang="en-US" sz="1200" b="1" spc="-15">
-                <a:solidFill>
-                  <a:srgbClr val="020302"/>
-                </a:solidFill>
-                <a:latin typeface="Adobe Clean"/>
-                <a:cs typeface="Adobe Clean"/>
-              </a:rPr>
-              <a:t>o</a:t>
-            </a:r>
-            <a:r>
-              <a:rPr lang="en-US" sz="1200" b="1">
-                <a:solidFill>
-                  <a:srgbClr val="020302"/>
-                </a:solidFill>
-                <a:latin typeface="Adobe Clean"/>
-                <a:cs typeface="Adobe Clean"/>
-              </a:rPr>
-              <a:t>n</a:t>
-            </a:r>
-            <a:r>
-              <a:rPr lang="en-US" sz="1200" b="1" spc="-50">
-                <a:solidFill>
-                  <a:srgbClr val="020302"/>
-                </a:solidFill>
-                <a:latin typeface="Adobe Clean"/>
-                <a:cs typeface="Adobe Clean"/>
-              </a:rPr>
-              <a:t> </a:t>
-            </a:r>
-            <a:r>
-              <a:rPr lang="en-US" sz="1200" b="1" spc="-20">
-                <a:solidFill>
-                  <a:srgbClr val="020302"/>
-                </a:solidFill>
-                <a:latin typeface="Adobe Clean"/>
-                <a:cs typeface="Adobe Clean"/>
-              </a:rPr>
-              <a:t>B</a:t>
-            </a:r>
-            <a:r>
-              <a:rPr lang="en-US" sz="1200" b="1" spc="-25">
-                <a:solidFill>
-                  <a:srgbClr val="020302"/>
-                </a:solidFill>
-                <a:latin typeface="Adobe Clean"/>
-                <a:cs typeface="Adobe Clean"/>
-              </a:rPr>
-              <a:t>es</a:t>
-            </a:r>
-            <a:r>
-              <a:rPr lang="en-US" sz="1200" b="1">
-                <a:solidFill>
-                  <a:srgbClr val="020302"/>
-                </a:solidFill>
-                <a:latin typeface="Adobe Clean"/>
-                <a:cs typeface="Adobe Clean"/>
-              </a:rPr>
-              <a:t>t</a:t>
-            </a:r>
-            <a:r>
-              <a:rPr lang="en-US" sz="1200" b="1" spc="-50">
-                <a:solidFill>
-                  <a:srgbClr val="020302"/>
-                </a:solidFill>
-                <a:latin typeface="Adobe Clean"/>
-                <a:cs typeface="Adobe Clean"/>
-              </a:rPr>
-              <a:t> </a:t>
-            </a:r>
-            <a:r>
-              <a:rPr lang="en-US" sz="1200" b="1" spc="-25">
-                <a:solidFill>
-                  <a:srgbClr val="020302"/>
-                </a:solidFill>
-                <a:latin typeface="Adobe Clean"/>
-                <a:cs typeface="Adobe Clean"/>
-              </a:rPr>
-              <a:t>P</a:t>
-            </a:r>
-            <a:r>
-              <a:rPr lang="en-US" sz="1200" b="1" spc="-20">
-                <a:solidFill>
-                  <a:srgbClr val="020302"/>
-                </a:solidFill>
-                <a:latin typeface="Adobe Clean"/>
-                <a:cs typeface="Adobe Clean"/>
-              </a:rPr>
-              <a:t>ra</a:t>
-            </a:r>
-            <a:r>
-              <a:rPr lang="en-US" sz="1200" b="1" spc="-30">
-                <a:solidFill>
-                  <a:srgbClr val="020302"/>
-                </a:solidFill>
-                <a:latin typeface="Adobe Clean"/>
-                <a:cs typeface="Adobe Clean"/>
-              </a:rPr>
-              <a:t>c</a:t>
-            </a:r>
-            <a:r>
-              <a:rPr lang="en-US" sz="1200" b="1" spc="-25">
-                <a:solidFill>
-                  <a:srgbClr val="020302"/>
-                </a:solidFill>
-                <a:latin typeface="Adobe Clean"/>
-                <a:cs typeface="Adobe Clean"/>
-              </a:rPr>
-              <a:t>t</a:t>
-            </a:r>
-            <a:r>
-              <a:rPr lang="en-US" sz="1200" b="1" spc="-20">
-                <a:solidFill>
-                  <a:srgbClr val="020302"/>
-                </a:solidFill>
-                <a:latin typeface="Adobe Clean"/>
-                <a:cs typeface="Adobe Clean"/>
-              </a:rPr>
-              <a:t>i</a:t>
-            </a:r>
-            <a:r>
-              <a:rPr lang="en-US" sz="1200" b="1" spc="-30">
-                <a:solidFill>
-                  <a:srgbClr val="020302"/>
-                </a:solidFill>
-                <a:latin typeface="Adobe Clean"/>
-                <a:cs typeface="Adobe Clean"/>
-              </a:rPr>
-              <a:t>c</a:t>
-            </a:r>
-            <a:r>
-              <a:rPr lang="en-US" sz="1200" b="1" spc="-25">
-                <a:solidFill>
-                  <a:srgbClr val="020302"/>
-                </a:solidFill>
-                <a:latin typeface="Adobe Clean"/>
-                <a:cs typeface="Adobe Clean"/>
-              </a:rPr>
-              <a:t>e</a:t>
-            </a:r>
-            <a:r>
-              <a:rPr lang="en-US" sz="1200" b="1">
-                <a:solidFill>
-                  <a:srgbClr val="020302"/>
-                </a:solidFill>
-                <a:latin typeface="Adobe Clean"/>
-                <a:cs typeface="Adobe Clean"/>
-              </a:rPr>
-              <a:t>s</a:t>
-            </a:r>
-            <a:r>
-              <a:rPr lang="en-US" sz="1200" b="1" spc="-45">
-                <a:solidFill>
-                  <a:srgbClr val="020302"/>
-                </a:solidFill>
-                <a:latin typeface="Adobe Clean"/>
-                <a:cs typeface="Adobe Clean"/>
-              </a:rPr>
-              <a:t> </a:t>
-            </a:r>
-            <a:r>
-              <a:rPr lang="en-US" sz="1200" b="1" spc="-25">
-                <a:solidFill>
-                  <a:srgbClr val="020302"/>
-                </a:solidFill>
-                <a:latin typeface="Adobe Clean"/>
-                <a:cs typeface="Adobe Clean"/>
-              </a:rPr>
-              <a:t>f</a:t>
-            </a:r>
-            <a:r>
-              <a:rPr lang="en-US" sz="1200" b="1" spc="-15">
-                <a:solidFill>
-                  <a:srgbClr val="020302"/>
-                </a:solidFill>
-                <a:latin typeface="Adobe Clean"/>
-                <a:cs typeface="Adobe Clean"/>
-              </a:rPr>
-              <a:t>o</a:t>
-            </a:r>
-            <a:r>
-              <a:rPr lang="en-US" sz="1200" b="1">
-                <a:solidFill>
-                  <a:srgbClr val="020302"/>
-                </a:solidFill>
-                <a:latin typeface="Adobe Clean"/>
-                <a:cs typeface="Adobe Clean"/>
-              </a:rPr>
-              <a:t>r</a:t>
-            </a:r>
-            <a:r>
-              <a:rPr lang="en-US" sz="1200" b="1" spc="-45">
-                <a:solidFill>
-                  <a:srgbClr val="020302"/>
-                </a:solidFill>
-                <a:latin typeface="Adobe Clean"/>
-                <a:cs typeface="Adobe Clean"/>
-              </a:rPr>
-              <a:t> </a:t>
-            </a:r>
-            <a:r>
-              <a:rPr lang="en-US" sz="1200" b="1" spc="-30">
-                <a:solidFill>
-                  <a:srgbClr val="020302"/>
-                </a:solidFill>
-                <a:latin typeface="Adobe Clean"/>
-                <a:cs typeface="Adobe Clean"/>
-              </a:rPr>
-              <a:t>AE</a:t>
-            </a:r>
-            <a:r>
-              <a:rPr lang="en-US" sz="1200" b="1">
-                <a:solidFill>
-                  <a:srgbClr val="020302"/>
-                </a:solidFill>
-                <a:latin typeface="Adobe Clean"/>
-                <a:cs typeface="Adobe Clean"/>
-              </a:rPr>
-              <a:t>M</a:t>
-            </a:r>
-            <a:r>
-              <a:rPr lang="en-US" sz="1200" b="1" spc="-55">
-                <a:solidFill>
-                  <a:srgbClr val="020302"/>
-                </a:solidFill>
-                <a:latin typeface="Adobe Clean"/>
-                <a:cs typeface="Adobe Clean"/>
-              </a:rPr>
-              <a:t> </a:t>
-            </a:r>
-            <a:r>
-              <a:rPr lang="en-US" sz="1200" b="1" spc="-20">
-                <a:solidFill>
-                  <a:srgbClr val="020302"/>
-                </a:solidFill>
-                <a:latin typeface="Adobe Clean"/>
-                <a:cs typeface="Adobe Clean"/>
-              </a:rPr>
-              <a:t>a</a:t>
-            </a:r>
-            <a:r>
-              <a:rPr lang="en-US" sz="1200" b="1">
-                <a:solidFill>
-                  <a:srgbClr val="020302"/>
-                </a:solidFill>
-                <a:latin typeface="Adobe Clean"/>
-                <a:cs typeface="Adobe Clean"/>
-              </a:rPr>
-              <a:t>s</a:t>
-            </a:r>
-            <a:r>
-              <a:rPr lang="en-US" sz="1200" b="1" spc="-45">
-                <a:solidFill>
-                  <a:srgbClr val="020302"/>
-                </a:solidFill>
-                <a:latin typeface="Adobe Clean"/>
-                <a:cs typeface="Adobe Clean"/>
-              </a:rPr>
-              <a:t> </a:t>
-            </a:r>
-            <a:r>
-              <a:rPr lang="en-US" sz="1200" b="1">
-                <a:solidFill>
-                  <a:srgbClr val="020302"/>
-                </a:solidFill>
-                <a:latin typeface="Adobe Clean"/>
-                <a:cs typeface="Adobe Clean"/>
-              </a:rPr>
-              <a:t>a</a:t>
-            </a:r>
-            <a:r>
-              <a:rPr lang="en-US" sz="1200" b="1" spc="-45">
-                <a:solidFill>
-                  <a:srgbClr val="020302"/>
-                </a:solidFill>
-                <a:latin typeface="Adobe Clean"/>
-                <a:cs typeface="Adobe Clean"/>
-              </a:rPr>
-              <a:t> </a:t>
-            </a:r>
-            <a:r>
-              <a:rPr lang="en-US" sz="1200" b="1" spc="-15">
-                <a:solidFill>
-                  <a:srgbClr val="020302"/>
-                </a:solidFill>
-                <a:latin typeface="Adobe Clean"/>
-                <a:cs typeface="Adobe Clean"/>
-              </a:rPr>
-              <a:t>C</a:t>
-            </a:r>
-            <a:r>
-              <a:rPr lang="en-US" sz="1200" b="1" spc="-25">
-                <a:solidFill>
-                  <a:srgbClr val="020302"/>
-                </a:solidFill>
-                <a:latin typeface="Adobe Clean"/>
-                <a:cs typeface="Adobe Clean"/>
-              </a:rPr>
-              <a:t>l</a:t>
-            </a:r>
-            <a:r>
-              <a:rPr lang="en-US" sz="1200" b="1" spc="-15">
-                <a:solidFill>
-                  <a:srgbClr val="020302"/>
-                </a:solidFill>
-                <a:latin typeface="Adobe Clean"/>
-                <a:cs typeface="Adobe Clean"/>
-              </a:rPr>
-              <a:t>o</a:t>
-            </a:r>
-            <a:r>
-              <a:rPr lang="en-US" sz="1200" b="1" spc="-20">
-                <a:solidFill>
-                  <a:srgbClr val="020302"/>
-                </a:solidFill>
-                <a:latin typeface="Adobe Clean"/>
-                <a:cs typeface="Adobe Clean"/>
-              </a:rPr>
-              <a:t>u</a:t>
-            </a:r>
-            <a:r>
-              <a:rPr lang="en-US" sz="1200" b="1">
-                <a:solidFill>
-                  <a:srgbClr val="020302"/>
-                </a:solidFill>
-                <a:latin typeface="Adobe Clean"/>
-                <a:cs typeface="Adobe Clean"/>
-              </a:rPr>
-              <a:t>d</a:t>
-            </a:r>
-            <a:r>
-              <a:rPr lang="en-US" sz="1200" b="1" spc="-50">
-                <a:solidFill>
-                  <a:srgbClr val="020302"/>
-                </a:solidFill>
-                <a:latin typeface="Adobe Clean"/>
-                <a:cs typeface="Adobe Clean"/>
-              </a:rPr>
-              <a:t> </a:t>
-            </a:r>
-            <a:r>
-              <a:rPr lang="en-US" sz="1200" b="1" spc="-20">
-                <a:solidFill>
-                  <a:srgbClr val="020302"/>
-                </a:solidFill>
-                <a:latin typeface="Adobe Clean"/>
-                <a:cs typeface="Adobe Clean"/>
-              </a:rPr>
-              <a:t>S</a:t>
-            </a:r>
-            <a:r>
-              <a:rPr lang="en-US" sz="1200" b="1" spc="-25">
-                <a:solidFill>
-                  <a:srgbClr val="020302"/>
-                </a:solidFill>
-                <a:latin typeface="Adobe Clean"/>
-                <a:cs typeface="Adobe Clean"/>
-              </a:rPr>
-              <a:t>e</a:t>
-            </a:r>
-            <a:r>
-              <a:rPr lang="en-US" sz="1200" b="1" spc="-20">
-                <a:solidFill>
-                  <a:srgbClr val="020302"/>
-                </a:solidFill>
-                <a:latin typeface="Adobe Clean"/>
-                <a:cs typeface="Adobe Clean"/>
-              </a:rPr>
-              <a:t>r</a:t>
-            </a:r>
-            <a:r>
-              <a:rPr lang="en-US" sz="1200" b="1" spc="-30">
-                <a:solidFill>
-                  <a:srgbClr val="020302"/>
-                </a:solidFill>
-                <a:latin typeface="Adobe Clean"/>
-                <a:cs typeface="Adobe Clean"/>
-              </a:rPr>
-              <a:t>v</a:t>
-            </a:r>
-            <a:r>
-              <a:rPr lang="en-US" sz="1200" b="1" spc="-20">
-                <a:solidFill>
-                  <a:srgbClr val="020302"/>
-                </a:solidFill>
-                <a:latin typeface="Adobe Clean"/>
-                <a:cs typeface="Adobe Clean"/>
-              </a:rPr>
-              <a:t>i</a:t>
-            </a:r>
-            <a:r>
-              <a:rPr lang="en-US" sz="1200" b="1" spc="-30">
-                <a:solidFill>
-                  <a:srgbClr val="020302"/>
-                </a:solidFill>
-                <a:latin typeface="Adobe Clean"/>
-                <a:cs typeface="Adobe Clean"/>
-              </a:rPr>
-              <a:t>c</a:t>
-            </a:r>
-            <a:r>
-              <a:rPr lang="en-US" sz="1200" b="1">
-                <a:solidFill>
-                  <a:srgbClr val="020302"/>
-                </a:solidFill>
-                <a:latin typeface="Adobe Clean"/>
-                <a:cs typeface="Adobe Clean"/>
-              </a:rPr>
-              <a:t>e</a:t>
-            </a:r>
-            <a:endParaRPr lang="en-US" sz="1200">
+              <a:t>Service</a:t>
+            </a:r>
+            <a:endParaRPr lang="es-ES" sz="1200" b="1" dirty="0">
+              <a:solidFill>
+                <a:srgbClr val="020302"/>
+              </a:solidFill>
               <a:latin typeface="Adobe Clean"/>
               <a:cs typeface="Adobe Clean"/>
             </a:endParaRPr>
@@ -11558,16 +9628,29 @@
               </a:spcBef>
             </a:pPr>
             <a:r>
-              <a:rPr lang="en-US" sz="1200" b="1" spc="-25">
+              <a:rPr lang="es-ES" sz="1200" b="1" dirty="0">
                 <a:solidFill>
                   <a:srgbClr val="020302"/>
                 </a:solidFill>
                 <a:latin typeface="Adobe Clean"/>
                 <a:cs typeface="Adobe Clean"/>
               </a:rPr>
-              <a:t>Value-added Services for AEM as a Cloud Service</a:t>
-            </a:r>
-            <a:endParaRPr lang="en-US" sz="1200">
+              <a:t>Servicios de valor añadido para AEM as a Cloud </a:t>
+            </a:r>
+            <a:r>
+              <a:rPr lang="es-ES" sz="1200" b="1" dirty="0" err="1">
+                <a:solidFill>
+                  <a:srgbClr val="020302"/>
+                </a:solidFill>
+                <a:latin typeface="Adobe Clean"/>
+                <a:cs typeface="Adobe Clean"/>
+              </a:rPr>
+              <a:t>Service</a:t>
+            </a:r>
+            <a:endParaRPr lang="es-ES" sz="1200" b="1" dirty="0">
+              <a:solidFill>
+                <a:srgbClr val="020302"/>
+              </a:solidFill>
               <a:latin typeface="Adobe Clean"/>
               <a:cs typeface="Adobe Clean"/>
             </a:endParaRPr>
@@ -11610,356 +9693,29 @@
               </a:spcBef>
             </a:pPr>
             <a:r>
-              <a:rPr lang="en-US" sz="1200" b="1" spc="-20">
+              <a:rPr lang="es-ES" sz="1200" b="1" dirty="0">
                 <a:solidFill>
                   <a:srgbClr val="020302"/>
                 </a:solidFill>
                 <a:latin typeface="Adobe Clean"/>
                 <a:cs typeface="Adobe Clean"/>
               </a:rPr>
-              <a:t>G</a:t>
-            </a:r>
-            <a:r>
-              <a:rPr lang="en-US" sz="1200" b="1" spc="-15">
+              <a:t>Gobernanza de AEM as a Cloud </a:t>
+            </a:r>
+            <a:r>
+              <a:rPr lang="es-ES" sz="1200" b="1" dirty="0" err="1">
                 <a:solidFill>
                   <a:srgbClr val="020302"/>
                 </a:solidFill>
                 <a:latin typeface="Adobe Clean"/>
                 <a:cs typeface="Adobe Clean"/>
               </a:rPr>
-              <a:t>o</a:t>
-            </a:r>
-            <a:r>
-              <a:rPr lang="en-US" sz="1200" b="1" spc="-25">
-                <a:solidFill>
-                  <a:srgbClr val="020302"/>
-                </a:solidFill>
-                <a:latin typeface="Adobe Clean"/>
-                <a:cs typeface="Adobe Clean"/>
-              </a:rPr>
-              <a:t>ve</a:t>
-            </a:r>
-            <a:r>
-              <a:rPr lang="en-US" sz="1200" b="1" spc="-20">
-                <a:solidFill>
-                  <a:srgbClr val="020302"/>
-                </a:solidFill>
-                <a:latin typeface="Adobe Clean"/>
-                <a:cs typeface="Adobe Clean"/>
-              </a:rPr>
-              <a:t>r</a:t>
-            </a:r>
-            <a:r>
-              <a:rPr lang="en-US" sz="1200" b="1" spc="-25">
-                <a:solidFill>
-                  <a:srgbClr val="020302"/>
-                </a:solidFill>
-                <a:latin typeface="Adobe Clean"/>
-                <a:cs typeface="Adobe Clean"/>
-              </a:rPr>
-              <a:t>n</a:t>
-            </a:r>
-            <a:r>
-              <a:rPr lang="en-US" sz="1200" b="1" spc="-20">
-                <a:solidFill>
-                  <a:srgbClr val="020302"/>
-                </a:solidFill>
-                <a:latin typeface="Adobe Clean"/>
-                <a:cs typeface="Adobe Clean"/>
-              </a:rPr>
-              <a:t>a</a:t>
-            </a:r>
-            <a:r>
-              <a:rPr lang="en-US" sz="1200" b="1" spc="-25">
-                <a:solidFill>
-                  <a:srgbClr val="020302"/>
-                </a:solidFill>
-                <a:latin typeface="Adobe Clean"/>
-                <a:cs typeface="Adobe Clean"/>
-              </a:rPr>
-              <a:t>n</a:t>
-            </a:r>
-            <a:r>
-              <a:rPr lang="en-US" sz="1200" b="1" spc="-30">
-                <a:solidFill>
-                  <a:srgbClr val="020302"/>
-                </a:solidFill>
-                <a:latin typeface="Adobe Clean"/>
-                <a:cs typeface="Adobe Clean"/>
-              </a:rPr>
-              <a:t>c</a:t>
-            </a:r>
-            <a:r>
-              <a:rPr lang="en-US" sz="1200" b="1">
-                <a:solidFill>
-                  <a:srgbClr val="020302"/>
-                </a:solidFill>
-                <a:latin typeface="Adobe Clean"/>
-                <a:cs typeface="Adobe Clean"/>
-              </a:rPr>
-              <a:t>e</a:t>
-            </a:r>
-            <a:r>
-              <a:rPr lang="en-US" sz="1200" b="1" spc="-50">
-                <a:solidFill>
-                  <a:srgbClr val="020302"/>
-                </a:solidFill>
-                <a:latin typeface="Adobe Clean"/>
-                <a:cs typeface="Adobe Clean"/>
-              </a:rPr>
-              <a:t> </a:t>
-            </a:r>
-            <a:r>
-              <a:rPr lang="en-US" sz="1200" b="1" spc="-25">
-                <a:solidFill>
-                  <a:srgbClr val="020302"/>
-                </a:solidFill>
-                <a:latin typeface="Adobe Clean"/>
-                <a:cs typeface="Adobe Clean"/>
-              </a:rPr>
-              <a:t>f</a:t>
-            </a:r>
-            <a:r>
-              <a:rPr lang="en-US" sz="1200" b="1" spc="-15">
-                <a:solidFill>
-                  <a:srgbClr val="020302"/>
-                </a:solidFill>
-                <a:latin typeface="Adobe Clean"/>
-                <a:cs typeface="Adobe Clean"/>
-              </a:rPr>
-              <a:t>o</a:t>
-            </a:r>
-            <a:r>
-              <a:rPr lang="en-US" sz="1200" b="1">
-                <a:solidFill>
-                  <a:srgbClr val="020302"/>
-                </a:solidFill>
-                <a:latin typeface="Adobe Clean"/>
-                <a:cs typeface="Adobe Clean"/>
-              </a:rPr>
-              <a:t>r</a:t>
-            </a:r>
-            <a:r>
-              <a:rPr lang="en-US" sz="1200" b="1" spc="-45">
-                <a:solidFill>
-                  <a:srgbClr val="020302"/>
-                </a:solidFill>
-                <a:latin typeface="Adobe Clean"/>
-                <a:cs typeface="Adobe Clean"/>
-              </a:rPr>
-              <a:t> </a:t>
-            </a:r>
-            <a:r>
-              <a:rPr lang="en-US" sz="1200" b="1" spc="-30">
-                <a:solidFill>
-                  <a:srgbClr val="020302"/>
-                </a:solidFill>
-                <a:latin typeface="Adobe Clean"/>
-                <a:cs typeface="Adobe Clean"/>
-              </a:rPr>
-              <a:t>A</a:t>
-            </a:r>
-            <a:r>
-              <a:rPr lang="en-US" sz="1200" b="1" spc="-25">
-                <a:solidFill>
-                  <a:srgbClr val="020302"/>
-                </a:solidFill>
-                <a:latin typeface="Adobe Clean"/>
-                <a:cs typeface="Adobe Clean"/>
-              </a:rPr>
-              <a:t>E</a:t>
-            </a:r>
-            <a:r>
-              <a:rPr lang="en-US" sz="1200" b="1">
-                <a:solidFill>
-                  <a:srgbClr val="020302"/>
-                </a:solidFill>
-                <a:latin typeface="Adobe Clean"/>
-                <a:cs typeface="Adobe Clean"/>
-              </a:rPr>
-              <a:t>M</a:t>
-            </a:r>
-            <a:r>
-              <a:rPr lang="en-US" sz="1200" b="1" spc="-50">
-                <a:solidFill>
-                  <a:srgbClr val="020302"/>
-                </a:solidFill>
-                <a:latin typeface="Adobe Clean"/>
-                <a:cs typeface="Adobe Clean"/>
-              </a:rPr>
-              <a:t> </a:t>
-            </a:r>
-            <a:r>
-              <a:rPr lang="en-US" sz="1200" b="1" spc="-20">
-                <a:solidFill>
-                  <a:srgbClr val="020302"/>
-                </a:solidFill>
-                <a:latin typeface="Adobe Clean"/>
-                <a:cs typeface="Adobe Clean"/>
-              </a:rPr>
-              <a:t>a</a:t>
-            </a:r>
-            <a:r>
-              <a:rPr lang="en-US" sz="1200" b="1">
-                <a:solidFill>
-                  <a:srgbClr val="020302"/>
-                </a:solidFill>
-                <a:latin typeface="Adobe Clean"/>
-                <a:cs typeface="Adobe Clean"/>
-              </a:rPr>
-              <a:t>s</a:t>
-            </a:r>
-            <a:r>
-              <a:rPr lang="en-US" sz="1200" b="1" spc="-45">
-                <a:solidFill>
-                  <a:srgbClr val="020302"/>
-                </a:solidFill>
-                <a:latin typeface="Adobe Clean"/>
-                <a:cs typeface="Adobe Clean"/>
-              </a:rPr>
-              <a:t> </a:t>
-            </a:r>
-            <a:r>
-              <a:rPr lang="en-US" sz="1200" b="1">
-                <a:solidFill>
-                  <a:srgbClr val="020302"/>
-                </a:solidFill>
-                <a:latin typeface="Adobe Clean"/>
-                <a:cs typeface="Adobe Clean"/>
-              </a:rPr>
-              <a:t>a</a:t>
-            </a:r>
-            <a:r>
-              <a:rPr lang="en-US" sz="1200" b="1" spc="-40">
-                <a:solidFill>
-                  <a:srgbClr val="020302"/>
-                </a:solidFill>
-                <a:latin typeface="Adobe Clean"/>
-                <a:cs typeface="Adobe Clean"/>
-              </a:rPr>
-              <a:t> </a:t>
-            </a:r>
-            <a:r>
-              <a:rPr lang="en-US" sz="1200" b="1" spc="-15">
-                <a:solidFill>
-                  <a:srgbClr val="020302"/>
-                </a:solidFill>
-                <a:latin typeface="Adobe Clean"/>
-                <a:cs typeface="Adobe Clean"/>
-              </a:rPr>
-              <a:t>C</a:t>
-            </a:r>
-            <a:r>
-              <a:rPr lang="en-US" sz="1200" b="1" spc="-25">
-                <a:solidFill>
-                  <a:srgbClr val="020302"/>
-                </a:solidFill>
-                <a:latin typeface="Adobe Clean"/>
-                <a:cs typeface="Adobe Clean"/>
-              </a:rPr>
-              <a:t>l</a:t>
-            </a:r>
-            <a:r>
-              <a:rPr lang="en-US" sz="1200" b="1" spc="-15">
-                <a:solidFill>
-                  <a:srgbClr val="020302"/>
-                </a:solidFill>
-                <a:latin typeface="Adobe Clean"/>
-                <a:cs typeface="Adobe Clean"/>
-              </a:rPr>
-              <a:t>ou</a:t>
-            </a:r>
-            <a:r>
-              <a:rPr lang="en-US" sz="1200" b="1">
-                <a:solidFill>
-                  <a:srgbClr val="020302"/>
-                </a:solidFill>
-                <a:latin typeface="Adobe Clean"/>
-                <a:cs typeface="Adobe Clean"/>
-              </a:rPr>
-              <a:t>d</a:t>
-            </a:r>
-            <a:r>
-              <a:rPr lang="en-US" sz="1200" b="1" spc="-50">
-                <a:solidFill>
-                  <a:srgbClr val="020302"/>
-                </a:solidFill>
-                <a:latin typeface="Adobe Clean"/>
-                <a:cs typeface="Adobe Clean"/>
-              </a:rPr>
-              <a:t> </a:t>
-            </a:r>
-            <a:r>
-              <a:rPr lang="en-US" sz="1200" b="1" spc="-20">
-                <a:solidFill>
-                  <a:srgbClr val="020302"/>
-                </a:solidFill>
-                <a:latin typeface="Adobe Clean"/>
-                <a:cs typeface="Adobe Clean"/>
-              </a:rPr>
-              <a:t>S</a:t>
-            </a:r>
-            <a:r>
-              <a:rPr lang="en-US" sz="1200" b="1" spc="-25">
-                <a:solidFill>
-                  <a:srgbClr val="020302"/>
-                </a:solidFill>
-                <a:latin typeface="Adobe Clean"/>
-                <a:cs typeface="Adobe Clean"/>
-              </a:rPr>
-              <a:t>e</a:t>
-            </a:r>
-            <a:r>
-              <a:rPr lang="en-US" sz="1200" b="1" spc="-20">
-                <a:solidFill>
-                  <a:srgbClr val="020302"/>
-                </a:solidFill>
-                <a:latin typeface="Adobe Clean"/>
-                <a:cs typeface="Adobe Clean"/>
-              </a:rPr>
-              <a:t>r</a:t>
-            </a:r>
-            <a:r>
-              <a:rPr lang="en-US" sz="1200" b="1" spc="-25">
-                <a:solidFill>
-                  <a:srgbClr val="020302"/>
-                </a:solidFill>
-                <a:latin typeface="Adobe Clean"/>
-                <a:cs typeface="Adobe Clean"/>
-              </a:rPr>
-              <a:t>v</a:t>
-            </a:r>
-            <a:r>
-              <a:rPr lang="en-US" sz="1200" b="1" spc="-20">
-                <a:solidFill>
-                  <a:srgbClr val="020302"/>
-                </a:solidFill>
-                <a:latin typeface="Adobe Clean"/>
-                <a:cs typeface="Adobe Clean"/>
-              </a:rPr>
-              <a:t>i</a:t>
-            </a:r>
-            <a:r>
-              <a:rPr lang="en-US" sz="1200" b="1" spc="-30">
-                <a:solidFill>
-                  <a:srgbClr val="020302"/>
-                </a:solidFill>
-                <a:latin typeface="Adobe Clean"/>
-                <a:cs typeface="Adobe Clean"/>
-              </a:rPr>
-              <a:t>c</a:t>
-            </a:r>
-            <a:r>
-              <a:rPr lang="en-US" sz="1200" b="1">
-                <a:solidFill>
-                  <a:srgbClr val="020302"/>
-                </a:solidFill>
-                <a:latin typeface="Adobe Clean"/>
-                <a:cs typeface="Adobe Clean"/>
-              </a:rPr>
-              <a:t>e</a:t>
-            </a:r>
-            <a:endParaRPr lang="en-US" sz="1200">
+              <a:t>Service</a:t>
+            </a:r>
+            <a:endParaRPr lang="es-ES" sz="1200" b="1" dirty="0">
+              <a:solidFill>
+                <a:srgbClr val="020302"/>
+              </a:solidFill>
               <a:latin typeface="Adobe Clean"/>
               <a:cs typeface="Adobe Clean"/>
             </a:endParaRPr>
@@ -12059,7 +9815,7 @@
         <p:spPr>
           <a:xfrm>
             <a:off x="689237" y="1102554"/>
-            <a:ext cx="1036205" cy="197490"/>
+            <a:ext cx="1438267" cy="197490"/>
           </a:xfrm>
           <a:prstGeom prst="rect">
             <a:avLst/>
@@ -12080,99 +9836,15 @@
               </a:spcBef>
             </a:pPr>
             <a:r>
-              <a:rPr lang="en-US" sz="1200" b="1" spc="-20">
+              <a:rPr lang="es-ES" sz="1200" b="1" dirty="0">
                 <a:solidFill>
                   <a:srgbClr val="020302"/>
                 </a:solidFill>
                 <a:latin typeface="Adobe Clean"/>
                 <a:cs typeface="Adobe Clean"/>
               </a:rPr>
-              <a:t>Cas</a:t>
-            </a:r>
-            <a:r>
-              <a:rPr sz="1200" b="1">
-                <a:solidFill>
-                  <a:srgbClr val="020302"/>
-                </a:solidFill>
-                <a:latin typeface="Adobe Clean"/>
-                <a:cs typeface="Adobe Clean"/>
-              </a:rPr>
-              <a:t>e</a:t>
-            </a:r>
-            <a:r>
-              <a:rPr sz="1200" b="1" spc="-80">
-                <a:solidFill>
-                  <a:srgbClr val="020302"/>
-                </a:solidFill>
-                <a:latin typeface="Adobe Clean"/>
-                <a:cs typeface="Adobe Clean"/>
-              </a:rPr>
-              <a:t> </a:t>
-            </a:r>
-            <a:r>
-              <a:rPr sz="1200" b="1" spc="-20">
-                <a:solidFill>
-                  <a:srgbClr val="020302"/>
-                </a:solidFill>
-                <a:latin typeface="Adobe Clean"/>
-                <a:cs typeface="Adobe Clean"/>
-              </a:rPr>
-              <a:t>R</a:t>
-            </a:r>
-            <a:r>
-              <a:rPr sz="1200" b="1" spc="-25">
-                <a:solidFill>
-                  <a:srgbClr val="020302"/>
-                </a:solidFill>
-                <a:latin typeface="Adobe Clean"/>
-                <a:cs typeface="Adobe Clean"/>
-              </a:rPr>
-              <a:t>e</a:t>
-            </a:r>
-            <a:r>
-              <a:rPr sz="1200" b="1" spc="-30">
-                <a:solidFill>
-                  <a:srgbClr val="020302"/>
-                </a:solidFill>
-                <a:latin typeface="Adobe Clean"/>
-                <a:cs typeface="Adobe Clean"/>
-              </a:rPr>
-              <a:t>v</a:t>
-            </a:r>
-            <a:r>
-              <a:rPr sz="1200" b="1" spc="-20">
-                <a:solidFill>
-                  <a:srgbClr val="020302"/>
-                </a:solidFill>
-                <a:latin typeface="Adobe Clean"/>
-                <a:cs typeface="Adobe Clean"/>
-              </a:rPr>
-              <a:t>i</a:t>
-            </a:r>
-            <a:r>
-              <a:rPr sz="1200" b="1" spc="-25">
-                <a:solidFill>
-                  <a:srgbClr val="020302"/>
-                </a:solidFill>
-                <a:latin typeface="Adobe Clean"/>
-                <a:cs typeface="Adobe Clean"/>
-              </a:rPr>
-              <a:t>ew</a:t>
-            </a:r>
-            <a:r>
-              <a:rPr sz="1200" b="1">
-                <a:solidFill>
-                  <a:srgbClr val="020302"/>
-                </a:solidFill>
-                <a:latin typeface="Adobe Clean"/>
-                <a:cs typeface="Adobe Clean"/>
-              </a:rPr>
-              <a:t>s</a:t>
-            </a:r>
-            <a:endParaRPr sz="1200">
-              <a:latin typeface="Adobe Clean"/>
-              <a:cs typeface="Adobe Clean"/>
-            </a:endParaRPr>
+              <a:t>Reseñas de casos</a:t>
+            </a:r>
           </a:p>
         </p:txBody>
       </p:sp>
@@ -12230,7 +9902,7 @@
         <p:spPr>
           <a:xfrm>
             <a:off x="355868" y="1426046"/>
-            <a:ext cx="2194560" cy="936154"/>
+            <a:ext cx="2194560" cy="982320"/>
           </a:xfrm>
           <a:prstGeom prst="rect">
             <a:avLst/>
@@ -12251,18 +9923,14 @@
               </a:spcBef>
             </a:pPr>
             <a:r>
-              <a:rPr lang="en-US" sz="1000">
+              <a:rPr lang="es-ES" sz="900" dirty="0">
                 <a:solidFill>
                   <a:srgbClr val="4B4B4B"/>
                 </a:solidFill>
                 <a:latin typeface="Adobe Clean Light" panose="020B0303020404020204" pitchFamily="34" charset="0"/>
               </a:rPr>
-              <a:t>Regular scheduled review of open support requests, ensuring customer alignment on case description, business impact, status, priority and agreement on next steps required to ensure an expedient resolution.</a:t>
-            </a:r>
-            <a:endParaRPr sz="1000">
-              <a:latin typeface="Adobe Clean Light" panose="020B0303020404020204" pitchFamily="34" charset="0"/>
-              <a:cs typeface="AdobeClean-Light"/>
-            </a:endParaRPr>
+              <a:t>Revisión programada periódica de las solicitudes de soporte abiertas, lo que garantiza la alineación del cliente en la descripción de casos, el impacto empresarial, el estado, la prioridad y el acuerdo en cuanto a los siguientes pasos necesarios para garantizar una solución adecuada.</a:t>
+            </a:r>
           </a:p>
         </p:txBody>
       </p:sp>
@@ -12302,19 +9970,15 @@
               </a:spcBef>
             </a:pPr>
             <a:r>
-              <a:rPr lang="en-US" sz="1400" b="1" spc="-10">
+              <a:rPr lang="es-ES" sz="1400" b="1">
                 <a:solidFill>
                   <a:srgbClr val="020302"/>
                 </a:solidFill>
                 <a:latin typeface="Adobe Clean"/>
                 <a:cs typeface="Adobe Clean"/>
               </a:rPr>
-              <a:t>Cloud Support Activities - AEM</a:t>
-            </a:r>
-            <a:endParaRPr lang="en-US" sz="1400">
-              <a:latin typeface="Adobe Clean"/>
-              <a:cs typeface="Adobe Clean"/>
-            </a:endParaRPr>
+              <a:t>Actividades de soporte en la nube - AEM</a:t>
+            </a:r>
           </a:p>
         </p:txBody>
       </p:sp>
@@ -12397,7 +10061,7 @@
         </p:blipFill>
         <p:spPr>
           <a:xfrm>
-            <a:off x="2569142" y="3892352"/>
+            <a:off x="3471350" y="3892352"/>
             <a:ext cx="461665" cy="461665"/>
           </a:xfrm>
           <a:prstGeom prst="rect">
@@ -13066,109 +10730,15 @@
               </a:lnSpc>
             </a:pPr>
             <a:r>
-              <a:rPr sz="800" spc="-10">
+              <a:rPr lang="es-ES" sz="800">
                 <a:solidFill>
                   <a:srgbClr val="6D6D6D"/>
                 </a:solidFill>
                 <a:latin typeface="Adobe Clean"/>
                 <a:cs typeface="Adobe Clean"/>
               </a:rPr>
-              <a:t>©202</a:t>
-            </a:r>
-            <a:r>
-              <a:rPr lang="en-US" sz="800" spc="-10">
-                <a:solidFill>
-                  <a:srgbClr val="6D6D6D"/>
-                </a:solidFill>
-                <a:latin typeface="Adobe Clean"/>
-                <a:cs typeface="Adobe Clean"/>
-              </a:rPr>
-              <a:t>1</a:t>
-            </a:r>
-            <a:r>
-              <a:rPr sz="800" spc="-5">
-                <a:solidFill>
-                  <a:srgbClr val="6D6D6D"/>
-                </a:solidFill>
-                <a:latin typeface="Adobe Clean"/>
-                <a:cs typeface="Adobe Clean"/>
-              </a:rPr>
-              <a:t> Adobe. All</a:t>
-            </a:r>
-            <a:r>
-              <a:rPr sz="800" spc="-15">
-                <a:solidFill>
-                  <a:srgbClr val="6D6D6D"/>
-                </a:solidFill>
-                <a:latin typeface="Adobe Clean"/>
-                <a:cs typeface="Adobe Clean"/>
-              </a:rPr>
-              <a:t> </a:t>
-            </a:r>
-            <a:r>
-              <a:rPr sz="800" spc="-10">
-                <a:solidFill>
-                  <a:srgbClr val="6D6D6D"/>
-                </a:solidFill>
-                <a:latin typeface="Adobe Clean"/>
-                <a:cs typeface="Adobe Clean"/>
-              </a:rPr>
-              <a:t>Rights</a:t>
-            </a:r>
-            <a:r>
-              <a:rPr sz="800" spc="-5">
-                <a:solidFill>
-                  <a:srgbClr val="6D6D6D"/>
-                </a:solidFill>
-                <a:latin typeface="Adobe Clean"/>
-                <a:cs typeface="Adobe Clean"/>
-              </a:rPr>
-              <a:t> </a:t>
-            </a:r>
-            <a:r>
-              <a:rPr sz="800" spc="-10">
-                <a:solidFill>
-                  <a:srgbClr val="6D6D6D"/>
-                </a:solidFill>
-                <a:latin typeface="Adobe Clean"/>
-                <a:cs typeface="Adobe Clean"/>
-              </a:rPr>
-              <a:t>Reserved.</a:t>
-            </a:r>
-            <a:r>
-              <a:rPr sz="800" spc="-5">
-                <a:solidFill>
-                  <a:srgbClr val="6D6D6D"/>
-                </a:solidFill>
-                <a:latin typeface="Adobe Clean"/>
-                <a:cs typeface="Adobe Clean"/>
-              </a:rPr>
-              <a:t> Adobe</a:t>
-            </a:r>
-            <a:r>
-              <a:rPr sz="800" spc="75">
-                <a:solidFill>
-                  <a:srgbClr val="6D6D6D"/>
-                </a:solidFill>
-                <a:latin typeface="Adobe Clean"/>
-                <a:cs typeface="Adobe Clean"/>
-              </a:rPr>
-              <a:t> </a:t>
-            </a:r>
-            <a:r>
-              <a:rPr sz="800" spc="-10">
-                <a:solidFill>
-                  <a:srgbClr val="6D6D6D"/>
-                </a:solidFill>
-                <a:latin typeface="Adobe Clean"/>
-                <a:cs typeface="Adobe Clean"/>
-              </a:rPr>
-              <a:t>Confidential.</a:t>
-            </a:r>
-            <a:endParaRPr sz="800">
-              <a:latin typeface="Adobe Clean"/>
-              <a:cs typeface="Adobe Clean"/>
-            </a:endParaRPr>
+              <a:t>©2021 Adobe. All Rights Reserved. Adobe Confidential.</a:t>
+            </a:r>
           </a:p>
         </p:txBody>
       </p:sp>
@@ -13222,8 +10792,8 @@
         </p:nvSpPr>
         <p:spPr>
           <a:xfrm>
-            <a:off x="4843270" y="589788"/>
-            <a:ext cx="2588260" cy="228268"/>
+            <a:off x="4459221" y="589788"/>
+            <a:ext cx="2725675" cy="228268"/>
           </a:xfrm>
           <a:prstGeom prst="rect">
             <a:avLst/>
@@ -13241,179 +10811,15 @@
               </a:spcBef>
             </a:pPr>
             <a:r>
-              <a:rPr sz="1400" b="1" spc="-25" dirty="0">
+              <a:rPr lang="es-ES" sz="1400" b="1" dirty="0">
                 <a:solidFill>
                   <a:srgbClr val="020302"/>
                 </a:solidFill>
                 <a:latin typeface="Adobe Clean"/>
                 <a:cs typeface="Adobe Clean"/>
               </a:rPr>
-              <a:t>Fi</a:t>
-            </a:r>
-            <a:r>
-              <a:rPr sz="1400" b="1" spc="-30" dirty="0">
-                <a:solidFill>
-                  <a:srgbClr val="020302"/>
-                </a:solidFill>
-                <a:latin typeface="Adobe Clean"/>
-                <a:cs typeface="Adobe Clean"/>
-              </a:rPr>
-              <a:t>e</a:t>
-            </a:r>
-            <a:r>
-              <a:rPr sz="1400" b="1" spc="-25" dirty="0">
-                <a:solidFill>
-                  <a:srgbClr val="020302"/>
-                </a:solidFill>
-                <a:latin typeface="Adobe Clean"/>
-                <a:cs typeface="Adobe Clean"/>
-              </a:rPr>
-              <a:t>l</a:t>
-            </a:r>
-            <a:r>
-              <a:rPr sz="1400" b="1" dirty="0">
-                <a:solidFill>
-                  <a:srgbClr val="020302"/>
-                </a:solidFill>
-                <a:latin typeface="Adobe Clean"/>
-                <a:cs typeface="Adobe Clean"/>
-              </a:rPr>
-              <a:t>d</a:t>
-            </a:r>
-            <a:r>
-              <a:rPr sz="1400" b="1" spc="-45" dirty="0">
-                <a:solidFill>
-                  <a:srgbClr val="020302"/>
-                </a:solidFill>
-                <a:latin typeface="Adobe Clean"/>
-                <a:cs typeface="Adobe Clean"/>
-              </a:rPr>
-              <a:t> </a:t>
-            </a:r>
-            <a:r>
-              <a:rPr sz="1400" b="1" spc="20" dirty="0">
-                <a:solidFill>
-                  <a:srgbClr val="020302"/>
-                </a:solidFill>
-                <a:latin typeface="Adobe Clean"/>
-                <a:cs typeface="Adobe Clean"/>
-              </a:rPr>
-              <a:t>S</a:t>
-            </a:r>
-            <a:r>
-              <a:rPr sz="1400" b="1" spc="10" dirty="0">
-                <a:solidFill>
-                  <a:srgbClr val="020302"/>
-                </a:solidFill>
-                <a:latin typeface="Adobe Clean"/>
-                <a:cs typeface="Adobe Clean"/>
-              </a:rPr>
-              <a:t>e</a:t>
-            </a:r>
-            <a:r>
-              <a:rPr sz="1400" b="1" spc="15" dirty="0">
-                <a:solidFill>
-                  <a:srgbClr val="020302"/>
-                </a:solidFill>
-                <a:latin typeface="Adobe Clean"/>
-                <a:cs typeface="Adobe Clean"/>
-              </a:rPr>
-              <a:t>rvi</a:t>
-            </a:r>
-            <a:r>
-              <a:rPr sz="1400" b="1" spc="10" dirty="0">
-                <a:solidFill>
-                  <a:srgbClr val="020302"/>
-                </a:solidFill>
-                <a:latin typeface="Adobe Clean"/>
-                <a:cs typeface="Adobe Clean"/>
-              </a:rPr>
-              <a:t>c</a:t>
-            </a:r>
-            <a:r>
-              <a:rPr sz="1400" b="1" dirty="0">
-                <a:solidFill>
-                  <a:srgbClr val="020302"/>
-                </a:solidFill>
-                <a:latin typeface="Adobe Clean"/>
-                <a:cs typeface="Adobe Clean"/>
-              </a:rPr>
-              <a:t>e</a:t>
-            </a:r>
-            <a:r>
-              <a:rPr lang="en-US" sz="1400" b="1" dirty="0">
-                <a:solidFill>
-                  <a:srgbClr val="020302"/>
-                </a:solidFill>
-                <a:latin typeface="Adobe Clean"/>
-                <a:cs typeface="Adobe Clean"/>
-              </a:rPr>
-              <a:t> </a:t>
-            </a:r>
-            <a:r>
-              <a:rPr sz="1400" b="1" spc="5" dirty="0">
-                <a:solidFill>
-                  <a:srgbClr val="020302"/>
-                </a:solidFill>
-                <a:latin typeface="Adobe Clean"/>
-                <a:cs typeface="Adobe Clean"/>
-              </a:rPr>
-              <a:t>A</a:t>
-            </a:r>
-            <a:r>
-              <a:rPr sz="1400" b="1" dirty="0">
-                <a:solidFill>
-                  <a:srgbClr val="020302"/>
-                </a:solidFill>
-                <a:latin typeface="Adobe Clean"/>
-                <a:cs typeface="Adobe Clean"/>
-              </a:rPr>
-              <a:t>ct</a:t>
-            </a:r>
-            <a:r>
-              <a:rPr sz="1400" b="1" spc="5" dirty="0">
-                <a:solidFill>
-                  <a:srgbClr val="020302"/>
-                </a:solidFill>
-                <a:latin typeface="Adobe Clean"/>
-                <a:cs typeface="Adobe Clean"/>
-              </a:rPr>
-              <a:t>ivi</a:t>
-            </a:r>
-            <a:r>
-              <a:rPr sz="1400" b="1" dirty="0">
-                <a:solidFill>
-                  <a:srgbClr val="020302"/>
-                </a:solidFill>
-                <a:latin typeface="Adobe Clean"/>
-                <a:cs typeface="Adobe Clean"/>
-              </a:rPr>
-              <a:t>t</a:t>
-            </a:r>
-            <a:r>
-              <a:rPr sz="1400" b="1" spc="5" dirty="0">
-                <a:solidFill>
-                  <a:srgbClr val="020302"/>
-                </a:solidFill>
-                <a:latin typeface="Adobe Clean"/>
-                <a:cs typeface="Adobe Clean"/>
-              </a:rPr>
-              <a:t>i</a:t>
-            </a:r>
-            <a:r>
-              <a:rPr sz="1400" b="1" dirty="0">
-                <a:solidFill>
-                  <a:srgbClr val="020302"/>
-                </a:solidFill>
-                <a:latin typeface="Adobe Clean"/>
-                <a:cs typeface="Adobe Clean"/>
-              </a:rPr>
-              <a:t>es</a:t>
-            </a:r>
-            <a:endParaRPr sz="1400" dirty="0">
-              <a:latin typeface="Adobe Clean"/>
-              <a:cs typeface="Adobe Clean"/>
-            </a:endParaRPr>
+              <a:t>Actividades del servicio de campo</a:t>
+            </a:r>
           </a:p>
         </p:txBody>
       </p:sp>
@@ -13447,99 +10853,15 @@
               </a:spcBef>
             </a:pPr>
             <a:r>
-              <a:rPr sz="1400" b="1" spc="-20">
+              <a:rPr lang="es-ES" sz="1400" b="1">
                 <a:solidFill>
                   <a:srgbClr val="020302"/>
                 </a:solidFill>
                 <a:latin typeface="Adobe Clean"/>
                 <a:cs typeface="Adobe Clean"/>
               </a:rPr>
-              <a:t>L</a:t>
-            </a:r>
-            <a:r>
-              <a:rPr sz="1400" b="1" spc="-10">
-                <a:solidFill>
-                  <a:srgbClr val="020302"/>
-                </a:solidFill>
-                <a:latin typeface="Adobe Clean"/>
-                <a:cs typeface="Adobe Clean"/>
-              </a:rPr>
-              <a:t>a</a:t>
-            </a:r>
-            <a:r>
-              <a:rPr sz="1400" b="1" spc="-15">
-                <a:solidFill>
-                  <a:srgbClr val="020302"/>
-                </a:solidFill>
-                <a:latin typeface="Adobe Clean"/>
-                <a:cs typeface="Adobe Clean"/>
-              </a:rPr>
-              <a:t>un</a:t>
-            </a:r>
-            <a:r>
-              <a:rPr sz="1400" b="1" spc="-20">
-                <a:solidFill>
-                  <a:srgbClr val="020302"/>
-                </a:solidFill>
-                <a:latin typeface="Adobe Clean"/>
-                <a:cs typeface="Adobe Clean"/>
-              </a:rPr>
-              <a:t>c</a:t>
-            </a:r>
-            <a:r>
-              <a:rPr sz="1400" b="1">
-                <a:solidFill>
-                  <a:srgbClr val="020302"/>
-                </a:solidFill>
-                <a:latin typeface="Adobe Clean"/>
-                <a:cs typeface="Adobe Clean"/>
-              </a:rPr>
-              <a:t>h</a:t>
-            </a:r>
-            <a:r>
-              <a:rPr sz="1400" b="1" spc="-30">
-                <a:solidFill>
-                  <a:srgbClr val="020302"/>
-                </a:solidFill>
-                <a:latin typeface="Adobe Clean"/>
-                <a:cs typeface="Adobe Clean"/>
-              </a:rPr>
-              <a:t> </a:t>
-            </a:r>
-            <a:r>
-              <a:rPr sz="1400" b="1" spc="-10">
-                <a:solidFill>
-                  <a:srgbClr val="020302"/>
-                </a:solidFill>
-                <a:latin typeface="Adobe Clean"/>
-                <a:cs typeface="Adobe Clean"/>
-              </a:rPr>
-              <a:t>Advisor</a:t>
-            </a:r>
-            <a:r>
-              <a:rPr sz="1400" b="1">
-                <a:solidFill>
-                  <a:srgbClr val="020302"/>
-                </a:solidFill>
-                <a:latin typeface="Adobe Clean"/>
-                <a:cs typeface="Adobe Clean"/>
-              </a:rPr>
-              <a:t>y</a:t>
-            </a:r>
-            <a:r>
-              <a:rPr sz="1400" b="1" spc="-60">
-                <a:solidFill>
-                  <a:srgbClr val="020302"/>
-                </a:solidFill>
-                <a:latin typeface="Adobe Clean"/>
-                <a:cs typeface="Adobe Clean"/>
-              </a:rPr>
-              <a:t> </a:t>
-            </a:r>
-            <a:endParaRPr sz="1400">
-              <a:latin typeface="Adobe Clean"/>
-              <a:cs typeface="Adobe Clean"/>
-            </a:endParaRPr>
+              <a:t>Launch Advisory </a:t>
+            </a:r>
           </a:p>
         </p:txBody>
       </p:sp>
@@ -13570,106 +10892,148 @@
               </a:spcBef>
             </a:pPr>
             <a:r>
-              <a:rPr lang="en-US" sz="1000">
+              <a:rPr lang="es-ES" sz="1000" dirty="0">
                 <a:solidFill>
                   <a:srgbClr val="1F1F1F"/>
                 </a:solidFill>
                 <a:latin typeface="AdobeClean-Light"/>
                 <a:cs typeface="AdobeClean-Light"/>
               </a:rPr>
-              <a:t>For customers </a:t>
-            </a:r>
-            <a:r>
-              <a:rPr sz="1000">
-                <a:solidFill>
-                  <a:srgbClr val="1F1F1F"/>
-                </a:solidFill>
-                <a:latin typeface="AdobeClean-Light"/>
-                <a:cs typeface="AdobeClean-Light"/>
-              </a:rPr>
-              <a:t>implementing a </a:t>
-            </a:r>
-            <a:r>
-              <a:rPr sz="1000" b="1">
+              <a:t>Para los clientes que implementan una </a:t>
+            </a:r>
+            <a:r>
+              <a:rPr lang="es-ES" sz="1000" b="1" dirty="0">
                 <a:solidFill>
                   <a:srgbClr val="1F1F1F"/>
                 </a:solidFill>
                 <a:latin typeface="Adobe Clean"/>
                 <a:cs typeface="Adobe Clean"/>
               </a:rPr>
-              <a:t>new Adobe Experience Cloud solution</a:t>
-            </a:r>
-            <a:r>
-              <a:rPr lang="en-US" sz="1000" b="1">
+              <a:t>nueva solución de Adobe </a:t>
+            </a:r>
+            <a:r>
+              <a:rPr lang="es-ES" sz="1000" b="1" dirty="0" err="1">
                 <a:solidFill>
                   <a:srgbClr val="1F1F1F"/>
                 </a:solidFill>
                 <a:latin typeface="Adobe Clean"/>
                 <a:cs typeface="Adobe Clean"/>
               </a:rPr>
-              <a:t>, </a:t>
-            </a:r>
-            <a:r>
-              <a:rPr lang="en-US" sz="1000">
+              <a:t>Experience</a:t>
+            </a:r>
+            <a:r>
+              <a:rPr lang="es-ES" sz="1000" b="1" dirty="0">
+                <a:solidFill>
+                  <a:srgbClr val="1F1F1F"/>
+                </a:solidFill>
+                <a:latin typeface="Adobe Clean"/>
+                <a:cs typeface="Adobe Clean"/>
+              </a:rPr>
+              <a:t> Cloud, </a:t>
+            </a:r>
+            <a:r>
+              <a:rPr lang="es-ES" sz="1000" dirty="0" err="1">
                 <a:latin typeface="Adobe Clean Light" charset="0"/>
                 <a:ea typeface="Adobe Clean Light" charset="0"/>
                 <a:cs typeface="Adobe Clean Light" charset="0"/>
               </a:rPr>
-              <a:t>Launch Advisory </a:t>
-            </a:r>
-            <a:r>
-              <a:rPr lang="en-US" sz="1000">
+              <a:t>Launch</a:t>
+            </a:r>
+            <a:r>
+              <a:rPr lang="es-ES" sz="1000" dirty="0">
+                <a:latin typeface="Adobe Clean Light" charset="0"/>
+                <a:ea typeface="Adobe Clean Light" charset="0"/>
+                <a:cs typeface="Adobe Clean Light" charset="0"/>
+              </a:rPr>
+              <a:t> </a:t>
+            </a:r>
+            <a:r>
+              <a:rPr lang="es-ES" sz="1000" dirty="0" err="1">
+                <a:latin typeface="Adobe Clean Light" charset="0"/>
+                <a:ea typeface="Adobe Clean Light" charset="0"/>
+                <a:cs typeface="Adobe Clean Light" charset="0"/>
+              </a:rPr>
+              <a:t>Advisory</a:t>
+            </a:r>
+            <a:r>
+              <a:rPr lang="es-ES" sz="1000" dirty="0">
+                <a:latin typeface="Adobe Clean Light" charset="0"/>
+                <a:ea typeface="Adobe Clean Light" charset="0"/>
+                <a:cs typeface="Adobe Clean Light" charset="0"/>
+              </a:rPr>
+              <a:t> </a:t>
+            </a:r>
+            <a:r>
+              <a:rPr lang="es-ES" sz="1000" dirty="0">
                 <a:solidFill>
                   <a:srgbClr val="000000"/>
                 </a:solidFill>
                 <a:latin typeface="Adobe Clean SemiLight" panose="020B0403020404020204" pitchFamily="34" charset="0"/>
               </a:rPr>
-              <a:t>is a </a:t>
-            </a:r>
-            <a:r>
-              <a:rPr lang="en-US" sz="1000" b="1">
+              <a:t>es un </a:t>
+            </a:r>
+            <a:r>
+              <a:rPr lang="es-ES" sz="1000" b="1" dirty="0">
                 <a:solidFill>
                   <a:srgbClr val="000000"/>
                 </a:solidFill>
                 <a:latin typeface="Adobe Clean SemiLight" panose="020B0403020404020204" pitchFamily="34" charset="0"/>
               </a:rPr>
-              <a:t>core set of advisory services </a:t>
-            </a:r>
-            <a:r>
-              <a:rPr lang="en-US" sz="1000">
+              <a:t>conjunto clave de servicios de asesoría </a:t>
+            </a:r>
+            <a:r>
+              <a:rPr lang="es-ES" sz="1000" dirty="0">
                 <a:latin typeface="Adobe Clean Light" charset="0"/>
                 <a:ea typeface="Adobe Clean Light" charset="0"/>
                 <a:cs typeface="Adobe Clean Light" charset="0"/>
               </a:rPr>
-              <a:t>and recommendations that </a:t>
-            </a:r>
-            <a:r>
-              <a:rPr lang="en-US" sz="1000">
+              <a:t>y recomendaciones para </a:t>
+            </a:r>
+            <a:r>
+              <a:rPr lang="es-ES" sz="1000" b="1" dirty="0">
                 <a:latin typeface="Adobe Clean Light" charset="0"/>
+                <a:ea typeface="Adobe Clean Light" charset="0"/>
+                <a:cs typeface="Adobe Clean Light" charset="0"/>
               </a:rPr>
-              <a:t>are proven to </a:t>
-            </a:r>
-            <a:r>
-              <a:rPr lang="en-US" sz="1000" b="1">
+              <a:t>conseguir implementaciones </a:t>
+            </a:r>
+            <a:r>
+              <a:rPr lang="es-ES" sz="1000" b="1" dirty="0" err="1">
                 <a:latin typeface="Adobe Clean Light" charset="0"/>
+                <a:ea typeface="Adobe Clean Light" charset="0"/>
+                <a:cs typeface="Adobe Clean Light" charset="0"/>
               </a:rPr>
-              <a:t>support successful deployments </a:t>
-            </a:r>
-            <a:r>
-              <a:rPr lang="en-US" sz="1000">
+              <a:t>adecuadas</a:t>
+            </a:r>
+            <a:r>
+              <a:rPr lang="es-ES" sz="1000" dirty="0" err="1">
                 <a:latin typeface="Adobe Clean Light" charset="0"/>
+                <a:ea typeface="Adobe Clean Light" charset="0"/>
+                <a:cs typeface="Adobe Clean Light" charset="0"/>
               </a:rPr>
-              <a:t>and </a:t>
-            </a:r>
-            <a:r>
-              <a:rPr lang="en-US" sz="1000" b="1">
+              <a:t>y</a:t>
+            </a:r>
+            <a:r>
+              <a:rPr lang="es-ES" sz="1000" dirty="0">
                 <a:latin typeface="Adobe Clean Light" charset="0"/>
+                <a:ea typeface="Adobe Clean Light" charset="0"/>
+                <a:cs typeface="Adobe Clean Light" charset="0"/>
               </a:rPr>
-              <a:t>accelerate time-to-value</a:t>
-            </a:r>
-            <a:r>
-              <a:rPr lang="en-US" sz="1000">
+              <a:t> </a:t>
+            </a:r>
+            <a:r>
+              <a:rPr lang="es-ES" sz="1000" b="1" dirty="0">
                 <a:latin typeface="Adobe Clean Light" charset="0"/>
+                <a:ea typeface="Adobe Clean Light" charset="0"/>
+                <a:cs typeface="Adobe Clean Light" charset="0"/>
+              </a:rPr>
+              <a:t>agilizan la obtención de rentabilidad</a:t>
+            </a:r>
+            <a:r>
+              <a:rPr lang="es-ES" sz="1000" dirty="0">
+                <a:latin typeface="Adobe Clean Light" charset="0"/>
+                <a:ea typeface="Adobe Clean Light" charset="0"/>
+                <a:cs typeface="Adobe Clean Light" charset="0"/>
               </a:rPr>
               <a:t>.</a:t>
             </a:r>
@@ -13730,75 +11094,76 @@
               </a:spcBef>
             </a:pPr>
             <a:r>
-              <a:rPr lang="en-US" sz="1000">
+              <a:rPr lang="es-ES" sz="1000">
                 <a:solidFill>
                   <a:srgbClr val="4B4B4B"/>
                 </a:solidFill>
                 <a:latin typeface="Adobe Clean Light" panose="020B0303020404020204" pitchFamily="34" charset="0"/>
               </a:rPr>
-              <a:t>Field Services are used for </a:t>
-            </a:r>
-            <a:r>
-              <a:rPr lang="en-US" sz="1000" b="1">
+              <a:t>Los servicios de campo se utilizan para</a:t>
+            </a:r>
+            <a:r>
+              <a:rPr lang="es-ES" sz="1000" b="1">
                 <a:solidFill>
                   <a:srgbClr val="4B4B4B"/>
                 </a:solidFill>
                 <a:latin typeface="Adobe Clean" panose="020B0503020404020204" pitchFamily="34" charset="0"/>
               </a:rPr>
-              <a:t>quick resolution</a:t>
-            </a:r>
-            <a:r>
-              <a:rPr lang="en-US" sz="1000">
+              <a:t> fines de resolución rápida</a:t>
+            </a:r>
+            <a:r>
+              <a:rPr lang="es-ES" sz="1000">
                 <a:solidFill>
                   <a:srgbClr val="4B4B4B"/>
                 </a:solidFill>
                 <a:latin typeface="Adobe Clean Light" panose="020B0303020404020204" pitchFamily="34" charset="0"/>
               </a:rPr>
-              <a:t>, focused customer success and accelerated</a:t>
-            </a:r>
-            <a:r>
-              <a:rPr lang="en-US" sz="1000" b="1">
+              <a:t>, éxito centrado en el cliente y</a:t>
+            </a:r>
+            <a:r>
+              <a:rPr lang="es-ES" sz="1000">
+                <a:solidFill>
+                  <a:srgbClr val="4B4B4B"/>
+                </a:solidFill>
+              </a:rPr>
+              <a:t> </a:t>
+            </a:r>
+            <a:r>
+              <a:rPr lang="es-ES" sz="1000" b="1">
                 <a:solidFill>
                   <a:srgbClr val="4B4B4B"/>
                 </a:solidFill>
                 <a:latin typeface="Adobe Clean" panose="020B0503020404020204" pitchFamily="34" charset="0"/>
               </a:rPr>
-              <a:t> time-to-value</a:t>
-            </a:r>
-            <a:r>
-              <a:rPr lang="en-US" sz="1000">
+              <a:t>una obtención de rentabilidad más rápida</a:t>
+            </a:r>
+            <a:r>
+              <a:rPr lang="es-ES" sz="1000">
                 <a:solidFill>
                   <a:srgbClr val="4B4B4B"/>
                 </a:solidFill>
                 <a:latin typeface="Adobe Clean Light" panose="020B0303020404020204" pitchFamily="34" charset="0"/>
               </a:rPr>
-              <a:t>. If Launch advisory is active there will be </a:t>
-            </a:r>
-            <a:r>
-              <a:rPr lang="en-US" sz="1000" b="1">
+              <a:t>. Si Launch Advisory está activado,</a:t>
+            </a:r>
+            <a:r>
+              <a:rPr lang="es-ES" sz="1000" b="1">
                 <a:solidFill>
                   <a:srgbClr val="4B4B4B"/>
                 </a:solidFill>
                 <a:latin typeface="Adobe Clean" panose="020B0503020404020204" pitchFamily="34" charset="0"/>
               </a:rPr>
-              <a:t>no Field Services in year 1 </a:t>
-            </a:r>
-            <a:r>
-              <a:rPr lang="en-US" sz="1000">
+              <a:t> no habrá ningún servicio de campo en el año 1</a:t>
+            </a:r>
+            <a:r>
+              <a:rPr lang="es-ES" sz="1000">
                 <a:solidFill>
                   <a:srgbClr val="4B4B4B"/>
                 </a:solidFill>
                 <a:latin typeface="Adobe Clean Light" panose="020B0303020404020204" pitchFamily="34" charset="0"/>
               </a:rPr>
-              <a:t>for any solution product covered by an Adobe Support contract. </a:t>
-            </a:r>
-            <a:endParaRPr lang="en-US" sz="1000">
-              <a:solidFill>
-                <a:srgbClr val="1F1F1F"/>
-              </a:solidFill>
-              <a:latin typeface="Adobe Clean Light" panose="020B0303020404020204" pitchFamily="34" charset="0"/>
-              <a:cs typeface="Adobe Clean"/>
-            </a:endParaRPr>
+              <a:t> para ningún producto de solución cubierto por un contrato de soporte de Adobe. </a:t>
+            </a:r>
           </a:p>
           <a:p>
             <a:pPr marL="24130" marR="5080">
@@ -13974,8 +11339,8 @@
         </p:nvSpPr>
         <p:spPr>
           <a:xfrm>
-            <a:off x="172087" y="3867961"/>
-            <a:ext cx="3525469" cy="2336537"/>
+            <a:off x="172088" y="3605833"/>
+            <a:ext cx="3520194" cy="2798202"/>
           </a:xfrm>
           <a:prstGeom prst="rect">
             <a:avLst/>
@@ -13993,37 +11358,41 @@
               </a:spcBef>
             </a:pPr>
             <a:r>
-              <a:rPr lang="en-US" sz="1000">
+              <a:rPr lang="es-ES" sz="1000" dirty="0">
                 <a:latin typeface="Adobe Clean Light" charset="0"/>
               </a:rPr>
-              <a:t>Adobe solution experts help validate requirements, architecture, development process, and launch readiness reviews </a:t>
-            </a:r>
-            <a:r>
-              <a:rPr lang="en-US" sz="1000">
+              <a:t>Los expertos en soluciones de Adobe ayudan a validar los requisitos, la arquitectura, el proceso de desarrollo y las revisiones de la preparación de los lanzamientos</a:t>
+            </a:r>
+            <a:r>
+              <a:rPr lang="es-ES" sz="1000" dirty="0"/>
+              <a:t> </a:t>
+            </a:r>
+            <a:r>
+              <a:rPr lang="es-ES" sz="1000" dirty="0">
                 <a:solidFill>
                   <a:srgbClr val="000000"/>
                 </a:solidFill>
                 <a:latin typeface="Adobe Clean SemiLight" panose="020B0403020404020204" pitchFamily="34" charset="0"/>
               </a:rPr>
-              <a:t>with </a:t>
-            </a:r>
-            <a:r>
-              <a:rPr lang="en-US" sz="1000" b="1">
+              <a:t>con </a:t>
+            </a:r>
+            <a:r>
+              <a:rPr lang="es-ES" sz="1000" b="1" dirty="0">
                 <a:solidFill>
                   <a:srgbClr val="000000"/>
                 </a:solidFill>
                 <a:latin typeface="Adobe Clean SemiLight" panose="020B0403020404020204" pitchFamily="34" charset="0"/>
               </a:rPr>
-              <a:t>best practice-based guidance </a:t>
-            </a:r>
-            <a:r>
-              <a:rPr lang="en-US" sz="1000">
+              <a:t>directrices basadas en las prácticas recomendadas</a:t>
+            </a:r>
+            <a:r>
+              <a:rPr lang="es-ES" sz="1000" dirty="0">
                 <a:solidFill>
                   <a:srgbClr val="000000"/>
                 </a:solidFill>
                 <a:latin typeface="Adobe Clean SemiLight" panose="020B0403020404020204" pitchFamily="34" charset="0"/>
               </a:rPr>
-              <a:t>to customers and implementation partners.</a:t>
+              <a:t> para los clientes y los socios de implementación.</a:t>
             </a:r>
           </a:p>
           <a:p>
@@ -14032,7 +11401,7 @@
                 <a:spcPts val="100"/>
               </a:spcBef>
             </a:pPr>
-            <a:endParaRPr lang="en-US" sz="1000">
+            <a:endParaRPr lang="en-US" sz="1000" dirty="0">
               <a:solidFill>
                 <a:srgbClr val="1F1F1F"/>
               </a:solidFill>
@@ -14047,22 +11416,40 @@
               </a:spcBef>
             </a:pPr>
             <a:r>
-              <a:rPr lang="en-US" sz="1000">
+              <a:rPr lang="es-ES" sz="1000" dirty="0" err="1">
                 <a:latin typeface="Adobe Clean Light" charset="0"/>
               </a:rPr>
-              <a:t>Launch Advisory will align with your project schedule through common milestones (</a:t>
-            </a:r>
-            <a:r>
-              <a:rPr lang="en-US" sz="1000" b="1">
+              <a:t>Launch</a:t>
+            </a:r>
+            <a:r>
+              <a:rPr lang="es-ES" sz="1000" dirty="0">
                 <a:latin typeface="Adobe Clean Light" charset="0"/>
               </a:rPr>
-              <a:t>Kickoff, Define, Design, Go-live and Post Launch</a:t>
-            </a:r>
-            <a:r>
-              <a:rPr lang="en-US" sz="1000">
+              <a:t> </a:t>
+            </a:r>
+            <a:r>
+              <a:rPr lang="es-ES" sz="1000" dirty="0" err="1">
                 <a:latin typeface="Adobe Clean Light" charset="0"/>
               </a:rPr>
-              <a:t>) to guide, validate, assess and make recommendations.</a:t>
+              <a:t>Advisory</a:t>
+            </a:r>
+            <a:r>
+              <a:rPr lang="es-ES" sz="1000" dirty="0">
+                <a:latin typeface="Adobe Clean Light" charset="0"/>
+              </a:rPr>
+              <a:t> se alineará con la programación de su proyecto a través de hitos comunes (</a:t>
+            </a:r>
+            <a:r>
+              <a:rPr lang="es-ES" sz="1000" b="1" dirty="0">
+                <a:latin typeface="Adobe Clean Light" charset="0"/>
+              </a:rPr>
+              <a:t>Empezar, Definir, Diseñar, Puesta en marcha y Después del lanzamiento</a:t>
+            </a:r>
+            <a:r>
+              <a:rPr lang="es-ES" sz="1000" dirty="0">
+                <a:latin typeface="Adobe Clean Light" charset="0"/>
+              </a:rPr>
+              <a:t>) para guiar, validar, evaluar y hacer recomendaciones.</a:t>
             </a:r>
           </a:p>
           <a:p>
@@ -14071,7 +11458,7 @@
                 <a:spcPts val="100"/>
               </a:spcBef>
             </a:pPr>
-            <a:endParaRPr lang="en-US" sz="1000">
+            <a:endParaRPr lang="en-US" sz="1000" dirty="0">
               <a:latin typeface="Adobe Clean Light" charset="0"/>
             </a:endParaRPr>
           </a:p>
@@ -14082,10 +11469,10 @@
               </a:spcBef>
             </a:pPr>
             <a:r>
-              <a:rPr lang="en-US" sz="1000">
+              <a:rPr lang="es-ES" sz="1000" dirty="0">
                 <a:latin typeface="Adobe Clean Light" charset="0"/>
               </a:rPr>
-              <a:t>Key Deliverables include:</a:t>
+              <a:t>Entre los entregables clave se incluyen:</a:t>
             </a:r>
           </a:p>
           <a:p>
@@ -14097,8 +11484,8 @@
               <a:buChar char="•"/>
             </a:pPr>
             <a:r>
-              <a:rPr lang="en-US" sz="1000"/>
-              <a:t>Kickoff (including project collaboration plan) deck</a:t>
+              <a:rPr lang="es-ES" sz="1000" dirty="0"/>
+              <a:t>Plan de lanzamiento (incluido el plan de colaboración del proyecto)</a:t>
             </a:r>
           </a:p>
           <a:p>
@@ -14110,8 +11497,8 @@
               <a:buChar char="•"/>
             </a:pPr>
             <a:r>
-              <a:rPr lang="en-US" sz="1000"/>
-              <a:t>Assessment &amp; recommendations document(s)</a:t>
+              <a:rPr lang="es-ES" sz="1000" dirty="0"/>
+              <a:t>Documentos de evaluación y recomendaciones</a:t>
             </a:r>
           </a:p>
           <a:p>
@@ -14123,8 +11510,8 @@
               <a:buChar char="•"/>
             </a:pPr>
             <a:r>
-              <a:rPr lang="en-US" sz="1000"/>
-              <a:t>Engagement summary</a:t>
+              <a:rPr lang="es-ES" sz="1000" dirty="0"/>
+              <a:t>Resumen de la participación</a:t>
             </a:r>
           </a:p>
         </p:txBody>
@@ -14228,8 +11615,8 @@
           <a:p>
             <a:pPr algn="ctr"/>
             <a:r>
-              <a:rPr lang="en-US" sz="1600"/>
-              <a:t>Run &amp; Operate</a:t>
+              <a:rPr lang="es-ES" sz="1600"/>
+              <a:t>Ejecutar y operar</a:t>
             </a:r>
           </a:p>
         </p:txBody>
@@ -14334,8 +11721,8 @@
           <a:p>
             <a:pPr algn="ctr"/>
             <a:r>
-              <a:rPr lang="en-US" sz="1600"/>
-              <a:t>Implementation</a:t>
+              <a:rPr lang="es-ES" sz="1600"/>
+              <a:t>Implementación</a:t>
             </a:r>
           </a:p>
         </p:txBody>
@@ -14354,7 +11741,7 @@
         </p:nvSpPr>
         <p:spPr>
           <a:xfrm>
-            <a:off x="2918286" y="2317134"/>
+            <a:off x="2918286" y="2183022"/>
             <a:ext cx="933111" cy="261610"/>
           </a:xfrm>
           <a:prstGeom prst="rect">
@@ -14370,8 +11757,8 @@
           <a:p>
             <a:pPr algn="ctr"/>
             <a:r>
-              <a:rPr lang="en-US" sz="1100"/>
-              <a:t>Post Launch</a:t>
+              <a:rPr lang="es-ES" sz="1100"/>
+              <a:t>Después del lanzamiento</a:t>
             </a:r>
           </a:p>
         </p:txBody>
@@ -14391,15 +11778,20 @@
           <p:nvPr/>
         </p:nvPicPr>
         <p:blipFill>
-          <a:blip r:embed="rId4"/>
-          <a:stretch>
-            <a:fillRect/>
-          </a:stretch>
+          <a:blip r:embed="rId4" cstate="print">
+            <a:extLst>
+              <a:ext uri="{28A0092B-C50C-407E-A947-70E740481C1C}">
+                <a14:useLocalDpi xmlns:a14="http://schemas.microsoft.com/office/drawing/2010/main" val="0"/>
+              </a:ext>
+            </a:extLst>
+          </a:blip>
+          <a:srcRect/>
+          <a:stretch/>
         </p:blipFill>
         <p:spPr>
           <a:xfrm>
-            <a:off x="333965" y="6379881"/>
-            <a:ext cx="3097872" cy="2855621"/>
+            <a:off x="336106" y="6379881"/>
+            <a:ext cx="3093589" cy="2855621"/>
           </a:xfrm>
           <a:prstGeom prst="rect">
             <a:avLst/>
@@ -14474,7 +11866,7 @@
         </p:nvSpPr>
         <p:spPr>
           <a:xfrm>
-            <a:off x="3855907" y="4694431"/>
+            <a:off x="3855907" y="4432303"/>
             <a:ext cx="3525469" cy="2464777"/>
           </a:xfrm>
           <a:prstGeom prst="rect">
@@ -14493,29 +11885,23 @@
               </a:spcBef>
             </a:pPr>
             <a:r>
-              <a:rPr lang="en-US" sz="1000" b="1" dirty="0">
+              <a:rPr lang="es-ES" sz="1000" b="1" dirty="0">
                 <a:solidFill>
                   <a:srgbClr val="000000"/>
                 </a:solidFill>
                 <a:latin typeface="+mj-lt"/>
               </a:rPr>
-              <a:t>Technical Track Activities </a:t>
-            </a:r>
-            <a:r>
-              <a:rPr lang="en-US" sz="1000" dirty="0">
+              <a:t>Las actividades de seguimiento técnicas</a:t>
+            </a:r>
+            <a:r>
+              <a:rPr lang="es-ES" sz="1000" dirty="0">
                 <a:solidFill>
                   <a:srgbClr val="000000"/>
                 </a:solidFill>
                 <a:latin typeface="Adobe Clean Light"/>
               </a:rPr>
-              <a:t>ensure customers are technically sound and maximizing their tool adoption. Specifically, these types of activities include support and recommendations related to platform configurations, integrations and troubleshooting.</a:t>
-            </a:r>
-            <a:endParaRPr lang="en-US" sz="1000" dirty="0">
-              <a:solidFill>
-                <a:srgbClr val="000000"/>
-              </a:solidFill>
-              <a:latin typeface="Adobe Clean Light" panose="020B0303020404020204" pitchFamily="34" charset="0"/>
-            </a:endParaRPr>
+              <a:t> garantizan que los clientes cuenten con formación técnica y maximicen la adopción de sus herramientas. Específicamente, estos tipos de actividades incluyen soporte y recomendaciones relacionadas con configuraciones de plataforma, integraciones y resolución de problemas.</a:t>
+            </a:r>
           </a:p>
           <a:p>
             <a:pPr marL="12700" marR="5080">
@@ -14523,7 +11909,7 @@
                 <a:spcPts val="100"/>
               </a:spcBef>
             </a:pPr>
-            <a:endParaRPr lang="en-US" sz="1000">
+            <a:endParaRPr lang="en-US" sz="1000" dirty="0">
               <a:latin typeface="Adobe Clean Light" charset="0"/>
             </a:endParaRPr>
           </a:p>
@@ -14534,10 +11920,10 @@
               </a:spcBef>
             </a:pPr>
             <a:r>
-              <a:rPr lang="en-US" sz="1000" dirty="0">
+              <a:rPr lang="es-ES" sz="1000" dirty="0">
                 <a:latin typeface="Adobe Clean Light"/>
               </a:rPr>
-              <a:t>Types of technical activities available::</a:t>
+              <a:t>Tipos de actividades técnicas disponibles:</a:t>
             </a:r>
           </a:p>
           <a:p>
@@ -14552,12 +11938,9 @@
               <a:buChar char="ü"/>
             </a:pPr>
             <a:r>
-              <a:rPr lang="en-US" sz="1000" dirty="0"/>
-              <a:t>Health audit</a:t>
-            </a:r>
-            <a:endParaRPr lang="en-US" sz="1000" dirty="0">
-              <a:cs typeface="Calibri"/>
-            </a:endParaRPr>
+              <a:rPr lang="es-ES" sz="1000" dirty="0"/>
+              <a:t>Auditoría de estado</a:t>
+            </a:r>
           </a:p>
           <a:p>
             <a:pPr marL="184150" marR="5080" indent="-171450">
@@ -14571,12 +11954,9 @@
               <a:buChar char="ü"/>
             </a:pPr>
             <a:r>
-              <a:rPr lang="en-US" sz="1000" dirty="0"/>
-              <a:t>Platform audit</a:t>
-            </a:r>
-            <a:endParaRPr lang="en-US" sz="1000" dirty="0">
-              <a:cs typeface="Calibri"/>
-            </a:endParaRPr>
+              <a:rPr lang="es-ES" sz="1000" dirty="0"/>
+              <a:t>Auditoría de plataforma</a:t>
+            </a:r>
           </a:p>
           <a:p>
             <a:pPr marL="184150" marR="5080" indent="-171450">
@@ -14590,12 +11970,9 @@
               <a:buChar char="ü"/>
             </a:pPr>
             <a:r>
-              <a:rPr lang="en-US" sz="1000" dirty="0"/>
-              <a:t>Feature set enablement</a:t>
-            </a:r>
-            <a:endParaRPr lang="en-US" sz="1000" dirty="0">
-              <a:cs typeface="Calibri"/>
-            </a:endParaRPr>
+              <a:rPr lang="es-ES" sz="1000" dirty="0"/>
+              <a:t>Habilitación del conjunto de funciones</a:t>
+            </a:r>
           </a:p>
           <a:p>
             <a:pPr marL="184150" marR="5080" indent="-171450">
@@ -14609,12 +11986,9 @@
               <a:buChar char="ü"/>
             </a:pPr>
             <a:r>
-              <a:rPr lang="en-US" sz="1000" dirty="0"/>
-              <a:t>Basic integrations and configurations</a:t>
-            </a:r>
-            <a:endParaRPr lang="en-US" sz="1000" dirty="0">
-              <a:cs typeface="Calibri"/>
-            </a:endParaRPr>
+              <a:rPr lang="es-ES" sz="1000" dirty="0"/>
+              <a:t>Integraciones y configuraciones básicas</a:t>
+            </a:r>
           </a:p>
           <a:p>
             <a:pPr marL="184150" marR="5080" indent="-171450">
@@ -14628,12 +12002,9 @@
               <a:buChar char="ü"/>
             </a:pPr>
             <a:r>
-              <a:rPr lang="en-US" sz="1000" dirty="0"/>
-              <a:t>Customer solution troubleshooting</a:t>
-            </a:r>
-            <a:endParaRPr lang="en-US" sz="1000" dirty="0">
-              <a:cs typeface="Calibri"/>
-            </a:endParaRPr>
+              <a:rPr lang="es-ES" sz="1000" dirty="0"/>
+              <a:t>Solución de problemas del cliente</a:t>
+            </a:r>
           </a:p>
           <a:p>
             <a:pPr marL="184150" marR="5080" indent="-171450">
@@ -14647,12 +12018,9 @@
               <a:buChar char="ü"/>
             </a:pPr>
             <a:r>
-              <a:rPr lang="en-US" sz="1000" dirty="0"/>
-              <a:t>Cloud service support</a:t>
-            </a:r>
-            <a:endParaRPr lang="en-US" sz="1000" dirty="0">
-              <a:cs typeface="Calibri"/>
-            </a:endParaRPr>
+              <a:rPr lang="es-ES" sz="1000" dirty="0"/>
+              <a:t>Soporte del servicio en la nube</a:t>
+            </a:r>
           </a:p>
         </p:txBody>
       </p:sp>
@@ -14670,7 +12038,7 @@
         </p:nvSpPr>
         <p:spPr>
           <a:xfrm>
-            <a:off x="3851397" y="7249456"/>
+            <a:off x="3851397" y="6987328"/>
             <a:ext cx="3525469" cy="2054409"/>
           </a:xfrm>
           <a:prstGeom prst="rect">
@@ -14689,22 +12057,22 @@
               </a:spcBef>
             </a:pPr>
             <a:r>
-              <a:rPr lang="en-US" sz="1000" b="1" dirty="0">
+              <a:rPr lang="es-ES" sz="1000" b="1" dirty="0">
                 <a:solidFill>
                   <a:srgbClr val="000000"/>
                 </a:solidFill>
                 <a:latin typeface="+mj-lt"/>
               </a:rPr>
-              <a:t>Strategic Track Activities </a:t>
-            </a:r>
-            <a:r>
-              <a:rPr lang="en-US" sz="1000" dirty="0">
+              <a:t>Las actividades de seguimiento estratégicas</a:t>
+            </a:r>
+            <a:r>
+              <a:rPr lang="es-ES" sz="1000" dirty="0">
                 <a:solidFill>
                   <a:srgbClr val="000000"/>
                 </a:solidFill>
                 <a:latin typeface="Adobe Clean Light"/>
               </a:rPr>
-              <a:t>locate opportunities to ensure value is being realized from a customer’s Adobe solutions. They include support recommendations related to strategy, measurement and maturity to drive value realization across one or more Adobe solutions.</a:t>
+              <a:t> localizan oportunidades para garantizar que las soluciones de Adobe de un cliente estén obteniendo valor. Incluyen recomendaciones de soporte relacionadas con la estrategia, la medición y la madurez para impulsar la realización de valor en una o más soluciones de Adobe.</a:t>
             </a:r>
           </a:p>
           <a:p>
@@ -14713,7 +12081,7 @@
                 <a:spcPts val="100"/>
               </a:spcBef>
             </a:pPr>
-            <a:endParaRPr lang="en-US" sz="1000">
+            <a:endParaRPr lang="en-US" sz="1000" dirty="0">
               <a:latin typeface="Adobe Clean Light" charset="0"/>
             </a:endParaRPr>
           </a:p>
@@ -14724,14 +12092,11 @@
               </a:spcBef>
             </a:pPr>
             <a:r>
-              <a:rPr lang="en-US" sz="1000" dirty="0">
+              <a:rPr lang="es-ES" sz="1000" dirty="0">
                 <a:latin typeface="Adobe Clean Light"/>
               </a:rPr>
-              <a:t>Types of strategic activities available:</a:t>
-            </a:r>
-            <a:endParaRPr lang="en-US" sz="1000" dirty="0">
-              <a:latin typeface="Adobe Clean Light" charset="0"/>
-            </a:endParaRPr>
+              <a:t>Tipos de actividades estratégicas disponibles:</a:t>
+            </a:r>
           </a:p>
           <a:p>
             <a:pPr marL="241300" marR="5080" indent="-228600">
@@ -14745,12 +12110,9 @@
               <a:buChar char="ü"/>
             </a:pPr>
             <a:r>
-              <a:rPr lang="en-US" sz="1000" dirty="0"/>
-              <a:t>Maturity Roadmap</a:t>
-            </a:r>
-            <a:endParaRPr lang="en-US" sz="1000" dirty="0">
-              <a:cs typeface="Calibri"/>
-            </a:endParaRPr>
+              <a:rPr lang="es-ES" sz="1000" dirty="0"/>
+              <a:t>Plan de madurez</a:t>
+            </a:r>
           </a:p>
           <a:p>
             <a:pPr marL="241300" marR="5080" indent="-228600">
@@ -14764,12 +12126,9 @@
               <a:buChar char="ü"/>
             </a:pPr>
             <a:r>
-              <a:rPr lang="en-US" sz="1000" dirty="0"/>
-              <a:t>Use case development/measurement</a:t>
-            </a:r>
-            <a:endParaRPr lang="en-US" sz="1000" dirty="0">
-              <a:cs typeface="Calibri"/>
-            </a:endParaRPr>
+              <a:rPr lang="es-ES" sz="1000" dirty="0"/>
+              <a:t>Medición y desarrollo de casos de uso</a:t>
+            </a:r>
           </a:p>
           <a:p>
             <a:pPr marL="241300" marR="5080" indent="-228600">
@@ -14783,12 +12142,9 @@
               <a:buChar char="ü"/>
             </a:pPr>
             <a:r>
-              <a:rPr lang="en-US" sz="1000" dirty="0"/>
-              <a:t>Reporting &amp; analysis</a:t>
-            </a:r>
-            <a:endParaRPr lang="en-US" sz="1000" dirty="0">
-              <a:cs typeface="Calibri"/>
-            </a:endParaRPr>
+              <a:rPr lang="es-ES" sz="1000" dirty="0"/>
+              <a:t>Informes y análisis</a:t>
+            </a:r>
           </a:p>
           <a:p>
             <a:pPr marL="241300" marR="5080" indent="-228600">
@@ -14802,12 +12158,9 @@
               <a:buChar char="ü"/>
             </a:pPr>
             <a:r>
-              <a:rPr lang="en-US" sz="1000" dirty="0"/>
-              <a:t>Best practices enablement</a:t>
-            </a:r>
-            <a:endParaRPr lang="en-US" sz="1000" dirty="0">
-              <a:cs typeface="Calibri"/>
-            </a:endParaRPr>
+              <a:rPr lang="es-ES" sz="1000" dirty="0"/>
+              <a:t>Habilitación de prácticas recomendadas</a:t>
+            </a:r>
           </a:p>
         </p:txBody>
       </p:sp>
@@ -14825,7 +12178,7 @@
         </p:nvSpPr>
         <p:spPr>
           <a:xfrm>
-            <a:off x="3851397" y="3891661"/>
+            <a:off x="3851397" y="3629533"/>
             <a:ext cx="3525468" cy="430887"/>
           </a:xfrm>
           <a:prstGeom prst="rect">
@@ -14845,73 +12198,87 @@
               </a:spcBef>
             </a:pPr>
             <a:r>
-              <a:rPr lang="en-US" sz="1000">
+              <a:rPr lang="es-ES" sz="1000" dirty="0">
                 <a:solidFill>
                   <a:srgbClr val="1F1F1F"/>
                 </a:solidFill>
                 <a:latin typeface="Adobe Clean" panose="020B0503020404020204" pitchFamily="34" charset="0"/>
                 <a:cs typeface="AdobeClean-Light"/>
               </a:rPr>
-              <a:t>As an Enterprise customer, you are eligible for</a:t>
-            </a:r>
-            <a:r>
-              <a:rPr lang="en-US" sz="1200" b="1" u="sng">
-                <a:solidFill>
-                  <a:srgbClr val="1F1F1F"/>
-                </a:solidFill>
-                <a:cs typeface="AdobeClean-Light"/>
-              </a:rPr>
-              <a:t> 2 </a:t>
-            </a:r>
-            <a:r>
-              <a:rPr lang="en-US" sz="1000" b="1" u="sng">
-                <a:solidFill>
-                  <a:srgbClr val="1F1F1F"/>
-                </a:solidFill>
-                <a:cs typeface="AdobeClean-Light"/>
-              </a:rPr>
-              <a:t>activities per year </a:t>
-            </a:r>
-            <a:r>
-              <a:rPr lang="en-US" sz="1000">
+              <a:t>Como cliente Enterprise, puede optar a</a:t>
+            </a:r>
+            <a:r>
+              <a:rPr lang="es-ES" sz="1200" dirty="0">
                 <a:solidFill>
                   <a:srgbClr val="1F1F1F"/>
                 </a:solidFill>
                 <a:latin typeface="Adobe Clean" panose="020B0503020404020204" pitchFamily="34" charset="0"/>
                 <a:cs typeface="AdobeClean-Light"/>
               </a:rPr>
-              <a:t>from the following two tracks:</a:t>
-            </a:r>
-            <a:r>
-              <a:rPr lang="en-US" sz="1000" b="1">
-                <a:solidFill>
-                  <a:srgbClr val="1F1F1F"/>
-                </a:solidFill>
-                <a:cs typeface="AdobeClean-Light"/>
-              </a:rPr>
-              <a:t> Technical </a:t>
-            </a:r>
-            <a:r>
-              <a:rPr lang="en-US" sz="1000">
+              <a:t> </a:t>
+            </a:r>
+            <a:r>
+              <a:rPr lang="es-ES" sz="1200" b="1" u="sng" dirty="0">
                 <a:solidFill>
                   <a:srgbClr val="1F1F1F"/>
                 </a:solidFill>
                 <a:latin typeface="Adobe Clean" panose="020B0503020404020204" pitchFamily="34" charset="0"/>
                 <a:cs typeface="AdobeClean-Light"/>
               </a:rPr>
-              <a:t>and/or </a:t>
-            </a:r>
-            <a:r>
-              <a:rPr lang="en-US" sz="1000" b="1">
+              <a:t>2 </a:t>
+            </a:r>
+            <a:r>
+              <a:rPr lang="es-ES" sz="1000" b="1" u="sng" dirty="0">
                 <a:solidFill>
                   <a:srgbClr val="1F1F1F"/>
                 </a:solidFill>
+                <a:latin typeface="Adobe Clean" panose="020B0503020404020204" pitchFamily="34" charset="0"/>
                 <a:cs typeface="AdobeClean-Light"/>
               </a:rPr>
-              <a:t>Strategic</a:t>
-            </a:r>
-            <a:r>
-              <a:rPr lang="en-US" sz="1000">
+              <a:t>actividades al año </a:t>
+            </a:r>
+            <a:r>
+              <a:rPr lang="es-ES" sz="1000" dirty="0">
+                <a:solidFill>
+                  <a:srgbClr val="1F1F1F"/>
+                </a:solidFill>
+                <a:latin typeface="Adobe Clean" panose="020B0503020404020204" pitchFamily="34" charset="0"/>
+                <a:cs typeface="AdobeClean-Light"/>
+              </a:rPr>
+              <a:t>en los dos ámbitos siguientes:</a:t>
+            </a:r>
+            <a:r>
+              <a:rPr lang="es-ES" sz="1000" b="1" dirty="0">
+                <a:solidFill>
+                  <a:srgbClr val="1F1F1F"/>
+                </a:solidFill>
+                <a:latin typeface="Adobe Clean" panose="020B0503020404020204" pitchFamily="34" charset="0"/>
+                <a:cs typeface="AdobeClean-Light"/>
+              </a:rPr>
+              <a:t> Técnico</a:t>
+            </a:r>
+            <a:r>
+              <a:rPr lang="es-ES" sz="1000" dirty="0">
+                <a:solidFill>
+                  <a:srgbClr val="1F1F1F"/>
+                </a:solidFill>
+                <a:latin typeface="Adobe Clean" panose="020B0503020404020204" pitchFamily="34" charset="0"/>
+                <a:cs typeface="AdobeClean-Light"/>
+              </a:rPr>
+              <a:t> o </a:t>
+            </a:r>
+            <a:r>
+              <a:rPr lang="es-ES" sz="1000" b="1" dirty="0">
+                <a:solidFill>
+                  <a:srgbClr val="1F1F1F"/>
+                </a:solidFill>
+                <a:latin typeface="Adobe Clean" panose="020B0503020404020204" pitchFamily="34" charset="0"/>
+                <a:cs typeface="AdobeClean-Light"/>
+              </a:rPr>
+              <a:t>Estratégico</a:t>
+            </a:r>
+            <a:r>
+              <a:rPr lang="es-ES" sz="1000" dirty="0">
                 <a:solidFill>
                   <a:srgbClr val="1F1F1F"/>
                 </a:solidFill>
@@ -14920,12 +12287,6 @@
               </a:rPr>
               <a:t>.</a:t>
             </a:r>
-            <a:endParaRPr lang="en-US" sz="1000" b="1">
-              <a:solidFill>
-                <a:prstClr val="black"/>
-              </a:solidFill>
-              <a:cs typeface="AdobeClean-Light"/>
-            </a:endParaRPr>
           </a:p>
         </p:txBody>
       </p:sp>
@@ -14943,7 +12304,7 @@
         </p:nvSpPr>
         <p:spPr>
           <a:xfrm>
-            <a:off x="2236134" y="2317134"/>
+            <a:off x="2236134" y="2183022"/>
             <a:ext cx="826006" cy="261610"/>
           </a:xfrm>
           <a:prstGeom prst="rect">
@@ -14959,8 +12320,8 @@
           <a:p>
             <a:pPr algn="ctr"/>
             <a:r>
-              <a:rPr lang="en-US" sz="1100"/>
-              <a:t>Go-Live</a:t>
+              <a:rPr lang="es-ES" sz="1100" dirty="0"/>
+              <a:t>Puesta en marcha</a:t>
             </a:r>
           </a:p>
         </p:txBody>
@@ -14995,8 +12356,8 @@
           <a:p>
             <a:pPr algn="ctr"/>
             <a:r>
-              <a:rPr lang="en-US" sz="1100"/>
-              <a:t>Define</a:t>
+              <a:rPr lang="es-ES" sz="1100"/>
+              <a:t>Definir</a:t>
             </a:r>
           </a:p>
         </p:txBody>
@@ -15031,8 +12392,8 @@
           <a:p>
             <a:pPr algn="ctr"/>
             <a:r>
-              <a:rPr lang="en-US" sz="1100"/>
-              <a:t>Kickoff</a:t>
+              <a:rPr lang="es-ES" sz="1100"/>
+              <a:t>Empezar</a:t>
             </a:r>
           </a:p>
         </p:txBody>
@@ -15067,8 +12428,8 @@
           <a:p>
             <a:pPr algn="ctr"/>
             <a:r>
-              <a:rPr lang="en-US" sz="1100"/>
-              <a:t>Design</a:t>
+              <a:rPr lang="es-ES" sz="1100" dirty="0"/>
+              <a:t>Diseñar</a:t>
             </a:r>
           </a:p>
         </p:txBody>
@@ -15125,14 +12486,14 @@
           <a:p>
             <a:pPr algn="ctr"/>
             <a:r>
-              <a:rPr lang="en-US">
+              <a:rPr lang="es-ES" dirty="0">
                 <a:solidFill>
                   <a:schemeClr val="accent1">
                     <a:lumMod val="50000"/>
                   </a:schemeClr>
                 </a:solidFill>
               </a:rPr>
-              <a:t>2 Activities per Year</a:t>
+              <a:t>2 actividades al año</a:t>
             </a:r>
           </a:p>
         </p:txBody>
@@ -15194,49 +12555,15 @@
               </a:lnSpc>
             </a:pPr>
             <a:r>
-              <a:rPr sz="500" spc="-5">
+              <a:rPr lang="es-ES" sz="500">
                 <a:solidFill>
                   <a:srgbClr val="6C6C6C"/>
                 </a:solidFill>
                 <a:latin typeface="Adobe Clean"/>
                 <a:cs typeface="Adobe Clean"/>
               </a:rPr>
-              <a:t>©2020 Adobe. All Rights Reserved. </a:t>
-            </a:r>
-            <a:r>
-              <a:rPr sz="500">
-                <a:solidFill>
-                  <a:srgbClr val="6C6C6C"/>
-                </a:solidFill>
-                <a:latin typeface="Adobe Clean"/>
-                <a:cs typeface="Adobe Clean"/>
-              </a:rPr>
-              <a:t>Adobe</a:t>
-            </a:r>
-            <a:r>
-              <a:rPr sz="500" spc="5">
-                <a:solidFill>
-                  <a:srgbClr val="6C6C6C"/>
-                </a:solidFill>
-                <a:latin typeface="Adobe Clean"/>
-                <a:cs typeface="Adobe Clean"/>
-              </a:rPr>
-              <a:t> </a:t>
-            </a:r>
-            <a:r>
-              <a:rPr sz="500" spc="-5">
-                <a:solidFill>
-                  <a:srgbClr val="6C6C6C"/>
-                </a:solidFill>
-                <a:latin typeface="Adobe Clean"/>
-                <a:cs typeface="Adobe Clean"/>
-              </a:rPr>
-              <a:t>Confidential.</a:t>
-            </a:r>
-            <a:endParaRPr sz="500">
-              <a:latin typeface="Adobe Clean"/>
-              <a:cs typeface="Adobe Clean"/>
-            </a:endParaRPr>
+              <a:t>©2020 Adobe. All Rights Reserved. Adobe Confidential.</a:t>
+            </a:r>
           </a:p>
           <a:p>
             <a:pPr>
@@ -15262,39 +12589,15 @@
               </a:spcBef>
             </a:pPr>
             <a:r>
-              <a:rPr sz="800" spc="-5">
+              <a:rPr lang="es-ES" sz="800">
                 <a:solidFill>
                   <a:srgbClr val="6D6D6D"/>
                 </a:solidFill>
                 <a:latin typeface="Adobe Clean"/>
                 <a:cs typeface="Adobe Clean"/>
               </a:rPr>
-              <a:t>©2020 Adobe. All Rights Reserved. Adobe</a:t>
-            </a:r>
-            <a:r>
-              <a:rPr sz="800" spc="75">
-                <a:solidFill>
-                  <a:srgbClr val="6D6D6D"/>
-                </a:solidFill>
-                <a:latin typeface="Adobe Clean"/>
-                <a:cs typeface="Adobe Clean"/>
-              </a:rPr>
-              <a:t> </a:t>
-            </a:r>
-            <a:r>
-              <a:rPr sz="800" spc="-5">
-                <a:solidFill>
-                  <a:srgbClr val="6D6D6D"/>
-                </a:solidFill>
-                <a:latin typeface="Adobe Clean"/>
-                <a:cs typeface="Adobe Clean"/>
-              </a:rPr>
-              <a:t>Confidential.</a:t>
-            </a:r>
-            <a:endParaRPr sz="800">
-              <a:latin typeface="Adobe Clean"/>
-              <a:cs typeface="Adobe Clean"/>
-            </a:endParaRPr>
+              <a:t>©2020 Adobe. All Rights Reserved. Adobe Confidential.</a:t>
+            </a:r>
           </a:p>
         </p:txBody>
       </p:sp>
@@ -15378,19 +12681,15 @@
               </a:spcBef>
             </a:pPr>
             <a:r>
-              <a:rPr lang="en-US" sz="1400" b="1" spc="-15">
+              <a:rPr lang="es-ES" sz="1400" b="1">
                 <a:solidFill>
                   <a:srgbClr val="020302"/>
                 </a:solidFill>
                 <a:latin typeface="Adobe Clean"/>
                 <a:cs typeface="Adobe Clean"/>
               </a:rPr>
-              <a:t>Resources</a:t>
-            </a:r>
-            <a:endParaRPr sz="1400">
-              <a:latin typeface="Adobe Clean"/>
-              <a:cs typeface="Adobe Clean"/>
-            </a:endParaRPr>
+              <a:t>Recursos</a:t>
+            </a:r>
           </a:p>
         </p:txBody>
       </p:sp>
@@ -15424,7 +12723,7 @@
               </a:spcBef>
             </a:pPr>
             <a:r>
-              <a:rPr sz="800" spc="-15">
+              <a:rPr lang="es-ES" sz="800">
                 <a:solidFill>
                   <a:srgbClr val="777879"/>
                 </a:solidFill>
@@ -15433,10 +12732,6 @@
               </a:rPr>
               <a:t>Adobe</a:t>
             </a:r>
-            <a:endParaRPr sz="800">
-              <a:latin typeface="Adobe Clean"/>
-              <a:cs typeface="Adobe Clean"/>
-            </a:endParaRPr>
           </a:p>
           <a:p>
             <a:pPr marL="12700">
@@ -15445,90 +12740,32 @@
               </a:lnSpc>
             </a:pPr>
             <a:r>
-              <a:rPr sz="800" spc="-15">
+              <a:rPr lang="es-ES" sz="800">
                 <a:solidFill>
                   <a:srgbClr val="777879"/>
                 </a:solidFill>
                 <a:latin typeface="Adobe Clean"/>
                 <a:cs typeface="Adobe Clean"/>
               </a:rPr>
-              <a:t>345 Park</a:t>
-            </a:r>
-            <a:r>
-              <a:rPr sz="800" spc="-100">
+              <a:t>345 Park Avenue</a:t>
+            </a:r>
+          </a:p>
+          <a:p>
+            <a:pPr marL="12700">
+              <a:lnSpc>
+                <a:spcPts val="944"/>
+              </a:lnSpc>
+            </a:pPr>
+            <a:r>
+              <a:rPr lang="es-ES" sz="800">
                 <a:solidFill>
                   <a:srgbClr val="777879"/>
                 </a:solidFill>
                 <a:latin typeface="Adobe Clean"/>
                 <a:cs typeface="Adobe Clean"/>
               </a:rPr>
-              <a:t> </a:t>
-            </a:r>
-            <a:r>
-              <a:rPr sz="800" spc="-15">
-                <a:solidFill>
-                  <a:srgbClr val="777879"/>
-                </a:solidFill>
-                <a:latin typeface="Adobe Clean"/>
-                <a:cs typeface="Adobe Clean"/>
-              </a:rPr>
-              <a:t>Avenue</a:t>
-            </a:r>
-            <a:endParaRPr sz="800">
-              <a:latin typeface="Adobe Clean"/>
-              <a:cs typeface="Adobe Clean"/>
-            </a:endParaRPr>
-          </a:p>
-          <a:p>
-            <a:pPr marL="12700">
-              <a:lnSpc>
-                <a:spcPts val="944"/>
-              </a:lnSpc>
-            </a:pPr>
-            <a:r>
-              <a:rPr sz="800" spc="-10">
-                <a:solidFill>
-                  <a:srgbClr val="777879"/>
-                </a:solidFill>
-                <a:latin typeface="Adobe Clean"/>
-                <a:cs typeface="Adobe Clean"/>
-              </a:rPr>
-              <a:t>San </a:t>
-            </a:r>
-            <a:r>
-              <a:rPr sz="800" spc="-15">
-                <a:solidFill>
-                  <a:srgbClr val="777879"/>
-                </a:solidFill>
-                <a:latin typeface="Adobe Clean"/>
-                <a:cs typeface="Adobe Clean"/>
-              </a:rPr>
-              <a:t>Jose,</a:t>
-            </a:r>
-            <a:r>
-              <a:rPr sz="800" spc="-140">
-                <a:solidFill>
-                  <a:srgbClr val="777879"/>
-                </a:solidFill>
-                <a:latin typeface="Adobe Clean"/>
-                <a:cs typeface="Adobe Clean"/>
-              </a:rPr>
-              <a:t> </a:t>
-            </a:r>
-            <a:r>
-              <a:rPr sz="800" spc="-20">
-                <a:solidFill>
-                  <a:srgbClr val="777879"/>
-                </a:solidFill>
-                <a:latin typeface="Adobe Clean"/>
-                <a:cs typeface="Adobe Clean"/>
-              </a:rPr>
-              <a:t>CA95110-2704</a:t>
-            </a:r>
-            <a:endParaRPr sz="800">
-              <a:latin typeface="Adobe Clean"/>
-              <a:cs typeface="Adobe Clean"/>
-            </a:endParaRPr>
+              <a:t>San José, CA95110-2704</a:t>
+            </a:r>
           </a:p>
           <a:p>
             <a:pPr marL="12700">
@@ -15540,19 +12777,15 @@
               </a:spcBef>
             </a:pPr>
             <a:r>
-              <a:rPr sz="800" spc="-10">
+              <a:rPr lang="es-ES" sz="800">
                 <a:solidFill>
                   <a:srgbClr val="777879"/>
                 </a:solidFill>
                 <a:latin typeface="Adobe Clean"/>
                 <a:cs typeface="Adobe Clean"/>
               </a:rPr>
-              <a:t>USA</a:t>
-            </a:r>
-            <a:endParaRPr sz="800">
-              <a:latin typeface="Adobe Clean"/>
-              <a:cs typeface="Adobe Clean"/>
-            </a:endParaRPr>
+              <a:t>EE. UU.</a:t>
+            </a:r>
           </a:p>
           <a:p>
             <a:pPr marL="12700">
@@ -15564,7 +12797,7 @@
               </a:spcBef>
             </a:pPr>
             <a:r>
-              <a:rPr sz="800" u="sng" spc="-25">
+              <a:rPr lang="es-ES" sz="800" u="sng">
                 <a:solidFill>
                   <a:srgbClr val="5F5F5F"/>
                 </a:solidFill>
@@ -15579,10 +12812,6 @@
               </a:rPr>
               <a:t>www.adobe.com</a:t>
             </a:r>
-            <a:endParaRPr sz="800">
-              <a:latin typeface="Adobe Clean"/>
-              <a:cs typeface="Adobe Clean"/>
-            </a:endParaRPr>
           </a:p>
         </p:txBody>
       </p:sp>
@@ -15757,17 +12986,27 @@
               </a:spcBef>
             </a:pPr>
             <a:r>
-              <a:rPr sz="1100" i="1" spc="-10" dirty="0">
+              <a:rPr lang="es-ES" sz="1100" i="1" dirty="0">
                 <a:solidFill>
                   <a:srgbClr val="777879"/>
                 </a:solidFill>
                 <a:latin typeface="AdobeClean-LightIt"/>
                 <a:cs typeface="AdobeClean-LightIt"/>
               </a:rPr>
-              <a:t>To</a:t>
-            </a:r>
-            <a:r>
-              <a:rPr sz="1100" i="1" spc="-50" dirty="0">
+              <a:t>Para saber más sobre las ofertas de asistencia de Adobe y el nivel adecuado para usted, póngase en contacto con su administrador de cuentas (NAM) o con su </a:t>
+            </a:r>
+            <a:r>
+              <a:rPr lang="es-ES" sz="1100" i="1" dirty="0" err="1">
+                <a:solidFill>
+                  <a:srgbClr val="777879"/>
+                </a:solidFill>
+                <a:latin typeface="AdobeClean-LightIt"/>
+                <a:cs typeface="AdobeClean-LightIt"/>
+              </a:rPr>
+              <a:t>Customer</a:t>
+            </a:r>
+            <a:r>
+              <a:rPr lang="es-ES" sz="1100" i="1" dirty="0">
                 <a:solidFill>
                   <a:srgbClr val="777879"/>
                 </a:solidFill>
@@ -15777,377 +13016,7 @@
               <a:t> </a:t>
             </a:r>
             <a:r>
-              <a:rPr sz="1100" i="1" spc="-15" dirty="0">
-                <a:solidFill>
-                  <a:srgbClr val="777879"/>
-                </a:solidFill>
-                <a:latin typeface="AdobeClean-LightIt"/>
-                <a:cs typeface="AdobeClean-LightIt"/>
-              </a:rPr>
-              <a:t>learn</a:t>
-            </a:r>
-            <a:r>
-              <a:rPr sz="1100" i="1" spc="-40" dirty="0">
-                <a:solidFill>
-                  <a:srgbClr val="777879"/>
-                </a:solidFill>
-                <a:latin typeface="AdobeClean-LightIt"/>
-                <a:cs typeface="AdobeClean-LightIt"/>
-              </a:rPr>
-              <a:t> </a:t>
-            </a:r>
-            <a:r>
-              <a:rPr sz="1100" i="1" spc="-15" dirty="0">
-                <a:solidFill>
-                  <a:srgbClr val="777879"/>
-                </a:solidFill>
-                <a:latin typeface="AdobeClean-LightIt"/>
-                <a:cs typeface="AdobeClean-LightIt"/>
-              </a:rPr>
-              <a:t>more</a:t>
-            </a:r>
-            <a:r>
-              <a:rPr sz="1100" i="1" spc="-45" dirty="0">
-                <a:solidFill>
-                  <a:srgbClr val="777879"/>
-                </a:solidFill>
-                <a:latin typeface="AdobeClean-LightIt"/>
-                <a:cs typeface="AdobeClean-LightIt"/>
-              </a:rPr>
-              <a:t> </a:t>
-            </a:r>
-            <a:r>
-              <a:rPr sz="1100" i="1" spc="-15" dirty="0">
-                <a:solidFill>
-                  <a:srgbClr val="777879"/>
-                </a:solidFill>
-                <a:latin typeface="AdobeClean-LightIt"/>
-                <a:cs typeface="AdobeClean-LightIt"/>
-              </a:rPr>
-              <a:t>about</a:t>
-            </a:r>
-            <a:r>
-              <a:rPr sz="1100" i="1" spc="-45" dirty="0">
-                <a:solidFill>
-                  <a:srgbClr val="777879"/>
-                </a:solidFill>
-                <a:latin typeface="AdobeClean-LightIt"/>
-                <a:cs typeface="AdobeClean-LightIt"/>
-              </a:rPr>
-              <a:t> </a:t>
-            </a:r>
-            <a:r>
-              <a:rPr sz="1100" i="1" spc="-15" dirty="0">
-                <a:solidFill>
-                  <a:srgbClr val="777879"/>
-                </a:solidFill>
-                <a:latin typeface="AdobeClean-LightIt"/>
-                <a:cs typeface="AdobeClean-LightIt"/>
-              </a:rPr>
-              <a:t>Adobe</a:t>
-            </a:r>
-            <a:r>
-              <a:rPr sz="1100" i="1" spc="-50" dirty="0">
-                <a:solidFill>
-                  <a:srgbClr val="777879"/>
-                </a:solidFill>
-                <a:latin typeface="AdobeClean-LightIt"/>
-                <a:cs typeface="AdobeClean-LightIt"/>
-              </a:rPr>
-              <a:t> </a:t>
-            </a:r>
-            <a:r>
-              <a:rPr sz="1100" i="1" spc="-15" dirty="0">
-                <a:solidFill>
-                  <a:srgbClr val="777879"/>
-                </a:solidFill>
-                <a:latin typeface="AdobeClean-LightIt"/>
-                <a:cs typeface="AdobeClean-LightIt"/>
-              </a:rPr>
-              <a:t>Support</a:t>
-            </a:r>
-            <a:r>
-              <a:rPr lang="en-US" sz="1100" i="1" spc="-15" dirty="0">
-                <a:solidFill>
-                  <a:srgbClr val="777879"/>
-                </a:solidFill>
-                <a:latin typeface="AdobeClean-LightIt"/>
-                <a:cs typeface="AdobeClean-LightIt"/>
-              </a:rPr>
-              <a:t> Offerings</a:t>
-            </a:r>
-            <a:r>
-              <a:rPr sz="1100" i="1" spc="-75" dirty="0">
-                <a:solidFill>
-                  <a:srgbClr val="777879"/>
-                </a:solidFill>
-                <a:latin typeface="AdobeClean-LightIt"/>
-                <a:cs typeface="AdobeClean-LightIt"/>
-              </a:rPr>
-              <a:t> </a:t>
-            </a:r>
-            <a:r>
-              <a:rPr sz="1100" i="1" spc="-15" dirty="0">
-                <a:solidFill>
-                  <a:srgbClr val="777879"/>
-                </a:solidFill>
-                <a:latin typeface="AdobeClean-LightIt"/>
-                <a:cs typeface="AdobeClean-LightIt"/>
-              </a:rPr>
-              <a:t>and</a:t>
-            </a:r>
-            <a:r>
-              <a:rPr sz="1100" i="1" spc="-50" dirty="0">
-                <a:solidFill>
-                  <a:srgbClr val="777879"/>
-                </a:solidFill>
-                <a:latin typeface="AdobeClean-LightIt"/>
-                <a:cs typeface="AdobeClean-LightIt"/>
-              </a:rPr>
-              <a:t> </a:t>
-            </a:r>
-            <a:r>
-              <a:rPr sz="1100" i="1" spc="-15" dirty="0">
-                <a:solidFill>
-                  <a:srgbClr val="777879"/>
-                </a:solidFill>
-                <a:latin typeface="AdobeClean-LightIt"/>
-                <a:cs typeface="AdobeClean-LightIt"/>
-              </a:rPr>
-              <a:t>the</a:t>
-            </a:r>
-            <a:r>
-              <a:rPr sz="1100" i="1" spc="-55" dirty="0">
-                <a:solidFill>
-                  <a:srgbClr val="777879"/>
-                </a:solidFill>
-                <a:latin typeface="AdobeClean-LightIt"/>
-                <a:cs typeface="AdobeClean-LightIt"/>
-              </a:rPr>
-              <a:t> </a:t>
-            </a:r>
-            <a:r>
-              <a:rPr sz="1100" i="1" spc="-15" dirty="0">
-                <a:solidFill>
-                  <a:srgbClr val="777879"/>
-                </a:solidFill>
-                <a:latin typeface="AdobeClean-LightIt"/>
-                <a:cs typeface="AdobeClean-LightIt"/>
-              </a:rPr>
-              <a:t>right</a:t>
-            </a:r>
-            <a:r>
-              <a:rPr sz="1100" i="1" spc="-95" dirty="0">
-                <a:solidFill>
-                  <a:srgbClr val="777879"/>
-                </a:solidFill>
-                <a:latin typeface="AdobeClean-LightIt"/>
-                <a:cs typeface="AdobeClean-LightIt"/>
-              </a:rPr>
-              <a:t> </a:t>
-            </a:r>
-            <a:r>
-              <a:rPr sz="1100" i="1" spc="-15" dirty="0">
-                <a:solidFill>
-                  <a:srgbClr val="777879"/>
-                </a:solidFill>
-                <a:latin typeface="AdobeClean-LightIt"/>
-                <a:cs typeface="AdobeClean-LightIt"/>
-              </a:rPr>
-              <a:t>level</a:t>
-            </a:r>
-            <a:r>
-              <a:rPr sz="1100" i="1" spc="-55" dirty="0">
-                <a:solidFill>
-                  <a:srgbClr val="777879"/>
-                </a:solidFill>
-                <a:latin typeface="AdobeClean-LightIt"/>
-                <a:cs typeface="AdobeClean-LightIt"/>
-              </a:rPr>
-              <a:t> </a:t>
-            </a:r>
-            <a:r>
-              <a:rPr sz="1100" i="1" spc="-15" dirty="0">
-                <a:solidFill>
-                  <a:srgbClr val="777879"/>
-                </a:solidFill>
-                <a:latin typeface="AdobeClean-LightIt"/>
-                <a:cs typeface="AdobeClean-LightIt"/>
-              </a:rPr>
-              <a:t>for</a:t>
-            </a:r>
-            <a:r>
-              <a:rPr sz="1100" i="1" spc="-85" dirty="0">
-                <a:solidFill>
-                  <a:srgbClr val="777879"/>
-                </a:solidFill>
-                <a:latin typeface="AdobeClean-LightIt"/>
-                <a:cs typeface="AdobeClean-LightIt"/>
-              </a:rPr>
-              <a:t> </a:t>
-            </a:r>
-            <a:r>
-              <a:rPr sz="1100" i="1" spc="-15" dirty="0">
-                <a:solidFill>
-                  <a:srgbClr val="777879"/>
-                </a:solidFill>
-                <a:latin typeface="AdobeClean-LightIt"/>
-                <a:cs typeface="AdobeClean-LightIt"/>
-              </a:rPr>
-              <a:t>you,</a:t>
-            </a:r>
-            <a:r>
-              <a:rPr sz="1100" i="1" spc="-65" dirty="0">
-                <a:solidFill>
-                  <a:srgbClr val="777879"/>
-                </a:solidFill>
-                <a:latin typeface="AdobeClean-LightIt"/>
-                <a:cs typeface="AdobeClean-LightIt"/>
-              </a:rPr>
-              <a:t> </a:t>
-            </a:r>
-            <a:r>
-              <a:rPr sz="1100" i="1" spc="-15" dirty="0">
-                <a:solidFill>
-                  <a:srgbClr val="777879"/>
-                </a:solidFill>
-                <a:latin typeface="AdobeClean-LightIt"/>
-                <a:cs typeface="AdobeClean-LightIt"/>
-              </a:rPr>
-              <a:t>contact</a:t>
-            </a:r>
-            <a:r>
-              <a:rPr sz="1100" i="1" spc="-85" dirty="0">
-                <a:solidFill>
-                  <a:srgbClr val="777879"/>
-                </a:solidFill>
-                <a:latin typeface="AdobeClean-LightIt"/>
-                <a:cs typeface="AdobeClean-LightIt"/>
-              </a:rPr>
-              <a:t> </a:t>
-            </a:r>
-            <a:r>
-              <a:rPr sz="1100" i="1" spc="-15" dirty="0">
-                <a:solidFill>
-                  <a:srgbClr val="777879"/>
-                </a:solidFill>
-                <a:latin typeface="AdobeClean-LightIt"/>
-                <a:cs typeface="AdobeClean-LightIt"/>
-              </a:rPr>
-              <a:t>your</a:t>
-            </a:r>
-            <a:r>
-              <a:rPr sz="1100" i="1" spc="-70" dirty="0">
-                <a:solidFill>
-                  <a:srgbClr val="777879"/>
-                </a:solidFill>
-                <a:latin typeface="AdobeClean-LightIt"/>
-                <a:cs typeface="AdobeClean-LightIt"/>
-              </a:rPr>
-              <a:t> </a:t>
-            </a:r>
-            <a:r>
-              <a:rPr sz="1100" i="1" spc="-15" dirty="0">
-                <a:solidFill>
-                  <a:srgbClr val="777879"/>
-                </a:solidFill>
-                <a:latin typeface="AdobeClean-LightIt"/>
-                <a:cs typeface="AdobeClean-LightIt"/>
-              </a:rPr>
-              <a:t>Named</a:t>
-            </a:r>
-            <a:r>
-              <a:rPr sz="1100" i="1" spc="-55" dirty="0">
-                <a:solidFill>
-                  <a:srgbClr val="777879"/>
-                </a:solidFill>
-                <a:latin typeface="AdobeClean-LightIt"/>
-                <a:cs typeface="AdobeClean-LightIt"/>
-              </a:rPr>
-              <a:t> </a:t>
-            </a:r>
-            <a:r>
-              <a:rPr sz="1100" i="1" spc="-25" dirty="0">
-                <a:solidFill>
-                  <a:srgbClr val="777879"/>
-                </a:solidFill>
-                <a:latin typeface="AdobeClean-LightIt"/>
-                <a:cs typeface="AdobeClean-LightIt"/>
-              </a:rPr>
-              <a:t>Account</a:t>
-            </a:r>
-            <a:r>
-              <a:rPr sz="1100" i="1" spc="-120" dirty="0">
-                <a:solidFill>
-                  <a:srgbClr val="777879"/>
-                </a:solidFill>
-                <a:latin typeface="AdobeClean-LightIt"/>
-                <a:cs typeface="AdobeClean-LightIt"/>
-              </a:rPr>
-              <a:t> </a:t>
-            </a:r>
-            <a:r>
-              <a:rPr sz="1100" i="1" spc="-20" dirty="0">
-                <a:solidFill>
-                  <a:srgbClr val="777879"/>
-                </a:solidFill>
-                <a:latin typeface="AdobeClean-LightIt"/>
-                <a:cs typeface="AdobeClean-LightIt"/>
-              </a:rPr>
-              <a:t>Manager</a:t>
-            </a:r>
-            <a:r>
-              <a:rPr lang="en-US" sz="1100" i="1" spc="-20" dirty="0">
-                <a:solidFill>
-                  <a:srgbClr val="777879"/>
-                </a:solidFill>
-                <a:latin typeface="AdobeClean-LightIt"/>
-                <a:cs typeface="AdobeClean-LightIt"/>
-              </a:rPr>
-              <a:t> </a:t>
-            </a:r>
-            <a:r>
-              <a:rPr sz="1100" i="1" spc="-20" dirty="0">
-                <a:solidFill>
-                  <a:srgbClr val="777879"/>
-                </a:solidFill>
-                <a:latin typeface="AdobeClean-LightIt"/>
-                <a:cs typeface="AdobeClean-LightIt"/>
-              </a:rPr>
-              <a:t> </a:t>
-            </a:r>
-            <a:r>
-              <a:rPr sz="1100" i="1" spc="-15" dirty="0">
-                <a:solidFill>
-                  <a:srgbClr val="777879"/>
-                </a:solidFill>
-                <a:latin typeface="AdobeClean-LightIt"/>
-                <a:cs typeface="AdobeClean-LightIt"/>
-              </a:rPr>
-              <a:t>(NAM) </a:t>
-            </a:r>
-            <a:r>
-              <a:rPr sz="1100" i="1" spc="-10" dirty="0">
-                <a:solidFill>
-                  <a:srgbClr val="777879"/>
-                </a:solidFill>
-                <a:latin typeface="AdobeClean-LightIt"/>
-                <a:cs typeface="AdobeClean-LightIt"/>
-              </a:rPr>
-              <a:t>or </a:t>
-            </a:r>
-            <a:r>
-              <a:rPr sz="1100" i="1" spc="-15" dirty="0">
-                <a:solidFill>
-                  <a:srgbClr val="777879"/>
-                </a:solidFill>
-                <a:latin typeface="AdobeClean-LightIt"/>
-                <a:cs typeface="AdobeClean-LightIt"/>
-              </a:rPr>
-              <a:t>Customer </a:t>
-            </a:r>
-            <a:r>
-              <a:rPr sz="1100" i="1" spc="-20" dirty="0">
+              <a:rPr lang="es-ES" sz="1100" i="1" dirty="0" err="1">
                 <a:solidFill>
                   <a:srgbClr val="777879"/>
                 </a:solidFill>
@@ -16157,49 +13026,15 @@
               <a:t>Success</a:t>
             </a:r>
             <a:r>
-              <a:rPr sz="1100" i="1" spc="-180" dirty="0">
+              <a:rPr lang="es-ES" sz="1100" i="1" dirty="0">
                 <a:solidFill>
                   <a:srgbClr val="777879"/>
                 </a:solidFill>
                 <a:latin typeface="AdobeClean-LightIt"/>
                 <a:cs typeface="AdobeClean-LightIt"/>
               </a:rPr>
-              <a:t> </a:t>
-            </a:r>
-            <a:r>
-              <a:rPr sz="1100" i="1" spc="-15" dirty="0">
-                <a:solidFill>
-                  <a:srgbClr val="777879"/>
-                </a:solidFill>
-                <a:latin typeface="AdobeClean-LightIt"/>
-                <a:cs typeface="AdobeClean-LightIt"/>
-              </a:rPr>
-              <a:t>Manager</a:t>
-            </a:r>
-            <a:r>
-              <a:rPr lang="en-US" sz="1100" i="1" spc="-15" dirty="0">
-                <a:solidFill>
-                  <a:srgbClr val="777879"/>
-                </a:solidFill>
-                <a:latin typeface="AdobeClean-LightIt"/>
-                <a:cs typeface="AdobeClean-LightIt"/>
-              </a:rPr>
-              <a:t> </a:t>
-            </a:r>
-            <a:r>
-              <a:rPr sz="1100" i="1" spc="-15" dirty="0">
-                <a:solidFill>
-                  <a:srgbClr val="777879"/>
-                </a:solidFill>
-                <a:latin typeface="AdobeClean-LightIt"/>
-                <a:cs typeface="AdobeClean-LightIt"/>
-              </a:rPr>
-              <a:t>(CSM)</a:t>
-            </a:r>
-            <a:endParaRPr sz="1100" dirty="0">
-              <a:latin typeface="AdobeClean-LightIt"/>
-              <a:cs typeface="AdobeClean-LightIt"/>
-            </a:endParaRPr>
+              <a:t> Manager (CSM)</a:t>
+            </a:r>
           </a:p>
           <a:p>
             <a:pPr marL="34290">
@@ -16211,37 +13046,27 @@
               </a:spcBef>
             </a:pPr>
             <a:r>
-              <a:rPr sz="800" spc="-5" dirty="0">
+              <a:rPr lang="es-ES" sz="800" dirty="0">
                 <a:solidFill>
                   <a:srgbClr val="6D6D6D"/>
                 </a:solidFill>
                 <a:latin typeface="Adobe Clean"/>
                 <a:cs typeface="Adobe Clean"/>
               </a:rPr>
-              <a:t>©202</a:t>
-            </a:r>
-            <a:r>
-              <a:rPr lang="en-US" sz="800" spc="-5" dirty="0">
+              <a:t>©2021 Adobe. </a:t>
+            </a:r>
+            <a:r>
+              <a:rPr lang="es-ES" sz="800" dirty="0" err="1">
                 <a:solidFill>
                   <a:srgbClr val="6D6D6D"/>
                 </a:solidFill>
                 <a:latin typeface="Adobe Clean"/>
                 <a:cs typeface="Adobe Clean"/>
               </a:rPr>
-              <a:t>1</a:t>
-            </a:r>
-            <a:r>
-              <a:rPr sz="800" spc="-5" dirty="0">
-                <a:solidFill>
-                  <a:srgbClr val="6D6D6D"/>
-                </a:solidFill>
-                <a:latin typeface="Adobe Clean"/>
-                <a:cs typeface="Adobe Clean"/>
-              </a:rPr>
-              <a:t> Adobe. All Rights Reserved. Adobe</a:t>
-            </a:r>
-            <a:r>
-              <a:rPr sz="800" spc="75" dirty="0">
+              <a:t>All</a:t>
+            </a:r>
+            <a:r>
+              <a:rPr lang="es-ES" sz="800" dirty="0">
                 <a:solidFill>
                   <a:srgbClr val="6D6D6D"/>
                 </a:solidFill>
@@ -16251,19 +13076,65 @@
               <a:t> </a:t>
             </a:r>
             <a:r>
-              <a:rPr sz="800" spc="-5" dirty="0">
+              <a:rPr lang="es-ES" sz="800" dirty="0" err="1">
                 <a:solidFill>
                   <a:srgbClr val="6D6D6D"/>
                 </a:solidFill>
                 <a:latin typeface="Adobe Clean"/>
                 <a:cs typeface="Adobe Clean"/>
               </a:rPr>
-              <a:t>Confidential.</a:t>
-            </a:r>
-            <a:endParaRPr sz="800" dirty="0">
-              <a:latin typeface="Adobe Clean"/>
-              <a:cs typeface="Adobe Clean"/>
-            </a:endParaRPr>
+              <a:t>Rights</a:t>
+            </a:r>
+            <a:r>
+              <a:rPr lang="es-ES" sz="800" dirty="0">
+                <a:solidFill>
+                  <a:srgbClr val="6D6D6D"/>
+                </a:solidFill>
+                <a:latin typeface="Adobe Clean"/>
+                <a:cs typeface="Adobe Clean"/>
+              </a:rPr>
+              <a:t> </a:t>
+            </a:r>
+            <a:r>
+              <a:rPr lang="es-ES" sz="800" dirty="0" err="1">
+                <a:solidFill>
+                  <a:srgbClr val="6D6D6D"/>
+                </a:solidFill>
+                <a:latin typeface="Adobe Clean"/>
+                <a:cs typeface="Adobe Clean"/>
+              </a:rPr>
+              <a:t>Reserved</a:t>
+            </a:r>
+            <a:r>
+              <a:rPr lang="es-ES" sz="800" dirty="0">
+                <a:solidFill>
+                  <a:srgbClr val="6D6D6D"/>
+                </a:solidFill>
+                <a:latin typeface="Adobe Clean"/>
+                <a:cs typeface="Adobe Clean"/>
+              </a:rPr>
+              <a:t>. Adobe </a:t>
+            </a:r>
+            <a:r>
+              <a:rPr lang="es-ES" sz="800" dirty="0" err="1">
+                <a:solidFill>
+                  <a:srgbClr val="6D6D6D"/>
+                </a:solidFill>
+                <a:latin typeface="Adobe Clean"/>
+                <a:cs typeface="Adobe Clean"/>
+              </a:rPr>
+              <a:t>Confidential</a:t>
+            </a:r>
+            <a:r>
+              <a:rPr lang="es-ES" sz="800" dirty="0">
+                <a:solidFill>
+                  <a:srgbClr val="6D6D6D"/>
+                </a:solidFill>
+                <a:latin typeface="Adobe Clean"/>
+                <a:cs typeface="Adobe Clean"/>
+              </a:rPr>
+              <a:t>.</a:t>
+            </a:r>
           </a:p>
         </p:txBody>
       </p:sp>
@@ -16281,8 +13152,8 @@
         </p:nvSpPr>
         <p:spPr>
           <a:xfrm>
-            <a:off x="190707" y="4913781"/>
-            <a:ext cx="6476646" cy="755976"/>
+            <a:off x="190706" y="4913781"/>
+            <a:ext cx="7274987" cy="755976"/>
           </a:xfrm>
           <a:prstGeom prst="rect">
             <a:avLst/>
@@ -16300,19 +13171,15 @@
               </a:spcBef>
             </a:pPr>
             <a:r>
-              <a:rPr lang="en-US" sz="1400" b="1" spc="-15">
+              <a:rPr lang="es-ES" sz="1400" b="1" dirty="0">
                 <a:solidFill>
                   <a:srgbClr val="020302"/>
                 </a:solidFill>
                 <a:latin typeface="Adobe Clean"/>
                 <a:cs typeface="Adobe Clean"/>
               </a:rPr>
-              <a:t>Regional scope of Adobe Support, Local Hours Of Operation And Language Support</a:t>
-            </a:r>
-            <a:endParaRPr lang="en-US" sz="1400" spc="-15">
-              <a:ea typeface="+mn-lt"/>
-              <a:cs typeface="+mn-lt"/>
-            </a:endParaRPr>
+              <a:t>Alcance regional del Soporte de Adobe, horas locales de trabajo y compatibilidad de idioma</a:t>
+            </a:r>
           </a:p>
           <a:p>
             <a:pPr>
@@ -16321,17 +13188,14 @@
               </a:spcBef>
             </a:pPr>
             <a:r>
-              <a:rPr lang="en-US" sz="1000" spc="-15">
+              <a:rPr lang="es-ES" sz="1000" dirty="0">
                 <a:solidFill>
                   <a:srgbClr val="1F1F1F"/>
                 </a:solidFill>
                 <a:latin typeface="AdobeClean-Light"/>
               </a:rPr>
-              <a:t>The regional scope of Adobe Support is established by aligning the customer's billing address (via the Sales Order or other Adobe Support purchasing document) to one of the following regions:</a:t>
-            </a:r>
-            <a:endParaRPr lang="en-US" sz="1000">
-              <a:latin typeface="AdobeClean-Light"/>
-            </a:endParaRPr>
+              <a:t>El alcance regional del Soporte de Adobe se establece asignando la dirección de facturación del cliente (mediante la orden de venta o el documento de compra de Soporte de Adobe) con una de estas regiones:</a:t>
+            </a:r>
           </a:p>
         </p:txBody>
       </p:sp>
@@ -16350,7 +13214,7 @@
           <p:nvPr>
             <p:extLst>
               <p:ext uri="{D42A27DB-BD31-4B8C-83A1-F6EECF244321}">
-                <p14:modId xmlns:p14="http://schemas.microsoft.com/office/powerpoint/2010/main" val="1291534283"/>
+                <p14:modId xmlns:p14="http://schemas.microsoft.com/office/powerpoint/2010/main" val="1156534629"/>
               </p:ext>
             </p:extLst>
           </p:nvPr>
@@ -16403,13 +13267,13 @@
                     <a:p>
                       <a:pPr algn="ctr"/>
                       <a:r>
-                        <a:rPr lang="en-US" sz="1100">
+                        <a:rPr lang="es-ES" sz="1100">
                           <a:solidFill>
                             <a:schemeClr val="tx1"/>
                           </a:solidFill>
                           <a:latin typeface="Adobe Clean"/>
                         </a:rPr>
-                        <a:t>Americas</a:t>
+                        <a:t>América</a:t>
                       </a:r>
                     </a:p>
                   </a:txBody>
@@ -16468,13 +13332,30 @@
                     <a:p>
                       <a:pPr algn="ctr"/>
                       <a:r>
-                        <a:rPr lang="en-US" sz="1100">
+                        <a:rPr lang="es-ES" sz="1100" dirty="0">
                           <a:solidFill>
                             <a:schemeClr val="tx1"/>
                           </a:solidFill>
                           <a:latin typeface="Adobe Clean"/>
                         </a:rPr>
-                        <a:t>Europe, Middle East &amp; Africa</a:t>
+                        <a:t>Europa, Oriente Medio </a:t>
+                      </a:r>
+                      <a:br>
+                        <a:rPr lang="es-ES" sz="1100" dirty="0">
+                          <a:solidFill>
+                            <a:schemeClr val="tx1"/>
+                          </a:solidFill>
+                          <a:latin typeface="Adobe Clean"/>
+                        </a:rPr>
+                      </a:br>
+                      <a:r>
+                        <a:rPr lang="es-ES" sz="1100" dirty="0">
+                          <a:solidFill>
+                            <a:schemeClr val="tx1"/>
+                          </a:solidFill>
+                          <a:latin typeface="Adobe Clean"/>
+                        </a:rPr>
+                        <a:t>y África</a:t>
                       </a:r>
                     </a:p>
                   </a:txBody>
@@ -16533,13 +13414,13 @@
                     <a:p>
                       <a:pPr algn="ctr"/>
                       <a:r>
-                        <a:rPr lang="en-US" sz="1100">
+                        <a:rPr lang="es-ES" sz="1100">
                           <a:solidFill>
                             <a:schemeClr val="tx1"/>
                           </a:solidFill>
                           <a:latin typeface="Adobe Clean"/>
                         </a:rPr>
-                        <a:t>Asia Pacific</a:t>
+                        <a:t>Asia-Pacífico</a:t>
                       </a:r>
                     </a:p>
                   </a:txBody>
@@ -16598,16 +13479,16 @@
                     <a:p>
                       <a:pPr algn="ctr"/>
                       <a:r>
-                        <a:rPr lang="en-US" sz="1100">
+                        <a:rPr lang="es-ES" sz="1100">
                           <a:solidFill>
                             <a:schemeClr val="tx1"/>
                           </a:solidFill>
                           <a:latin typeface="Adobe Clean"/>
                         </a:rPr>
-                        <a:t>Japan </a:t>
+                        <a:t>Japón </a:t>
                       </a:r>
                       <a:r>
-                        <a:rPr lang="en-US" sz="1100" baseline="30000">
+                        <a:rPr lang="es-ES" sz="1100" baseline="30000">
                           <a:solidFill>
                             <a:schemeClr val="tx1"/>
                           </a:solidFill>
@@ -16615,12 +13496,6 @@
                         </a:rPr>
                         <a:t>1 </a:t>
                       </a:r>
-                      <a:endParaRPr lang="en-US" sz="1100">
-                        <a:solidFill>
-                          <a:schemeClr val="tx1"/>
-                        </a:solidFill>
-                        <a:latin typeface="Adobe Clean" panose="020B0503020404020204" pitchFamily="34" charset="0"/>
-                      </a:endParaRPr>
                     </a:p>
                   </a:txBody>
                   <a:tcPr anchor="ctr">
@@ -16685,13 +13560,13 @@
                     <a:p>
                       <a:pPr algn="ctr"/>
                       <a:r>
-                        <a:rPr lang="en-US" sz="1100">
+                        <a:rPr lang="es-ES" sz="1100">
                           <a:solidFill>
                             <a:schemeClr val="tx1"/>
                           </a:solidFill>
                           <a:latin typeface="Adobe Clean"/>
                         </a:rPr>
-                        <a:t>6 am – 5:30 pm</a:t>
+                        <a:t>06:00 h - 17:30 h</a:t>
                       </a:r>
                     </a:p>
                   </a:txBody>
@@ -16750,13 +13625,13 @@
                     <a:p>
                       <a:pPr algn="ctr"/>
                       <a:r>
-                        <a:rPr lang="en-US" sz="1100">
+                        <a:rPr lang="es-ES" sz="1100">
                           <a:solidFill>
                             <a:schemeClr val="tx1"/>
                           </a:solidFill>
                           <a:latin typeface="Adobe Clean"/>
                         </a:rPr>
-                        <a:t>9 am – 5 pm</a:t>
+                        <a:t>09:00 h - 17:00 h</a:t>
                       </a:r>
                     </a:p>
                   </a:txBody>
@@ -16815,13 +13690,13 @@
                     <a:p>
                       <a:pPr algn="ctr"/>
                       <a:r>
-                        <a:rPr lang="en-US" sz="1100">
+                        <a:rPr lang="es-ES" sz="1100" dirty="0">
                           <a:solidFill>
                             <a:schemeClr val="tx1"/>
                           </a:solidFill>
                           <a:latin typeface="Adobe Clean"/>
                         </a:rPr>
-                        <a:t>9 am – 5 pm</a:t>
+                        <a:t>09:00 h - 17:00 h</a:t>
                       </a:r>
                     </a:p>
                   </a:txBody>
@@ -16880,13 +13755,13 @@
                     <a:p>
                       <a:pPr algn="ctr"/>
                       <a:r>
-                        <a:rPr lang="en-US" sz="1100">
+                        <a:rPr lang="es-ES" sz="1100">
                           <a:solidFill>
                             <a:schemeClr val="tx1"/>
                           </a:solidFill>
                           <a:latin typeface="Adobe Clean"/>
                         </a:rPr>
-                        <a:t>9 am – 5:30 pm</a:t>
+                        <a:t>09:00 h - 17:30 h</a:t>
                       </a:r>
                     </a:p>
                   </a:txBody>
@@ -16963,12 +13838,12 @@
                         <a:buNone/>
                       </a:pPr>
                       <a:r>
-                        <a:rPr lang="en-US" sz="1100" b="0" i="0" u="none" strike="noStrike" noProof="0"/>
-                        <a:t>Language support is only available in English and Japanese.</a:t>
+                        <a:rPr lang="es-ES" sz="1100" b="0" i="0" u="none" strike="noStrike" noProof="0" dirty="0"/>
+                        <a:t>Compatibilidad de idioma solo disponible en inglés y japonés</a:t>
                       </a:r>
                     </a:p>
                     <a:p>
-                      <a:pPr lvl="0" algn="ctr">
+                      <a:pPr lvl="0" algn="l" rtl="0">
                         <a:lnSpc>
                           <a:spcPct val="100000"/>
                         </a:lnSpc>
@@ -16980,7 +13855,7 @@
                         </a:spcAft>
                         <a:buNone/>
                       </a:pPr>
-                      <a:endParaRPr lang="en-US" sz="1100" b="0" i="0" u="none" strike="noStrike" noProof="0"/>
+                      <a:endParaRPr lang="en-US" sz="1100" b="0" i="0" u="none" strike="noStrike" noProof="0" dirty="0"/>
                     </a:p>
                     <a:p>
                       <a:pPr lvl="0" algn="ctr">
@@ -16996,18 +13871,17 @@
                         <a:buNone/>
                       </a:pPr>
                       <a:r>
-                        <a:rPr lang="en-US" sz="1100" b="0" i="0" u="none" strike="noStrike" noProof="0"/>
+                        <a:rPr lang="es-ES" sz="1100" b="0" i="0" u="none" strike="noStrike" noProof="0" dirty="0"/>
                         <a:t> </a:t>
                       </a:r>
                       <a:r>
-                        <a:rPr lang="en-US" sz="1100" b="0" i="0" u="none" strike="noStrike" baseline="30000" noProof="0"/>
+                        <a:rPr lang="es-ES" sz="1100" b="0" i="0" u="none" strike="noStrike" baseline="30000" noProof="0" dirty="0"/>
                         <a:t>1 </a:t>
                       </a:r>
                       <a:r>
-                        <a:rPr lang="en-US" sz="1100" b="0" i="0" u="none" strike="noStrike" noProof="0"/>
-                        <a:t>P2, P3, P4 cases are limited to business hours only in Japan.</a:t>
+                        <a:rPr lang="es-ES" sz="1100" b="0" i="0" u="none" strike="noStrike" noProof="0" dirty="0"/>
+                        <a:t>Los casos de P2, P3, P4 se limitan únicamente al horario laboral en Japón.</a:t>
                       </a:r>
-                      <a:endParaRPr lang="en-US" sz="1100" b="1" i="0" u="none" strike="noStrike" noProof="0"/>
                     </a:p>
                   </a:txBody>
                   <a:tcPr anchor="ctr">
@@ -17362,7 +14236,7 @@
           </a:bodyPr>
           <a:lstStyle/>
           <a:p>
-            <a:pPr marL="139065" marR="5080" indent="-139065">
+            <a:pPr marR="5080" algn="ctr">
               <a:lnSpc>
                 <a:spcPts val="1390"/>
               </a:lnSpc>
@@ -17371,129 +14245,15 @@
               </a:spcBef>
             </a:pPr>
             <a:r>
-              <a:rPr sz="1200" b="1" spc="-15">
+              <a:rPr lang="es-ES" sz="1200" b="1" dirty="0">
                 <a:solidFill>
                   <a:srgbClr val="FFFFFF"/>
                 </a:solidFill>
                 <a:latin typeface="Adobe Clean"/>
                 <a:cs typeface="Adobe Clean"/>
               </a:rPr>
-              <a:t>U</a:t>
-            </a:r>
-            <a:r>
-              <a:rPr sz="1200" b="1" spc="-20">
-                <a:solidFill>
-                  <a:srgbClr val="FFFFFF"/>
-                </a:solidFill>
-                <a:latin typeface="Adobe Clean"/>
-                <a:cs typeface="Adobe Clean"/>
-              </a:rPr>
-              <a:t>n</a:t>
-            </a:r>
-            <a:r>
-              <a:rPr sz="1200" b="1" spc="-25">
-                <a:solidFill>
-                  <a:srgbClr val="FFFFFF"/>
-                </a:solidFill>
-                <a:latin typeface="Adobe Clean"/>
-                <a:cs typeface="Adobe Clean"/>
-              </a:rPr>
-              <a:t>p</a:t>
-            </a:r>
-            <a:r>
-              <a:rPr sz="1200" b="1" spc="-15">
-                <a:solidFill>
-                  <a:srgbClr val="FFFFFF"/>
-                </a:solidFill>
-                <a:latin typeface="Adobe Clean"/>
-                <a:cs typeface="Adobe Clean"/>
-              </a:rPr>
-              <a:t>a</a:t>
-            </a:r>
-            <a:r>
-              <a:rPr sz="1200" b="1" spc="-25">
-                <a:solidFill>
-                  <a:srgbClr val="FFFFFF"/>
-                </a:solidFill>
-                <a:latin typeface="Adobe Clean"/>
-                <a:cs typeface="Adobe Clean"/>
-              </a:rPr>
-              <a:t>r</a:t>
-            </a:r>
-            <a:r>
-              <a:rPr sz="1200" b="1" spc="-15">
-                <a:solidFill>
-                  <a:srgbClr val="FFFFFF"/>
-                </a:solidFill>
-                <a:latin typeface="Adobe Clean"/>
-                <a:cs typeface="Adobe Clean"/>
-              </a:rPr>
-              <a:t>a</a:t>
-            </a:r>
-            <a:r>
-              <a:rPr sz="1200" b="1" spc="-30">
-                <a:solidFill>
-                  <a:srgbClr val="FFFFFF"/>
-                </a:solidFill>
-                <a:latin typeface="Adobe Clean"/>
-                <a:cs typeface="Adobe Clean"/>
-              </a:rPr>
-              <a:t>ll</a:t>
-            </a:r>
-            <a:r>
-              <a:rPr sz="1200" b="1" spc="-25">
-                <a:solidFill>
-                  <a:srgbClr val="FFFFFF"/>
-                </a:solidFill>
-                <a:latin typeface="Adobe Clean"/>
-                <a:cs typeface="Adobe Clean"/>
-              </a:rPr>
-              <a:t>e</a:t>
-            </a:r>
-            <a:r>
-              <a:rPr sz="1200" b="1" spc="-30">
-                <a:solidFill>
-                  <a:srgbClr val="FFFFFF"/>
-                </a:solidFill>
-                <a:latin typeface="Adobe Clean"/>
-                <a:cs typeface="Adobe Clean"/>
-              </a:rPr>
-              <a:t>l</a:t>
-            </a:r>
-            <a:r>
-              <a:rPr sz="1200" b="1" spc="-25">
-                <a:solidFill>
-                  <a:srgbClr val="FFFFFF"/>
-                </a:solidFill>
-                <a:latin typeface="Adobe Clean"/>
-                <a:cs typeface="Adobe Clean"/>
-              </a:rPr>
-              <a:t>e</a:t>
-            </a:r>
-            <a:r>
-              <a:rPr sz="1200" b="1">
-                <a:solidFill>
-                  <a:srgbClr val="FFFFFF"/>
-                </a:solidFill>
-                <a:latin typeface="Adobe Clean"/>
-                <a:cs typeface="Adobe Clean"/>
-              </a:rPr>
-              <a:t>d  </a:t>
-            </a:r>
-            <a:r>
-              <a:rPr sz="1200" b="1" spc="-25">
-                <a:solidFill>
-                  <a:srgbClr val="FFFFFF"/>
-                </a:solidFill>
-                <a:latin typeface="Adobe Clean"/>
-                <a:cs typeface="Adobe Clean"/>
-              </a:rPr>
-              <a:t>Expertise</a:t>
-            </a:r>
-            <a:endParaRPr sz="1200">
-              <a:latin typeface="Adobe Clean"/>
-              <a:cs typeface="Adobe Clean"/>
-            </a:endParaRPr>
+              <a:t>Experiencia sin igual</a:t>
+            </a:r>
           </a:p>
         </p:txBody>
       </p:sp>
@@ -17524,7 +14284,7 @@
           </a:bodyPr>
           <a:lstStyle/>
           <a:p>
-            <a:pPr marL="139065" marR="5080" indent="-139065">
+            <a:pPr marR="5080" algn="ctr">
               <a:lnSpc>
                 <a:spcPts val="1390"/>
               </a:lnSpc>
@@ -17533,19 +14293,15 @@
               </a:spcBef>
             </a:pPr>
             <a:r>
-              <a:rPr lang="en-US" sz="1200" b="1" spc="-15">
+              <a:rPr lang="es-ES" sz="1200" b="1" dirty="0">
                 <a:solidFill>
                   <a:srgbClr val="FFFFFF"/>
                 </a:solidFill>
                 <a:latin typeface="Adobe Clean"/>
                 <a:cs typeface="Adobe Clean"/>
               </a:rPr>
-              <a:t>Accelerated Support</a:t>
-            </a:r>
-            <a:endParaRPr sz="1200">
-              <a:latin typeface="Adobe Clean"/>
-              <a:cs typeface="Adobe Clean"/>
-            </a:endParaRPr>
+              <a:t>Asistencia ágil</a:t>
+            </a:r>
           </a:p>
         </p:txBody>
       </p:sp>
@@ -17563,8 +14319,8 @@
         </p:nvSpPr>
         <p:spPr>
           <a:xfrm>
-            <a:off x="6624119" y="8543943"/>
-            <a:ext cx="510540" cy="385445"/>
+            <a:off x="6510528" y="8543943"/>
+            <a:ext cx="810895" cy="382797"/>
           </a:xfrm>
           <a:prstGeom prst="rect">
             <a:avLst/>
@@ -17576,7 +14332,7 @@
           </a:bodyPr>
           <a:lstStyle/>
           <a:p>
-            <a:pPr marL="50800" marR="5080" indent="-51435">
+            <a:pPr marR="5080" algn="ctr">
               <a:lnSpc>
                 <a:spcPts val="1390"/>
               </a:lnSpc>
@@ -17585,109 +14341,15 @@
               </a:spcBef>
             </a:pPr>
             <a:r>
-              <a:rPr sz="1200" b="1" spc="-50">
+              <a:rPr lang="es-ES" sz="1200" b="1" dirty="0">
                 <a:solidFill>
                   <a:srgbClr val="FFFFFF"/>
                 </a:solidFill>
                 <a:latin typeface="Adobe Clean"/>
                 <a:cs typeface="Adobe Clean"/>
               </a:rPr>
-              <a:t>S</a:t>
-            </a:r>
-            <a:r>
-              <a:rPr sz="1200" b="1" spc="-20">
-                <a:solidFill>
-                  <a:srgbClr val="FFFFFF"/>
-                </a:solidFill>
-                <a:latin typeface="Adobe Clean"/>
-                <a:cs typeface="Adobe Clean"/>
-              </a:rPr>
-              <a:t>t</a:t>
-            </a:r>
-            <a:r>
-              <a:rPr sz="1200" b="1" spc="-75">
-                <a:solidFill>
-                  <a:srgbClr val="FFFFFF"/>
-                </a:solidFill>
-                <a:latin typeface="Adobe Clean"/>
-                <a:cs typeface="Adobe Clean"/>
-              </a:rPr>
-              <a:t>r</a:t>
-            </a:r>
-            <a:r>
-              <a:rPr sz="1200" b="1" spc="-90">
-                <a:solidFill>
-                  <a:srgbClr val="FFFFFF"/>
-                </a:solidFill>
-                <a:latin typeface="Adobe Clean"/>
-                <a:cs typeface="Adobe Clean"/>
-              </a:rPr>
-              <a:t>a</a:t>
-            </a:r>
-            <a:r>
-              <a:rPr sz="1200" b="1" spc="-55">
-                <a:solidFill>
-                  <a:srgbClr val="FFFFFF"/>
-                </a:solidFill>
-                <a:latin typeface="Adobe Clean"/>
-                <a:cs typeface="Adobe Clean"/>
-              </a:rPr>
-              <a:t>t</a:t>
-            </a:r>
-            <a:r>
-              <a:rPr sz="1200" b="1" spc="-100">
-                <a:solidFill>
-                  <a:srgbClr val="FFFFFF"/>
-                </a:solidFill>
-                <a:latin typeface="Adobe Clean"/>
-                <a:cs typeface="Adobe Clean"/>
-              </a:rPr>
-              <a:t>e</a:t>
-            </a:r>
-            <a:r>
-              <a:rPr sz="1200" b="1" spc="-80">
-                <a:solidFill>
-                  <a:srgbClr val="FFFFFF"/>
-                </a:solidFill>
-                <a:latin typeface="Adobe Clean"/>
-                <a:cs typeface="Adobe Clean"/>
-              </a:rPr>
-              <a:t>g</a:t>
-            </a:r>
-            <a:r>
-              <a:rPr sz="1200" b="1" spc="-35">
-                <a:solidFill>
-                  <a:srgbClr val="FFFFFF"/>
-                </a:solidFill>
-                <a:latin typeface="Adobe Clean"/>
-                <a:cs typeface="Adobe Clean"/>
-              </a:rPr>
-              <a:t>i</a:t>
-            </a:r>
-            <a:r>
-              <a:rPr sz="1200" b="1">
-                <a:solidFill>
-                  <a:srgbClr val="FFFFFF"/>
-                </a:solidFill>
-                <a:latin typeface="Adobe Clean"/>
-                <a:cs typeface="Adobe Clean"/>
-              </a:rPr>
-              <a:t>c  </a:t>
-            </a:r>
-            <a:r>
-              <a:rPr sz="1200" b="1" spc="-45">
-                <a:solidFill>
-                  <a:srgbClr val="FFFFFF"/>
-                </a:solidFill>
-                <a:latin typeface="Adobe Clean"/>
-                <a:cs typeface="Adobe Clean"/>
-              </a:rPr>
-              <a:t>Advice</a:t>
-            </a:r>
-            <a:endParaRPr sz="1200">
-              <a:latin typeface="Adobe Clean"/>
-              <a:cs typeface="Adobe Clean"/>
-            </a:endParaRPr>
+              <a:t>Asesoría estratégica</a:t>
+            </a:r>
           </a:p>
         </p:txBody>
       </p:sp>
@@ -17713,7 +14375,7 @@
         </p:nvGraphicFramePr>
         <p:xfrm>
           <a:off x="194237" y="1272353"/>
-          <a:ext cx="7368291" cy="2931160"/>
+          <a:ext cx="7368291" cy="3388360"/>
         </p:xfrm>
         <a:graphic>
           <a:graphicData uri="http://schemas.openxmlformats.org/drawingml/2006/table">
@@ -17744,7 +14406,7 @@
                     <a:lstStyle/>
                     <a:p>
                       <a:r>
-                        <a:rPr lang="en-US" sz="1100" b="0" dirty="0">
+                        <a:rPr lang="es-ES" sz="1100" b="0" dirty="0" err="1">
                           <a:solidFill>
                             <a:schemeClr val="tx1"/>
                           </a:solidFill>
@@ -17753,16 +14415,20 @@
                           <a:cs typeface="+mn-cs"/>
                           <a:hlinkClick r:id="rId7"/>
                         </a:rPr>
-                        <a:t>Experience League</a:t>
+                        <a:t>Experience</a:t>
                       </a:r>
-                      <a:endParaRPr lang="en-US" sz="1100" b="0" dirty="0">
-                        <a:solidFill>
-                          <a:schemeClr val="tx1"/>
-                        </a:solidFill>
-                        <a:latin typeface="Adobe Clean"/>
-                        <a:ea typeface="+mn-ea"/>
-                        <a:cs typeface="+mn-cs"/>
-                      </a:endParaRPr>
+                      <a:r>
+                        <a:rPr lang="es-ES" sz="1100" b="0" dirty="0">
+                          <a:solidFill>
+                            <a:schemeClr val="tx1"/>
+                          </a:solidFill>
+                          <a:latin typeface="Adobe Clean"/>
+                          <a:ea typeface="+mn-ea"/>
+                          <a:cs typeface="+mn-cs"/>
+                          <a:hlinkClick r:id="rId7"/>
+                        </a:rPr>
+                        <a:t> League</a:t>
+                      </a:r>
                     </a:p>
                   </a:txBody>
                   <a:tcPr marL="47625" marR="47625" marT="0" marB="0" anchor="ctr">
@@ -17834,7 +14500,7 @@
                         <a:buNone/>
                       </a:pPr>
                       <a:r>
-                        <a:rPr lang="en-US" sz="1000" b="0" kern="1200" dirty="0">
+                        <a:rPr lang="es-ES" sz="1000" b="0" dirty="0" err="1">
                           <a:solidFill>
                             <a:srgbClr val="000000"/>
                           </a:solidFill>
@@ -17842,16 +14508,19 @@
                           <a:ea typeface="+mn-ea"/>
                           <a:cs typeface="+mn-cs"/>
                         </a:rPr>
-                        <a:t>Experience League is how Adobe helps businesses achieve the value they expect from their Adobe investment. It’s the unified place where customers can learn, connect, and grow along a personalized path to success that includes self-help tutorials, product documentation, instructor-led training, community and technical support. </a:t>
+                        <a:t>Experience</a:t>
                       </a:r>
-                      <a:endParaRPr lang="en-US" sz="1000" b="0" kern="1200">
-                        <a:solidFill>
-                          <a:srgbClr val="000000"/>
-                        </a:solidFill>
-                        <a:latin typeface="Adobe Clean Light" panose="020B0303020404020204" pitchFamily="34" charset="0"/>
-                        <a:ea typeface="+mn-ea"/>
-                        <a:cs typeface="+mn-cs"/>
-                      </a:endParaRPr>
+                      <a:r>
+                        <a:rPr lang="es-ES" sz="1000" b="0" dirty="0">
+                          <a:solidFill>
+                            <a:srgbClr val="000000"/>
+                          </a:solidFill>
+                          <a:latin typeface="Adobe Clean Light"/>
+                          <a:ea typeface="+mn-ea"/>
+                          <a:cs typeface="+mn-cs"/>
+                        </a:rPr>
+                        <a:t> League permite a Adobe ayudar a las empresas a alcanzar el valor que esperan de su inversión en Adobe. Es el lugar unificado en el que los clientes pueden aprender, dialogar y crecer siguiendo un camino personalizado hacia el éxito que incluye tutoriales de autoayuda, documentación de productos, formación dirigida por instructores, y asistencia técnica y comunitaria. </a:t>
+                      </a:r>
                     </a:p>
                   </a:txBody>
                   <a:tcPr anchor="ctr">
@@ -17932,39 +14601,28 @@
                         <a:defRPr/>
                       </a:pPr>
                       <a:r>
-                        <a:rPr lang="en-US" sz="1100" dirty="0">
+                        <a:rPr lang="es-ES" sz="1100" dirty="0">
                           <a:solidFill>
                             <a:schemeClr val="dk1"/>
                           </a:solidFill>
-                          <a:effectLst/>
                           <a:latin typeface="Adobe Clean"/>
                           <a:ea typeface="+mn-ea"/>
                           <a:cs typeface="+mn-cs"/>
                           <a:hlinkClick r:id="rId8"/>
                         </a:rPr>
-                        <a:t>Training</a:t>
+                        <a:t>Formación</a:t>
                       </a:r>
                       <a:r>
-                        <a:rPr lang="en-US" sz="1100" dirty="0">
+                        <a:rPr lang="es-ES" sz="1100" dirty="0">
                           <a:solidFill>
                             <a:schemeClr val="dk1"/>
                           </a:solidFill>
-                          <a:effectLst/>
                           <a:latin typeface="Adobe Clean"/>
                           <a:ea typeface="+mn-ea"/>
                           <a:cs typeface="+mn-cs"/>
                         </a:rPr>
                         <a:t> </a:t>
                       </a:r>
-                      <a:endParaRPr lang="en-US" sz="1100" dirty="0">
-                        <a:solidFill>
-                          <a:schemeClr val="tx1"/>
-                        </a:solidFill>
-                        <a:effectLst/>
-                        <a:latin typeface="Adobe Clean"/>
-                        <a:ea typeface="+mn-ea"/>
-                        <a:cs typeface="+mn-cs"/>
-                      </a:endParaRPr>
                     </a:p>
                   </a:txBody>
                   <a:tcPr anchor="ctr">
@@ -18038,7 +14696,7 @@
                         <a:defRPr/>
                       </a:pPr>
                       <a:r>
-                        <a:rPr lang="en-US" sz="1000" kern="1200" dirty="0">
+                        <a:rPr lang="es-ES" sz="1000" dirty="0">
                           <a:solidFill>
                             <a:srgbClr val="000000"/>
                           </a:solidFill>
@@ -18046,7 +14704,73 @@
                           <a:ea typeface="+mn-ea"/>
                           <a:cs typeface="+mn-cs"/>
                         </a:rPr>
-                        <a:t>Adobe Digital Learning Services courses are accessible from Experience League. Learning courses integrate both on-demand and instructor-led lessons.  Here you can accrue skills that have recognized market value and position them to drive success in your organizations.</a:t>
+                        <a:t>Puede acceder a los cursos de Adobe Digital </a:t>
+                      </a:r>
+                      <a:r>
+                        <a:rPr lang="es-ES" sz="1000" dirty="0" err="1">
+                          <a:solidFill>
+                            <a:srgbClr val="000000"/>
+                          </a:solidFill>
+                          <a:latin typeface="Adobe Clean Light"/>
+                          <a:ea typeface="+mn-ea"/>
+                          <a:cs typeface="+mn-cs"/>
+                        </a:rPr>
+                        <a:t>Learning</a:t>
+                      </a:r>
+                      <a:r>
+                        <a:rPr lang="es-ES" sz="1000" dirty="0">
+                          <a:solidFill>
+                            <a:srgbClr val="000000"/>
+                          </a:solidFill>
+                          <a:latin typeface="Adobe Clean Light"/>
+                          <a:ea typeface="+mn-ea"/>
+                          <a:cs typeface="+mn-cs"/>
+                        </a:rPr>
+                        <a:t> </a:t>
+                      </a:r>
+                      <a:r>
+                        <a:rPr lang="es-ES" sz="1000" dirty="0" err="1">
+                          <a:solidFill>
+                            <a:srgbClr val="000000"/>
+                          </a:solidFill>
+                          <a:latin typeface="Adobe Clean Light"/>
+                          <a:ea typeface="+mn-ea"/>
+                          <a:cs typeface="+mn-cs"/>
+                        </a:rPr>
+                        <a:t>Services</a:t>
+                      </a:r>
+                      <a:r>
+                        <a:rPr lang="es-ES" sz="1000" dirty="0">
+                          <a:solidFill>
+                            <a:srgbClr val="000000"/>
+                          </a:solidFill>
+                          <a:latin typeface="Adobe Clean Light"/>
+                          <a:ea typeface="+mn-ea"/>
+                          <a:cs typeface="+mn-cs"/>
+                        </a:rPr>
+                        <a:t> desde </a:t>
+                      </a:r>
+                      <a:r>
+                        <a:rPr lang="es-ES" sz="1000" dirty="0" err="1">
+                          <a:solidFill>
+                            <a:srgbClr val="000000"/>
+                          </a:solidFill>
+                          <a:latin typeface="Adobe Clean Light"/>
+                          <a:ea typeface="+mn-ea"/>
+                          <a:cs typeface="+mn-cs"/>
+                        </a:rPr>
+                        <a:t>Experience</a:t>
+                      </a:r>
+                      <a:r>
+                        <a:rPr lang="es-ES" sz="1000" dirty="0">
+                          <a:solidFill>
+                            <a:srgbClr val="000000"/>
+                          </a:solidFill>
+                          <a:latin typeface="Adobe Clean Light"/>
+                          <a:ea typeface="+mn-ea"/>
+                          <a:cs typeface="+mn-cs"/>
+                        </a:rPr>
+                        <a:t> League. Los cursos de formación incluyen desde lecciones bajo demanda hasta lecciones impartidas por instructores.  Aquí puede aprender habilidades con valor de mercado reconocido para impulsar el éxito en su organización.</a:t>
                       </a:r>
                     </a:p>
                   </a:txBody>
@@ -18128,27 +14852,17 @@
                         <a:defRPr/>
                       </a:pPr>
                       <a:r>
-                        <a:rPr lang="en-US" sz="1100" dirty="0">
+                        <a:rPr lang="es-ES" sz="1100" dirty="0">
                           <a:solidFill>
                             <a:schemeClr val="tx1"/>
                           </a:solidFill>
-                          <a:effectLst/>
                           <a:latin typeface="Adobe Clean"/>
                           <a:ea typeface="+mn-ea"/>
                           <a:cs typeface="+mn-cs"/>
                           <a:hlinkClick r:id="rId9"/>
                         </a:rPr>
-                        <a:t>Production Issues &amp; System Outages</a:t>
+                        <a:t>Problemas de producción e interrupciones del sistema</a:t>
                       </a:r>
-                      <a:endParaRPr lang="en-US" sz="1100" dirty="0">
-                        <a:solidFill>
-                          <a:schemeClr val="tx1"/>
-                        </a:solidFill>
-                        <a:effectLst/>
-                        <a:latin typeface="Adobe Clean"/>
-                        <a:ea typeface="+mn-ea"/>
-                        <a:cs typeface="+mn-cs"/>
-                      </a:endParaRPr>
                     </a:p>
                   </a:txBody>
                   <a:tcPr anchor="ctr">
@@ -18220,7 +14934,7 @@
                         <a:buNone/>
                       </a:pPr>
                       <a:r>
-                        <a:rPr lang="en-US" sz="1000" kern="1200" dirty="0">
+                        <a:rPr lang="es-ES" sz="1000" dirty="0">
                           <a:solidFill>
                             <a:srgbClr val="000000"/>
                           </a:solidFill>
@@ -18228,16 +14942,8 @@
                           <a:ea typeface="+mn-ea"/>
                           <a:cs typeface="+mn-cs"/>
                         </a:rPr>
-                        <a:t>Status.adobe.com conveys the health information of all Adobe products and services that are deployed in multi-tenant environments. Customers can choose their subscription preferences to get email notifications whenever Adobe creates, updates or resolves a product event. This can include scheduled maintenance or service issues of varying levels of severity. </a:t>
+                        <a:t>Status.adobe.com transmite la información de estado de todos los productos y servicios de Adobe implementados en entornos de varios inquilinos. Los clientes pueden elegir sus preferencias de suscripción para recibir notificaciones por correo electrónico cada vez que Adobe cree, actualice o resuelva un evento de producto. Esto puede incluir problemas de mantenimiento o servicio programados de diversos niveles de gravedad. </a:t>
                       </a:r>
-                      <a:endParaRPr lang="en-US" sz="1000" kern="1200">
-                        <a:solidFill>
-                          <a:srgbClr val="000000"/>
-                        </a:solidFill>
-                        <a:latin typeface="Adobe Clean Light" panose="020B0303020404020204" pitchFamily="34" charset="0"/>
-                        <a:ea typeface="+mn-ea"/>
-                        <a:cs typeface="+mn-cs"/>
-                      </a:endParaRPr>
                     </a:p>
                   </a:txBody>
                   <a:tcPr anchor="ctr">
@@ -18318,27 +15024,17 @@
                         <a:defRPr/>
                       </a:pPr>
                       <a:r>
-                        <a:rPr lang="en-US" sz="1100" dirty="0">
+                        <a:rPr lang="es-ES" sz="1100">
                           <a:solidFill>
                             <a:schemeClr val="tx1"/>
                           </a:solidFill>
-                          <a:effectLst/>
                           <a:latin typeface="Adobe Clean"/>
                           <a:ea typeface="+mn-ea"/>
                           <a:cs typeface="+mn-cs"/>
                           <a:hlinkClick r:id="rId10"/>
                         </a:rPr>
-                        <a:t>Terms and Conditions</a:t>
+                        <a:t>Términos y condiciones</a:t>
                       </a:r>
-                      <a:endParaRPr lang="en-US" sz="1100" dirty="0">
-                        <a:solidFill>
-                          <a:schemeClr val="tx1"/>
-                        </a:solidFill>
-                        <a:effectLst/>
-                        <a:latin typeface="Adobe Clean"/>
-                        <a:ea typeface="+mn-ea"/>
-                        <a:cs typeface="+mn-cs"/>
-                      </a:endParaRPr>
                     </a:p>
                   </a:txBody>
                   <a:tcPr anchor="ctr">
@@ -18395,7 +15091,7 @@
                     <a:lstStyle/>
                     <a:p>
                       <a:r>
-                        <a:rPr lang="en-US" sz="1000" kern="1200" dirty="0">
+                        <a:rPr lang="es-ES" sz="1000" dirty="0">
                           <a:solidFill>
                             <a:srgbClr val="000000"/>
                           </a:solidFill>
@@ -18403,16 +15099,8 @@
                           <a:ea typeface="+mn-ea"/>
                           <a:cs typeface="+mn-cs"/>
                         </a:rPr>
-                        <a:t>Terms and conditions detailing Support Services offerings.</a:t>
+                        <a:t>Términos y condiciones de las ofertas de los servicios de soporte.</a:t>
                       </a:r>
-                      <a:endParaRPr lang="en-US" sz="1000" kern="1200" dirty="0">
-                        <a:solidFill>
-                          <a:srgbClr val="000000"/>
-                        </a:solidFill>
-                        <a:latin typeface="Adobe Clean Light" panose="020B0303020404020204" pitchFamily="34" charset="0"/>
-                        <a:ea typeface="+mn-ea"/>
-                        <a:cs typeface="+mn-cs"/>
-                      </a:endParaRPr>
                     </a:p>
                   </a:txBody>
                   <a:tcPr anchor="ctr">
